--- a/papers/papersForKCC/논문 관련 조사 및 아이디어.pptx
+++ b/papers/papersForKCC/논문 관련 조사 및 아이디어.pptx
@@ -8891,17 +8891,100 @@
               <a:buFont typeface="Wingdings" panose="05000000000000000000" pitchFamily="2" charset="2"/>
               <a:buChar char="§"/>
             </a:pPr>
-            <a:endParaRPr lang="en-US" altLang="ko-KR" sz="1800" dirty="0">
-              <a:solidFill>
-                <a:schemeClr val="tx1">
-                  <a:lumMod val="85000"/>
-                  <a:lumOff val="15000"/>
-                </a:schemeClr>
-              </a:solidFill>
-              <a:latin typeface="나눔스퀘어 ExtraBold" panose="020B0600000101010101" pitchFamily="50" charset="-127"/>
-              <a:ea typeface="나눔스퀘어 ExtraBold" panose="020B0600000101010101" pitchFamily="50" charset="-127"/>
-              <a:cs typeface="Arial" panose="020B0604020202020204" pitchFamily="34" charset="0"/>
-            </a:endParaRPr>
+            <a:r>
+              <a:rPr lang="en-US" altLang="ko-KR" sz="2000" dirty="0">
+                <a:solidFill>
+                  <a:schemeClr val="tx1">
+                    <a:lumMod val="85000"/>
+                    <a:lumOff val="15000"/>
+                  </a:schemeClr>
+                </a:solidFill>
+                <a:latin typeface="나눔스퀘어 ExtraBold" panose="020B0600000101010101" pitchFamily="50" charset="-127"/>
+                <a:ea typeface="나눔스퀘어 ExtraBold" panose="020B0600000101010101" pitchFamily="50" charset="-127"/>
+                <a:cs typeface="Arial" panose="020B0604020202020204" pitchFamily="34" charset="0"/>
+              </a:rPr>
+              <a:t>There are a few number of papers.</a:t>
+            </a:r>
+          </a:p>
+          <a:p>
+            <a:pPr marL="432000" indent="-432000">
+              <a:lnSpc>
+                <a:spcPct val="100000"/>
+              </a:lnSpc>
+              <a:buClr>
+                <a:srgbClr val="004F9E"/>
+              </a:buClr>
+              <a:buFont typeface="Wingdings" panose="05000000000000000000" pitchFamily="2" charset="2"/>
+              <a:buChar char="§"/>
+            </a:pPr>
+            <a:r>
+              <a:rPr lang="en-US" altLang="ko-KR" sz="2000" dirty="0">
+                <a:solidFill>
+                  <a:schemeClr val="tx1">
+                    <a:lumMod val="85000"/>
+                    <a:lumOff val="15000"/>
+                  </a:schemeClr>
+                </a:solidFill>
+                <a:latin typeface="나눔스퀘어 ExtraBold" panose="020B0600000101010101" pitchFamily="50" charset="-127"/>
+                <a:ea typeface="나눔스퀘어 ExtraBold" panose="020B0600000101010101" pitchFamily="50" charset="-127"/>
+                <a:cs typeface="Arial" panose="020B0604020202020204" pitchFamily="34" charset="0"/>
+              </a:rPr>
+              <a:t>What they have in common is that they chose GNNs to be able to express data from </a:t>
+            </a:r>
+            <a:r>
+              <a:rPr lang="en-US" altLang="ko-KR" sz="2000" dirty="0" err="1">
+                <a:solidFill>
+                  <a:schemeClr val="tx1">
+                    <a:lumMod val="85000"/>
+                    <a:lumOff val="15000"/>
+                  </a:schemeClr>
+                </a:solidFill>
+                <a:latin typeface="나눔스퀘어 ExtraBold" panose="020B0600000101010101" pitchFamily="50" charset="-127"/>
+                <a:ea typeface="나눔스퀘어 ExtraBold" panose="020B0600000101010101" pitchFamily="50" charset="-127"/>
+                <a:cs typeface="Arial" panose="020B0604020202020204" pitchFamily="34" charset="0"/>
+              </a:rPr>
+              <a:t>RecSys</a:t>
+            </a:r>
+            <a:r>
+              <a:rPr lang="en-US" altLang="ko-KR" sz="2000" dirty="0">
+                <a:solidFill>
+                  <a:schemeClr val="tx1">
+                    <a:lumMod val="85000"/>
+                    <a:lumOff val="15000"/>
+                  </a:schemeClr>
+                </a:solidFill>
+                <a:latin typeface="나눔스퀘어 ExtraBold" panose="020B0600000101010101" pitchFamily="50" charset="-127"/>
+                <a:ea typeface="나눔스퀘어 ExtraBold" panose="020B0600000101010101" pitchFamily="50" charset="-127"/>
+                <a:cs typeface="Arial" panose="020B0604020202020204" pitchFamily="34" charset="0"/>
+              </a:rPr>
+              <a:t> domains based on user-item interactions</a:t>
+            </a:r>
+          </a:p>
+          <a:p>
+            <a:pPr marL="432000" indent="-432000">
+              <a:lnSpc>
+                <a:spcPct val="100000"/>
+              </a:lnSpc>
+              <a:buClr>
+                <a:srgbClr val="004F9E"/>
+              </a:buClr>
+              <a:buFont typeface="Wingdings" panose="05000000000000000000" pitchFamily="2" charset="2"/>
+              <a:buChar char="§"/>
+            </a:pPr>
+            <a:r>
+              <a:rPr lang="en-US" altLang="ko-KR" sz="2000" dirty="0">
+                <a:solidFill>
+                  <a:schemeClr val="tx1">
+                    <a:lumMod val="85000"/>
+                    <a:lumOff val="15000"/>
+                  </a:schemeClr>
+                </a:solidFill>
+                <a:latin typeface="나눔스퀘어 ExtraBold" panose="020B0600000101010101" pitchFamily="50" charset="-127"/>
+                <a:ea typeface="나눔스퀘어 ExtraBold" panose="020B0600000101010101" pitchFamily="50" charset="-127"/>
+                <a:cs typeface="Arial" panose="020B0604020202020204" pitchFamily="34" charset="0"/>
+              </a:rPr>
+              <a:t>Essentially, Continual learning has been chosen to capture and preserve user’s preferences that continue to change over time</a:t>
+            </a:r>
           </a:p>
         </p:txBody>
       </p:sp>
@@ -9064,7 +9147,35 @@
               <a:buFont typeface="Wingdings" panose="05000000000000000000" pitchFamily="2" charset="2"/>
               <a:buChar char="§"/>
             </a:pPr>
-            <a:endParaRPr lang="en-US" altLang="ko-KR" sz="1800" dirty="0">
+            <a:r>
+              <a:rPr lang="en-US" altLang="ko-KR" sz="2000" dirty="0">
+                <a:solidFill>
+                  <a:schemeClr val="tx1">
+                    <a:lumMod val="85000"/>
+                    <a:lumOff val="15000"/>
+                  </a:schemeClr>
+                </a:solidFill>
+                <a:latin typeface="나눔스퀘어 ExtraBold" panose="020B0600000101010101" pitchFamily="50" charset="-127"/>
+                <a:ea typeface="나눔스퀘어 ExtraBold" panose="020B0600000101010101" pitchFamily="50" charset="-127"/>
+                <a:cs typeface="Arial" panose="020B0604020202020204" pitchFamily="34" charset="0"/>
+              </a:rPr>
+              <a:t>Used GNN model = </a:t>
+            </a:r>
+            <a:r>
+              <a:rPr lang="en-US" altLang="ko-KR" sz="2000" dirty="0" err="1">
+                <a:solidFill>
+                  <a:schemeClr val="tx1">
+                    <a:lumMod val="85000"/>
+                    <a:lumOff val="15000"/>
+                  </a:schemeClr>
+                </a:solidFill>
+                <a:latin typeface="나눔스퀘어 ExtraBold" panose="020B0600000101010101" pitchFamily="50" charset="-127"/>
+                <a:ea typeface="나눔스퀘어 ExtraBold" panose="020B0600000101010101" pitchFamily="50" charset="-127"/>
+                <a:cs typeface="Arial" panose="020B0604020202020204" pitchFamily="34" charset="0"/>
+              </a:rPr>
+              <a:t>pinSAGE</a:t>
+            </a:r>
+            <a:endParaRPr lang="en-US" altLang="ko-KR" sz="2000" dirty="0">
               <a:solidFill>
                 <a:schemeClr val="tx1">
                   <a:lumMod val="85000"/>
@@ -9075,6 +9186,32 @@
               <a:ea typeface="나눔스퀘어 ExtraBold" panose="020B0600000101010101" pitchFamily="50" charset="-127"/>
               <a:cs typeface="Arial" panose="020B0604020202020204" pitchFamily="34" charset="0"/>
             </a:endParaRPr>
+          </a:p>
+          <a:p>
+            <a:pPr marL="432000" indent="-432000">
+              <a:lnSpc>
+                <a:spcPct val="100000"/>
+              </a:lnSpc>
+              <a:buClr>
+                <a:srgbClr val="004F9E"/>
+              </a:buClr>
+              <a:buFont typeface="Wingdings" panose="05000000000000000000" pitchFamily="2" charset="2"/>
+              <a:buChar char="§"/>
+            </a:pPr>
+            <a:r>
+              <a:rPr lang="en-US" altLang="ko-KR" sz="2000" dirty="0">
+                <a:solidFill>
+                  <a:schemeClr val="tx1">
+                    <a:lumMod val="85000"/>
+                    <a:lumOff val="15000"/>
+                  </a:schemeClr>
+                </a:solidFill>
+                <a:latin typeface="나눔스퀘어 ExtraBold" panose="020B0600000101010101" pitchFamily="50" charset="-127"/>
+                <a:ea typeface="나눔스퀘어 ExtraBold" panose="020B0600000101010101" pitchFamily="50" charset="-127"/>
+                <a:cs typeface="Arial" panose="020B0604020202020204" pitchFamily="34" charset="0"/>
+              </a:rPr>
+              <a:t>Continual learning approach = regularization, knowledge distillation</a:t>
+            </a:r>
           </a:p>
         </p:txBody>
       </p:sp>
@@ -9226,7 +9363,84 @@
               <a:buFont typeface="Wingdings" panose="05000000000000000000" pitchFamily="2" charset="2"/>
               <a:buChar char="§"/>
             </a:pPr>
-            <a:endParaRPr lang="en-US" altLang="ko-KR" sz="1800" dirty="0">
+            <a:r>
+              <a:rPr lang="en-US" altLang="ko-KR" sz="2000" dirty="0">
+                <a:solidFill>
+                  <a:schemeClr val="tx1">
+                    <a:lumMod val="85000"/>
+                    <a:lumOff val="15000"/>
+                  </a:schemeClr>
+                </a:solidFill>
+                <a:latin typeface="나눔스퀘어 ExtraBold" panose="020B0600000101010101" pitchFamily="50" charset="-127"/>
+                <a:ea typeface="나눔스퀘어 ExtraBold" panose="020B0600000101010101" pitchFamily="50" charset="-127"/>
+                <a:cs typeface="Arial" panose="020B0604020202020204" pitchFamily="34" charset="0"/>
+              </a:rPr>
+              <a:t>Used GNN model = </a:t>
+            </a:r>
+            <a:r>
+              <a:rPr lang="en-US" altLang="ko-KR" sz="2000" dirty="0" err="1">
+                <a:solidFill>
+                  <a:schemeClr val="tx1">
+                    <a:lumMod val="85000"/>
+                    <a:lumOff val="15000"/>
+                  </a:schemeClr>
+                </a:solidFill>
+                <a:latin typeface="나눔스퀘어 ExtraBold" panose="020B0600000101010101" pitchFamily="50" charset="-127"/>
+                <a:ea typeface="나눔스퀘어 ExtraBold" panose="020B0600000101010101" pitchFamily="50" charset="-127"/>
+                <a:cs typeface="Arial" panose="020B0604020202020204" pitchFamily="34" charset="0"/>
+              </a:rPr>
+              <a:t>LightGCN</a:t>
+            </a:r>
+            <a:endParaRPr lang="en-US" altLang="ko-KR" sz="2000" dirty="0">
+              <a:solidFill>
+                <a:schemeClr val="tx1">
+                  <a:lumMod val="85000"/>
+                  <a:lumOff val="15000"/>
+                </a:schemeClr>
+              </a:solidFill>
+              <a:latin typeface="나눔스퀘어 ExtraBold" panose="020B0600000101010101" pitchFamily="50" charset="-127"/>
+              <a:ea typeface="나눔스퀘어 ExtraBold" panose="020B0600000101010101" pitchFamily="50" charset="-127"/>
+              <a:cs typeface="Arial" panose="020B0604020202020204" pitchFamily="34" charset="0"/>
+            </a:endParaRPr>
+          </a:p>
+          <a:p>
+            <a:pPr marL="432000" indent="-432000">
+              <a:lnSpc>
+                <a:spcPct val="100000"/>
+              </a:lnSpc>
+              <a:buClr>
+                <a:srgbClr val="004F9E"/>
+              </a:buClr>
+              <a:buFont typeface="Wingdings" panose="05000000000000000000" pitchFamily="2" charset="2"/>
+              <a:buChar char="§"/>
+            </a:pPr>
+            <a:r>
+              <a:rPr lang="en-US" altLang="ko-KR" sz="2000" dirty="0">
+                <a:solidFill>
+                  <a:schemeClr val="tx1">
+                    <a:lumMod val="85000"/>
+                    <a:lumOff val="15000"/>
+                  </a:schemeClr>
+                </a:solidFill>
+                <a:latin typeface="나눔스퀘어 ExtraBold" panose="020B0600000101010101" pitchFamily="50" charset="-127"/>
+                <a:ea typeface="나눔스퀘어 ExtraBold" panose="020B0600000101010101" pitchFamily="50" charset="-127"/>
+                <a:cs typeface="Arial" panose="020B0604020202020204" pitchFamily="34" charset="0"/>
+              </a:rPr>
+              <a:t>Continual learning approach = regularization, knowledge distillation</a:t>
+            </a:r>
+          </a:p>
+          <a:p>
+            <a:pPr marL="432000" indent="-432000">
+              <a:lnSpc>
+                <a:spcPct val="100000"/>
+              </a:lnSpc>
+              <a:buClr>
+                <a:srgbClr val="004F9E"/>
+              </a:buClr>
+              <a:buFont typeface="Wingdings" panose="05000000000000000000" pitchFamily="2" charset="2"/>
+              <a:buChar char="§"/>
+            </a:pPr>
+            <a:endParaRPr lang="en-US" altLang="ko-KR" sz="2000" dirty="0">
               <a:solidFill>
                 <a:schemeClr val="tx1">
                   <a:lumMod val="85000"/>

--- a/papers/papersForKCC/논문 관련 조사 및 아이디어.pptx
+++ b/papers/papersForKCC/논문 관련 조사 및 아이디어.pptx
@@ -13,15 +13,15 @@
     <p:sldId id="258" r:id="rId4"/>
     <p:sldId id="260" r:id="rId5"/>
     <p:sldId id="261" r:id="rId6"/>
-    <p:sldId id="262" r:id="rId7"/>
-    <p:sldId id="263" r:id="rId8"/>
-    <p:sldId id="264" r:id="rId9"/>
-    <p:sldId id="265" r:id="rId10"/>
-    <p:sldId id="266" r:id="rId11"/>
-    <p:sldId id="267" r:id="rId12"/>
-    <p:sldId id="270" r:id="rId13"/>
-    <p:sldId id="268" r:id="rId14"/>
-    <p:sldId id="269" r:id="rId15"/>
+    <p:sldId id="263" r:id="rId7"/>
+    <p:sldId id="264" r:id="rId8"/>
+    <p:sldId id="265" r:id="rId9"/>
+    <p:sldId id="266" r:id="rId10"/>
+    <p:sldId id="267" r:id="rId11"/>
+    <p:sldId id="270" r:id="rId12"/>
+    <p:sldId id="268" r:id="rId13"/>
+    <p:sldId id="269" r:id="rId14"/>
+    <p:sldId id="262" r:id="rId15"/>
     <p:sldId id="271" r:id="rId16"/>
     <p:sldId id="272" r:id="rId17"/>
   </p:sldIdLst>
@@ -620,11 +620,27 @@
           <a:p>
             <a:r>
               <a:rPr lang="en-US" altLang="ko-KR" dirty="0"/>
-              <a:t>GNN</a:t>
+              <a:t>CF</a:t>
             </a:r>
             <a:r>
               <a:rPr lang="ko-KR" altLang="en-US" dirty="0"/>
-              <a:t>에 추천 도메인을 적용한 사례를 정리했다</a:t>
+              <a:t>는 유저와 아이템 간의 상호작용을 바탕으로 </a:t>
+            </a:r>
+            <a:r>
+              <a:rPr lang="en-US" altLang="ko-KR" dirty="0"/>
+              <a:t>collaborative signal</a:t>
+            </a:r>
+            <a:r>
+              <a:rPr lang="ko-KR" altLang="en-US" dirty="0"/>
+              <a:t>을 </a:t>
+            </a:r>
+            <a:r>
+              <a:rPr lang="ko-KR" altLang="en-US" dirty="0" err="1"/>
+              <a:t>캡쳐하는</a:t>
+            </a:r>
+            <a:r>
+              <a:rPr lang="ko-KR" altLang="en-US" dirty="0"/>
+              <a:t> 것이 핵심이다</a:t>
             </a:r>
             <a:r>
               <a:rPr lang="en-US" altLang="ko-KR" dirty="0"/>
@@ -632,29 +648,81 @@
             </a:r>
           </a:p>
           <a:p>
+            <a:endParaRPr lang="en-US" altLang="ko-KR" dirty="0"/>
+          </a:p>
+          <a:p>
+            <a:r>
+              <a:rPr lang="ko-KR" altLang="en-US" dirty="0"/>
+              <a:t>여기서는 </a:t>
+            </a:r>
+            <a:r>
+              <a:rPr lang="ko-KR" altLang="en-US" dirty="0" err="1"/>
+              <a:t>어떤식으로</a:t>
+            </a:r>
+            <a:endParaRPr lang="en-US" altLang="ko-KR" dirty="0"/>
+          </a:p>
+          <a:p>
             <a:r>
               <a:rPr lang="en-US" altLang="ko-KR" dirty="0"/>
-              <a:t>GNN</a:t>
+              <a:t>Graph construction</a:t>
             </a:r>
             <a:r>
               <a:rPr lang="ko-KR" altLang="en-US" dirty="0"/>
-              <a:t>은 </a:t>
+              <a:t>을 어떻게 하는가</a:t>
             </a:r>
             <a:r>
               <a:rPr lang="en-US" altLang="ko-KR" dirty="0"/>
-              <a:t>rep learning</a:t>
+              <a:t>,</a:t>
+            </a:r>
+          </a:p>
+          <a:p>
+            <a:r>
+              <a:rPr lang="en-US" altLang="ko-KR" dirty="0"/>
+              <a:t>Neighbor </a:t>
+            </a:r>
+            <a:r>
+              <a:rPr lang="en-US" altLang="ko-KR" dirty="0" err="1"/>
+              <a:t>agg</a:t>
             </a:r>
             <a:r>
               <a:rPr lang="ko-KR" altLang="en-US" dirty="0"/>
-              <a:t>에 강력한 성능을 증명했고</a:t>
+              <a:t>를 하는가</a:t>
             </a:r>
             <a:r>
               <a:rPr lang="en-US" altLang="ko-KR" dirty="0"/>
-              <a:t>.. </a:t>
+              <a:t>,</a:t>
+            </a:r>
+          </a:p>
+          <a:p>
+            <a:r>
+              <a:rPr lang="en-US" altLang="ko-KR" dirty="0"/>
+              <a:t>Information update</a:t>
             </a:r>
             <a:r>
               <a:rPr lang="ko-KR" altLang="en-US" dirty="0"/>
-              <a:t>추천 데이터는 대부분 그래프 구조를 가지고 있다</a:t>
+              <a:t>를 하는가</a:t>
+            </a:r>
+            <a:r>
+              <a:rPr lang="en-US" altLang="ko-KR" dirty="0"/>
+              <a:t>,</a:t>
+            </a:r>
+          </a:p>
+          <a:p>
+            <a:r>
+              <a:rPr lang="en-US" altLang="ko-KR" dirty="0"/>
+              <a:t>Final node rep</a:t>
+            </a:r>
+            <a:r>
+              <a:rPr lang="ko-KR" altLang="en-US" dirty="0"/>
+              <a:t>을 어떻게 </a:t>
+            </a:r>
+            <a:r>
+              <a:rPr lang="ko-KR" altLang="en-US" dirty="0" err="1"/>
+              <a:t>표현하는가가</a:t>
+            </a:r>
+            <a:r>
+              <a:rPr lang="ko-KR" altLang="en-US" dirty="0"/>
+              <a:t> 핵심</a:t>
             </a:r>
             <a:r>
               <a:rPr lang="en-US" altLang="ko-KR" dirty="0"/>
@@ -667,57 +735,49 @@
           <a:p>
             <a:r>
               <a:rPr lang="en-US" altLang="ko-KR" dirty="0"/>
-              <a:t>Information</a:t>
+              <a:t>Graph construction: </a:t>
             </a:r>
             <a:r>
               <a:rPr lang="ko-KR" altLang="en-US" dirty="0"/>
-              <a:t>의 종류와 추천 태스크 별로 카테고리를 나눌 수 있다</a:t>
+              <a:t>일단 </a:t>
             </a:r>
             <a:r>
               <a:rPr lang="en-US" altLang="ko-KR" dirty="0"/>
-              <a:t>.</a:t>
-            </a:r>
-          </a:p>
-          <a:p>
-            <a:pPr marL="228600" indent="-228600">
-              <a:buAutoNum type="arabicPeriod"/>
-            </a:pPr>
+              <a:t>bipartite </a:t>
+            </a:r>
+            <a:r>
+              <a:rPr lang="ko-KR" altLang="en-US" dirty="0"/>
+              <a:t>그래프 </a:t>
+            </a:r>
+            <a:r>
+              <a:rPr lang="ko-KR" altLang="en-US" dirty="0" err="1"/>
+              <a:t>사용하는게</a:t>
+            </a:r>
+            <a:r>
+              <a:rPr lang="ko-KR" altLang="en-US" dirty="0"/>
+              <a:t> 젤 좋은데</a:t>
+            </a:r>
             <a:r>
               <a:rPr lang="en-US" altLang="ko-KR" dirty="0"/>
-              <a:t>CF</a:t>
-            </a:r>
-          </a:p>
-          <a:p>
-            <a:pPr marL="228600" indent="-228600">
-              <a:buAutoNum type="arabicPeriod"/>
-            </a:pPr>
-            <a:r>
-              <a:rPr lang="ko-KR" altLang="en-US" dirty="0" err="1"/>
-              <a:t>시퀀셜</a:t>
+              <a:t>, </a:t>
+            </a:r>
+          </a:p>
+          <a:p>
+            <a:r>
+              <a:rPr lang="en-US" altLang="ko-KR" dirty="0"/>
+              <a:t>Neighbor </a:t>
+            </a:r>
+            <a:r>
+              <a:rPr lang="en-US" altLang="ko-KR" dirty="0" err="1"/>
+              <a:t>agg</a:t>
+            </a:r>
+            <a:r>
+              <a:rPr lang="en-US" altLang="ko-KR" dirty="0"/>
+              <a:t>: </a:t>
             </a:r>
             <a:r>
               <a:rPr lang="ko-KR" altLang="en-US" dirty="0"/>
-              <a:t> 추천</a:t>
-            </a:r>
-            <a:endParaRPr lang="en-US" altLang="ko-KR" dirty="0"/>
-          </a:p>
-          <a:p>
-            <a:pPr marL="228600" indent="-228600">
-              <a:buAutoNum type="arabicPeriod"/>
-            </a:pPr>
-            <a:r>
-              <a:rPr lang="ko-KR" altLang="en-US" dirty="0"/>
-              <a:t>소셜</a:t>
-            </a:r>
-            <a:endParaRPr lang="en-US" altLang="ko-KR" dirty="0"/>
-          </a:p>
-          <a:p>
-            <a:pPr marL="228600" indent="-228600">
-              <a:buAutoNum type="arabicPeriod"/>
-            </a:pPr>
-            <a:r>
-              <a:rPr lang="ko-KR" altLang="en-US" dirty="0"/>
-              <a:t>지식 그래프</a:t>
+              <a:t>가장 직</a:t>
             </a:r>
           </a:p>
         </p:txBody>
@@ -748,7 +808,7 @@
     </p:spTree>
     <p:extLst>
       <p:ext uri="{BB962C8B-B14F-4D97-AF65-F5344CB8AC3E}">
-        <p14:creationId xmlns:p14="http://schemas.microsoft.com/office/powerpoint/2010/main" val="2697507245"/>
+        <p14:creationId xmlns:p14="http://schemas.microsoft.com/office/powerpoint/2010/main" val="4254071109"/>
       </p:ext>
     </p:extLst>
   </p:cSld>
@@ -802,29 +862,83 @@
           <a:bodyPr/>
           <a:lstStyle/>
           <a:p>
+            <a:pPr marL="228600" indent="-228600">
+              <a:buAutoNum type="arabicPeriod"/>
+            </a:pPr>
             <a:r>
               <a:rPr lang="en-US" altLang="ko-KR" dirty="0"/>
-              <a:t>CF</a:t>
+              <a:t>Causal </a:t>
+            </a:r>
+            <a:r>
+              <a:rPr lang="en-US" altLang="ko-KR" dirty="0" err="1"/>
+              <a:t>incre</a:t>
+            </a:r>
+            <a:r>
+              <a:rPr lang="en-US" altLang="ko-KR" dirty="0"/>
+              <a:t> + </a:t>
             </a:r>
             <a:r>
               <a:rPr lang="ko-KR" altLang="en-US" dirty="0"/>
-              <a:t>는 유저와 아이템 간의 상호작용을 바탕으로 </a:t>
+              <a:t>다른 </a:t>
             </a:r>
             <a:r>
               <a:rPr lang="en-US" altLang="ko-KR" dirty="0"/>
-              <a:t>collaborative signal</a:t>
+              <a:t>GNN </a:t>
             </a:r>
             <a:r>
               <a:rPr lang="ko-KR" altLang="en-US" dirty="0"/>
-              <a:t>을 </a:t>
-            </a:r>
-            <a:r>
-              <a:rPr lang="ko-KR" altLang="en-US" dirty="0" err="1"/>
-              <a:t>캡쳐하는</a:t>
+              <a:t>모델 </a:t>
+            </a:r>
+            <a:r>
+              <a:rPr lang="en-US" altLang="ko-KR" dirty="0"/>
+              <a:t>like </a:t>
+            </a:r>
+            <a:r>
+              <a:rPr lang="en-US" altLang="ko-KR" dirty="0" err="1"/>
+              <a:t>pinsage</a:t>
+            </a:r>
+            <a:r>
+              <a:rPr lang="en-US" altLang="ko-KR" dirty="0"/>
+              <a:t> </a:t>
+            </a:r>
+          </a:p>
+          <a:p>
+            <a:pPr marL="228600" indent="-228600">
+              <a:buAutoNum type="arabicPeriod"/>
+            </a:pPr>
+            <a:endParaRPr lang="en-US" altLang="ko-KR" dirty="0"/>
+          </a:p>
+          <a:p>
+            <a:pPr marL="0" indent="0">
+              <a:buNone/>
+            </a:pPr>
+            <a:r>
+              <a:rPr lang="en-US" altLang="ko-KR" dirty="0"/>
+              <a:t>Causal </a:t>
             </a:r>
             <a:r>
               <a:rPr lang="ko-KR" altLang="en-US" dirty="0"/>
-              <a:t> 것이 핵심이다</a:t>
+              <a:t>은 결과가 너무 사기적이기 때문에 다른 </a:t>
+            </a:r>
+            <a:r>
+              <a:rPr lang="en-US" altLang="ko-KR" dirty="0" err="1"/>
+              <a:t>gnn</a:t>
+            </a:r>
+            <a:r>
+              <a:rPr lang="en-US" altLang="ko-KR" dirty="0"/>
+              <a:t> </a:t>
+            </a:r>
+            <a:r>
+              <a:rPr lang="ko-KR" altLang="en-US" dirty="0"/>
+              <a:t>모델에서도 </a:t>
+            </a:r>
+            <a:r>
+              <a:rPr lang="en-US" altLang="ko-KR" dirty="0"/>
+              <a:t>general</a:t>
+            </a:r>
+            <a:r>
+              <a:rPr lang="ko-KR" altLang="en-US" dirty="0"/>
+              <a:t>하게 동작하는지 검증이 필요</a:t>
             </a:r>
             <a:r>
               <a:rPr lang="en-US" altLang="ko-KR" dirty="0"/>
@@ -832,137 +946,10 @@
             </a:r>
           </a:p>
           <a:p>
-            <a:endParaRPr lang="en-US" altLang="ko-KR" dirty="0"/>
-          </a:p>
-          <a:p>
-            <a:r>
-              <a:rPr lang="ko-KR" altLang="en-US" dirty="0"/>
-              <a:t>여기서는 </a:t>
-            </a:r>
-            <a:r>
-              <a:rPr lang="ko-KR" altLang="en-US" dirty="0" err="1"/>
-              <a:t>어떤식으로</a:t>
-            </a:r>
-            <a:endParaRPr lang="en-US" altLang="ko-KR" dirty="0"/>
-          </a:p>
-          <a:p>
-            <a:r>
-              <a:rPr lang="en-US" altLang="ko-KR" dirty="0"/>
-              <a:t>Graph construction</a:t>
-            </a:r>
-            <a:r>
-              <a:rPr lang="ko-KR" altLang="en-US" dirty="0"/>
-              <a:t>을 어떻게 하는가</a:t>
-            </a:r>
-            <a:r>
-              <a:rPr lang="en-US" altLang="ko-KR" dirty="0"/>
-              <a:t>,</a:t>
-            </a:r>
-          </a:p>
-          <a:p>
-            <a:r>
-              <a:rPr lang="en-US" altLang="ko-KR" dirty="0"/>
-              <a:t>Neighbor </a:t>
-            </a:r>
-            <a:r>
-              <a:rPr lang="en-US" altLang="ko-KR" dirty="0" err="1"/>
-              <a:t>agg</a:t>
-            </a:r>
-            <a:r>
-              <a:rPr lang="ko-KR" altLang="en-US" dirty="0"/>
-              <a:t>를 하는가</a:t>
-            </a:r>
-            <a:r>
-              <a:rPr lang="en-US" altLang="ko-KR" dirty="0"/>
-              <a:t>,</a:t>
-            </a:r>
-          </a:p>
-          <a:p>
-            <a:r>
-              <a:rPr lang="en-US" altLang="ko-KR" dirty="0"/>
-              <a:t>Information update</a:t>
-            </a:r>
-            <a:r>
-              <a:rPr lang="ko-KR" altLang="en-US" dirty="0"/>
-              <a:t>를 하는가</a:t>
-            </a:r>
-            <a:r>
-              <a:rPr lang="en-US" altLang="ko-KR" dirty="0"/>
-              <a:t>,</a:t>
-            </a:r>
-          </a:p>
-          <a:p>
-            <a:r>
-              <a:rPr lang="en-US" altLang="ko-KR" dirty="0"/>
-              <a:t>Final node rep</a:t>
-            </a:r>
-            <a:r>
-              <a:rPr lang="ko-KR" altLang="en-US" dirty="0"/>
-              <a:t>을 어떻게 </a:t>
-            </a:r>
-            <a:r>
-              <a:rPr lang="ko-KR" altLang="en-US" dirty="0" err="1"/>
-              <a:t>표현하는가가</a:t>
-            </a:r>
-            <a:r>
-              <a:rPr lang="ko-KR" altLang="en-US" dirty="0"/>
-              <a:t> 핵심</a:t>
-            </a:r>
-            <a:r>
-              <a:rPr lang="en-US" altLang="ko-KR" dirty="0"/>
-              <a:t>.</a:t>
-            </a:r>
-          </a:p>
-          <a:p>
-            <a:endParaRPr lang="en-US" altLang="ko-KR" dirty="0"/>
-          </a:p>
-          <a:p>
-            <a:r>
-              <a:rPr lang="en-US" altLang="ko-KR" dirty="0"/>
-              <a:t>Graph construction: </a:t>
-            </a:r>
-            <a:r>
-              <a:rPr lang="ko-KR" altLang="en-US" dirty="0"/>
-              <a:t>일단 </a:t>
-            </a:r>
-            <a:r>
-              <a:rPr lang="en-US" altLang="ko-KR" dirty="0"/>
-              <a:t>bipartite </a:t>
-            </a:r>
-            <a:r>
-              <a:rPr lang="ko-KR" altLang="en-US" dirty="0"/>
-              <a:t>그래프 </a:t>
-            </a:r>
-            <a:r>
-              <a:rPr lang="ko-KR" altLang="en-US" dirty="0" err="1"/>
-              <a:t>사용하는게</a:t>
-            </a:r>
-            <a:r>
-              <a:rPr lang="ko-KR" altLang="en-US" dirty="0"/>
-              <a:t> 젤 좋은데</a:t>
-            </a:r>
-            <a:r>
-              <a:rPr lang="en-US" altLang="ko-KR" dirty="0"/>
-              <a:t>, </a:t>
-            </a:r>
-          </a:p>
-          <a:p>
-            <a:r>
-              <a:rPr lang="en-US" altLang="ko-KR" dirty="0"/>
-              <a:t>Neighbor </a:t>
-            </a:r>
-            <a:r>
-              <a:rPr lang="en-US" altLang="ko-KR" dirty="0" err="1"/>
-              <a:t>agg</a:t>
-            </a:r>
-            <a:r>
-              <a:rPr lang="en-US" altLang="ko-KR" dirty="0"/>
-              <a:t>: </a:t>
-            </a:r>
-            <a:r>
-              <a:rPr lang="ko-KR" altLang="en-US" dirty="0"/>
-              <a:t>가장 직</a:t>
-            </a:r>
+            <a:pPr marL="0" indent="0">
+              <a:buNone/>
+            </a:pPr>
+            <a:endParaRPr lang="ko-KR" altLang="en-US" dirty="0"/>
           </a:p>
         </p:txBody>
       </p:sp>
@@ -992,7 +979,7 @@
     </p:spTree>
     <p:extLst>
       <p:ext uri="{BB962C8B-B14F-4D97-AF65-F5344CB8AC3E}">
-        <p14:creationId xmlns:p14="http://schemas.microsoft.com/office/powerpoint/2010/main" val="4254071109"/>
+        <p14:creationId xmlns:p14="http://schemas.microsoft.com/office/powerpoint/2010/main" val="2252677923"/>
       </p:ext>
     </p:extLst>
   </p:cSld>
@@ -1050,47 +1037,81 @@
               <a:buAutoNum type="arabicPeriod"/>
             </a:pPr>
             <a:r>
+              <a:rPr lang="en-US" altLang="ko-KR" dirty="0" err="1"/>
+              <a:t>graphSAIL</a:t>
+            </a:r>
+            <a:r>
+              <a:rPr lang="ko-KR" altLang="en-US" dirty="0"/>
+              <a:t> </a:t>
+            </a:r>
+            <a:r>
               <a:rPr lang="en-US" altLang="ko-KR" dirty="0"/>
-              <a:t>Causal </a:t>
+              <a:t>+</a:t>
+            </a:r>
+            <a:r>
+              <a:rPr lang="ko-KR" altLang="en-US" dirty="0"/>
+              <a:t> </a:t>
+            </a:r>
+            <a:r>
+              <a:rPr lang="en-US" altLang="ko-KR" dirty="0"/>
+              <a:t>memory, </a:t>
             </a:r>
             <a:r>
               <a:rPr lang="en-US" altLang="ko-KR" dirty="0" err="1"/>
-              <a:t>incre</a:t>
-            </a:r>
-            <a:r>
-              <a:rPr lang="en-US" altLang="ko-KR" dirty="0"/>
-              <a:t> + </a:t>
-            </a:r>
-            <a:r>
-              <a:rPr lang="ko-KR" altLang="en-US" dirty="0"/>
-              <a:t>다른 </a:t>
-            </a:r>
-            <a:r>
-              <a:rPr lang="en-US" altLang="ko-KR" dirty="0"/>
-              <a:t>GNN </a:t>
-            </a:r>
-            <a:r>
-              <a:rPr lang="ko-KR" altLang="en-US" dirty="0"/>
-              <a:t>모델 </a:t>
-            </a:r>
-            <a:r>
-              <a:rPr lang="en-US" altLang="ko-KR" dirty="0"/>
-              <a:t>like </a:t>
-            </a:r>
-            <a:r>
-              <a:rPr lang="en-US" altLang="ko-KR" dirty="0" err="1"/>
-              <a:t>pinsage</a:t>
-            </a:r>
-            <a:r>
-              <a:rPr lang="en-US" altLang="ko-KR" dirty="0"/>
-              <a:t> </a:t>
-            </a:r>
+              <a:t>iCaRL</a:t>
+            </a:r>
+            <a:endParaRPr lang="en-US" altLang="ko-KR" dirty="0"/>
+          </a:p>
+          <a:p>
+            <a:pPr marL="228600" indent="-228600">
+              <a:buAutoNum type="arabicPeriod"/>
+            </a:pPr>
+            <a:endParaRPr lang="en-US" altLang="ko-KR" dirty="0"/>
           </a:p>
           <a:p>
             <a:pPr marL="0" indent="0">
               <a:buNone/>
             </a:pPr>
-            <a:endParaRPr lang="ko-KR" altLang="en-US" dirty="0"/>
+            <a:r>
+              <a:rPr lang="ko-KR" altLang="en-US" dirty="0"/>
+              <a:t>현재 </a:t>
+            </a:r>
+            <a:r>
+              <a:rPr lang="en-US" altLang="ko-KR" dirty="0" err="1"/>
+              <a:t>graphSAIL</a:t>
+            </a:r>
+            <a:r>
+              <a:rPr lang="ko-KR" altLang="en-US" dirty="0"/>
+              <a:t>은 </a:t>
+            </a:r>
+            <a:r>
+              <a:rPr lang="en-US" altLang="ko-KR" dirty="0"/>
+              <a:t>KD</a:t>
+            </a:r>
+            <a:r>
+              <a:rPr lang="ko-KR" altLang="en-US" dirty="0"/>
+              <a:t>기반 </a:t>
+            </a:r>
+            <a:r>
+              <a:rPr lang="en-US" altLang="ko-KR" dirty="0"/>
+              <a:t>reg </a:t>
+            </a:r>
+            <a:r>
+              <a:rPr lang="ko-KR" altLang="en-US" dirty="0"/>
+              <a:t>방식에 집중하고 있음 여기에 </a:t>
+            </a:r>
+            <a:r>
+              <a:rPr lang="en-US" altLang="ko-KR" dirty="0"/>
+              <a:t>+memory </a:t>
+            </a:r>
+            <a:r>
+              <a:rPr lang="ko-KR" altLang="en-US" dirty="0"/>
+              <a:t>방식이 들어간다면</a:t>
+            </a:r>
+            <a:r>
+              <a:rPr lang="en-US" altLang="ko-KR" dirty="0"/>
+              <a:t>?</a:t>
+            </a:r>
           </a:p>
         </p:txBody>
       </p:sp>
@@ -1120,7 +1141,7 @@
     </p:spTree>
     <p:extLst>
       <p:ext uri="{BB962C8B-B14F-4D97-AF65-F5344CB8AC3E}">
-        <p14:creationId xmlns:p14="http://schemas.microsoft.com/office/powerpoint/2010/main" val="2252677923"/>
+        <p14:creationId xmlns:p14="http://schemas.microsoft.com/office/powerpoint/2010/main" val="2690387154"/>
       </p:ext>
     </p:extLst>
   </p:cSld>
@@ -1174,58 +1195,51 @@
           <a:bodyPr/>
           <a:lstStyle/>
           <a:p>
-            <a:pPr marL="228600" indent="-228600">
-              <a:buAutoNum type="arabicPeriod"/>
+            <a:pPr marL="0" marR="0" lvl="0" indent="0" algn="l" defTabSz="914400" rtl="0" eaLnBrk="1" fontAlgn="auto" latinLnBrk="1" hangingPunct="1">
+              <a:lnSpc>
+                <a:spcPct val="100000"/>
+              </a:lnSpc>
+              <a:spcBef>
+                <a:spcPts val="0"/>
+              </a:spcBef>
+              <a:spcAft>
+                <a:spcPts val="0"/>
+              </a:spcAft>
+              <a:buClrTx/>
+              <a:buSzTx/>
+              <a:buFontTx/>
+              <a:buNone/>
+              <a:tabLst/>
+              <a:defRPr/>
             </a:pPr>
             <a:r>
-              <a:rPr lang="en-US" altLang="ko-KR" dirty="0" err="1"/>
-              <a:t>graphSAIL</a:t>
-            </a:r>
-            <a:r>
-              <a:rPr lang="ko-KR" altLang="en-US" dirty="0"/>
-              <a:t> </a:t>
-            </a:r>
+              <a:rPr lang="en-US" altLang="ko-KR" sz="1200" dirty="0">
+                <a:solidFill>
+                  <a:schemeClr val="tx1">
+                    <a:lumMod val="85000"/>
+                    <a:lumOff val="15000"/>
+                  </a:schemeClr>
+                </a:solidFill>
+                <a:latin typeface="나눔스퀘어 ExtraBold" panose="020B0600000101010101" pitchFamily="50" charset="-127"/>
+                <a:ea typeface="나눔스퀘어 ExtraBold" panose="020B0600000101010101" pitchFamily="50" charset="-127"/>
+                <a:cs typeface="Arial" panose="020B0604020202020204" pitchFamily="34" charset="0"/>
+              </a:rPr>
+              <a:t>Lightweight Compositional Embeddings for Incremental Streaming Recommendation</a:t>
+            </a:r>
+          </a:p>
+          <a:p>
+            <a:endParaRPr lang="en-US" altLang="ko-KR" dirty="0"/>
+          </a:p>
+          <a:p>
             <a:r>
               <a:rPr lang="en-US" altLang="ko-KR" dirty="0"/>
-              <a:t>+</a:t>
-            </a:r>
-            <a:r>
-              <a:rPr lang="ko-KR" altLang="en-US" dirty="0"/>
-              <a:t> </a:t>
-            </a:r>
+              <a:t>GNN model = ??</a:t>
+            </a:r>
+          </a:p>
+          <a:p>
             <a:r>
               <a:rPr lang="en-US" altLang="ko-KR" dirty="0"/>
-              <a:t>memory, </a:t>
-            </a:r>
-            <a:r>
-              <a:rPr lang="en-US" altLang="ko-KR" dirty="0" err="1"/>
-              <a:t>iCaRL</a:t>
-            </a:r>
-            <a:endParaRPr lang="en-US" altLang="ko-KR" dirty="0"/>
-          </a:p>
-          <a:p>
-            <a:pPr marL="228600" indent="-228600">
-              <a:buAutoNum type="arabicPeriod"/>
-            </a:pPr>
-            <a:r>
-              <a:rPr lang="en-US" altLang="ko-KR" dirty="0" err="1"/>
-              <a:t>graphSAIL</a:t>
-            </a:r>
-            <a:r>
-              <a:rPr lang="ko-KR" altLang="en-US" dirty="0"/>
-              <a:t> </a:t>
-            </a:r>
-            <a:r>
-              <a:rPr lang="en-US" altLang="ko-KR" dirty="0"/>
-              <a:t>+</a:t>
-            </a:r>
-            <a:r>
-              <a:rPr lang="ko-KR" altLang="en-US" dirty="0"/>
-              <a:t> </a:t>
-            </a:r>
-            <a:r>
-              <a:rPr lang="en-US" altLang="ko-KR" dirty="0" err="1"/>
-              <a:t>lightGCN</a:t>
+              <a:t>CL approach = ??</a:t>
             </a:r>
             <a:endParaRPr lang="ko-KR" altLang="en-US" dirty="0"/>
           </a:p>
@@ -1257,7 +1271,7 @@
     </p:spTree>
     <p:extLst>
       <p:ext uri="{BB962C8B-B14F-4D97-AF65-F5344CB8AC3E}">
-        <p14:creationId xmlns:p14="http://schemas.microsoft.com/office/powerpoint/2010/main" val="2690387154"/>
+        <p14:creationId xmlns:p14="http://schemas.microsoft.com/office/powerpoint/2010/main" val="3315714048"/>
       </p:ext>
     </p:extLst>
   </p:cSld>
@@ -2116,51 +2130,49 @@
           <a:bodyPr/>
           <a:lstStyle/>
           <a:p>
-            <a:pPr marL="0" marR="0" lvl="0" indent="0" algn="l" defTabSz="914400" rtl="0" eaLnBrk="1" fontAlgn="auto" latinLnBrk="1" hangingPunct="1">
-              <a:lnSpc>
-                <a:spcPct val="100000"/>
-              </a:lnSpc>
-              <a:spcBef>
-                <a:spcPts val="0"/>
-              </a:spcBef>
-              <a:spcAft>
-                <a:spcPts val="0"/>
-              </a:spcAft>
-              <a:buClrTx/>
-              <a:buSzTx/>
-              <a:buFontTx/>
-              <a:buNone/>
-              <a:tabLst/>
-              <a:defRPr/>
-            </a:pPr>
-            <a:r>
-              <a:rPr lang="en-US" altLang="ko-KR" sz="1200" dirty="0">
-                <a:solidFill>
-                  <a:schemeClr val="tx1">
-                    <a:lumMod val="85000"/>
-                    <a:lumOff val="15000"/>
-                  </a:schemeClr>
-                </a:solidFill>
-                <a:latin typeface="나눔스퀘어 ExtraBold" panose="020B0600000101010101" pitchFamily="50" charset="-127"/>
-                <a:ea typeface="나눔스퀘어 ExtraBold" panose="020B0600000101010101" pitchFamily="50" charset="-127"/>
-                <a:cs typeface="Arial" panose="020B0604020202020204" pitchFamily="34" charset="0"/>
-              </a:rPr>
-              <a:t>Lightweight Compositional Embeddings for Incremental Streaming Recommendation</a:t>
-            </a:r>
-          </a:p>
-          <a:p>
-            <a:endParaRPr lang="en-US" altLang="ko-KR" dirty="0"/>
-          </a:p>
-          <a:p>
+            <a:r>
+              <a:rPr lang="ko-KR" altLang="en-US" dirty="0"/>
+              <a:t>추천 도메인을 제외한 </a:t>
+            </a:r>
             <a:r>
               <a:rPr lang="en-US" altLang="ko-KR" dirty="0"/>
-              <a:t>GNN model = ??</a:t>
-            </a:r>
-          </a:p>
-          <a:p>
+              <a:t>GNN + CL</a:t>
+            </a:r>
+            <a:r>
+              <a:rPr lang="ko-KR" altLang="en-US" dirty="0"/>
+              <a:t>은 참고할 만한 논문이 많았다</a:t>
+            </a:r>
             <a:r>
               <a:rPr lang="en-US" altLang="ko-KR" dirty="0"/>
-              <a:t>CL approach = ??</a:t>
+              <a:t>.</a:t>
+            </a:r>
+          </a:p>
+          <a:p>
+            <a:r>
+              <a:rPr lang="ko-KR" altLang="en-US" dirty="0"/>
+              <a:t>이런 접근법에 추천 도메인을 더하면 괜찮은 주제가 나올 수 있을 것이라고 생각한다</a:t>
+            </a:r>
+            <a:r>
+              <a:rPr lang="en-US" altLang="ko-KR" dirty="0"/>
+              <a:t>.</a:t>
+            </a:r>
+          </a:p>
+          <a:p>
+            <a:r>
+              <a:rPr lang="ko-KR" altLang="en-US" dirty="0"/>
+              <a:t>하지만</a:t>
+            </a:r>
+            <a:r>
+              <a:rPr lang="en-US" altLang="ko-KR" dirty="0"/>
+              <a:t>, </a:t>
+            </a:r>
+            <a:r>
+              <a:rPr lang="ko-KR" altLang="en-US" dirty="0"/>
+              <a:t>지금 단계에서는 추천 도메인에 특수성을 어떤 식으로 이해하고 적용해야 하는가에 대한 판단이 어렵다</a:t>
+            </a:r>
+            <a:r>
+              <a:rPr lang="en-US" altLang="ko-KR" dirty="0"/>
+              <a:t>.</a:t>
             </a:r>
             <a:endParaRPr lang="ko-KR" altLang="en-US" dirty="0"/>
           </a:p>
@@ -2192,7 +2204,7 @@
     </p:spTree>
     <p:extLst>
       <p:ext uri="{BB962C8B-B14F-4D97-AF65-F5344CB8AC3E}">
-        <p14:creationId xmlns:p14="http://schemas.microsoft.com/office/powerpoint/2010/main" val="3315714048"/>
+        <p14:creationId xmlns:p14="http://schemas.microsoft.com/office/powerpoint/2010/main" val="1379429018"/>
       </p:ext>
     </p:extLst>
   </p:cSld>
@@ -2247,16 +2259,12 @@
           <a:lstStyle/>
           <a:p>
             <a:r>
+              <a:rPr lang="ko-KR" altLang="en-US" dirty="0" err="1"/>
+              <a:t>아키텍쳐</a:t>
+            </a:r>
+            <a:r>
               <a:rPr lang="ko-KR" altLang="en-US" dirty="0"/>
-              <a:t>추천 도메인을 제외한 </a:t>
-            </a:r>
-            <a:r>
-              <a:rPr lang="en-US" altLang="ko-KR" dirty="0"/>
-              <a:t>GNN + CL</a:t>
-            </a:r>
-            <a:r>
-              <a:rPr lang="ko-KR" altLang="en-US" dirty="0"/>
-              <a:t>은 참고할 만한 논문이 많았다</a:t>
+              <a:t> 기반 접근법</a:t>
             </a:r>
             <a:r>
               <a:rPr lang="en-US" altLang="ko-KR" dirty="0"/>
@@ -2264,19 +2272,20 @@
             </a:r>
           </a:p>
           <a:p>
+            <a:endParaRPr lang="en-US" altLang="ko-KR" dirty="0"/>
+          </a:p>
+          <a:p>
             <a:r>
               <a:rPr lang="ko-KR" altLang="en-US" dirty="0"/>
-              <a:t>이런 접근법에 추천 도메인을 더하면 괜찮은 주제가 나올 수 있을 것이라고 생각한다</a:t>
-            </a:r>
-            <a:r>
-              <a:rPr lang="en-US" altLang="ko-KR" dirty="0"/>
-              <a:t>.</a:t>
-            </a:r>
-          </a:p>
-          <a:p>
+              <a:t>이 방법은 </a:t>
+            </a:r>
+            <a:r>
+              <a:rPr lang="ko-KR" altLang="en-US" dirty="0" err="1"/>
+              <a:t>뉴럴넷의</a:t>
+            </a:r>
             <a:r>
               <a:rPr lang="ko-KR" altLang="en-US" dirty="0"/>
-              <a:t>하지만</a:t>
+              <a:t> 특정 활성화 함수</a:t>
             </a:r>
             <a:r>
               <a:rPr lang="en-US" altLang="ko-KR" dirty="0"/>
@@ -2284,7 +2293,15 @@
             </a:r>
             <a:r>
               <a:rPr lang="ko-KR" altLang="en-US" dirty="0"/>
-              <a:t>지금 단계에서는 추천 도메인에 특수성을 어떤 식으로 이해하고 적용해야 하는가에 대한 판단이 어렵다</a:t>
+              <a:t>레이어 등을 수정하여 </a:t>
+            </a:r>
+            <a:r>
+              <a:rPr lang="en-US" altLang="ko-KR" dirty="0"/>
+              <a:t>forgetting </a:t>
+            </a:r>
+            <a:r>
+              <a:rPr lang="ko-KR" altLang="en-US" dirty="0"/>
+              <a:t>현상을 해결하려고 한다</a:t>
             </a:r>
             <a:r>
               <a:rPr lang="en-US" altLang="ko-KR" dirty="0"/>
@@ -2320,7 +2337,7 @@
     </p:spTree>
     <p:extLst>
       <p:ext uri="{BB962C8B-B14F-4D97-AF65-F5344CB8AC3E}">
-        <p14:creationId xmlns:p14="http://schemas.microsoft.com/office/powerpoint/2010/main" val="1379429018"/>
+        <p14:creationId xmlns:p14="http://schemas.microsoft.com/office/powerpoint/2010/main" val="1345719856"/>
       </p:ext>
     </p:extLst>
   </p:cSld>
@@ -2375,12 +2392,8 @@
           <a:lstStyle/>
           <a:p>
             <a:r>
-              <a:rPr lang="ko-KR" altLang="en-US" dirty="0" err="1"/>
-              <a:t>아키텍쳐</a:t>
-            </a:r>
-            <a:r>
               <a:rPr lang="ko-KR" altLang="en-US" dirty="0"/>
-              <a:t> 기반 접근법</a:t>
+              <a:t>리허설 기반 접근법</a:t>
             </a:r>
             <a:r>
               <a:rPr lang="en-US" altLang="ko-KR" dirty="0"/>
@@ -2393,37 +2406,20 @@
           <a:p>
             <a:r>
               <a:rPr lang="ko-KR" altLang="en-US" dirty="0"/>
-              <a:t>이 방법은 </a:t>
+              <a:t>리허설 방식은 이전 태스크의 중요한 정보를 가지고 있는 샘플을 메모리에 저장하고 있다가 </a:t>
             </a:r>
             <a:r>
               <a:rPr lang="ko-KR" altLang="en-US" dirty="0" err="1"/>
-              <a:t>뉴럴넷의</a:t>
+              <a:t>재훈련할</a:t>
             </a:r>
             <a:r>
               <a:rPr lang="ko-KR" altLang="en-US" dirty="0"/>
-              <a:t> 특정 활성화 함수</a:t>
-            </a:r>
-            <a:r>
-              <a:rPr lang="en-US" altLang="ko-KR" dirty="0"/>
-              <a:t>, </a:t>
-            </a:r>
-            <a:r>
-              <a:rPr lang="ko-KR" altLang="en-US" dirty="0"/>
-              <a:t>레이어 등을 수정하여 </a:t>
-            </a:r>
-            <a:r>
-              <a:rPr lang="en-US" altLang="ko-KR" dirty="0"/>
-              <a:t>forgetting </a:t>
-            </a:r>
-            <a:r>
-              <a:rPr lang="ko-KR" altLang="en-US" dirty="0"/>
-              <a:t>현상을 해결하려고 한다</a:t>
+              <a:t> 때 사용하는 방식이다</a:t>
             </a:r>
             <a:r>
               <a:rPr lang="en-US" altLang="ko-KR" dirty="0"/>
               <a:t>.</a:t>
             </a:r>
-            <a:endParaRPr lang="ko-KR" altLang="en-US" dirty="0"/>
           </a:p>
         </p:txBody>
       </p:sp>
@@ -2453,7 +2449,7 @@
     </p:spTree>
     <p:extLst>
       <p:ext uri="{BB962C8B-B14F-4D97-AF65-F5344CB8AC3E}">
-        <p14:creationId xmlns:p14="http://schemas.microsoft.com/office/powerpoint/2010/main" val="1345719856"/>
+        <p14:creationId xmlns:p14="http://schemas.microsoft.com/office/powerpoint/2010/main" val="143300434"/>
       </p:ext>
     </p:extLst>
   </p:cSld>
@@ -2508,8 +2504,12 @@
           <a:lstStyle/>
           <a:p>
             <a:r>
+              <a:rPr lang="en-US" altLang="ko-KR" dirty="0"/>
+              <a:t>reg</a:t>
+            </a:r>
+            <a:r>
               <a:rPr lang="ko-KR" altLang="en-US" dirty="0"/>
-              <a:t>리허설 기반 접근법</a:t>
+              <a:t> 기반 접근법</a:t>
             </a:r>
             <a:r>
               <a:rPr lang="en-US" altLang="ko-KR" dirty="0"/>
@@ -2522,20 +2522,89 @@
           <a:p>
             <a:r>
               <a:rPr lang="ko-KR" altLang="en-US" dirty="0"/>
-              <a:t>리허설 방식은 이전 태스크의 중요한 정보를 가지고 있는 샘플을 메모리에 저장하고 있다가 </a:t>
-            </a:r>
-            <a:r>
-              <a:rPr lang="ko-KR" altLang="en-US" dirty="0" err="1"/>
-              <a:t>재훈련할</a:t>
+              <a:t>이 방식은 비용 함수에 </a:t>
+            </a:r>
+            <a:r>
+              <a:rPr lang="en-US" altLang="ko-KR" dirty="0"/>
+              <a:t>reg term</a:t>
             </a:r>
             <a:r>
               <a:rPr lang="ko-KR" altLang="en-US" dirty="0"/>
-              <a:t> 때 사용하는 방식이다</a:t>
+              <a:t>을 추가하는 방식으로 </a:t>
+            </a:r>
+            <a:r>
+              <a:rPr lang="en-US" altLang="ko-KR" dirty="0"/>
+              <a:t>reg</a:t>
+            </a:r>
+            <a:r>
+              <a:rPr lang="ko-KR" altLang="en-US" dirty="0"/>
+              <a:t>을 한다</a:t>
+            </a:r>
+            <a:r>
+              <a:rPr lang="en-US" altLang="ko-KR" dirty="0"/>
+              <a:t>. </a:t>
+            </a:r>
+            <a:r>
+              <a:rPr lang="ko-KR" altLang="en-US" dirty="0"/>
+              <a:t>기존의 중요한 </a:t>
+            </a:r>
+            <a:r>
+              <a:rPr lang="en-US" altLang="ko-KR" dirty="0"/>
+              <a:t>weight</a:t>
+            </a:r>
+            <a:r>
+              <a:rPr lang="ko-KR" altLang="en-US" dirty="0"/>
+              <a:t>이 날라가지 않도록 하는 접근 방식이다</a:t>
             </a:r>
             <a:r>
               <a:rPr lang="en-US" altLang="ko-KR" dirty="0"/>
               <a:t>.</a:t>
             </a:r>
+          </a:p>
+          <a:p>
+            <a:r>
+              <a:rPr lang="ko-KR" altLang="en-US" dirty="0"/>
+              <a:t>내 생각엔 </a:t>
+            </a:r>
+            <a:r>
+              <a:rPr lang="en-US" altLang="ko-KR" dirty="0"/>
+              <a:t>CL </a:t>
+            </a:r>
+            <a:r>
+              <a:rPr lang="ko-KR" altLang="en-US" dirty="0"/>
+              <a:t>방법론 중 가장 연구가 활발하게 되고 있는 분야이고 </a:t>
+            </a:r>
+            <a:r>
+              <a:rPr lang="en-US" altLang="ko-KR" dirty="0" err="1"/>
+              <a:t>graphSAIL</a:t>
+            </a:r>
+            <a:r>
+              <a:rPr lang="ko-KR" altLang="en-US" dirty="0"/>
+              <a:t>의 </a:t>
+            </a:r>
+            <a:r>
+              <a:rPr lang="en-US" altLang="ko-KR" dirty="0"/>
+              <a:t>KD </a:t>
+            </a:r>
+            <a:r>
+              <a:rPr lang="ko-KR" altLang="en-US" dirty="0"/>
+              <a:t>역시 </a:t>
+            </a:r>
+            <a:r>
+              <a:rPr lang="en-US" altLang="ko-KR" dirty="0"/>
+              <a:t>reg </a:t>
+            </a:r>
+            <a:r>
+              <a:rPr lang="ko-KR" altLang="en-US" dirty="0"/>
+              <a:t>기반 접근법의 일종이다</a:t>
+            </a:r>
+            <a:r>
+              <a:rPr lang="en-US" altLang="ko-KR" dirty="0"/>
+              <a:t>.</a:t>
+            </a:r>
+          </a:p>
+          <a:p>
+            <a:endParaRPr lang="en-US" altLang="ko-KR" dirty="0"/>
           </a:p>
         </p:txBody>
       </p:sp>
@@ -2565,7 +2634,7 @@
     </p:spTree>
     <p:extLst>
       <p:ext uri="{BB962C8B-B14F-4D97-AF65-F5344CB8AC3E}">
-        <p14:creationId xmlns:p14="http://schemas.microsoft.com/office/powerpoint/2010/main" val="143300434"/>
+        <p14:creationId xmlns:p14="http://schemas.microsoft.com/office/powerpoint/2010/main" val="1642583466"/>
       </p:ext>
     </p:extLst>
   </p:cSld>
@@ -2621,11 +2690,11 @@
           <a:p>
             <a:r>
               <a:rPr lang="en-US" altLang="ko-KR" dirty="0"/>
-              <a:t>reg</a:t>
+              <a:t>GNN</a:t>
             </a:r>
             <a:r>
               <a:rPr lang="ko-KR" altLang="en-US" dirty="0"/>
-              <a:t> 기반 접근법</a:t>
+              <a:t>에 추천 도메인을 적용한 사례를 정리했다</a:t>
             </a:r>
             <a:r>
               <a:rPr lang="en-US" altLang="ko-KR" dirty="0"/>
@@ -2633,44 +2702,29 @@
             </a:r>
           </a:p>
           <a:p>
-            <a:endParaRPr lang="en-US" altLang="ko-KR" dirty="0"/>
-          </a:p>
-          <a:p>
+            <a:r>
+              <a:rPr lang="en-US" altLang="ko-KR" dirty="0"/>
+              <a:t>GNN</a:t>
+            </a:r>
             <a:r>
               <a:rPr lang="ko-KR" altLang="en-US" dirty="0"/>
-              <a:t>이 방식은 비용 함수에 </a:t>
+              <a:t>은 </a:t>
             </a:r>
             <a:r>
               <a:rPr lang="en-US" altLang="ko-KR" dirty="0"/>
-              <a:t>reg term</a:t>
+              <a:t>rep learning</a:t>
             </a:r>
             <a:r>
               <a:rPr lang="ko-KR" altLang="en-US" dirty="0"/>
-              <a:t>을 추가하는 방식으로 </a:t>
+              <a:t>에 강력한 성능을 증명했고</a:t>
             </a:r>
             <a:r>
               <a:rPr lang="en-US" altLang="ko-KR" dirty="0"/>
-              <a:t>reg</a:t>
+              <a:t>.. </a:t>
             </a:r>
             <a:r>
               <a:rPr lang="ko-KR" altLang="en-US" dirty="0"/>
-              <a:t>을 한다</a:t>
-            </a:r>
-            <a:r>
-              <a:rPr lang="en-US" altLang="ko-KR" dirty="0"/>
-              <a:t>. </a:t>
-            </a:r>
-            <a:r>
-              <a:rPr lang="ko-KR" altLang="en-US" dirty="0"/>
-              <a:t>기존의 중요한 </a:t>
-            </a:r>
-            <a:r>
-              <a:rPr lang="en-US" altLang="ko-KR" dirty="0"/>
-              <a:t>weight</a:t>
-            </a:r>
-            <a:r>
-              <a:rPr lang="ko-KR" altLang="en-US" dirty="0"/>
-              <a:t>이 날라가지 않도록 하는 접근 방식이다</a:t>
+              <a:t>추천 데이터는 대부분 그래프 구조를 가지고 있다</a:t>
             </a:r>
             <a:r>
               <a:rPr lang="en-US" altLang="ko-KR" dirty="0"/>
@@ -2678,41 +2732,16 @@
             </a:r>
           </a:p>
           <a:p>
+            <a:endParaRPr lang="en-US" altLang="ko-KR" dirty="0"/>
+          </a:p>
+          <a:p>
+            <a:r>
+              <a:rPr lang="en-US" altLang="ko-KR" dirty="0"/>
+              <a:t>Information</a:t>
+            </a:r>
             <a:r>
               <a:rPr lang="ko-KR" altLang="en-US" dirty="0"/>
-              <a:t>내 생각엔 </a:t>
-            </a:r>
-            <a:r>
-              <a:rPr lang="en-US" altLang="ko-KR" dirty="0"/>
-              <a:t>CL </a:t>
-            </a:r>
-            <a:r>
-              <a:rPr lang="ko-KR" altLang="en-US" dirty="0"/>
-              <a:t>방법론 중 가장 연구가 활발하게 되고 있는 분야이고 </a:t>
-            </a:r>
-            <a:r>
-              <a:rPr lang="en-US" altLang="ko-KR" dirty="0" err="1"/>
-              <a:t>graphSAIL</a:t>
-            </a:r>
-            <a:r>
-              <a:rPr lang="ko-KR" altLang="en-US" dirty="0"/>
-              <a:t>의 </a:t>
-            </a:r>
-            <a:r>
-              <a:rPr lang="en-US" altLang="ko-KR" dirty="0"/>
-              <a:t>KD </a:t>
-            </a:r>
-            <a:r>
-              <a:rPr lang="ko-KR" altLang="en-US" dirty="0"/>
-              <a:t>역시 </a:t>
-            </a:r>
-            <a:r>
-              <a:rPr lang="en-US" altLang="ko-KR" dirty="0"/>
-              <a:t>reg </a:t>
-            </a:r>
-            <a:r>
-              <a:rPr lang="ko-KR" altLang="en-US" dirty="0"/>
-              <a:t>기반 접근법의 일종이다</a:t>
+              <a:t>의 종류와 추천 태스크 별로 카테고리를 나눌 수 있다</a:t>
             </a:r>
             <a:r>
               <a:rPr lang="en-US" altLang="ko-KR" dirty="0"/>
@@ -2720,7 +2749,46 @@
             </a:r>
           </a:p>
           <a:p>
+            <a:pPr marL="228600" indent="-228600">
+              <a:buAutoNum type="arabicPeriod"/>
+            </a:pPr>
+            <a:r>
+              <a:rPr lang="en-US" altLang="ko-KR" dirty="0"/>
+              <a:t>CF</a:t>
+            </a:r>
+          </a:p>
+          <a:p>
+            <a:pPr marL="228600" indent="-228600">
+              <a:buAutoNum type="arabicPeriod"/>
+            </a:pPr>
+            <a:r>
+              <a:rPr lang="ko-KR" altLang="en-US" dirty="0" err="1"/>
+              <a:t>시퀀셜</a:t>
+            </a:r>
+            <a:r>
+              <a:rPr lang="ko-KR" altLang="en-US" dirty="0"/>
+              <a:t> 추천</a:t>
+            </a:r>
             <a:endParaRPr lang="en-US" altLang="ko-KR" dirty="0"/>
+          </a:p>
+          <a:p>
+            <a:pPr marL="228600" indent="-228600">
+              <a:buAutoNum type="arabicPeriod"/>
+            </a:pPr>
+            <a:r>
+              <a:rPr lang="ko-KR" altLang="en-US" dirty="0"/>
+              <a:t>소셜</a:t>
+            </a:r>
+            <a:endParaRPr lang="en-US" altLang="ko-KR" dirty="0"/>
+          </a:p>
+          <a:p>
+            <a:pPr marL="228600" indent="-228600">
+              <a:buAutoNum type="arabicPeriod"/>
+            </a:pPr>
+            <a:r>
+              <a:rPr lang="ko-KR" altLang="en-US" dirty="0"/>
+              <a:t>지식 그래프</a:t>
+            </a:r>
           </a:p>
         </p:txBody>
       </p:sp>
@@ -2750,7 +2818,7 @@
     </p:spTree>
     <p:extLst>
       <p:ext uri="{BB962C8B-B14F-4D97-AF65-F5344CB8AC3E}">
-        <p14:creationId xmlns:p14="http://schemas.microsoft.com/office/powerpoint/2010/main" val="1642583466"/>
+        <p14:creationId xmlns:p14="http://schemas.microsoft.com/office/powerpoint/2010/main" val="2697507245"/>
       </p:ext>
     </p:extLst>
   </p:cSld>
@@ -7107,8 +7175,33 @@
                 <a:ea typeface="나눔스퀘어 ExtraBold" panose="020B0600000101010101" pitchFamily="50" charset="-127"/>
                 <a:cs typeface="Arial" panose="020B0604020202020204" pitchFamily="34" charset="0"/>
               </a:rPr>
-              <a:t>Regularization based approach</a:t>
-            </a:r>
+              <a:t>GNN + </a:t>
+            </a:r>
+            <a:r>
+              <a:rPr lang="en-US" altLang="ko-KR" sz="3600" dirty="0" err="1">
+                <a:solidFill>
+                  <a:schemeClr val="tx1">
+                    <a:lumMod val="85000"/>
+                    <a:lumOff val="15000"/>
+                  </a:schemeClr>
+                </a:solidFill>
+                <a:latin typeface="나눔스퀘어 ExtraBold" panose="020B0600000101010101" pitchFamily="50" charset="-127"/>
+                <a:ea typeface="나눔스퀘어 ExtraBold" panose="020B0600000101010101" pitchFamily="50" charset="-127"/>
+                <a:cs typeface="Arial" panose="020B0604020202020204" pitchFamily="34" charset="0"/>
+              </a:rPr>
+              <a:t>Recsys</a:t>
+            </a:r>
+            <a:endParaRPr lang="en-US" altLang="ko-KR" sz="3600" dirty="0">
+              <a:solidFill>
+                <a:schemeClr val="tx1">
+                  <a:lumMod val="85000"/>
+                  <a:lumOff val="15000"/>
+                </a:schemeClr>
+              </a:solidFill>
+              <a:latin typeface="나눔스퀘어 ExtraBold" panose="020B0600000101010101" pitchFamily="50" charset="-127"/>
+              <a:ea typeface="나눔스퀘어 ExtraBold" panose="020B0600000101010101" pitchFamily="50" charset="-127"/>
+              <a:cs typeface="Arial" panose="020B0604020202020204" pitchFamily="34" charset="0"/>
+            </a:endParaRPr>
           </a:p>
         </p:txBody>
       </p:sp>
@@ -7150,7 +7243,137 @@
               <a:buFont typeface="Wingdings" panose="05000000000000000000" pitchFamily="2" charset="2"/>
               <a:buChar char="§"/>
             </a:pPr>
-            <a:endParaRPr lang="en-US" altLang="ko-KR" sz="1800" dirty="0">
+            <a:r>
+              <a:rPr lang="en-US" altLang="ko-KR" sz="2000" dirty="0">
+                <a:solidFill>
+                  <a:schemeClr val="tx1">
+                    <a:lumMod val="85000"/>
+                    <a:lumOff val="15000"/>
+                  </a:schemeClr>
+                </a:solidFill>
+                <a:latin typeface="나눔스퀘어 ExtraBold" panose="020B0600000101010101" pitchFamily="50" charset="-127"/>
+                <a:ea typeface="나눔스퀘어 ExtraBold" panose="020B0600000101010101" pitchFamily="50" charset="-127"/>
+                <a:cs typeface="Arial" panose="020B0604020202020204" pitchFamily="34" charset="0"/>
+              </a:rPr>
+              <a:t>The GNN + recommended system area can be largely classified into several categories.</a:t>
+            </a:r>
+          </a:p>
+          <a:p>
+            <a:pPr marL="889200" lvl="1" indent="-432000">
+              <a:lnSpc>
+                <a:spcPct val="100000"/>
+              </a:lnSpc>
+              <a:buClr>
+                <a:srgbClr val="004F9E"/>
+              </a:buClr>
+              <a:buFont typeface="Wingdings" panose="05000000000000000000" pitchFamily="2" charset="2"/>
+              <a:buChar char="§"/>
+            </a:pPr>
+            <a:r>
+              <a:rPr lang="en-US" altLang="ko-KR" sz="1600" dirty="0">
+                <a:solidFill>
+                  <a:schemeClr val="tx1">
+                    <a:lumMod val="85000"/>
+                    <a:lumOff val="15000"/>
+                  </a:schemeClr>
+                </a:solidFill>
+                <a:latin typeface="나눔스퀘어 ExtraBold" panose="020B0600000101010101" pitchFamily="50" charset="-127"/>
+                <a:ea typeface="나눔스퀘어 ExtraBold" panose="020B0600000101010101" pitchFamily="50" charset="-127"/>
+                <a:cs typeface="Arial" panose="020B0604020202020204" pitchFamily="34" charset="0"/>
+              </a:rPr>
+              <a:t>1. CF</a:t>
+            </a:r>
+          </a:p>
+          <a:p>
+            <a:pPr marL="889200" lvl="1" indent="-432000">
+              <a:lnSpc>
+                <a:spcPct val="100000"/>
+              </a:lnSpc>
+              <a:buClr>
+                <a:srgbClr val="004F9E"/>
+              </a:buClr>
+              <a:buFont typeface="Wingdings" panose="05000000000000000000" pitchFamily="2" charset="2"/>
+              <a:buChar char="§"/>
+            </a:pPr>
+            <a:r>
+              <a:rPr lang="en-US" altLang="ko-KR" sz="1600" dirty="0">
+                <a:solidFill>
+                  <a:schemeClr val="tx1">
+                    <a:lumMod val="85000"/>
+                    <a:lumOff val="15000"/>
+                  </a:schemeClr>
+                </a:solidFill>
+                <a:latin typeface="나눔스퀘어 ExtraBold" panose="020B0600000101010101" pitchFamily="50" charset="-127"/>
+                <a:ea typeface="나눔스퀘어 ExtraBold" panose="020B0600000101010101" pitchFamily="50" charset="-127"/>
+                <a:cs typeface="Arial" panose="020B0604020202020204" pitchFamily="34" charset="0"/>
+              </a:rPr>
+              <a:t>2. Sequential</a:t>
+            </a:r>
+          </a:p>
+          <a:p>
+            <a:pPr marL="889200" lvl="1" indent="-432000">
+              <a:lnSpc>
+                <a:spcPct val="100000"/>
+              </a:lnSpc>
+              <a:buClr>
+                <a:srgbClr val="004F9E"/>
+              </a:buClr>
+              <a:buFont typeface="Wingdings" panose="05000000000000000000" pitchFamily="2" charset="2"/>
+              <a:buChar char="§"/>
+            </a:pPr>
+            <a:r>
+              <a:rPr lang="en-US" altLang="ko-KR" sz="1600" dirty="0">
+                <a:solidFill>
+                  <a:schemeClr val="tx1">
+                    <a:lumMod val="85000"/>
+                    <a:lumOff val="15000"/>
+                  </a:schemeClr>
+                </a:solidFill>
+                <a:latin typeface="나눔스퀘어 ExtraBold" panose="020B0600000101010101" pitchFamily="50" charset="-127"/>
+                <a:ea typeface="나눔스퀘어 ExtraBold" panose="020B0600000101010101" pitchFamily="50" charset="-127"/>
+                <a:cs typeface="Arial" panose="020B0604020202020204" pitchFamily="34" charset="0"/>
+              </a:rPr>
+              <a:t>3. Social</a:t>
+            </a:r>
+          </a:p>
+          <a:p>
+            <a:pPr marL="889200" lvl="1" indent="-432000">
+              <a:lnSpc>
+                <a:spcPct val="100000"/>
+              </a:lnSpc>
+              <a:buClr>
+                <a:srgbClr val="004F9E"/>
+              </a:buClr>
+              <a:buFont typeface="Wingdings" panose="05000000000000000000" pitchFamily="2" charset="2"/>
+              <a:buChar char="§"/>
+            </a:pPr>
+            <a:r>
+              <a:rPr lang="en-US" altLang="ko-KR" sz="1600" dirty="0">
+                <a:solidFill>
+                  <a:schemeClr val="tx1">
+                    <a:lumMod val="85000"/>
+                    <a:lumOff val="15000"/>
+                  </a:schemeClr>
+                </a:solidFill>
+                <a:latin typeface="나눔스퀘어 ExtraBold" panose="020B0600000101010101" pitchFamily="50" charset="-127"/>
+                <a:ea typeface="나눔스퀘어 ExtraBold" panose="020B0600000101010101" pitchFamily="50" charset="-127"/>
+                <a:cs typeface="Arial" panose="020B0604020202020204" pitchFamily="34" charset="0"/>
+              </a:rPr>
+              <a:t>4. Knowledge graph based</a:t>
+            </a:r>
+          </a:p>
+          <a:p>
+            <a:pPr marL="889200" lvl="1" indent="-432000">
+              <a:lnSpc>
+                <a:spcPct val="100000"/>
+              </a:lnSpc>
+              <a:buClr>
+                <a:srgbClr val="004F9E"/>
+              </a:buClr>
+              <a:buFont typeface="Wingdings" panose="05000000000000000000" pitchFamily="2" charset="2"/>
+              <a:buChar char="§"/>
+            </a:pPr>
+            <a:endParaRPr lang="en-US" altLang="ko-KR" sz="1600" dirty="0">
               <a:solidFill>
                 <a:schemeClr val="tx1">
                   <a:lumMod val="85000"/>
@@ -7162,6 +7385,32 @@
               <a:cs typeface="Arial" panose="020B0604020202020204" pitchFamily="34" charset="0"/>
             </a:endParaRPr>
           </a:p>
+          <a:p>
+            <a:pPr marL="432000" indent="-432000">
+              <a:lnSpc>
+                <a:spcPct val="100000"/>
+              </a:lnSpc>
+              <a:buClr>
+                <a:srgbClr val="004F9E"/>
+              </a:buClr>
+              <a:buFont typeface="Wingdings" panose="05000000000000000000" pitchFamily="2" charset="2"/>
+              <a:buChar char="§"/>
+            </a:pPr>
+            <a:r>
+              <a:rPr lang="en-US" altLang="ko-KR" sz="2000" dirty="0">
+                <a:solidFill>
+                  <a:schemeClr val="tx1">
+                    <a:lumMod val="85000"/>
+                    <a:lumOff val="15000"/>
+                  </a:schemeClr>
+                </a:solidFill>
+                <a:latin typeface="나눔스퀘어 ExtraBold" panose="020B0600000101010101" pitchFamily="50" charset="-127"/>
+                <a:ea typeface="나눔스퀘어 ExtraBold" panose="020B0600000101010101" pitchFamily="50" charset="-127"/>
+                <a:cs typeface="Arial" panose="020B0604020202020204" pitchFamily="34" charset="0"/>
+              </a:rPr>
+              <a:t>I focused CF based methods</a:t>
+            </a:r>
+          </a:p>
         </p:txBody>
       </p:sp>
       <p:sp>
@@ -7194,10 +7443,40 @@
           </a:p>
         </p:txBody>
       </p:sp>
+      <p:pic>
+        <p:nvPicPr>
+          <p:cNvPr id="6" name="그림 5">
+            <a:extLst>
+              <a:ext uri="{FF2B5EF4-FFF2-40B4-BE49-F238E27FC236}">
+                <a16:creationId xmlns:a16="http://schemas.microsoft.com/office/drawing/2014/main" id="{0764C1F0-3F0C-407E-A270-215AF0621932}"/>
+              </a:ext>
+            </a:extLst>
+          </p:cNvPr>
+          <p:cNvPicPr>
+            <a:picLocks noChangeAspect="1"/>
+          </p:cNvPicPr>
+          <p:nvPr/>
+        </p:nvPicPr>
+        <p:blipFill>
+          <a:blip r:embed="rId3"/>
+          <a:stretch>
+            <a:fillRect/>
+          </a:stretch>
+        </p:blipFill>
+        <p:spPr>
+          <a:xfrm>
+            <a:off x="6074741" y="3016251"/>
+            <a:ext cx="5126659" cy="2741529"/>
+          </a:xfrm>
+          <a:prstGeom prst="rect">
+            <a:avLst/>
+          </a:prstGeom>
+        </p:spPr>
+      </p:pic>
     </p:spTree>
     <p:extLst>
       <p:ext uri="{BB962C8B-B14F-4D97-AF65-F5344CB8AC3E}">
-        <p14:creationId xmlns:p14="http://schemas.microsoft.com/office/powerpoint/2010/main" val="2473855550"/>
+        <p14:creationId xmlns:p14="http://schemas.microsoft.com/office/powerpoint/2010/main" val="1859180317"/>
       </p:ext>
     </p:extLst>
   </p:cSld>
@@ -7269,33 +7548,8 @@
                 <a:ea typeface="나눔스퀘어 ExtraBold" panose="020B0600000101010101" pitchFamily="50" charset="-127"/>
                 <a:cs typeface="Arial" panose="020B0604020202020204" pitchFamily="34" charset="0"/>
               </a:rPr>
-              <a:t>GNN + </a:t>
-            </a:r>
-            <a:r>
-              <a:rPr lang="en-US" altLang="ko-KR" sz="3600" dirty="0" err="1">
-                <a:solidFill>
-                  <a:schemeClr val="tx1">
-                    <a:lumMod val="85000"/>
-                    <a:lumOff val="15000"/>
-                  </a:schemeClr>
-                </a:solidFill>
-                <a:latin typeface="나눔스퀘어 ExtraBold" panose="020B0600000101010101" pitchFamily="50" charset="-127"/>
-                <a:ea typeface="나눔스퀘어 ExtraBold" panose="020B0600000101010101" pitchFamily="50" charset="-127"/>
-                <a:cs typeface="Arial" panose="020B0604020202020204" pitchFamily="34" charset="0"/>
-              </a:rPr>
-              <a:t>Recsys</a:t>
-            </a:r>
-            <a:endParaRPr lang="en-US" altLang="ko-KR" sz="3600" dirty="0">
-              <a:solidFill>
-                <a:schemeClr val="tx1">
-                  <a:lumMod val="85000"/>
-                  <a:lumOff val="15000"/>
-                </a:schemeClr>
-              </a:solidFill>
-              <a:latin typeface="나눔스퀘어 ExtraBold" panose="020B0600000101010101" pitchFamily="50" charset="-127"/>
-              <a:ea typeface="나눔스퀘어 ExtraBold" panose="020B0600000101010101" pitchFamily="50" charset="-127"/>
-              <a:cs typeface="Arial" panose="020B0604020202020204" pitchFamily="34" charset="0"/>
-            </a:endParaRPr>
+              <a:t>CF</a:t>
+            </a:r>
           </a:p>
         </p:txBody>
       </p:sp>
@@ -7381,40 +7635,10 @@
           </a:p>
         </p:txBody>
       </p:sp>
-      <p:pic>
-        <p:nvPicPr>
-          <p:cNvPr id="6" name="그림 5">
-            <a:extLst>
-              <a:ext uri="{FF2B5EF4-FFF2-40B4-BE49-F238E27FC236}">
-                <a16:creationId xmlns:a16="http://schemas.microsoft.com/office/drawing/2014/main" id="{0764C1F0-3F0C-407E-A270-215AF0621932}"/>
-              </a:ext>
-            </a:extLst>
-          </p:cNvPr>
-          <p:cNvPicPr>
-            <a:picLocks noChangeAspect="1"/>
-          </p:cNvPicPr>
-          <p:nvPr/>
-        </p:nvPicPr>
-        <p:blipFill>
-          <a:blip r:embed="rId3"/>
-          <a:stretch>
-            <a:fillRect/>
-          </a:stretch>
-        </p:blipFill>
-        <p:spPr>
-          <a:xfrm>
-            <a:off x="6379541" y="2903953"/>
-            <a:ext cx="5126659" cy="2741529"/>
-          </a:xfrm>
-          <a:prstGeom prst="rect">
-            <a:avLst/>
-          </a:prstGeom>
-        </p:spPr>
-      </p:pic>
     </p:spTree>
     <p:extLst>
       <p:ext uri="{BB962C8B-B14F-4D97-AF65-F5344CB8AC3E}">
-        <p14:creationId xmlns:p14="http://schemas.microsoft.com/office/powerpoint/2010/main" val="1859180317"/>
+        <p14:creationId xmlns:p14="http://schemas.microsoft.com/office/powerpoint/2010/main" val="1523921245"/>
       </p:ext>
     </p:extLst>
   </p:cSld>
@@ -7486,7 +7710,7 @@
                 <a:ea typeface="나눔스퀘어 ExtraBold" panose="020B0600000101010101" pitchFamily="50" charset="-127"/>
                 <a:cs typeface="Arial" panose="020B0604020202020204" pitchFamily="34" charset="0"/>
               </a:rPr>
-              <a:t>CF</a:t>
+              <a:t>Ideas</a:t>
             </a:r>
           </a:p>
         </p:txBody>
@@ -7529,7 +7753,89 @@
               <a:buFont typeface="Wingdings" panose="05000000000000000000" pitchFamily="2" charset="2"/>
               <a:buChar char="§"/>
             </a:pPr>
-            <a:endParaRPr lang="en-US" altLang="ko-KR" sz="1800" dirty="0">
+            <a:r>
+              <a:rPr lang="en-US" altLang="ko-KR" sz="2000" dirty="0">
+                <a:solidFill>
+                  <a:schemeClr val="tx1">
+                    <a:lumMod val="85000"/>
+                    <a:lumOff val="15000"/>
+                  </a:schemeClr>
+                </a:solidFill>
+                <a:latin typeface="나눔스퀘어 ExtraBold" panose="020B0600000101010101" pitchFamily="50" charset="-127"/>
+                <a:ea typeface="나눔스퀘어 ExtraBold" panose="020B0600000101010101" pitchFamily="50" charset="-127"/>
+                <a:cs typeface="Arial" panose="020B0604020202020204" pitchFamily="34" charset="0"/>
+              </a:rPr>
+              <a:t>IGC, CED + another GNN based </a:t>
+            </a:r>
+            <a:r>
+              <a:rPr lang="en-US" altLang="ko-KR" sz="2000" dirty="0" err="1">
+                <a:solidFill>
+                  <a:schemeClr val="tx1">
+                    <a:lumMod val="85000"/>
+                    <a:lumOff val="15000"/>
+                  </a:schemeClr>
+                </a:solidFill>
+                <a:latin typeface="나눔스퀘어 ExtraBold" panose="020B0600000101010101" pitchFamily="50" charset="-127"/>
+                <a:ea typeface="나눔스퀘어 ExtraBold" panose="020B0600000101010101" pitchFamily="50" charset="-127"/>
+                <a:cs typeface="Arial" panose="020B0604020202020204" pitchFamily="34" charset="0"/>
+              </a:rPr>
+              <a:t>Recsys</a:t>
+            </a:r>
+            <a:r>
+              <a:rPr lang="en-US" altLang="ko-KR" sz="2000" dirty="0">
+                <a:solidFill>
+                  <a:schemeClr val="tx1">
+                    <a:lumMod val="85000"/>
+                    <a:lumOff val="15000"/>
+                  </a:schemeClr>
+                </a:solidFill>
+                <a:latin typeface="나눔스퀘어 ExtraBold" panose="020B0600000101010101" pitchFamily="50" charset="-127"/>
+                <a:ea typeface="나눔스퀘어 ExtraBold" panose="020B0600000101010101" pitchFamily="50" charset="-127"/>
+                <a:cs typeface="Arial" panose="020B0604020202020204" pitchFamily="34" charset="0"/>
+              </a:rPr>
+              <a:t> model like </a:t>
+            </a:r>
+            <a:r>
+              <a:rPr lang="en-US" altLang="ko-KR" sz="2000" dirty="0" err="1">
+                <a:solidFill>
+                  <a:schemeClr val="tx1">
+                    <a:lumMod val="85000"/>
+                    <a:lumOff val="15000"/>
+                  </a:schemeClr>
+                </a:solidFill>
+                <a:latin typeface="나눔스퀘어 ExtraBold" panose="020B0600000101010101" pitchFamily="50" charset="-127"/>
+                <a:ea typeface="나눔스퀘어 ExtraBold" panose="020B0600000101010101" pitchFamily="50" charset="-127"/>
+                <a:cs typeface="Arial" panose="020B0604020202020204" pitchFamily="34" charset="0"/>
+              </a:rPr>
+              <a:t>PinSAGE</a:t>
+            </a:r>
+            <a:r>
+              <a:rPr lang="en-US" altLang="ko-KR" sz="2000" dirty="0">
+                <a:solidFill>
+                  <a:schemeClr val="tx1">
+                    <a:lumMod val="85000"/>
+                    <a:lumOff val="15000"/>
+                  </a:schemeClr>
+                </a:solidFill>
+                <a:latin typeface="나눔스퀘어 ExtraBold" panose="020B0600000101010101" pitchFamily="50" charset="-127"/>
+                <a:ea typeface="나눔스퀘어 ExtraBold" panose="020B0600000101010101" pitchFamily="50" charset="-127"/>
+                <a:cs typeface="Arial" panose="020B0604020202020204" pitchFamily="34" charset="0"/>
+              </a:rPr>
+              <a:t>.</a:t>
+            </a:r>
+          </a:p>
+          <a:p>
+            <a:pPr marL="432000" indent="-432000">
+              <a:lnSpc>
+                <a:spcPct val="100000"/>
+              </a:lnSpc>
+              <a:buClr>
+                <a:srgbClr val="004F9E"/>
+              </a:buClr>
+              <a:buFont typeface="Wingdings" panose="05000000000000000000" pitchFamily="2" charset="2"/>
+              <a:buChar char="§"/>
+            </a:pPr>
+            <a:endParaRPr lang="en-US" altLang="ko-KR" sz="2000" dirty="0">
               <a:solidFill>
                 <a:schemeClr val="tx1">
                   <a:lumMod val="85000"/>
@@ -7541,6 +7847,140 @@
               <a:cs typeface="Arial" panose="020B0604020202020204" pitchFamily="34" charset="0"/>
             </a:endParaRPr>
           </a:p>
+          <a:p>
+            <a:pPr marL="889200" lvl="1" indent="-432000">
+              <a:lnSpc>
+                <a:spcPct val="100000"/>
+              </a:lnSpc>
+              <a:buClr>
+                <a:srgbClr val="004F9E"/>
+              </a:buClr>
+              <a:buFont typeface="Wingdings" panose="05000000000000000000" pitchFamily="2" charset="2"/>
+              <a:buChar char="§"/>
+            </a:pPr>
+            <a:r>
+              <a:rPr lang="en-US" altLang="ko-KR" sz="2000" dirty="0">
+                <a:solidFill>
+                  <a:schemeClr val="tx1">
+                    <a:lumMod val="85000"/>
+                    <a:lumOff val="15000"/>
+                  </a:schemeClr>
+                </a:solidFill>
+                <a:latin typeface="나눔스퀘어 ExtraBold" panose="020B0600000101010101" pitchFamily="50" charset="-127"/>
+                <a:ea typeface="나눔스퀘어 ExtraBold" panose="020B0600000101010101" pitchFamily="50" charset="-127"/>
+                <a:cs typeface="Arial" panose="020B0604020202020204" pitchFamily="34" charset="0"/>
+              </a:rPr>
+              <a:t>IGC, CED modules performed too well.</a:t>
+            </a:r>
+          </a:p>
+          <a:p>
+            <a:pPr marL="889200" lvl="1" indent="-432000">
+              <a:lnSpc>
+                <a:spcPct val="100000"/>
+              </a:lnSpc>
+              <a:buClr>
+                <a:srgbClr val="004F9E"/>
+              </a:buClr>
+              <a:buFont typeface="Wingdings" panose="05000000000000000000" pitchFamily="2" charset="2"/>
+              <a:buChar char="§"/>
+            </a:pPr>
+            <a:r>
+              <a:rPr lang="en-US" altLang="ko-KR" sz="2000" dirty="0">
+                <a:solidFill>
+                  <a:schemeClr val="tx1">
+                    <a:lumMod val="85000"/>
+                    <a:lumOff val="15000"/>
+                  </a:schemeClr>
+                </a:solidFill>
+                <a:latin typeface="나눔스퀘어 ExtraBold" panose="020B0600000101010101" pitchFamily="50" charset="-127"/>
+                <a:ea typeface="나눔스퀘어 ExtraBold" panose="020B0600000101010101" pitchFamily="50" charset="-127"/>
+                <a:cs typeface="Arial" panose="020B0604020202020204" pitchFamily="34" charset="0"/>
+              </a:rPr>
+              <a:t>So I’m a bit suspicious.</a:t>
+            </a:r>
+          </a:p>
+          <a:p>
+            <a:pPr marL="889200" lvl="1" indent="-432000">
+              <a:lnSpc>
+                <a:spcPct val="100000"/>
+              </a:lnSpc>
+              <a:buClr>
+                <a:srgbClr val="004F9E"/>
+              </a:buClr>
+              <a:buFont typeface="Wingdings" panose="05000000000000000000" pitchFamily="2" charset="2"/>
+              <a:buChar char="§"/>
+            </a:pPr>
+            <a:r>
+              <a:rPr lang="en-US" altLang="ko-KR" sz="2000" dirty="0">
+                <a:solidFill>
+                  <a:schemeClr val="tx1">
+                    <a:lumMod val="85000"/>
+                    <a:lumOff val="15000"/>
+                  </a:schemeClr>
+                </a:solidFill>
+                <a:latin typeface="나눔스퀘어 ExtraBold" panose="020B0600000101010101" pitchFamily="50" charset="-127"/>
+                <a:ea typeface="나눔스퀘어 ExtraBold" panose="020B0600000101010101" pitchFamily="50" charset="-127"/>
+                <a:cs typeface="Arial" panose="020B0604020202020204" pitchFamily="34" charset="0"/>
+              </a:rPr>
+              <a:t>How about apply another GNN based </a:t>
+            </a:r>
+            <a:r>
+              <a:rPr lang="en-US" altLang="ko-KR" sz="2000" dirty="0" err="1">
+                <a:solidFill>
+                  <a:schemeClr val="tx1">
+                    <a:lumMod val="85000"/>
+                    <a:lumOff val="15000"/>
+                  </a:schemeClr>
+                </a:solidFill>
+                <a:latin typeface="나눔스퀘어 ExtraBold" panose="020B0600000101010101" pitchFamily="50" charset="-127"/>
+                <a:ea typeface="나눔스퀘어 ExtraBold" panose="020B0600000101010101" pitchFamily="50" charset="-127"/>
+                <a:cs typeface="Arial" panose="020B0604020202020204" pitchFamily="34" charset="0"/>
+              </a:rPr>
+              <a:t>Recsys</a:t>
+            </a:r>
+            <a:r>
+              <a:rPr lang="en-US" altLang="ko-KR" sz="2000" dirty="0">
+                <a:solidFill>
+                  <a:schemeClr val="tx1">
+                    <a:lumMod val="85000"/>
+                    <a:lumOff val="15000"/>
+                  </a:schemeClr>
+                </a:solidFill>
+                <a:latin typeface="나눔스퀘어 ExtraBold" panose="020B0600000101010101" pitchFamily="50" charset="-127"/>
+                <a:ea typeface="나눔스퀘어 ExtraBold" panose="020B0600000101010101" pitchFamily="50" charset="-127"/>
+                <a:cs typeface="Arial" panose="020B0604020202020204" pitchFamily="34" charset="0"/>
+              </a:rPr>
+              <a:t> model like </a:t>
+            </a:r>
+            <a:r>
+              <a:rPr lang="en-US" altLang="ko-KR" sz="2000" dirty="0" err="1">
+                <a:solidFill>
+                  <a:schemeClr val="tx1">
+                    <a:lumMod val="85000"/>
+                    <a:lumOff val="15000"/>
+                  </a:schemeClr>
+                </a:solidFill>
+                <a:latin typeface="나눔스퀘어 ExtraBold" panose="020B0600000101010101" pitchFamily="50" charset="-127"/>
+                <a:ea typeface="나눔스퀘어 ExtraBold" panose="020B0600000101010101" pitchFamily="50" charset="-127"/>
+                <a:cs typeface="Arial" panose="020B0604020202020204" pitchFamily="34" charset="0"/>
+              </a:rPr>
+              <a:t>PinSAGE</a:t>
+            </a:r>
+            <a:r>
+              <a:rPr lang="en-US" altLang="ko-KR" sz="2000" dirty="0">
+                <a:solidFill>
+                  <a:schemeClr val="tx1">
+                    <a:lumMod val="85000"/>
+                    <a:lumOff val="15000"/>
+                  </a:schemeClr>
+                </a:solidFill>
+                <a:latin typeface="나눔스퀘어 ExtraBold" panose="020B0600000101010101" pitchFamily="50" charset="-127"/>
+                <a:ea typeface="나눔스퀘어 ExtraBold" panose="020B0600000101010101" pitchFamily="50" charset="-127"/>
+                <a:cs typeface="Arial" panose="020B0604020202020204" pitchFamily="34" charset="0"/>
+              </a:rPr>
+              <a:t>?</a:t>
+            </a:r>
+          </a:p>
         </p:txBody>
       </p:sp>
       <p:sp>
@@ -7573,10 +8013,40 @@
           </a:p>
         </p:txBody>
       </p:sp>
+      <p:pic>
+        <p:nvPicPr>
+          <p:cNvPr id="6" name="그림 5">
+            <a:extLst>
+              <a:ext uri="{FF2B5EF4-FFF2-40B4-BE49-F238E27FC236}">
+                <a16:creationId xmlns:a16="http://schemas.microsoft.com/office/drawing/2014/main" id="{706D674E-3A55-DC78-6334-F896B8199DD0}"/>
+              </a:ext>
+            </a:extLst>
+          </p:cNvPr>
+          <p:cNvPicPr>
+            <a:picLocks noChangeAspect="1"/>
+          </p:cNvPicPr>
+          <p:nvPr/>
+        </p:nvPicPr>
+        <p:blipFill>
+          <a:blip r:embed="rId3"/>
+          <a:stretch>
+            <a:fillRect/>
+          </a:stretch>
+        </p:blipFill>
+        <p:spPr>
+          <a:xfrm>
+            <a:off x="2425700" y="3866357"/>
+            <a:ext cx="7340600" cy="2116666"/>
+          </a:xfrm>
+          <a:prstGeom prst="rect">
+            <a:avLst/>
+          </a:prstGeom>
+        </p:spPr>
+      </p:pic>
     </p:spTree>
     <p:extLst>
       <p:ext uri="{BB962C8B-B14F-4D97-AF65-F5344CB8AC3E}">
-        <p14:creationId xmlns:p14="http://schemas.microsoft.com/office/powerpoint/2010/main" val="1523921245"/>
+        <p14:creationId xmlns:p14="http://schemas.microsoft.com/office/powerpoint/2010/main" val="2853196959"/>
       </p:ext>
     </p:extLst>
   </p:cSld>
@@ -7691,7 +8161,47 @@
               <a:buFont typeface="Wingdings" panose="05000000000000000000" pitchFamily="2" charset="2"/>
               <a:buChar char="§"/>
             </a:pPr>
-            <a:endParaRPr lang="en-US" altLang="ko-KR" sz="1800" dirty="0">
+            <a:r>
+              <a:rPr lang="en-US" altLang="ko-KR" sz="2000" dirty="0" err="1">
+                <a:solidFill>
+                  <a:schemeClr val="tx1">
+                    <a:lumMod val="85000"/>
+                    <a:lumOff val="15000"/>
+                  </a:schemeClr>
+                </a:solidFill>
+                <a:latin typeface="나눔스퀘어 ExtraBold" panose="020B0600000101010101" pitchFamily="50" charset="-127"/>
+                <a:ea typeface="나눔스퀘어 ExtraBold" panose="020B0600000101010101" pitchFamily="50" charset="-127"/>
+                <a:cs typeface="Arial" panose="020B0604020202020204" pitchFamily="34" charset="0"/>
+              </a:rPr>
+              <a:t>GraphSAIL</a:t>
+            </a:r>
+            <a:r>
+              <a:rPr lang="en-US" altLang="ko-KR" sz="2000" dirty="0">
+                <a:solidFill>
+                  <a:schemeClr val="tx1">
+                    <a:lumMod val="85000"/>
+                    <a:lumOff val="15000"/>
+                  </a:schemeClr>
+                </a:solidFill>
+                <a:latin typeface="나눔스퀘어 ExtraBold" panose="020B0600000101010101" pitchFamily="50" charset="-127"/>
+                <a:ea typeface="나눔스퀘어 ExtraBold" panose="020B0600000101010101" pitchFamily="50" charset="-127"/>
+                <a:cs typeface="Arial" panose="020B0604020202020204" pitchFamily="34" charset="0"/>
+              </a:rPr>
+              <a:t> + Rehearsal based approach</a:t>
+            </a:r>
+          </a:p>
+          <a:p>
+            <a:pPr marL="432000" indent="-432000">
+              <a:lnSpc>
+                <a:spcPct val="100000"/>
+              </a:lnSpc>
+              <a:buClr>
+                <a:srgbClr val="004F9E"/>
+              </a:buClr>
+              <a:buFont typeface="Wingdings" panose="05000000000000000000" pitchFamily="2" charset="2"/>
+              <a:buChar char="§"/>
+            </a:pPr>
+            <a:endParaRPr lang="en-US" altLang="ko-KR" sz="2400" dirty="0">
               <a:solidFill>
                 <a:schemeClr val="tx1">
                   <a:lumMod val="85000"/>
@@ -7703,6 +8213,111 @@
               <a:cs typeface="Arial" panose="020B0604020202020204" pitchFamily="34" charset="0"/>
             </a:endParaRPr>
           </a:p>
+          <a:p>
+            <a:pPr marL="889200" lvl="1" indent="-432000">
+              <a:lnSpc>
+                <a:spcPct val="100000"/>
+              </a:lnSpc>
+              <a:buClr>
+                <a:srgbClr val="004F9E"/>
+              </a:buClr>
+              <a:buFont typeface="Wingdings" panose="05000000000000000000" pitchFamily="2" charset="2"/>
+              <a:buChar char="§"/>
+            </a:pPr>
+            <a:r>
+              <a:rPr lang="en-US" altLang="ko-KR" sz="2000" dirty="0" err="1">
+                <a:solidFill>
+                  <a:schemeClr val="tx1">
+                    <a:lumMod val="85000"/>
+                    <a:lumOff val="15000"/>
+                  </a:schemeClr>
+                </a:solidFill>
+                <a:latin typeface="나눔스퀘어 ExtraBold" panose="020B0600000101010101" pitchFamily="50" charset="-127"/>
+                <a:ea typeface="나눔스퀘어 ExtraBold" panose="020B0600000101010101" pitchFamily="50" charset="-127"/>
+                <a:cs typeface="Arial" panose="020B0604020202020204" pitchFamily="34" charset="0"/>
+              </a:rPr>
+              <a:t>GraphSAIL</a:t>
+            </a:r>
+            <a:r>
+              <a:rPr lang="en-US" altLang="ko-KR" sz="2000" dirty="0">
+                <a:solidFill>
+                  <a:schemeClr val="tx1">
+                    <a:lumMod val="85000"/>
+                    <a:lumOff val="15000"/>
+                  </a:schemeClr>
+                </a:solidFill>
+                <a:latin typeface="나눔스퀘어 ExtraBold" panose="020B0600000101010101" pitchFamily="50" charset="-127"/>
+                <a:ea typeface="나눔스퀘어 ExtraBold" panose="020B0600000101010101" pitchFamily="50" charset="-127"/>
+                <a:cs typeface="Arial" panose="020B0604020202020204" pitchFamily="34" charset="0"/>
+              </a:rPr>
+              <a:t> currently implements Continual Learning(CL) based on regularization approach</a:t>
+            </a:r>
+          </a:p>
+          <a:p>
+            <a:pPr marL="889200" lvl="1" indent="-432000">
+              <a:lnSpc>
+                <a:spcPct val="100000"/>
+              </a:lnSpc>
+              <a:buClr>
+                <a:srgbClr val="004F9E"/>
+              </a:buClr>
+              <a:buFont typeface="Wingdings" panose="05000000000000000000" pitchFamily="2" charset="2"/>
+              <a:buChar char="§"/>
+            </a:pPr>
+            <a:r>
+              <a:rPr lang="en-US" altLang="ko-KR" sz="2000" dirty="0">
+                <a:solidFill>
+                  <a:schemeClr val="tx1">
+                    <a:lumMod val="85000"/>
+                    <a:lumOff val="15000"/>
+                  </a:schemeClr>
+                </a:solidFill>
+                <a:latin typeface="나눔스퀘어 ExtraBold" panose="020B0600000101010101" pitchFamily="50" charset="-127"/>
+                <a:ea typeface="나눔스퀘어 ExtraBold" panose="020B0600000101010101" pitchFamily="50" charset="-127"/>
+                <a:cs typeface="Arial" panose="020B0604020202020204" pitchFamily="34" charset="0"/>
+              </a:rPr>
+              <a:t>How about add Rehearsal based approach like </a:t>
+            </a:r>
+            <a:r>
+              <a:rPr lang="en-US" altLang="ko-KR" sz="2000" dirty="0" err="1">
+                <a:solidFill>
+                  <a:schemeClr val="tx1">
+                    <a:lumMod val="85000"/>
+                    <a:lumOff val="15000"/>
+                  </a:schemeClr>
+                </a:solidFill>
+                <a:latin typeface="나눔스퀘어 ExtraBold" panose="020B0600000101010101" pitchFamily="50" charset="-127"/>
+                <a:ea typeface="나눔스퀘어 ExtraBold" panose="020B0600000101010101" pitchFamily="50" charset="-127"/>
+                <a:cs typeface="Arial" panose="020B0604020202020204" pitchFamily="34" charset="0"/>
+              </a:rPr>
+              <a:t>iCaRL</a:t>
+            </a:r>
+            <a:r>
+              <a:rPr lang="en-US" altLang="ko-KR" sz="2000" dirty="0">
+                <a:solidFill>
+                  <a:schemeClr val="tx1">
+                    <a:lumMod val="85000"/>
+                    <a:lumOff val="15000"/>
+                  </a:schemeClr>
+                </a:solidFill>
+                <a:latin typeface="나눔스퀘어 ExtraBold" panose="020B0600000101010101" pitchFamily="50" charset="-127"/>
+                <a:ea typeface="나눔스퀘어 ExtraBold" panose="020B0600000101010101" pitchFamily="50" charset="-127"/>
+                <a:cs typeface="Arial" panose="020B0604020202020204" pitchFamily="34" charset="0"/>
+              </a:rPr>
+              <a:t>?</a:t>
+            </a:r>
+            <a:endParaRPr lang="en-US" altLang="ko-KR" dirty="0">
+              <a:solidFill>
+                <a:schemeClr val="tx1">
+                  <a:lumMod val="85000"/>
+                  <a:lumOff val="15000"/>
+                </a:schemeClr>
+              </a:solidFill>
+              <a:latin typeface="나눔스퀘어 ExtraBold" panose="020B0600000101010101" pitchFamily="50" charset="-127"/>
+              <a:ea typeface="나눔스퀘어 ExtraBold" panose="020B0600000101010101" pitchFamily="50" charset="-127"/>
+              <a:cs typeface="Arial" panose="020B0604020202020204" pitchFamily="34" charset="0"/>
+            </a:endParaRPr>
+          </a:p>
         </p:txBody>
       </p:sp>
       <p:sp>
@@ -7738,7 +8353,7 @@
     </p:spTree>
     <p:extLst>
       <p:ext uri="{BB962C8B-B14F-4D97-AF65-F5344CB8AC3E}">
-        <p14:creationId xmlns:p14="http://schemas.microsoft.com/office/powerpoint/2010/main" val="2853196959"/>
+        <p14:creationId xmlns:p14="http://schemas.microsoft.com/office/powerpoint/2010/main" val="765713177"/>
       </p:ext>
     </p:extLst>
   </p:cSld>
@@ -7788,7 +8403,7 @@
           </a:bodyPr>
           <a:lstStyle/>
           <a:p>
-            <a:pPr marL="432000" indent="-432000">
+            <a:pPr marL="889200" lvl="1" indent="-432000">
               <a:lnSpc>
                 <a:spcPct val="100000"/>
               </a:lnSpc>
@@ -7799,7 +8414,7 @@
               <a:buChar char="§"/>
             </a:pPr>
             <a:r>
-              <a:rPr lang="en-US" altLang="ko-KR" sz="3600" dirty="0">
+              <a:rPr lang="en-US" altLang="ko-KR" sz="3200" dirty="0">
                 <a:solidFill>
                   <a:schemeClr val="tx1">
                     <a:lumMod val="85000"/>
@@ -7810,7 +8425,7 @@
                 <a:ea typeface="나눔스퀘어 ExtraBold" panose="020B0600000101010101" pitchFamily="50" charset="-127"/>
                 <a:cs typeface="Arial" panose="020B0604020202020204" pitchFamily="34" charset="0"/>
               </a:rPr>
-              <a:t>Ideas</a:t>
+              <a:t>Lightweight Compositional Embeddings for Incremental Streaming Recommendation</a:t>
             </a:r>
           </a:p>
         </p:txBody>
@@ -7900,7 +8515,7 @@
     </p:spTree>
     <p:extLst>
       <p:ext uri="{BB962C8B-B14F-4D97-AF65-F5344CB8AC3E}">
-        <p14:creationId xmlns:p14="http://schemas.microsoft.com/office/powerpoint/2010/main" val="765713177"/>
+        <p14:creationId xmlns:p14="http://schemas.microsoft.com/office/powerpoint/2010/main" val="2573493875"/>
       </p:ext>
     </p:extLst>
   </p:cSld>
@@ -9210,8 +9825,84 @@
                 <a:ea typeface="나눔스퀘어 ExtraBold" panose="020B0600000101010101" pitchFamily="50" charset="-127"/>
                 <a:cs typeface="Arial" panose="020B0604020202020204" pitchFamily="34" charset="0"/>
               </a:rPr>
-              <a:t>Continual learning approach = regularization, knowledge distillation</a:t>
-            </a:r>
+              <a:t>Continual learning approach = </a:t>
+            </a:r>
+            <a:r>
+              <a:rPr lang="en-US" altLang="ko-KR" sz="2000" b="1" dirty="0">
+                <a:solidFill>
+                  <a:schemeClr val="tx1">
+                    <a:lumMod val="85000"/>
+                    <a:lumOff val="15000"/>
+                  </a:schemeClr>
+                </a:solidFill>
+                <a:latin typeface="나눔스퀘어 ExtraBold" panose="020B0600000101010101" pitchFamily="50" charset="-127"/>
+                <a:ea typeface="나눔스퀘어 ExtraBold" panose="020B0600000101010101" pitchFamily="50" charset="-127"/>
+                <a:cs typeface="Arial" panose="020B0604020202020204" pitchFamily="34" charset="0"/>
+              </a:rPr>
+              <a:t>regularization </a:t>
+            </a:r>
+            <a:r>
+              <a:rPr lang="en-US" altLang="ko-KR" sz="2000" dirty="0">
+                <a:solidFill>
+                  <a:schemeClr val="tx1">
+                    <a:lumMod val="85000"/>
+                    <a:lumOff val="15000"/>
+                  </a:schemeClr>
+                </a:solidFill>
+                <a:latin typeface="나눔스퀘어 ExtraBold" panose="020B0600000101010101" pitchFamily="50" charset="-127"/>
+                <a:ea typeface="나눔스퀘어 ExtraBold" panose="020B0600000101010101" pitchFamily="50" charset="-127"/>
+                <a:cs typeface="Arial" panose="020B0604020202020204" pitchFamily="34" charset="0"/>
+              </a:rPr>
+              <a:t>→ knowledge distillation</a:t>
+            </a:r>
+          </a:p>
+          <a:p>
+            <a:pPr marL="432000" indent="-432000">
+              <a:lnSpc>
+                <a:spcPct val="100000"/>
+              </a:lnSpc>
+              <a:buClr>
+                <a:srgbClr val="004F9E"/>
+              </a:buClr>
+              <a:buFont typeface="Wingdings" panose="05000000000000000000" pitchFamily="2" charset="2"/>
+              <a:buChar char="§"/>
+            </a:pPr>
+            <a:r>
+              <a:rPr lang="en-US" altLang="ko-KR" sz="2000" dirty="0">
+                <a:solidFill>
+                  <a:schemeClr val="tx1">
+                    <a:lumMod val="85000"/>
+                    <a:lumOff val="15000"/>
+                  </a:schemeClr>
+                </a:solidFill>
+                <a:latin typeface="나눔스퀘어 ExtraBold" panose="020B0600000101010101" pitchFamily="50" charset="-127"/>
+                <a:ea typeface="나눔스퀘어 ExtraBold" panose="020B0600000101010101" pitchFamily="50" charset="-127"/>
+                <a:cs typeface="Arial" panose="020B0604020202020204" pitchFamily="34" charset="0"/>
+              </a:rPr>
+              <a:t>Recommendation system = Collaborative filtering</a:t>
+            </a:r>
+          </a:p>
+          <a:p>
+            <a:pPr marL="0" indent="0">
+              <a:lnSpc>
+                <a:spcPct val="100000"/>
+              </a:lnSpc>
+              <a:buClr>
+                <a:srgbClr val="004F9E"/>
+              </a:buClr>
+              <a:buNone/>
+            </a:pPr>
+            <a:endParaRPr lang="en-US" altLang="ko-KR" sz="2000" dirty="0">
+              <a:solidFill>
+                <a:schemeClr val="tx1">
+                  <a:lumMod val="85000"/>
+                  <a:lumOff val="15000"/>
+                </a:schemeClr>
+              </a:solidFill>
+              <a:latin typeface="나눔스퀘어 ExtraBold" panose="020B0600000101010101" pitchFamily="50" charset="-127"/>
+              <a:ea typeface="나눔스퀘어 ExtraBold" panose="020B0600000101010101" pitchFamily="50" charset="-127"/>
+              <a:cs typeface="Arial" panose="020B0604020202020204" pitchFamily="34" charset="0"/>
+            </a:endParaRPr>
           </a:p>
         </p:txBody>
       </p:sp>
@@ -9426,7 +10117,61 @@
                 <a:ea typeface="나눔스퀘어 ExtraBold" panose="020B0600000101010101" pitchFamily="50" charset="-127"/>
                 <a:cs typeface="Arial" panose="020B0604020202020204" pitchFamily="34" charset="0"/>
               </a:rPr>
-              <a:t>Continual learning approach = regularization, knowledge distillation</a:t>
+              <a:t>Continual learning approach = </a:t>
+            </a:r>
+            <a:r>
+              <a:rPr lang="en-US" altLang="ko-KR" sz="2000" b="1" dirty="0">
+                <a:solidFill>
+                  <a:schemeClr val="tx1">
+                    <a:lumMod val="85000"/>
+                    <a:lumOff val="15000"/>
+                  </a:schemeClr>
+                </a:solidFill>
+                <a:latin typeface="나눔스퀘어 ExtraBold" panose="020B0600000101010101" pitchFamily="50" charset="-127"/>
+                <a:ea typeface="나눔스퀘어 ExtraBold" panose="020B0600000101010101" pitchFamily="50" charset="-127"/>
+                <a:cs typeface="Arial" panose="020B0604020202020204" pitchFamily="34" charset="0"/>
+              </a:rPr>
+              <a:t>causal inference, colliding effect </a:t>
+            </a:r>
+            <a:r>
+              <a:rPr lang="en-US" altLang="ko-KR" sz="2000" dirty="0">
+                <a:solidFill>
+                  <a:schemeClr val="tx1">
+                    <a:lumMod val="85000"/>
+                    <a:lumOff val="15000"/>
+                  </a:schemeClr>
+                </a:solidFill>
+                <a:latin typeface="나눔스퀘어 ExtraBold" panose="020B0600000101010101" pitchFamily="50" charset="-127"/>
+                <a:ea typeface="나눔스퀘어 ExtraBold" panose="020B0600000101010101" pitchFamily="50" charset="-127"/>
+                <a:cs typeface="Arial" panose="020B0604020202020204" pitchFamily="34" charset="0"/>
+              </a:rPr>
+              <a:t> → IGC, CED</a:t>
+            </a:r>
+          </a:p>
+          <a:p>
+            <a:pPr marL="432000" indent="-432000">
+              <a:lnSpc>
+                <a:spcPct val="100000"/>
+              </a:lnSpc>
+              <a:buClr>
+                <a:srgbClr val="004F9E"/>
+              </a:buClr>
+              <a:buFont typeface="Wingdings" panose="05000000000000000000" pitchFamily="2" charset="2"/>
+              <a:buChar char="§"/>
+            </a:pPr>
+            <a:r>
+              <a:rPr lang="en-US" altLang="ko-KR" sz="2000" dirty="0">
+                <a:solidFill>
+                  <a:schemeClr val="tx1">
+                    <a:lumMod val="85000"/>
+                    <a:lumOff val="15000"/>
+                  </a:schemeClr>
+                </a:solidFill>
+                <a:latin typeface="나눔스퀘어 ExtraBold" panose="020B0600000101010101" pitchFamily="50" charset="-127"/>
+                <a:ea typeface="나눔스퀘어 ExtraBold" panose="020B0600000101010101" pitchFamily="50" charset="-127"/>
+                <a:cs typeface="Arial" panose="020B0604020202020204" pitchFamily="34" charset="0"/>
+              </a:rPr>
+              <a:t>Recommendation system = Collaborative filtering</a:t>
             </a:r>
           </a:p>
           <a:p>
@@ -9537,7 +10282,7 @@
           </a:bodyPr>
           <a:lstStyle/>
           <a:p>
-            <a:pPr marL="889200" lvl="1" indent="-432000">
+            <a:pPr marL="432000" indent="-432000">
               <a:lnSpc>
                 <a:spcPct val="100000"/>
               </a:lnSpc>
@@ -9548,7 +10293,7 @@
               <a:buChar char="§"/>
             </a:pPr>
             <a:r>
-              <a:rPr lang="en-US" altLang="ko-KR" sz="3200" dirty="0">
+              <a:rPr lang="en-US" altLang="ko-KR" sz="3600" dirty="0">
                 <a:solidFill>
                   <a:schemeClr val="tx1">
                     <a:lumMod val="85000"/>
@@ -9559,7 +10304,7 @@
                 <a:ea typeface="나눔스퀘어 ExtraBold" panose="020B0600000101010101" pitchFamily="50" charset="-127"/>
                 <a:cs typeface="Arial" panose="020B0604020202020204" pitchFamily="34" charset="0"/>
               </a:rPr>
-              <a:t>Lightweight Compositional Embeddings for Incremental Streaming Recommendation</a:t>
+              <a:t>GNN + Continual learning</a:t>
             </a:r>
           </a:p>
         </p:txBody>
@@ -9602,17 +10347,72 @@
               <a:buFont typeface="Wingdings" panose="05000000000000000000" pitchFamily="2" charset="2"/>
               <a:buChar char="§"/>
             </a:pPr>
-            <a:endParaRPr lang="en-US" altLang="ko-KR" sz="1800" dirty="0">
-              <a:solidFill>
-                <a:schemeClr val="tx1">
-                  <a:lumMod val="85000"/>
-                  <a:lumOff val="15000"/>
-                </a:schemeClr>
-              </a:solidFill>
-              <a:latin typeface="나눔스퀘어 ExtraBold" panose="020B0600000101010101" pitchFamily="50" charset="-127"/>
-              <a:ea typeface="나눔스퀘어 ExtraBold" panose="020B0600000101010101" pitchFamily="50" charset="-127"/>
-              <a:cs typeface="Arial" panose="020B0604020202020204" pitchFamily="34" charset="0"/>
-            </a:endParaRPr>
+            <a:r>
+              <a:rPr lang="en-US" altLang="ko-KR" sz="2000" dirty="0">
+                <a:solidFill>
+                  <a:schemeClr val="tx1">
+                    <a:lumMod val="85000"/>
+                    <a:lumOff val="15000"/>
+                  </a:schemeClr>
+                </a:solidFill>
+                <a:latin typeface="나눔스퀘어 ExtraBold" panose="020B0600000101010101" pitchFamily="50" charset="-127"/>
+                <a:ea typeface="나눔스퀘어 ExtraBold" panose="020B0600000101010101" pitchFamily="50" charset="-127"/>
+                <a:cs typeface="Arial" panose="020B0604020202020204" pitchFamily="34" charset="0"/>
+              </a:rPr>
+              <a:t>Except for the recommender system, GNN + CL-based papers had many things to refer to.</a:t>
+            </a:r>
+          </a:p>
+          <a:p>
+            <a:pPr marL="432000" indent="-432000">
+              <a:lnSpc>
+                <a:spcPct val="100000"/>
+              </a:lnSpc>
+              <a:buClr>
+                <a:srgbClr val="004F9E"/>
+              </a:buClr>
+              <a:buFont typeface="Wingdings" panose="05000000000000000000" pitchFamily="2" charset="2"/>
+              <a:buChar char="§"/>
+            </a:pPr>
+            <a:r>
+              <a:rPr lang="en-US" altLang="ko-KR" sz="2000" dirty="0">
+                <a:solidFill>
+                  <a:schemeClr val="tx1">
+                    <a:lumMod val="85000"/>
+                    <a:lumOff val="15000"/>
+                  </a:schemeClr>
+                </a:solidFill>
+                <a:latin typeface="나눔스퀘어 ExtraBold" panose="020B0600000101010101" pitchFamily="50" charset="-127"/>
+                <a:ea typeface="나눔스퀘어 ExtraBold" panose="020B0600000101010101" pitchFamily="50" charset="-127"/>
+                <a:cs typeface="Arial" panose="020B0604020202020204" pitchFamily="34" charset="0"/>
+              </a:rPr>
+              <a:t>I think it would be good to study how to apply the recommendation system to this area.</a:t>
+            </a:r>
+          </a:p>
+          <a:p>
+            <a:pPr marL="432000" indent="-432000">
+              <a:lnSpc>
+                <a:spcPct val="100000"/>
+              </a:lnSpc>
+              <a:buClr>
+                <a:srgbClr val="004F9E"/>
+              </a:buClr>
+              <a:buFont typeface="Wingdings" panose="05000000000000000000" pitchFamily="2" charset="2"/>
+              <a:buChar char="§"/>
+            </a:pPr>
+            <a:r>
+              <a:rPr lang="en-US" altLang="ko-KR" sz="2000" dirty="0">
+                <a:solidFill>
+                  <a:schemeClr val="tx1">
+                    <a:lumMod val="85000"/>
+                    <a:lumOff val="15000"/>
+                  </a:schemeClr>
+                </a:solidFill>
+                <a:latin typeface="나눔스퀘어 ExtraBold" panose="020B0600000101010101" pitchFamily="50" charset="-127"/>
+                <a:ea typeface="나눔스퀘어 ExtraBold" panose="020B0600000101010101" pitchFamily="50" charset="-127"/>
+                <a:cs typeface="Arial" panose="020B0604020202020204" pitchFamily="34" charset="0"/>
+              </a:rPr>
+              <a:t>However, at this stage, it is difficult to judge how to understand and apply the specificity of the recommendation system.</a:t>
+            </a:r>
           </a:p>
         </p:txBody>
       </p:sp>
@@ -9649,7 +10449,7 @@
     </p:spTree>
     <p:extLst>
       <p:ext uri="{BB962C8B-B14F-4D97-AF65-F5344CB8AC3E}">
-        <p14:creationId xmlns:p14="http://schemas.microsoft.com/office/powerpoint/2010/main" val="2573493875"/>
+        <p14:creationId xmlns:p14="http://schemas.microsoft.com/office/powerpoint/2010/main" val="3343939275"/>
       </p:ext>
     </p:extLst>
   </p:cSld>
@@ -9721,7 +10521,7 @@
                 <a:ea typeface="나눔스퀘어 ExtraBold" panose="020B0600000101010101" pitchFamily="50" charset="-127"/>
                 <a:cs typeface="Arial" panose="020B0604020202020204" pitchFamily="34" charset="0"/>
               </a:rPr>
-              <a:t>GNN + Continual learning</a:t>
+              <a:t>Architecture based approach</a:t>
             </a:r>
           </a:p>
         </p:txBody>
@@ -9811,7 +10611,7 @@
     </p:spTree>
     <p:extLst>
       <p:ext uri="{BB962C8B-B14F-4D97-AF65-F5344CB8AC3E}">
-        <p14:creationId xmlns:p14="http://schemas.microsoft.com/office/powerpoint/2010/main" val="3343939275"/>
+        <p14:creationId xmlns:p14="http://schemas.microsoft.com/office/powerpoint/2010/main" val="512478945"/>
       </p:ext>
     </p:extLst>
   </p:cSld>
@@ -9883,7 +10683,7 @@
                 <a:ea typeface="나눔스퀘어 ExtraBold" panose="020B0600000101010101" pitchFamily="50" charset="-127"/>
                 <a:cs typeface="Arial" panose="020B0604020202020204" pitchFamily="34" charset="0"/>
               </a:rPr>
-              <a:t>Architecture based approach</a:t>
+              <a:t>Rehearsal based approach</a:t>
             </a:r>
           </a:p>
         </p:txBody>
@@ -9973,7 +10773,7 @@
     </p:spTree>
     <p:extLst>
       <p:ext uri="{BB962C8B-B14F-4D97-AF65-F5344CB8AC3E}">
-        <p14:creationId xmlns:p14="http://schemas.microsoft.com/office/powerpoint/2010/main" val="512478945"/>
+        <p14:creationId xmlns:p14="http://schemas.microsoft.com/office/powerpoint/2010/main" val="2888396295"/>
       </p:ext>
     </p:extLst>
   </p:cSld>
@@ -10045,7 +10845,7 @@
                 <a:ea typeface="나눔스퀘어 ExtraBold" panose="020B0600000101010101" pitchFamily="50" charset="-127"/>
                 <a:cs typeface="Arial" panose="020B0604020202020204" pitchFamily="34" charset="0"/>
               </a:rPr>
-              <a:t>Rehearsal based approach</a:t>
+              <a:t>Regularization based approach</a:t>
             </a:r>
           </a:p>
         </p:txBody>
@@ -10135,7 +10935,7 @@
     </p:spTree>
     <p:extLst>
       <p:ext uri="{BB962C8B-B14F-4D97-AF65-F5344CB8AC3E}">
-        <p14:creationId xmlns:p14="http://schemas.microsoft.com/office/powerpoint/2010/main" val="2888396295"/>
+        <p14:creationId xmlns:p14="http://schemas.microsoft.com/office/powerpoint/2010/main" val="2473855550"/>
       </p:ext>
     </p:extLst>
   </p:cSld>

--- a/papers/papersForKCC/논문 관련 조사 및 아이디어.pptx
+++ b/papers/papersForKCC/논문 관련 조사 및 아이디어.pptx
@@ -5,7 +5,7 @@
     <p:sldMasterId id="2147483648" r:id="rId1"/>
   </p:sldMasterIdLst>
   <p:notesMasterIdLst>
-    <p:notesMasterId r:id="rId18"/>
+    <p:notesMasterId r:id="rId21"/>
   </p:notesMasterIdLst>
   <p:sldIdLst>
     <p:sldId id="256" r:id="rId2"/>
@@ -15,15 +15,18 @@
     <p:sldId id="261" r:id="rId6"/>
     <p:sldId id="263" r:id="rId7"/>
     <p:sldId id="264" r:id="rId8"/>
-    <p:sldId id="265" r:id="rId9"/>
-    <p:sldId id="266" r:id="rId10"/>
-    <p:sldId id="267" r:id="rId11"/>
-    <p:sldId id="270" r:id="rId12"/>
-    <p:sldId id="268" r:id="rId13"/>
-    <p:sldId id="269" r:id="rId14"/>
-    <p:sldId id="262" r:id="rId15"/>
-    <p:sldId id="271" r:id="rId16"/>
-    <p:sldId id="272" r:id="rId17"/>
+    <p:sldId id="273" r:id="rId9"/>
+    <p:sldId id="265" r:id="rId10"/>
+    <p:sldId id="274" r:id="rId11"/>
+    <p:sldId id="275" r:id="rId12"/>
+    <p:sldId id="266" r:id="rId13"/>
+    <p:sldId id="267" r:id="rId14"/>
+    <p:sldId id="270" r:id="rId15"/>
+    <p:sldId id="268" r:id="rId16"/>
+    <p:sldId id="269" r:id="rId17"/>
+    <p:sldId id="262" r:id="rId18"/>
+    <p:sldId id="271" r:id="rId19"/>
+    <p:sldId id="272" r:id="rId20"/>
   </p:sldIdLst>
   <p:sldSz cx="12192000" cy="6858000"/>
   <p:notesSz cx="6858000" cy="9144000"/>
@@ -223,7 +226,7 @@
           <a:p>
             <a:fld id="{B4BAEF34-DDA1-41A6-94BB-1D7567B3088F}" type="datetimeFigureOut">
               <a:rPr lang="ko-KR" altLang="en-US" smtClean="0"/>
-              <a:t>2023-03-13</a:t>
+              <a:t>2023-03-14</a:t>
             </a:fld>
             <a:endParaRPr lang="ko-KR" altLang="en-US"/>
           </a:p>
@@ -620,27 +623,60 @@
           <a:p>
             <a:r>
               <a:rPr lang="en-US" altLang="ko-KR" dirty="0"/>
-              <a:t>CF</a:t>
+              <a:t>ER-GNN</a:t>
+            </a:r>
+          </a:p>
+          <a:p>
+            <a:endParaRPr lang="en-US" altLang="ko-KR" dirty="0"/>
+          </a:p>
+          <a:p>
+            <a:r>
+              <a:rPr lang="en-US" altLang="ko-KR" dirty="0"/>
+              <a:t>experience</a:t>
             </a:r>
             <a:r>
               <a:rPr lang="ko-KR" altLang="en-US" dirty="0"/>
-              <a:t>는 유저와 아이템 간의 상호작용을 바탕으로 </a:t>
+              <a:t>로서 이전 </a:t>
             </a:r>
             <a:r>
               <a:rPr lang="en-US" altLang="ko-KR" dirty="0"/>
-              <a:t>collaborative signal</a:t>
+              <a:t>task</a:t>
             </a:r>
             <a:r>
               <a:rPr lang="ko-KR" altLang="en-US" dirty="0"/>
-              <a:t>을 </a:t>
-            </a:r>
-            <a:r>
-              <a:rPr lang="ko-KR" altLang="en-US" dirty="0" err="1"/>
-              <a:t>캡쳐하는</a:t>
+              <a:t>으로 부터 </a:t>
+            </a:r>
+            <a:r>
+              <a:rPr lang="en-US" altLang="ko-KR" dirty="0"/>
+              <a:t>knowledge</a:t>
             </a:r>
             <a:r>
               <a:rPr lang="ko-KR" altLang="en-US" dirty="0"/>
-              <a:t> 것이 핵심이다</a:t>
+              <a:t>를 저장하고</a:t>
+            </a:r>
+            <a:r>
+              <a:rPr lang="en-US" altLang="ko-KR" dirty="0"/>
+              <a:t>, new task</a:t>
+            </a:r>
+            <a:r>
+              <a:rPr lang="ko-KR" altLang="en-US" dirty="0"/>
+              <a:t>를 </a:t>
+            </a:r>
+            <a:r>
+              <a:rPr lang="en-US" altLang="ko-KR" dirty="0"/>
+              <a:t>learning</a:t>
+            </a:r>
+            <a:r>
+              <a:rPr lang="ko-KR" altLang="en-US" dirty="0"/>
+              <a:t>할 때 </a:t>
+            </a:r>
+            <a:r>
+              <a:rPr lang="en-US" altLang="ko-KR" dirty="0"/>
+              <a:t>repla</a:t>
+            </a:r>
+            <a:r>
+              <a:rPr lang="ko-KR" altLang="en-US" dirty="0"/>
+              <a:t>한다</a:t>
             </a:r>
             <a:r>
               <a:rPr lang="en-US" altLang="ko-KR" dirty="0"/>
@@ -648,81 +684,25 @@
             </a:r>
           </a:p>
           <a:p>
-            <a:endParaRPr lang="en-US" altLang="ko-KR" dirty="0"/>
-          </a:p>
-          <a:p>
             <a:r>
               <a:rPr lang="ko-KR" altLang="en-US" dirty="0"/>
-              <a:t>여기서는 </a:t>
-            </a:r>
-            <a:r>
-              <a:rPr lang="ko-KR" altLang="en-US" dirty="0" err="1"/>
-              <a:t>어떤식으로</a:t>
-            </a:r>
-            <a:endParaRPr lang="en-US" altLang="ko-KR" dirty="0"/>
-          </a:p>
-          <a:p>
+              <a:t>이렇게 </a:t>
+            </a:r>
             <a:r>
               <a:rPr lang="en-US" altLang="ko-KR" dirty="0"/>
-              <a:t>Graph construction</a:t>
+              <a:t>experience</a:t>
             </a:r>
             <a:r>
               <a:rPr lang="ko-KR" altLang="en-US" dirty="0"/>
-              <a:t>을 어떻게 하는가</a:t>
+              <a:t>로 사용할 노드를 선택하는 </a:t>
             </a:r>
             <a:r>
               <a:rPr lang="en-US" altLang="ko-KR" dirty="0"/>
-              <a:t>,</a:t>
-            </a:r>
-          </a:p>
-          <a:p>
-            <a:r>
-              <a:rPr lang="en-US" altLang="ko-KR" dirty="0"/>
-              <a:t>Neighbor </a:t>
-            </a:r>
-            <a:r>
-              <a:rPr lang="en-US" altLang="ko-KR" dirty="0" err="1"/>
-              <a:t>agg</a:t>
+              <a:t>3</a:t>
             </a:r>
             <a:r>
               <a:rPr lang="ko-KR" altLang="en-US" dirty="0"/>
-              <a:t>를 하는가</a:t>
-            </a:r>
-            <a:r>
-              <a:rPr lang="en-US" altLang="ko-KR" dirty="0"/>
-              <a:t>,</a:t>
-            </a:r>
-          </a:p>
-          <a:p>
-            <a:r>
-              <a:rPr lang="en-US" altLang="ko-KR" dirty="0"/>
-              <a:t>Information update</a:t>
-            </a:r>
-            <a:r>
-              <a:rPr lang="ko-KR" altLang="en-US" dirty="0"/>
-              <a:t>를 하는가</a:t>
-            </a:r>
-            <a:r>
-              <a:rPr lang="en-US" altLang="ko-KR" dirty="0"/>
-              <a:t>,</a:t>
-            </a:r>
-          </a:p>
-          <a:p>
-            <a:r>
-              <a:rPr lang="en-US" altLang="ko-KR" dirty="0"/>
-              <a:t>Final node rep</a:t>
-            </a:r>
-            <a:r>
-              <a:rPr lang="ko-KR" altLang="en-US" dirty="0"/>
-              <a:t>을 어떻게 </a:t>
-            </a:r>
-            <a:r>
-              <a:rPr lang="ko-KR" altLang="en-US" dirty="0" err="1"/>
-              <a:t>표현하는가가</a:t>
-            </a:r>
-            <a:r>
-              <a:rPr lang="ko-KR" altLang="en-US" dirty="0"/>
-              <a:t> 핵심</a:t>
+              <a:t>가지 방법이 있다</a:t>
             </a:r>
             <a:r>
               <a:rPr lang="en-US" altLang="ko-KR" dirty="0"/>
@@ -731,54 +711,6 @@
           </a:p>
           <a:p>
             <a:endParaRPr lang="en-US" altLang="ko-KR" dirty="0"/>
-          </a:p>
-          <a:p>
-            <a:r>
-              <a:rPr lang="en-US" altLang="ko-KR" dirty="0"/>
-              <a:t>Graph construction: </a:t>
-            </a:r>
-            <a:r>
-              <a:rPr lang="ko-KR" altLang="en-US" dirty="0"/>
-              <a:t>일단 </a:t>
-            </a:r>
-            <a:r>
-              <a:rPr lang="en-US" altLang="ko-KR" dirty="0"/>
-              <a:t>bipartite </a:t>
-            </a:r>
-            <a:r>
-              <a:rPr lang="ko-KR" altLang="en-US" dirty="0"/>
-              <a:t>그래프 </a:t>
-            </a:r>
-            <a:r>
-              <a:rPr lang="ko-KR" altLang="en-US" dirty="0" err="1"/>
-              <a:t>사용하는게</a:t>
-            </a:r>
-            <a:r>
-              <a:rPr lang="ko-KR" altLang="en-US" dirty="0"/>
-              <a:t> 젤 좋은데</a:t>
-            </a:r>
-            <a:r>
-              <a:rPr lang="en-US" altLang="ko-KR" dirty="0"/>
-              <a:t>, </a:t>
-            </a:r>
-          </a:p>
-          <a:p>
-            <a:r>
-              <a:rPr lang="en-US" altLang="ko-KR" dirty="0"/>
-              <a:t>Neighbor </a:t>
-            </a:r>
-            <a:r>
-              <a:rPr lang="en-US" altLang="ko-KR" dirty="0" err="1"/>
-              <a:t>agg</a:t>
-            </a:r>
-            <a:r>
-              <a:rPr lang="en-US" altLang="ko-KR" dirty="0"/>
-              <a:t>: </a:t>
-            </a:r>
-            <a:r>
-              <a:rPr lang="ko-KR" altLang="en-US" dirty="0"/>
-              <a:t>가장 직</a:t>
-            </a:r>
           </a:p>
         </p:txBody>
       </p:sp>
@@ -808,7 +740,7 @@
     </p:spTree>
     <p:extLst>
       <p:ext uri="{BB962C8B-B14F-4D97-AF65-F5344CB8AC3E}">
-        <p14:creationId xmlns:p14="http://schemas.microsoft.com/office/powerpoint/2010/main" val="4254071109"/>
+        <p14:creationId xmlns:p14="http://schemas.microsoft.com/office/powerpoint/2010/main" val="2451463444"/>
       </p:ext>
     </p:extLst>
   </p:cSld>
@@ -862,83 +794,13 @@
           <a:bodyPr/>
           <a:lstStyle/>
           <a:p>
-            <a:pPr marL="228600" indent="-228600">
-              <a:buAutoNum type="arabicPeriod"/>
-            </a:pPr>
             <a:r>
               <a:rPr lang="en-US" altLang="ko-KR" dirty="0"/>
-              <a:t>Causal </a:t>
-            </a:r>
-            <a:r>
-              <a:rPr lang="en-US" altLang="ko-KR" dirty="0" err="1"/>
-              <a:t>incre</a:t>
-            </a:r>
-            <a:r>
-              <a:rPr lang="en-US" altLang="ko-KR" dirty="0"/>
-              <a:t> + </a:t>
+              <a:t>reg</a:t>
             </a:r>
             <a:r>
               <a:rPr lang="ko-KR" altLang="en-US" dirty="0"/>
-              <a:t>다른 </a:t>
-            </a:r>
-            <a:r>
-              <a:rPr lang="en-US" altLang="ko-KR" dirty="0"/>
-              <a:t>GNN </a:t>
-            </a:r>
-            <a:r>
-              <a:rPr lang="ko-KR" altLang="en-US" dirty="0"/>
-              <a:t>모델 </a:t>
-            </a:r>
-            <a:r>
-              <a:rPr lang="en-US" altLang="ko-KR" dirty="0"/>
-              <a:t>like </a:t>
-            </a:r>
-            <a:r>
-              <a:rPr lang="en-US" altLang="ko-KR" dirty="0" err="1"/>
-              <a:t>pinsage</a:t>
-            </a:r>
-            <a:r>
-              <a:rPr lang="en-US" altLang="ko-KR" dirty="0"/>
-              <a:t> </a:t>
-            </a:r>
-          </a:p>
-          <a:p>
-            <a:pPr marL="228600" indent="-228600">
-              <a:buAutoNum type="arabicPeriod"/>
-            </a:pPr>
-            <a:endParaRPr lang="en-US" altLang="ko-KR" dirty="0"/>
-          </a:p>
-          <a:p>
-            <a:pPr marL="0" indent="0">
-              <a:buNone/>
-            </a:pPr>
-            <a:r>
-              <a:rPr lang="en-US" altLang="ko-KR" dirty="0"/>
-              <a:t>Causal </a:t>
-            </a:r>
-            <a:r>
-              <a:rPr lang="ko-KR" altLang="en-US" dirty="0"/>
-              <a:t>은 결과가 너무 사기적이기 때문에 다른 </a:t>
-            </a:r>
-            <a:r>
-              <a:rPr lang="en-US" altLang="ko-KR" dirty="0" err="1"/>
-              <a:t>gnn</a:t>
-            </a:r>
-            <a:r>
-              <a:rPr lang="en-US" altLang="ko-KR" dirty="0"/>
-              <a:t> </a:t>
-            </a:r>
-            <a:r>
-              <a:rPr lang="ko-KR" altLang="en-US" dirty="0"/>
-              <a:t>모델에서도 </a:t>
-            </a:r>
-            <a:r>
-              <a:rPr lang="en-US" altLang="ko-KR" dirty="0"/>
-              <a:t>general</a:t>
-            </a:r>
-            <a:r>
-              <a:rPr lang="ko-KR" altLang="en-US" dirty="0"/>
-              <a:t>하게 동작하는지 검증이 필요</a:t>
+              <a:t> 기반 접근법</a:t>
             </a:r>
             <a:r>
               <a:rPr lang="en-US" altLang="ko-KR" dirty="0"/>
@@ -946,10 +808,94 @@
             </a:r>
           </a:p>
           <a:p>
-            <a:pPr marL="0" indent="0">
-              <a:buNone/>
-            </a:pPr>
-            <a:endParaRPr lang="ko-KR" altLang="en-US" dirty="0"/>
+            <a:endParaRPr lang="en-US" altLang="ko-KR" dirty="0"/>
+          </a:p>
+          <a:p>
+            <a:r>
+              <a:rPr lang="ko-KR" altLang="en-US" dirty="0"/>
+              <a:t>이 방식은 비용 함수에 </a:t>
+            </a:r>
+            <a:r>
+              <a:rPr lang="en-US" altLang="ko-KR" dirty="0"/>
+              <a:t>reg term</a:t>
+            </a:r>
+            <a:r>
+              <a:rPr lang="ko-KR" altLang="en-US" dirty="0"/>
+              <a:t>을 추가하는 방식으로 </a:t>
+            </a:r>
+            <a:r>
+              <a:rPr lang="en-US" altLang="ko-KR" dirty="0"/>
+              <a:t>reg</a:t>
+            </a:r>
+            <a:r>
+              <a:rPr lang="ko-KR" altLang="en-US" dirty="0"/>
+              <a:t>을 한다</a:t>
+            </a:r>
+            <a:r>
+              <a:rPr lang="en-US" altLang="ko-KR" dirty="0"/>
+              <a:t>. </a:t>
+            </a:r>
+            <a:r>
+              <a:rPr lang="ko-KR" altLang="en-US" dirty="0"/>
+              <a:t>기존의 중요한 </a:t>
+            </a:r>
+            <a:r>
+              <a:rPr lang="en-US" altLang="ko-KR" dirty="0"/>
+              <a:t>weight</a:t>
+            </a:r>
+            <a:r>
+              <a:rPr lang="ko-KR" altLang="en-US" dirty="0"/>
+              <a:t>이 날라가지 않도록 하는 접근 방식이다</a:t>
+            </a:r>
+            <a:r>
+              <a:rPr lang="en-US" altLang="ko-KR" dirty="0"/>
+              <a:t>.</a:t>
+            </a:r>
+          </a:p>
+          <a:p>
+            <a:r>
+              <a:rPr lang="ko-KR" altLang="en-US" dirty="0"/>
+              <a:t>내 생각엔 </a:t>
+            </a:r>
+            <a:r>
+              <a:rPr lang="en-US" altLang="ko-KR" dirty="0"/>
+              <a:t>CL </a:t>
+            </a:r>
+            <a:r>
+              <a:rPr lang="ko-KR" altLang="en-US" dirty="0"/>
+              <a:t>방법론 중 가장 연구가 활발하게 되고 있는 분야이고 </a:t>
+            </a:r>
+            <a:r>
+              <a:rPr lang="en-US" altLang="ko-KR" dirty="0" err="1"/>
+              <a:t>graphSAIL</a:t>
+            </a:r>
+            <a:r>
+              <a:rPr lang="ko-KR" altLang="en-US" dirty="0"/>
+              <a:t>의 </a:t>
+            </a:r>
+            <a:r>
+              <a:rPr lang="en-US" altLang="ko-KR" dirty="0"/>
+              <a:t>KD </a:t>
+            </a:r>
+            <a:r>
+              <a:rPr lang="ko-KR" altLang="en-US" dirty="0"/>
+              <a:t>역시 </a:t>
+            </a:r>
+            <a:r>
+              <a:rPr lang="en-US" altLang="ko-KR" dirty="0"/>
+              <a:t>reg </a:t>
+            </a:r>
+            <a:r>
+              <a:rPr lang="ko-KR" altLang="en-US" dirty="0"/>
+              <a:t>기반 접근법의 일종이다</a:t>
+            </a:r>
+            <a:r>
+              <a:rPr lang="en-US" altLang="ko-KR" dirty="0"/>
+              <a:t>.</a:t>
+            </a:r>
+          </a:p>
+          <a:p>
+            <a:endParaRPr lang="en-US" altLang="ko-KR" dirty="0"/>
           </a:p>
         </p:txBody>
       </p:sp>
@@ -979,7 +925,7 @@
     </p:spTree>
     <p:extLst>
       <p:ext uri="{BB962C8B-B14F-4D97-AF65-F5344CB8AC3E}">
-        <p14:creationId xmlns:p14="http://schemas.microsoft.com/office/powerpoint/2010/main" val="2252677923"/>
+        <p14:creationId xmlns:p14="http://schemas.microsoft.com/office/powerpoint/2010/main" val="1642583466"/>
       </p:ext>
     </p:extLst>
   </p:cSld>
@@ -1033,84 +979,106 @@
           <a:bodyPr/>
           <a:lstStyle/>
           <a:p>
+            <a:r>
+              <a:rPr lang="en-US" altLang="ko-KR" dirty="0"/>
+              <a:t>GNN</a:t>
+            </a:r>
+            <a:r>
+              <a:rPr lang="ko-KR" altLang="en-US" dirty="0"/>
+              <a:t>에 추천 도메인을 적용한 사례를 정리했다</a:t>
+            </a:r>
+            <a:r>
+              <a:rPr lang="en-US" altLang="ko-KR" dirty="0"/>
+              <a:t>.</a:t>
+            </a:r>
+          </a:p>
+          <a:p>
+            <a:r>
+              <a:rPr lang="en-US" altLang="ko-KR" dirty="0"/>
+              <a:t>GNN</a:t>
+            </a:r>
+            <a:r>
+              <a:rPr lang="ko-KR" altLang="en-US" dirty="0"/>
+              <a:t>은 </a:t>
+            </a:r>
+            <a:r>
+              <a:rPr lang="en-US" altLang="ko-KR" dirty="0"/>
+              <a:t>rep learning</a:t>
+            </a:r>
+            <a:r>
+              <a:rPr lang="ko-KR" altLang="en-US" dirty="0"/>
+              <a:t>에 강력한 성능을 증명했고</a:t>
+            </a:r>
+            <a:r>
+              <a:rPr lang="en-US" altLang="ko-KR" dirty="0"/>
+              <a:t>.. </a:t>
+            </a:r>
+            <a:r>
+              <a:rPr lang="ko-KR" altLang="en-US" dirty="0"/>
+              <a:t>추천 데이터는 대부분 그래프 구조를 가지고 있다</a:t>
+            </a:r>
+            <a:r>
+              <a:rPr lang="en-US" altLang="ko-KR" dirty="0"/>
+              <a:t>.</a:t>
+            </a:r>
+          </a:p>
+          <a:p>
+            <a:endParaRPr lang="en-US" altLang="ko-KR" dirty="0"/>
+          </a:p>
+          <a:p>
+            <a:r>
+              <a:rPr lang="en-US" altLang="ko-KR" dirty="0"/>
+              <a:t>Information</a:t>
+            </a:r>
+            <a:r>
+              <a:rPr lang="ko-KR" altLang="en-US" dirty="0"/>
+              <a:t>의 종류와 추천 태스크 별로 카테고리를 나눌 수 있다</a:t>
+            </a:r>
+            <a:r>
+              <a:rPr lang="en-US" altLang="ko-KR" dirty="0"/>
+              <a:t>.</a:t>
+            </a:r>
+          </a:p>
+          <a:p>
             <a:pPr marL="228600" indent="-228600">
               <a:buAutoNum type="arabicPeriod"/>
             </a:pPr>
             <a:r>
-              <a:rPr lang="en-US" altLang="ko-KR" dirty="0" err="1"/>
-              <a:t>graphSAIL</a:t>
-            </a:r>
-            <a:r>
-              <a:rPr lang="ko-KR" altLang="en-US" dirty="0"/>
-              <a:t> </a:t>
-            </a:r>
-            <a:r>
               <a:rPr lang="en-US" altLang="ko-KR" dirty="0"/>
-              <a:t>+</a:t>
-            </a:r>
-            <a:r>
-              <a:rPr lang="ko-KR" altLang="en-US" dirty="0"/>
-              <a:t> </a:t>
-            </a:r>
-            <a:r>
-              <a:rPr lang="en-US" altLang="ko-KR" dirty="0"/>
-              <a:t>memory, </a:t>
-            </a:r>
-            <a:r>
-              <a:rPr lang="en-US" altLang="ko-KR" dirty="0" err="1"/>
-              <a:t>iCaRL</a:t>
-            </a:r>
-            <a:endParaRPr lang="en-US" altLang="ko-KR" dirty="0"/>
+              <a:t>CF</a:t>
+            </a:r>
           </a:p>
           <a:p>
             <a:pPr marL="228600" indent="-228600">
               <a:buAutoNum type="arabicPeriod"/>
             </a:pPr>
+            <a:r>
+              <a:rPr lang="ko-KR" altLang="en-US" dirty="0" err="1"/>
+              <a:t>시퀀셜</a:t>
+            </a:r>
+            <a:r>
+              <a:rPr lang="ko-KR" altLang="en-US" dirty="0"/>
+              <a:t> 추천</a:t>
+            </a:r>
             <a:endParaRPr lang="en-US" altLang="ko-KR" dirty="0"/>
           </a:p>
           <a:p>
-            <a:pPr marL="0" indent="0">
-              <a:buNone/>
+            <a:pPr marL="228600" indent="-228600">
+              <a:buAutoNum type="arabicPeriod"/>
             </a:pPr>
             <a:r>
               <a:rPr lang="ko-KR" altLang="en-US" dirty="0"/>
-              <a:t>현재 </a:t>
-            </a:r>
-            <a:r>
-              <a:rPr lang="en-US" altLang="ko-KR" dirty="0" err="1"/>
-              <a:t>graphSAIL</a:t>
-            </a:r>
+              <a:t>소셜</a:t>
+            </a:r>
+            <a:endParaRPr lang="en-US" altLang="ko-KR" dirty="0"/>
+          </a:p>
+          <a:p>
+            <a:pPr marL="228600" indent="-228600">
+              <a:buAutoNum type="arabicPeriod"/>
+            </a:pPr>
             <a:r>
               <a:rPr lang="ko-KR" altLang="en-US" dirty="0"/>
-              <a:t>은 </a:t>
-            </a:r>
-            <a:r>
-              <a:rPr lang="en-US" altLang="ko-KR" dirty="0"/>
-              <a:t>KD</a:t>
-            </a:r>
-            <a:r>
-              <a:rPr lang="ko-KR" altLang="en-US" dirty="0"/>
-              <a:t>기반 </a:t>
-            </a:r>
-            <a:r>
-              <a:rPr lang="en-US" altLang="ko-KR" dirty="0"/>
-              <a:t>reg </a:t>
-            </a:r>
-            <a:r>
-              <a:rPr lang="ko-KR" altLang="en-US" dirty="0"/>
-              <a:t>방식에 집중하고 있음 여기에 </a:t>
-            </a:r>
-            <a:r>
-              <a:rPr lang="en-US" altLang="ko-KR" dirty="0"/>
-              <a:t>+memory </a:t>
-            </a:r>
-            <a:r>
-              <a:rPr lang="ko-KR" altLang="en-US" dirty="0"/>
-              <a:t>방식이 들어간다면</a:t>
-            </a:r>
-            <a:r>
-              <a:rPr lang="en-US" altLang="ko-KR" dirty="0"/>
-              <a:t>?</a:t>
+              <a:t>지식 그래프</a:t>
             </a:r>
           </a:p>
         </p:txBody>
@@ -1141,7 +1109,7 @@
     </p:spTree>
     <p:extLst>
       <p:ext uri="{BB962C8B-B14F-4D97-AF65-F5344CB8AC3E}">
-        <p14:creationId xmlns:p14="http://schemas.microsoft.com/office/powerpoint/2010/main" val="2690387154"/>
+        <p14:creationId xmlns:p14="http://schemas.microsoft.com/office/powerpoint/2010/main" val="2697507245"/>
       </p:ext>
     </p:extLst>
   </p:cSld>
@@ -1195,36 +1163,33 @@
           <a:bodyPr/>
           <a:lstStyle/>
           <a:p>
-            <a:pPr marL="0" marR="0" lvl="0" indent="0" algn="l" defTabSz="914400" rtl="0" eaLnBrk="1" fontAlgn="auto" latinLnBrk="1" hangingPunct="1">
-              <a:lnSpc>
-                <a:spcPct val="100000"/>
-              </a:lnSpc>
-              <a:spcBef>
-                <a:spcPts val="0"/>
-              </a:spcBef>
-              <a:spcAft>
-                <a:spcPts val="0"/>
-              </a:spcAft>
-              <a:buClrTx/>
-              <a:buSzTx/>
-              <a:buFontTx/>
-              <a:buNone/>
-              <a:tabLst/>
-              <a:defRPr/>
-            </a:pPr>
-            <a:r>
-              <a:rPr lang="en-US" altLang="ko-KR" sz="1200" dirty="0">
-                <a:solidFill>
-                  <a:schemeClr val="tx1">
-                    <a:lumMod val="85000"/>
-                    <a:lumOff val="15000"/>
-                  </a:schemeClr>
-                </a:solidFill>
-                <a:latin typeface="나눔스퀘어 ExtraBold" panose="020B0600000101010101" pitchFamily="50" charset="-127"/>
-                <a:ea typeface="나눔스퀘어 ExtraBold" panose="020B0600000101010101" pitchFamily="50" charset="-127"/>
-                <a:cs typeface="Arial" panose="020B0604020202020204" pitchFamily="34" charset="0"/>
-              </a:rPr>
-              <a:t>Lightweight Compositional Embeddings for Incremental Streaming Recommendation</a:t>
+            <a:r>
+              <a:rPr lang="en-US" altLang="ko-KR" dirty="0"/>
+              <a:t>CF</a:t>
+            </a:r>
+            <a:r>
+              <a:rPr lang="ko-KR" altLang="en-US" dirty="0"/>
+              <a:t>는 유저와 아이템 간의 상호작용을 바탕으로 </a:t>
+            </a:r>
+            <a:r>
+              <a:rPr lang="en-US" altLang="ko-KR" dirty="0"/>
+              <a:t>collaborative signal</a:t>
+            </a:r>
+            <a:r>
+              <a:rPr lang="ko-KR" altLang="en-US" dirty="0"/>
+              <a:t>을 </a:t>
+            </a:r>
+            <a:r>
+              <a:rPr lang="ko-KR" altLang="en-US" dirty="0" err="1"/>
+              <a:t>캡쳐하는</a:t>
+            </a:r>
+            <a:r>
+              <a:rPr lang="ko-KR" altLang="en-US" dirty="0"/>
+              <a:t> 것이 핵심이다</a:t>
+            </a:r>
+            <a:r>
+              <a:rPr lang="en-US" altLang="ko-KR" dirty="0"/>
+              <a:t>.</a:t>
             </a:r>
           </a:p>
           <a:p>
@@ -1232,16 +1197,133 @@
           </a:p>
           <a:p>
             <a:r>
+              <a:rPr lang="ko-KR" altLang="en-US" dirty="0"/>
+              <a:t>여기서는 </a:t>
+            </a:r>
+            <a:r>
+              <a:rPr lang="ko-KR" altLang="en-US" dirty="0" err="1"/>
+              <a:t>어떤식으로</a:t>
+            </a:r>
+            <a:endParaRPr lang="en-US" altLang="ko-KR" dirty="0"/>
+          </a:p>
+          <a:p>
+            <a:r>
               <a:rPr lang="en-US" altLang="ko-KR" dirty="0"/>
-              <a:t>GNN model = ??</a:t>
-            </a:r>
-          </a:p>
-          <a:p>
+              <a:t>Graph construction</a:t>
+            </a:r>
+            <a:r>
+              <a:rPr lang="ko-KR" altLang="en-US" dirty="0"/>
+              <a:t>을 어떻게 하는가</a:t>
+            </a:r>
             <a:r>
               <a:rPr lang="en-US" altLang="ko-KR" dirty="0"/>
-              <a:t>CL approach = ??</a:t>
-            </a:r>
-            <a:endParaRPr lang="ko-KR" altLang="en-US" dirty="0"/>
+              <a:t>,</a:t>
+            </a:r>
+          </a:p>
+          <a:p>
+            <a:r>
+              <a:rPr lang="en-US" altLang="ko-KR" dirty="0"/>
+              <a:t>Neighbor </a:t>
+            </a:r>
+            <a:r>
+              <a:rPr lang="en-US" altLang="ko-KR" dirty="0" err="1"/>
+              <a:t>agg</a:t>
+            </a:r>
+            <a:r>
+              <a:rPr lang="ko-KR" altLang="en-US" dirty="0"/>
+              <a:t>를 하는가</a:t>
+            </a:r>
+            <a:r>
+              <a:rPr lang="en-US" altLang="ko-KR" dirty="0"/>
+              <a:t>,</a:t>
+            </a:r>
+          </a:p>
+          <a:p>
+            <a:r>
+              <a:rPr lang="en-US" altLang="ko-KR" dirty="0"/>
+              <a:t>Information update</a:t>
+            </a:r>
+            <a:r>
+              <a:rPr lang="ko-KR" altLang="en-US" dirty="0"/>
+              <a:t>를 하는가</a:t>
+            </a:r>
+            <a:r>
+              <a:rPr lang="en-US" altLang="ko-KR" dirty="0"/>
+              <a:t>,</a:t>
+            </a:r>
+          </a:p>
+          <a:p>
+            <a:r>
+              <a:rPr lang="en-US" altLang="ko-KR" dirty="0"/>
+              <a:t>Final node rep</a:t>
+            </a:r>
+            <a:r>
+              <a:rPr lang="ko-KR" altLang="en-US" dirty="0"/>
+              <a:t>을 어떻게 </a:t>
+            </a:r>
+            <a:r>
+              <a:rPr lang="ko-KR" altLang="en-US" dirty="0" err="1"/>
+              <a:t>표현하는가가</a:t>
+            </a:r>
+            <a:r>
+              <a:rPr lang="ko-KR" altLang="en-US" dirty="0"/>
+              <a:t> 핵심</a:t>
+            </a:r>
+            <a:r>
+              <a:rPr lang="en-US" altLang="ko-KR" dirty="0"/>
+              <a:t>.</a:t>
+            </a:r>
+          </a:p>
+          <a:p>
+            <a:endParaRPr lang="en-US" altLang="ko-KR" dirty="0"/>
+          </a:p>
+          <a:p>
+            <a:r>
+              <a:rPr lang="en-US" altLang="ko-KR" dirty="0"/>
+              <a:t>Graph construction: </a:t>
+            </a:r>
+            <a:r>
+              <a:rPr lang="ko-KR" altLang="en-US" dirty="0"/>
+              <a:t>일단 </a:t>
+            </a:r>
+            <a:r>
+              <a:rPr lang="en-US" altLang="ko-KR" dirty="0"/>
+              <a:t>bipartite </a:t>
+            </a:r>
+            <a:r>
+              <a:rPr lang="ko-KR" altLang="en-US" dirty="0"/>
+              <a:t>그래프 </a:t>
+            </a:r>
+            <a:r>
+              <a:rPr lang="ko-KR" altLang="en-US" dirty="0" err="1"/>
+              <a:t>사용하는게</a:t>
+            </a:r>
+            <a:r>
+              <a:rPr lang="ko-KR" altLang="en-US" dirty="0"/>
+              <a:t> 젤 좋은데</a:t>
+            </a:r>
+            <a:r>
+              <a:rPr lang="en-US" altLang="ko-KR" dirty="0"/>
+              <a:t>, </a:t>
+            </a:r>
+          </a:p>
+          <a:p>
+            <a:r>
+              <a:rPr lang="en-US" altLang="ko-KR" dirty="0"/>
+              <a:t>Neighbor </a:t>
+            </a:r>
+            <a:r>
+              <a:rPr lang="en-US" altLang="ko-KR" dirty="0" err="1"/>
+              <a:t>agg</a:t>
+            </a:r>
+            <a:r>
+              <a:rPr lang="en-US" altLang="ko-KR" dirty="0"/>
+              <a:t>: </a:t>
+            </a:r>
+            <a:r>
+              <a:rPr lang="ko-KR" altLang="en-US" dirty="0"/>
+              <a:t>가장 직</a:t>
+            </a:r>
           </a:p>
         </p:txBody>
       </p:sp>
@@ -1271,7 +1353,7 @@
     </p:spTree>
     <p:extLst>
       <p:ext uri="{BB962C8B-B14F-4D97-AF65-F5344CB8AC3E}">
-        <p14:creationId xmlns:p14="http://schemas.microsoft.com/office/powerpoint/2010/main" val="3315714048"/>
+        <p14:creationId xmlns:p14="http://schemas.microsoft.com/office/powerpoint/2010/main" val="4254071109"/>
       </p:ext>
     </p:extLst>
   </p:cSld>
@@ -1325,30 +1407,83 @@
           <a:bodyPr/>
           <a:lstStyle/>
           <a:p>
-            <a:r>
-              <a:rPr lang="ko-KR" altLang="en-US" dirty="0" err="1"/>
-              <a:t>시퀀셜</a:t>
+            <a:pPr marL="228600" indent="-228600">
+              <a:buAutoNum type="arabicPeriod"/>
+            </a:pPr>
+            <a:r>
+              <a:rPr lang="en-US" altLang="ko-KR" dirty="0"/>
+              <a:t>Causal </a:t>
+            </a:r>
+            <a:r>
+              <a:rPr lang="en-US" altLang="ko-KR" dirty="0" err="1"/>
+              <a:t>incre</a:t>
+            </a:r>
+            <a:r>
+              <a:rPr lang="en-US" altLang="ko-KR" dirty="0"/>
+              <a:t> + </a:t>
             </a:r>
             <a:r>
               <a:rPr lang="ko-KR" altLang="en-US" dirty="0"/>
-              <a:t> 추천</a:t>
+              <a:t>다른 </a:t>
             </a:r>
             <a:r>
               <a:rPr lang="en-US" altLang="ko-KR" dirty="0"/>
-              <a:t>..</a:t>
-            </a:r>
-          </a:p>
-          <a:p>
+              <a:t>GNN </a:t>
+            </a:r>
+            <a:r>
+              <a:rPr lang="ko-KR" altLang="en-US" dirty="0"/>
+              <a:t>모델 </a:t>
+            </a:r>
+            <a:r>
+              <a:rPr lang="en-US" altLang="ko-KR" dirty="0"/>
+              <a:t>like </a:t>
+            </a:r>
+            <a:r>
+              <a:rPr lang="en-US" altLang="ko-KR" dirty="0" err="1"/>
+              <a:t>pinsage</a:t>
+            </a:r>
+            <a:r>
+              <a:rPr lang="en-US" altLang="ko-KR" dirty="0"/>
+              <a:t> </a:t>
+            </a:r>
+          </a:p>
+          <a:p>
+            <a:pPr marL="228600" indent="-228600">
+              <a:buAutoNum type="arabicPeriod"/>
+            </a:pPr>
             <a:endParaRPr lang="en-US" altLang="ko-KR" dirty="0"/>
           </a:p>
           <a:p>
-            <a:r>
-              <a:rPr lang="ko-KR" altLang="en-US" dirty="0" err="1"/>
-              <a:t>시퀀셜</a:t>
+            <a:pPr marL="0" indent="0">
+              <a:buNone/>
+            </a:pPr>
+            <a:r>
+              <a:rPr lang="en-US" altLang="ko-KR" dirty="0"/>
+              <a:t>Causal </a:t>
             </a:r>
             <a:r>
               <a:rPr lang="ko-KR" altLang="en-US" dirty="0"/>
-              <a:t> 추천은 유저의 다음 행동을 예측하는 것이다</a:t>
+              <a:t>은 결과가 너무 사기적이기 때문에 다른 </a:t>
+            </a:r>
+            <a:r>
+              <a:rPr lang="en-US" altLang="ko-KR" dirty="0" err="1"/>
+              <a:t>gnn</a:t>
+            </a:r>
+            <a:r>
+              <a:rPr lang="en-US" altLang="ko-KR" dirty="0"/>
+              <a:t> </a:t>
+            </a:r>
+            <a:r>
+              <a:rPr lang="ko-KR" altLang="en-US" dirty="0"/>
+              <a:t>모델에서도 </a:t>
+            </a:r>
+            <a:r>
+              <a:rPr lang="en-US" altLang="ko-KR" dirty="0"/>
+              <a:t>general</a:t>
+            </a:r>
+            <a:r>
+              <a:rPr lang="ko-KR" altLang="en-US" dirty="0"/>
+              <a:t>하게 동작하는지 검증이 필요</a:t>
             </a:r>
             <a:r>
               <a:rPr lang="en-US" altLang="ko-KR" dirty="0"/>
@@ -1356,211 +1491,9 @@
             </a:r>
           </a:p>
           <a:p>
-            <a:endParaRPr lang="en-US" altLang="ko-KR" dirty="0"/>
-          </a:p>
-          <a:p>
-            <a:r>
-              <a:rPr lang="ko-KR" altLang="en-US" dirty="0"/>
-              <a:t>여기서 </a:t>
-            </a:r>
-            <a:r>
-              <a:rPr lang="ko-KR" altLang="en-US" dirty="0" err="1"/>
-              <a:t>다뤄야할</a:t>
-            </a:r>
-            <a:r>
-              <a:rPr lang="ko-KR" altLang="en-US" dirty="0"/>
-              <a:t> 내용은</a:t>
-            </a:r>
-            <a:r>
-              <a:rPr lang="en-US" altLang="ko-KR" dirty="0"/>
-              <a:t>..</a:t>
-            </a:r>
-          </a:p>
-          <a:p>
-            <a:r>
-              <a:rPr lang="en-US" altLang="ko-KR" dirty="0"/>
-              <a:t>Graph construction: GNN</a:t>
-            </a:r>
-            <a:r>
-              <a:rPr lang="ko-KR" altLang="en-US" dirty="0"/>
-              <a:t>에 </a:t>
-            </a:r>
-            <a:r>
-              <a:rPr lang="ko-KR" altLang="en-US" dirty="0" err="1"/>
-              <a:t>시퀀셜</a:t>
-            </a:r>
-            <a:r>
-              <a:rPr lang="ko-KR" altLang="en-US" dirty="0"/>
-              <a:t> 추천을 적용하기 위해서는</a:t>
-            </a:r>
-            <a:r>
-              <a:rPr lang="en-US" altLang="ko-KR" dirty="0"/>
-              <a:t>, </a:t>
-            </a:r>
-            <a:r>
-              <a:rPr lang="ko-KR" altLang="en-US" dirty="0" err="1"/>
-              <a:t>시퀀셜</a:t>
-            </a:r>
-            <a:r>
-              <a:rPr lang="ko-KR" altLang="en-US" dirty="0"/>
-              <a:t> 데이터가 </a:t>
-            </a:r>
-            <a:r>
-              <a:rPr lang="ko-KR" altLang="en-US" dirty="0" err="1"/>
-              <a:t>시퀀셜</a:t>
-            </a:r>
-            <a:r>
-              <a:rPr lang="ko-KR" altLang="en-US" dirty="0"/>
-              <a:t> 그래프 형태로 바뀌어야 한다</a:t>
-            </a:r>
-            <a:r>
-              <a:rPr lang="en-US" altLang="ko-KR" dirty="0"/>
-              <a:t>. </a:t>
-            </a:r>
-            <a:r>
-              <a:rPr lang="ko-KR" altLang="en-US" dirty="0"/>
-              <a:t>서브 그래프가 충분히 형성 되었는지</a:t>
-            </a:r>
-            <a:r>
-              <a:rPr lang="en-US" altLang="ko-KR" dirty="0"/>
-              <a:t>, .. </a:t>
-            </a:r>
-            <a:r>
-              <a:rPr lang="ko-KR" altLang="en-US" dirty="0"/>
-              <a:t>뭐 그래프를 </a:t>
-            </a:r>
-            <a:r>
-              <a:rPr lang="ko-KR" altLang="en-US" dirty="0" err="1"/>
-              <a:t>어떤식으로</a:t>
-            </a:r>
-            <a:r>
-              <a:rPr lang="ko-KR" altLang="en-US" dirty="0"/>
-              <a:t> </a:t>
-            </a:r>
-            <a:r>
-              <a:rPr lang="ko-KR" altLang="en-US" dirty="0" err="1"/>
-              <a:t>구성할거냐</a:t>
-            </a:r>
-            <a:r>
-              <a:rPr lang="ko-KR" altLang="en-US" dirty="0"/>
-              <a:t> 이런 것들임</a:t>
-            </a:r>
-            <a:r>
-              <a:rPr lang="en-US" altLang="ko-KR" dirty="0"/>
-              <a:t>.</a:t>
-            </a:r>
-          </a:p>
-          <a:p>
-            <a:r>
-              <a:rPr lang="en-US" altLang="ko-KR" dirty="0"/>
-              <a:t>Information propagation: </a:t>
-            </a:r>
-            <a:r>
-              <a:rPr lang="ko-KR" altLang="en-US" dirty="0"/>
-              <a:t>변화 패턴을 </a:t>
-            </a:r>
-            <a:r>
-              <a:rPr lang="ko-KR" altLang="en-US" dirty="0" err="1"/>
-              <a:t>캡쳐하기</a:t>
-            </a:r>
-            <a:r>
-              <a:rPr lang="ko-KR" altLang="en-US" dirty="0"/>
-              <a:t> 위해서는</a:t>
-            </a:r>
-            <a:r>
-              <a:rPr lang="en-US" altLang="ko-KR" dirty="0"/>
-              <a:t>, </a:t>
-            </a:r>
-            <a:r>
-              <a:rPr lang="ko-KR" altLang="en-US" dirty="0"/>
-              <a:t>어떤 </a:t>
-            </a:r>
-            <a:r>
-              <a:rPr lang="en-US" altLang="ko-KR" dirty="0"/>
-              <a:t>propagation </a:t>
-            </a:r>
-            <a:r>
-              <a:rPr lang="ko-KR" altLang="en-US" dirty="0" err="1"/>
-              <a:t>매커니즘이</a:t>
-            </a:r>
-            <a:r>
-              <a:rPr lang="ko-KR" altLang="en-US" dirty="0"/>
-              <a:t> 적절한지</a:t>
-            </a:r>
-            <a:r>
-              <a:rPr lang="en-US" altLang="ko-KR" dirty="0"/>
-              <a:t> </a:t>
-            </a:r>
-            <a:r>
-              <a:rPr lang="ko-KR" altLang="en-US" dirty="0" err="1"/>
-              <a:t>고민해야한다</a:t>
-            </a:r>
-            <a:r>
-              <a:rPr lang="en-US" altLang="ko-KR" dirty="0"/>
-              <a:t>.</a:t>
-            </a:r>
-          </a:p>
-          <a:p>
-            <a:r>
-              <a:rPr lang="en-US" altLang="ko-KR" dirty="0"/>
-              <a:t>Sequential preference: </a:t>
-            </a:r>
-            <a:r>
-              <a:rPr lang="ko-KR" altLang="en-US" dirty="0"/>
-              <a:t>유저의 일시적인 선호도를 알기 위해서는 시퀀스가 통합되어야 한다</a:t>
-            </a:r>
-            <a:r>
-              <a:rPr lang="en-US" altLang="ko-KR" dirty="0"/>
-              <a:t>… </a:t>
-            </a:r>
-            <a:r>
-              <a:rPr lang="ko-KR" altLang="en-US" dirty="0" err="1"/>
-              <a:t>어텐션</a:t>
-            </a:r>
-            <a:r>
-              <a:rPr lang="ko-KR" altLang="en-US" dirty="0"/>
-              <a:t> </a:t>
-            </a:r>
-            <a:r>
-              <a:rPr lang="ko-KR" altLang="en-US" dirty="0" err="1"/>
-              <a:t>풀링을</a:t>
-            </a:r>
-            <a:r>
-              <a:rPr lang="ko-KR" altLang="en-US" dirty="0"/>
-              <a:t> </a:t>
-            </a:r>
-            <a:r>
-              <a:rPr lang="ko-KR" altLang="en-US" dirty="0" err="1"/>
-              <a:t>적용할거냐</a:t>
-            </a:r>
-            <a:r>
-              <a:rPr lang="en-US" altLang="ko-KR" dirty="0"/>
-              <a:t>, RNN </a:t>
-            </a:r>
-            <a:r>
-              <a:rPr lang="ko-KR" altLang="en-US" dirty="0"/>
-              <a:t>구조를 </a:t>
-            </a:r>
-            <a:r>
-              <a:rPr lang="ko-KR" altLang="en-US" dirty="0" err="1"/>
-              <a:t>가져올거냐</a:t>
-            </a:r>
-            <a:r>
-              <a:rPr lang="en-US" altLang="ko-KR" dirty="0"/>
-              <a:t>.. </a:t>
-            </a:r>
-            <a:r>
-              <a:rPr lang="ko-KR" altLang="en-US" dirty="0"/>
-              <a:t>뭐 이런 것들 </a:t>
-            </a:r>
-            <a:r>
-              <a:rPr lang="ko-KR" altLang="en-US" dirty="0" err="1"/>
-              <a:t>고민해야한다</a:t>
-            </a:r>
-            <a:r>
-              <a:rPr lang="en-US" altLang="ko-KR" dirty="0"/>
-              <a:t>.</a:t>
-            </a:r>
+            <a:pPr marL="0" indent="0">
+              <a:buNone/>
+            </a:pPr>
             <a:endParaRPr lang="ko-KR" altLang="en-US" dirty="0"/>
           </a:p>
         </p:txBody>
@@ -1591,7 +1524,7 @@
     </p:spTree>
     <p:extLst>
       <p:ext uri="{BB962C8B-B14F-4D97-AF65-F5344CB8AC3E}">
-        <p14:creationId xmlns:p14="http://schemas.microsoft.com/office/powerpoint/2010/main" val="847534499"/>
+        <p14:creationId xmlns:p14="http://schemas.microsoft.com/office/powerpoint/2010/main" val="2252677923"/>
       </p:ext>
     </p:extLst>
   </p:cSld>
@@ -1645,15 +1578,85 @@
           <a:bodyPr/>
           <a:lstStyle/>
           <a:p>
+            <a:pPr marL="228600" indent="-228600">
+              <a:buAutoNum type="arabicPeriod"/>
+            </a:pPr>
+            <a:r>
+              <a:rPr lang="en-US" altLang="ko-KR" dirty="0" err="1"/>
+              <a:t>graphSAIL</a:t>
+            </a:r>
             <a:r>
               <a:rPr lang="ko-KR" altLang="en-US" dirty="0"/>
-              <a:t>소셜 추천에서는 </a:t>
+              <a:t> </a:t>
             </a:r>
             <a:r>
               <a:rPr lang="en-US" altLang="ko-KR" dirty="0"/>
-              <a:t>..</a:t>
-            </a:r>
-            <a:endParaRPr lang="ko-KR" altLang="en-US" dirty="0"/>
+              <a:t>+</a:t>
+            </a:r>
+            <a:r>
+              <a:rPr lang="ko-KR" altLang="en-US" dirty="0"/>
+              <a:t> </a:t>
+            </a:r>
+            <a:r>
+              <a:rPr lang="en-US" altLang="ko-KR" dirty="0"/>
+              <a:t>memory, </a:t>
+            </a:r>
+            <a:r>
+              <a:rPr lang="en-US" altLang="ko-KR" dirty="0" err="1"/>
+              <a:t>iCaRL</a:t>
+            </a:r>
+            <a:endParaRPr lang="en-US" altLang="ko-KR" dirty="0"/>
+          </a:p>
+          <a:p>
+            <a:pPr marL="228600" indent="-228600">
+              <a:buAutoNum type="arabicPeriod"/>
+            </a:pPr>
+            <a:endParaRPr lang="en-US" altLang="ko-KR" dirty="0"/>
+          </a:p>
+          <a:p>
+            <a:pPr marL="0" indent="0">
+              <a:buNone/>
+            </a:pPr>
+            <a:r>
+              <a:rPr lang="ko-KR" altLang="en-US" dirty="0"/>
+              <a:t>현재 </a:t>
+            </a:r>
+            <a:r>
+              <a:rPr lang="en-US" altLang="ko-KR" dirty="0" err="1"/>
+              <a:t>graphSAIL</a:t>
+            </a:r>
+            <a:r>
+              <a:rPr lang="ko-KR" altLang="en-US" dirty="0"/>
+              <a:t>은 </a:t>
+            </a:r>
+            <a:r>
+              <a:rPr lang="en-US" altLang="ko-KR" dirty="0"/>
+              <a:t>KD</a:t>
+            </a:r>
+            <a:r>
+              <a:rPr lang="ko-KR" altLang="en-US" dirty="0"/>
+              <a:t>기반 </a:t>
+            </a:r>
+            <a:r>
+              <a:rPr lang="en-US" altLang="ko-KR" dirty="0"/>
+              <a:t>reg </a:t>
+            </a:r>
+            <a:r>
+              <a:rPr lang="ko-KR" altLang="en-US" dirty="0"/>
+              <a:t>방식에 집중하고 있음 여기에 </a:t>
+            </a:r>
+            <a:r>
+              <a:rPr lang="en-US" altLang="ko-KR" dirty="0"/>
+              <a:t>+memory </a:t>
+            </a:r>
+            <a:r>
+              <a:rPr lang="ko-KR" altLang="en-US" dirty="0"/>
+              <a:t>방식이 들어간다면</a:t>
+            </a:r>
+            <a:r>
+              <a:rPr lang="en-US" altLang="ko-KR" dirty="0"/>
+              <a:t>?</a:t>
+            </a:r>
           </a:p>
         </p:txBody>
       </p:sp>
@@ -1675,6 +1678,548 @@
             <a:fld id="{E3508E54-26A4-461A-9177-07CC1B35B5F2}" type="slidenum">
               <a:rPr lang="ko-KR" altLang="en-US" smtClean="0"/>
               <a:t>16</a:t>
+            </a:fld>
+            <a:endParaRPr lang="ko-KR" altLang="en-US"/>
+          </a:p>
+        </p:txBody>
+      </p:sp>
+    </p:spTree>
+    <p:extLst>
+      <p:ext uri="{BB962C8B-B14F-4D97-AF65-F5344CB8AC3E}">
+        <p14:creationId xmlns:p14="http://schemas.microsoft.com/office/powerpoint/2010/main" val="2690387154"/>
+      </p:ext>
+    </p:extLst>
+  </p:cSld>
+  <p:clrMapOvr>
+    <a:masterClrMapping/>
+  </p:clrMapOvr>
+</p:notes>
+</file>
+
+<file path=ppt/notesSlides/notesSlide16.xml><?xml version="1.0" encoding="utf-8"?>
+<p:notes xmlns:a="http://schemas.openxmlformats.org/drawingml/2006/main" xmlns:r="http://schemas.openxmlformats.org/officeDocument/2006/relationships" xmlns:p="http://schemas.openxmlformats.org/presentationml/2006/main">
+  <p:cSld>
+    <p:spTree>
+      <p:nvGrpSpPr>
+        <p:cNvPr id="1" name=""/>
+        <p:cNvGrpSpPr/>
+        <p:nvPr/>
+      </p:nvGrpSpPr>
+      <p:grpSpPr>
+        <a:xfrm>
+          <a:off x="0" y="0"/>
+          <a:ext cx="0" cy="0"/>
+          <a:chOff x="0" y="0"/>
+          <a:chExt cx="0" cy="0"/>
+        </a:xfrm>
+      </p:grpSpPr>
+      <p:sp>
+        <p:nvSpPr>
+          <p:cNvPr id="2" name="슬라이드 이미지 개체 틀 1"/>
+          <p:cNvSpPr>
+            <a:spLocks noGrp="1" noRot="1" noChangeAspect="1"/>
+          </p:cNvSpPr>
+          <p:nvPr>
+            <p:ph type="sldImg"/>
+          </p:nvPr>
+        </p:nvSpPr>
+        <p:spPr/>
+      </p:sp>
+      <p:sp>
+        <p:nvSpPr>
+          <p:cNvPr id="3" name="슬라이드 노트 개체 틀 2"/>
+          <p:cNvSpPr>
+            <a:spLocks noGrp="1"/>
+          </p:cNvSpPr>
+          <p:nvPr>
+            <p:ph type="body" idx="1"/>
+          </p:nvPr>
+        </p:nvSpPr>
+        <p:spPr/>
+        <p:txBody>
+          <a:bodyPr/>
+          <a:lstStyle/>
+          <a:p>
+            <a:pPr marL="0" marR="0" lvl="0" indent="0" algn="l" defTabSz="914400" rtl="0" eaLnBrk="1" fontAlgn="auto" latinLnBrk="1" hangingPunct="1">
+              <a:lnSpc>
+                <a:spcPct val="100000"/>
+              </a:lnSpc>
+              <a:spcBef>
+                <a:spcPts val="0"/>
+              </a:spcBef>
+              <a:spcAft>
+                <a:spcPts val="0"/>
+              </a:spcAft>
+              <a:buClrTx/>
+              <a:buSzTx/>
+              <a:buFontTx/>
+              <a:buNone/>
+              <a:tabLst/>
+              <a:defRPr/>
+            </a:pPr>
+            <a:r>
+              <a:rPr lang="en-US" altLang="ko-KR" sz="1200" dirty="0">
+                <a:solidFill>
+                  <a:schemeClr val="tx1">
+                    <a:lumMod val="85000"/>
+                    <a:lumOff val="15000"/>
+                  </a:schemeClr>
+                </a:solidFill>
+                <a:latin typeface="나눔스퀘어 ExtraBold" panose="020B0600000101010101" pitchFamily="50" charset="-127"/>
+                <a:ea typeface="나눔스퀘어 ExtraBold" panose="020B0600000101010101" pitchFamily="50" charset="-127"/>
+                <a:cs typeface="Arial" panose="020B0604020202020204" pitchFamily="34" charset="0"/>
+              </a:rPr>
+              <a:t>Lightweight Compositional Embeddings for Incremental Streaming Recommendation</a:t>
+            </a:r>
+          </a:p>
+          <a:p>
+            <a:endParaRPr lang="en-US" altLang="ko-KR" dirty="0"/>
+          </a:p>
+          <a:p>
+            <a:r>
+              <a:rPr lang="en-US" altLang="ko-KR" dirty="0"/>
+              <a:t>GNN model = ??</a:t>
+            </a:r>
+          </a:p>
+          <a:p>
+            <a:r>
+              <a:rPr lang="en-US" altLang="ko-KR" dirty="0"/>
+              <a:t>CL approach = ??</a:t>
+            </a:r>
+            <a:endParaRPr lang="ko-KR" altLang="en-US" dirty="0"/>
+          </a:p>
+        </p:txBody>
+      </p:sp>
+      <p:sp>
+        <p:nvSpPr>
+          <p:cNvPr id="4" name="슬라이드 번호 개체 틀 3"/>
+          <p:cNvSpPr>
+            <a:spLocks noGrp="1"/>
+          </p:cNvSpPr>
+          <p:nvPr>
+            <p:ph type="sldNum" sz="quarter" idx="5"/>
+          </p:nvPr>
+        </p:nvSpPr>
+        <p:spPr/>
+        <p:txBody>
+          <a:bodyPr/>
+          <a:lstStyle/>
+          <a:p>
+            <a:fld id="{E3508E54-26A4-461A-9177-07CC1B35B5F2}" type="slidenum">
+              <a:rPr lang="ko-KR" altLang="en-US" smtClean="0"/>
+              <a:t>17</a:t>
+            </a:fld>
+            <a:endParaRPr lang="ko-KR" altLang="en-US"/>
+          </a:p>
+        </p:txBody>
+      </p:sp>
+    </p:spTree>
+    <p:extLst>
+      <p:ext uri="{BB962C8B-B14F-4D97-AF65-F5344CB8AC3E}">
+        <p14:creationId xmlns:p14="http://schemas.microsoft.com/office/powerpoint/2010/main" val="3315714048"/>
+      </p:ext>
+    </p:extLst>
+  </p:cSld>
+  <p:clrMapOvr>
+    <a:masterClrMapping/>
+  </p:clrMapOvr>
+</p:notes>
+</file>
+
+<file path=ppt/notesSlides/notesSlide17.xml><?xml version="1.0" encoding="utf-8"?>
+<p:notes xmlns:a="http://schemas.openxmlformats.org/drawingml/2006/main" xmlns:r="http://schemas.openxmlformats.org/officeDocument/2006/relationships" xmlns:p="http://schemas.openxmlformats.org/presentationml/2006/main">
+  <p:cSld>
+    <p:spTree>
+      <p:nvGrpSpPr>
+        <p:cNvPr id="1" name=""/>
+        <p:cNvGrpSpPr/>
+        <p:nvPr/>
+      </p:nvGrpSpPr>
+      <p:grpSpPr>
+        <a:xfrm>
+          <a:off x="0" y="0"/>
+          <a:ext cx="0" cy="0"/>
+          <a:chOff x="0" y="0"/>
+          <a:chExt cx="0" cy="0"/>
+        </a:xfrm>
+      </p:grpSpPr>
+      <p:sp>
+        <p:nvSpPr>
+          <p:cNvPr id="2" name="슬라이드 이미지 개체 틀 1"/>
+          <p:cNvSpPr>
+            <a:spLocks noGrp="1" noRot="1" noChangeAspect="1"/>
+          </p:cNvSpPr>
+          <p:nvPr>
+            <p:ph type="sldImg"/>
+          </p:nvPr>
+        </p:nvSpPr>
+        <p:spPr/>
+      </p:sp>
+      <p:sp>
+        <p:nvSpPr>
+          <p:cNvPr id="3" name="슬라이드 노트 개체 틀 2"/>
+          <p:cNvSpPr>
+            <a:spLocks noGrp="1"/>
+          </p:cNvSpPr>
+          <p:nvPr>
+            <p:ph type="body" idx="1"/>
+          </p:nvPr>
+        </p:nvSpPr>
+        <p:spPr/>
+        <p:txBody>
+          <a:bodyPr/>
+          <a:lstStyle/>
+          <a:p>
+            <a:r>
+              <a:rPr lang="ko-KR" altLang="en-US" dirty="0" err="1"/>
+              <a:t>시퀀셜</a:t>
+            </a:r>
+            <a:r>
+              <a:rPr lang="ko-KR" altLang="en-US" dirty="0"/>
+              <a:t> 추천</a:t>
+            </a:r>
+            <a:r>
+              <a:rPr lang="en-US" altLang="ko-KR" dirty="0"/>
+              <a:t>..</a:t>
+            </a:r>
+          </a:p>
+          <a:p>
+            <a:endParaRPr lang="en-US" altLang="ko-KR" dirty="0"/>
+          </a:p>
+          <a:p>
+            <a:r>
+              <a:rPr lang="ko-KR" altLang="en-US" dirty="0" err="1"/>
+              <a:t>시퀀셜</a:t>
+            </a:r>
+            <a:r>
+              <a:rPr lang="ko-KR" altLang="en-US" dirty="0"/>
+              <a:t> 추천은 유저의 다음 행동을 예측하는 것이다</a:t>
+            </a:r>
+            <a:r>
+              <a:rPr lang="en-US" altLang="ko-KR" dirty="0"/>
+              <a:t>.</a:t>
+            </a:r>
+          </a:p>
+          <a:p>
+            <a:endParaRPr lang="en-US" altLang="ko-KR" dirty="0"/>
+          </a:p>
+          <a:p>
+            <a:r>
+              <a:rPr lang="ko-KR" altLang="en-US" dirty="0"/>
+              <a:t>여기서 </a:t>
+            </a:r>
+            <a:r>
+              <a:rPr lang="ko-KR" altLang="en-US" dirty="0" err="1"/>
+              <a:t>다뤄야할</a:t>
+            </a:r>
+            <a:r>
+              <a:rPr lang="ko-KR" altLang="en-US" dirty="0"/>
+              <a:t> 내용은</a:t>
+            </a:r>
+            <a:r>
+              <a:rPr lang="en-US" altLang="ko-KR" dirty="0"/>
+              <a:t>..</a:t>
+            </a:r>
+          </a:p>
+          <a:p>
+            <a:r>
+              <a:rPr lang="en-US" altLang="ko-KR" dirty="0"/>
+              <a:t>Graph construction: GNN</a:t>
+            </a:r>
+            <a:r>
+              <a:rPr lang="ko-KR" altLang="en-US" dirty="0"/>
+              <a:t>에 </a:t>
+            </a:r>
+            <a:r>
+              <a:rPr lang="ko-KR" altLang="en-US" dirty="0" err="1"/>
+              <a:t>시퀀셜</a:t>
+            </a:r>
+            <a:r>
+              <a:rPr lang="ko-KR" altLang="en-US" dirty="0"/>
+              <a:t> 추천을 적용하기 위해서는</a:t>
+            </a:r>
+            <a:r>
+              <a:rPr lang="en-US" altLang="ko-KR" dirty="0"/>
+              <a:t>, </a:t>
+            </a:r>
+            <a:r>
+              <a:rPr lang="ko-KR" altLang="en-US" dirty="0" err="1"/>
+              <a:t>시퀀셜</a:t>
+            </a:r>
+            <a:r>
+              <a:rPr lang="ko-KR" altLang="en-US" dirty="0"/>
+              <a:t> 데이터가 </a:t>
+            </a:r>
+            <a:r>
+              <a:rPr lang="ko-KR" altLang="en-US" dirty="0" err="1"/>
+              <a:t>시퀀셜</a:t>
+            </a:r>
+            <a:r>
+              <a:rPr lang="ko-KR" altLang="en-US" dirty="0"/>
+              <a:t> 그래프 형태로 바뀌어야 한다</a:t>
+            </a:r>
+            <a:r>
+              <a:rPr lang="en-US" altLang="ko-KR" dirty="0"/>
+              <a:t>. </a:t>
+            </a:r>
+            <a:r>
+              <a:rPr lang="ko-KR" altLang="en-US" dirty="0"/>
+              <a:t>서브 그래프가 충분히 형성 되었는지</a:t>
+            </a:r>
+            <a:r>
+              <a:rPr lang="en-US" altLang="ko-KR" dirty="0"/>
+              <a:t>, .. </a:t>
+            </a:r>
+            <a:r>
+              <a:rPr lang="ko-KR" altLang="en-US" dirty="0"/>
+              <a:t>뭐 그래프를 </a:t>
+            </a:r>
+            <a:r>
+              <a:rPr lang="ko-KR" altLang="en-US" dirty="0" err="1"/>
+              <a:t>어떤식으로</a:t>
+            </a:r>
+            <a:r>
+              <a:rPr lang="ko-KR" altLang="en-US" dirty="0"/>
+              <a:t> </a:t>
+            </a:r>
+            <a:r>
+              <a:rPr lang="ko-KR" altLang="en-US" dirty="0" err="1"/>
+              <a:t>구성할거냐</a:t>
+            </a:r>
+            <a:r>
+              <a:rPr lang="ko-KR" altLang="en-US" dirty="0"/>
+              <a:t> 이런 것들임</a:t>
+            </a:r>
+            <a:r>
+              <a:rPr lang="en-US" altLang="ko-KR" dirty="0"/>
+              <a:t>.</a:t>
+            </a:r>
+          </a:p>
+          <a:p>
+            <a:r>
+              <a:rPr lang="en-US" altLang="ko-KR" dirty="0"/>
+              <a:t>Information propagation: </a:t>
+            </a:r>
+            <a:r>
+              <a:rPr lang="ko-KR" altLang="en-US" dirty="0"/>
+              <a:t>변화 패턴을 </a:t>
+            </a:r>
+            <a:r>
+              <a:rPr lang="ko-KR" altLang="en-US" dirty="0" err="1"/>
+              <a:t>캡쳐하기</a:t>
+            </a:r>
+            <a:r>
+              <a:rPr lang="ko-KR" altLang="en-US" dirty="0"/>
+              <a:t> 위해서는</a:t>
+            </a:r>
+            <a:r>
+              <a:rPr lang="en-US" altLang="ko-KR" dirty="0"/>
+              <a:t>, </a:t>
+            </a:r>
+            <a:r>
+              <a:rPr lang="ko-KR" altLang="en-US" dirty="0"/>
+              <a:t>어떤 </a:t>
+            </a:r>
+            <a:r>
+              <a:rPr lang="en-US" altLang="ko-KR" dirty="0"/>
+              <a:t>propagation </a:t>
+            </a:r>
+            <a:r>
+              <a:rPr lang="ko-KR" altLang="en-US" dirty="0" err="1"/>
+              <a:t>매커니즘이</a:t>
+            </a:r>
+            <a:r>
+              <a:rPr lang="ko-KR" altLang="en-US" dirty="0"/>
+              <a:t> 적절한지</a:t>
+            </a:r>
+            <a:r>
+              <a:rPr lang="en-US" altLang="ko-KR" dirty="0"/>
+              <a:t> </a:t>
+            </a:r>
+            <a:r>
+              <a:rPr lang="ko-KR" altLang="en-US" dirty="0" err="1"/>
+              <a:t>고민해야한다</a:t>
+            </a:r>
+            <a:r>
+              <a:rPr lang="en-US" altLang="ko-KR" dirty="0"/>
+              <a:t>.</a:t>
+            </a:r>
+          </a:p>
+          <a:p>
+            <a:r>
+              <a:rPr lang="en-US" altLang="ko-KR" dirty="0"/>
+              <a:t>Sequential preference: </a:t>
+            </a:r>
+            <a:r>
+              <a:rPr lang="ko-KR" altLang="en-US" dirty="0"/>
+              <a:t>유저의 일시적인 선호도를 알기 위해서는 시퀀스가 통합되어야 한다</a:t>
+            </a:r>
+            <a:r>
+              <a:rPr lang="en-US" altLang="ko-KR" dirty="0"/>
+              <a:t>… </a:t>
+            </a:r>
+            <a:r>
+              <a:rPr lang="ko-KR" altLang="en-US" dirty="0" err="1"/>
+              <a:t>어텐션</a:t>
+            </a:r>
+            <a:r>
+              <a:rPr lang="ko-KR" altLang="en-US" dirty="0"/>
+              <a:t> </a:t>
+            </a:r>
+            <a:r>
+              <a:rPr lang="ko-KR" altLang="en-US" dirty="0" err="1"/>
+              <a:t>풀링을</a:t>
+            </a:r>
+            <a:r>
+              <a:rPr lang="ko-KR" altLang="en-US" dirty="0"/>
+              <a:t> </a:t>
+            </a:r>
+            <a:r>
+              <a:rPr lang="ko-KR" altLang="en-US" dirty="0" err="1"/>
+              <a:t>적용할거냐</a:t>
+            </a:r>
+            <a:r>
+              <a:rPr lang="en-US" altLang="ko-KR" dirty="0"/>
+              <a:t>, RNN </a:t>
+            </a:r>
+            <a:r>
+              <a:rPr lang="ko-KR" altLang="en-US" dirty="0"/>
+              <a:t>구조를 </a:t>
+            </a:r>
+            <a:r>
+              <a:rPr lang="ko-KR" altLang="en-US" dirty="0" err="1"/>
+              <a:t>가져올거냐</a:t>
+            </a:r>
+            <a:r>
+              <a:rPr lang="en-US" altLang="ko-KR" dirty="0"/>
+              <a:t>.. </a:t>
+            </a:r>
+            <a:r>
+              <a:rPr lang="ko-KR" altLang="en-US" dirty="0"/>
+              <a:t>뭐 이런 것들 </a:t>
+            </a:r>
+            <a:r>
+              <a:rPr lang="ko-KR" altLang="en-US" dirty="0" err="1"/>
+              <a:t>고민해야한다</a:t>
+            </a:r>
+            <a:r>
+              <a:rPr lang="en-US" altLang="ko-KR" dirty="0"/>
+              <a:t>.</a:t>
+            </a:r>
+            <a:endParaRPr lang="ko-KR" altLang="en-US" dirty="0"/>
+          </a:p>
+        </p:txBody>
+      </p:sp>
+      <p:sp>
+        <p:nvSpPr>
+          <p:cNvPr id="4" name="슬라이드 번호 개체 틀 3"/>
+          <p:cNvSpPr>
+            <a:spLocks noGrp="1"/>
+          </p:cNvSpPr>
+          <p:nvPr>
+            <p:ph type="sldNum" sz="quarter" idx="5"/>
+          </p:nvPr>
+        </p:nvSpPr>
+        <p:spPr/>
+        <p:txBody>
+          <a:bodyPr/>
+          <a:lstStyle/>
+          <a:p>
+            <a:fld id="{E3508E54-26A4-461A-9177-07CC1B35B5F2}" type="slidenum">
+              <a:rPr lang="ko-KR" altLang="en-US" smtClean="0"/>
+              <a:t>18</a:t>
+            </a:fld>
+            <a:endParaRPr lang="ko-KR" altLang="en-US"/>
+          </a:p>
+        </p:txBody>
+      </p:sp>
+    </p:spTree>
+    <p:extLst>
+      <p:ext uri="{BB962C8B-B14F-4D97-AF65-F5344CB8AC3E}">
+        <p14:creationId xmlns:p14="http://schemas.microsoft.com/office/powerpoint/2010/main" val="847534499"/>
+      </p:ext>
+    </p:extLst>
+  </p:cSld>
+  <p:clrMapOvr>
+    <a:masterClrMapping/>
+  </p:clrMapOvr>
+</p:notes>
+</file>
+
+<file path=ppt/notesSlides/notesSlide18.xml><?xml version="1.0" encoding="utf-8"?>
+<p:notes xmlns:a="http://schemas.openxmlformats.org/drawingml/2006/main" xmlns:r="http://schemas.openxmlformats.org/officeDocument/2006/relationships" xmlns:p="http://schemas.openxmlformats.org/presentationml/2006/main">
+  <p:cSld>
+    <p:spTree>
+      <p:nvGrpSpPr>
+        <p:cNvPr id="1" name=""/>
+        <p:cNvGrpSpPr/>
+        <p:nvPr/>
+      </p:nvGrpSpPr>
+      <p:grpSpPr>
+        <a:xfrm>
+          <a:off x="0" y="0"/>
+          <a:ext cx="0" cy="0"/>
+          <a:chOff x="0" y="0"/>
+          <a:chExt cx="0" cy="0"/>
+        </a:xfrm>
+      </p:grpSpPr>
+      <p:sp>
+        <p:nvSpPr>
+          <p:cNvPr id="2" name="슬라이드 이미지 개체 틀 1"/>
+          <p:cNvSpPr>
+            <a:spLocks noGrp="1" noRot="1" noChangeAspect="1"/>
+          </p:cNvSpPr>
+          <p:nvPr>
+            <p:ph type="sldImg"/>
+          </p:nvPr>
+        </p:nvSpPr>
+        <p:spPr/>
+      </p:sp>
+      <p:sp>
+        <p:nvSpPr>
+          <p:cNvPr id="3" name="슬라이드 노트 개체 틀 2"/>
+          <p:cNvSpPr>
+            <a:spLocks noGrp="1"/>
+          </p:cNvSpPr>
+          <p:nvPr>
+            <p:ph type="body" idx="1"/>
+          </p:nvPr>
+        </p:nvSpPr>
+        <p:spPr/>
+        <p:txBody>
+          <a:bodyPr/>
+          <a:lstStyle/>
+          <a:p>
+            <a:r>
+              <a:rPr lang="ko-KR" altLang="en-US" dirty="0"/>
+              <a:t>소셜 추천에서는 </a:t>
+            </a:r>
+            <a:r>
+              <a:rPr lang="en-US" altLang="ko-KR" dirty="0"/>
+              <a:t>..</a:t>
+            </a:r>
+            <a:endParaRPr lang="ko-KR" altLang="en-US" dirty="0"/>
+          </a:p>
+        </p:txBody>
+      </p:sp>
+      <p:sp>
+        <p:nvSpPr>
+          <p:cNvPr id="4" name="슬라이드 번호 개체 틀 3"/>
+          <p:cNvSpPr>
+            <a:spLocks noGrp="1"/>
+          </p:cNvSpPr>
+          <p:nvPr>
+            <p:ph type="sldNum" sz="quarter" idx="5"/>
+          </p:nvPr>
+        </p:nvSpPr>
+        <p:spPr/>
+        <p:txBody>
+          <a:bodyPr/>
+          <a:lstStyle/>
+          <a:p>
+            <a:fld id="{E3508E54-26A4-461A-9177-07CC1B35B5F2}" type="slidenum">
+              <a:rPr lang="ko-KR" altLang="en-US" smtClean="0"/>
+              <a:t>19</a:t>
             </a:fld>
             <a:endParaRPr lang="ko-KR" altLang="en-US"/>
           </a:p>
@@ -2391,35 +2936,7 @@
           <a:bodyPr/>
           <a:lstStyle/>
           <a:p>
-            <a:r>
-              <a:rPr lang="ko-KR" altLang="en-US" dirty="0"/>
-              <a:t>리허설 기반 접근법</a:t>
-            </a:r>
-            <a:r>
-              <a:rPr lang="en-US" altLang="ko-KR" dirty="0"/>
-              <a:t>.</a:t>
-            </a:r>
-          </a:p>
-          <a:p>
-            <a:endParaRPr lang="en-US" altLang="ko-KR" dirty="0"/>
-          </a:p>
-          <a:p>
-            <a:r>
-              <a:rPr lang="ko-KR" altLang="en-US" dirty="0"/>
-              <a:t>리허설 방식은 이전 태스크의 중요한 정보를 가지고 있는 샘플을 메모리에 저장하고 있다가 </a:t>
-            </a:r>
-            <a:r>
-              <a:rPr lang="ko-KR" altLang="en-US" dirty="0" err="1"/>
-              <a:t>재훈련할</a:t>
-            </a:r>
-            <a:r>
-              <a:rPr lang="ko-KR" altLang="en-US" dirty="0"/>
-              <a:t> 때 사용하는 방식이다</a:t>
-            </a:r>
-            <a:r>
-              <a:rPr lang="en-US" altLang="ko-KR" dirty="0"/>
-              <a:t>.</a:t>
-            </a:r>
+            <a:endParaRPr lang="ko-KR" altLang="en-US" dirty="0"/>
           </a:p>
         </p:txBody>
       </p:sp>
@@ -2449,7 +2966,7 @@
     </p:spTree>
     <p:extLst>
       <p:ext uri="{BB962C8B-B14F-4D97-AF65-F5344CB8AC3E}">
-        <p14:creationId xmlns:p14="http://schemas.microsoft.com/office/powerpoint/2010/main" val="143300434"/>
+        <p14:creationId xmlns:p14="http://schemas.microsoft.com/office/powerpoint/2010/main" val="2169219223"/>
       </p:ext>
     </p:extLst>
   </p:cSld>
@@ -2504,12 +3021,8 @@
           <a:lstStyle/>
           <a:p>
             <a:r>
-              <a:rPr lang="en-US" altLang="ko-KR" dirty="0"/>
-              <a:t>reg</a:t>
-            </a:r>
-            <a:r>
               <a:rPr lang="ko-KR" altLang="en-US" dirty="0"/>
-              <a:t> 기반 접근법</a:t>
+              <a:t>리허설 기반 접근법</a:t>
             </a:r>
             <a:r>
               <a:rPr lang="en-US" altLang="ko-KR" dirty="0"/>
@@ -2522,89 +3035,20 @@
           <a:p>
             <a:r>
               <a:rPr lang="ko-KR" altLang="en-US" dirty="0"/>
-              <a:t>이 방식은 비용 함수에 </a:t>
-            </a:r>
-            <a:r>
-              <a:rPr lang="en-US" altLang="ko-KR" dirty="0"/>
-              <a:t>reg term</a:t>
+              <a:t>리허설 방식은 이전 태스크의 중요한 정보를 가지고 있는 샘플을 메모리에 저장하고 있다가 </a:t>
+            </a:r>
+            <a:r>
+              <a:rPr lang="ko-KR" altLang="en-US" dirty="0" err="1"/>
+              <a:t>재훈련할</a:t>
             </a:r>
             <a:r>
               <a:rPr lang="ko-KR" altLang="en-US" dirty="0"/>
-              <a:t>을 추가하는 방식으로 </a:t>
-            </a:r>
-            <a:r>
-              <a:rPr lang="en-US" altLang="ko-KR" dirty="0"/>
-              <a:t>reg</a:t>
-            </a:r>
-            <a:r>
-              <a:rPr lang="ko-KR" altLang="en-US" dirty="0"/>
-              <a:t>을 한다</a:t>
-            </a:r>
-            <a:r>
-              <a:rPr lang="en-US" altLang="ko-KR" dirty="0"/>
-              <a:t>. </a:t>
-            </a:r>
-            <a:r>
-              <a:rPr lang="ko-KR" altLang="en-US" dirty="0"/>
-              <a:t>기존의 중요한 </a:t>
-            </a:r>
-            <a:r>
-              <a:rPr lang="en-US" altLang="ko-KR" dirty="0"/>
-              <a:t>weight</a:t>
-            </a:r>
-            <a:r>
-              <a:rPr lang="ko-KR" altLang="en-US" dirty="0"/>
-              <a:t>이 날라가지 않도록 하는 접근 방식이다</a:t>
+              <a:t> 때 사용하는 방식이다</a:t>
             </a:r>
             <a:r>
               <a:rPr lang="en-US" altLang="ko-KR" dirty="0"/>
               <a:t>.</a:t>
             </a:r>
-          </a:p>
-          <a:p>
-            <a:r>
-              <a:rPr lang="ko-KR" altLang="en-US" dirty="0"/>
-              <a:t>내 생각엔 </a:t>
-            </a:r>
-            <a:r>
-              <a:rPr lang="en-US" altLang="ko-KR" dirty="0"/>
-              <a:t>CL </a:t>
-            </a:r>
-            <a:r>
-              <a:rPr lang="ko-KR" altLang="en-US" dirty="0"/>
-              <a:t>방법론 중 가장 연구가 활발하게 되고 있는 분야이고 </a:t>
-            </a:r>
-            <a:r>
-              <a:rPr lang="en-US" altLang="ko-KR" dirty="0" err="1"/>
-              <a:t>graphSAIL</a:t>
-            </a:r>
-            <a:r>
-              <a:rPr lang="ko-KR" altLang="en-US" dirty="0"/>
-              <a:t>의 </a:t>
-            </a:r>
-            <a:r>
-              <a:rPr lang="en-US" altLang="ko-KR" dirty="0"/>
-              <a:t>KD </a:t>
-            </a:r>
-            <a:r>
-              <a:rPr lang="ko-KR" altLang="en-US" dirty="0"/>
-              <a:t>역시 </a:t>
-            </a:r>
-            <a:r>
-              <a:rPr lang="en-US" altLang="ko-KR" dirty="0"/>
-              <a:t>reg </a:t>
-            </a:r>
-            <a:r>
-              <a:rPr lang="ko-KR" altLang="en-US" dirty="0"/>
-              <a:t>기반 접근법의 일종이다</a:t>
-            </a:r>
-            <a:r>
-              <a:rPr lang="en-US" altLang="ko-KR" dirty="0"/>
-              <a:t>.</a:t>
-            </a:r>
-          </a:p>
-          <a:p>
-            <a:endParaRPr lang="en-US" altLang="ko-KR" dirty="0"/>
           </a:p>
         </p:txBody>
       </p:sp>
@@ -2634,7 +3078,7 @@
     </p:spTree>
     <p:extLst>
       <p:ext uri="{BB962C8B-B14F-4D97-AF65-F5344CB8AC3E}">
-        <p14:creationId xmlns:p14="http://schemas.microsoft.com/office/powerpoint/2010/main" val="1642583466"/>
+        <p14:creationId xmlns:p14="http://schemas.microsoft.com/office/powerpoint/2010/main" val="143300434"/>
       </p:ext>
     </p:extLst>
   </p:cSld>
@@ -2690,11 +3134,60 @@
           <a:p>
             <a:r>
               <a:rPr lang="en-US" altLang="ko-KR" dirty="0"/>
-              <a:t>GNN</a:t>
+              <a:t>ER-GNN</a:t>
+            </a:r>
+          </a:p>
+          <a:p>
+            <a:endParaRPr lang="en-US" altLang="ko-KR" dirty="0"/>
+          </a:p>
+          <a:p>
+            <a:r>
+              <a:rPr lang="en-US" altLang="ko-KR" dirty="0"/>
+              <a:t>experience</a:t>
             </a:r>
             <a:r>
               <a:rPr lang="ko-KR" altLang="en-US" dirty="0"/>
-              <a:t>에 추천 도메인을 적용한 사례를 정리했다</a:t>
+              <a:t>로서 이전 </a:t>
+            </a:r>
+            <a:r>
+              <a:rPr lang="en-US" altLang="ko-KR" dirty="0"/>
+              <a:t>task</a:t>
+            </a:r>
+            <a:r>
+              <a:rPr lang="ko-KR" altLang="en-US" dirty="0"/>
+              <a:t>으로 부터 </a:t>
+            </a:r>
+            <a:r>
+              <a:rPr lang="en-US" altLang="ko-KR" dirty="0"/>
+              <a:t>knowledge</a:t>
+            </a:r>
+            <a:r>
+              <a:rPr lang="ko-KR" altLang="en-US" dirty="0"/>
+              <a:t>를 저장하고</a:t>
+            </a:r>
+            <a:r>
+              <a:rPr lang="en-US" altLang="ko-KR" dirty="0"/>
+              <a:t>, new task</a:t>
+            </a:r>
+            <a:r>
+              <a:rPr lang="ko-KR" altLang="en-US" dirty="0"/>
+              <a:t>를 </a:t>
+            </a:r>
+            <a:r>
+              <a:rPr lang="en-US" altLang="ko-KR" dirty="0"/>
+              <a:t>learning</a:t>
+            </a:r>
+            <a:r>
+              <a:rPr lang="ko-KR" altLang="en-US" dirty="0"/>
+              <a:t>할 때 </a:t>
+            </a:r>
+            <a:r>
+              <a:rPr lang="en-US" altLang="ko-KR" dirty="0"/>
+              <a:t>repla</a:t>
+            </a:r>
+            <a:r>
+              <a:rPr lang="ko-KR" altLang="en-US" dirty="0"/>
+              <a:t>한다</a:t>
             </a:r>
             <a:r>
               <a:rPr lang="en-US" altLang="ko-KR" dirty="0"/>
@@ -2703,28 +3196,24 @@
           </a:p>
           <a:p>
             <a:r>
+              <a:rPr lang="ko-KR" altLang="en-US" dirty="0"/>
+              <a:t>이렇게 </a:t>
+            </a:r>
+            <a:r>
               <a:rPr lang="en-US" altLang="ko-KR" dirty="0"/>
-              <a:t>GNN</a:t>
+              <a:t>experience</a:t>
             </a:r>
             <a:r>
               <a:rPr lang="ko-KR" altLang="en-US" dirty="0"/>
-              <a:t>은 </a:t>
+              <a:t>로 사용할 노드를 선택하는 </a:t>
             </a:r>
             <a:r>
               <a:rPr lang="en-US" altLang="ko-KR" dirty="0"/>
-              <a:t>rep learning</a:t>
+              <a:t>3</a:t>
             </a:r>
             <a:r>
               <a:rPr lang="ko-KR" altLang="en-US" dirty="0"/>
-              <a:t>에 강력한 성능을 증명했고</a:t>
-            </a:r>
-            <a:r>
-              <a:rPr lang="en-US" altLang="ko-KR" dirty="0"/>
-              <a:t>.. </a:t>
-            </a:r>
-            <a:r>
-              <a:rPr lang="ko-KR" altLang="en-US" dirty="0"/>
-              <a:t>추천 데이터는 대부분 그래프 구조를 가지고 있다</a:t>
+              <a:t>가지 방법이 있다</a:t>
             </a:r>
             <a:r>
               <a:rPr lang="en-US" altLang="ko-KR" dirty="0"/>
@@ -2733,62 +3222,6 @@
           </a:p>
           <a:p>
             <a:endParaRPr lang="en-US" altLang="ko-KR" dirty="0"/>
-          </a:p>
-          <a:p>
-            <a:r>
-              <a:rPr lang="en-US" altLang="ko-KR" dirty="0"/>
-              <a:t>Information</a:t>
-            </a:r>
-            <a:r>
-              <a:rPr lang="ko-KR" altLang="en-US" dirty="0"/>
-              <a:t>의 종류와 추천 태스크 별로 카테고리를 나눌 수 있다</a:t>
-            </a:r>
-            <a:r>
-              <a:rPr lang="en-US" altLang="ko-KR" dirty="0"/>
-              <a:t>.</a:t>
-            </a:r>
-          </a:p>
-          <a:p>
-            <a:pPr marL="228600" indent="-228600">
-              <a:buAutoNum type="arabicPeriod"/>
-            </a:pPr>
-            <a:r>
-              <a:rPr lang="en-US" altLang="ko-KR" dirty="0"/>
-              <a:t>CF</a:t>
-            </a:r>
-          </a:p>
-          <a:p>
-            <a:pPr marL="228600" indent="-228600">
-              <a:buAutoNum type="arabicPeriod"/>
-            </a:pPr>
-            <a:r>
-              <a:rPr lang="ko-KR" altLang="en-US" dirty="0" err="1"/>
-              <a:t>시퀀셜</a:t>
-            </a:r>
-            <a:r>
-              <a:rPr lang="ko-KR" altLang="en-US" dirty="0"/>
-              <a:t> 추천</a:t>
-            </a:r>
-            <a:endParaRPr lang="en-US" altLang="ko-KR" dirty="0"/>
-          </a:p>
-          <a:p>
-            <a:pPr marL="228600" indent="-228600">
-              <a:buAutoNum type="arabicPeriod"/>
-            </a:pPr>
-            <a:r>
-              <a:rPr lang="ko-KR" altLang="en-US" dirty="0"/>
-              <a:t>소셜</a:t>
-            </a:r>
-            <a:endParaRPr lang="en-US" altLang="ko-KR" dirty="0"/>
-          </a:p>
-          <a:p>
-            <a:pPr marL="228600" indent="-228600">
-              <a:buAutoNum type="arabicPeriod"/>
-            </a:pPr>
-            <a:r>
-              <a:rPr lang="ko-KR" altLang="en-US" dirty="0"/>
-              <a:t>지식 그래프</a:t>
-            </a:r>
           </a:p>
         </p:txBody>
       </p:sp>
@@ -2818,7 +3251,7 @@
     </p:spTree>
     <p:extLst>
       <p:ext uri="{BB962C8B-B14F-4D97-AF65-F5344CB8AC3E}">
-        <p14:creationId xmlns:p14="http://schemas.microsoft.com/office/powerpoint/2010/main" val="2697507245"/>
+        <p14:creationId xmlns:p14="http://schemas.microsoft.com/office/powerpoint/2010/main" val="388947896"/>
       </p:ext>
     </p:extLst>
   </p:cSld>
@@ -7175,6 +7608,679 @@
                 <a:ea typeface="나눔스퀘어 ExtraBold" panose="020B0600000101010101" pitchFamily="50" charset="-127"/>
                 <a:cs typeface="Arial" panose="020B0604020202020204" pitchFamily="34" charset="0"/>
               </a:rPr>
+              <a:t>Rehearsal(experience replay) based approach</a:t>
+            </a:r>
+          </a:p>
+        </p:txBody>
+      </p:sp>
+      <p:sp>
+        <p:nvSpPr>
+          <p:cNvPr id="3" name="내용 개체 틀 2">
+            <a:extLst>
+              <a:ext uri="{FF2B5EF4-FFF2-40B4-BE49-F238E27FC236}">
+                <a16:creationId xmlns:a16="http://schemas.microsoft.com/office/drawing/2014/main" id="{6F3C4966-F49A-47DB-93D9-018CD3BE693E}"/>
+              </a:ext>
+            </a:extLst>
+          </p:cNvPr>
+          <p:cNvSpPr>
+            <a:spLocks noGrp="1"/>
+          </p:cNvSpPr>
+          <p:nvPr>
+            <p:ph idx="1"/>
+          </p:nvPr>
+        </p:nvSpPr>
+        <p:spPr>
+          <a:xfrm>
+            <a:off x="990600" y="1690688"/>
+            <a:ext cx="10515600" cy="4351338"/>
+          </a:xfrm>
+        </p:spPr>
+        <p:txBody>
+          <a:bodyPr>
+            <a:normAutofit/>
+          </a:bodyPr>
+          <a:lstStyle/>
+          <a:p>
+            <a:pPr marL="432000" indent="-432000">
+              <a:lnSpc>
+                <a:spcPct val="100000"/>
+              </a:lnSpc>
+              <a:buClr>
+                <a:srgbClr val="004F9E"/>
+              </a:buClr>
+              <a:buFont typeface="Wingdings" panose="05000000000000000000" pitchFamily="2" charset="2"/>
+              <a:buChar char="§"/>
+            </a:pPr>
+            <a:r>
+              <a:rPr lang="en-US" altLang="ko-KR" sz="2000" dirty="0">
+                <a:solidFill>
+                  <a:schemeClr val="tx1">
+                    <a:lumMod val="85000"/>
+                    <a:lumOff val="15000"/>
+                  </a:schemeClr>
+                </a:solidFill>
+                <a:latin typeface="나눔스퀘어 ExtraBold" panose="020B0600000101010101" pitchFamily="50" charset="-127"/>
+                <a:ea typeface="나눔스퀘어 ExtraBold" panose="020B0600000101010101" pitchFamily="50" charset="-127"/>
+                <a:cs typeface="Arial" panose="020B0604020202020204" pitchFamily="34" charset="0"/>
+              </a:rPr>
+              <a:t>ER-GNN (Experience Replay GNN Framework)</a:t>
+            </a:r>
+          </a:p>
+          <a:p>
+            <a:pPr marL="432000" indent="-432000">
+              <a:lnSpc>
+                <a:spcPct val="100000"/>
+              </a:lnSpc>
+              <a:buClr>
+                <a:srgbClr val="004F9E"/>
+              </a:buClr>
+              <a:buFont typeface="Wingdings" panose="05000000000000000000" pitchFamily="2" charset="2"/>
+              <a:buChar char="§"/>
+            </a:pPr>
+            <a:r>
+              <a:rPr lang="en-US" altLang="ko-KR" sz="2000" dirty="0">
+                <a:solidFill>
+                  <a:schemeClr val="tx1">
+                    <a:lumMod val="85000"/>
+                    <a:lumOff val="15000"/>
+                  </a:schemeClr>
+                </a:solidFill>
+                <a:latin typeface="나눔스퀘어 ExtraBold" panose="020B0600000101010101" pitchFamily="50" charset="-127"/>
+                <a:ea typeface="나눔스퀘어 ExtraBold" panose="020B0600000101010101" pitchFamily="50" charset="-127"/>
+                <a:cs typeface="Arial" panose="020B0604020202020204" pitchFamily="34" charset="0"/>
+              </a:rPr>
+              <a:t>ER-GNN stores knowledge from previous tasks as experiences and replays them when learning new tasks to mitigate the catastrophic forgetting issue</a:t>
+            </a:r>
+          </a:p>
+          <a:p>
+            <a:pPr marL="432000" indent="-432000">
+              <a:lnSpc>
+                <a:spcPct val="100000"/>
+              </a:lnSpc>
+              <a:buClr>
+                <a:srgbClr val="004F9E"/>
+              </a:buClr>
+              <a:buFont typeface="Wingdings" panose="05000000000000000000" pitchFamily="2" charset="2"/>
+              <a:buChar char="§"/>
+            </a:pPr>
+            <a:r>
+              <a:rPr lang="en-US" altLang="ko-KR" sz="2000" dirty="0">
+                <a:solidFill>
+                  <a:schemeClr val="tx1">
+                    <a:lumMod val="85000"/>
+                    <a:lumOff val="15000"/>
+                  </a:schemeClr>
+                </a:solidFill>
+                <a:latin typeface="나눔스퀘어 ExtraBold" panose="020B0600000101010101" pitchFamily="50" charset="-127"/>
+                <a:ea typeface="나눔스퀘어 ExtraBold" panose="020B0600000101010101" pitchFamily="50" charset="-127"/>
+                <a:cs typeface="Arial" panose="020B0604020202020204" pitchFamily="34" charset="0"/>
+              </a:rPr>
+              <a:t>three experience node selection strategies: </a:t>
+            </a:r>
+            <a:r>
+              <a:rPr lang="en-US" altLang="ko-KR" sz="2000" b="1" dirty="0">
+                <a:solidFill>
+                  <a:schemeClr val="tx1">
+                    <a:lumMod val="85000"/>
+                    <a:lumOff val="15000"/>
+                  </a:schemeClr>
+                </a:solidFill>
+                <a:latin typeface="나눔스퀘어 ExtraBold" panose="020B0600000101010101" pitchFamily="50" charset="-127"/>
+                <a:ea typeface="나눔스퀘어 ExtraBold" panose="020B0600000101010101" pitchFamily="50" charset="-127"/>
+                <a:cs typeface="Arial" panose="020B0604020202020204" pitchFamily="34" charset="0"/>
+              </a:rPr>
+              <a:t>mean of feature</a:t>
+            </a:r>
+            <a:r>
+              <a:rPr lang="en-US" altLang="ko-KR" sz="2000" dirty="0">
+                <a:solidFill>
+                  <a:schemeClr val="tx1">
+                    <a:lumMod val="85000"/>
+                    <a:lumOff val="15000"/>
+                  </a:schemeClr>
+                </a:solidFill>
+                <a:latin typeface="나눔스퀘어 ExtraBold" panose="020B0600000101010101" pitchFamily="50" charset="-127"/>
+                <a:ea typeface="나눔스퀘어 ExtraBold" panose="020B0600000101010101" pitchFamily="50" charset="-127"/>
+                <a:cs typeface="Arial" panose="020B0604020202020204" pitchFamily="34" charset="0"/>
+              </a:rPr>
+              <a:t>, </a:t>
+            </a:r>
+            <a:r>
+              <a:rPr lang="en-US" altLang="ko-KR" sz="2000" b="1" dirty="0">
+                <a:solidFill>
+                  <a:schemeClr val="tx1">
+                    <a:lumMod val="85000"/>
+                    <a:lumOff val="15000"/>
+                  </a:schemeClr>
+                </a:solidFill>
+                <a:latin typeface="나눔스퀘어 ExtraBold" panose="020B0600000101010101" pitchFamily="50" charset="-127"/>
+                <a:ea typeface="나눔스퀘어 ExtraBold" panose="020B0600000101010101" pitchFamily="50" charset="-127"/>
+                <a:cs typeface="Arial" panose="020B0604020202020204" pitchFamily="34" charset="0"/>
+              </a:rPr>
+              <a:t>coverage maximization</a:t>
+            </a:r>
+            <a:r>
+              <a:rPr lang="en-US" altLang="ko-KR" sz="2000" dirty="0">
+                <a:solidFill>
+                  <a:schemeClr val="tx1">
+                    <a:lumMod val="85000"/>
+                    <a:lumOff val="15000"/>
+                  </a:schemeClr>
+                </a:solidFill>
+                <a:latin typeface="나눔스퀘어 ExtraBold" panose="020B0600000101010101" pitchFamily="50" charset="-127"/>
+                <a:ea typeface="나눔스퀘어 ExtraBold" panose="020B0600000101010101" pitchFamily="50" charset="-127"/>
+                <a:cs typeface="Arial" panose="020B0604020202020204" pitchFamily="34" charset="0"/>
+              </a:rPr>
+              <a:t>, and </a:t>
+            </a:r>
+            <a:r>
+              <a:rPr lang="en-US" altLang="ko-KR" sz="2000" b="1" dirty="0">
+                <a:solidFill>
+                  <a:schemeClr val="tx1">
+                    <a:lumMod val="85000"/>
+                    <a:lumOff val="15000"/>
+                  </a:schemeClr>
+                </a:solidFill>
+                <a:latin typeface="나눔스퀘어 ExtraBold" panose="020B0600000101010101" pitchFamily="50" charset="-127"/>
+                <a:ea typeface="나눔스퀘어 ExtraBold" panose="020B0600000101010101" pitchFamily="50" charset="-127"/>
+                <a:cs typeface="Arial" panose="020B0604020202020204" pitchFamily="34" charset="0"/>
+              </a:rPr>
+              <a:t>influence maximization</a:t>
+            </a:r>
+            <a:r>
+              <a:rPr lang="en-US" altLang="ko-KR" sz="2000" dirty="0">
+                <a:solidFill>
+                  <a:schemeClr val="tx1">
+                    <a:lumMod val="85000"/>
+                    <a:lumOff val="15000"/>
+                  </a:schemeClr>
+                </a:solidFill>
+                <a:latin typeface="나눔스퀘어 ExtraBold" panose="020B0600000101010101" pitchFamily="50" charset="-127"/>
+                <a:ea typeface="나눔스퀘어 ExtraBold" panose="020B0600000101010101" pitchFamily="50" charset="-127"/>
+                <a:cs typeface="Arial" panose="020B0604020202020204" pitchFamily="34" charset="0"/>
+              </a:rPr>
+              <a:t>, to guide the process of selecting experience nodes</a:t>
+            </a:r>
+          </a:p>
+        </p:txBody>
+      </p:sp>
+      <p:sp>
+        <p:nvSpPr>
+          <p:cNvPr id="4" name="슬라이드 번호 개체 틀 3">
+            <a:extLst>
+              <a:ext uri="{FF2B5EF4-FFF2-40B4-BE49-F238E27FC236}">
+                <a16:creationId xmlns:a16="http://schemas.microsoft.com/office/drawing/2014/main" id="{4705CCFD-CA4E-4794-89D0-C3DF4603C893}"/>
+              </a:ext>
+            </a:extLst>
+          </p:cNvPr>
+          <p:cNvSpPr>
+            <a:spLocks noGrp="1"/>
+          </p:cNvSpPr>
+          <p:nvPr>
+            <p:ph type="sldNum" sz="quarter" idx="12"/>
+          </p:nvPr>
+        </p:nvSpPr>
+        <p:spPr/>
+        <p:txBody>
+          <a:bodyPr/>
+          <a:lstStyle/>
+          <a:p>
+            <a:fld id="{16A93642-25BD-4471-A422-0159119E9512}" type="slidenum">
+              <a:rPr lang="ko-KR" altLang="en-US" smtClean="0"/>
+              <a:pPr/>
+              <a:t>10</a:t>
+            </a:fld>
+            <a:endParaRPr lang="ko-KR" altLang="en-US" dirty="0"/>
+          </a:p>
+        </p:txBody>
+      </p:sp>
+    </p:spTree>
+    <p:extLst>
+      <p:ext uri="{BB962C8B-B14F-4D97-AF65-F5344CB8AC3E}">
+        <p14:creationId xmlns:p14="http://schemas.microsoft.com/office/powerpoint/2010/main" val="3817165178"/>
+      </p:ext>
+    </p:extLst>
+  </p:cSld>
+  <p:clrMapOvr>
+    <a:masterClrMapping/>
+  </p:clrMapOvr>
+</p:sld>
+</file>
+
+<file path=ppt/slides/slide11.xml><?xml version="1.0" encoding="utf-8"?>
+<p:sld xmlns:a="http://schemas.openxmlformats.org/drawingml/2006/main" xmlns:r="http://schemas.openxmlformats.org/officeDocument/2006/relationships" xmlns:p="http://schemas.openxmlformats.org/presentationml/2006/main">
+  <p:cSld>
+    <p:spTree>
+      <p:nvGrpSpPr>
+        <p:cNvPr id="1" name=""/>
+        <p:cNvGrpSpPr/>
+        <p:nvPr/>
+      </p:nvGrpSpPr>
+      <p:grpSpPr>
+        <a:xfrm>
+          <a:off x="0" y="0"/>
+          <a:ext cx="0" cy="0"/>
+          <a:chOff x="0" y="0"/>
+          <a:chExt cx="0" cy="0"/>
+        </a:xfrm>
+      </p:grpSpPr>
+      <p:sp>
+        <p:nvSpPr>
+          <p:cNvPr id="2" name="제목 1">
+            <a:extLst>
+              <a:ext uri="{FF2B5EF4-FFF2-40B4-BE49-F238E27FC236}">
+                <a16:creationId xmlns:a16="http://schemas.microsoft.com/office/drawing/2014/main" id="{95CB7AEF-6056-404F-8222-D7A0008FE999}"/>
+              </a:ext>
+            </a:extLst>
+          </p:cNvPr>
+          <p:cNvSpPr>
+            <a:spLocks noGrp="1"/>
+          </p:cNvSpPr>
+          <p:nvPr>
+            <p:ph type="title"/>
+          </p:nvPr>
+        </p:nvSpPr>
+        <p:spPr/>
+        <p:txBody>
+          <a:bodyPr>
+            <a:normAutofit/>
+          </a:bodyPr>
+          <a:lstStyle/>
+          <a:p>
+            <a:pPr marL="432000" indent="-432000">
+              <a:lnSpc>
+                <a:spcPct val="100000"/>
+              </a:lnSpc>
+              <a:buClr>
+                <a:srgbClr val="004F9E"/>
+              </a:buClr>
+              <a:buFont typeface="Wingdings" panose="05000000000000000000" pitchFamily="2" charset="2"/>
+              <a:buChar char="§"/>
+            </a:pPr>
+            <a:r>
+              <a:rPr lang="en-US" altLang="ko-KR" sz="3600" dirty="0">
+                <a:solidFill>
+                  <a:schemeClr val="tx1">
+                    <a:lumMod val="85000"/>
+                    <a:lumOff val="15000"/>
+                  </a:schemeClr>
+                </a:solidFill>
+                <a:latin typeface="나눔스퀘어 ExtraBold" panose="020B0600000101010101" pitchFamily="50" charset="-127"/>
+                <a:ea typeface="나눔스퀘어 ExtraBold" panose="020B0600000101010101" pitchFamily="50" charset="-127"/>
+                <a:cs typeface="Arial" panose="020B0604020202020204" pitchFamily="34" charset="0"/>
+              </a:rPr>
+              <a:t>Rehearsal(experience replay) based approach</a:t>
+            </a:r>
+          </a:p>
+        </p:txBody>
+      </p:sp>
+      <p:sp>
+        <p:nvSpPr>
+          <p:cNvPr id="3" name="내용 개체 틀 2">
+            <a:extLst>
+              <a:ext uri="{FF2B5EF4-FFF2-40B4-BE49-F238E27FC236}">
+                <a16:creationId xmlns:a16="http://schemas.microsoft.com/office/drawing/2014/main" id="{6F3C4966-F49A-47DB-93D9-018CD3BE693E}"/>
+              </a:ext>
+            </a:extLst>
+          </p:cNvPr>
+          <p:cNvSpPr>
+            <a:spLocks noGrp="1"/>
+          </p:cNvSpPr>
+          <p:nvPr>
+            <p:ph idx="1"/>
+          </p:nvPr>
+        </p:nvSpPr>
+        <p:spPr>
+          <a:xfrm>
+            <a:off x="990600" y="1690688"/>
+            <a:ext cx="10515600" cy="4351338"/>
+          </a:xfrm>
+        </p:spPr>
+        <p:txBody>
+          <a:bodyPr>
+            <a:normAutofit/>
+          </a:bodyPr>
+          <a:lstStyle/>
+          <a:p>
+            <a:pPr marL="432000" indent="-432000">
+              <a:lnSpc>
+                <a:spcPct val="100000"/>
+              </a:lnSpc>
+              <a:buClr>
+                <a:srgbClr val="004F9E"/>
+              </a:buClr>
+              <a:buFont typeface="Wingdings" panose="05000000000000000000" pitchFamily="2" charset="2"/>
+              <a:buChar char="§"/>
+            </a:pPr>
+            <a:r>
+              <a:rPr lang="en-US" altLang="ko-KR" sz="2000" dirty="0">
+                <a:solidFill>
+                  <a:schemeClr val="tx1">
+                    <a:lumMod val="85000"/>
+                    <a:lumOff val="15000"/>
+                  </a:schemeClr>
+                </a:solidFill>
+                <a:latin typeface="나눔스퀘어 ExtraBold" panose="020B0600000101010101" pitchFamily="50" charset="-127"/>
+                <a:ea typeface="나눔스퀘어 ExtraBold" panose="020B0600000101010101" pitchFamily="50" charset="-127"/>
+                <a:cs typeface="Arial" panose="020B0604020202020204" pitchFamily="34" charset="0"/>
+              </a:rPr>
+              <a:t>Lifelong Open-world node classification</a:t>
+            </a:r>
+          </a:p>
+        </p:txBody>
+      </p:sp>
+      <p:sp>
+        <p:nvSpPr>
+          <p:cNvPr id="4" name="슬라이드 번호 개체 틀 3">
+            <a:extLst>
+              <a:ext uri="{FF2B5EF4-FFF2-40B4-BE49-F238E27FC236}">
+                <a16:creationId xmlns:a16="http://schemas.microsoft.com/office/drawing/2014/main" id="{4705CCFD-CA4E-4794-89D0-C3DF4603C893}"/>
+              </a:ext>
+            </a:extLst>
+          </p:cNvPr>
+          <p:cNvSpPr>
+            <a:spLocks noGrp="1"/>
+          </p:cNvSpPr>
+          <p:nvPr>
+            <p:ph type="sldNum" sz="quarter" idx="12"/>
+          </p:nvPr>
+        </p:nvSpPr>
+        <p:spPr/>
+        <p:txBody>
+          <a:bodyPr/>
+          <a:lstStyle/>
+          <a:p>
+            <a:fld id="{16A93642-25BD-4471-A422-0159119E9512}" type="slidenum">
+              <a:rPr lang="ko-KR" altLang="en-US" smtClean="0"/>
+              <a:pPr/>
+              <a:t>11</a:t>
+            </a:fld>
+            <a:endParaRPr lang="ko-KR" altLang="en-US" dirty="0"/>
+          </a:p>
+        </p:txBody>
+      </p:sp>
+    </p:spTree>
+    <p:extLst>
+      <p:ext uri="{BB962C8B-B14F-4D97-AF65-F5344CB8AC3E}">
+        <p14:creationId xmlns:p14="http://schemas.microsoft.com/office/powerpoint/2010/main" val="3086927590"/>
+      </p:ext>
+    </p:extLst>
+  </p:cSld>
+  <p:clrMapOvr>
+    <a:masterClrMapping/>
+  </p:clrMapOvr>
+</p:sld>
+</file>
+
+<file path=ppt/slides/slide12.xml><?xml version="1.0" encoding="utf-8"?>
+<p:sld xmlns:a="http://schemas.openxmlformats.org/drawingml/2006/main" xmlns:r="http://schemas.openxmlformats.org/officeDocument/2006/relationships" xmlns:p="http://schemas.openxmlformats.org/presentationml/2006/main">
+  <p:cSld>
+    <p:spTree>
+      <p:nvGrpSpPr>
+        <p:cNvPr id="1" name=""/>
+        <p:cNvGrpSpPr/>
+        <p:nvPr/>
+      </p:nvGrpSpPr>
+      <p:grpSpPr>
+        <a:xfrm>
+          <a:off x="0" y="0"/>
+          <a:ext cx="0" cy="0"/>
+          <a:chOff x="0" y="0"/>
+          <a:chExt cx="0" cy="0"/>
+        </a:xfrm>
+      </p:grpSpPr>
+      <p:sp>
+        <p:nvSpPr>
+          <p:cNvPr id="2" name="제목 1">
+            <a:extLst>
+              <a:ext uri="{FF2B5EF4-FFF2-40B4-BE49-F238E27FC236}">
+                <a16:creationId xmlns:a16="http://schemas.microsoft.com/office/drawing/2014/main" id="{95CB7AEF-6056-404F-8222-D7A0008FE999}"/>
+              </a:ext>
+            </a:extLst>
+          </p:cNvPr>
+          <p:cNvSpPr>
+            <a:spLocks noGrp="1"/>
+          </p:cNvSpPr>
+          <p:nvPr>
+            <p:ph type="title"/>
+          </p:nvPr>
+        </p:nvSpPr>
+        <p:spPr/>
+        <p:txBody>
+          <a:bodyPr>
+            <a:normAutofit/>
+          </a:bodyPr>
+          <a:lstStyle/>
+          <a:p>
+            <a:pPr marL="432000" indent="-432000">
+              <a:lnSpc>
+                <a:spcPct val="100000"/>
+              </a:lnSpc>
+              <a:buClr>
+                <a:srgbClr val="004F9E"/>
+              </a:buClr>
+              <a:buFont typeface="Wingdings" panose="05000000000000000000" pitchFamily="2" charset="2"/>
+              <a:buChar char="§"/>
+            </a:pPr>
+            <a:r>
+              <a:rPr lang="en-US" altLang="ko-KR" sz="3600" dirty="0">
+                <a:solidFill>
+                  <a:schemeClr val="tx1">
+                    <a:lumMod val="85000"/>
+                    <a:lumOff val="15000"/>
+                  </a:schemeClr>
+                </a:solidFill>
+                <a:latin typeface="나눔스퀘어 ExtraBold" panose="020B0600000101010101" pitchFamily="50" charset="-127"/>
+                <a:ea typeface="나눔스퀘어 ExtraBold" panose="020B0600000101010101" pitchFamily="50" charset="-127"/>
+                <a:cs typeface="Arial" panose="020B0604020202020204" pitchFamily="34" charset="0"/>
+              </a:rPr>
+              <a:t>Regularization based approach</a:t>
+            </a:r>
+          </a:p>
+        </p:txBody>
+      </p:sp>
+      <p:sp>
+        <p:nvSpPr>
+          <p:cNvPr id="3" name="내용 개체 틀 2">
+            <a:extLst>
+              <a:ext uri="{FF2B5EF4-FFF2-40B4-BE49-F238E27FC236}">
+                <a16:creationId xmlns:a16="http://schemas.microsoft.com/office/drawing/2014/main" id="{6F3C4966-F49A-47DB-93D9-018CD3BE693E}"/>
+              </a:ext>
+            </a:extLst>
+          </p:cNvPr>
+          <p:cNvSpPr>
+            <a:spLocks noGrp="1"/>
+          </p:cNvSpPr>
+          <p:nvPr>
+            <p:ph idx="1"/>
+          </p:nvPr>
+        </p:nvSpPr>
+        <p:spPr>
+          <a:xfrm>
+            <a:off x="990600" y="1690688"/>
+            <a:ext cx="10515600" cy="4351338"/>
+          </a:xfrm>
+        </p:spPr>
+        <p:txBody>
+          <a:bodyPr>
+            <a:normAutofit/>
+          </a:bodyPr>
+          <a:lstStyle/>
+          <a:p>
+            <a:pPr marL="432000" indent="-432000">
+              <a:lnSpc>
+                <a:spcPct val="100000"/>
+              </a:lnSpc>
+              <a:buClr>
+                <a:srgbClr val="004F9E"/>
+              </a:buClr>
+              <a:buFont typeface="Wingdings" panose="05000000000000000000" pitchFamily="2" charset="2"/>
+              <a:buChar char="§"/>
+            </a:pPr>
+            <a:r>
+              <a:rPr lang="en-US" altLang="ko-KR" sz="2000" dirty="0">
+                <a:solidFill>
+                  <a:schemeClr val="tx1">
+                    <a:lumMod val="85000"/>
+                    <a:lumOff val="15000"/>
+                  </a:schemeClr>
+                </a:solidFill>
+                <a:latin typeface="나눔스퀘어 ExtraBold" panose="020B0600000101010101" pitchFamily="50" charset="-127"/>
+                <a:ea typeface="나눔스퀘어 ExtraBold" panose="020B0600000101010101" pitchFamily="50" charset="-127"/>
+                <a:cs typeface="Arial" panose="020B0604020202020204" pitchFamily="34" charset="0"/>
+              </a:rPr>
+              <a:t>This approach implements a single model and has a fixed capacity by leveraging the loss function </a:t>
+            </a:r>
+            <a:r>
+              <a:rPr lang="en-US" altLang="ko-KR" sz="2000" b="1" dirty="0">
+                <a:solidFill>
+                  <a:schemeClr val="tx1">
+                    <a:lumMod val="85000"/>
+                    <a:lumOff val="15000"/>
+                  </a:schemeClr>
+                </a:solidFill>
+                <a:latin typeface="나눔스퀘어 ExtraBold" panose="020B0600000101010101" pitchFamily="50" charset="-127"/>
+                <a:ea typeface="나눔스퀘어 ExtraBold" panose="020B0600000101010101" pitchFamily="50" charset="-127"/>
+                <a:cs typeface="Arial" panose="020B0604020202020204" pitchFamily="34" charset="0"/>
+              </a:rPr>
+              <a:t>using the loss term </a:t>
+            </a:r>
+            <a:r>
+              <a:rPr lang="en-US" altLang="ko-KR" sz="2000" dirty="0">
+                <a:solidFill>
+                  <a:schemeClr val="tx1">
+                    <a:lumMod val="85000"/>
+                    <a:lumOff val="15000"/>
+                  </a:schemeClr>
+                </a:solidFill>
+                <a:latin typeface="나눔스퀘어 ExtraBold" panose="020B0600000101010101" pitchFamily="50" charset="-127"/>
+                <a:ea typeface="나눔스퀘어 ExtraBold" panose="020B0600000101010101" pitchFamily="50" charset="-127"/>
+                <a:cs typeface="Arial" panose="020B0604020202020204" pitchFamily="34" charset="0"/>
+              </a:rPr>
+              <a:t>to help consolidate knowledge in the learning process for new tasks and </a:t>
+            </a:r>
+            <a:r>
+              <a:rPr lang="en-US" altLang="ko-KR" sz="2000" b="1" dirty="0">
+                <a:solidFill>
+                  <a:schemeClr val="tx1">
+                    <a:lumMod val="85000"/>
+                    <a:lumOff val="15000"/>
+                  </a:schemeClr>
+                </a:solidFill>
+                <a:latin typeface="나눔스퀘어 ExtraBold" panose="020B0600000101010101" pitchFamily="50" charset="-127"/>
+                <a:ea typeface="나눔스퀘어 ExtraBold" panose="020B0600000101010101" pitchFamily="50" charset="-127"/>
+                <a:cs typeface="Arial" panose="020B0604020202020204" pitchFamily="34" charset="0"/>
+              </a:rPr>
+              <a:t>retain previous knowledge</a:t>
+            </a:r>
+          </a:p>
+        </p:txBody>
+      </p:sp>
+      <p:sp>
+        <p:nvSpPr>
+          <p:cNvPr id="4" name="슬라이드 번호 개체 틀 3">
+            <a:extLst>
+              <a:ext uri="{FF2B5EF4-FFF2-40B4-BE49-F238E27FC236}">
+                <a16:creationId xmlns:a16="http://schemas.microsoft.com/office/drawing/2014/main" id="{4705CCFD-CA4E-4794-89D0-C3DF4603C893}"/>
+              </a:ext>
+            </a:extLst>
+          </p:cNvPr>
+          <p:cNvSpPr>
+            <a:spLocks noGrp="1"/>
+          </p:cNvSpPr>
+          <p:nvPr>
+            <p:ph type="sldNum" sz="quarter" idx="12"/>
+          </p:nvPr>
+        </p:nvSpPr>
+        <p:spPr/>
+        <p:txBody>
+          <a:bodyPr/>
+          <a:lstStyle/>
+          <a:p>
+            <a:fld id="{16A93642-25BD-4471-A422-0159119E9512}" type="slidenum">
+              <a:rPr lang="ko-KR" altLang="en-US" smtClean="0"/>
+              <a:pPr/>
+              <a:t>12</a:t>
+            </a:fld>
+            <a:endParaRPr lang="ko-KR" altLang="en-US" dirty="0"/>
+          </a:p>
+        </p:txBody>
+      </p:sp>
+    </p:spTree>
+    <p:extLst>
+      <p:ext uri="{BB962C8B-B14F-4D97-AF65-F5344CB8AC3E}">
+        <p14:creationId xmlns:p14="http://schemas.microsoft.com/office/powerpoint/2010/main" val="2473855550"/>
+      </p:ext>
+    </p:extLst>
+  </p:cSld>
+  <p:clrMapOvr>
+    <a:masterClrMapping/>
+  </p:clrMapOvr>
+</p:sld>
+</file>
+
+<file path=ppt/slides/slide13.xml><?xml version="1.0" encoding="utf-8"?>
+<p:sld xmlns:a="http://schemas.openxmlformats.org/drawingml/2006/main" xmlns:r="http://schemas.openxmlformats.org/officeDocument/2006/relationships" xmlns:p="http://schemas.openxmlformats.org/presentationml/2006/main">
+  <p:cSld>
+    <p:spTree>
+      <p:nvGrpSpPr>
+        <p:cNvPr id="1" name=""/>
+        <p:cNvGrpSpPr/>
+        <p:nvPr/>
+      </p:nvGrpSpPr>
+      <p:grpSpPr>
+        <a:xfrm>
+          <a:off x="0" y="0"/>
+          <a:ext cx="0" cy="0"/>
+          <a:chOff x="0" y="0"/>
+          <a:chExt cx="0" cy="0"/>
+        </a:xfrm>
+      </p:grpSpPr>
+      <p:sp>
+        <p:nvSpPr>
+          <p:cNvPr id="2" name="제목 1">
+            <a:extLst>
+              <a:ext uri="{FF2B5EF4-FFF2-40B4-BE49-F238E27FC236}">
+                <a16:creationId xmlns:a16="http://schemas.microsoft.com/office/drawing/2014/main" id="{95CB7AEF-6056-404F-8222-D7A0008FE999}"/>
+              </a:ext>
+            </a:extLst>
+          </p:cNvPr>
+          <p:cNvSpPr>
+            <a:spLocks noGrp="1"/>
+          </p:cNvSpPr>
+          <p:nvPr>
+            <p:ph type="title"/>
+          </p:nvPr>
+        </p:nvSpPr>
+        <p:spPr/>
+        <p:txBody>
+          <a:bodyPr>
+            <a:normAutofit/>
+          </a:bodyPr>
+          <a:lstStyle/>
+          <a:p>
+            <a:pPr marL="432000" indent="-432000">
+              <a:lnSpc>
+                <a:spcPct val="100000"/>
+              </a:lnSpc>
+              <a:buClr>
+                <a:srgbClr val="004F9E"/>
+              </a:buClr>
+              <a:buFont typeface="Wingdings" panose="05000000000000000000" pitchFamily="2" charset="2"/>
+              <a:buChar char="§"/>
+            </a:pPr>
+            <a:r>
+              <a:rPr lang="en-US" altLang="ko-KR" sz="3600" dirty="0">
+                <a:solidFill>
+                  <a:schemeClr val="tx1">
+                    <a:lumMod val="85000"/>
+                    <a:lumOff val="15000"/>
+                  </a:schemeClr>
+                </a:solidFill>
+                <a:latin typeface="나눔스퀘어 ExtraBold" panose="020B0600000101010101" pitchFamily="50" charset="-127"/>
+                <a:ea typeface="나눔스퀘어 ExtraBold" panose="020B0600000101010101" pitchFamily="50" charset="-127"/>
+                <a:cs typeface="Arial" panose="020B0604020202020204" pitchFamily="34" charset="0"/>
+              </a:rPr>
               <a:t>GNN + </a:t>
             </a:r>
             <a:r>
@@ -7437,7 +8543,7 @@
             <a:fld id="{16A93642-25BD-4471-A422-0159119E9512}" type="slidenum">
               <a:rPr lang="ko-KR" altLang="en-US" smtClean="0"/>
               <a:pPr/>
-              <a:t>10</a:t>
+              <a:t>13</a:t>
             </a:fld>
             <a:endParaRPr lang="ko-KR" altLang="en-US" dirty="0"/>
           </a:p>
@@ -7486,7 +8592,7 @@
 </p:sld>
 </file>
 
-<file path=ppt/slides/slide11.xml><?xml version="1.0" encoding="utf-8"?>
+<file path=ppt/slides/slide14.xml><?xml version="1.0" encoding="utf-8"?>
 <p:sld xmlns:a="http://schemas.openxmlformats.org/drawingml/2006/main" xmlns:r="http://schemas.openxmlformats.org/officeDocument/2006/relationships" xmlns:p="http://schemas.openxmlformats.org/presentationml/2006/main">
   <p:cSld>
     <p:spTree>
@@ -7629,7 +8735,7 @@
             <a:fld id="{16A93642-25BD-4471-A422-0159119E9512}" type="slidenum">
               <a:rPr lang="ko-KR" altLang="en-US" smtClean="0"/>
               <a:pPr/>
-              <a:t>11</a:t>
+              <a:t>14</a:t>
             </a:fld>
             <a:endParaRPr lang="ko-KR" altLang="en-US" dirty="0"/>
           </a:p>
@@ -7648,7 +8754,7 @@
 </p:sld>
 </file>
 
-<file path=ppt/slides/slide12.xml><?xml version="1.0" encoding="utf-8"?>
+<file path=ppt/slides/slide15.xml><?xml version="1.0" encoding="utf-8"?>
 <p:sld xmlns:a="http://schemas.openxmlformats.org/drawingml/2006/main" xmlns:r="http://schemas.openxmlformats.org/officeDocument/2006/relationships" xmlns:p="http://schemas.openxmlformats.org/presentationml/2006/main">
   <p:cSld>
     <p:spTree>
@@ -8007,7 +9113,7 @@
             <a:fld id="{16A93642-25BD-4471-A422-0159119E9512}" type="slidenum">
               <a:rPr lang="ko-KR" altLang="en-US" smtClean="0"/>
               <a:pPr/>
-              <a:t>12</a:t>
+              <a:t>15</a:t>
             </a:fld>
             <a:endParaRPr lang="ko-KR" altLang="en-US" dirty="0"/>
           </a:p>
@@ -8056,7 +9162,7 @@
 </p:sld>
 </file>
 
-<file path=ppt/slides/slide13.xml><?xml version="1.0" encoding="utf-8"?>
+<file path=ppt/slides/slide16.xml><?xml version="1.0" encoding="utf-8"?>
 <p:sld xmlns:a="http://schemas.openxmlformats.org/drawingml/2006/main" xmlns:r="http://schemas.openxmlformats.org/officeDocument/2006/relationships" xmlns:p="http://schemas.openxmlformats.org/presentationml/2006/main">
   <p:cSld>
     <p:spTree>
@@ -8276,7 +9382,7 @@
                 <a:ea typeface="나눔스퀘어 ExtraBold" panose="020B0600000101010101" pitchFamily="50" charset="-127"/>
                 <a:cs typeface="Arial" panose="020B0604020202020204" pitchFamily="34" charset="0"/>
               </a:rPr>
-              <a:t>How about add Rehearsal based approach like </a:t>
+              <a:t>How about add Rehearsal(Experience replay) based approach like </a:t>
             </a:r>
             <a:r>
               <a:rPr lang="en-US" altLang="ko-KR" sz="2000" dirty="0" err="1">
@@ -8344,7 +9450,7 @@
             <a:fld id="{16A93642-25BD-4471-A422-0159119E9512}" type="slidenum">
               <a:rPr lang="ko-KR" altLang="en-US" smtClean="0"/>
               <a:pPr/>
-              <a:t>13</a:t>
+              <a:t>16</a:t>
             </a:fld>
             <a:endParaRPr lang="ko-KR" altLang="en-US" dirty="0"/>
           </a:p>
@@ -8363,7 +9469,7 @@
 </p:sld>
 </file>
 
-<file path=ppt/slides/slide14.xml><?xml version="1.0" encoding="utf-8"?>
+<file path=ppt/slides/slide17.xml><?xml version="1.0" encoding="utf-8"?>
 <p:sld xmlns:a="http://schemas.openxmlformats.org/drawingml/2006/main" xmlns:r="http://schemas.openxmlformats.org/officeDocument/2006/relationships" xmlns:p="http://schemas.openxmlformats.org/presentationml/2006/main">
   <p:cSld>
     <p:spTree>
@@ -8506,7 +9612,7 @@
             <a:fld id="{16A93642-25BD-4471-A422-0159119E9512}" type="slidenum">
               <a:rPr lang="ko-KR" altLang="en-US" smtClean="0"/>
               <a:pPr/>
-              <a:t>14</a:t>
+              <a:t>17</a:t>
             </a:fld>
             <a:endParaRPr lang="ko-KR" altLang="en-US" dirty="0"/>
           </a:p>
@@ -8525,7 +9631,7 @@
 </p:sld>
 </file>
 
-<file path=ppt/slides/slide15.xml><?xml version="1.0" encoding="utf-8"?>
+<file path=ppt/slides/slide18.xml><?xml version="1.0" encoding="utf-8"?>
 <p:sld xmlns:a="http://schemas.openxmlformats.org/drawingml/2006/main" xmlns:r="http://schemas.openxmlformats.org/officeDocument/2006/relationships" xmlns:p="http://schemas.openxmlformats.org/presentationml/2006/main">
   <p:cSld>
     <p:spTree>
@@ -8668,7 +9774,7 @@
             <a:fld id="{16A93642-25BD-4471-A422-0159119E9512}" type="slidenum">
               <a:rPr lang="ko-KR" altLang="en-US" smtClean="0"/>
               <a:pPr/>
-              <a:t>15</a:t>
+              <a:t>18</a:t>
             </a:fld>
             <a:endParaRPr lang="ko-KR" altLang="en-US" dirty="0"/>
           </a:p>
@@ -8687,7 +9793,7 @@
 </p:sld>
 </file>
 
-<file path=ppt/slides/slide16.xml><?xml version="1.0" encoding="utf-8"?>
+<file path=ppt/slides/slide19.xml><?xml version="1.0" encoding="utf-8"?>
 <p:sld xmlns:a="http://schemas.openxmlformats.org/drawingml/2006/main" xmlns:r="http://schemas.openxmlformats.org/officeDocument/2006/relationships" xmlns:p="http://schemas.openxmlformats.org/presentationml/2006/main">
   <p:cSld>
     <p:spTree>
@@ -8830,7 +9936,7 @@
             <a:fld id="{16A93642-25BD-4471-A422-0159119E9512}" type="slidenum">
               <a:rPr lang="ko-KR" altLang="en-US" smtClean="0"/>
               <a:pPr/>
-              <a:t>16</a:t>
+              <a:t>19</a:t>
             </a:fld>
             <a:endParaRPr lang="ko-KR" altLang="en-US" dirty="0"/>
           </a:p>
@@ -10564,17 +11670,72 @@
               <a:buFont typeface="Wingdings" panose="05000000000000000000" pitchFamily="2" charset="2"/>
               <a:buChar char="§"/>
             </a:pPr>
-            <a:endParaRPr lang="en-US" altLang="ko-KR" sz="1800" dirty="0">
-              <a:solidFill>
-                <a:schemeClr val="tx1">
-                  <a:lumMod val="85000"/>
-                  <a:lumOff val="15000"/>
-                </a:schemeClr>
-              </a:solidFill>
-              <a:latin typeface="나눔스퀘어 ExtraBold" panose="020B0600000101010101" pitchFamily="50" charset="-127"/>
-              <a:ea typeface="나눔스퀘어 ExtraBold" panose="020B0600000101010101" pitchFamily="50" charset="-127"/>
-              <a:cs typeface="Arial" panose="020B0604020202020204" pitchFamily="34" charset="0"/>
-            </a:endParaRPr>
+            <a:r>
+              <a:rPr lang="en-US" altLang="ko-KR" sz="1800" dirty="0">
+                <a:solidFill>
+                  <a:schemeClr val="tx1">
+                    <a:lumMod val="85000"/>
+                    <a:lumOff val="15000"/>
+                  </a:schemeClr>
+                </a:solidFill>
+                <a:latin typeface="나눔스퀘어 ExtraBold" panose="020B0600000101010101" pitchFamily="50" charset="-127"/>
+                <a:ea typeface="나눔스퀘어 ExtraBold" panose="020B0600000101010101" pitchFamily="50" charset="-127"/>
+                <a:cs typeface="Arial" panose="020B0604020202020204" pitchFamily="34" charset="0"/>
+              </a:rPr>
+              <a:t>This approach focuses on modifying the specific architecture of networks.</a:t>
+            </a:r>
+          </a:p>
+          <a:p>
+            <a:pPr marL="432000" indent="-432000">
+              <a:lnSpc>
+                <a:spcPct val="100000"/>
+              </a:lnSpc>
+              <a:buClr>
+                <a:srgbClr val="004F9E"/>
+              </a:buClr>
+              <a:buFont typeface="Wingdings" panose="05000000000000000000" pitchFamily="2" charset="2"/>
+              <a:buChar char="§"/>
+            </a:pPr>
+            <a:r>
+              <a:rPr lang="en-US" altLang="ko-KR" sz="1800" dirty="0">
+                <a:solidFill>
+                  <a:schemeClr val="tx1">
+                    <a:lumMod val="85000"/>
+                    <a:lumOff val="15000"/>
+                  </a:schemeClr>
+                </a:solidFill>
+                <a:latin typeface="나눔스퀘어 ExtraBold" panose="020B0600000101010101" pitchFamily="50" charset="-127"/>
+                <a:ea typeface="나눔스퀘어 ExtraBold" panose="020B0600000101010101" pitchFamily="50" charset="-127"/>
+                <a:cs typeface="Arial" panose="020B0604020202020204" pitchFamily="34" charset="0"/>
+              </a:rPr>
+              <a:t>Activation functions, layers of algorithms to address a new task and prevent the forgetting of previous tasks.</a:t>
+            </a:r>
+          </a:p>
+          <a:p>
+            <a:pPr marL="432000" indent="-432000">
+              <a:lnSpc>
+                <a:spcPct val="100000"/>
+              </a:lnSpc>
+              <a:buClr>
+                <a:srgbClr val="004F9E"/>
+              </a:buClr>
+              <a:buFont typeface="Wingdings" panose="05000000000000000000" pitchFamily="2" charset="2"/>
+              <a:buChar char="§"/>
+            </a:pPr>
+            <a:r>
+              <a:rPr lang="en-US" altLang="ko-KR" sz="1800" dirty="0">
+                <a:solidFill>
+                  <a:schemeClr val="tx1">
+                    <a:lumMod val="85000"/>
+                    <a:lumOff val="15000"/>
+                  </a:schemeClr>
+                </a:solidFill>
+                <a:latin typeface="나눔스퀘어 ExtraBold" panose="020B0600000101010101" pitchFamily="50" charset="-127"/>
+                <a:ea typeface="나눔스퀘어 ExtraBold" panose="020B0600000101010101" pitchFamily="50" charset="-127"/>
+                <a:cs typeface="Arial" panose="020B0604020202020204" pitchFamily="34" charset="0"/>
+              </a:rPr>
+              <a:t>Like FGN, HPNs</a:t>
+            </a:r>
           </a:p>
         </p:txBody>
       </p:sp>
@@ -10683,7 +11844,7 @@
                 <a:ea typeface="나눔스퀘어 ExtraBold" panose="020B0600000101010101" pitchFamily="50" charset="-127"/>
                 <a:cs typeface="Arial" panose="020B0604020202020204" pitchFamily="34" charset="0"/>
               </a:rPr>
-              <a:t>Rehearsal based approach</a:t>
+              <a:t>Architecture based approach</a:t>
             </a:r>
           </a:p>
         </p:txBody>
@@ -10726,7 +11887,33 @@
               <a:buFont typeface="Wingdings" panose="05000000000000000000" pitchFamily="2" charset="2"/>
               <a:buChar char="§"/>
             </a:pPr>
-            <a:endParaRPr lang="en-US" altLang="ko-KR" sz="1800" dirty="0">
+            <a:r>
+              <a:rPr lang="en-US" altLang="ko-KR" sz="2000" dirty="0">
+                <a:solidFill>
+                  <a:schemeClr val="tx1">
+                    <a:lumMod val="85000"/>
+                    <a:lumOff val="15000"/>
+                  </a:schemeClr>
+                </a:solidFill>
+                <a:latin typeface="나눔스퀘어 ExtraBold" panose="020B0600000101010101" pitchFamily="50" charset="-127"/>
+                <a:ea typeface="나눔스퀘어 ExtraBold" panose="020B0600000101010101" pitchFamily="50" charset="-127"/>
+                <a:cs typeface="Arial" panose="020B0604020202020204" pitchFamily="34" charset="0"/>
+              </a:rPr>
+              <a:t>FGN (Feature Graph Networks)</a:t>
+            </a:r>
+          </a:p>
+          <a:p>
+            <a:pPr marL="432000" indent="-432000">
+              <a:lnSpc>
+                <a:spcPct val="100000"/>
+              </a:lnSpc>
+              <a:buClr>
+                <a:srgbClr val="004F9E"/>
+              </a:buClr>
+              <a:buFont typeface="Wingdings" panose="05000000000000000000" pitchFamily="2" charset="2"/>
+              <a:buChar char="§"/>
+            </a:pPr>
+            <a:endParaRPr lang="en-US" altLang="ko-KR" sz="2000" dirty="0">
               <a:solidFill>
                 <a:schemeClr val="tx1">
                   <a:lumMod val="85000"/>
@@ -10738,6 +11925,28 @@
               <a:cs typeface="Arial" panose="020B0604020202020204" pitchFamily="34" charset="0"/>
             </a:endParaRPr>
           </a:p>
+          <a:p>
+            <a:pPr marL="0" indent="0">
+              <a:lnSpc>
+                <a:spcPct val="100000"/>
+              </a:lnSpc>
+              <a:buClr>
+                <a:srgbClr val="004F9E"/>
+              </a:buClr>
+              <a:buNone/>
+            </a:pPr>
+            <a:endParaRPr lang="en-US" altLang="ko-KR" sz="2000" dirty="0">
+              <a:solidFill>
+                <a:schemeClr val="tx1">
+                  <a:lumMod val="85000"/>
+                  <a:lumOff val="15000"/>
+                </a:schemeClr>
+              </a:solidFill>
+              <a:latin typeface="나눔스퀘어 ExtraBold" panose="020B0600000101010101" pitchFamily="50" charset="-127"/>
+              <a:ea typeface="나눔스퀘어 ExtraBold" panose="020B0600000101010101" pitchFamily="50" charset="-127"/>
+              <a:cs typeface="Arial" panose="020B0604020202020204" pitchFamily="34" charset="0"/>
+            </a:endParaRPr>
+          </a:p>
         </p:txBody>
       </p:sp>
       <p:sp>
@@ -10773,7 +11982,7 @@
     </p:spTree>
     <p:extLst>
       <p:ext uri="{BB962C8B-B14F-4D97-AF65-F5344CB8AC3E}">
-        <p14:creationId xmlns:p14="http://schemas.microsoft.com/office/powerpoint/2010/main" val="2888396295"/>
+        <p14:creationId xmlns:p14="http://schemas.microsoft.com/office/powerpoint/2010/main" val="500019753"/>
       </p:ext>
     </p:extLst>
   </p:cSld>
@@ -10845,7 +12054,7 @@
                 <a:ea typeface="나눔스퀘어 ExtraBold" panose="020B0600000101010101" pitchFamily="50" charset="-127"/>
                 <a:cs typeface="Arial" panose="020B0604020202020204" pitchFamily="34" charset="0"/>
               </a:rPr>
-              <a:t>Regularization based approach</a:t>
+              <a:t>Rehearsal(experience replay) based approach</a:t>
             </a:r>
           </a:p>
         </p:txBody>
@@ -10888,17 +12097,102 @@
               <a:buFont typeface="Wingdings" panose="05000000000000000000" pitchFamily="2" charset="2"/>
               <a:buChar char="§"/>
             </a:pPr>
-            <a:endParaRPr lang="en-US" altLang="ko-KR" sz="1800" dirty="0">
-              <a:solidFill>
-                <a:schemeClr val="tx1">
-                  <a:lumMod val="85000"/>
-                  <a:lumOff val="15000"/>
-                </a:schemeClr>
-              </a:solidFill>
-              <a:latin typeface="나눔스퀘어 ExtraBold" panose="020B0600000101010101" pitchFamily="50" charset="-127"/>
-              <a:ea typeface="나눔스퀘어 ExtraBold" panose="020B0600000101010101" pitchFamily="50" charset="-127"/>
-              <a:cs typeface="Arial" panose="020B0604020202020204" pitchFamily="34" charset="0"/>
-            </a:endParaRPr>
+            <a:r>
+              <a:rPr lang="en-US" altLang="ko-KR" sz="2000" dirty="0">
+                <a:solidFill>
+                  <a:schemeClr val="tx1">
+                    <a:lumMod val="85000"/>
+                    <a:lumOff val="15000"/>
+                  </a:schemeClr>
+                </a:solidFill>
+                <a:latin typeface="나눔스퀘어 ExtraBold" panose="020B0600000101010101" pitchFamily="50" charset="-127"/>
+                <a:ea typeface="나눔스퀘어 ExtraBold" panose="020B0600000101010101" pitchFamily="50" charset="-127"/>
+                <a:cs typeface="Arial" panose="020B0604020202020204" pitchFamily="34" charset="0"/>
+              </a:rPr>
+              <a:t>This approach regulates retraining processes for previous tasks to strengthen the relationship between memory and performance on previously learned tasks</a:t>
+            </a:r>
+          </a:p>
+          <a:p>
+            <a:pPr marL="432000" indent="-432000">
+              <a:lnSpc>
+                <a:spcPct val="100000"/>
+              </a:lnSpc>
+              <a:buClr>
+                <a:srgbClr val="004F9E"/>
+              </a:buClr>
+              <a:buFont typeface="Wingdings" panose="05000000000000000000" pitchFamily="2" charset="2"/>
+              <a:buChar char="§"/>
+            </a:pPr>
+            <a:r>
+              <a:rPr lang="en-US" altLang="ko-KR" sz="2000" dirty="0">
+                <a:solidFill>
+                  <a:schemeClr val="tx1">
+                    <a:lumMod val="85000"/>
+                    <a:lumOff val="15000"/>
+                  </a:schemeClr>
+                </a:solidFill>
+                <a:latin typeface="나눔스퀘어 ExtraBold" panose="020B0600000101010101" pitchFamily="50" charset="-127"/>
+                <a:ea typeface="나눔스퀘어 ExtraBold" panose="020B0600000101010101" pitchFamily="50" charset="-127"/>
+                <a:cs typeface="Arial" panose="020B0604020202020204" pitchFamily="34" charset="0"/>
+              </a:rPr>
+              <a:t>This graph learning approach enables the selection of </a:t>
+            </a:r>
+            <a:r>
+              <a:rPr lang="en-US" altLang="ko-KR" sz="2000" b="1" dirty="0">
+                <a:solidFill>
+                  <a:schemeClr val="tx1">
+                    <a:lumMod val="85000"/>
+                    <a:lumOff val="15000"/>
+                  </a:schemeClr>
+                </a:solidFill>
+                <a:latin typeface="나눔스퀘어 ExtraBold" panose="020B0600000101010101" pitchFamily="50" charset="-127"/>
+                <a:ea typeface="나눔스퀘어 ExtraBold" panose="020B0600000101010101" pitchFamily="50" charset="-127"/>
+                <a:cs typeface="Arial" panose="020B0604020202020204" pitchFamily="34" charset="0"/>
+              </a:rPr>
+              <a:t>appropriate samples </a:t>
+            </a:r>
+            <a:r>
+              <a:rPr lang="en-US" altLang="ko-KR" sz="2000" dirty="0">
+                <a:solidFill>
+                  <a:schemeClr val="tx1">
+                    <a:lumMod val="85000"/>
+                    <a:lumOff val="15000"/>
+                  </a:schemeClr>
+                </a:solidFill>
+                <a:latin typeface="나눔스퀘어 ExtraBold" panose="020B0600000101010101" pitchFamily="50" charset="-127"/>
+                <a:ea typeface="나눔스퀘어 ExtraBold" panose="020B0600000101010101" pitchFamily="50" charset="-127"/>
+                <a:cs typeface="Arial" panose="020B0604020202020204" pitchFamily="34" charset="0"/>
+              </a:rPr>
+              <a:t>of graph representation, such as nodes and edges, </a:t>
+            </a:r>
+            <a:r>
+              <a:rPr lang="en-US" altLang="ko-KR" sz="2000" b="1" dirty="0">
+                <a:solidFill>
+                  <a:schemeClr val="tx1">
+                    <a:lumMod val="85000"/>
+                    <a:lumOff val="15000"/>
+                  </a:schemeClr>
+                </a:solidFill>
+                <a:latin typeface="나눔스퀘어 ExtraBold" panose="020B0600000101010101" pitchFamily="50" charset="-127"/>
+                <a:ea typeface="나눔스퀘어 ExtraBold" panose="020B0600000101010101" pitchFamily="50" charset="-127"/>
+                <a:cs typeface="Arial" panose="020B0604020202020204" pitchFamily="34" charset="0"/>
+              </a:rPr>
+              <a:t>for retraining purposes</a:t>
+            </a:r>
+            <a:r>
+              <a:rPr lang="en-US" altLang="ko-KR" sz="2000" dirty="0">
+                <a:solidFill>
+                  <a:schemeClr val="tx1">
+                    <a:lumMod val="85000"/>
+                    <a:lumOff val="15000"/>
+                  </a:schemeClr>
+                </a:solidFill>
+                <a:latin typeface="나눔스퀘어 ExtraBold" panose="020B0600000101010101" pitchFamily="50" charset="-127"/>
+                <a:ea typeface="나눔스퀘어 ExtraBold" panose="020B0600000101010101" pitchFamily="50" charset="-127"/>
+                <a:cs typeface="Arial" panose="020B0604020202020204" pitchFamily="34" charset="0"/>
+              </a:rPr>
+              <a:t>.</a:t>
+            </a:r>
           </a:p>
         </p:txBody>
       </p:sp>
@@ -10935,7 +12229,7 @@
     </p:spTree>
     <p:extLst>
       <p:ext uri="{BB962C8B-B14F-4D97-AF65-F5344CB8AC3E}">
-        <p14:creationId xmlns:p14="http://schemas.microsoft.com/office/powerpoint/2010/main" val="2473855550"/>
+        <p14:creationId xmlns:p14="http://schemas.microsoft.com/office/powerpoint/2010/main" val="2888396295"/>
       </p:ext>
     </p:extLst>
   </p:cSld>

--- a/papers/papersForKCC/논문 관련 조사 및 아이디어.pptx
+++ b/papers/papersForKCC/논문 관련 조사 및 아이디어.pptx
@@ -5,7 +5,7 @@
     <p:sldMasterId id="2147483648" r:id="rId1"/>
   </p:sldMasterIdLst>
   <p:notesMasterIdLst>
-    <p:notesMasterId r:id="rId21"/>
+    <p:notesMasterId r:id="rId16"/>
   </p:notesMasterIdLst>
   <p:sldIdLst>
     <p:sldId id="256" r:id="rId2"/>
@@ -15,18 +15,13 @@
     <p:sldId id="261" r:id="rId6"/>
     <p:sldId id="263" r:id="rId7"/>
     <p:sldId id="264" r:id="rId8"/>
-    <p:sldId id="273" r:id="rId9"/>
-    <p:sldId id="265" r:id="rId10"/>
-    <p:sldId id="274" r:id="rId11"/>
-    <p:sldId id="275" r:id="rId12"/>
-    <p:sldId id="266" r:id="rId13"/>
-    <p:sldId id="267" r:id="rId14"/>
-    <p:sldId id="270" r:id="rId15"/>
-    <p:sldId id="268" r:id="rId16"/>
-    <p:sldId id="269" r:id="rId17"/>
-    <p:sldId id="262" r:id="rId18"/>
-    <p:sldId id="271" r:id="rId19"/>
-    <p:sldId id="272" r:id="rId20"/>
+    <p:sldId id="265" r:id="rId9"/>
+    <p:sldId id="274" r:id="rId10"/>
+    <p:sldId id="275" r:id="rId11"/>
+    <p:sldId id="266" r:id="rId12"/>
+    <p:sldId id="269" r:id="rId13"/>
+    <p:sldId id="268" r:id="rId14"/>
+    <p:sldId id="276" r:id="rId15"/>
   </p:sldIdLst>
   <p:sldSz cx="12192000" cy="6858000"/>
   <p:notesSz cx="6858000" cy="9144000"/>
@@ -226,7 +221,7 @@
           <a:p>
             <a:fld id="{B4BAEF34-DDA1-41A6-94BB-1D7567B3088F}" type="datetimeFigureOut">
               <a:rPr lang="ko-KR" altLang="en-US" smtClean="0"/>
-              <a:t>2023-03-14</a:t>
+              <a:t>2023-03-15</a:t>
             </a:fld>
             <a:endParaRPr lang="ko-KR" altLang="en-US"/>
           </a:p>
@@ -623,60 +618,11 @@
           <a:p>
             <a:r>
               <a:rPr lang="en-US" altLang="ko-KR" dirty="0"/>
-              <a:t>ER-GNN</a:t>
-            </a:r>
-          </a:p>
-          <a:p>
-            <a:endParaRPr lang="en-US" altLang="ko-KR" dirty="0"/>
-          </a:p>
-          <a:p>
-            <a:r>
-              <a:rPr lang="en-US" altLang="ko-KR" dirty="0"/>
-              <a:t>experience</a:t>
+              <a:t>reg</a:t>
             </a:r>
             <a:r>
               <a:rPr lang="ko-KR" altLang="en-US" dirty="0"/>
-              <a:t>로서 이전 </a:t>
-            </a:r>
-            <a:r>
-              <a:rPr lang="en-US" altLang="ko-KR" dirty="0"/>
-              <a:t>task</a:t>
-            </a:r>
-            <a:r>
-              <a:rPr lang="ko-KR" altLang="en-US" dirty="0"/>
-              <a:t>으로 부터 </a:t>
-            </a:r>
-            <a:r>
-              <a:rPr lang="en-US" altLang="ko-KR" dirty="0"/>
-              <a:t>knowledge</a:t>
-            </a:r>
-            <a:r>
-              <a:rPr lang="ko-KR" altLang="en-US" dirty="0"/>
-              <a:t>를 저장하고</a:t>
-            </a:r>
-            <a:r>
-              <a:rPr lang="en-US" altLang="ko-KR" dirty="0"/>
-              <a:t>, new task</a:t>
-            </a:r>
-            <a:r>
-              <a:rPr lang="ko-KR" altLang="en-US" dirty="0"/>
-              <a:t>를 </a:t>
-            </a:r>
-            <a:r>
-              <a:rPr lang="en-US" altLang="ko-KR" dirty="0"/>
-              <a:t>learning</a:t>
-            </a:r>
-            <a:r>
-              <a:rPr lang="ko-KR" altLang="en-US" dirty="0"/>
-              <a:t>할 때 </a:t>
-            </a:r>
-            <a:r>
-              <a:rPr lang="en-US" altLang="ko-KR" dirty="0"/>
-              <a:t>repla</a:t>
-            </a:r>
-            <a:r>
-              <a:rPr lang="ko-KR" altLang="en-US" dirty="0"/>
-              <a:t>한다</a:t>
+              <a:t> 기반 접근법</a:t>
             </a:r>
             <a:r>
               <a:rPr lang="en-US" altLang="ko-KR" dirty="0"/>
@@ -684,25 +630,86 @@
             </a:r>
           </a:p>
           <a:p>
+            <a:endParaRPr lang="en-US" altLang="ko-KR" dirty="0"/>
+          </a:p>
+          <a:p>
             <a:r>
               <a:rPr lang="ko-KR" altLang="en-US" dirty="0"/>
-              <a:t>이렇게 </a:t>
+              <a:t>이 방식은 비용 함수에 </a:t>
             </a:r>
             <a:r>
               <a:rPr lang="en-US" altLang="ko-KR" dirty="0"/>
-              <a:t>experience</a:t>
+              <a:t>reg term</a:t>
             </a:r>
             <a:r>
               <a:rPr lang="ko-KR" altLang="en-US" dirty="0"/>
-              <a:t>로 사용할 노드를 선택하는 </a:t>
+              <a:t>을 추가하는 방식으로 </a:t>
             </a:r>
             <a:r>
               <a:rPr lang="en-US" altLang="ko-KR" dirty="0"/>
-              <a:t>3</a:t>
+              <a:t>reg</a:t>
             </a:r>
             <a:r>
               <a:rPr lang="ko-KR" altLang="en-US" dirty="0"/>
-              <a:t>가지 방법이 있다</a:t>
+              <a:t>을 한다</a:t>
+            </a:r>
+            <a:r>
+              <a:rPr lang="en-US" altLang="ko-KR" dirty="0"/>
+              <a:t>. </a:t>
+            </a:r>
+            <a:r>
+              <a:rPr lang="ko-KR" altLang="en-US" dirty="0"/>
+              <a:t>기존의 중요한 </a:t>
+            </a:r>
+            <a:r>
+              <a:rPr lang="en-US" altLang="ko-KR" dirty="0"/>
+              <a:t>weight</a:t>
+            </a:r>
+            <a:r>
+              <a:rPr lang="ko-KR" altLang="en-US" dirty="0"/>
+              <a:t>이 날라가지 않도록 하는 접근 방식이다</a:t>
+            </a:r>
+            <a:r>
+              <a:rPr lang="en-US" altLang="ko-KR" dirty="0"/>
+              <a:t>.</a:t>
+            </a:r>
+          </a:p>
+          <a:p>
+            <a:r>
+              <a:rPr lang="ko-KR" altLang="en-US" dirty="0"/>
+              <a:t>내 생각엔 </a:t>
+            </a:r>
+            <a:r>
+              <a:rPr lang="en-US" altLang="ko-KR" dirty="0"/>
+              <a:t>CL </a:t>
+            </a:r>
+            <a:r>
+              <a:rPr lang="ko-KR" altLang="en-US" dirty="0"/>
+              <a:t>방법론 중 가장 연구가 활발하게 되고 있는 분야이고 </a:t>
+            </a:r>
+            <a:r>
+              <a:rPr lang="en-US" altLang="ko-KR" dirty="0" err="1"/>
+              <a:t>graphSAIL</a:t>
+            </a:r>
+            <a:r>
+              <a:rPr lang="ko-KR" altLang="en-US" dirty="0"/>
+              <a:t>의 </a:t>
+            </a:r>
+            <a:r>
+              <a:rPr lang="en-US" altLang="ko-KR" dirty="0"/>
+              <a:t>KD </a:t>
+            </a:r>
+            <a:r>
+              <a:rPr lang="ko-KR" altLang="en-US" dirty="0"/>
+              <a:t>역시 </a:t>
+            </a:r>
+            <a:r>
+              <a:rPr lang="en-US" altLang="ko-KR" dirty="0"/>
+              <a:t>reg </a:t>
+            </a:r>
+            <a:r>
+              <a:rPr lang="ko-KR" altLang="en-US" dirty="0"/>
+              <a:t>기반 접근법의 일종이다</a:t>
             </a:r>
             <a:r>
               <a:rPr lang="en-US" altLang="ko-KR" dirty="0"/>
@@ -740,7 +747,7 @@
     </p:spTree>
     <p:extLst>
       <p:ext uri="{BB962C8B-B14F-4D97-AF65-F5344CB8AC3E}">
-        <p14:creationId xmlns:p14="http://schemas.microsoft.com/office/powerpoint/2010/main" val="2451463444"/>
+        <p14:creationId xmlns:p14="http://schemas.microsoft.com/office/powerpoint/2010/main" val="1642583466"/>
       </p:ext>
     </p:extLst>
   </p:cSld>
@@ -794,92 +801,64 @@
           <a:bodyPr/>
           <a:lstStyle/>
           <a:p>
-            <a:r>
-              <a:rPr lang="en-US" altLang="ko-KR" dirty="0"/>
-              <a:t>reg</a:t>
-            </a:r>
-            <a:r>
-              <a:rPr lang="ko-KR" altLang="en-US" dirty="0"/>
-              <a:t> 기반 접근법</a:t>
-            </a:r>
-            <a:r>
-              <a:rPr lang="en-US" altLang="ko-KR" dirty="0"/>
-              <a:t>.</a:t>
-            </a:r>
-          </a:p>
-          <a:p>
-            <a:endParaRPr lang="en-US" altLang="ko-KR" dirty="0"/>
-          </a:p>
-          <a:p>
-            <a:r>
-              <a:rPr lang="ko-KR" altLang="en-US" dirty="0"/>
-              <a:t>이 방식은 비용 함수에 </a:t>
-            </a:r>
-            <a:r>
-              <a:rPr lang="en-US" altLang="ko-KR" dirty="0"/>
-              <a:t>reg term</a:t>
-            </a:r>
-            <a:r>
-              <a:rPr lang="ko-KR" altLang="en-US" dirty="0"/>
-              <a:t>을 추가하는 방식으로 </a:t>
-            </a:r>
-            <a:r>
-              <a:rPr lang="en-US" altLang="ko-KR" dirty="0"/>
-              <a:t>reg</a:t>
-            </a:r>
-            <a:r>
-              <a:rPr lang="ko-KR" altLang="en-US" dirty="0"/>
-              <a:t>을 한다</a:t>
-            </a:r>
-            <a:r>
-              <a:rPr lang="en-US" altLang="ko-KR" dirty="0"/>
-              <a:t>. </a:t>
-            </a:r>
-            <a:r>
-              <a:rPr lang="ko-KR" altLang="en-US" dirty="0"/>
-              <a:t>기존의 중요한 </a:t>
-            </a:r>
-            <a:r>
-              <a:rPr lang="en-US" altLang="ko-KR" dirty="0"/>
-              <a:t>weight</a:t>
-            </a:r>
-            <a:r>
-              <a:rPr lang="ko-KR" altLang="en-US" dirty="0"/>
-              <a:t>이 날라가지 않도록 하는 접근 방식이다</a:t>
-            </a:r>
-            <a:r>
-              <a:rPr lang="en-US" altLang="ko-KR" dirty="0"/>
-              <a:t>.</a:t>
-            </a:r>
-          </a:p>
-          <a:p>
-            <a:r>
-              <a:rPr lang="ko-KR" altLang="en-US" dirty="0"/>
-              <a:t>내 생각엔 </a:t>
-            </a:r>
-            <a:r>
-              <a:rPr lang="en-US" altLang="ko-KR" dirty="0"/>
-              <a:t>CL </a:t>
-            </a:r>
-            <a:r>
-              <a:rPr lang="ko-KR" altLang="en-US" dirty="0"/>
-              <a:t>방법론 중 가장 연구가 활발하게 되고 있는 분야이고 </a:t>
-            </a:r>
+            <a:pPr marL="228600" indent="-228600">
+              <a:buAutoNum type="arabicPeriod"/>
+            </a:pPr>
             <a:r>
               <a:rPr lang="en-US" altLang="ko-KR" dirty="0" err="1"/>
               <a:t>graphSAIL</a:t>
             </a:r>
             <a:r>
               <a:rPr lang="ko-KR" altLang="en-US" dirty="0"/>
-              <a:t>의 </a:t>
+              <a:t> </a:t>
             </a:r>
             <a:r>
               <a:rPr lang="en-US" altLang="ko-KR" dirty="0"/>
-              <a:t>KD </a:t>
+              <a:t>+</a:t>
             </a:r>
             <a:r>
               <a:rPr lang="ko-KR" altLang="en-US" dirty="0"/>
-              <a:t>역시 </a:t>
+              <a:t> </a:t>
+            </a:r>
+            <a:r>
+              <a:rPr lang="en-US" altLang="ko-KR" dirty="0"/>
+              <a:t>memory, </a:t>
+            </a:r>
+            <a:r>
+              <a:rPr lang="en-US" altLang="ko-KR" dirty="0" err="1"/>
+              <a:t>iCaRL</a:t>
+            </a:r>
+            <a:endParaRPr lang="en-US" altLang="ko-KR" dirty="0"/>
+          </a:p>
+          <a:p>
+            <a:pPr marL="228600" indent="-228600">
+              <a:buAutoNum type="arabicPeriod"/>
+            </a:pPr>
+            <a:endParaRPr lang="en-US" altLang="ko-KR" dirty="0"/>
+          </a:p>
+          <a:p>
+            <a:pPr marL="0" indent="0">
+              <a:buNone/>
+            </a:pPr>
+            <a:r>
+              <a:rPr lang="ko-KR" altLang="en-US" dirty="0"/>
+              <a:t>현재 </a:t>
+            </a:r>
+            <a:r>
+              <a:rPr lang="en-US" altLang="ko-KR" dirty="0" err="1"/>
+              <a:t>graphSAIL</a:t>
+            </a:r>
+            <a:r>
+              <a:rPr lang="ko-KR" altLang="en-US" dirty="0"/>
+              <a:t>은 </a:t>
+            </a:r>
+            <a:r>
+              <a:rPr lang="en-US" altLang="ko-KR" dirty="0"/>
+              <a:t>KD</a:t>
+            </a:r>
+            <a:r>
+              <a:rPr lang="ko-KR" altLang="en-US" dirty="0"/>
+              <a:t>기반 </a:t>
             </a:r>
             <a:r>
               <a:rPr lang="en-US" altLang="ko-KR" dirty="0"/>
@@ -887,14 +866,31 @@
             </a:r>
             <a:r>
               <a:rPr lang="ko-KR" altLang="en-US" dirty="0"/>
-              <a:t>기반 접근법의 일종이다</a:t>
+              <a:t>방식에 집중하고 있음 여기에 </a:t>
             </a:r>
             <a:r>
               <a:rPr lang="en-US" altLang="ko-KR" dirty="0"/>
-              <a:t>.</a:t>
-            </a:r>
-          </a:p>
-          <a:p>
+              <a:t>+memory </a:t>
+            </a:r>
+            <a:r>
+              <a:rPr lang="ko-KR" altLang="en-US" dirty="0"/>
+              <a:t>방식이 들어간다면</a:t>
+            </a:r>
+            <a:r>
+              <a:rPr lang="en-US" altLang="ko-KR" dirty="0"/>
+              <a:t>?</a:t>
+            </a:r>
+          </a:p>
+          <a:p>
+            <a:pPr marL="0" indent="0">
+              <a:buNone/>
+            </a:pPr>
+            <a:endParaRPr lang="en-US" altLang="ko-KR" dirty="0"/>
+          </a:p>
+          <a:p>
+            <a:pPr marL="0" indent="0">
+              <a:buNone/>
+            </a:pPr>
             <a:endParaRPr lang="en-US" altLang="ko-KR" dirty="0"/>
           </a:p>
         </p:txBody>
@@ -925,7 +921,7 @@
     </p:spTree>
     <p:extLst>
       <p:ext uri="{BB962C8B-B14F-4D97-AF65-F5344CB8AC3E}">
-        <p14:creationId xmlns:p14="http://schemas.microsoft.com/office/powerpoint/2010/main" val="1642583466"/>
+        <p14:creationId xmlns:p14="http://schemas.microsoft.com/office/powerpoint/2010/main" val="2690387154"/>
       </p:ext>
     </p:extLst>
   </p:cSld>
@@ -979,107 +975,141 @@
           <a:bodyPr/>
           <a:lstStyle/>
           <a:p>
-            <a:r>
-              <a:rPr lang="en-US" altLang="ko-KR" dirty="0"/>
-              <a:t>GNN</a:t>
-            </a:r>
-            <a:r>
-              <a:rPr lang="ko-KR" altLang="en-US" dirty="0"/>
-              <a:t>에 추천 도메인을 적용한 사례를 정리했다</a:t>
-            </a:r>
-            <a:r>
-              <a:rPr lang="en-US" altLang="ko-KR" dirty="0"/>
-              <a:t>.</a:t>
-            </a:r>
-          </a:p>
-          <a:p>
-            <a:r>
-              <a:rPr lang="en-US" altLang="ko-KR" dirty="0"/>
-              <a:t>GNN</a:t>
-            </a:r>
-            <a:r>
-              <a:rPr lang="ko-KR" altLang="en-US" dirty="0"/>
-              <a:t>은 </a:t>
-            </a:r>
-            <a:r>
-              <a:rPr lang="en-US" altLang="ko-KR" dirty="0"/>
-              <a:t>rep learning</a:t>
-            </a:r>
-            <a:r>
-              <a:rPr lang="ko-KR" altLang="en-US" dirty="0"/>
-              <a:t>에 강력한 성능을 증명했고</a:t>
-            </a:r>
-            <a:r>
-              <a:rPr lang="en-US" altLang="ko-KR" dirty="0"/>
-              <a:t>.. </a:t>
-            </a:r>
-            <a:r>
-              <a:rPr lang="ko-KR" altLang="en-US" dirty="0"/>
-              <a:t>추천 데이터는 대부분 그래프 구조를 가지고 있다</a:t>
-            </a:r>
-            <a:r>
-              <a:rPr lang="en-US" altLang="ko-KR" dirty="0"/>
-              <a:t>.</a:t>
-            </a:r>
-          </a:p>
-          <a:p>
-            <a:endParaRPr lang="en-US" altLang="ko-KR" dirty="0"/>
-          </a:p>
-          <a:p>
-            <a:r>
-              <a:rPr lang="en-US" altLang="ko-KR" dirty="0"/>
-              <a:t>Information</a:t>
-            </a:r>
-            <a:r>
-              <a:rPr lang="ko-KR" altLang="en-US" dirty="0"/>
-              <a:t>의 종류와 추천 태스크 별로 카테고리를 나눌 수 있다</a:t>
-            </a:r>
-            <a:r>
-              <a:rPr lang="en-US" altLang="ko-KR" dirty="0"/>
-              <a:t>.</a:t>
-            </a:r>
-          </a:p>
-          <a:p>
             <a:pPr marL="228600" indent="-228600">
               <a:buAutoNum type="arabicPeriod"/>
             </a:pPr>
             <a:r>
               <a:rPr lang="en-US" altLang="ko-KR" dirty="0"/>
-              <a:t>CF</a:t>
+              <a:t>Causal </a:t>
+            </a:r>
+            <a:r>
+              <a:rPr lang="en-US" altLang="ko-KR" dirty="0" err="1"/>
+              <a:t>incre</a:t>
+            </a:r>
+            <a:r>
+              <a:rPr lang="en-US" altLang="ko-KR" dirty="0"/>
+              <a:t> + </a:t>
+            </a:r>
+            <a:r>
+              <a:rPr lang="ko-KR" altLang="en-US" dirty="0"/>
+              <a:t>다른 </a:t>
+            </a:r>
+            <a:r>
+              <a:rPr lang="en-US" altLang="ko-KR" dirty="0"/>
+              <a:t>GNN </a:t>
+            </a:r>
+            <a:r>
+              <a:rPr lang="ko-KR" altLang="en-US" dirty="0"/>
+              <a:t>모델 </a:t>
+            </a:r>
+            <a:r>
+              <a:rPr lang="en-US" altLang="ko-KR" dirty="0"/>
+              <a:t>like </a:t>
+            </a:r>
+            <a:r>
+              <a:rPr lang="en-US" altLang="ko-KR" dirty="0" err="1"/>
+              <a:t>pinsage</a:t>
+            </a:r>
+            <a:r>
+              <a:rPr lang="en-US" altLang="ko-KR" dirty="0"/>
+              <a:t> </a:t>
             </a:r>
           </a:p>
           <a:p>
             <a:pPr marL="228600" indent="-228600">
               <a:buAutoNum type="arabicPeriod"/>
             </a:pPr>
-            <a:r>
-              <a:rPr lang="ko-KR" altLang="en-US" dirty="0" err="1"/>
-              <a:t>시퀀셜</a:t>
+            <a:endParaRPr lang="en-US" altLang="ko-KR" dirty="0"/>
+          </a:p>
+          <a:p>
+            <a:pPr marL="0" indent="0">
+              <a:buNone/>
+            </a:pPr>
+            <a:r>
+              <a:rPr lang="en-US" altLang="ko-KR" dirty="0"/>
+              <a:t>Causal </a:t>
             </a:r>
             <a:r>
               <a:rPr lang="ko-KR" altLang="en-US" dirty="0"/>
-              <a:t> 추천</a:t>
-            </a:r>
+              <a:t>은 결과가 너무 사기적이기 때문에 다른 </a:t>
+            </a:r>
+            <a:r>
+              <a:rPr lang="en-US" altLang="ko-KR" dirty="0" err="1"/>
+              <a:t>gnn</a:t>
+            </a:r>
+            <a:r>
+              <a:rPr lang="en-US" altLang="ko-KR" dirty="0"/>
+              <a:t> </a:t>
+            </a:r>
+            <a:r>
+              <a:rPr lang="ko-KR" altLang="en-US" dirty="0"/>
+              <a:t>모델에서도 </a:t>
+            </a:r>
+            <a:r>
+              <a:rPr lang="en-US" altLang="ko-KR" dirty="0"/>
+              <a:t>general</a:t>
+            </a:r>
+            <a:r>
+              <a:rPr lang="ko-KR" altLang="en-US" dirty="0"/>
+              <a:t>하게 동작하는지 검증이 필요</a:t>
+            </a:r>
+            <a:r>
+              <a:rPr lang="en-US" altLang="ko-KR" dirty="0"/>
+              <a:t>.</a:t>
+            </a:r>
+          </a:p>
+          <a:p>
+            <a:pPr marL="0" indent="0">
+              <a:buNone/>
+            </a:pPr>
             <a:endParaRPr lang="en-US" altLang="ko-KR" dirty="0"/>
           </a:p>
           <a:p>
-            <a:pPr marL="228600" indent="-228600">
-              <a:buAutoNum type="arabicPeriod"/>
+            <a:pPr marL="0" indent="0">
+              <a:buNone/>
             </a:pPr>
             <a:r>
+              <a:rPr lang="en-US" altLang="ko-KR" dirty="0"/>
+              <a:t>If </a:t>
+            </a:r>
+            <a:r>
               <a:rPr lang="ko-KR" altLang="en-US" dirty="0"/>
-              <a:t>소셜</a:t>
-            </a:r>
-            <a:endParaRPr lang="en-US" altLang="ko-KR" dirty="0"/>
-          </a:p>
-          <a:p>
-            <a:pPr marL="228600" indent="-228600">
-              <a:buAutoNum type="arabicPeriod"/>
+              <a:t>적용한다면 알아야 할 것</a:t>
+            </a:r>
+            <a:r>
+              <a:rPr lang="en-US" altLang="ko-KR" dirty="0"/>
+              <a:t>..</a:t>
+            </a:r>
+          </a:p>
+          <a:p>
+            <a:pPr marL="0" indent="0">
+              <a:buNone/>
             </a:pPr>
             <a:r>
+              <a:rPr lang="en-US" altLang="ko-KR" dirty="0" err="1"/>
+              <a:t>Pinsage</a:t>
+            </a:r>
+            <a:r>
               <a:rPr lang="ko-KR" altLang="en-US" dirty="0"/>
-              <a:t>지식 그래프</a:t>
-            </a:r>
+              <a:t>와 </a:t>
+            </a:r>
+            <a:r>
+              <a:rPr lang="en-US" altLang="ko-KR" dirty="0" err="1"/>
+              <a:t>lightGCN</a:t>
+            </a:r>
+            <a:r>
+              <a:rPr lang="en-US" altLang="ko-KR" dirty="0"/>
+              <a:t> </a:t>
+            </a:r>
+            <a:r>
+              <a:rPr lang="ko-KR" altLang="en-US" dirty="0"/>
+              <a:t>의 차이는 무엇인가</a:t>
+            </a:r>
+            <a:r>
+              <a:rPr lang="en-US" altLang="ko-KR" dirty="0"/>
+              <a:t>?</a:t>
+            </a:r>
+            <a:endParaRPr lang="ko-KR" altLang="en-US" dirty="0"/>
           </a:p>
         </p:txBody>
       </p:sp>
@@ -1109,7 +1139,7 @@
     </p:spTree>
     <p:extLst>
       <p:ext uri="{BB962C8B-B14F-4D97-AF65-F5344CB8AC3E}">
-        <p14:creationId xmlns:p14="http://schemas.microsoft.com/office/powerpoint/2010/main" val="2697507245"/>
+        <p14:creationId xmlns:p14="http://schemas.microsoft.com/office/powerpoint/2010/main" val="2252677923"/>
       </p:ext>
     </p:extLst>
   </p:cSld>
@@ -1163,29 +1193,83 @@
           <a:bodyPr/>
           <a:lstStyle/>
           <a:p>
+            <a:pPr marL="228600" indent="-228600">
+              <a:buAutoNum type="arabicPeriod"/>
+            </a:pPr>
             <a:r>
               <a:rPr lang="en-US" altLang="ko-KR" dirty="0"/>
-              <a:t>CF</a:t>
+              <a:t>Causal </a:t>
+            </a:r>
+            <a:r>
+              <a:rPr lang="en-US" altLang="ko-KR" dirty="0" err="1"/>
+              <a:t>incre</a:t>
+            </a:r>
+            <a:r>
+              <a:rPr lang="en-US" altLang="ko-KR" dirty="0"/>
+              <a:t> + </a:t>
             </a:r>
             <a:r>
               <a:rPr lang="ko-KR" altLang="en-US" dirty="0"/>
-              <a:t>는 유저와 아이템 간의 상호작용을 바탕으로 </a:t>
+              <a:t>다른 </a:t>
             </a:r>
             <a:r>
               <a:rPr lang="en-US" altLang="ko-KR" dirty="0"/>
-              <a:t>collaborative signal</a:t>
+              <a:t>GNN </a:t>
             </a:r>
             <a:r>
               <a:rPr lang="ko-KR" altLang="en-US" dirty="0"/>
-              <a:t>을 </a:t>
-            </a:r>
-            <a:r>
-              <a:rPr lang="ko-KR" altLang="en-US" dirty="0" err="1"/>
-              <a:t>캡쳐하는</a:t>
+              <a:t>모델 </a:t>
+            </a:r>
+            <a:r>
+              <a:rPr lang="en-US" altLang="ko-KR" dirty="0"/>
+              <a:t>like </a:t>
+            </a:r>
+            <a:r>
+              <a:rPr lang="en-US" altLang="ko-KR" dirty="0" err="1"/>
+              <a:t>pinsage</a:t>
+            </a:r>
+            <a:r>
+              <a:rPr lang="en-US" altLang="ko-KR" dirty="0"/>
+              <a:t> </a:t>
+            </a:r>
+          </a:p>
+          <a:p>
+            <a:pPr marL="228600" indent="-228600">
+              <a:buAutoNum type="arabicPeriod"/>
+            </a:pPr>
+            <a:endParaRPr lang="en-US" altLang="ko-KR" dirty="0"/>
+          </a:p>
+          <a:p>
+            <a:pPr marL="0" indent="0">
+              <a:buNone/>
+            </a:pPr>
+            <a:r>
+              <a:rPr lang="en-US" altLang="ko-KR" dirty="0"/>
+              <a:t>Causal </a:t>
             </a:r>
             <a:r>
               <a:rPr lang="ko-KR" altLang="en-US" dirty="0"/>
-              <a:t> 것이 핵심이다</a:t>
+              <a:t>은 결과가 너무 사기적이기 때문에 다른 </a:t>
+            </a:r>
+            <a:r>
+              <a:rPr lang="en-US" altLang="ko-KR" dirty="0" err="1"/>
+              <a:t>gnn</a:t>
+            </a:r>
+            <a:r>
+              <a:rPr lang="en-US" altLang="ko-KR" dirty="0"/>
+              <a:t> </a:t>
+            </a:r>
+            <a:r>
+              <a:rPr lang="ko-KR" altLang="en-US" dirty="0"/>
+              <a:t>모델에서도 </a:t>
+            </a:r>
+            <a:r>
+              <a:rPr lang="en-US" altLang="ko-KR" dirty="0"/>
+              <a:t>general</a:t>
+            </a:r>
+            <a:r>
+              <a:rPr lang="ko-KR" altLang="en-US" dirty="0"/>
+              <a:t>하게 동작하는지 검증이 필요</a:t>
             </a:r>
             <a:r>
               <a:rPr lang="en-US" altLang="ko-KR" dirty="0"/>
@@ -1193,137 +1277,57 @@
             </a:r>
           </a:p>
           <a:p>
+            <a:pPr marL="0" indent="0">
+              <a:buNone/>
+            </a:pPr>
             <a:endParaRPr lang="en-US" altLang="ko-KR" dirty="0"/>
           </a:p>
           <a:p>
+            <a:pPr marL="0" indent="0">
+              <a:buNone/>
+            </a:pPr>
+            <a:r>
+              <a:rPr lang="en-US" altLang="ko-KR" dirty="0"/>
+              <a:t>If </a:t>
+            </a:r>
             <a:r>
               <a:rPr lang="ko-KR" altLang="en-US" dirty="0"/>
-              <a:t>여기서는 </a:t>
-            </a:r>
-            <a:r>
-              <a:rPr lang="ko-KR" altLang="en-US" dirty="0" err="1"/>
-              <a:t>어떤식으로</a:t>
-            </a:r>
-            <a:endParaRPr lang="en-US" altLang="ko-KR" dirty="0"/>
-          </a:p>
-          <a:p>
+              <a:t>적용한다면 알아야 할 것</a:t>
+            </a:r>
             <a:r>
               <a:rPr lang="en-US" altLang="ko-KR" dirty="0"/>
-              <a:t>Graph construction</a:t>
+              <a:t>..</a:t>
+            </a:r>
+          </a:p>
+          <a:p>
+            <a:pPr marL="0" indent="0">
+              <a:buNone/>
+            </a:pPr>
+            <a:r>
+              <a:rPr lang="en-US" altLang="ko-KR" dirty="0" err="1"/>
+              <a:t>Pinsage</a:t>
             </a:r>
             <a:r>
               <a:rPr lang="ko-KR" altLang="en-US" dirty="0"/>
-              <a:t>을 어떻게 하는가</a:t>
+              <a:t>와 </a:t>
+            </a:r>
+            <a:r>
+              <a:rPr lang="en-US" altLang="ko-KR" dirty="0" err="1"/>
+              <a:t>lightGCN</a:t>
             </a:r>
             <a:r>
               <a:rPr lang="en-US" altLang="ko-KR" dirty="0"/>
-              <a:t>,</a:t>
-            </a:r>
-          </a:p>
-          <a:p>
+              <a:t> </a:t>
+            </a:r>
+            <a:r>
+              <a:rPr lang="ko-KR" altLang="en-US" dirty="0"/>
+              <a:t>의 차이는 무엇인가</a:t>
+            </a:r>
             <a:r>
               <a:rPr lang="en-US" altLang="ko-KR" dirty="0"/>
-              <a:t>Neighbor </a:t>
-            </a:r>
-            <a:r>
-              <a:rPr lang="en-US" altLang="ko-KR" dirty="0" err="1"/>
-              <a:t>agg</a:t>
-            </a:r>
-            <a:r>
-              <a:rPr lang="ko-KR" altLang="en-US" dirty="0"/>
-              <a:t>를 하는가</a:t>
-            </a:r>
-            <a:r>
-              <a:rPr lang="en-US" altLang="ko-KR" dirty="0"/>
-              <a:t>,</a:t>
-            </a:r>
-          </a:p>
-          <a:p>
-            <a:r>
-              <a:rPr lang="en-US" altLang="ko-KR" dirty="0"/>
-              <a:t>Information update</a:t>
-            </a:r>
-            <a:r>
-              <a:rPr lang="ko-KR" altLang="en-US" dirty="0"/>
-              <a:t>를 하는가</a:t>
-            </a:r>
-            <a:r>
-              <a:rPr lang="en-US" altLang="ko-KR" dirty="0"/>
-              <a:t>,</a:t>
-            </a:r>
-          </a:p>
-          <a:p>
-            <a:r>
-              <a:rPr lang="en-US" altLang="ko-KR" dirty="0"/>
-              <a:t>Final node rep</a:t>
-            </a:r>
-            <a:r>
-              <a:rPr lang="ko-KR" altLang="en-US" dirty="0"/>
-              <a:t>을 어떻게 </a:t>
-            </a:r>
-            <a:r>
-              <a:rPr lang="ko-KR" altLang="en-US" dirty="0" err="1"/>
-              <a:t>표현하는가가</a:t>
-            </a:r>
-            <a:r>
-              <a:rPr lang="ko-KR" altLang="en-US" dirty="0"/>
-              <a:t> 핵심</a:t>
-            </a:r>
-            <a:r>
-              <a:rPr lang="en-US" altLang="ko-KR" dirty="0"/>
-              <a:t>.</a:t>
-            </a:r>
-          </a:p>
-          <a:p>
-            <a:endParaRPr lang="en-US" altLang="ko-KR" dirty="0"/>
-          </a:p>
-          <a:p>
-            <a:r>
-              <a:rPr lang="en-US" altLang="ko-KR" dirty="0"/>
-              <a:t>Graph construction: </a:t>
-            </a:r>
-            <a:r>
-              <a:rPr lang="ko-KR" altLang="en-US" dirty="0"/>
-              <a:t>일단 </a:t>
-            </a:r>
-            <a:r>
-              <a:rPr lang="en-US" altLang="ko-KR" dirty="0"/>
-              <a:t>bipartite </a:t>
-            </a:r>
-            <a:r>
-              <a:rPr lang="ko-KR" altLang="en-US" dirty="0"/>
-              <a:t>그래프 </a:t>
-            </a:r>
-            <a:r>
-              <a:rPr lang="ko-KR" altLang="en-US" dirty="0" err="1"/>
-              <a:t>사용하는게</a:t>
-            </a:r>
-            <a:r>
-              <a:rPr lang="ko-KR" altLang="en-US" dirty="0"/>
-              <a:t> 젤 좋은데</a:t>
-            </a:r>
-            <a:r>
-              <a:rPr lang="en-US" altLang="ko-KR" dirty="0"/>
-              <a:t>, </a:t>
-            </a:r>
-          </a:p>
-          <a:p>
-            <a:r>
-              <a:rPr lang="en-US" altLang="ko-KR" dirty="0"/>
-              <a:t>Neighbor </a:t>
-            </a:r>
-            <a:r>
-              <a:rPr lang="en-US" altLang="ko-KR" dirty="0" err="1"/>
-              <a:t>agg</a:t>
-            </a:r>
-            <a:r>
-              <a:rPr lang="en-US" altLang="ko-KR" dirty="0"/>
-              <a:t>: </a:t>
-            </a:r>
-            <a:r>
-              <a:rPr lang="ko-KR" altLang="en-US" dirty="0"/>
-              <a:t>가장 직</a:t>
-            </a:r>
+              <a:t>?</a:t>
+            </a:r>
+            <a:endParaRPr lang="ko-KR" altLang="en-US" dirty="0"/>
           </a:p>
         </p:txBody>
       </p:sp>
@@ -1353,882 +1357,7 @@
     </p:spTree>
     <p:extLst>
       <p:ext uri="{BB962C8B-B14F-4D97-AF65-F5344CB8AC3E}">
-        <p14:creationId xmlns:p14="http://schemas.microsoft.com/office/powerpoint/2010/main" val="4254071109"/>
-      </p:ext>
-    </p:extLst>
-  </p:cSld>
-  <p:clrMapOvr>
-    <a:masterClrMapping/>
-  </p:clrMapOvr>
-</p:notes>
-</file>
-
-<file path=ppt/notesSlides/notesSlide14.xml><?xml version="1.0" encoding="utf-8"?>
-<p:notes xmlns:a="http://schemas.openxmlformats.org/drawingml/2006/main" xmlns:r="http://schemas.openxmlformats.org/officeDocument/2006/relationships" xmlns:p="http://schemas.openxmlformats.org/presentationml/2006/main">
-  <p:cSld>
-    <p:spTree>
-      <p:nvGrpSpPr>
-        <p:cNvPr id="1" name=""/>
-        <p:cNvGrpSpPr/>
-        <p:nvPr/>
-      </p:nvGrpSpPr>
-      <p:grpSpPr>
-        <a:xfrm>
-          <a:off x="0" y="0"/>
-          <a:ext cx="0" cy="0"/>
-          <a:chOff x="0" y="0"/>
-          <a:chExt cx="0" cy="0"/>
-        </a:xfrm>
-      </p:grpSpPr>
-      <p:sp>
-        <p:nvSpPr>
-          <p:cNvPr id="2" name="슬라이드 이미지 개체 틀 1"/>
-          <p:cNvSpPr>
-            <a:spLocks noGrp="1" noRot="1" noChangeAspect="1"/>
-          </p:cNvSpPr>
-          <p:nvPr>
-            <p:ph type="sldImg"/>
-          </p:nvPr>
-        </p:nvSpPr>
-        <p:spPr/>
-      </p:sp>
-      <p:sp>
-        <p:nvSpPr>
-          <p:cNvPr id="3" name="슬라이드 노트 개체 틀 2"/>
-          <p:cNvSpPr>
-            <a:spLocks noGrp="1"/>
-          </p:cNvSpPr>
-          <p:nvPr>
-            <p:ph type="body" idx="1"/>
-          </p:nvPr>
-        </p:nvSpPr>
-        <p:spPr/>
-        <p:txBody>
-          <a:bodyPr/>
-          <a:lstStyle/>
-          <a:p>
-            <a:pPr marL="228600" indent="-228600">
-              <a:buAutoNum type="arabicPeriod"/>
-            </a:pPr>
-            <a:r>
-              <a:rPr lang="en-US" altLang="ko-KR" dirty="0"/>
-              <a:t>Causal </a:t>
-            </a:r>
-            <a:r>
-              <a:rPr lang="en-US" altLang="ko-KR" dirty="0" err="1"/>
-              <a:t>incre</a:t>
-            </a:r>
-            <a:r>
-              <a:rPr lang="en-US" altLang="ko-KR" dirty="0"/>
-              <a:t> + </a:t>
-            </a:r>
-            <a:r>
-              <a:rPr lang="ko-KR" altLang="en-US" dirty="0"/>
-              <a:t>다른 </a:t>
-            </a:r>
-            <a:r>
-              <a:rPr lang="en-US" altLang="ko-KR" dirty="0"/>
-              <a:t>GNN </a:t>
-            </a:r>
-            <a:r>
-              <a:rPr lang="ko-KR" altLang="en-US" dirty="0"/>
-              <a:t>모델 </a:t>
-            </a:r>
-            <a:r>
-              <a:rPr lang="en-US" altLang="ko-KR" dirty="0"/>
-              <a:t>like </a:t>
-            </a:r>
-            <a:r>
-              <a:rPr lang="en-US" altLang="ko-KR" dirty="0" err="1"/>
-              <a:t>pinsage</a:t>
-            </a:r>
-            <a:r>
-              <a:rPr lang="en-US" altLang="ko-KR" dirty="0"/>
-              <a:t> </a:t>
-            </a:r>
-          </a:p>
-          <a:p>
-            <a:pPr marL="228600" indent="-228600">
-              <a:buAutoNum type="arabicPeriod"/>
-            </a:pPr>
-            <a:endParaRPr lang="en-US" altLang="ko-KR" dirty="0"/>
-          </a:p>
-          <a:p>
-            <a:pPr marL="0" indent="0">
-              <a:buNone/>
-            </a:pPr>
-            <a:r>
-              <a:rPr lang="en-US" altLang="ko-KR" dirty="0"/>
-              <a:t>Causal </a:t>
-            </a:r>
-            <a:r>
-              <a:rPr lang="ko-KR" altLang="en-US" dirty="0"/>
-              <a:t>은 결과가 너무 사기적이기 때문에 다른 </a:t>
-            </a:r>
-            <a:r>
-              <a:rPr lang="en-US" altLang="ko-KR" dirty="0" err="1"/>
-              <a:t>gnn</a:t>
-            </a:r>
-            <a:r>
-              <a:rPr lang="en-US" altLang="ko-KR" dirty="0"/>
-              <a:t> </a:t>
-            </a:r>
-            <a:r>
-              <a:rPr lang="ko-KR" altLang="en-US" dirty="0"/>
-              <a:t>모델에서도 </a:t>
-            </a:r>
-            <a:r>
-              <a:rPr lang="en-US" altLang="ko-KR" dirty="0"/>
-              <a:t>general</a:t>
-            </a:r>
-            <a:r>
-              <a:rPr lang="ko-KR" altLang="en-US" dirty="0"/>
-              <a:t>하게 동작하는지 검증이 필요</a:t>
-            </a:r>
-            <a:r>
-              <a:rPr lang="en-US" altLang="ko-KR" dirty="0"/>
-              <a:t>.</a:t>
-            </a:r>
-          </a:p>
-          <a:p>
-            <a:pPr marL="0" indent="0">
-              <a:buNone/>
-            </a:pPr>
-            <a:endParaRPr lang="ko-KR" altLang="en-US" dirty="0"/>
-          </a:p>
-        </p:txBody>
-      </p:sp>
-      <p:sp>
-        <p:nvSpPr>
-          <p:cNvPr id="4" name="슬라이드 번호 개체 틀 3"/>
-          <p:cNvSpPr>
-            <a:spLocks noGrp="1"/>
-          </p:cNvSpPr>
-          <p:nvPr>
-            <p:ph type="sldNum" sz="quarter" idx="5"/>
-          </p:nvPr>
-        </p:nvSpPr>
-        <p:spPr/>
-        <p:txBody>
-          <a:bodyPr/>
-          <a:lstStyle/>
-          <a:p>
-            <a:fld id="{E3508E54-26A4-461A-9177-07CC1B35B5F2}" type="slidenum">
-              <a:rPr lang="ko-KR" altLang="en-US" smtClean="0"/>
-              <a:t>15</a:t>
-            </a:fld>
-            <a:endParaRPr lang="ko-KR" altLang="en-US"/>
-          </a:p>
-        </p:txBody>
-      </p:sp>
-    </p:spTree>
-    <p:extLst>
-      <p:ext uri="{BB962C8B-B14F-4D97-AF65-F5344CB8AC3E}">
-        <p14:creationId xmlns:p14="http://schemas.microsoft.com/office/powerpoint/2010/main" val="2252677923"/>
-      </p:ext>
-    </p:extLst>
-  </p:cSld>
-  <p:clrMapOvr>
-    <a:masterClrMapping/>
-  </p:clrMapOvr>
-</p:notes>
-</file>
-
-<file path=ppt/notesSlides/notesSlide15.xml><?xml version="1.0" encoding="utf-8"?>
-<p:notes xmlns:a="http://schemas.openxmlformats.org/drawingml/2006/main" xmlns:r="http://schemas.openxmlformats.org/officeDocument/2006/relationships" xmlns:p="http://schemas.openxmlformats.org/presentationml/2006/main">
-  <p:cSld>
-    <p:spTree>
-      <p:nvGrpSpPr>
-        <p:cNvPr id="1" name=""/>
-        <p:cNvGrpSpPr/>
-        <p:nvPr/>
-      </p:nvGrpSpPr>
-      <p:grpSpPr>
-        <a:xfrm>
-          <a:off x="0" y="0"/>
-          <a:ext cx="0" cy="0"/>
-          <a:chOff x="0" y="0"/>
-          <a:chExt cx="0" cy="0"/>
-        </a:xfrm>
-      </p:grpSpPr>
-      <p:sp>
-        <p:nvSpPr>
-          <p:cNvPr id="2" name="슬라이드 이미지 개체 틀 1"/>
-          <p:cNvSpPr>
-            <a:spLocks noGrp="1" noRot="1" noChangeAspect="1"/>
-          </p:cNvSpPr>
-          <p:nvPr>
-            <p:ph type="sldImg"/>
-          </p:nvPr>
-        </p:nvSpPr>
-        <p:spPr/>
-      </p:sp>
-      <p:sp>
-        <p:nvSpPr>
-          <p:cNvPr id="3" name="슬라이드 노트 개체 틀 2"/>
-          <p:cNvSpPr>
-            <a:spLocks noGrp="1"/>
-          </p:cNvSpPr>
-          <p:nvPr>
-            <p:ph type="body" idx="1"/>
-          </p:nvPr>
-        </p:nvSpPr>
-        <p:spPr/>
-        <p:txBody>
-          <a:bodyPr/>
-          <a:lstStyle/>
-          <a:p>
-            <a:pPr marL="228600" indent="-228600">
-              <a:buAutoNum type="arabicPeriod"/>
-            </a:pPr>
-            <a:r>
-              <a:rPr lang="en-US" altLang="ko-KR" dirty="0" err="1"/>
-              <a:t>graphSAIL</a:t>
-            </a:r>
-            <a:r>
-              <a:rPr lang="ko-KR" altLang="en-US" dirty="0"/>
-              <a:t> </a:t>
-            </a:r>
-            <a:r>
-              <a:rPr lang="en-US" altLang="ko-KR" dirty="0"/>
-              <a:t>+</a:t>
-            </a:r>
-            <a:r>
-              <a:rPr lang="ko-KR" altLang="en-US" dirty="0"/>
-              <a:t> </a:t>
-            </a:r>
-            <a:r>
-              <a:rPr lang="en-US" altLang="ko-KR" dirty="0"/>
-              <a:t>memory, </a:t>
-            </a:r>
-            <a:r>
-              <a:rPr lang="en-US" altLang="ko-KR" dirty="0" err="1"/>
-              <a:t>iCaRL</a:t>
-            </a:r>
-            <a:endParaRPr lang="en-US" altLang="ko-KR" dirty="0"/>
-          </a:p>
-          <a:p>
-            <a:pPr marL="228600" indent="-228600">
-              <a:buAutoNum type="arabicPeriod"/>
-            </a:pPr>
-            <a:endParaRPr lang="en-US" altLang="ko-KR" dirty="0"/>
-          </a:p>
-          <a:p>
-            <a:pPr marL="0" indent="0">
-              <a:buNone/>
-            </a:pPr>
-            <a:r>
-              <a:rPr lang="ko-KR" altLang="en-US" dirty="0"/>
-              <a:t>현재 </a:t>
-            </a:r>
-            <a:r>
-              <a:rPr lang="en-US" altLang="ko-KR" dirty="0" err="1"/>
-              <a:t>graphSAIL</a:t>
-            </a:r>
-            <a:r>
-              <a:rPr lang="ko-KR" altLang="en-US" dirty="0"/>
-              <a:t>은 </a:t>
-            </a:r>
-            <a:r>
-              <a:rPr lang="en-US" altLang="ko-KR" dirty="0"/>
-              <a:t>KD</a:t>
-            </a:r>
-            <a:r>
-              <a:rPr lang="ko-KR" altLang="en-US" dirty="0"/>
-              <a:t>기반 </a:t>
-            </a:r>
-            <a:r>
-              <a:rPr lang="en-US" altLang="ko-KR" dirty="0"/>
-              <a:t>reg </a:t>
-            </a:r>
-            <a:r>
-              <a:rPr lang="ko-KR" altLang="en-US" dirty="0"/>
-              <a:t>방식에 집중하고 있음 여기에 </a:t>
-            </a:r>
-            <a:r>
-              <a:rPr lang="en-US" altLang="ko-KR" dirty="0"/>
-              <a:t>+memory </a:t>
-            </a:r>
-            <a:r>
-              <a:rPr lang="ko-KR" altLang="en-US" dirty="0"/>
-              <a:t>방식이 들어간다면</a:t>
-            </a:r>
-            <a:r>
-              <a:rPr lang="en-US" altLang="ko-KR" dirty="0"/>
-              <a:t>?</a:t>
-            </a:r>
-          </a:p>
-        </p:txBody>
-      </p:sp>
-      <p:sp>
-        <p:nvSpPr>
-          <p:cNvPr id="4" name="슬라이드 번호 개체 틀 3"/>
-          <p:cNvSpPr>
-            <a:spLocks noGrp="1"/>
-          </p:cNvSpPr>
-          <p:nvPr>
-            <p:ph type="sldNum" sz="quarter" idx="5"/>
-          </p:nvPr>
-        </p:nvSpPr>
-        <p:spPr/>
-        <p:txBody>
-          <a:bodyPr/>
-          <a:lstStyle/>
-          <a:p>
-            <a:fld id="{E3508E54-26A4-461A-9177-07CC1B35B5F2}" type="slidenum">
-              <a:rPr lang="ko-KR" altLang="en-US" smtClean="0"/>
-              <a:t>16</a:t>
-            </a:fld>
-            <a:endParaRPr lang="ko-KR" altLang="en-US"/>
-          </a:p>
-        </p:txBody>
-      </p:sp>
-    </p:spTree>
-    <p:extLst>
-      <p:ext uri="{BB962C8B-B14F-4D97-AF65-F5344CB8AC3E}">
-        <p14:creationId xmlns:p14="http://schemas.microsoft.com/office/powerpoint/2010/main" val="2690387154"/>
-      </p:ext>
-    </p:extLst>
-  </p:cSld>
-  <p:clrMapOvr>
-    <a:masterClrMapping/>
-  </p:clrMapOvr>
-</p:notes>
-</file>
-
-<file path=ppt/notesSlides/notesSlide16.xml><?xml version="1.0" encoding="utf-8"?>
-<p:notes xmlns:a="http://schemas.openxmlformats.org/drawingml/2006/main" xmlns:r="http://schemas.openxmlformats.org/officeDocument/2006/relationships" xmlns:p="http://schemas.openxmlformats.org/presentationml/2006/main">
-  <p:cSld>
-    <p:spTree>
-      <p:nvGrpSpPr>
-        <p:cNvPr id="1" name=""/>
-        <p:cNvGrpSpPr/>
-        <p:nvPr/>
-      </p:nvGrpSpPr>
-      <p:grpSpPr>
-        <a:xfrm>
-          <a:off x="0" y="0"/>
-          <a:ext cx="0" cy="0"/>
-          <a:chOff x="0" y="0"/>
-          <a:chExt cx="0" cy="0"/>
-        </a:xfrm>
-      </p:grpSpPr>
-      <p:sp>
-        <p:nvSpPr>
-          <p:cNvPr id="2" name="슬라이드 이미지 개체 틀 1"/>
-          <p:cNvSpPr>
-            <a:spLocks noGrp="1" noRot="1" noChangeAspect="1"/>
-          </p:cNvSpPr>
-          <p:nvPr>
-            <p:ph type="sldImg"/>
-          </p:nvPr>
-        </p:nvSpPr>
-        <p:spPr/>
-      </p:sp>
-      <p:sp>
-        <p:nvSpPr>
-          <p:cNvPr id="3" name="슬라이드 노트 개체 틀 2"/>
-          <p:cNvSpPr>
-            <a:spLocks noGrp="1"/>
-          </p:cNvSpPr>
-          <p:nvPr>
-            <p:ph type="body" idx="1"/>
-          </p:nvPr>
-        </p:nvSpPr>
-        <p:spPr/>
-        <p:txBody>
-          <a:bodyPr/>
-          <a:lstStyle/>
-          <a:p>
-            <a:pPr marL="0" marR="0" lvl="0" indent="0" algn="l" defTabSz="914400" rtl="0" eaLnBrk="1" fontAlgn="auto" latinLnBrk="1" hangingPunct="1">
-              <a:lnSpc>
-                <a:spcPct val="100000"/>
-              </a:lnSpc>
-              <a:spcBef>
-                <a:spcPts val="0"/>
-              </a:spcBef>
-              <a:spcAft>
-                <a:spcPts val="0"/>
-              </a:spcAft>
-              <a:buClrTx/>
-              <a:buSzTx/>
-              <a:buFontTx/>
-              <a:buNone/>
-              <a:tabLst/>
-              <a:defRPr/>
-            </a:pPr>
-            <a:r>
-              <a:rPr lang="en-US" altLang="ko-KR" sz="1200" dirty="0">
-                <a:solidFill>
-                  <a:schemeClr val="tx1">
-                    <a:lumMod val="85000"/>
-                    <a:lumOff val="15000"/>
-                  </a:schemeClr>
-                </a:solidFill>
-                <a:latin typeface="나눔스퀘어 ExtraBold" panose="020B0600000101010101" pitchFamily="50" charset="-127"/>
-                <a:ea typeface="나눔스퀘어 ExtraBold" panose="020B0600000101010101" pitchFamily="50" charset="-127"/>
-                <a:cs typeface="Arial" panose="020B0604020202020204" pitchFamily="34" charset="0"/>
-              </a:rPr>
-              <a:t>Lightweight Compositional Embeddings for Incremental Streaming Recommendation</a:t>
-            </a:r>
-          </a:p>
-          <a:p>
-            <a:endParaRPr lang="en-US" altLang="ko-KR" dirty="0"/>
-          </a:p>
-          <a:p>
-            <a:r>
-              <a:rPr lang="en-US" altLang="ko-KR" dirty="0"/>
-              <a:t>GNN model = ??</a:t>
-            </a:r>
-          </a:p>
-          <a:p>
-            <a:r>
-              <a:rPr lang="en-US" altLang="ko-KR" dirty="0"/>
-              <a:t>CL approach = ??</a:t>
-            </a:r>
-            <a:endParaRPr lang="ko-KR" altLang="en-US" dirty="0"/>
-          </a:p>
-        </p:txBody>
-      </p:sp>
-      <p:sp>
-        <p:nvSpPr>
-          <p:cNvPr id="4" name="슬라이드 번호 개체 틀 3"/>
-          <p:cNvSpPr>
-            <a:spLocks noGrp="1"/>
-          </p:cNvSpPr>
-          <p:nvPr>
-            <p:ph type="sldNum" sz="quarter" idx="5"/>
-          </p:nvPr>
-        </p:nvSpPr>
-        <p:spPr/>
-        <p:txBody>
-          <a:bodyPr/>
-          <a:lstStyle/>
-          <a:p>
-            <a:fld id="{E3508E54-26A4-461A-9177-07CC1B35B5F2}" type="slidenum">
-              <a:rPr lang="ko-KR" altLang="en-US" smtClean="0"/>
-              <a:t>17</a:t>
-            </a:fld>
-            <a:endParaRPr lang="ko-KR" altLang="en-US"/>
-          </a:p>
-        </p:txBody>
-      </p:sp>
-    </p:spTree>
-    <p:extLst>
-      <p:ext uri="{BB962C8B-B14F-4D97-AF65-F5344CB8AC3E}">
-        <p14:creationId xmlns:p14="http://schemas.microsoft.com/office/powerpoint/2010/main" val="3315714048"/>
-      </p:ext>
-    </p:extLst>
-  </p:cSld>
-  <p:clrMapOvr>
-    <a:masterClrMapping/>
-  </p:clrMapOvr>
-</p:notes>
-</file>
-
-<file path=ppt/notesSlides/notesSlide17.xml><?xml version="1.0" encoding="utf-8"?>
-<p:notes xmlns:a="http://schemas.openxmlformats.org/drawingml/2006/main" xmlns:r="http://schemas.openxmlformats.org/officeDocument/2006/relationships" xmlns:p="http://schemas.openxmlformats.org/presentationml/2006/main">
-  <p:cSld>
-    <p:spTree>
-      <p:nvGrpSpPr>
-        <p:cNvPr id="1" name=""/>
-        <p:cNvGrpSpPr/>
-        <p:nvPr/>
-      </p:nvGrpSpPr>
-      <p:grpSpPr>
-        <a:xfrm>
-          <a:off x="0" y="0"/>
-          <a:ext cx="0" cy="0"/>
-          <a:chOff x="0" y="0"/>
-          <a:chExt cx="0" cy="0"/>
-        </a:xfrm>
-      </p:grpSpPr>
-      <p:sp>
-        <p:nvSpPr>
-          <p:cNvPr id="2" name="슬라이드 이미지 개체 틀 1"/>
-          <p:cNvSpPr>
-            <a:spLocks noGrp="1" noRot="1" noChangeAspect="1"/>
-          </p:cNvSpPr>
-          <p:nvPr>
-            <p:ph type="sldImg"/>
-          </p:nvPr>
-        </p:nvSpPr>
-        <p:spPr/>
-      </p:sp>
-      <p:sp>
-        <p:nvSpPr>
-          <p:cNvPr id="3" name="슬라이드 노트 개체 틀 2"/>
-          <p:cNvSpPr>
-            <a:spLocks noGrp="1"/>
-          </p:cNvSpPr>
-          <p:nvPr>
-            <p:ph type="body" idx="1"/>
-          </p:nvPr>
-        </p:nvSpPr>
-        <p:spPr/>
-        <p:txBody>
-          <a:bodyPr/>
-          <a:lstStyle/>
-          <a:p>
-            <a:r>
-              <a:rPr lang="ko-KR" altLang="en-US" dirty="0" err="1"/>
-              <a:t>시퀀셜</a:t>
-            </a:r>
-            <a:r>
-              <a:rPr lang="ko-KR" altLang="en-US" dirty="0"/>
-              <a:t> 추천</a:t>
-            </a:r>
-            <a:r>
-              <a:rPr lang="en-US" altLang="ko-KR" dirty="0"/>
-              <a:t>..</a:t>
-            </a:r>
-          </a:p>
-          <a:p>
-            <a:endParaRPr lang="en-US" altLang="ko-KR" dirty="0"/>
-          </a:p>
-          <a:p>
-            <a:r>
-              <a:rPr lang="ko-KR" altLang="en-US" dirty="0" err="1"/>
-              <a:t>시퀀셜</a:t>
-            </a:r>
-            <a:r>
-              <a:rPr lang="ko-KR" altLang="en-US" dirty="0"/>
-              <a:t> 추천은 유저의 다음 행동을 예측하는 것이다</a:t>
-            </a:r>
-            <a:r>
-              <a:rPr lang="en-US" altLang="ko-KR" dirty="0"/>
-              <a:t>.</a:t>
-            </a:r>
-          </a:p>
-          <a:p>
-            <a:endParaRPr lang="en-US" altLang="ko-KR" dirty="0"/>
-          </a:p>
-          <a:p>
-            <a:r>
-              <a:rPr lang="ko-KR" altLang="en-US" dirty="0"/>
-              <a:t>여기서 </a:t>
-            </a:r>
-            <a:r>
-              <a:rPr lang="ko-KR" altLang="en-US" dirty="0" err="1"/>
-              <a:t>다뤄야할</a:t>
-            </a:r>
-            <a:r>
-              <a:rPr lang="ko-KR" altLang="en-US" dirty="0"/>
-              <a:t> 내용은</a:t>
-            </a:r>
-            <a:r>
-              <a:rPr lang="en-US" altLang="ko-KR" dirty="0"/>
-              <a:t>..</a:t>
-            </a:r>
-          </a:p>
-          <a:p>
-            <a:r>
-              <a:rPr lang="en-US" altLang="ko-KR" dirty="0"/>
-              <a:t>Graph construction: GNN</a:t>
-            </a:r>
-            <a:r>
-              <a:rPr lang="ko-KR" altLang="en-US" dirty="0"/>
-              <a:t>에 </a:t>
-            </a:r>
-            <a:r>
-              <a:rPr lang="ko-KR" altLang="en-US" dirty="0" err="1"/>
-              <a:t>시퀀셜</a:t>
-            </a:r>
-            <a:r>
-              <a:rPr lang="ko-KR" altLang="en-US" dirty="0"/>
-              <a:t> 추천을 적용하기 위해서는</a:t>
-            </a:r>
-            <a:r>
-              <a:rPr lang="en-US" altLang="ko-KR" dirty="0"/>
-              <a:t>, </a:t>
-            </a:r>
-            <a:r>
-              <a:rPr lang="ko-KR" altLang="en-US" dirty="0" err="1"/>
-              <a:t>시퀀셜</a:t>
-            </a:r>
-            <a:r>
-              <a:rPr lang="ko-KR" altLang="en-US" dirty="0"/>
-              <a:t> 데이터가 </a:t>
-            </a:r>
-            <a:r>
-              <a:rPr lang="ko-KR" altLang="en-US" dirty="0" err="1"/>
-              <a:t>시퀀셜</a:t>
-            </a:r>
-            <a:r>
-              <a:rPr lang="ko-KR" altLang="en-US" dirty="0"/>
-              <a:t> 그래프 형태로 바뀌어야 한다</a:t>
-            </a:r>
-            <a:r>
-              <a:rPr lang="en-US" altLang="ko-KR" dirty="0"/>
-              <a:t>. </a:t>
-            </a:r>
-            <a:r>
-              <a:rPr lang="ko-KR" altLang="en-US" dirty="0"/>
-              <a:t>서브 그래프가 충분히 형성 되었는지</a:t>
-            </a:r>
-            <a:r>
-              <a:rPr lang="en-US" altLang="ko-KR" dirty="0"/>
-              <a:t>, .. </a:t>
-            </a:r>
-            <a:r>
-              <a:rPr lang="ko-KR" altLang="en-US" dirty="0"/>
-              <a:t>뭐 그래프를 </a:t>
-            </a:r>
-            <a:r>
-              <a:rPr lang="ko-KR" altLang="en-US" dirty="0" err="1"/>
-              <a:t>어떤식으로</a:t>
-            </a:r>
-            <a:r>
-              <a:rPr lang="ko-KR" altLang="en-US" dirty="0"/>
-              <a:t> </a:t>
-            </a:r>
-            <a:r>
-              <a:rPr lang="ko-KR" altLang="en-US" dirty="0" err="1"/>
-              <a:t>구성할거냐</a:t>
-            </a:r>
-            <a:r>
-              <a:rPr lang="ko-KR" altLang="en-US" dirty="0"/>
-              <a:t> 이런 것들임</a:t>
-            </a:r>
-            <a:r>
-              <a:rPr lang="en-US" altLang="ko-KR" dirty="0"/>
-              <a:t>.</a:t>
-            </a:r>
-          </a:p>
-          <a:p>
-            <a:r>
-              <a:rPr lang="en-US" altLang="ko-KR" dirty="0"/>
-              <a:t>Information propagation: </a:t>
-            </a:r>
-            <a:r>
-              <a:rPr lang="ko-KR" altLang="en-US" dirty="0"/>
-              <a:t>변화 패턴을 </a:t>
-            </a:r>
-            <a:r>
-              <a:rPr lang="ko-KR" altLang="en-US" dirty="0" err="1"/>
-              <a:t>캡쳐하기</a:t>
-            </a:r>
-            <a:r>
-              <a:rPr lang="ko-KR" altLang="en-US" dirty="0"/>
-              <a:t> 위해서는</a:t>
-            </a:r>
-            <a:r>
-              <a:rPr lang="en-US" altLang="ko-KR" dirty="0"/>
-              <a:t>, </a:t>
-            </a:r>
-            <a:r>
-              <a:rPr lang="ko-KR" altLang="en-US" dirty="0"/>
-              <a:t>어떤 </a:t>
-            </a:r>
-            <a:r>
-              <a:rPr lang="en-US" altLang="ko-KR" dirty="0"/>
-              <a:t>propagation </a:t>
-            </a:r>
-            <a:r>
-              <a:rPr lang="ko-KR" altLang="en-US" dirty="0" err="1"/>
-              <a:t>매커니즘이</a:t>
-            </a:r>
-            <a:r>
-              <a:rPr lang="ko-KR" altLang="en-US" dirty="0"/>
-              <a:t> 적절한지</a:t>
-            </a:r>
-            <a:r>
-              <a:rPr lang="en-US" altLang="ko-KR" dirty="0"/>
-              <a:t> </a:t>
-            </a:r>
-            <a:r>
-              <a:rPr lang="ko-KR" altLang="en-US" dirty="0" err="1"/>
-              <a:t>고민해야한다</a:t>
-            </a:r>
-            <a:r>
-              <a:rPr lang="en-US" altLang="ko-KR" dirty="0"/>
-              <a:t>.</a:t>
-            </a:r>
-          </a:p>
-          <a:p>
-            <a:r>
-              <a:rPr lang="en-US" altLang="ko-KR" dirty="0"/>
-              <a:t>Sequential preference: </a:t>
-            </a:r>
-            <a:r>
-              <a:rPr lang="ko-KR" altLang="en-US" dirty="0"/>
-              <a:t>유저의 일시적인 선호도를 알기 위해서는 시퀀스가 통합되어야 한다</a:t>
-            </a:r>
-            <a:r>
-              <a:rPr lang="en-US" altLang="ko-KR" dirty="0"/>
-              <a:t>… </a:t>
-            </a:r>
-            <a:r>
-              <a:rPr lang="ko-KR" altLang="en-US" dirty="0" err="1"/>
-              <a:t>어텐션</a:t>
-            </a:r>
-            <a:r>
-              <a:rPr lang="ko-KR" altLang="en-US" dirty="0"/>
-              <a:t> </a:t>
-            </a:r>
-            <a:r>
-              <a:rPr lang="ko-KR" altLang="en-US" dirty="0" err="1"/>
-              <a:t>풀링을</a:t>
-            </a:r>
-            <a:r>
-              <a:rPr lang="ko-KR" altLang="en-US" dirty="0"/>
-              <a:t> </a:t>
-            </a:r>
-            <a:r>
-              <a:rPr lang="ko-KR" altLang="en-US" dirty="0" err="1"/>
-              <a:t>적용할거냐</a:t>
-            </a:r>
-            <a:r>
-              <a:rPr lang="en-US" altLang="ko-KR" dirty="0"/>
-              <a:t>, RNN </a:t>
-            </a:r>
-            <a:r>
-              <a:rPr lang="ko-KR" altLang="en-US" dirty="0"/>
-              <a:t>구조를 </a:t>
-            </a:r>
-            <a:r>
-              <a:rPr lang="ko-KR" altLang="en-US" dirty="0" err="1"/>
-              <a:t>가져올거냐</a:t>
-            </a:r>
-            <a:r>
-              <a:rPr lang="en-US" altLang="ko-KR" dirty="0"/>
-              <a:t>.. </a:t>
-            </a:r>
-            <a:r>
-              <a:rPr lang="ko-KR" altLang="en-US" dirty="0"/>
-              <a:t>뭐 이런 것들 </a:t>
-            </a:r>
-            <a:r>
-              <a:rPr lang="ko-KR" altLang="en-US" dirty="0" err="1"/>
-              <a:t>고민해야한다</a:t>
-            </a:r>
-            <a:r>
-              <a:rPr lang="en-US" altLang="ko-KR" dirty="0"/>
-              <a:t>.</a:t>
-            </a:r>
-            <a:endParaRPr lang="ko-KR" altLang="en-US" dirty="0"/>
-          </a:p>
-        </p:txBody>
-      </p:sp>
-      <p:sp>
-        <p:nvSpPr>
-          <p:cNvPr id="4" name="슬라이드 번호 개체 틀 3"/>
-          <p:cNvSpPr>
-            <a:spLocks noGrp="1"/>
-          </p:cNvSpPr>
-          <p:nvPr>
-            <p:ph type="sldNum" sz="quarter" idx="5"/>
-          </p:nvPr>
-        </p:nvSpPr>
-        <p:spPr/>
-        <p:txBody>
-          <a:bodyPr/>
-          <a:lstStyle/>
-          <a:p>
-            <a:fld id="{E3508E54-26A4-461A-9177-07CC1B35B5F2}" type="slidenum">
-              <a:rPr lang="ko-KR" altLang="en-US" smtClean="0"/>
-              <a:t>18</a:t>
-            </a:fld>
-            <a:endParaRPr lang="ko-KR" altLang="en-US"/>
-          </a:p>
-        </p:txBody>
-      </p:sp>
-    </p:spTree>
-    <p:extLst>
-      <p:ext uri="{BB962C8B-B14F-4D97-AF65-F5344CB8AC3E}">
-        <p14:creationId xmlns:p14="http://schemas.microsoft.com/office/powerpoint/2010/main" val="847534499"/>
-      </p:ext>
-    </p:extLst>
-  </p:cSld>
-  <p:clrMapOvr>
-    <a:masterClrMapping/>
-  </p:clrMapOvr>
-</p:notes>
-</file>
-
-<file path=ppt/notesSlides/notesSlide18.xml><?xml version="1.0" encoding="utf-8"?>
-<p:notes xmlns:a="http://schemas.openxmlformats.org/drawingml/2006/main" xmlns:r="http://schemas.openxmlformats.org/officeDocument/2006/relationships" xmlns:p="http://schemas.openxmlformats.org/presentationml/2006/main">
-  <p:cSld>
-    <p:spTree>
-      <p:nvGrpSpPr>
-        <p:cNvPr id="1" name=""/>
-        <p:cNvGrpSpPr/>
-        <p:nvPr/>
-      </p:nvGrpSpPr>
-      <p:grpSpPr>
-        <a:xfrm>
-          <a:off x="0" y="0"/>
-          <a:ext cx="0" cy="0"/>
-          <a:chOff x="0" y="0"/>
-          <a:chExt cx="0" cy="0"/>
-        </a:xfrm>
-      </p:grpSpPr>
-      <p:sp>
-        <p:nvSpPr>
-          <p:cNvPr id="2" name="슬라이드 이미지 개체 틀 1"/>
-          <p:cNvSpPr>
-            <a:spLocks noGrp="1" noRot="1" noChangeAspect="1"/>
-          </p:cNvSpPr>
-          <p:nvPr>
-            <p:ph type="sldImg"/>
-          </p:nvPr>
-        </p:nvSpPr>
-        <p:spPr/>
-      </p:sp>
-      <p:sp>
-        <p:nvSpPr>
-          <p:cNvPr id="3" name="슬라이드 노트 개체 틀 2"/>
-          <p:cNvSpPr>
-            <a:spLocks noGrp="1"/>
-          </p:cNvSpPr>
-          <p:nvPr>
-            <p:ph type="body" idx="1"/>
-          </p:nvPr>
-        </p:nvSpPr>
-        <p:spPr/>
-        <p:txBody>
-          <a:bodyPr/>
-          <a:lstStyle/>
-          <a:p>
-            <a:r>
-              <a:rPr lang="ko-KR" altLang="en-US" dirty="0"/>
-              <a:t>소셜 추천에서는 </a:t>
-            </a:r>
-            <a:r>
-              <a:rPr lang="en-US" altLang="ko-KR" dirty="0"/>
-              <a:t>..</a:t>
-            </a:r>
-            <a:endParaRPr lang="ko-KR" altLang="en-US" dirty="0"/>
-          </a:p>
-        </p:txBody>
-      </p:sp>
-      <p:sp>
-        <p:nvSpPr>
-          <p:cNvPr id="4" name="슬라이드 번호 개체 틀 3"/>
-          <p:cNvSpPr>
-            <a:spLocks noGrp="1"/>
-          </p:cNvSpPr>
-          <p:nvPr>
-            <p:ph type="sldNum" sz="quarter" idx="5"/>
-          </p:nvPr>
-        </p:nvSpPr>
-        <p:spPr/>
-        <p:txBody>
-          <a:bodyPr/>
-          <a:lstStyle/>
-          <a:p>
-            <a:fld id="{E3508E54-26A4-461A-9177-07CC1B35B5F2}" type="slidenum">
-              <a:rPr lang="ko-KR" altLang="en-US" smtClean="0"/>
-              <a:t>19</a:t>
-            </a:fld>
-            <a:endParaRPr lang="ko-KR" altLang="en-US"/>
-          </a:p>
-        </p:txBody>
-      </p:sp>
-    </p:spTree>
-    <p:extLst>
-      <p:ext uri="{BB962C8B-B14F-4D97-AF65-F5344CB8AC3E}">
-        <p14:creationId xmlns:p14="http://schemas.microsoft.com/office/powerpoint/2010/main" val="1317719380"/>
+        <p14:creationId xmlns:p14="http://schemas.microsoft.com/office/powerpoint/2010/main" val="4201723511"/>
       </p:ext>
     </p:extLst>
   </p:cSld>
@@ -2936,7 +2065,35 @@
           <a:bodyPr/>
           <a:lstStyle/>
           <a:p>
-            <a:endParaRPr lang="ko-KR" altLang="en-US" dirty="0"/>
+            <a:r>
+              <a:rPr lang="ko-KR" altLang="en-US" dirty="0"/>
+              <a:t>리허설 기반 접근법</a:t>
+            </a:r>
+            <a:r>
+              <a:rPr lang="en-US" altLang="ko-KR" dirty="0"/>
+              <a:t>.</a:t>
+            </a:r>
+          </a:p>
+          <a:p>
+            <a:endParaRPr lang="en-US" altLang="ko-KR" dirty="0"/>
+          </a:p>
+          <a:p>
+            <a:r>
+              <a:rPr lang="ko-KR" altLang="en-US" dirty="0"/>
+              <a:t>리허설 방식은 이전 태스크의 중요한 정보를 가지고 있는 샘플을 메모리에 저장하고 있다가 </a:t>
+            </a:r>
+            <a:r>
+              <a:rPr lang="ko-KR" altLang="en-US" dirty="0" err="1"/>
+              <a:t>재훈련할</a:t>
+            </a:r>
+            <a:r>
+              <a:rPr lang="ko-KR" altLang="en-US" dirty="0"/>
+              <a:t> 때 사용하는 방식이다</a:t>
+            </a:r>
+            <a:r>
+              <a:rPr lang="en-US" altLang="ko-KR" dirty="0"/>
+              <a:t>.</a:t>
+            </a:r>
           </a:p>
         </p:txBody>
       </p:sp>
@@ -2966,7 +2123,7 @@
     </p:spTree>
     <p:extLst>
       <p:ext uri="{BB962C8B-B14F-4D97-AF65-F5344CB8AC3E}">
-        <p14:creationId xmlns:p14="http://schemas.microsoft.com/office/powerpoint/2010/main" val="2169219223"/>
+        <p14:creationId xmlns:p14="http://schemas.microsoft.com/office/powerpoint/2010/main" val="143300434"/>
       </p:ext>
     </p:extLst>
   </p:cSld>
@@ -3021,8 +2178,61 @@
           <a:lstStyle/>
           <a:p>
             <a:r>
+              <a:rPr lang="en-US" altLang="ko-KR" dirty="0"/>
+              <a:t>ER-GNN</a:t>
+            </a:r>
+          </a:p>
+          <a:p>
+            <a:endParaRPr lang="en-US" altLang="ko-KR" dirty="0"/>
+          </a:p>
+          <a:p>
+            <a:r>
+              <a:rPr lang="en-US" altLang="ko-KR" dirty="0"/>
+              <a:t>experience</a:t>
+            </a:r>
+            <a:r>
               <a:rPr lang="ko-KR" altLang="en-US" dirty="0"/>
-              <a:t>리허설 기반 접근법</a:t>
+              <a:t>로서 이전 </a:t>
+            </a:r>
+            <a:r>
+              <a:rPr lang="en-US" altLang="ko-KR" dirty="0"/>
+              <a:t>task</a:t>
+            </a:r>
+            <a:r>
+              <a:rPr lang="ko-KR" altLang="en-US" dirty="0"/>
+              <a:t>으로 부터 </a:t>
+            </a:r>
+            <a:r>
+              <a:rPr lang="en-US" altLang="ko-KR" dirty="0"/>
+              <a:t>knowledge</a:t>
+            </a:r>
+            <a:r>
+              <a:rPr lang="ko-KR" altLang="en-US" dirty="0"/>
+              <a:t>를 저장하고</a:t>
+            </a:r>
+            <a:r>
+              <a:rPr lang="en-US" altLang="ko-KR" dirty="0"/>
+              <a:t>, new task</a:t>
+            </a:r>
+            <a:r>
+              <a:rPr lang="ko-KR" altLang="en-US" dirty="0"/>
+              <a:t>를 </a:t>
+            </a:r>
+            <a:r>
+              <a:rPr lang="en-US" altLang="ko-KR" dirty="0"/>
+              <a:t>learning</a:t>
+            </a:r>
+            <a:r>
+              <a:rPr lang="ko-KR" altLang="en-US" dirty="0"/>
+              <a:t>할 때 </a:t>
+            </a:r>
+            <a:r>
+              <a:rPr lang="en-US" altLang="ko-KR" dirty="0"/>
+              <a:t>repla</a:t>
+            </a:r>
+            <a:r>
+              <a:rPr lang="ko-KR" altLang="en-US" dirty="0"/>
+              <a:t>한다</a:t>
             </a:r>
             <a:r>
               <a:rPr lang="en-US" altLang="ko-KR" dirty="0"/>
@@ -3030,25 +2240,33 @@
             </a:r>
           </a:p>
           <a:p>
-            <a:endParaRPr lang="en-US" altLang="ko-KR" dirty="0"/>
-          </a:p>
-          <a:p>
             <a:r>
               <a:rPr lang="ko-KR" altLang="en-US" dirty="0"/>
-              <a:t>리허설 방식은 이전 태스크의 중요한 정보를 가지고 있는 샘플을 메모리에 저장하고 있다가 </a:t>
-            </a:r>
-            <a:r>
-              <a:rPr lang="ko-KR" altLang="en-US" dirty="0" err="1"/>
-              <a:t>재훈련할</a:t>
+              <a:t>이렇게 </a:t>
+            </a:r>
+            <a:r>
+              <a:rPr lang="en-US" altLang="ko-KR" dirty="0"/>
+              <a:t>experience</a:t>
             </a:r>
             <a:r>
               <a:rPr lang="ko-KR" altLang="en-US" dirty="0"/>
-              <a:t> 때 사용하는 방식이다</a:t>
+              <a:t>로 사용할 노드를 선택하는 </a:t>
+            </a:r>
+            <a:r>
+              <a:rPr lang="en-US" altLang="ko-KR" dirty="0"/>
+              <a:t>3</a:t>
+            </a:r>
+            <a:r>
+              <a:rPr lang="ko-KR" altLang="en-US" dirty="0"/>
+              <a:t>가지 방법이 있다</a:t>
             </a:r>
             <a:r>
               <a:rPr lang="en-US" altLang="ko-KR" dirty="0"/>
               <a:t>.</a:t>
             </a:r>
+          </a:p>
+          <a:p>
+            <a:endParaRPr lang="en-US" altLang="ko-KR" dirty="0"/>
           </a:p>
         </p:txBody>
       </p:sp>
@@ -3078,7 +2296,7 @@
     </p:spTree>
     <p:extLst>
       <p:ext uri="{BB962C8B-B14F-4D97-AF65-F5344CB8AC3E}">
-        <p14:creationId xmlns:p14="http://schemas.microsoft.com/office/powerpoint/2010/main" val="143300434"/>
+        <p14:creationId xmlns:p14="http://schemas.microsoft.com/office/powerpoint/2010/main" val="388947896"/>
       </p:ext>
     </p:extLst>
   </p:cSld>
@@ -3134,7 +2352,7 @@
           <a:p>
             <a:r>
               <a:rPr lang="en-US" altLang="ko-KR" dirty="0"/>
-              <a:t>ER-GNN</a:t>
+              <a:t>Lifelong open world node classification</a:t>
             </a:r>
           </a:p>
           <a:p>
@@ -3142,12 +2360,16 @@
           </a:p>
           <a:p>
             <a:r>
+              <a:rPr lang="ko-KR" altLang="en-US" dirty="0"/>
+              <a:t>모델이 시퀀스한 태스크를 마주하게 되고</a:t>
+            </a:r>
+            <a:r>
               <a:rPr lang="en-US" altLang="ko-KR" dirty="0"/>
-              <a:t>experience</a:t>
+              <a:t>, </a:t>
             </a:r>
             <a:r>
               <a:rPr lang="ko-KR" altLang="en-US" dirty="0"/>
-              <a:t>로서 이전 </a:t>
+              <a:t>과거 </a:t>
             </a:r>
             <a:r>
               <a:rPr lang="en-US" altLang="ko-KR" dirty="0"/>
@@ -3155,39 +2377,7 @@
             </a:r>
             <a:r>
               <a:rPr lang="ko-KR" altLang="en-US" dirty="0"/>
-              <a:t>으로 부터 </a:t>
-            </a:r>
-            <a:r>
-              <a:rPr lang="en-US" altLang="ko-KR" dirty="0"/>
-              <a:t>knowledge</a:t>
-            </a:r>
-            <a:r>
-              <a:rPr lang="ko-KR" altLang="en-US" dirty="0"/>
-              <a:t>를 저장하고</a:t>
-            </a:r>
-            <a:r>
-              <a:rPr lang="en-US" altLang="ko-KR" dirty="0"/>
-              <a:t>, new task</a:t>
-            </a:r>
-            <a:r>
-              <a:rPr lang="ko-KR" altLang="en-US" dirty="0"/>
-              <a:t>를 </a:t>
-            </a:r>
-            <a:r>
-              <a:rPr lang="en-US" altLang="ko-KR" dirty="0"/>
-              <a:t>learning</a:t>
-            </a:r>
-            <a:r>
-              <a:rPr lang="ko-KR" altLang="en-US" dirty="0"/>
-              <a:t>할 때 </a:t>
-            </a:r>
-            <a:r>
-              <a:rPr lang="en-US" altLang="ko-KR" dirty="0"/>
-              <a:t>repla</a:t>
-            </a:r>
-            <a:r>
-              <a:rPr lang="ko-KR" altLang="en-US" dirty="0"/>
-              <a:t>한다</a:t>
+              <a:t>에서 습득한 지식을 이어받을 수 있다</a:t>
             </a:r>
             <a:r>
               <a:rPr lang="en-US" altLang="ko-KR" dirty="0"/>
@@ -3197,23 +2387,15 @@
           <a:p>
             <a:r>
               <a:rPr lang="ko-KR" altLang="en-US" dirty="0"/>
-              <a:t>이렇게 </a:t>
+              <a:t>그런 지식은 과거 데이터 형태로 저장되거나</a:t>
             </a:r>
             <a:r>
               <a:rPr lang="en-US" altLang="ko-KR" dirty="0"/>
-              <a:t>experience</a:t>
+              <a:t>, </a:t>
             </a:r>
             <a:r>
               <a:rPr lang="ko-KR" altLang="en-US" dirty="0"/>
-              <a:t>로 사용할 노드를 선택하는 </a:t>
-            </a:r>
-            <a:r>
-              <a:rPr lang="en-US" altLang="ko-KR" dirty="0"/>
-              <a:t>3</a:t>
-            </a:r>
-            <a:r>
-              <a:rPr lang="ko-KR" altLang="en-US" dirty="0"/>
-              <a:t>가지 방법이 있다</a:t>
+              <a:t>모델 파라미터로서 간접적으로 저장될 수 있다</a:t>
             </a:r>
             <a:r>
               <a:rPr lang="en-US" altLang="ko-KR" dirty="0"/>
@@ -3222,6 +2404,32 @@
           </a:p>
           <a:p>
             <a:endParaRPr lang="en-US" altLang="ko-KR" dirty="0"/>
+          </a:p>
+          <a:p>
+            <a:r>
+              <a:rPr lang="ko-KR" altLang="en-US" dirty="0"/>
+              <a:t>여기서는 과거 데이터와 차이를 줄이기 위해 </a:t>
+            </a:r>
+            <a:r>
+              <a:rPr lang="en-US" altLang="ko-KR" dirty="0"/>
+              <a:t>k-</a:t>
+            </a:r>
+            <a:r>
+              <a:rPr lang="ko-KR" altLang="en-US" dirty="0"/>
+              <a:t>이웃 </a:t>
+            </a:r>
+            <a:r>
+              <a:rPr lang="en-US" altLang="ko-KR" dirty="0"/>
+              <a:t>time difference</a:t>
+            </a:r>
+            <a:r>
+              <a:rPr lang="ko-KR" altLang="en-US" dirty="0"/>
+              <a:t>를 기반으로 한 새로운 측정법을 제시한다</a:t>
+            </a:r>
+            <a:r>
+              <a:rPr lang="en-US" altLang="ko-KR" dirty="0"/>
+              <a:t>.</a:t>
+            </a:r>
           </a:p>
         </p:txBody>
       </p:sp>
@@ -3251,7 +2459,7 @@
     </p:spTree>
     <p:extLst>
       <p:ext uri="{BB962C8B-B14F-4D97-AF65-F5344CB8AC3E}">
-        <p14:creationId xmlns:p14="http://schemas.microsoft.com/office/powerpoint/2010/main" val="388947896"/>
+        <p14:creationId xmlns:p14="http://schemas.microsoft.com/office/powerpoint/2010/main" val="2451463444"/>
       </p:ext>
     </p:extLst>
   </p:cSld>
@@ -7663,11 +6871,11 @@
                 <a:ea typeface="나눔스퀘어 ExtraBold" panose="020B0600000101010101" pitchFamily="50" charset="-127"/>
                 <a:cs typeface="Arial" panose="020B0604020202020204" pitchFamily="34" charset="0"/>
               </a:rPr>
-              <a:t>ER-GNN (Experience Replay GNN Framework)</a:t>
-            </a:r>
-          </a:p>
-          <a:p>
-            <a:pPr marL="432000" indent="-432000">
+              <a:t>Lifelong Open-world node classification</a:t>
+            </a:r>
+          </a:p>
+          <a:p>
+            <a:pPr marL="889200" lvl="1" indent="-432000">
               <a:lnSpc>
                 <a:spcPct val="100000"/>
               </a:lnSpc>
@@ -7689,11 +6897,106 @@
                 <a:ea typeface="나눔스퀘어 ExtraBold" panose="020B0600000101010101" pitchFamily="50" charset="-127"/>
                 <a:cs typeface="Arial" panose="020B0604020202020204" pitchFamily="34" charset="0"/>
               </a:rPr>
-              <a:t>ER-GNN stores knowledge from previous tasks as experiences and replays them when learning new tasks to mitigate the catastrophic forgetting issue</a:t>
-            </a:r>
-          </a:p>
-          <a:p>
-            <a:pPr marL="432000" indent="-432000">
+              <a:t>Used GNN model = </a:t>
+            </a:r>
+            <a:r>
+              <a:rPr lang="en-US" altLang="ko-KR" sz="2000" b="1" dirty="0">
+                <a:solidFill>
+                  <a:schemeClr val="tx1">
+                    <a:lumMod val="85000"/>
+                    <a:lumOff val="15000"/>
+                  </a:schemeClr>
+                </a:solidFill>
+                <a:latin typeface="나눔스퀘어 ExtraBold" panose="020B0600000101010101" pitchFamily="50" charset="-127"/>
+                <a:ea typeface="나눔스퀘어 ExtraBold" panose="020B0600000101010101" pitchFamily="50" charset="-127"/>
+                <a:cs typeface="Arial" panose="020B0604020202020204" pitchFamily="34" charset="0"/>
+              </a:rPr>
+              <a:t>GAT, </a:t>
+            </a:r>
+            <a:r>
+              <a:rPr lang="en-US" altLang="ko-KR" sz="2000" b="1" dirty="0" err="1">
+                <a:solidFill>
+                  <a:schemeClr val="tx1">
+                    <a:lumMod val="85000"/>
+                    <a:lumOff val="15000"/>
+                  </a:schemeClr>
+                </a:solidFill>
+                <a:latin typeface="나눔스퀘어 ExtraBold" panose="020B0600000101010101" pitchFamily="50" charset="-127"/>
+                <a:ea typeface="나눔스퀘어 ExtraBold" panose="020B0600000101010101" pitchFamily="50" charset="-127"/>
+                <a:cs typeface="Arial" panose="020B0604020202020204" pitchFamily="34" charset="0"/>
+              </a:rPr>
+              <a:t>GraphSAGE</a:t>
+            </a:r>
+            <a:r>
+              <a:rPr lang="en-US" altLang="ko-KR" sz="2000" b="1" dirty="0">
+                <a:solidFill>
+                  <a:schemeClr val="tx1">
+                    <a:lumMod val="85000"/>
+                    <a:lumOff val="15000"/>
+                  </a:schemeClr>
+                </a:solidFill>
+                <a:latin typeface="나눔스퀘어 ExtraBold" panose="020B0600000101010101" pitchFamily="50" charset="-127"/>
+                <a:ea typeface="나눔스퀘어 ExtraBold" panose="020B0600000101010101" pitchFamily="50" charset="-127"/>
+                <a:cs typeface="Arial" panose="020B0604020202020204" pitchFamily="34" charset="0"/>
+              </a:rPr>
+              <a:t>-Mean, GCN, </a:t>
+            </a:r>
+            <a:r>
+              <a:rPr lang="en-US" altLang="ko-KR" sz="2000" b="1" dirty="0" err="1">
+                <a:solidFill>
+                  <a:schemeClr val="tx1">
+                    <a:lumMod val="85000"/>
+                    <a:lumOff val="15000"/>
+                  </a:schemeClr>
+                </a:solidFill>
+                <a:latin typeface="나눔스퀘어 ExtraBold" panose="020B0600000101010101" pitchFamily="50" charset="-127"/>
+                <a:ea typeface="나눔스퀘어 ExtraBold" panose="020B0600000101010101" pitchFamily="50" charset="-127"/>
+                <a:cs typeface="Arial" panose="020B0604020202020204" pitchFamily="34" charset="0"/>
+              </a:rPr>
+              <a:t>GraphSAINT</a:t>
+            </a:r>
+            <a:r>
+              <a:rPr lang="en-US" altLang="ko-KR" sz="2000" b="1" dirty="0">
+                <a:solidFill>
+                  <a:schemeClr val="tx1">
+                    <a:lumMod val="85000"/>
+                    <a:lumOff val="15000"/>
+                  </a:schemeClr>
+                </a:solidFill>
+                <a:latin typeface="나눔스퀘어 ExtraBold" panose="020B0600000101010101" pitchFamily="50" charset="-127"/>
+                <a:ea typeface="나눔스퀘어 ExtraBold" panose="020B0600000101010101" pitchFamily="50" charset="-127"/>
+                <a:cs typeface="Arial" panose="020B0604020202020204" pitchFamily="34" charset="0"/>
+              </a:rPr>
+              <a:t>, </a:t>
+            </a:r>
+            <a:r>
+              <a:rPr lang="en-US" altLang="ko-KR" sz="2000" b="1" dirty="0" err="1">
+                <a:solidFill>
+                  <a:schemeClr val="tx1">
+                    <a:lumMod val="85000"/>
+                    <a:lumOff val="15000"/>
+                  </a:schemeClr>
+                </a:solidFill>
+                <a:latin typeface="나눔스퀘어 ExtraBold" panose="020B0600000101010101" pitchFamily="50" charset="-127"/>
+                <a:ea typeface="나눔스퀘어 ExtraBold" panose="020B0600000101010101" pitchFamily="50" charset="-127"/>
+                <a:cs typeface="Arial" panose="020B0604020202020204" pitchFamily="34" charset="0"/>
+              </a:rPr>
+              <a:t>JKNets</a:t>
+            </a:r>
+            <a:endParaRPr lang="en-US" altLang="ko-KR" sz="1800" b="1" dirty="0">
+              <a:solidFill>
+                <a:schemeClr val="tx1">
+                  <a:lumMod val="85000"/>
+                  <a:lumOff val="15000"/>
+                </a:schemeClr>
+              </a:solidFill>
+              <a:latin typeface="나눔스퀘어 ExtraBold" panose="020B0600000101010101" pitchFamily="50" charset="-127"/>
+              <a:ea typeface="나눔스퀘어 ExtraBold" panose="020B0600000101010101" pitchFamily="50" charset="-127"/>
+              <a:cs typeface="Arial" panose="020B0604020202020204" pitchFamily="34" charset="0"/>
+            </a:endParaRPr>
+          </a:p>
+          <a:p>
+            <a:pPr marL="889200" lvl="1" indent="-432000">
               <a:lnSpc>
                 <a:spcPct val="100000"/>
               </a:lnSpc>
@@ -7715,7 +7018,59 @@
                 <a:ea typeface="나눔스퀘어 ExtraBold" panose="020B0600000101010101" pitchFamily="50" charset="-127"/>
                 <a:cs typeface="Arial" panose="020B0604020202020204" pitchFamily="34" charset="0"/>
               </a:rPr>
-              <a:t>three experience node selection strategies: </a:t>
+              <a:t>A model faces a sequence of tasks and may take over knowledge acquired in past tasks</a:t>
+            </a:r>
+          </a:p>
+          <a:p>
+            <a:pPr marL="889200" lvl="1" indent="-432000">
+              <a:lnSpc>
+                <a:spcPct val="100000"/>
+              </a:lnSpc>
+              <a:buClr>
+                <a:srgbClr val="004F9E"/>
+              </a:buClr>
+              <a:buFont typeface="Wingdings" panose="05000000000000000000" pitchFamily="2" charset="2"/>
+              <a:buChar char="§"/>
+            </a:pPr>
+            <a:r>
+              <a:rPr lang="en-US" altLang="ko-KR" sz="2000" dirty="0">
+                <a:solidFill>
+                  <a:schemeClr val="tx1">
+                    <a:lumMod val="85000"/>
+                    <a:lumOff val="15000"/>
+                  </a:schemeClr>
+                </a:solidFill>
+                <a:latin typeface="나눔스퀘어 ExtraBold" panose="020B0600000101010101" pitchFamily="50" charset="-127"/>
+                <a:ea typeface="나눔스퀘어 ExtraBold" panose="020B0600000101010101" pitchFamily="50" charset="-127"/>
+                <a:cs typeface="Arial" panose="020B0604020202020204" pitchFamily="34" charset="0"/>
+              </a:rPr>
+              <a:t>Such knowledge may be stored explicitly as historic data or implicitly within model parameters</a:t>
+            </a:r>
+          </a:p>
+          <a:p>
+            <a:pPr marL="889200" lvl="1" indent="-432000">
+              <a:lnSpc>
+                <a:spcPct val="100000"/>
+              </a:lnSpc>
+              <a:buClr>
+                <a:srgbClr val="004F9E"/>
+              </a:buClr>
+              <a:buFont typeface="Wingdings" panose="05000000000000000000" pitchFamily="2" charset="2"/>
+              <a:buChar char="§"/>
+            </a:pPr>
+            <a:r>
+              <a:rPr lang="en-US" altLang="ko-KR" sz="2000" dirty="0">
+                <a:solidFill>
+                  <a:schemeClr val="tx1">
+                    <a:lumMod val="85000"/>
+                    <a:lumOff val="15000"/>
+                  </a:schemeClr>
+                </a:solidFill>
+                <a:latin typeface="나눔스퀘어 ExtraBold" panose="020B0600000101010101" pitchFamily="50" charset="-127"/>
+                <a:ea typeface="나눔스퀘어 ExtraBold" panose="020B0600000101010101" pitchFamily="50" charset="-127"/>
+                <a:cs typeface="Arial" panose="020B0604020202020204" pitchFamily="34" charset="0"/>
+              </a:rPr>
+              <a:t>introduce a new measure based on </a:t>
             </a:r>
             <a:r>
               <a:rPr lang="en-US" altLang="ko-KR" sz="2000" b="1" dirty="0">
@@ -7729,7 +7084,7 @@
                 <a:ea typeface="나눔스퀘어 ExtraBold" panose="020B0600000101010101" pitchFamily="50" charset="-127"/>
                 <a:cs typeface="Arial" panose="020B0604020202020204" pitchFamily="34" charset="0"/>
               </a:rPr>
-              <a:t>mean of feature</a:t>
+              <a:t>k-neighborhood time differences </a:t>
             </a:r>
             <a:r>
               <a:rPr lang="en-US" altLang="ko-KR" sz="2000" dirty="0">
@@ -7743,63 +7098,7 @@
                 <a:ea typeface="나눔스퀘어 ExtraBold" panose="020B0600000101010101" pitchFamily="50" charset="-127"/>
                 <a:cs typeface="Arial" panose="020B0604020202020204" pitchFamily="34" charset="0"/>
               </a:rPr>
-              <a:t>, </a:t>
-            </a:r>
-            <a:r>
-              <a:rPr lang="en-US" altLang="ko-KR" sz="2000" b="1" dirty="0">
-                <a:solidFill>
-                  <a:schemeClr val="tx1">
-                    <a:lumMod val="85000"/>
-                    <a:lumOff val="15000"/>
-                  </a:schemeClr>
-                </a:solidFill>
-                <a:latin typeface="나눔스퀘어 ExtraBold" panose="020B0600000101010101" pitchFamily="50" charset="-127"/>
-                <a:ea typeface="나눔스퀘어 ExtraBold" panose="020B0600000101010101" pitchFamily="50" charset="-127"/>
-                <a:cs typeface="Arial" panose="020B0604020202020204" pitchFamily="34" charset="0"/>
-              </a:rPr>
-              <a:t>coverage maximization</a:t>
-            </a:r>
-            <a:r>
-              <a:rPr lang="en-US" altLang="ko-KR" sz="2000" dirty="0">
-                <a:solidFill>
-                  <a:schemeClr val="tx1">
-                    <a:lumMod val="85000"/>
-                    <a:lumOff val="15000"/>
-                  </a:schemeClr>
-                </a:solidFill>
-                <a:latin typeface="나눔스퀘어 ExtraBold" panose="020B0600000101010101" pitchFamily="50" charset="-127"/>
-                <a:ea typeface="나눔스퀘어 ExtraBold" panose="020B0600000101010101" pitchFamily="50" charset="-127"/>
-                <a:cs typeface="Arial" panose="020B0604020202020204" pitchFamily="34" charset="0"/>
-              </a:rPr>
-              <a:t>, and </a:t>
-            </a:r>
-            <a:r>
-              <a:rPr lang="en-US" altLang="ko-KR" sz="2000" b="1" dirty="0">
-                <a:solidFill>
-                  <a:schemeClr val="tx1">
-                    <a:lumMod val="85000"/>
-                    <a:lumOff val="15000"/>
-                  </a:schemeClr>
-                </a:solidFill>
-                <a:latin typeface="나눔스퀘어 ExtraBold" panose="020B0600000101010101" pitchFamily="50" charset="-127"/>
-                <a:ea typeface="나눔스퀘어 ExtraBold" panose="020B0600000101010101" pitchFamily="50" charset="-127"/>
-                <a:cs typeface="Arial" panose="020B0604020202020204" pitchFamily="34" charset="0"/>
-              </a:rPr>
-              <a:t>influence maximization</a:t>
-            </a:r>
-            <a:r>
-              <a:rPr lang="en-US" altLang="ko-KR" sz="2000" dirty="0">
-                <a:solidFill>
-                  <a:schemeClr val="tx1">
-                    <a:lumMod val="85000"/>
-                    <a:lumOff val="15000"/>
-                  </a:schemeClr>
-                </a:solidFill>
-                <a:latin typeface="나눔스퀘어 ExtraBold" panose="020B0600000101010101" pitchFamily="50" charset="-127"/>
-                <a:ea typeface="나눔스퀘어 ExtraBold" panose="020B0600000101010101" pitchFamily="50" charset="-127"/>
-                <a:cs typeface="Arial" panose="020B0604020202020204" pitchFamily="34" charset="0"/>
-              </a:rPr>
-              <a:t>, to guide the process of selecting experience nodes</a:t>
+              <a:t>to address variances in the historic data</a:t>
             </a:r>
           </a:p>
         </p:txBody>
@@ -7837,7 +7136,7 @@
     </p:spTree>
     <p:extLst>
       <p:ext uri="{BB962C8B-B14F-4D97-AF65-F5344CB8AC3E}">
-        <p14:creationId xmlns:p14="http://schemas.microsoft.com/office/powerpoint/2010/main" val="3817165178"/>
+        <p14:creationId xmlns:p14="http://schemas.microsoft.com/office/powerpoint/2010/main" val="3086927590"/>
       </p:ext>
     </p:extLst>
   </p:cSld>
@@ -7909,7 +7208,7 @@
                 <a:ea typeface="나눔스퀘어 ExtraBold" panose="020B0600000101010101" pitchFamily="50" charset="-127"/>
                 <a:cs typeface="Arial" panose="020B0604020202020204" pitchFamily="34" charset="0"/>
               </a:rPr>
-              <a:t>Rehearsal(experience replay) based approach</a:t>
+              <a:t>Regularization based approach</a:t>
             </a:r>
           </a:p>
         </p:txBody>
@@ -7964,7 +7263,49 @@
                 <a:ea typeface="나눔스퀘어 ExtraBold" panose="020B0600000101010101" pitchFamily="50" charset="-127"/>
                 <a:cs typeface="Arial" panose="020B0604020202020204" pitchFamily="34" charset="0"/>
               </a:rPr>
-              <a:t>Lifelong Open-world node classification</a:t>
+              <a:t>This approach implements a single model and has a fixed capacity by leveraging the loss function </a:t>
+            </a:r>
+            <a:r>
+              <a:rPr lang="en-US" altLang="ko-KR" sz="2000" b="1" dirty="0">
+                <a:solidFill>
+                  <a:schemeClr val="tx1">
+                    <a:lumMod val="85000"/>
+                    <a:lumOff val="15000"/>
+                  </a:schemeClr>
+                </a:solidFill>
+                <a:latin typeface="나눔스퀘어 ExtraBold" panose="020B0600000101010101" pitchFamily="50" charset="-127"/>
+                <a:ea typeface="나눔스퀘어 ExtraBold" panose="020B0600000101010101" pitchFamily="50" charset="-127"/>
+                <a:cs typeface="Arial" panose="020B0604020202020204" pitchFamily="34" charset="0"/>
+              </a:rPr>
+              <a:t>using the loss term </a:t>
+            </a:r>
+            <a:r>
+              <a:rPr lang="en-US" altLang="ko-KR" sz="2000" dirty="0">
+                <a:solidFill>
+                  <a:schemeClr val="tx1">
+                    <a:lumMod val="85000"/>
+                    <a:lumOff val="15000"/>
+                  </a:schemeClr>
+                </a:solidFill>
+                <a:latin typeface="나눔스퀘어 ExtraBold" panose="020B0600000101010101" pitchFamily="50" charset="-127"/>
+                <a:ea typeface="나눔스퀘어 ExtraBold" panose="020B0600000101010101" pitchFamily="50" charset="-127"/>
+                <a:cs typeface="Arial" panose="020B0604020202020204" pitchFamily="34" charset="0"/>
+              </a:rPr>
+              <a:t>to help consolidate knowledge in the learning process for new tasks and </a:t>
+            </a:r>
+            <a:r>
+              <a:rPr lang="en-US" altLang="ko-KR" sz="2000" b="1" dirty="0">
+                <a:solidFill>
+                  <a:schemeClr val="tx1">
+                    <a:lumMod val="85000"/>
+                    <a:lumOff val="15000"/>
+                  </a:schemeClr>
+                </a:solidFill>
+                <a:latin typeface="나눔스퀘어 ExtraBold" panose="020B0600000101010101" pitchFamily="50" charset="-127"/>
+                <a:ea typeface="나눔스퀘어 ExtraBold" panose="020B0600000101010101" pitchFamily="50" charset="-127"/>
+                <a:cs typeface="Arial" panose="020B0604020202020204" pitchFamily="34" charset="0"/>
+              </a:rPr>
+              <a:t>retain previous knowledge</a:t>
             </a:r>
           </a:p>
         </p:txBody>
@@ -8002,7 +7343,7 @@
     </p:spTree>
     <p:extLst>
       <p:ext uri="{BB962C8B-B14F-4D97-AF65-F5344CB8AC3E}">
-        <p14:creationId xmlns:p14="http://schemas.microsoft.com/office/powerpoint/2010/main" val="3086927590"/>
+        <p14:creationId xmlns:p14="http://schemas.microsoft.com/office/powerpoint/2010/main" val="2473855550"/>
       </p:ext>
     </p:extLst>
   </p:cSld>
@@ -8074,7 +7415,7 @@
                 <a:ea typeface="나눔스퀘어 ExtraBold" panose="020B0600000101010101" pitchFamily="50" charset="-127"/>
                 <a:cs typeface="Arial" panose="020B0604020202020204" pitchFamily="34" charset="0"/>
               </a:rPr>
-              <a:t>Regularization based approach</a:t>
+              <a:t>Ideas</a:t>
             </a:r>
           </a:p>
         </p:txBody>
@@ -8118,6 +7459,20 @@
               <a:buChar char="§"/>
             </a:pPr>
             <a:r>
+              <a:rPr lang="en-US" altLang="ko-KR" sz="2000" dirty="0" err="1">
+                <a:solidFill>
+                  <a:schemeClr val="tx1">
+                    <a:lumMod val="85000"/>
+                    <a:lumOff val="15000"/>
+                  </a:schemeClr>
+                </a:solidFill>
+                <a:latin typeface="나눔스퀘어 ExtraBold" panose="020B0600000101010101" pitchFamily="50" charset="-127"/>
+                <a:ea typeface="나눔스퀘어 ExtraBold" panose="020B0600000101010101" pitchFamily="50" charset="-127"/>
+                <a:cs typeface="Arial" panose="020B0604020202020204" pitchFamily="34" charset="0"/>
+              </a:rPr>
+              <a:t>GraphSAIL</a:t>
+            </a:r>
+            <a:r>
               <a:rPr lang="en-US" altLang="ko-KR" sz="2000" dirty="0">
                 <a:solidFill>
                   <a:schemeClr val="tx1">
@@ -8129,7 +7484,70 @@
                 <a:ea typeface="나눔스퀘어 ExtraBold" panose="020B0600000101010101" pitchFamily="50" charset="-127"/>
                 <a:cs typeface="Arial" panose="020B0604020202020204" pitchFamily="34" charset="0"/>
               </a:rPr>
-              <a:t>This approach implements a single model and has a fixed capacity by leveraging the loss function </a:t>
+              <a:t> + Rehearsal based approach</a:t>
+            </a:r>
+          </a:p>
+          <a:p>
+            <a:pPr marL="432000" indent="-432000">
+              <a:lnSpc>
+                <a:spcPct val="100000"/>
+              </a:lnSpc>
+              <a:buClr>
+                <a:srgbClr val="004F9E"/>
+              </a:buClr>
+              <a:buFont typeface="Wingdings" panose="05000000000000000000" pitchFamily="2" charset="2"/>
+              <a:buChar char="§"/>
+            </a:pPr>
+            <a:endParaRPr lang="en-US" altLang="ko-KR" sz="2400" dirty="0">
+              <a:solidFill>
+                <a:schemeClr val="tx1">
+                  <a:lumMod val="85000"/>
+                  <a:lumOff val="15000"/>
+                </a:schemeClr>
+              </a:solidFill>
+              <a:latin typeface="나눔스퀘어 ExtraBold" panose="020B0600000101010101" pitchFamily="50" charset="-127"/>
+              <a:ea typeface="나눔스퀘어 ExtraBold" panose="020B0600000101010101" pitchFamily="50" charset="-127"/>
+              <a:cs typeface="Arial" panose="020B0604020202020204" pitchFamily="34" charset="0"/>
+            </a:endParaRPr>
+          </a:p>
+          <a:p>
+            <a:pPr marL="889200" lvl="1" indent="-432000">
+              <a:lnSpc>
+                <a:spcPct val="100000"/>
+              </a:lnSpc>
+              <a:buClr>
+                <a:srgbClr val="004F9E"/>
+              </a:buClr>
+              <a:buFont typeface="Wingdings" panose="05000000000000000000" pitchFamily="2" charset="2"/>
+              <a:buChar char="§"/>
+            </a:pPr>
+            <a:r>
+              <a:rPr lang="en-US" altLang="ko-KR" sz="2000" b="1" dirty="0" err="1">
+                <a:solidFill>
+                  <a:schemeClr val="tx1">
+                    <a:lumMod val="85000"/>
+                    <a:lumOff val="15000"/>
+                  </a:schemeClr>
+                </a:solidFill>
+                <a:latin typeface="나눔스퀘어 ExtraBold" panose="020B0600000101010101" pitchFamily="50" charset="-127"/>
+                <a:ea typeface="나눔스퀘어 ExtraBold" panose="020B0600000101010101" pitchFamily="50" charset="-127"/>
+                <a:cs typeface="Arial" panose="020B0604020202020204" pitchFamily="34" charset="0"/>
+              </a:rPr>
+              <a:t>GraphSAIL</a:t>
+            </a:r>
+            <a:r>
+              <a:rPr lang="en-US" altLang="ko-KR" sz="2000" dirty="0">
+                <a:solidFill>
+                  <a:schemeClr val="tx1">
+                    <a:lumMod val="85000"/>
+                    <a:lumOff val="15000"/>
+                  </a:schemeClr>
+                </a:solidFill>
+                <a:latin typeface="나눔스퀘어 ExtraBold" panose="020B0600000101010101" pitchFamily="50" charset="-127"/>
+                <a:ea typeface="나눔스퀘어 ExtraBold" panose="020B0600000101010101" pitchFamily="50" charset="-127"/>
+                <a:cs typeface="Arial" panose="020B0604020202020204" pitchFamily="34" charset="0"/>
+              </a:rPr>
+              <a:t> currently implements Continual Learning(CL) </a:t>
             </a:r>
             <a:r>
               <a:rPr lang="en-US" altLang="ko-KR" sz="2000" b="1" dirty="0">
@@ -8143,8 +7561,20 @@
                 <a:ea typeface="나눔스퀘어 ExtraBold" panose="020B0600000101010101" pitchFamily="50" charset="-127"/>
                 <a:cs typeface="Arial" panose="020B0604020202020204" pitchFamily="34" charset="0"/>
               </a:rPr>
-              <a:t>using the loss term </a:t>
-            </a:r>
+              <a:t>based on regularization approach</a:t>
+            </a:r>
+          </a:p>
+          <a:p>
+            <a:pPr marL="889200" lvl="1" indent="-432000">
+              <a:lnSpc>
+                <a:spcPct val="100000"/>
+              </a:lnSpc>
+              <a:buClr>
+                <a:srgbClr val="004F9E"/>
+              </a:buClr>
+              <a:buFont typeface="Wingdings" panose="05000000000000000000" pitchFamily="2" charset="2"/>
+              <a:buChar char="§"/>
+            </a:pPr>
             <a:r>
               <a:rPr lang="en-US" altLang="ko-KR" sz="2000" dirty="0">
                 <a:solidFill>
@@ -8157,7 +7587,7 @@
                 <a:ea typeface="나눔스퀘어 ExtraBold" panose="020B0600000101010101" pitchFamily="50" charset="-127"/>
                 <a:cs typeface="Arial" panose="020B0604020202020204" pitchFamily="34" charset="0"/>
               </a:rPr>
-              <a:t>to help consolidate knowledge in the learning process for new tasks and </a:t>
+              <a:t>How about </a:t>
             </a:r>
             <a:r>
               <a:rPr lang="en-US" altLang="ko-KR" sz="2000" b="1" dirty="0">
@@ -8171,8 +7601,89 @@
                 <a:ea typeface="나눔스퀘어 ExtraBold" panose="020B0600000101010101" pitchFamily="50" charset="-127"/>
                 <a:cs typeface="Arial" panose="020B0604020202020204" pitchFamily="34" charset="0"/>
               </a:rPr>
-              <a:t>retain previous knowledge</a:t>
-            </a:r>
+              <a:t>add Rehearsal(Experience replay) based approach</a:t>
+            </a:r>
+            <a:r>
+              <a:rPr lang="en-US" altLang="ko-KR" sz="2000" dirty="0">
+                <a:solidFill>
+                  <a:schemeClr val="tx1">
+                    <a:lumMod val="85000"/>
+                    <a:lumOff val="15000"/>
+                  </a:schemeClr>
+                </a:solidFill>
+                <a:latin typeface="나눔스퀘어 ExtraBold" panose="020B0600000101010101" pitchFamily="50" charset="-127"/>
+                <a:ea typeface="나눔스퀘어 ExtraBold" panose="020B0600000101010101" pitchFamily="50" charset="-127"/>
+                <a:cs typeface="Arial" panose="020B0604020202020204" pitchFamily="34" charset="0"/>
+              </a:rPr>
+              <a:t> like ER-GNN</a:t>
+            </a:r>
+            <a:r>
+              <a:rPr lang="ko-KR" altLang="en-US" sz="2000" dirty="0">
+                <a:solidFill>
+                  <a:schemeClr val="tx1">
+                    <a:lumMod val="85000"/>
+                    <a:lumOff val="15000"/>
+                  </a:schemeClr>
+                </a:solidFill>
+                <a:latin typeface="나눔스퀘어 ExtraBold" panose="020B0600000101010101" pitchFamily="50" charset="-127"/>
+                <a:ea typeface="나눔스퀘어 ExtraBold" panose="020B0600000101010101" pitchFamily="50" charset="-127"/>
+                <a:cs typeface="Arial" panose="020B0604020202020204" pitchFamily="34" charset="0"/>
+              </a:rPr>
+              <a:t> </a:t>
+            </a:r>
+            <a:r>
+              <a:rPr lang="en-US" altLang="ko-KR" sz="2000" dirty="0">
+                <a:solidFill>
+                  <a:schemeClr val="tx1">
+                    <a:lumMod val="85000"/>
+                    <a:lumOff val="15000"/>
+                  </a:schemeClr>
+                </a:solidFill>
+                <a:latin typeface="나눔스퀘어 ExtraBold" panose="020B0600000101010101" pitchFamily="50" charset="-127"/>
+                <a:ea typeface="나눔스퀘어 ExtraBold" panose="020B0600000101010101" pitchFamily="50" charset="-127"/>
+                <a:cs typeface="Arial" panose="020B0604020202020204" pitchFamily="34" charset="0"/>
+              </a:rPr>
+              <a:t>or</a:t>
+            </a:r>
+            <a:r>
+              <a:rPr lang="ko-KR" altLang="en-US" sz="2000" dirty="0">
+                <a:solidFill>
+                  <a:schemeClr val="tx1">
+                    <a:lumMod val="85000"/>
+                    <a:lumOff val="15000"/>
+                  </a:schemeClr>
+                </a:solidFill>
+                <a:latin typeface="나눔스퀘어 ExtraBold" panose="020B0600000101010101" pitchFamily="50" charset="-127"/>
+                <a:ea typeface="나눔스퀘어 ExtraBold" panose="020B0600000101010101" pitchFamily="50" charset="-127"/>
+                <a:cs typeface="Arial" panose="020B0604020202020204" pitchFamily="34" charset="0"/>
+              </a:rPr>
+              <a:t> </a:t>
+            </a:r>
+            <a:r>
+              <a:rPr lang="en-US" altLang="ko-KR" sz="2000" dirty="0">
+                <a:solidFill>
+                  <a:schemeClr val="tx1">
+                    <a:lumMod val="85000"/>
+                    <a:lumOff val="15000"/>
+                  </a:schemeClr>
+                </a:solidFill>
+                <a:latin typeface="나눔스퀘어 ExtraBold" panose="020B0600000101010101" pitchFamily="50" charset="-127"/>
+                <a:ea typeface="나눔스퀘어 ExtraBold" panose="020B0600000101010101" pitchFamily="50" charset="-127"/>
+                <a:cs typeface="Arial" panose="020B0604020202020204" pitchFamily="34" charset="0"/>
+              </a:rPr>
+              <a:t>Lifelong Open-world node classification?</a:t>
+            </a:r>
+            <a:endParaRPr lang="en-US" altLang="ko-KR" dirty="0">
+              <a:solidFill>
+                <a:schemeClr val="tx1">
+                  <a:lumMod val="85000"/>
+                  <a:lumOff val="15000"/>
+                </a:schemeClr>
+              </a:solidFill>
+              <a:latin typeface="나눔스퀘어 ExtraBold" panose="020B0600000101010101" pitchFamily="50" charset="-127"/>
+              <a:ea typeface="나눔스퀘어 ExtraBold" panose="020B0600000101010101" pitchFamily="50" charset="-127"/>
+              <a:cs typeface="Arial" panose="020B0604020202020204" pitchFamily="34" charset="0"/>
+            </a:endParaRPr>
           </a:p>
         </p:txBody>
       </p:sp>
@@ -8209,7 +7720,7 @@
     </p:spTree>
     <p:extLst>
       <p:ext uri="{BB962C8B-B14F-4D97-AF65-F5344CB8AC3E}">
-        <p14:creationId xmlns:p14="http://schemas.microsoft.com/office/powerpoint/2010/main" val="2473855550"/>
+        <p14:creationId xmlns:p14="http://schemas.microsoft.com/office/powerpoint/2010/main" val="765713177"/>
       </p:ext>
     </p:extLst>
   </p:cSld>
@@ -8281,541 +7792,6 @@
                 <a:ea typeface="나눔스퀘어 ExtraBold" panose="020B0600000101010101" pitchFamily="50" charset="-127"/>
                 <a:cs typeface="Arial" panose="020B0604020202020204" pitchFamily="34" charset="0"/>
               </a:rPr>
-              <a:t>GNN + </a:t>
-            </a:r>
-            <a:r>
-              <a:rPr lang="en-US" altLang="ko-KR" sz="3600" dirty="0" err="1">
-                <a:solidFill>
-                  <a:schemeClr val="tx1">
-                    <a:lumMod val="85000"/>
-                    <a:lumOff val="15000"/>
-                  </a:schemeClr>
-                </a:solidFill>
-                <a:latin typeface="나눔스퀘어 ExtraBold" panose="020B0600000101010101" pitchFamily="50" charset="-127"/>
-                <a:ea typeface="나눔스퀘어 ExtraBold" panose="020B0600000101010101" pitchFamily="50" charset="-127"/>
-                <a:cs typeface="Arial" panose="020B0604020202020204" pitchFamily="34" charset="0"/>
-              </a:rPr>
-              <a:t>Recsys</a:t>
-            </a:r>
-            <a:endParaRPr lang="en-US" altLang="ko-KR" sz="3600" dirty="0">
-              <a:solidFill>
-                <a:schemeClr val="tx1">
-                  <a:lumMod val="85000"/>
-                  <a:lumOff val="15000"/>
-                </a:schemeClr>
-              </a:solidFill>
-              <a:latin typeface="나눔스퀘어 ExtraBold" panose="020B0600000101010101" pitchFamily="50" charset="-127"/>
-              <a:ea typeface="나눔스퀘어 ExtraBold" panose="020B0600000101010101" pitchFamily="50" charset="-127"/>
-              <a:cs typeface="Arial" panose="020B0604020202020204" pitchFamily="34" charset="0"/>
-            </a:endParaRPr>
-          </a:p>
-        </p:txBody>
-      </p:sp>
-      <p:sp>
-        <p:nvSpPr>
-          <p:cNvPr id="3" name="내용 개체 틀 2">
-            <a:extLst>
-              <a:ext uri="{FF2B5EF4-FFF2-40B4-BE49-F238E27FC236}">
-                <a16:creationId xmlns:a16="http://schemas.microsoft.com/office/drawing/2014/main" id="{6F3C4966-F49A-47DB-93D9-018CD3BE693E}"/>
-              </a:ext>
-            </a:extLst>
-          </p:cNvPr>
-          <p:cNvSpPr>
-            <a:spLocks noGrp="1"/>
-          </p:cNvSpPr>
-          <p:nvPr>
-            <p:ph idx="1"/>
-          </p:nvPr>
-        </p:nvSpPr>
-        <p:spPr>
-          <a:xfrm>
-            <a:off x="990600" y="1690688"/>
-            <a:ext cx="10515600" cy="4351338"/>
-          </a:xfrm>
-        </p:spPr>
-        <p:txBody>
-          <a:bodyPr>
-            <a:normAutofit/>
-          </a:bodyPr>
-          <a:lstStyle/>
-          <a:p>
-            <a:pPr marL="432000" indent="-432000">
-              <a:lnSpc>
-                <a:spcPct val="100000"/>
-              </a:lnSpc>
-              <a:buClr>
-                <a:srgbClr val="004F9E"/>
-              </a:buClr>
-              <a:buFont typeface="Wingdings" panose="05000000000000000000" pitchFamily="2" charset="2"/>
-              <a:buChar char="§"/>
-            </a:pPr>
-            <a:r>
-              <a:rPr lang="en-US" altLang="ko-KR" sz="2000" dirty="0">
-                <a:solidFill>
-                  <a:schemeClr val="tx1">
-                    <a:lumMod val="85000"/>
-                    <a:lumOff val="15000"/>
-                  </a:schemeClr>
-                </a:solidFill>
-                <a:latin typeface="나눔스퀘어 ExtraBold" panose="020B0600000101010101" pitchFamily="50" charset="-127"/>
-                <a:ea typeface="나눔스퀘어 ExtraBold" panose="020B0600000101010101" pitchFamily="50" charset="-127"/>
-                <a:cs typeface="Arial" panose="020B0604020202020204" pitchFamily="34" charset="0"/>
-              </a:rPr>
-              <a:t>The GNN + recommended system area can be largely classified into several categories.</a:t>
-            </a:r>
-          </a:p>
-          <a:p>
-            <a:pPr marL="889200" lvl="1" indent="-432000">
-              <a:lnSpc>
-                <a:spcPct val="100000"/>
-              </a:lnSpc>
-              <a:buClr>
-                <a:srgbClr val="004F9E"/>
-              </a:buClr>
-              <a:buFont typeface="Wingdings" panose="05000000000000000000" pitchFamily="2" charset="2"/>
-              <a:buChar char="§"/>
-            </a:pPr>
-            <a:r>
-              <a:rPr lang="en-US" altLang="ko-KR" sz="1600" dirty="0">
-                <a:solidFill>
-                  <a:schemeClr val="tx1">
-                    <a:lumMod val="85000"/>
-                    <a:lumOff val="15000"/>
-                  </a:schemeClr>
-                </a:solidFill>
-                <a:latin typeface="나눔스퀘어 ExtraBold" panose="020B0600000101010101" pitchFamily="50" charset="-127"/>
-                <a:ea typeface="나눔스퀘어 ExtraBold" panose="020B0600000101010101" pitchFamily="50" charset="-127"/>
-                <a:cs typeface="Arial" panose="020B0604020202020204" pitchFamily="34" charset="0"/>
-              </a:rPr>
-              <a:t>1. CF</a:t>
-            </a:r>
-          </a:p>
-          <a:p>
-            <a:pPr marL="889200" lvl="1" indent="-432000">
-              <a:lnSpc>
-                <a:spcPct val="100000"/>
-              </a:lnSpc>
-              <a:buClr>
-                <a:srgbClr val="004F9E"/>
-              </a:buClr>
-              <a:buFont typeface="Wingdings" panose="05000000000000000000" pitchFamily="2" charset="2"/>
-              <a:buChar char="§"/>
-            </a:pPr>
-            <a:r>
-              <a:rPr lang="en-US" altLang="ko-KR" sz="1600" dirty="0">
-                <a:solidFill>
-                  <a:schemeClr val="tx1">
-                    <a:lumMod val="85000"/>
-                    <a:lumOff val="15000"/>
-                  </a:schemeClr>
-                </a:solidFill>
-                <a:latin typeface="나눔스퀘어 ExtraBold" panose="020B0600000101010101" pitchFamily="50" charset="-127"/>
-                <a:ea typeface="나눔스퀘어 ExtraBold" panose="020B0600000101010101" pitchFamily="50" charset="-127"/>
-                <a:cs typeface="Arial" panose="020B0604020202020204" pitchFamily="34" charset="0"/>
-              </a:rPr>
-              <a:t>2. Sequential</a:t>
-            </a:r>
-          </a:p>
-          <a:p>
-            <a:pPr marL="889200" lvl="1" indent="-432000">
-              <a:lnSpc>
-                <a:spcPct val="100000"/>
-              </a:lnSpc>
-              <a:buClr>
-                <a:srgbClr val="004F9E"/>
-              </a:buClr>
-              <a:buFont typeface="Wingdings" panose="05000000000000000000" pitchFamily="2" charset="2"/>
-              <a:buChar char="§"/>
-            </a:pPr>
-            <a:r>
-              <a:rPr lang="en-US" altLang="ko-KR" sz="1600" dirty="0">
-                <a:solidFill>
-                  <a:schemeClr val="tx1">
-                    <a:lumMod val="85000"/>
-                    <a:lumOff val="15000"/>
-                  </a:schemeClr>
-                </a:solidFill>
-                <a:latin typeface="나눔스퀘어 ExtraBold" panose="020B0600000101010101" pitchFamily="50" charset="-127"/>
-                <a:ea typeface="나눔스퀘어 ExtraBold" panose="020B0600000101010101" pitchFamily="50" charset="-127"/>
-                <a:cs typeface="Arial" panose="020B0604020202020204" pitchFamily="34" charset="0"/>
-              </a:rPr>
-              <a:t>3. Social</a:t>
-            </a:r>
-          </a:p>
-          <a:p>
-            <a:pPr marL="889200" lvl="1" indent="-432000">
-              <a:lnSpc>
-                <a:spcPct val="100000"/>
-              </a:lnSpc>
-              <a:buClr>
-                <a:srgbClr val="004F9E"/>
-              </a:buClr>
-              <a:buFont typeface="Wingdings" panose="05000000000000000000" pitchFamily="2" charset="2"/>
-              <a:buChar char="§"/>
-            </a:pPr>
-            <a:r>
-              <a:rPr lang="en-US" altLang="ko-KR" sz="1600" dirty="0">
-                <a:solidFill>
-                  <a:schemeClr val="tx1">
-                    <a:lumMod val="85000"/>
-                    <a:lumOff val="15000"/>
-                  </a:schemeClr>
-                </a:solidFill>
-                <a:latin typeface="나눔스퀘어 ExtraBold" panose="020B0600000101010101" pitchFamily="50" charset="-127"/>
-                <a:ea typeface="나눔스퀘어 ExtraBold" panose="020B0600000101010101" pitchFamily="50" charset="-127"/>
-                <a:cs typeface="Arial" panose="020B0604020202020204" pitchFamily="34" charset="0"/>
-              </a:rPr>
-              <a:t>4. Knowledge graph based</a:t>
-            </a:r>
-          </a:p>
-          <a:p>
-            <a:pPr marL="889200" lvl="1" indent="-432000">
-              <a:lnSpc>
-                <a:spcPct val="100000"/>
-              </a:lnSpc>
-              <a:buClr>
-                <a:srgbClr val="004F9E"/>
-              </a:buClr>
-              <a:buFont typeface="Wingdings" panose="05000000000000000000" pitchFamily="2" charset="2"/>
-              <a:buChar char="§"/>
-            </a:pPr>
-            <a:endParaRPr lang="en-US" altLang="ko-KR" sz="1600" dirty="0">
-              <a:solidFill>
-                <a:schemeClr val="tx1">
-                  <a:lumMod val="85000"/>
-                  <a:lumOff val="15000"/>
-                </a:schemeClr>
-              </a:solidFill>
-              <a:latin typeface="나눔스퀘어 ExtraBold" panose="020B0600000101010101" pitchFamily="50" charset="-127"/>
-              <a:ea typeface="나눔스퀘어 ExtraBold" panose="020B0600000101010101" pitchFamily="50" charset="-127"/>
-              <a:cs typeface="Arial" panose="020B0604020202020204" pitchFamily="34" charset="0"/>
-            </a:endParaRPr>
-          </a:p>
-          <a:p>
-            <a:pPr marL="432000" indent="-432000">
-              <a:lnSpc>
-                <a:spcPct val="100000"/>
-              </a:lnSpc>
-              <a:buClr>
-                <a:srgbClr val="004F9E"/>
-              </a:buClr>
-              <a:buFont typeface="Wingdings" panose="05000000000000000000" pitchFamily="2" charset="2"/>
-              <a:buChar char="§"/>
-            </a:pPr>
-            <a:r>
-              <a:rPr lang="en-US" altLang="ko-KR" sz="2000" dirty="0">
-                <a:solidFill>
-                  <a:schemeClr val="tx1">
-                    <a:lumMod val="85000"/>
-                    <a:lumOff val="15000"/>
-                  </a:schemeClr>
-                </a:solidFill>
-                <a:latin typeface="나눔스퀘어 ExtraBold" panose="020B0600000101010101" pitchFamily="50" charset="-127"/>
-                <a:ea typeface="나눔스퀘어 ExtraBold" panose="020B0600000101010101" pitchFamily="50" charset="-127"/>
-                <a:cs typeface="Arial" panose="020B0604020202020204" pitchFamily="34" charset="0"/>
-              </a:rPr>
-              <a:t>I focused CF based methods</a:t>
-            </a:r>
-          </a:p>
-        </p:txBody>
-      </p:sp>
-      <p:sp>
-        <p:nvSpPr>
-          <p:cNvPr id="4" name="슬라이드 번호 개체 틀 3">
-            <a:extLst>
-              <a:ext uri="{FF2B5EF4-FFF2-40B4-BE49-F238E27FC236}">
-                <a16:creationId xmlns:a16="http://schemas.microsoft.com/office/drawing/2014/main" id="{4705CCFD-CA4E-4794-89D0-C3DF4603C893}"/>
-              </a:ext>
-            </a:extLst>
-          </p:cNvPr>
-          <p:cNvSpPr>
-            <a:spLocks noGrp="1"/>
-          </p:cNvSpPr>
-          <p:nvPr>
-            <p:ph type="sldNum" sz="quarter" idx="12"/>
-          </p:nvPr>
-        </p:nvSpPr>
-        <p:spPr/>
-        <p:txBody>
-          <a:bodyPr/>
-          <a:lstStyle/>
-          <a:p>
-            <a:fld id="{16A93642-25BD-4471-A422-0159119E9512}" type="slidenum">
-              <a:rPr lang="ko-KR" altLang="en-US" smtClean="0"/>
-              <a:pPr/>
-              <a:t>13</a:t>
-            </a:fld>
-            <a:endParaRPr lang="ko-KR" altLang="en-US" dirty="0"/>
-          </a:p>
-        </p:txBody>
-      </p:sp>
-      <p:pic>
-        <p:nvPicPr>
-          <p:cNvPr id="6" name="그림 5">
-            <a:extLst>
-              <a:ext uri="{FF2B5EF4-FFF2-40B4-BE49-F238E27FC236}">
-                <a16:creationId xmlns:a16="http://schemas.microsoft.com/office/drawing/2014/main" id="{0764C1F0-3F0C-407E-A270-215AF0621932}"/>
-              </a:ext>
-            </a:extLst>
-          </p:cNvPr>
-          <p:cNvPicPr>
-            <a:picLocks noChangeAspect="1"/>
-          </p:cNvPicPr>
-          <p:nvPr/>
-        </p:nvPicPr>
-        <p:blipFill>
-          <a:blip r:embed="rId3"/>
-          <a:stretch>
-            <a:fillRect/>
-          </a:stretch>
-        </p:blipFill>
-        <p:spPr>
-          <a:xfrm>
-            <a:off x="6074741" y="3016251"/>
-            <a:ext cx="5126659" cy="2741529"/>
-          </a:xfrm>
-          <a:prstGeom prst="rect">
-            <a:avLst/>
-          </a:prstGeom>
-        </p:spPr>
-      </p:pic>
-    </p:spTree>
-    <p:extLst>
-      <p:ext uri="{BB962C8B-B14F-4D97-AF65-F5344CB8AC3E}">
-        <p14:creationId xmlns:p14="http://schemas.microsoft.com/office/powerpoint/2010/main" val="1859180317"/>
-      </p:ext>
-    </p:extLst>
-  </p:cSld>
-  <p:clrMapOvr>
-    <a:masterClrMapping/>
-  </p:clrMapOvr>
-</p:sld>
-</file>
-
-<file path=ppt/slides/slide14.xml><?xml version="1.0" encoding="utf-8"?>
-<p:sld xmlns:a="http://schemas.openxmlformats.org/drawingml/2006/main" xmlns:r="http://schemas.openxmlformats.org/officeDocument/2006/relationships" xmlns:p="http://schemas.openxmlformats.org/presentationml/2006/main">
-  <p:cSld>
-    <p:spTree>
-      <p:nvGrpSpPr>
-        <p:cNvPr id="1" name=""/>
-        <p:cNvGrpSpPr/>
-        <p:nvPr/>
-      </p:nvGrpSpPr>
-      <p:grpSpPr>
-        <a:xfrm>
-          <a:off x="0" y="0"/>
-          <a:ext cx="0" cy="0"/>
-          <a:chOff x="0" y="0"/>
-          <a:chExt cx="0" cy="0"/>
-        </a:xfrm>
-      </p:grpSpPr>
-      <p:sp>
-        <p:nvSpPr>
-          <p:cNvPr id="2" name="제목 1">
-            <a:extLst>
-              <a:ext uri="{FF2B5EF4-FFF2-40B4-BE49-F238E27FC236}">
-                <a16:creationId xmlns:a16="http://schemas.microsoft.com/office/drawing/2014/main" id="{95CB7AEF-6056-404F-8222-D7A0008FE999}"/>
-              </a:ext>
-            </a:extLst>
-          </p:cNvPr>
-          <p:cNvSpPr>
-            <a:spLocks noGrp="1"/>
-          </p:cNvSpPr>
-          <p:nvPr>
-            <p:ph type="title"/>
-          </p:nvPr>
-        </p:nvSpPr>
-        <p:spPr/>
-        <p:txBody>
-          <a:bodyPr>
-            <a:normAutofit/>
-          </a:bodyPr>
-          <a:lstStyle/>
-          <a:p>
-            <a:pPr marL="432000" indent="-432000">
-              <a:lnSpc>
-                <a:spcPct val="100000"/>
-              </a:lnSpc>
-              <a:buClr>
-                <a:srgbClr val="004F9E"/>
-              </a:buClr>
-              <a:buFont typeface="Wingdings" panose="05000000000000000000" pitchFamily="2" charset="2"/>
-              <a:buChar char="§"/>
-            </a:pPr>
-            <a:r>
-              <a:rPr lang="en-US" altLang="ko-KR" sz="3600" dirty="0">
-                <a:solidFill>
-                  <a:schemeClr val="tx1">
-                    <a:lumMod val="85000"/>
-                    <a:lumOff val="15000"/>
-                  </a:schemeClr>
-                </a:solidFill>
-                <a:latin typeface="나눔스퀘어 ExtraBold" panose="020B0600000101010101" pitchFamily="50" charset="-127"/>
-                <a:ea typeface="나눔스퀘어 ExtraBold" panose="020B0600000101010101" pitchFamily="50" charset="-127"/>
-                <a:cs typeface="Arial" panose="020B0604020202020204" pitchFamily="34" charset="0"/>
-              </a:rPr>
-              <a:t>CF</a:t>
-            </a:r>
-          </a:p>
-        </p:txBody>
-      </p:sp>
-      <p:sp>
-        <p:nvSpPr>
-          <p:cNvPr id="3" name="내용 개체 틀 2">
-            <a:extLst>
-              <a:ext uri="{FF2B5EF4-FFF2-40B4-BE49-F238E27FC236}">
-                <a16:creationId xmlns:a16="http://schemas.microsoft.com/office/drawing/2014/main" id="{6F3C4966-F49A-47DB-93D9-018CD3BE693E}"/>
-              </a:ext>
-            </a:extLst>
-          </p:cNvPr>
-          <p:cNvSpPr>
-            <a:spLocks noGrp="1"/>
-          </p:cNvSpPr>
-          <p:nvPr>
-            <p:ph idx="1"/>
-          </p:nvPr>
-        </p:nvSpPr>
-        <p:spPr>
-          <a:xfrm>
-            <a:off x="990600" y="1690688"/>
-            <a:ext cx="10515600" cy="4351338"/>
-          </a:xfrm>
-        </p:spPr>
-        <p:txBody>
-          <a:bodyPr>
-            <a:normAutofit/>
-          </a:bodyPr>
-          <a:lstStyle/>
-          <a:p>
-            <a:pPr marL="432000" indent="-432000">
-              <a:lnSpc>
-                <a:spcPct val="100000"/>
-              </a:lnSpc>
-              <a:buClr>
-                <a:srgbClr val="004F9E"/>
-              </a:buClr>
-              <a:buFont typeface="Wingdings" panose="05000000000000000000" pitchFamily="2" charset="2"/>
-              <a:buChar char="§"/>
-            </a:pPr>
-            <a:endParaRPr lang="en-US" altLang="ko-KR" sz="1800" dirty="0">
-              <a:solidFill>
-                <a:schemeClr val="tx1">
-                  <a:lumMod val="85000"/>
-                  <a:lumOff val="15000"/>
-                </a:schemeClr>
-              </a:solidFill>
-              <a:latin typeface="나눔스퀘어 ExtraBold" panose="020B0600000101010101" pitchFamily="50" charset="-127"/>
-              <a:ea typeface="나눔스퀘어 ExtraBold" panose="020B0600000101010101" pitchFamily="50" charset="-127"/>
-              <a:cs typeface="Arial" panose="020B0604020202020204" pitchFamily="34" charset="0"/>
-            </a:endParaRPr>
-          </a:p>
-        </p:txBody>
-      </p:sp>
-      <p:sp>
-        <p:nvSpPr>
-          <p:cNvPr id="4" name="슬라이드 번호 개체 틀 3">
-            <a:extLst>
-              <a:ext uri="{FF2B5EF4-FFF2-40B4-BE49-F238E27FC236}">
-                <a16:creationId xmlns:a16="http://schemas.microsoft.com/office/drawing/2014/main" id="{4705CCFD-CA4E-4794-89D0-C3DF4603C893}"/>
-              </a:ext>
-            </a:extLst>
-          </p:cNvPr>
-          <p:cNvSpPr>
-            <a:spLocks noGrp="1"/>
-          </p:cNvSpPr>
-          <p:nvPr>
-            <p:ph type="sldNum" sz="quarter" idx="12"/>
-          </p:nvPr>
-        </p:nvSpPr>
-        <p:spPr/>
-        <p:txBody>
-          <a:bodyPr/>
-          <a:lstStyle/>
-          <a:p>
-            <a:fld id="{16A93642-25BD-4471-A422-0159119E9512}" type="slidenum">
-              <a:rPr lang="ko-KR" altLang="en-US" smtClean="0"/>
-              <a:pPr/>
-              <a:t>14</a:t>
-            </a:fld>
-            <a:endParaRPr lang="ko-KR" altLang="en-US" dirty="0"/>
-          </a:p>
-        </p:txBody>
-      </p:sp>
-    </p:spTree>
-    <p:extLst>
-      <p:ext uri="{BB962C8B-B14F-4D97-AF65-F5344CB8AC3E}">
-        <p14:creationId xmlns:p14="http://schemas.microsoft.com/office/powerpoint/2010/main" val="1523921245"/>
-      </p:ext>
-    </p:extLst>
-  </p:cSld>
-  <p:clrMapOvr>
-    <a:masterClrMapping/>
-  </p:clrMapOvr>
-</p:sld>
-</file>
-
-<file path=ppt/slides/slide15.xml><?xml version="1.0" encoding="utf-8"?>
-<p:sld xmlns:a="http://schemas.openxmlformats.org/drawingml/2006/main" xmlns:r="http://schemas.openxmlformats.org/officeDocument/2006/relationships" xmlns:p="http://schemas.openxmlformats.org/presentationml/2006/main">
-  <p:cSld>
-    <p:spTree>
-      <p:nvGrpSpPr>
-        <p:cNvPr id="1" name=""/>
-        <p:cNvGrpSpPr/>
-        <p:nvPr/>
-      </p:nvGrpSpPr>
-      <p:grpSpPr>
-        <a:xfrm>
-          <a:off x="0" y="0"/>
-          <a:ext cx="0" cy="0"/>
-          <a:chOff x="0" y="0"/>
-          <a:chExt cx="0" cy="0"/>
-        </a:xfrm>
-      </p:grpSpPr>
-      <p:sp>
-        <p:nvSpPr>
-          <p:cNvPr id="2" name="제목 1">
-            <a:extLst>
-              <a:ext uri="{FF2B5EF4-FFF2-40B4-BE49-F238E27FC236}">
-                <a16:creationId xmlns:a16="http://schemas.microsoft.com/office/drawing/2014/main" id="{95CB7AEF-6056-404F-8222-D7A0008FE999}"/>
-              </a:ext>
-            </a:extLst>
-          </p:cNvPr>
-          <p:cNvSpPr>
-            <a:spLocks noGrp="1"/>
-          </p:cNvSpPr>
-          <p:nvPr>
-            <p:ph type="title"/>
-          </p:nvPr>
-        </p:nvSpPr>
-        <p:spPr/>
-        <p:txBody>
-          <a:bodyPr>
-            <a:normAutofit/>
-          </a:bodyPr>
-          <a:lstStyle/>
-          <a:p>
-            <a:pPr marL="432000" indent="-432000">
-              <a:lnSpc>
-                <a:spcPct val="100000"/>
-              </a:lnSpc>
-              <a:buClr>
-                <a:srgbClr val="004F9E"/>
-              </a:buClr>
-              <a:buFont typeface="Wingdings" panose="05000000000000000000" pitchFamily="2" charset="2"/>
-              <a:buChar char="§"/>
-            </a:pPr>
-            <a:r>
-              <a:rPr lang="en-US" altLang="ko-KR" sz="3600" dirty="0">
-                <a:solidFill>
-                  <a:schemeClr val="tx1">
-                    <a:lumMod val="85000"/>
-                    <a:lumOff val="15000"/>
-                  </a:schemeClr>
-                </a:solidFill>
-                <a:latin typeface="나눔스퀘어 ExtraBold" panose="020B0600000101010101" pitchFamily="50" charset="-127"/>
-                <a:ea typeface="나눔스퀘어 ExtraBold" panose="020B0600000101010101" pitchFamily="50" charset="-127"/>
-                <a:cs typeface="Arial" panose="020B0604020202020204" pitchFamily="34" charset="0"/>
-              </a:rPr>
               <a:t>Ideas</a:t>
             </a:r>
           </a:p>
@@ -9113,7 +8089,7 @@
             <a:fld id="{16A93642-25BD-4471-A422-0159119E9512}" type="slidenum">
               <a:rPr lang="ko-KR" altLang="en-US" smtClean="0"/>
               <a:pPr/>
-              <a:t>15</a:t>
+              <a:t>13</a:t>
             </a:fld>
             <a:endParaRPr lang="ko-KR" altLang="en-US" dirty="0"/>
           </a:p>
@@ -9162,7 +8138,7 @@
 </p:sld>
 </file>
 
-<file path=ppt/slides/slide16.xml><?xml version="1.0" encoding="utf-8"?>
+<file path=ppt/slides/slide14.xml><?xml version="1.0" encoding="utf-8"?>
 <p:sld xmlns:a="http://schemas.openxmlformats.org/drawingml/2006/main" xmlns:r="http://schemas.openxmlformats.org/officeDocument/2006/relationships" xmlns:p="http://schemas.openxmlformats.org/presentationml/2006/main">
   <p:cSld>
     <p:spTree>
@@ -9268,6 +8244,20 @@
               <a:buChar char="§"/>
             </a:pPr>
             <a:r>
+              <a:rPr lang="en-US" altLang="ko-KR" sz="2000" dirty="0">
+                <a:solidFill>
+                  <a:schemeClr val="tx1">
+                    <a:lumMod val="85000"/>
+                    <a:lumOff val="15000"/>
+                  </a:schemeClr>
+                </a:solidFill>
+                <a:latin typeface="나눔스퀘어 ExtraBold" panose="020B0600000101010101" pitchFamily="50" charset="-127"/>
+                <a:ea typeface="나눔스퀘어 ExtraBold" panose="020B0600000101010101" pitchFamily="50" charset="-127"/>
+                <a:cs typeface="Arial" panose="020B0604020202020204" pitchFamily="34" charset="0"/>
+              </a:rPr>
+              <a:t>IGC, CED + another GNN based </a:t>
+            </a:r>
+            <a:r>
               <a:rPr lang="en-US" altLang="ko-KR" sz="2000" dirty="0" err="1">
                 <a:solidFill>
                   <a:schemeClr val="tx1">
@@ -9279,7 +8269,7 @@
                 <a:ea typeface="나눔스퀘어 ExtraBold" panose="020B0600000101010101" pitchFamily="50" charset="-127"/>
                 <a:cs typeface="Arial" panose="020B0604020202020204" pitchFamily="34" charset="0"/>
               </a:rPr>
-              <a:t>GraphSAIL</a:t>
+              <a:t>Recsys</a:t>
             </a:r>
             <a:r>
               <a:rPr lang="en-US" altLang="ko-KR" sz="2000" dirty="0">
@@ -9293,11 +8283,39 @@
                 <a:ea typeface="나눔스퀘어 ExtraBold" panose="020B0600000101010101" pitchFamily="50" charset="-127"/>
                 <a:cs typeface="Arial" panose="020B0604020202020204" pitchFamily="34" charset="0"/>
               </a:rPr>
-              <a:t> + Rehearsal based approach</a:t>
-            </a:r>
-          </a:p>
-          <a:p>
-            <a:pPr marL="432000" indent="-432000">
+              <a:t> model like </a:t>
+            </a:r>
+            <a:r>
+              <a:rPr lang="en-US" altLang="ko-KR" sz="2000" dirty="0" err="1">
+                <a:solidFill>
+                  <a:schemeClr val="tx1">
+                    <a:lumMod val="85000"/>
+                    <a:lumOff val="15000"/>
+                  </a:schemeClr>
+                </a:solidFill>
+                <a:latin typeface="나눔스퀘어 ExtraBold" panose="020B0600000101010101" pitchFamily="50" charset="-127"/>
+                <a:ea typeface="나눔스퀘어 ExtraBold" panose="020B0600000101010101" pitchFamily="50" charset="-127"/>
+                <a:cs typeface="Arial" panose="020B0604020202020204" pitchFamily="34" charset="0"/>
+              </a:rPr>
+              <a:t>PinSAGE</a:t>
+            </a:r>
+            <a:r>
+              <a:rPr lang="en-US" altLang="ko-KR" sz="2000" dirty="0">
+                <a:solidFill>
+                  <a:schemeClr val="tx1">
+                    <a:lumMod val="85000"/>
+                    <a:lumOff val="15000"/>
+                  </a:schemeClr>
+                </a:solidFill>
+                <a:latin typeface="나눔스퀘어 ExtraBold" panose="020B0600000101010101" pitchFamily="50" charset="-127"/>
+                <a:ea typeface="나눔스퀘어 ExtraBold" panose="020B0600000101010101" pitchFamily="50" charset="-127"/>
+                <a:cs typeface="Arial" panose="020B0604020202020204" pitchFamily="34" charset="0"/>
+              </a:rPr>
+              <a:t>.</a:t>
+            </a:r>
+          </a:p>
+          <a:p>
+            <a:pPr marL="889200" lvl="1" indent="-432000">
               <a:lnSpc>
                 <a:spcPct val="100000"/>
               </a:lnSpc>
@@ -9307,7 +8325,141 @@
               <a:buFont typeface="Wingdings" panose="05000000000000000000" pitchFamily="2" charset="2"/>
               <a:buChar char="§"/>
             </a:pPr>
-            <a:endParaRPr lang="en-US" altLang="ko-KR" sz="2400" dirty="0">
+            <a:r>
+              <a:rPr lang="en-US" altLang="ko-KR" sz="2000" b="1" dirty="0">
+                <a:solidFill>
+                  <a:schemeClr val="tx1">
+                    <a:lumMod val="85000"/>
+                    <a:lumOff val="15000"/>
+                  </a:schemeClr>
+                </a:solidFill>
+                <a:latin typeface="나눔스퀘어 ExtraBold" panose="020B0600000101010101" pitchFamily="50" charset="-127"/>
+                <a:ea typeface="나눔스퀘어 ExtraBold" panose="020B0600000101010101" pitchFamily="50" charset="-127"/>
+                <a:cs typeface="Arial" panose="020B0604020202020204" pitchFamily="34" charset="0"/>
+              </a:rPr>
+              <a:t>Considerations</a:t>
+            </a:r>
+          </a:p>
+          <a:p>
+            <a:pPr marL="1346400" lvl="2" indent="-432000">
+              <a:lnSpc>
+                <a:spcPct val="100000"/>
+              </a:lnSpc>
+              <a:buClr>
+                <a:srgbClr val="004F9E"/>
+              </a:buClr>
+              <a:buFont typeface="Wingdings" panose="05000000000000000000" pitchFamily="2" charset="2"/>
+              <a:buChar char="§"/>
+            </a:pPr>
+            <a:r>
+              <a:rPr lang="en-US" altLang="ko-KR" sz="1600" dirty="0">
+                <a:solidFill>
+                  <a:schemeClr val="tx1">
+                    <a:lumMod val="85000"/>
+                    <a:lumOff val="15000"/>
+                  </a:schemeClr>
+                </a:solidFill>
+                <a:latin typeface="나눔스퀘어 ExtraBold" panose="020B0600000101010101" pitchFamily="50" charset="-127"/>
+                <a:ea typeface="나눔스퀘어 ExtraBold" panose="020B0600000101010101" pitchFamily="50" charset="-127"/>
+                <a:cs typeface="Arial" panose="020B0604020202020204" pitchFamily="34" charset="0"/>
+              </a:rPr>
+              <a:t>1. What’s different between </a:t>
+            </a:r>
+            <a:r>
+              <a:rPr lang="en-US" altLang="ko-KR" sz="1600" dirty="0" err="1">
+                <a:solidFill>
+                  <a:schemeClr val="tx1">
+                    <a:lumMod val="85000"/>
+                    <a:lumOff val="15000"/>
+                  </a:schemeClr>
+                </a:solidFill>
+                <a:latin typeface="나눔스퀘어 ExtraBold" panose="020B0600000101010101" pitchFamily="50" charset="-127"/>
+                <a:ea typeface="나눔스퀘어 ExtraBold" panose="020B0600000101010101" pitchFamily="50" charset="-127"/>
+                <a:cs typeface="Arial" panose="020B0604020202020204" pitchFamily="34" charset="0"/>
+              </a:rPr>
+              <a:t>LightGCN</a:t>
+            </a:r>
+            <a:r>
+              <a:rPr lang="en-US" altLang="ko-KR" sz="1600" dirty="0">
+                <a:solidFill>
+                  <a:schemeClr val="tx1">
+                    <a:lumMod val="85000"/>
+                    <a:lumOff val="15000"/>
+                  </a:schemeClr>
+                </a:solidFill>
+                <a:latin typeface="나눔스퀘어 ExtraBold" panose="020B0600000101010101" pitchFamily="50" charset="-127"/>
+                <a:ea typeface="나눔스퀘어 ExtraBold" panose="020B0600000101010101" pitchFamily="50" charset="-127"/>
+                <a:cs typeface="Arial" panose="020B0604020202020204" pitchFamily="34" charset="0"/>
+              </a:rPr>
+              <a:t> and </a:t>
+            </a:r>
+            <a:r>
+              <a:rPr lang="en-US" altLang="ko-KR" sz="1600" dirty="0" err="1">
+                <a:solidFill>
+                  <a:schemeClr val="tx1">
+                    <a:lumMod val="85000"/>
+                    <a:lumOff val="15000"/>
+                  </a:schemeClr>
+                </a:solidFill>
+                <a:latin typeface="나눔스퀘어 ExtraBold" panose="020B0600000101010101" pitchFamily="50" charset="-127"/>
+                <a:ea typeface="나눔스퀘어 ExtraBold" panose="020B0600000101010101" pitchFamily="50" charset="-127"/>
+                <a:cs typeface="Arial" panose="020B0604020202020204" pitchFamily="34" charset="0"/>
+              </a:rPr>
+              <a:t>PinSAGE</a:t>
+            </a:r>
+            <a:r>
+              <a:rPr lang="en-US" altLang="ko-KR" sz="1600" dirty="0">
+                <a:solidFill>
+                  <a:schemeClr val="tx1">
+                    <a:lumMod val="85000"/>
+                    <a:lumOff val="15000"/>
+                  </a:schemeClr>
+                </a:solidFill>
+                <a:latin typeface="나눔스퀘어 ExtraBold" panose="020B0600000101010101" pitchFamily="50" charset="-127"/>
+                <a:ea typeface="나눔스퀘어 ExtraBold" panose="020B0600000101010101" pitchFamily="50" charset="-127"/>
+                <a:cs typeface="Arial" panose="020B0604020202020204" pitchFamily="34" charset="0"/>
+              </a:rPr>
+              <a:t>?</a:t>
+            </a:r>
+          </a:p>
+          <a:p>
+            <a:pPr marL="1346400" lvl="2" indent="-432000">
+              <a:lnSpc>
+                <a:spcPct val="100000"/>
+              </a:lnSpc>
+              <a:buClr>
+                <a:srgbClr val="004F9E"/>
+              </a:buClr>
+              <a:buFont typeface="Wingdings" panose="05000000000000000000" pitchFamily="2" charset="2"/>
+              <a:buChar char="§"/>
+            </a:pPr>
+            <a:r>
+              <a:rPr lang="en-US" altLang="ko-KR" sz="1600" dirty="0">
+                <a:solidFill>
+                  <a:schemeClr val="tx1">
+                    <a:lumMod val="85000"/>
+                    <a:lumOff val="15000"/>
+                  </a:schemeClr>
+                </a:solidFill>
+                <a:latin typeface="나눔스퀘어 ExtraBold" panose="020B0600000101010101" pitchFamily="50" charset="-127"/>
+                <a:ea typeface="나눔스퀘어 ExtraBold" panose="020B0600000101010101" pitchFamily="50" charset="-127"/>
+                <a:cs typeface="Arial" panose="020B0604020202020204" pitchFamily="34" charset="0"/>
+              </a:rPr>
+              <a:t>2. </a:t>
+            </a:r>
+          </a:p>
+          <a:p>
+            <a:pPr marL="1346400" lvl="2" indent="-432000">
+              <a:lnSpc>
+                <a:spcPct val="100000"/>
+              </a:lnSpc>
+              <a:buClr>
+                <a:srgbClr val="004F9E"/>
+              </a:buClr>
+              <a:buFont typeface="Wingdings" panose="05000000000000000000" pitchFamily="2" charset="2"/>
+              <a:buChar char="§"/>
+            </a:pPr>
+            <a:endParaRPr lang="en-US" altLang="ko-KR" sz="1600" dirty="0">
               <a:solidFill>
                 <a:schemeClr val="tx1">
                   <a:lumMod val="85000"/>
@@ -9319,111 +8471,6 @@
               <a:cs typeface="Arial" panose="020B0604020202020204" pitchFamily="34" charset="0"/>
             </a:endParaRPr>
           </a:p>
-          <a:p>
-            <a:pPr marL="889200" lvl="1" indent="-432000">
-              <a:lnSpc>
-                <a:spcPct val="100000"/>
-              </a:lnSpc>
-              <a:buClr>
-                <a:srgbClr val="004F9E"/>
-              </a:buClr>
-              <a:buFont typeface="Wingdings" panose="05000000000000000000" pitchFamily="2" charset="2"/>
-              <a:buChar char="§"/>
-            </a:pPr>
-            <a:r>
-              <a:rPr lang="en-US" altLang="ko-KR" sz="2000" dirty="0" err="1">
-                <a:solidFill>
-                  <a:schemeClr val="tx1">
-                    <a:lumMod val="85000"/>
-                    <a:lumOff val="15000"/>
-                  </a:schemeClr>
-                </a:solidFill>
-                <a:latin typeface="나눔스퀘어 ExtraBold" panose="020B0600000101010101" pitchFamily="50" charset="-127"/>
-                <a:ea typeface="나눔스퀘어 ExtraBold" panose="020B0600000101010101" pitchFamily="50" charset="-127"/>
-                <a:cs typeface="Arial" panose="020B0604020202020204" pitchFamily="34" charset="0"/>
-              </a:rPr>
-              <a:t>GraphSAIL</a:t>
-            </a:r>
-            <a:r>
-              <a:rPr lang="en-US" altLang="ko-KR" sz="2000" dirty="0">
-                <a:solidFill>
-                  <a:schemeClr val="tx1">
-                    <a:lumMod val="85000"/>
-                    <a:lumOff val="15000"/>
-                  </a:schemeClr>
-                </a:solidFill>
-                <a:latin typeface="나눔스퀘어 ExtraBold" panose="020B0600000101010101" pitchFamily="50" charset="-127"/>
-                <a:ea typeface="나눔스퀘어 ExtraBold" panose="020B0600000101010101" pitchFamily="50" charset="-127"/>
-                <a:cs typeface="Arial" panose="020B0604020202020204" pitchFamily="34" charset="0"/>
-              </a:rPr>
-              <a:t> currently implements Continual Learning(CL) based on regularization approach</a:t>
-            </a:r>
-          </a:p>
-          <a:p>
-            <a:pPr marL="889200" lvl="1" indent="-432000">
-              <a:lnSpc>
-                <a:spcPct val="100000"/>
-              </a:lnSpc>
-              <a:buClr>
-                <a:srgbClr val="004F9E"/>
-              </a:buClr>
-              <a:buFont typeface="Wingdings" panose="05000000000000000000" pitchFamily="2" charset="2"/>
-              <a:buChar char="§"/>
-            </a:pPr>
-            <a:r>
-              <a:rPr lang="en-US" altLang="ko-KR" sz="2000" dirty="0">
-                <a:solidFill>
-                  <a:schemeClr val="tx1">
-                    <a:lumMod val="85000"/>
-                    <a:lumOff val="15000"/>
-                  </a:schemeClr>
-                </a:solidFill>
-                <a:latin typeface="나눔스퀘어 ExtraBold" panose="020B0600000101010101" pitchFamily="50" charset="-127"/>
-                <a:ea typeface="나눔스퀘어 ExtraBold" panose="020B0600000101010101" pitchFamily="50" charset="-127"/>
-                <a:cs typeface="Arial" panose="020B0604020202020204" pitchFamily="34" charset="0"/>
-              </a:rPr>
-              <a:t>How about add Rehearsal(Experience replay) based approach like </a:t>
-            </a:r>
-            <a:r>
-              <a:rPr lang="en-US" altLang="ko-KR" sz="2000" dirty="0" err="1">
-                <a:solidFill>
-                  <a:schemeClr val="tx1">
-                    <a:lumMod val="85000"/>
-                    <a:lumOff val="15000"/>
-                  </a:schemeClr>
-                </a:solidFill>
-                <a:latin typeface="나눔스퀘어 ExtraBold" panose="020B0600000101010101" pitchFamily="50" charset="-127"/>
-                <a:ea typeface="나눔스퀘어 ExtraBold" panose="020B0600000101010101" pitchFamily="50" charset="-127"/>
-                <a:cs typeface="Arial" panose="020B0604020202020204" pitchFamily="34" charset="0"/>
-              </a:rPr>
-              <a:t>iCaRL</a:t>
-            </a:r>
-            <a:r>
-              <a:rPr lang="en-US" altLang="ko-KR" sz="2000" dirty="0">
-                <a:solidFill>
-                  <a:schemeClr val="tx1">
-                    <a:lumMod val="85000"/>
-                    <a:lumOff val="15000"/>
-                  </a:schemeClr>
-                </a:solidFill>
-                <a:latin typeface="나눔스퀘어 ExtraBold" panose="020B0600000101010101" pitchFamily="50" charset="-127"/>
-                <a:ea typeface="나눔스퀘어 ExtraBold" panose="020B0600000101010101" pitchFamily="50" charset="-127"/>
-                <a:cs typeface="Arial" panose="020B0604020202020204" pitchFamily="34" charset="0"/>
-              </a:rPr>
-              <a:t>?</a:t>
-            </a:r>
-            <a:endParaRPr lang="en-US" altLang="ko-KR" dirty="0">
-              <a:solidFill>
-                <a:schemeClr val="tx1">
-                  <a:lumMod val="85000"/>
-                  <a:lumOff val="15000"/>
-                </a:schemeClr>
-              </a:solidFill>
-              <a:latin typeface="나눔스퀘어 ExtraBold" panose="020B0600000101010101" pitchFamily="50" charset="-127"/>
-              <a:ea typeface="나눔스퀘어 ExtraBold" panose="020B0600000101010101" pitchFamily="50" charset="-127"/>
-              <a:cs typeface="Arial" panose="020B0604020202020204" pitchFamily="34" charset="0"/>
-            </a:endParaRPr>
-          </a:p>
         </p:txBody>
       </p:sp>
       <p:sp>
@@ -9450,7 +8497,7 @@
             <a:fld id="{16A93642-25BD-4471-A422-0159119E9512}" type="slidenum">
               <a:rPr lang="ko-KR" altLang="en-US" smtClean="0"/>
               <a:pPr/>
-              <a:t>16</a:t>
+              <a:t>14</a:t>
             </a:fld>
             <a:endParaRPr lang="ko-KR" altLang="en-US" dirty="0"/>
           </a:p>
@@ -9459,493 +8506,7 @@
     </p:spTree>
     <p:extLst>
       <p:ext uri="{BB962C8B-B14F-4D97-AF65-F5344CB8AC3E}">
-        <p14:creationId xmlns:p14="http://schemas.microsoft.com/office/powerpoint/2010/main" val="765713177"/>
-      </p:ext>
-    </p:extLst>
-  </p:cSld>
-  <p:clrMapOvr>
-    <a:masterClrMapping/>
-  </p:clrMapOvr>
-</p:sld>
-</file>
-
-<file path=ppt/slides/slide17.xml><?xml version="1.0" encoding="utf-8"?>
-<p:sld xmlns:a="http://schemas.openxmlformats.org/drawingml/2006/main" xmlns:r="http://schemas.openxmlformats.org/officeDocument/2006/relationships" xmlns:p="http://schemas.openxmlformats.org/presentationml/2006/main">
-  <p:cSld>
-    <p:spTree>
-      <p:nvGrpSpPr>
-        <p:cNvPr id="1" name=""/>
-        <p:cNvGrpSpPr/>
-        <p:nvPr/>
-      </p:nvGrpSpPr>
-      <p:grpSpPr>
-        <a:xfrm>
-          <a:off x="0" y="0"/>
-          <a:ext cx="0" cy="0"/>
-          <a:chOff x="0" y="0"/>
-          <a:chExt cx="0" cy="0"/>
-        </a:xfrm>
-      </p:grpSpPr>
-      <p:sp>
-        <p:nvSpPr>
-          <p:cNvPr id="2" name="제목 1">
-            <a:extLst>
-              <a:ext uri="{FF2B5EF4-FFF2-40B4-BE49-F238E27FC236}">
-                <a16:creationId xmlns:a16="http://schemas.microsoft.com/office/drawing/2014/main" id="{95CB7AEF-6056-404F-8222-D7A0008FE999}"/>
-              </a:ext>
-            </a:extLst>
-          </p:cNvPr>
-          <p:cNvSpPr>
-            <a:spLocks noGrp="1"/>
-          </p:cNvSpPr>
-          <p:nvPr>
-            <p:ph type="title"/>
-          </p:nvPr>
-        </p:nvSpPr>
-        <p:spPr/>
-        <p:txBody>
-          <a:bodyPr>
-            <a:normAutofit/>
-          </a:bodyPr>
-          <a:lstStyle/>
-          <a:p>
-            <a:pPr marL="889200" lvl="1" indent="-432000">
-              <a:lnSpc>
-                <a:spcPct val="100000"/>
-              </a:lnSpc>
-              <a:buClr>
-                <a:srgbClr val="004F9E"/>
-              </a:buClr>
-              <a:buFont typeface="Wingdings" panose="05000000000000000000" pitchFamily="2" charset="2"/>
-              <a:buChar char="§"/>
-            </a:pPr>
-            <a:r>
-              <a:rPr lang="en-US" altLang="ko-KR" sz="3200" dirty="0">
-                <a:solidFill>
-                  <a:schemeClr val="tx1">
-                    <a:lumMod val="85000"/>
-                    <a:lumOff val="15000"/>
-                  </a:schemeClr>
-                </a:solidFill>
-                <a:latin typeface="나눔스퀘어 ExtraBold" panose="020B0600000101010101" pitchFamily="50" charset="-127"/>
-                <a:ea typeface="나눔스퀘어 ExtraBold" panose="020B0600000101010101" pitchFamily="50" charset="-127"/>
-                <a:cs typeface="Arial" panose="020B0604020202020204" pitchFamily="34" charset="0"/>
-              </a:rPr>
-              <a:t>Lightweight Compositional Embeddings for Incremental Streaming Recommendation</a:t>
-            </a:r>
-          </a:p>
-        </p:txBody>
-      </p:sp>
-      <p:sp>
-        <p:nvSpPr>
-          <p:cNvPr id="3" name="내용 개체 틀 2">
-            <a:extLst>
-              <a:ext uri="{FF2B5EF4-FFF2-40B4-BE49-F238E27FC236}">
-                <a16:creationId xmlns:a16="http://schemas.microsoft.com/office/drawing/2014/main" id="{6F3C4966-F49A-47DB-93D9-018CD3BE693E}"/>
-              </a:ext>
-            </a:extLst>
-          </p:cNvPr>
-          <p:cNvSpPr>
-            <a:spLocks noGrp="1"/>
-          </p:cNvSpPr>
-          <p:nvPr>
-            <p:ph idx="1"/>
-          </p:nvPr>
-        </p:nvSpPr>
-        <p:spPr>
-          <a:xfrm>
-            <a:off x="990600" y="1690688"/>
-            <a:ext cx="10515600" cy="4351338"/>
-          </a:xfrm>
-        </p:spPr>
-        <p:txBody>
-          <a:bodyPr>
-            <a:normAutofit/>
-          </a:bodyPr>
-          <a:lstStyle/>
-          <a:p>
-            <a:pPr marL="432000" indent="-432000">
-              <a:lnSpc>
-                <a:spcPct val="100000"/>
-              </a:lnSpc>
-              <a:buClr>
-                <a:srgbClr val="004F9E"/>
-              </a:buClr>
-              <a:buFont typeface="Wingdings" panose="05000000000000000000" pitchFamily="2" charset="2"/>
-              <a:buChar char="§"/>
-            </a:pPr>
-            <a:endParaRPr lang="en-US" altLang="ko-KR" sz="1800" dirty="0">
-              <a:solidFill>
-                <a:schemeClr val="tx1">
-                  <a:lumMod val="85000"/>
-                  <a:lumOff val="15000"/>
-                </a:schemeClr>
-              </a:solidFill>
-              <a:latin typeface="나눔스퀘어 ExtraBold" panose="020B0600000101010101" pitchFamily="50" charset="-127"/>
-              <a:ea typeface="나눔스퀘어 ExtraBold" panose="020B0600000101010101" pitchFamily="50" charset="-127"/>
-              <a:cs typeface="Arial" panose="020B0604020202020204" pitchFamily="34" charset="0"/>
-            </a:endParaRPr>
-          </a:p>
-        </p:txBody>
-      </p:sp>
-      <p:sp>
-        <p:nvSpPr>
-          <p:cNvPr id="4" name="슬라이드 번호 개체 틀 3">
-            <a:extLst>
-              <a:ext uri="{FF2B5EF4-FFF2-40B4-BE49-F238E27FC236}">
-                <a16:creationId xmlns:a16="http://schemas.microsoft.com/office/drawing/2014/main" id="{4705CCFD-CA4E-4794-89D0-C3DF4603C893}"/>
-              </a:ext>
-            </a:extLst>
-          </p:cNvPr>
-          <p:cNvSpPr>
-            <a:spLocks noGrp="1"/>
-          </p:cNvSpPr>
-          <p:nvPr>
-            <p:ph type="sldNum" sz="quarter" idx="12"/>
-          </p:nvPr>
-        </p:nvSpPr>
-        <p:spPr/>
-        <p:txBody>
-          <a:bodyPr/>
-          <a:lstStyle/>
-          <a:p>
-            <a:fld id="{16A93642-25BD-4471-A422-0159119E9512}" type="slidenum">
-              <a:rPr lang="ko-KR" altLang="en-US" smtClean="0"/>
-              <a:pPr/>
-              <a:t>17</a:t>
-            </a:fld>
-            <a:endParaRPr lang="ko-KR" altLang="en-US" dirty="0"/>
-          </a:p>
-        </p:txBody>
-      </p:sp>
-    </p:spTree>
-    <p:extLst>
-      <p:ext uri="{BB962C8B-B14F-4D97-AF65-F5344CB8AC3E}">
-        <p14:creationId xmlns:p14="http://schemas.microsoft.com/office/powerpoint/2010/main" val="2573493875"/>
-      </p:ext>
-    </p:extLst>
-  </p:cSld>
-  <p:clrMapOvr>
-    <a:masterClrMapping/>
-  </p:clrMapOvr>
-</p:sld>
-</file>
-
-<file path=ppt/slides/slide18.xml><?xml version="1.0" encoding="utf-8"?>
-<p:sld xmlns:a="http://schemas.openxmlformats.org/drawingml/2006/main" xmlns:r="http://schemas.openxmlformats.org/officeDocument/2006/relationships" xmlns:p="http://schemas.openxmlformats.org/presentationml/2006/main">
-  <p:cSld>
-    <p:spTree>
-      <p:nvGrpSpPr>
-        <p:cNvPr id="1" name=""/>
-        <p:cNvGrpSpPr/>
-        <p:nvPr/>
-      </p:nvGrpSpPr>
-      <p:grpSpPr>
-        <a:xfrm>
-          <a:off x="0" y="0"/>
-          <a:ext cx="0" cy="0"/>
-          <a:chOff x="0" y="0"/>
-          <a:chExt cx="0" cy="0"/>
-        </a:xfrm>
-      </p:grpSpPr>
-      <p:sp>
-        <p:nvSpPr>
-          <p:cNvPr id="2" name="제목 1">
-            <a:extLst>
-              <a:ext uri="{FF2B5EF4-FFF2-40B4-BE49-F238E27FC236}">
-                <a16:creationId xmlns:a16="http://schemas.microsoft.com/office/drawing/2014/main" id="{95CB7AEF-6056-404F-8222-D7A0008FE999}"/>
-              </a:ext>
-            </a:extLst>
-          </p:cNvPr>
-          <p:cNvSpPr>
-            <a:spLocks noGrp="1"/>
-          </p:cNvSpPr>
-          <p:nvPr>
-            <p:ph type="title"/>
-          </p:nvPr>
-        </p:nvSpPr>
-        <p:spPr/>
-        <p:txBody>
-          <a:bodyPr>
-            <a:normAutofit/>
-          </a:bodyPr>
-          <a:lstStyle/>
-          <a:p>
-            <a:pPr marL="432000" indent="-432000">
-              <a:lnSpc>
-                <a:spcPct val="100000"/>
-              </a:lnSpc>
-              <a:buClr>
-                <a:srgbClr val="004F9E"/>
-              </a:buClr>
-              <a:buFont typeface="Wingdings" panose="05000000000000000000" pitchFamily="2" charset="2"/>
-              <a:buChar char="§"/>
-            </a:pPr>
-            <a:r>
-              <a:rPr lang="en-US" altLang="ko-KR" sz="3600" dirty="0">
-                <a:solidFill>
-                  <a:schemeClr val="tx1">
-                    <a:lumMod val="85000"/>
-                    <a:lumOff val="15000"/>
-                  </a:schemeClr>
-                </a:solidFill>
-                <a:latin typeface="나눔스퀘어 ExtraBold" panose="020B0600000101010101" pitchFamily="50" charset="-127"/>
-                <a:ea typeface="나눔스퀘어 ExtraBold" panose="020B0600000101010101" pitchFamily="50" charset="-127"/>
-                <a:cs typeface="Arial" panose="020B0604020202020204" pitchFamily="34" charset="0"/>
-              </a:rPr>
-              <a:t>Sequential Recommendation</a:t>
-            </a:r>
-          </a:p>
-        </p:txBody>
-      </p:sp>
-      <p:sp>
-        <p:nvSpPr>
-          <p:cNvPr id="3" name="내용 개체 틀 2">
-            <a:extLst>
-              <a:ext uri="{FF2B5EF4-FFF2-40B4-BE49-F238E27FC236}">
-                <a16:creationId xmlns:a16="http://schemas.microsoft.com/office/drawing/2014/main" id="{6F3C4966-F49A-47DB-93D9-018CD3BE693E}"/>
-              </a:ext>
-            </a:extLst>
-          </p:cNvPr>
-          <p:cNvSpPr>
-            <a:spLocks noGrp="1"/>
-          </p:cNvSpPr>
-          <p:nvPr>
-            <p:ph idx="1"/>
-          </p:nvPr>
-        </p:nvSpPr>
-        <p:spPr>
-          <a:xfrm>
-            <a:off x="990600" y="1690688"/>
-            <a:ext cx="10515600" cy="4351338"/>
-          </a:xfrm>
-        </p:spPr>
-        <p:txBody>
-          <a:bodyPr>
-            <a:normAutofit/>
-          </a:bodyPr>
-          <a:lstStyle/>
-          <a:p>
-            <a:pPr marL="432000" indent="-432000">
-              <a:lnSpc>
-                <a:spcPct val="100000"/>
-              </a:lnSpc>
-              <a:buClr>
-                <a:srgbClr val="004F9E"/>
-              </a:buClr>
-              <a:buFont typeface="Wingdings" panose="05000000000000000000" pitchFamily="2" charset="2"/>
-              <a:buChar char="§"/>
-            </a:pPr>
-            <a:endParaRPr lang="en-US" altLang="ko-KR" sz="1800" dirty="0">
-              <a:solidFill>
-                <a:schemeClr val="tx1">
-                  <a:lumMod val="85000"/>
-                  <a:lumOff val="15000"/>
-                </a:schemeClr>
-              </a:solidFill>
-              <a:latin typeface="나눔스퀘어 ExtraBold" panose="020B0600000101010101" pitchFamily="50" charset="-127"/>
-              <a:ea typeface="나눔스퀘어 ExtraBold" panose="020B0600000101010101" pitchFamily="50" charset="-127"/>
-              <a:cs typeface="Arial" panose="020B0604020202020204" pitchFamily="34" charset="0"/>
-            </a:endParaRPr>
-          </a:p>
-        </p:txBody>
-      </p:sp>
-      <p:sp>
-        <p:nvSpPr>
-          <p:cNvPr id="4" name="슬라이드 번호 개체 틀 3">
-            <a:extLst>
-              <a:ext uri="{FF2B5EF4-FFF2-40B4-BE49-F238E27FC236}">
-                <a16:creationId xmlns:a16="http://schemas.microsoft.com/office/drawing/2014/main" id="{4705CCFD-CA4E-4794-89D0-C3DF4603C893}"/>
-              </a:ext>
-            </a:extLst>
-          </p:cNvPr>
-          <p:cNvSpPr>
-            <a:spLocks noGrp="1"/>
-          </p:cNvSpPr>
-          <p:nvPr>
-            <p:ph type="sldNum" sz="quarter" idx="12"/>
-          </p:nvPr>
-        </p:nvSpPr>
-        <p:spPr/>
-        <p:txBody>
-          <a:bodyPr/>
-          <a:lstStyle/>
-          <a:p>
-            <a:fld id="{16A93642-25BD-4471-A422-0159119E9512}" type="slidenum">
-              <a:rPr lang="ko-KR" altLang="en-US" smtClean="0"/>
-              <a:pPr/>
-              <a:t>18</a:t>
-            </a:fld>
-            <a:endParaRPr lang="ko-KR" altLang="en-US" dirty="0"/>
-          </a:p>
-        </p:txBody>
-      </p:sp>
-    </p:spTree>
-    <p:extLst>
-      <p:ext uri="{BB962C8B-B14F-4D97-AF65-F5344CB8AC3E}">
-        <p14:creationId xmlns:p14="http://schemas.microsoft.com/office/powerpoint/2010/main" val="3518355017"/>
-      </p:ext>
-    </p:extLst>
-  </p:cSld>
-  <p:clrMapOvr>
-    <a:masterClrMapping/>
-  </p:clrMapOvr>
-</p:sld>
-</file>
-
-<file path=ppt/slides/slide19.xml><?xml version="1.0" encoding="utf-8"?>
-<p:sld xmlns:a="http://schemas.openxmlformats.org/drawingml/2006/main" xmlns:r="http://schemas.openxmlformats.org/officeDocument/2006/relationships" xmlns:p="http://schemas.openxmlformats.org/presentationml/2006/main">
-  <p:cSld>
-    <p:spTree>
-      <p:nvGrpSpPr>
-        <p:cNvPr id="1" name=""/>
-        <p:cNvGrpSpPr/>
-        <p:nvPr/>
-      </p:nvGrpSpPr>
-      <p:grpSpPr>
-        <a:xfrm>
-          <a:off x="0" y="0"/>
-          <a:ext cx="0" cy="0"/>
-          <a:chOff x="0" y="0"/>
-          <a:chExt cx="0" cy="0"/>
-        </a:xfrm>
-      </p:grpSpPr>
-      <p:sp>
-        <p:nvSpPr>
-          <p:cNvPr id="2" name="제목 1">
-            <a:extLst>
-              <a:ext uri="{FF2B5EF4-FFF2-40B4-BE49-F238E27FC236}">
-                <a16:creationId xmlns:a16="http://schemas.microsoft.com/office/drawing/2014/main" id="{95CB7AEF-6056-404F-8222-D7A0008FE999}"/>
-              </a:ext>
-            </a:extLst>
-          </p:cNvPr>
-          <p:cNvSpPr>
-            <a:spLocks noGrp="1"/>
-          </p:cNvSpPr>
-          <p:nvPr>
-            <p:ph type="title"/>
-          </p:nvPr>
-        </p:nvSpPr>
-        <p:spPr/>
-        <p:txBody>
-          <a:bodyPr>
-            <a:normAutofit/>
-          </a:bodyPr>
-          <a:lstStyle/>
-          <a:p>
-            <a:pPr marL="432000" indent="-432000">
-              <a:lnSpc>
-                <a:spcPct val="100000"/>
-              </a:lnSpc>
-              <a:buClr>
-                <a:srgbClr val="004F9E"/>
-              </a:buClr>
-              <a:buFont typeface="Wingdings" panose="05000000000000000000" pitchFamily="2" charset="2"/>
-              <a:buChar char="§"/>
-            </a:pPr>
-            <a:r>
-              <a:rPr lang="en-US" altLang="ko-KR" sz="3600" dirty="0">
-                <a:solidFill>
-                  <a:schemeClr val="tx1">
-                    <a:lumMod val="85000"/>
-                    <a:lumOff val="15000"/>
-                  </a:schemeClr>
-                </a:solidFill>
-                <a:latin typeface="나눔스퀘어 ExtraBold" panose="020B0600000101010101" pitchFamily="50" charset="-127"/>
-                <a:ea typeface="나눔스퀘어 ExtraBold" panose="020B0600000101010101" pitchFamily="50" charset="-127"/>
-                <a:cs typeface="Arial" panose="020B0604020202020204" pitchFamily="34" charset="0"/>
-              </a:rPr>
-              <a:t>Social Recommendation</a:t>
-            </a:r>
-          </a:p>
-        </p:txBody>
-      </p:sp>
-      <p:sp>
-        <p:nvSpPr>
-          <p:cNvPr id="3" name="내용 개체 틀 2">
-            <a:extLst>
-              <a:ext uri="{FF2B5EF4-FFF2-40B4-BE49-F238E27FC236}">
-                <a16:creationId xmlns:a16="http://schemas.microsoft.com/office/drawing/2014/main" id="{6F3C4966-F49A-47DB-93D9-018CD3BE693E}"/>
-              </a:ext>
-            </a:extLst>
-          </p:cNvPr>
-          <p:cNvSpPr>
-            <a:spLocks noGrp="1"/>
-          </p:cNvSpPr>
-          <p:nvPr>
-            <p:ph idx="1"/>
-          </p:nvPr>
-        </p:nvSpPr>
-        <p:spPr>
-          <a:xfrm>
-            <a:off x="990600" y="1690688"/>
-            <a:ext cx="10515600" cy="4351338"/>
-          </a:xfrm>
-        </p:spPr>
-        <p:txBody>
-          <a:bodyPr>
-            <a:normAutofit/>
-          </a:bodyPr>
-          <a:lstStyle/>
-          <a:p>
-            <a:pPr marL="432000" indent="-432000">
-              <a:lnSpc>
-                <a:spcPct val="100000"/>
-              </a:lnSpc>
-              <a:buClr>
-                <a:srgbClr val="004F9E"/>
-              </a:buClr>
-              <a:buFont typeface="Wingdings" panose="05000000000000000000" pitchFamily="2" charset="2"/>
-              <a:buChar char="§"/>
-            </a:pPr>
-            <a:endParaRPr lang="en-US" altLang="ko-KR" sz="1800" dirty="0">
-              <a:solidFill>
-                <a:schemeClr val="tx1">
-                  <a:lumMod val="85000"/>
-                  <a:lumOff val="15000"/>
-                </a:schemeClr>
-              </a:solidFill>
-              <a:latin typeface="나눔스퀘어 ExtraBold" panose="020B0600000101010101" pitchFamily="50" charset="-127"/>
-              <a:ea typeface="나눔스퀘어 ExtraBold" panose="020B0600000101010101" pitchFamily="50" charset="-127"/>
-              <a:cs typeface="Arial" panose="020B0604020202020204" pitchFamily="34" charset="0"/>
-            </a:endParaRPr>
-          </a:p>
-        </p:txBody>
-      </p:sp>
-      <p:sp>
-        <p:nvSpPr>
-          <p:cNvPr id="4" name="슬라이드 번호 개체 틀 3">
-            <a:extLst>
-              <a:ext uri="{FF2B5EF4-FFF2-40B4-BE49-F238E27FC236}">
-                <a16:creationId xmlns:a16="http://schemas.microsoft.com/office/drawing/2014/main" id="{4705CCFD-CA4E-4794-89D0-C3DF4603C893}"/>
-              </a:ext>
-            </a:extLst>
-          </p:cNvPr>
-          <p:cNvSpPr>
-            <a:spLocks noGrp="1"/>
-          </p:cNvSpPr>
-          <p:nvPr>
-            <p:ph type="sldNum" sz="quarter" idx="12"/>
-          </p:nvPr>
-        </p:nvSpPr>
-        <p:spPr/>
-        <p:txBody>
-          <a:bodyPr/>
-          <a:lstStyle/>
-          <a:p>
-            <a:fld id="{16A93642-25BD-4471-A422-0159119E9512}" type="slidenum">
-              <a:rPr lang="ko-KR" altLang="en-US" smtClean="0"/>
-              <a:pPr/>
-              <a:t>19</a:t>
-            </a:fld>
-            <a:endParaRPr lang="ko-KR" altLang="en-US" dirty="0"/>
-          </a:p>
-        </p:txBody>
-      </p:sp>
-    </p:spTree>
-    <p:extLst>
-      <p:ext uri="{BB962C8B-B14F-4D97-AF65-F5344CB8AC3E}">
-        <p14:creationId xmlns:p14="http://schemas.microsoft.com/office/powerpoint/2010/main" val="2485634826"/>
+        <p14:creationId xmlns:p14="http://schemas.microsoft.com/office/powerpoint/2010/main" val="2368774651"/>
       </p:ext>
     </p:extLst>
   </p:cSld>
@@ -10125,7 +8686,7 @@
               <a:buChar char="§"/>
             </a:pPr>
             <a:r>
-              <a:rPr lang="en-US" altLang="ko-KR" sz="1600" dirty="0" err="1">
+              <a:rPr lang="en-US" altLang="ko-KR" sz="1800" dirty="0" err="1">
                 <a:solidFill>
                   <a:schemeClr val="tx1">
                     <a:lumMod val="85000"/>
@@ -10138,7 +8699,7 @@
               </a:rPr>
               <a:t>GraphSAIL</a:t>
             </a:r>
-            <a:endParaRPr lang="en-US" altLang="ko-KR" sz="1600" dirty="0">
+            <a:endParaRPr lang="en-US" altLang="ko-KR" sz="1800" dirty="0">
               <a:solidFill>
                 <a:schemeClr val="tx1">
                   <a:lumMod val="85000"/>
@@ -10162,7 +8723,7 @@
               <a:buChar char="§"/>
             </a:pPr>
             <a:r>
-              <a:rPr lang="en-US" altLang="ko-KR" sz="1600" dirty="0">
+              <a:rPr lang="en-US" altLang="ko-KR" sz="1800" dirty="0">
                 <a:solidFill>
                   <a:schemeClr val="tx1">
                     <a:lumMod val="85000"/>
@@ -10174,6 +8735,32 @@
                 <a:cs typeface="Arial" panose="020B0604020202020204" pitchFamily="34" charset="0"/>
               </a:rPr>
               <a:t>Causal incremental graph convolution for recommender system retraining</a:t>
+            </a:r>
+          </a:p>
+          <a:p>
+            <a:pPr marL="432000" indent="-432000">
+              <a:lnSpc>
+                <a:spcPct val="100000"/>
+              </a:lnSpc>
+              <a:buClr>
+                <a:srgbClr val="004F9E"/>
+              </a:buClr>
+              <a:buFont typeface="Wingdings" panose="05000000000000000000" pitchFamily="2" charset="2"/>
+              <a:buChar char="§"/>
+            </a:pPr>
+            <a:r>
+              <a:rPr lang="en-US" altLang="ko-KR" sz="2000" dirty="0">
+                <a:solidFill>
+                  <a:schemeClr val="tx1">
+                    <a:lumMod val="85000"/>
+                    <a:lumOff val="15000"/>
+                  </a:schemeClr>
+                </a:solidFill>
+                <a:latin typeface="나눔스퀘어 ExtraBold" panose="020B0600000101010101" pitchFamily="50" charset="-127"/>
+                <a:ea typeface="나눔스퀘어 ExtraBold" panose="020B0600000101010101" pitchFamily="50" charset="-127"/>
+                <a:cs typeface="Arial" panose="020B0604020202020204" pitchFamily="34" charset="0"/>
+              </a:rPr>
+              <a:t>GNN + Continual learning</a:t>
             </a:r>
           </a:p>
           <a:p>
@@ -10188,44 +8775,18 @@
               <a:buChar char="§"/>
             </a:pPr>
             <a:r>
-              <a:rPr lang="en-US" altLang="ko-KR" sz="1600" dirty="0">
-                <a:solidFill>
-                  <a:schemeClr val="tx1">
-                    <a:lumMod val="85000"/>
-                    <a:lumOff val="15000"/>
-                  </a:schemeClr>
-                </a:solidFill>
-                <a:latin typeface="나눔스퀘어 ExtraBold" panose="020B0600000101010101" pitchFamily="50" charset="-127"/>
-                <a:ea typeface="나눔스퀘어 ExtraBold" panose="020B0600000101010101" pitchFamily="50" charset="-127"/>
-                <a:cs typeface="Arial" panose="020B0604020202020204" pitchFamily="34" charset="0"/>
-              </a:rPr>
-              <a:t>Lightweight Compositional Embeddings for Incremental Streaming Recommendation</a:t>
-            </a:r>
-          </a:p>
-          <a:p>
-            <a:pPr marL="432000" indent="-432000">
-              <a:lnSpc>
-                <a:spcPct val="100000"/>
-              </a:lnSpc>
-              <a:buClr>
-                <a:srgbClr val="004F9E"/>
-              </a:buClr>
-              <a:buFont typeface="Wingdings" panose="05000000000000000000" pitchFamily="2" charset="2"/>
-              <a:buChar char="§"/>
-            </a:pPr>
-            <a:r>
-              <a:rPr lang="en-US" altLang="ko-KR" sz="2000" dirty="0">
-                <a:solidFill>
-                  <a:schemeClr val="tx1">
-                    <a:lumMod val="85000"/>
-                    <a:lumOff val="15000"/>
-                  </a:schemeClr>
-                </a:solidFill>
-                <a:latin typeface="나눔스퀘어 ExtraBold" panose="020B0600000101010101" pitchFamily="50" charset="-127"/>
-                <a:ea typeface="나눔스퀘어 ExtraBold" panose="020B0600000101010101" pitchFamily="50" charset="-127"/>
-                <a:cs typeface="Arial" panose="020B0604020202020204" pitchFamily="34" charset="0"/>
-              </a:rPr>
-              <a:t>GNN + Continual learning</a:t>
+              <a:rPr lang="en-US" altLang="ko-KR" sz="1800" dirty="0">
+                <a:solidFill>
+                  <a:schemeClr val="tx1">
+                    <a:lumMod val="85000"/>
+                    <a:lumOff val="15000"/>
+                  </a:schemeClr>
+                </a:solidFill>
+                <a:latin typeface="나눔스퀘어 ExtraBold" panose="020B0600000101010101" pitchFamily="50" charset="-127"/>
+                <a:ea typeface="나눔스퀘어 ExtraBold" panose="020B0600000101010101" pitchFamily="50" charset="-127"/>
+                <a:cs typeface="Arial" panose="020B0604020202020204" pitchFamily="34" charset="0"/>
+              </a:rPr>
+              <a:t>Architectural based Approach</a:t>
             </a:r>
           </a:p>
           <a:p>
@@ -10240,18 +8801,18 @@
               <a:buChar char="§"/>
             </a:pPr>
             <a:r>
-              <a:rPr lang="en-US" altLang="ko-KR" sz="1600" dirty="0">
-                <a:solidFill>
-                  <a:schemeClr val="tx1">
-                    <a:lumMod val="85000"/>
-                    <a:lumOff val="15000"/>
-                  </a:schemeClr>
-                </a:solidFill>
-                <a:latin typeface="나눔스퀘어 ExtraBold" panose="020B0600000101010101" pitchFamily="50" charset="-127"/>
-                <a:ea typeface="나눔스퀘어 ExtraBold" panose="020B0600000101010101" pitchFamily="50" charset="-127"/>
-                <a:cs typeface="Arial" panose="020B0604020202020204" pitchFamily="34" charset="0"/>
-              </a:rPr>
-              <a:t>Architectural based Approach</a:t>
+              <a:rPr lang="en-US" altLang="ko-KR" sz="1800" dirty="0">
+                <a:solidFill>
+                  <a:schemeClr val="tx1">
+                    <a:lumMod val="85000"/>
+                    <a:lumOff val="15000"/>
+                  </a:schemeClr>
+                </a:solidFill>
+                <a:latin typeface="나눔스퀘어 ExtraBold" panose="020B0600000101010101" pitchFamily="50" charset="-127"/>
+                <a:ea typeface="나눔스퀘어 ExtraBold" panose="020B0600000101010101" pitchFamily="50" charset="-127"/>
+                <a:cs typeface="Arial" panose="020B0604020202020204" pitchFamily="34" charset="0"/>
+              </a:rPr>
+              <a:t>Rehearsal based Approach</a:t>
             </a:r>
           </a:p>
           <a:p>
@@ -10266,33 +8827,7 @@
               <a:buChar char="§"/>
             </a:pPr>
             <a:r>
-              <a:rPr lang="en-US" altLang="ko-KR" sz="1600" dirty="0">
-                <a:solidFill>
-                  <a:schemeClr val="tx1">
-                    <a:lumMod val="85000"/>
-                    <a:lumOff val="15000"/>
-                  </a:schemeClr>
-                </a:solidFill>
-                <a:latin typeface="나눔스퀘어 ExtraBold" panose="020B0600000101010101" pitchFamily="50" charset="-127"/>
-                <a:ea typeface="나눔스퀘어 ExtraBold" panose="020B0600000101010101" pitchFamily="50" charset="-127"/>
-                <a:cs typeface="Arial" panose="020B0604020202020204" pitchFamily="34" charset="0"/>
-              </a:rPr>
-              <a:t>Rehearsal based Approach</a:t>
-            </a:r>
-          </a:p>
-          <a:p>
-            <a:pPr marL="889200" lvl="1" indent="-432000">
-              <a:lnSpc>
-                <a:spcPct val="100000"/>
-              </a:lnSpc>
-              <a:buClr>
-                <a:srgbClr val="004F9E"/>
-              </a:buClr>
-              <a:buFont typeface="Wingdings" panose="05000000000000000000" pitchFamily="2" charset="2"/>
-              <a:buChar char="§"/>
-            </a:pPr>
-            <a:r>
-              <a:rPr lang="en-US" altLang="ko-KR" sz="1600" dirty="0">
+              <a:rPr lang="en-US" altLang="ko-KR" sz="1800" dirty="0">
                 <a:solidFill>
                   <a:schemeClr val="tx1">
                     <a:lumMod val="85000"/>
@@ -10304,83 +8839,6 @@
                 <a:cs typeface="Arial" panose="020B0604020202020204" pitchFamily="34" charset="0"/>
               </a:rPr>
               <a:t>Regularization based Approach</a:t>
-            </a:r>
-          </a:p>
-          <a:p>
-            <a:pPr marL="432000" indent="-432000">
-              <a:lnSpc>
-                <a:spcPct val="100000"/>
-              </a:lnSpc>
-              <a:buClr>
-                <a:srgbClr val="004F9E"/>
-              </a:buClr>
-              <a:buFont typeface="Wingdings" panose="05000000000000000000" pitchFamily="2" charset="2"/>
-              <a:buChar char="§"/>
-            </a:pPr>
-            <a:r>
-              <a:rPr lang="en-US" altLang="ko-KR" sz="2000" dirty="0">
-                <a:solidFill>
-                  <a:schemeClr val="tx1">
-                    <a:lumMod val="85000"/>
-                    <a:lumOff val="15000"/>
-                  </a:schemeClr>
-                </a:solidFill>
-                <a:latin typeface="나눔스퀘어 ExtraBold" panose="020B0600000101010101" pitchFamily="50" charset="-127"/>
-                <a:ea typeface="나눔스퀘어 ExtraBold" panose="020B0600000101010101" pitchFamily="50" charset="-127"/>
-                <a:cs typeface="Arial" panose="020B0604020202020204" pitchFamily="34" charset="0"/>
-              </a:rPr>
-              <a:t>GNN + </a:t>
-            </a:r>
-            <a:r>
-              <a:rPr lang="en-US" altLang="ko-KR" sz="2000" dirty="0" err="1">
-                <a:solidFill>
-                  <a:schemeClr val="tx1">
-                    <a:lumMod val="85000"/>
-                    <a:lumOff val="15000"/>
-                  </a:schemeClr>
-                </a:solidFill>
-                <a:latin typeface="나눔스퀘어 ExtraBold" panose="020B0600000101010101" pitchFamily="50" charset="-127"/>
-                <a:ea typeface="나눔스퀘어 ExtraBold" panose="020B0600000101010101" pitchFamily="50" charset="-127"/>
-                <a:cs typeface="Arial" panose="020B0604020202020204" pitchFamily="34" charset="0"/>
-              </a:rPr>
-              <a:t>Recsys</a:t>
-            </a:r>
-            <a:endParaRPr lang="en-US" altLang="ko-KR" sz="2000" dirty="0">
-              <a:solidFill>
-                <a:schemeClr val="tx1">
-                  <a:lumMod val="85000"/>
-                  <a:lumOff val="15000"/>
-                </a:schemeClr>
-              </a:solidFill>
-              <a:latin typeface="나눔스퀘어 ExtraBold" panose="020B0600000101010101" pitchFamily="50" charset="-127"/>
-              <a:ea typeface="나눔스퀘어 ExtraBold" panose="020B0600000101010101" pitchFamily="50" charset="-127"/>
-              <a:cs typeface="Arial" panose="020B0604020202020204" pitchFamily="34" charset="0"/>
-            </a:endParaRPr>
-          </a:p>
-          <a:p>
-            <a:pPr marL="889200" lvl="1" indent="-432000">
-              <a:lnSpc>
-                <a:spcPct val="100000"/>
-              </a:lnSpc>
-              <a:buClr>
-                <a:srgbClr val="004F9E"/>
-              </a:buClr>
-              <a:buFont typeface="Wingdings" panose="05000000000000000000" pitchFamily="2" charset="2"/>
-              <a:buChar char="§"/>
-            </a:pPr>
-            <a:r>
-              <a:rPr lang="en-US" altLang="ko-KR" sz="1600" dirty="0">
-                <a:solidFill>
-                  <a:schemeClr val="tx1">
-                    <a:lumMod val="85000"/>
-                    <a:lumOff val="15000"/>
-                  </a:schemeClr>
-                </a:solidFill>
-                <a:latin typeface="나눔스퀘어 ExtraBold" panose="020B0600000101010101" pitchFamily="50" charset="-127"/>
-                <a:ea typeface="나눔스퀘어 ExtraBold" panose="020B0600000101010101" pitchFamily="50" charset="-127"/>
-                <a:cs typeface="Arial" panose="020B0604020202020204" pitchFamily="34" charset="0"/>
-              </a:rPr>
-              <a:t>CF</a:t>
             </a:r>
           </a:p>
           <a:p>
@@ -11517,7 +9975,179 @@
                 <a:ea typeface="나눔스퀘어 ExtraBold" panose="020B0600000101010101" pitchFamily="50" charset="-127"/>
                 <a:cs typeface="Arial" panose="020B0604020202020204" pitchFamily="34" charset="0"/>
               </a:rPr>
-              <a:t>However, at this stage, it is difficult to judge how to understand and apply the specificity of the recommendation system.</a:t>
+              <a:t>However, at this stage, </a:t>
+            </a:r>
+            <a:r>
+              <a:rPr lang="en-US" altLang="ko-KR" sz="2000" b="1" dirty="0">
+                <a:solidFill>
+                  <a:schemeClr val="tx1">
+                    <a:lumMod val="85000"/>
+                    <a:lumOff val="15000"/>
+                  </a:schemeClr>
+                </a:solidFill>
+                <a:latin typeface="나눔스퀘어 ExtraBold" panose="020B0600000101010101" pitchFamily="50" charset="-127"/>
+                <a:ea typeface="나눔스퀘어 ExtraBold" panose="020B0600000101010101" pitchFamily="50" charset="-127"/>
+                <a:cs typeface="Arial" panose="020B0604020202020204" pitchFamily="34" charset="0"/>
+              </a:rPr>
+              <a:t>it is difficult for me to judge how to understand the specificity of the recommendation system.</a:t>
+            </a:r>
+          </a:p>
+          <a:p>
+            <a:pPr marL="432000" indent="-432000">
+              <a:lnSpc>
+                <a:spcPct val="100000"/>
+              </a:lnSpc>
+              <a:buClr>
+                <a:srgbClr val="004F9E"/>
+              </a:buClr>
+              <a:buFont typeface="Wingdings" panose="05000000000000000000" pitchFamily="2" charset="2"/>
+              <a:buChar char="§"/>
+            </a:pPr>
+            <a:r>
+              <a:rPr lang="en-US" altLang="ko-KR" sz="2000" dirty="0">
+                <a:solidFill>
+                  <a:schemeClr val="tx1">
+                    <a:lumMod val="85000"/>
+                    <a:lumOff val="15000"/>
+                  </a:schemeClr>
+                </a:solidFill>
+                <a:latin typeface="나눔스퀘어 ExtraBold" panose="020B0600000101010101" pitchFamily="50" charset="-127"/>
+                <a:ea typeface="나눔스퀘어 ExtraBold" panose="020B0600000101010101" pitchFamily="50" charset="-127"/>
+                <a:cs typeface="Arial" panose="020B0604020202020204" pitchFamily="34" charset="0"/>
+              </a:rPr>
+              <a:t>This area is classified into several categories</a:t>
+            </a:r>
+          </a:p>
+          <a:p>
+            <a:pPr marL="889200" lvl="1" indent="-432000">
+              <a:lnSpc>
+                <a:spcPct val="100000"/>
+              </a:lnSpc>
+              <a:buClr>
+                <a:srgbClr val="004F9E"/>
+              </a:buClr>
+              <a:buFont typeface="Wingdings" panose="05000000000000000000" pitchFamily="2" charset="2"/>
+              <a:buChar char="§"/>
+            </a:pPr>
+            <a:r>
+              <a:rPr lang="en-US" altLang="ko-KR" sz="1600" dirty="0">
+                <a:solidFill>
+                  <a:schemeClr val="tx1">
+                    <a:lumMod val="85000"/>
+                    <a:lumOff val="15000"/>
+                  </a:schemeClr>
+                </a:solidFill>
+                <a:latin typeface="나눔스퀘어 ExtraBold" panose="020B0600000101010101" pitchFamily="50" charset="-127"/>
+                <a:ea typeface="나눔스퀘어 ExtraBold" panose="020B0600000101010101" pitchFamily="50" charset="-127"/>
+                <a:cs typeface="Arial" panose="020B0604020202020204" pitchFamily="34" charset="0"/>
+              </a:rPr>
+              <a:t>Architectural approach</a:t>
+            </a:r>
+          </a:p>
+          <a:p>
+            <a:pPr marL="889200" lvl="1" indent="-432000">
+              <a:lnSpc>
+                <a:spcPct val="100000"/>
+              </a:lnSpc>
+              <a:buClr>
+                <a:srgbClr val="004F9E"/>
+              </a:buClr>
+              <a:buFont typeface="Wingdings" panose="05000000000000000000" pitchFamily="2" charset="2"/>
+              <a:buChar char="§"/>
+            </a:pPr>
+            <a:r>
+              <a:rPr lang="en-US" altLang="ko-KR" sz="1600" dirty="0">
+                <a:solidFill>
+                  <a:schemeClr val="tx1">
+                    <a:lumMod val="85000"/>
+                    <a:lumOff val="15000"/>
+                  </a:schemeClr>
+                </a:solidFill>
+                <a:latin typeface="나눔스퀘어 ExtraBold" panose="020B0600000101010101" pitchFamily="50" charset="-127"/>
+                <a:ea typeface="나눔스퀘어 ExtraBold" panose="020B0600000101010101" pitchFamily="50" charset="-127"/>
+                <a:cs typeface="Arial" panose="020B0604020202020204" pitchFamily="34" charset="0"/>
+              </a:rPr>
+              <a:t>Rehearsal approach</a:t>
+            </a:r>
+          </a:p>
+          <a:p>
+            <a:pPr marL="889200" lvl="1" indent="-432000">
+              <a:lnSpc>
+                <a:spcPct val="100000"/>
+              </a:lnSpc>
+              <a:buClr>
+                <a:srgbClr val="004F9E"/>
+              </a:buClr>
+              <a:buFont typeface="Wingdings" panose="05000000000000000000" pitchFamily="2" charset="2"/>
+              <a:buChar char="§"/>
+            </a:pPr>
+            <a:r>
+              <a:rPr lang="en-US" altLang="ko-KR" sz="1600" dirty="0">
+                <a:solidFill>
+                  <a:schemeClr val="tx1">
+                    <a:lumMod val="85000"/>
+                    <a:lumOff val="15000"/>
+                  </a:schemeClr>
+                </a:solidFill>
+                <a:latin typeface="나눔스퀘어 ExtraBold" panose="020B0600000101010101" pitchFamily="50" charset="-127"/>
+                <a:ea typeface="나눔스퀘어 ExtraBold" panose="020B0600000101010101" pitchFamily="50" charset="-127"/>
+                <a:cs typeface="Arial" panose="020B0604020202020204" pitchFamily="34" charset="0"/>
+              </a:rPr>
+              <a:t>Regularization approach</a:t>
+            </a:r>
+          </a:p>
+          <a:p>
+            <a:pPr marL="432000" indent="-432000">
+              <a:lnSpc>
+                <a:spcPct val="100000"/>
+              </a:lnSpc>
+              <a:buClr>
+                <a:srgbClr val="004F9E"/>
+              </a:buClr>
+              <a:buFont typeface="Wingdings" panose="05000000000000000000" pitchFamily="2" charset="2"/>
+              <a:buChar char="§"/>
+            </a:pPr>
+            <a:r>
+              <a:rPr lang="en-US" altLang="ko-KR" sz="2000" dirty="0">
+                <a:solidFill>
+                  <a:schemeClr val="tx1">
+                    <a:lumMod val="85000"/>
+                    <a:lumOff val="15000"/>
+                  </a:schemeClr>
+                </a:solidFill>
+                <a:latin typeface="나눔스퀘어 ExtraBold" panose="020B0600000101010101" pitchFamily="50" charset="-127"/>
+                <a:ea typeface="나눔스퀘어 ExtraBold" panose="020B0600000101010101" pitchFamily="50" charset="-127"/>
+                <a:cs typeface="Arial" panose="020B0604020202020204" pitchFamily="34" charset="0"/>
+              </a:rPr>
+              <a:t>I focused on </a:t>
+            </a:r>
+            <a:r>
+              <a:rPr lang="en-US" altLang="ko-KR" sz="2000" b="1" dirty="0">
+                <a:solidFill>
+                  <a:schemeClr val="tx1">
+                    <a:lumMod val="85000"/>
+                    <a:lumOff val="15000"/>
+                  </a:schemeClr>
+                </a:solidFill>
+                <a:latin typeface="나눔스퀘어 ExtraBold" panose="020B0600000101010101" pitchFamily="50" charset="-127"/>
+                <a:ea typeface="나눔스퀘어 ExtraBold" panose="020B0600000101010101" pitchFamily="50" charset="-127"/>
+                <a:cs typeface="Arial" panose="020B0604020202020204" pitchFamily="34" charset="0"/>
+              </a:rPr>
+              <a:t>Rehearsal based </a:t>
+            </a:r>
+            <a:r>
+              <a:rPr lang="en-US" altLang="ko-KR" sz="2000" dirty="0">
+                <a:solidFill>
+                  <a:schemeClr val="tx1">
+                    <a:lumMod val="85000"/>
+                    <a:lumOff val="15000"/>
+                  </a:schemeClr>
+                </a:solidFill>
+                <a:latin typeface="나눔스퀘어 ExtraBold" panose="020B0600000101010101" pitchFamily="50" charset="-127"/>
+                <a:ea typeface="나눔스퀘어 ExtraBold" panose="020B0600000101010101" pitchFamily="50" charset="-127"/>
+                <a:cs typeface="Arial" panose="020B0604020202020204" pitchFamily="34" charset="0"/>
+              </a:rPr>
+              <a:t>approach</a:t>
             </a:r>
           </a:p>
         </p:txBody>
@@ -11844,7 +10474,7 @@
                 <a:ea typeface="나눔스퀘어 ExtraBold" panose="020B0600000101010101" pitchFamily="50" charset="-127"/>
                 <a:cs typeface="Arial" panose="020B0604020202020204" pitchFamily="34" charset="0"/>
               </a:rPr>
-              <a:t>Architecture based approach</a:t>
+              <a:t>Rehearsal(experience replay) based approach</a:t>
             </a:r>
           </a:p>
         </p:txBody>
@@ -11899,7 +10529,7 @@
                 <a:ea typeface="나눔스퀘어 ExtraBold" panose="020B0600000101010101" pitchFamily="50" charset="-127"/>
                 <a:cs typeface="Arial" panose="020B0604020202020204" pitchFamily="34" charset="0"/>
               </a:rPr>
-              <a:t>FGN (Feature Graph Networks)</a:t>
+              <a:t>This approach regulates retraining processes for previous tasks to strengthen the relationship between memory and performance on previously learned tasks</a:t>
             </a:r>
           </a:p>
           <a:p>
@@ -11913,39 +10543,76 @@
               <a:buFont typeface="Wingdings" panose="05000000000000000000" pitchFamily="2" charset="2"/>
               <a:buChar char="§"/>
             </a:pPr>
-            <a:endParaRPr lang="en-US" altLang="ko-KR" sz="2000" dirty="0">
-              <a:solidFill>
-                <a:schemeClr val="tx1">
-                  <a:lumMod val="85000"/>
-                  <a:lumOff val="15000"/>
-                </a:schemeClr>
-              </a:solidFill>
-              <a:latin typeface="나눔스퀘어 ExtraBold" panose="020B0600000101010101" pitchFamily="50" charset="-127"/>
-              <a:ea typeface="나눔스퀘어 ExtraBold" panose="020B0600000101010101" pitchFamily="50" charset="-127"/>
-              <a:cs typeface="Arial" panose="020B0604020202020204" pitchFamily="34" charset="0"/>
-            </a:endParaRPr>
-          </a:p>
-          <a:p>
-            <a:pPr marL="0" indent="0">
-              <a:lnSpc>
-                <a:spcPct val="100000"/>
-              </a:lnSpc>
-              <a:buClr>
-                <a:srgbClr val="004F9E"/>
-              </a:buClr>
-              <a:buNone/>
-            </a:pPr>
-            <a:endParaRPr lang="en-US" altLang="ko-KR" sz="2000" dirty="0">
-              <a:solidFill>
-                <a:schemeClr val="tx1">
-                  <a:lumMod val="85000"/>
-                  <a:lumOff val="15000"/>
-                </a:schemeClr>
-              </a:solidFill>
-              <a:latin typeface="나눔스퀘어 ExtraBold" panose="020B0600000101010101" pitchFamily="50" charset="-127"/>
-              <a:ea typeface="나눔스퀘어 ExtraBold" panose="020B0600000101010101" pitchFamily="50" charset="-127"/>
-              <a:cs typeface="Arial" panose="020B0604020202020204" pitchFamily="34" charset="0"/>
-            </a:endParaRPr>
+            <a:r>
+              <a:rPr lang="en-US" altLang="ko-KR" sz="2000" dirty="0">
+                <a:solidFill>
+                  <a:schemeClr val="tx1">
+                    <a:lumMod val="85000"/>
+                    <a:lumOff val="15000"/>
+                  </a:schemeClr>
+                </a:solidFill>
+                <a:latin typeface="나눔스퀘어 ExtraBold" panose="020B0600000101010101" pitchFamily="50" charset="-127"/>
+                <a:ea typeface="나눔스퀘어 ExtraBold" panose="020B0600000101010101" pitchFamily="50" charset="-127"/>
+                <a:cs typeface="Arial" panose="020B0604020202020204" pitchFamily="34" charset="0"/>
+              </a:rPr>
+              <a:t>This graph learning approach enables the selection of </a:t>
+            </a:r>
+            <a:r>
+              <a:rPr lang="en-US" altLang="ko-KR" sz="2000" b="1" dirty="0">
+                <a:solidFill>
+                  <a:schemeClr val="tx1">
+                    <a:lumMod val="85000"/>
+                    <a:lumOff val="15000"/>
+                  </a:schemeClr>
+                </a:solidFill>
+                <a:latin typeface="나눔스퀘어 ExtraBold" panose="020B0600000101010101" pitchFamily="50" charset="-127"/>
+                <a:ea typeface="나눔스퀘어 ExtraBold" panose="020B0600000101010101" pitchFamily="50" charset="-127"/>
+                <a:cs typeface="Arial" panose="020B0604020202020204" pitchFamily="34" charset="0"/>
+              </a:rPr>
+              <a:t>appropriate samples </a:t>
+            </a:r>
+            <a:r>
+              <a:rPr lang="en-US" altLang="ko-KR" sz="2000" dirty="0">
+                <a:solidFill>
+                  <a:schemeClr val="tx1">
+                    <a:lumMod val="85000"/>
+                    <a:lumOff val="15000"/>
+                  </a:schemeClr>
+                </a:solidFill>
+                <a:latin typeface="나눔스퀘어 ExtraBold" panose="020B0600000101010101" pitchFamily="50" charset="-127"/>
+                <a:ea typeface="나눔스퀘어 ExtraBold" panose="020B0600000101010101" pitchFamily="50" charset="-127"/>
+                <a:cs typeface="Arial" panose="020B0604020202020204" pitchFamily="34" charset="0"/>
+              </a:rPr>
+              <a:t>of graph representation, such as nodes and edges, </a:t>
+            </a:r>
+            <a:r>
+              <a:rPr lang="en-US" altLang="ko-KR" sz="2000" b="1" dirty="0">
+                <a:solidFill>
+                  <a:schemeClr val="tx1">
+                    <a:lumMod val="85000"/>
+                    <a:lumOff val="15000"/>
+                  </a:schemeClr>
+                </a:solidFill>
+                <a:latin typeface="나눔스퀘어 ExtraBold" panose="020B0600000101010101" pitchFamily="50" charset="-127"/>
+                <a:ea typeface="나눔스퀘어 ExtraBold" panose="020B0600000101010101" pitchFamily="50" charset="-127"/>
+                <a:cs typeface="Arial" panose="020B0604020202020204" pitchFamily="34" charset="0"/>
+              </a:rPr>
+              <a:t>for retraining purposes</a:t>
+            </a:r>
+            <a:r>
+              <a:rPr lang="en-US" altLang="ko-KR" sz="2000" dirty="0">
+                <a:solidFill>
+                  <a:schemeClr val="tx1">
+                    <a:lumMod val="85000"/>
+                    <a:lumOff val="15000"/>
+                  </a:schemeClr>
+                </a:solidFill>
+                <a:latin typeface="나눔스퀘어 ExtraBold" panose="020B0600000101010101" pitchFamily="50" charset="-127"/>
+                <a:ea typeface="나눔스퀘어 ExtraBold" panose="020B0600000101010101" pitchFamily="50" charset="-127"/>
+                <a:cs typeface="Arial" panose="020B0604020202020204" pitchFamily="34" charset="0"/>
+              </a:rPr>
+              <a:t>.</a:t>
+            </a:r>
           </a:p>
         </p:txBody>
       </p:sp>
@@ -11982,7 +10649,7 @@
     </p:spTree>
     <p:extLst>
       <p:ext uri="{BB962C8B-B14F-4D97-AF65-F5344CB8AC3E}">
-        <p14:creationId xmlns:p14="http://schemas.microsoft.com/office/powerpoint/2010/main" val="500019753"/>
+        <p14:creationId xmlns:p14="http://schemas.microsoft.com/office/powerpoint/2010/main" val="2888396295"/>
       </p:ext>
     </p:extLst>
   </p:cSld>
@@ -12109,11 +10776,11 @@
                 <a:ea typeface="나눔스퀘어 ExtraBold" panose="020B0600000101010101" pitchFamily="50" charset="-127"/>
                 <a:cs typeface="Arial" panose="020B0604020202020204" pitchFamily="34" charset="0"/>
               </a:rPr>
-              <a:t>This approach regulates retraining processes for previous tasks to strengthen the relationship between memory and performance on previously learned tasks</a:t>
-            </a:r>
-          </a:p>
-          <a:p>
-            <a:pPr marL="432000" indent="-432000">
+              <a:t>ER-GNN (Experience Replay GNN Framework)</a:t>
+            </a:r>
+          </a:p>
+          <a:p>
+            <a:pPr marL="889200" lvl="1" indent="-432000">
               <a:lnSpc>
                 <a:spcPct val="100000"/>
               </a:lnSpc>
@@ -12135,7 +10802,7 @@
                 <a:ea typeface="나눔스퀘어 ExtraBold" panose="020B0600000101010101" pitchFamily="50" charset="-127"/>
                 <a:cs typeface="Arial" panose="020B0604020202020204" pitchFamily="34" charset="0"/>
               </a:rPr>
-              <a:t>This graph learning approach enables the selection of </a:t>
+              <a:t>Used GNN model = </a:t>
             </a:r>
             <a:r>
               <a:rPr lang="en-US" altLang="ko-KR" sz="2000" b="1" dirty="0">
@@ -12149,8 +10816,20 @@
                 <a:ea typeface="나눔스퀘어 ExtraBold" panose="020B0600000101010101" pitchFamily="50" charset="-127"/>
                 <a:cs typeface="Arial" panose="020B0604020202020204" pitchFamily="34" charset="0"/>
               </a:rPr>
-              <a:t>appropriate samples </a:t>
-            </a:r>
+              <a:t>GAT</a:t>
+            </a:r>
+          </a:p>
+          <a:p>
+            <a:pPr marL="889200" lvl="1" indent="-432000">
+              <a:lnSpc>
+                <a:spcPct val="100000"/>
+              </a:lnSpc>
+              <a:buClr>
+                <a:srgbClr val="004F9E"/>
+              </a:buClr>
+              <a:buFont typeface="Wingdings" panose="05000000000000000000" pitchFamily="2" charset="2"/>
+              <a:buChar char="§"/>
+            </a:pPr>
             <a:r>
               <a:rPr lang="en-US" altLang="ko-KR" sz="2000" dirty="0">
                 <a:solidFill>
@@ -12163,7 +10842,33 @@
                 <a:ea typeface="나눔스퀘어 ExtraBold" panose="020B0600000101010101" pitchFamily="50" charset="-127"/>
                 <a:cs typeface="Arial" panose="020B0604020202020204" pitchFamily="34" charset="0"/>
               </a:rPr>
-              <a:t>of graph representation, such as nodes and edges, </a:t>
+              <a:t>ER-GNN stores knowledge from previous tasks as experiences and replays them when learning new tasks to mitigate the catastrophic forgetting issue</a:t>
+            </a:r>
+          </a:p>
+          <a:p>
+            <a:pPr marL="889200" lvl="1" indent="-432000">
+              <a:lnSpc>
+                <a:spcPct val="100000"/>
+              </a:lnSpc>
+              <a:buClr>
+                <a:srgbClr val="004F9E"/>
+              </a:buClr>
+              <a:buFont typeface="Wingdings" panose="05000000000000000000" pitchFamily="2" charset="2"/>
+              <a:buChar char="§"/>
+            </a:pPr>
+            <a:r>
+              <a:rPr lang="en-US" altLang="ko-KR" sz="2000" dirty="0">
+                <a:solidFill>
+                  <a:schemeClr val="tx1">
+                    <a:lumMod val="85000"/>
+                    <a:lumOff val="15000"/>
+                  </a:schemeClr>
+                </a:solidFill>
+                <a:latin typeface="나눔스퀘어 ExtraBold" panose="020B0600000101010101" pitchFamily="50" charset="-127"/>
+                <a:ea typeface="나눔스퀘어 ExtraBold" panose="020B0600000101010101" pitchFamily="50" charset="-127"/>
+                <a:cs typeface="Arial" panose="020B0604020202020204" pitchFamily="34" charset="0"/>
+              </a:rPr>
+              <a:t>three experience node selection strategies: </a:t>
             </a:r>
             <a:r>
               <a:rPr lang="en-US" altLang="ko-KR" sz="2000" b="1" dirty="0">
@@ -12177,7 +10882,7 @@
                 <a:ea typeface="나눔스퀘어 ExtraBold" panose="020B0600000101010101" pitchFamily="50" charset="-127"/>
                 <a:cs typeface="Arial" panose="020B0604020202020204" pitchFamily="34" charset="0"/>
               </a:rPr>
-              <a:t>for retraining purposes</a:t>
+              <a:t>mean of feature</a:t>
             </a:r>
             <a:r>
               <a:rPr lang="en-US" altLang="ko-KR" sz="2000" dirty="0">
@@ -12191,7 +10896,63 @@
                 <a:ea typeface="나눔스퀘어 ExtraBold" panose="020B0600000101010101" pitchFamily="50" charset="-127"/>
                 <a:cs typeface="Arial" panose="020B0604020202020204" pitchFamily="34" charset="0"/>
               </a:rPr>
-              <a:t>.</a:t>
+              <a:t>, </a:t>
+            </a:r>
+            <a:r>
+              <a:rPr lang="en-US" altLang="ko-KR" sz="2000" b="1" dirty="0">
+                <a:solidFill>
+                  <a:schemeClr val="tx1">
+                    <a:lumMod val="85000"/>
+                    <a:lumOff val="15000"/>
+                  </a:schemeClr>
+                </a:solidFill>
+                <a:latin typeface="나눔스퀘어 ExtraBold" panose="020B0600000101010101" pitchFamily="50" charset="-127"/>
+                <a:ea typeface="나눔스퀘어 ExtraBold" panose="020B0600000101010101" pitchFamily="50" charset="-127"/>
+                <a:cs typeface="Arial" panose="020B0604020202020204" pitchFamily="34" charset="0"/>
+              </a:rPr>
+              <a:t>coverage maximization</a:t>
+            </a:r>
+            <a:r>
+              <a:rPr lang="en-US" altLang="ko-KR" sz="2000" dirty="0">
+                <a:solidFill>
+                  <a:schemeClr val="tx1">
+                    <a:lumMod val="85000"/>
+                    <a:lumOff val="15000"/>
+                  </a:schemeClr>
+                </a:solidFill>
+                <a:latin typeface="나눔스퀘어 ExtraBold" panose="020B0600000101010101" pitchFamily="50" charset="-127"/>
+                <a:ea typeface="나눔스퀘어 ExtraBold" panose="020B0600000101010101" pitchFamily="50" charset="-127"/>
+                <a:cs typeface="Arial" panose="020B0604020202020204" pitchFamily="34" charset="0"/>
+              </a:rPr>
+              <a:t>, and </a:t>
+            </a:r>
+            <a:r>
+              <a:rPr lang="en-US" altLang="ko-KR" sz="2000" b="1" dirty="0">
+                <a:solidFill>
+                  <a:schemeClr val="tx1">
+                    <a:lumMod val="85000"/>
+                    <a:lumOff val="15000"/>
+                  </a:schemeClr>
+                </a:solidFill>
+                <a:latin typeface="나눔스퀘어 ExtraBold" panose="020B0600000101010101" pitchFamily="50" charset="-127"/>
+                <a:ea typeface="나눔스퀘어 ExtraBold" panose="020B0600000101010101" pitchFamily="50" charset="-127"/>
+                <a:cs typeface="Arial" panose="020B0604020202020204" pitchFamily="34" charset="0"/>
+              </a:rPr>
+              <a:t>influence maximization</a:t>
+            </a:r>
+            <a:r>
+              <a:rPr lang="en-US" altLang="ko-KR" sz="2000" dirty="0">
+                <a:solidFill>
+                  <a:schemeClr val="tx1">
+                    <a:lumMod val="85000"/>
+                    <a:lumOff val="15000"/>
+                  </a:schemeClr>
+                </a:solidFill>
+                <a:latin typeface="나눔스퀘어 ExtraBold" panose="020B0600000101010101" pitchFamily="50" charset="-127"/>
+                <a:ea typeface="나눔스퀘어 ExtraBold" panose="020B0600000101010101" pitchFamily="50" charset="-127"/>
+                <a:cs typeface="Arial" panose="020B0604020202020204" pitchFamily="34" charset="0"/>
+              </a:rPr>
+              <a:t>, to guide the process of selecting experience nodes</a:t>
             </a:r>
           </a:p>
         </p:txBody>
@@ -12229,7 +10990,7 @@
     </p:spTree>
     <p:extLst>
       <p:ext uri="{BB962C8B-B14F-4D97-AF65-F5344CB8AC3E}">
-        <p14:creationId xmlns:p14="http://schemas.microsoft.com/office/powerpoint/2010/main" val="2888396295"/>
+        <p14:creationId xmlns:p14="http://schemas.microsoft.com/office/powerpoint/2010/main" val="3817165178"/>
       </p:ext>
     </p:extLst>
   </p:cSld>

--- a/papers/papersForKCC/논문 관련 조사 및 아이디어.pptx
+++ b/papers/papersForKCC/논문 관련 조사 및 아이디어.pptx
@@ -5,7 +5,7 @@
     <p:sldMasterId id="2147483648" r:id="rId1"/>
   </p:sldMasterIdLst>
   <p:notesMasterIdLst>
-    <p:notesMasterId r:id="rId16"/>
+    <p:notesMasterId r:id="rId17"/>
   </p:notesMasterIdLst>
   <p:sldIdLst>
     <p:sldId id="256" r:id="rId2"/>
@@ -16,12 +16,13 @@
     <p:sldId id="263" r:id="rId7"/>
     <p:sldId id="264" r:id="rId8"/>
     <p:sldId id="265" r:id="rId9"/>
-    <p:sldId id="274" r:id="rId10"/>
-    <p:sldId id="275" r:id="rId11"/>
+    <p:sldId id="275" r:id="rId10"/>
+    <p:sldId id="274" r:id="rId11"/>
     <p:sldId id="266" r:id="rId12"/>
-    <p:sldId id="269" r:id="rId13"/>
-    <p:sldId id="268" r:id="rId14"/>
-    <p:sldId id="276" r:id="rId15"/>
+    <p:sldId id="277" r:id="rId13"/>
+    <p:sldId id="278" r:id="rId14"/>
+    <p:sldId id="279" r:id="rId15"/>
+    <p:sldId id="268" r:id="rId16"/>
   </p:sldIdLst>
   <p:sldSz cx="12192000" cy="6858000"/>
   <p:notesSz cx="6858000" cy="9144000"/>
@@ -921,7 +922,7 @@
     </p:spTree>
     <p:extLst>
       <p:ext uri="{BB962C8B-B14F-4D97-AF65-F5344CB8AC3E}">
-        <p14:creationId xmlns:p14="http://schemas.microsoft.com/office/powerpoint/2010/main" val="2690387154"/>
+        <p14:creationId xmlns:p14="http://schemas.microsoft.com/office/powerpoint/2010/main" val="3025692529"/>
       </p:ext>
     </p:extLst>
   </p:cSld>
@@ -979,41 +980,30 @@
               <a:buAutoNum type="arabicPeriod"/>
             </a:pPr>
             <a:r>
+              <a:rPr lang="en-US" altLang="ko-KR" dirty="0" err="1"/>
+              <a:t>graphSAIL</a:t>
+            </a:r>
+            <a:r>
+              <a:rPr lang="ko-KR" altLang="en-US" dirty="0"/>
+              <a:t> </a:t>
+            </a:r>
+            <a:r>
               <a:rPr lang="en-US" altLang="ko-KR" dirty="0"/>
-              <a:t>Causal </a:t>
+              <a:t>+</a:t>
+            </a:r>
+            <a:r>
+              <a:rPr lang="ko-KR" altLang="en-US" dirty="0"/>
+              <a:t> </a:t>
+            </a:r>
+            <a:r>
+              <a:rPr lang="en-US" altLang="ko-KR" dirty="0"/>
+              <a:t>memory, </a:t>
             </a:r>
             <a:r>
               <a:rPr lang="en-US" altLang="ko-KR" dirty="0" err="1"/>
-              <a:t>incre</a:t>
-            </a:r>
-            <a:r>
-              <a:rPr lang="en-US" altLang="ko-KR" dirty="0"/>
-              <a:t> + </a:t>
-            </a:r>
-            <a:r>
-              <a:rPr lang="ko-KR" altLang="en-US" dirty="0"/>
-              <a:t>다른 </a:t>
-            </a:r>
-            <a:r>
-              <a:rPr lang="en-US" altLang="ko-KR" dirty="0"/>
-              <a:t>GNN </a:t>
-            </a:r>
-            <a:r>
-              <a:rPr lang="ko-KR" altLang="en-US" dirty="0"/>
-              <a:t>모델 </a:t>
-            </a:r>
-            <a:r>
-              <a:rPr lang="en-US" altLang="ko-KR" dirty="0"/>
-              <a:t>like </a:t>
-            </a:r>
-            <a:r>
-              <a:rPr lang="en-US" altLang="ko-KR" dirty="0" err="1"/>
-              <a:t>pinsage</a:t>
-            </a:r>
-            <a:r>
-              <a:rPr lang="en-US" altLang="ko-KR" dirty="0"/>
-              <a:t> </a:t>
-            </a:r>
+              <a:t>iCaRL</a:t>
+            </a:r>
+            <a:endParaRPr lang="en-US" altLang="ko-KR" dirty="0"/>
           </a:p>
           <a:p>
             <a:pPr marL="228600" indent="-228600">
@@ -1026,32 +1016,48 @@
               <a:buNone/>
             </a:pPr>
             <a:r>
+              <a:rPr lang="ko-KR" altLang="en-US" dirty="0"/>
+              <a:t>기존 방식은 다음 모델에게 </a:t>
+            </a:r>
+            <a:r>
               <a:rPr lang="en-US" altLang="ko-KR" dirty="0"/>
-              <a:t>Causal </a:t>
+              <a:t>KD</a:t>
             </a:r>
             <a:r>
               <a:rPr lang="ko-KR" altLang="en-US" dirty="0"/>
-              <a:t>은 결과가 너무 사기적이기 때문에 다른 </a:t>
-            </a:r>
-            <a:r>
-              <a:rPr lang="en-US" altLang="ko-KR" dirty="0" err="1"/>
-              <a:t>gnn</a:t>
+              <a:t>를 활용해 </a:t>
             </a:r>
             <a:r>
               <a:rPr lang="en-US" altLang="ko-KR" dirty="0"/>
-              <a:t> </a:t>
+              <a:t>teacher model</a:t>
             </a:r>
             <a:r>
               <a:rPr lang="ko-KR" altLang="en-US" dirty="0"/>
-              <a:t>모델에서도 </a:t>
+              <a:t>과 </a:t>
             </a:r>
             <a:r>
               <a:rPr lang="en-US" altLang="ko-KR" dirty="0"/>
-              <a:t>general</a:t>
+              <a:t>student model</a:t>
             </a:r>
             <a:r>
               <a:rPr lang="ko-KR" altLang="en-US" dirty="0"/>
-              <a:t>하게 동작하는지 검증이 필요</a:t>
+              <a:t>의 </a:t>
+            </a:r>
+            <a:r>
+              <a:rPr lang="en-US" altLang="ko-KR" dirty="0"/>
+              <a:t>topological information</a:t>
+            </a:r>
+            <a:r>
+              <a:rPr lang="ko-KR" altLang="en-US" dirty="0"/>
+              <a:t>의 차이를 </a:t>
+            </a:r>
+            <a:r>
+              <a:rPr lang="en-US" altLang="ko-KR" dirty="0"/>
+              <a:t>loss function</a:t>
+            </a:r>
+            <a:r>
+              <a:rPr lang="ko-KR" altLang="en-US" dirty="0"/>
+              <a:t>에 넣어서 모델을 학습 시켰다</a:t>
             </a:r>
             <a:r>
               <a:rPr lang="en-US" altLang="ko-KR" dirty="0"/>
@@ -1068,48 +1074,7 @@
             <a:pPr marL="0" indent="0">
               <a:buNone/>
             </a:pPr>
-            <a:r>
-              <a:rPr lang="en-US" altLang="ko-KR" dirty="0"/>
-              <a:t>If </a:t>
-            </a:r>
-            <a:r>
-              <a:rPr lang="ko-KR" altLang="en-US" dirty="0"/>
-              <a:t>적용한다면 알아야 할 것</a:t>
-            </a:r>
-            <a:r>
-              <a:rPr lang="en-US" altLang="ko-KR" dirty="0"/>
-              <a:t>..</a:t>
-            </a:r>
-          </a:p>
-          <a:p>
-            <a:pPr marL="0" indent="0">
-              <a:buNone/>
-            </a:pPr>
-            <a:r>
-              <a:rPr lang="en-US" altLang="ko-KR" dirty="0" err="1"/>
-              <a:t>Pinsage</a:t>
-            </a:r>
-            <a:r>
-              <a:rPr lang="ko-KR" altLang="en-US" dirty="0"/>
-              <a:t>와 </a:t>
-            </a:r>
-            <a:r>
-              <a:rPr lang="en-US" altLang="ko-KR" dirty="0" err="1"/>
-              <a:t>lightGCN</a:t>
-            </a:r>
-            <a:r>
-              <a:rPr lang="en-US" altLang="ko-KR" dirty="0"/>
-              <a:t> </a:t>
-            </a:r>
-            <a:r>
-              <a:rPr lang="ko-KR" altLang="en-US" dirty="0"/>
-              <a:t>의 차이는 무엇인가</a:t>
-            </a:r>
-            <a:r>
-              <a:rPr lang="en-US" altLang="ko-KR" dirty="0"/>
-              <a:t>?</a:t>
-            </a:r>
-            <a:endParaRPr lang="ko-KR" altLang="en-US" dirty="0"/>
+            <a:endParaRPr lang="en-US" altLang="ko-KR" dirty="0"/>
           </a:p>
         </p:txBody>
       </p:sp>
@@ -1139,7 +1104,7 @@
     </p:spTree>
     <p:extLst>
       <p:ext uri="{BB962C8B-B14F-4D97-AF65-F5344CB8AC3E}">
-        <p14:creationId xmlns:p14="http://schemas.microsoft.com/office/powerpoint/2010/main" val="2252677923"/>
+        <p14:creationId xmlns:p14="http://schemas.microsoft.com/office/powerpoint/2010/main" val="3460793390"/>
       </p:ext>
     </p:extLst>
   </p:cSld>
@@ -1197,41 +1162,30 @@
               <a:buAutoNum type="arabicPeriod"/>
             </a:pPr>
             <a:r>
+              <a:rPr lang="en-US" altLang="ko-KR" dirty="0" err="1"/>
+              <a:t>graphSAIL</a:t>
+            </a:r>
+            <a:r>
+              <a:rPr lang="ko-KR" altLang="en-US" dirty="0"/>
+              <a:t> </a:t>
+            </a:r>
+            <a:r>
               <a:rPr lang="en-US" altLang="ko-KR" dirty="0"/>
-              <a:t>Causal </a:t>
+              <a:t>+</a:t>
+            </a:r>
+            <a:r>
+              <a:rPr lang="ko-KR" altLang="en-US" dirty="0"/>
+              <a:t> </a:t>
+            </a:r>
+            <a:r>
+              <a:rPr lang="en-US" altLang="ko-KR" dirty="0"/>
+              <a:t>memory, </a:t>
             </a:r>
             <a:r>
               <a:rPr lang="en-US" altLang="ko-KR" dirty="0" err="1"/>
-              <a:t>incre</a:t>
-            </a:r>
-            <a:r>
-              <a:rPr lang="en-US" altLang="ko-KR" dirty="0"/>
-              <a:t> + </a:t>
-            </a:r>
-            <a:r>
-              <a:rPr lang="ko-KR" altLang="en-US" dirty="0"/>
-              <a:t>다른 </a:t>
-            </a:r>
-            <a:r>
-              <a:rPr lang="en-US" altLang="ko-KR" dirty="0"/>
-              <a:t>GNN </a:t>
-            </a:r>
-            <a:r>
-              <a:rPr lang="ko-KR" altLang="en-US" dirty="0"/>
-              <a:t>모델 </a:t>
-            </a:r>
-            <a:r>
-              <a:rPr lang="en-US" altLang="ko-KR" dirty="0"/>
-              <a:t>like </a:t>
-            </a:r>
-            <a:r>
-              <a:rPr lang="en-US" altLang="ko-KR" dirty="0" err="1"/>
-              <a:t>pinsage</a:t>
-            </a:r>
-            <a:r>
-              <a:rPr lang="en-US" altLang="ko-KR" dirty="0"/>
-              <a:t> </a:t>
-            </a:r>
+              <a:t>iCaRL</a:t>
+            </a:r>
+            <a:endParaRPr lang="en-US" altLang="ko-KR" dirty="0"/>
           </a:p>
           <a:p>
             <a:pPr marL="228600" indent="-228600">
@@ -1244,32 +1198,40 @@
               <a:buNone/>
             </a:pPr>
             <a:r>
+              <a:rPr lang="ko-KR" altLang="en-US" dirty="0"/>
+              <a:t>생각한 아이디어로 각</a:t>
+            </a:r>
+            <a:r>
               <a:rPr lang="en-US" altLang="ko-KR" dirty="0"/>
-              <a:t>Causal </a:t>
+              <a:t> block</a:t>
             </a:r>
             <a:r>
               <a:rPr lang="ko-KR" altLang="en-US" dirty="0"/>
-              <a:t>은 결과가 너무 사기적이기 때문에 다른 </a:t>
-            </a:r>
-            <a:r>
-              <a:rPr lang="en-US" altLang="ko-KR" dirty="0" err="1"/>
-              <a:t>gnn</a:t>
+              <a:t>에서 대표적인 </a:t>
             </a:r>
             <a:r>
               <a:rPr lang="en-US" altLang="ko-KR" dirty="0"/>
-              <a:t> </a:t>
+              <a:t>data</a:t>
             </a:r>
             <a:r>
               <a:rPr lang="ko-KR" altLang="en-US" dirty="0"/>
-              <a:t>모델에서도 </a:t>
+              <a:t>를 저장하고</a:t>
             </a:r>
             <a:r>
               <a:rPr lang="en-US" altLang="ko-KR" dirty="0"/>
-              <a:t>general</a:t>
+              <a:t>, </a:t>
             </a:r>
             <a:r>
               <a:rPr lang="ko-KR" altLang="en-US" dirty="0"/>
-              <a:t>하게 동작하는지 검증이 필요</a:t>
+              <a:t>다음 </a:t>
+            </a:r>
+            <a:r>
+              <a:rPr lang="en-US" altLang="ko-KR" dirty="0"/>
+              <a:t>task data</a:t>
+            </a:r>
+            <a:r>
+              <a:rPr lang="ko-KR" altLang="en-US" dirty="0"/>
+              <a:t>에 추가하는 것임</a:t>
             </a:r>
             <a:r>
               <a:rPr lang="en-US" altLang="ko-KR" dirty="0"/>
@@ -1281,53 +1243,6 @@
               <a:buNone/>
             </a:pPr>
             <a:endParaRPr lang="en-US" altLang="ko-KR" dirty="0"/>
-          </a:p>
-          <a:p>
-            <a:pPr marL="0" indent="0">
-              <a:buNone/>
-            </a:pPr>
-            <a:r>
-              <a:rPr lang="en-US" altLang="ko-KR" dirty="0"/>
-              <a:t>If </a:t>
-            </a:r>
-            <a:r>
-              <a:rPr lang="ko-KR" altLang="en-US" dirty="0"/>
-              <a:t>적용한다면 알아야 할 것</a:t>
-            </a:r>
-            <a:r>
-              <a:rPr lang="en-US" altLang="ko-KR" dirty="0"/>
-              <a:t>..</a:t>
-            </a:r>
-          </a:p>
-          <a:p>
-            <a:pPr marL="0" indent="0">
-              <a:buNone/>
-            </a:pPr>
-            <a:r>
-              <a:rPr lang="en-US" altLang="ko-KR" dirty="0" err="1"/>
-              <a:t>Pinsage</a:t>
-            </a:r>
-            <a:r>
-              <a:rPr lang="ko-KR" altLang="en-US" dirty="0"/>
-              <a:t>와 </a:t>
-            </a:r>
-            <a:r>
-              <a:rPr lang="en-US" altLang="ko-KR" dirty="0" err="1"/>
-              <a:t>lightGCN</a:t>
-            </a:r>
-            <a:r>
-              <a:rPr lang="en-US" altLang="ko-KR" dirty="0"/>
-              <a:t> </a:t>
-            </a:r>
-            <a:r>
-              <a:rPr lang="ko-KR" altLang="en-US" dirty="0"/>
-              <a:t>의 차이는 무엇인가</a:t>
-            </a:r>
-            <a:r>
-              <a:rPr lang="en-US" altLang="ko-KR" dirty="0"/>
-              <a:t>?</a:t>
-            </a:r>
-            <a:endParaRPr lang="ko-KR" altLang="en-US" dirty="0"/>
           </a:p>
         </p:txBody>
       </p:sp>
@@ -1357,7 +1272,225 @@
     </p:spTree>
     <p:extLst>
       <p:ext uri="{BB962C8B-B14F-4D97-AF65-F5344CB8AC3E}">
-        <p14:creationId xmlns:p14="http://schemas.microsoft.com/office/powerpoint/2010/main" val="4201723511"/>
+        <p14:creationId xmlns:p14="http://schemas.microsoft.com/office/powerpoint/2010/main" val="988236332"/>
+      </p:ext>
+    </p:extLst>
+  </p:cSld>
+  <p:clrMapOvr>
+    <a:masterClrMapping/>
+  </p:clrMapOvr>
+</p:notes>
+</file>
+
+<file path=ppt/notesSlides/notesSlide14.xml><?xml version="1.0" encoding="utf-8"?>
+<p:notes xmlns:a="http://schemas.openxmlformats.org/drawingml/2006/main" xmlns:r="http://schemas.openxmlformats.org/officeDocument/2006/relationships" xmlns:p="http://schemas.openxmlformats.org/presentationml/2006/main">
+  <p:cSld>
+    <p:spTree>
+      <p:nvGrpSpPr>
+        <p:cNvPr id="1" name=""/>
+        <p:cNvGrpSpPr/>
+        <p:nvPr/>
+      </p:nvGrpSpPr>
+      <p:grpSpPr>
+        <a:xfrm>
+          <a:off x="0" y="0"/>
+          <a:ext cx="0" cy="0"/>
+          <a:chOff x="0" y="0"/>
+          <a:chExt cx="0" cy="0"/>
+        </a:xfrm>
+      </p:grpSpPr>
+      <p:sp>
+        <p:nvSpPr>
+          <p:cNvPr id="2" name="슬라이드 이미지 개체 틀 1"/>
+          <p:cNvSpPr>
+            <a:spLocks noGrp="1" noRot="1" noChangeAspect="1"/>
+          </p:cNvSpPr>
+          <p:nvPr>
+            <p:ph type="sldImg"/>
+          </p:nvPr>
+        </p:nvSpPr>
+        <p:spPr/>
+      </p:sp>
+      <p:sp>
+        <p:nvSpPr>
+          <p:cNvPr id="3" name="슬라이드 노트 개체 틀 2"/>
+          <p:cNvSpPr>
+            <a:spLocks noGrp="1"/>
+          </p:cNvSpPr>
+          <p:nvPr>
+            <p:ph type="body" idx="1"/>
+          </p:nvPr>
+        </p:nvSpPr>
+        <p:spPr/>
+        <p:txBody>
+          <a:bodyPr/>
+          <a:lstStyle/>
+          <a:p>
+            <a:pPr marL="228600" indent="-228600">
+              <a:buAutoNum type="arabicPeriod"/>
+            </a:pPr>
+            <a:r>
+              <a:rPr lang="en-US" altLang="ko-KR" dirty="0"/>
+              <a:t>Causal </a:t>
+            </a:r>
+            <a:r>
+              <a:rPr lang="en-US" altLang="ko-KR" dirty="0" err="1"/>
+              <a:t>incre</a:t>
+            </a:r>
+            <a:r>
+              <a:rPr lang="en-US" altLang="ko-KR" dirty="0"/>
+              <a:t> + </a:t>
+            </a:r>
+            <a:r>
+              <a:rPr lang="ko-KR" altLang="en-US" dirty="0"/>
+              <a:t>다른 </a:t>
+            </a:r>
+            <a:r>
+              <a:rPr lang="en-US" altLang="ko-KR" dirty="0"/>
+              <a:t>GNN </a:t>
+            </a:r>
+            <a:r>
+              <a:rPr lang="ko-KR" altLang="en-US" dirty="0"/>
+              <a:t>모델 </a:t>
+            </a:r>
+            <a:r>
+              <a:rPr lang="en-US" altLang="ko-KR" dirty="0"/>
+              <a:t>like </a:t>
+            </a:r>
+            <a:r>
+              <a:rPr lang="en-US" altLang="ko-KR" dirty="0" err="1"/>
+              <a:t>pinsage</a:t>
+            </a:r>
+            <a:r>
+              <a:rPr lang="en-US" altLang="ko-KR" dirty="0"/>
+              <a:t> </a:t>
+            </a:r>
+          </a:p>
+          <a:p>
+            <a:pPr marL="228600" indent="-228600">
+              <a:buAutoNum type="arabicPeriod"/>
+            </a:pPr>
+            <a:endParaRPr lang="en-US" altLang="ko-KR" dirty="0"/>
+          </a:p>
+          <a:p>
+            <a:pPr marL="0" indent="0">
+              <a:buNone/>
+            </a:pPr>
+            <a:r>
+              <a:rPr lang="en-US" altLang="ko-KR" dirty="0"/>
+              <a:t>Causal </a:t>
+            </a:r>
+            <a:r>
+              <a:rPr lang="ko-KR" altLang="en-US" dirty="0"/>
+              <a:t>은 결과가 너무 사기적이기 때문에 다른 </a:t>
+            </a:r>
+            <a:r>
+              <a:rPr lang="en-US" altLang="ko-KR" dirty="0" err="1"/>
+              <a:t>gnn</a:t>
+            </a:r>
+            <a:r>
+              <a:rPr lang="en-US" altLang="ko-KR" dirty="0"/>
+              <a:t> </a:t>
+            </a:r>
+            <a:r>
+              <a:rPr lang="ko-KR" altLang="en-US" dirty="0"/>
+              <a:t>모델에서도 </a:t>
+            </a:r>
+            <a:r>
+              <a:rPr lang="en-US" altLang="ko-KR" dirty="0"/>
+              <a:t>general</a:t>
+            </a:r>
+            <a:r>
+              <a:rPr lang="ko-KR" altLang="en-US" dirty="0"/>
+              <a:t>하게 동작하는지 검증이 필요</a:t>
+            </a:r>
+            <a:r>
+              <a:rPr lang="en-US" altLang="ko-KR" dirty="0"/>
+              <a:t>.</a:t>
+            </a:r>
+          </a:p>
+          <a:p>
+            <a:pPr marL="0" indent="0">
+              <a:buNone/>
+            </a:pPr>
+            <a:endParaRPr lang="en-US" altLang="ko-KR" dirty="0"/>
+          </a:p>
+          <a:p>
+            <a:pPr marL="0" indent="0">
+              <a:buNone/>
+            </a:pPr>
+            <a:r>
+              <a:rPr lang="en-US" altLang="ko-KR" dirty="0"/>
+              <a:t>If </a:t>
+            </a:r>
+            <a:r>
+              <a:rPr lang="ko-KR" altLang="en-US" dirty="0"/>
+              <a:t>적용한다면 알아야 할 것</a:t>
+            </a:r>
+            <a:r>
+              <a:rPr lang="en-US" altLang="ko-KR" dirty="0"/>
+              <a:t>..</a:t>
+            </a:r>
+          </a:p>
+          <a:p>
+            <a:pPr marL="0" indent="0">
+              <a:buNone/>
+            </a:pPr>
+            <a:r>
+              <a:rPr lang="en-US" altLang="ko-KR" dirty="0" err="1"/>
+              <a:t>Pinsage</a:t>
+            </a:r>
+            <a:r>
+              <a:rPr lang="ko-KR" altLang="en-US" dirty="0"/>
+              <a:t>와 </a:t>
+            </a:r>
+            <a:r>
+              <a:rPr lang="en-US" altLang="ko-KR" dirty="0" err="1"/>
+              <a:t>lightGCN</a:t>
+            </a:r>
+            <a:r>
+              <a:rPr lang="en-US" altLang="ko-KR" dirty="0"/>
+              <a:t> </a:t>
+            </a:r>
+            <a:r>
+              <a:rPr lang="ko-KR" altLang="en-US" dirty="0"/>
+              <a:t>의 차이는 무엇인가</a:t>
+            </a:r>
+            <a:r>
+              <a:rPr lang="en-US" altLang="ko-KR" dirty="0"/>
+              <a:t>?</a:t>
+            </a:r>
+            <a:endParaRPr lang="ko-KR" altLang="en-US" dirty="0"/>
+          </a:p>
+        </p:txBody>
+      </p:sp>
+      <p:sp>
+        <p:nvSpPr>
+          <p:cNvPr id="4" name="슬라이드 번호 개체 틀 3"/>
+          <p:cNvSpPr>
+            <a:spLocks noGrp="1"/>
+          </p:cNvSpPr>
+          <p:nvPr>
+            <p:ph type="sldNum" sz="quarter" idx="5"/>
+          </p:nvPr>
+        </p:nvSpPr>
+        <p:spPr/>
+        <p:txBody>
+          <a:bodyPr/>
+          <a:lstStyle/>
+          <a:p>
+            <a:fld id="{E3508E54-26A4-461A-9177-07CC1B35B5F2}" type="slidenum">
+              <a:rPr lang="ko-KR" altLang="en-US" smtClean="0"/>
+              <a:t>15</a:t>
+            </a:fld>
+            <a:endParaRPr lang="ko-KR" altLang="en-US"/>
+          </a:p>
+        </p:txBody>
+      </p:sp>
+    </p:spTree>
+    <p:extLst>
+      <p:ext uri="{BB962C8B-B14F-4D97-AF65-F5344CB8AC3E}">
+        <p14:creationId xmlns:p14="http://schemas.microsoft.com/office/powerpoint/2010/main" val="2252677923"/>
       </p:ext>
     </p:extLst>
   </p:cSld>
@@ -2179,7 +2312,7 @@
           <a:p>
             <a:r>
               <a:rPr lang="en-US" altLang="ko-KR" dirty="0"/>
-              <a:t>ER-GNN</a:t>
+              <a:t>Lifelong open world node classification</a:t>
             </a:r>
           </a:p>
           <a:p>
@@ -2187,12 +2320,16 @@
           </a:p>
           <a:p>
             <a:r>
+              <a:rPr lang="ko-KR" altLang="en-US" dirty="0"/>
+              <a:t>모델이 시퀀스한 태스크를 마주하게 되고</a:t>
+            </a:r>
+            <a:r>
               <a:rPr lang="en-US" altLang="ko-KR" dirty="0"/>
-              <a:t>experience</a:t>
+              <a:t>, </a:t>
             </a:r>
             <a:r>
               <a:rPr lang="ko-KR" altLang="en-US" dirty="0"/>
-              <a:t>로서 이전 </a:t>
+              <a:t>과거 </a:t>
             </a:r>
             <a:r>
               <a:rPr lang="en-US" altLang="ko-KR" dirty="0"/>
@@ -2200,39 +2337,7 @@
             </a:r>
             <a:r>
               <a:rPr lang="ko-KR" altLang="en-US" dirty="0"/>
-              <a:t>으로 부터 </a:t>
-            </a:r>
-            <a:r>
-              <a:rPr lang="en-US" altLang="ko-KR" dirty="0"/>
-              <a:t>knowledge</a:t>
-            </a:r>
-            <a:r>
-              <a:rPr lang="ko-KR" altLang="en-US" dirty="0"/>
-              <a:t>를 저장하고</a:t>
-            </a:r>
-            <a:r>
-              <a:rPr lang="en-US" altLang="ko-KR" dirty="0"/>
-              <a:t>, new task</a:t>
-            </a:r>
-            <a:r>
-              <a:rPr lang="ko-KR" altLang="en-US" dirty="0"/>
-              <a:t>를 </a:t>
-            </a:r>
-            <a:r>
-              <a:rPr lang="en-US" altLang="ko-KR" dirty="0"/>
-              <a:t>learning</a:t>
-            </a:r>
-            <a:r>
-              <a:rPr lang="ko-KR" altLang="en-US" dirty="0"/>
-              <a:t>할 때 </a:t>
-            </a:r>
-            <a:r>
-              <a:rPr lang="en-US" altLang="ko-KR" dirty="0"/>
-              <a:t>repla</a:t>
-            </a:r>
-            <a:r>
-              <a:rPr lang="ko-KR" altLang="en-US" dirty="0"/>
-              <a:t>한다</a:t>
+              <a:t>에서 습득한 지식을 이어받을 수 있다</a:t>
             </a:r>
             <a:r>
               <a:rPr lang="en-US" altLang="ko-KR" dirty="0"/>
@@ -2242,23 +2347,15 @@
           <a:p>
             <a:r>
               <a:rPr lang="ko-KR" altLang="en-US" dirty="0"/>
-              <a:t>이렇게 </a:t>
+              <a:t>그런 지식은 과거 데이터 형태로 저장되거나</a:t>
             </a:r>
             <a:r>
               <a:rPr lang="en-US" altLang="ko-KR" dirty="0"/>
-              <a:t>experience</a:t>
+              <a:t>, </a:t>
             </a:r>
             <a:r>
               <a:rPr lang="ko-KR" altLang="en-US" dirty="0"/>
-              <a:t>로 사용할 노드를 선택하는 </a:t>
-            </a:r>
-            <a:r>
-              <a:rPr lang="en-US" altLang="ko-KR" dirty="0"/>
-              <a:t>3</a:t>
-            </a:r>
-            <a:r>
-              <a:rPr lang="ko-KR" altLang="en-US" dirty="0"/>
-              <a:t>가지 방법이 있다</a:t>
+              <a:t>모델 파라미터로서 간접적으로 저장될 수 있다</a:t>
             </a:r>
             <a:r>
               <a:rPr lang="en-US" altLang="ko-KR" dirty="0"/>
@@ -2267,6 +2364,32 @@
           </a:p>
           <a:p>
             <a:endParaRPr lang="en-US" altLang="ko-KR" dirty="0"/>
+          </a:p>
+          <a:p>
+            <a:r>
+              <a:rPr lang="ko-KR" altLang="en-US" dirty="0"/>
+              <a:t>여기서는 과거 데이터와 차이를 줄이기 위해 </a:t>
+            </a:r>
+            <a:r>
+              <a:rPr lang="en-US" altLang="ko-KR" dirty="0"/>
+              <a:t>k-</a:t>
+            </a:r>
+            <a:r>
+              <a:rPr lang="ko-KR" altLang="en-US" dirty="0"/>
+              <a:t>이웃 </a:t>
+            </a:r>
+            <a:r>
+              <a:rPr lang="en-US" altLang="ko-KR" dirty="0"/>
+              <a:t>time difference</a:t>
+            </a:r>
+            <a:r>
+              <a:rPr lang="ko-KR" altLang="en-US" dirty="0"/>
+              <a:t>를 기반으로 한 새로운 측정법을 제시한다</a:t>
+            </a:r>
+            <a:r>
+              <a:rPr lang="en-US" altLang="ko-KR" dirty="0"/>
+              <a:t>.</a:t>
+            </a:r>
           </a:p>
         </p:txBody>
       </p:sp>
@@ -2296,7 +2419,7 @@
     </p:spTree>
     <p:extLst>
       <p:ext uri="{BB962C8B-B14F-4D97-AF65-F5344CB8AC3E}">
-        <p14:creationId xmlns:p14="http://schemas.microsoft.com/office/powerpoint/2010/main" val="388947896"/>
+        <p14:creationId xmlns:p14="http://schemas.microsoft.com/office/powerpoint/2010/main" val="2451463444"/>
       </p:ext>
     </p:extLst>
   </p:cSld>
@@ -2352,7 +2475,7 @@
           <a:p>
             <a:r>
               <a:rPr lang="en-US" altLang="ko-KR" dirty="0"/>
-              <a:t>Lifelong open world node classification</a:t>
+              <a:t>ER-GNN</a:t>
             </a:r>
           </a:p>
           <a:p>
@@ -2360,16 +2483,12 @@
           </a:p>
           <a:p>
             <a:r>
+              <a:rPr lang="en-US" altLang="ko-KR" dirty="0"/>
+              <a:t>experience</a:t>
+            </a:r>
+            <a:r>
               <a:rPr lang="ko-KR" altLang="en-US" dirty="0"/>
-              <a:t>모델이 시퀀스한 태스크를 마주하게 되고</a:t>
-            </a:r>
-            <a:r>
-              <a:rPr lang="en-US" altLang="ko-KR" dirty="0"/>
-              <a:t>, </a:t>
-            </a:r>
-            <a:r>
-              <a:rPr lang="ko-KR" altLang="en-US" dirty="0"/>
-              <a:t>과거 </a:t>
+              <a:t>로서 이전 </a:t>
             </a:r>
             <a:r>
               <a:rPr lang="en-US" altLang="ko-KR" dirty="0"/>
@@ -2377,7 +2496,39 @@
             </a:r>
             <a:r>
               <a:rPr lang="ko-KR" altLang="en-US" dirty="0"/>
-              <a:t>에서 습득한 지식을 이어받을 수 있다</a:t>
+              <a:t>으로 부터 </a:t>
+            </a:r>
+            <a:r>
+              <a:rPr lang="en-US" altLang="ko-KR" dirty="0"/>
+              <a:t>knowledge</a:t>
+            </a:r>
+            <a:r>
+              <a:rPr lang="ko-KR" altLang="en-US" dirty="0"/>
+              <a:t>를 저장하고</a:t>
+            </a:r>
+            <a:r>
+              <a:rPr lang="en-US" altLang="ko-KR" dirty="0"/>
+              <a:t>, new task</a:t>
+            </a:r>
+            <a:r>
+              <a:rPr lang="ko-KR" altLang="en-US" dirty="0"/>
+              <a:t>를 </a:t>
+            </a:r>
+            <a:r>
+              <a:rPr lang="en-US" altLang="ko-KR" dirty="0"/>
+              <a:t>learning</a:t>
+            </a:r>
+            <a:r>
+              <a:rPr lang="ko-KR" altLang="en-US" dirty="0"/>
+              <a:t>할 때 </a:t>
+            </a:r>
+            <a:r>
+              <a:rPr lang="en-US" altLang="ko-KR" dirty="0"/>
+              <a:t>repla</a:t>
+            </a:r>
+            <a:r>
+              <a:rPr lang="ko-KR" altLang="en-US" dirty="0"/>
+              <a:t>한다</a:t>
             </a:r>
             <a:r>
               <a:rPr lang="en-US" altLang="ko-KR" dirty="0"/>
@@ -2387,15 +2538,23 @@
           <a:p>
             <a:r>
               <a:rPr lang="ko-KR" altLang="en-US" dirty="0"/>
-              <a:t>그런 지식은 과거 데이터 형태로 저장되거나</a:t>
+              <a:t>이렇게 </a:t>
             </a:r>
             <a:r>
               <a:rPr lang="en-US" altLang="ko-KR" dirty="0"/>
-              <a:t>, </a:t>
+              <a:t>experience</a:t>
             </a:r>
             <a:r>
               <a:rPr lang="ko-KR" altLang="en-US" dirty="0"/>
-              <a:t>모델 파라미터로서 간접적으로 저장될 수 있다</a:t>
+              <a:t>로 사용할 노드를 선택하는 </a:t>
+            </a:r>
+            <a:r>
+              <a:rPr lang="en-US" altLang="ko-KR" dirty="0"/>
+              <a:t>3</a:t>
+            </a:r>
+            <a:r>
+              <a:rPr lang="ko-KR" altLang="en-US" dirty="0"/>
+              <a:t>가지 방법이 있다</a:t>
             </a:r>
             <a:r>
               <a:rPr lang="en-US" altLang="ko-KR" dirty="0"/>
@@ -2404,32 +2563,6 @@
           </a:p>
           <a:p>
             <a:endParaRPr lang="en-US" altLang="ko-KR" dirty="0"/>
-          </a:p>
-          <a:p>
-            <a:r>
-              <a:rPr lang="ko-KR" altLang="en-US" dirty="0"/>
-              <a:t>여기서는 과거 데이터와 차이를 줄이기 위해 </a:t>
-            </a:r>
-            <a:r>
-              <a:rPr lang="en-US" altLang="ko-KR" dirty="0"/>
-              <a:t>k-</a:t>
-            </a:r>
-            <a:r>
-              <a:rPr lang="ko-KR" altLang="en-US" dirty="0"/>
-              <a:t>이웃 </a:t>
-            </a:r>
-            <a:r>
-              <a:rPr lang="en-US" altLang="ko-KR" dirty="0"/>
-              <a:t>time difference</a:t>
-            </a:r>
-            <a:r>
-              <a:rPr lang="ko-KR" altLang="en-US" dirty="0"/>
-              <a:t>를 기반으로 한 새로운 측정법을 제시한다</a:t>
-            </a:r>
-            <a:r>
-              <a:rPr lang="en-US" altLang="ko-KR" dirty="0"/>
-              <a:t>.</a:t>
-            </a:r>
           </a:p>
         </p:txBody>
       </p:sp>
@@ -2459,7 +2592,7 @@
     </p:spTree>
     <p:extLst>
       <p:ext uri="{BB962C8B-B14F-4D97-AF65-F5344CB8AC3E}">
-        <p14:creationId xmlns:p14="http://schemas.microsoft.com/office/powerpoint/2010/main" val="2451463444"/>
+        <p14:creationId xmlns:p14="http://schemas.microsoft.com/office/powerpoint/2010/main" val="388947896"/>
       </p:ext>
     </p:extLst>
   </p:cSld>
@@ -6871,7 +7004,7 @@
                 <a:ea typeface="나눔스퀘어 ExtraBold" panose="020B0600000101010101" pitchFamily="50" charset="-127"/>
                 <a:cs typeface="Arial" panose="020B0604020202020204" pitchFamily="34" charset="0"/>
               </a:rPr>
-              <a:t>Lifelong Open-world node classification</a:t>
+              <a:t>ER-GNN (Experience Replay GNN Framework)</a:t>
             </a:r>
           </a:p>
           <a:p>
@@ -6911,89 +7044,8 @@
                 <a:ea typeface="나눔스퀘어 ExtraBold" panose="020B0600000101010101" pitchFamily="50" charset="-127"/>
                 <a:cs typeface="Arial" panose="020B0604020202020204" pitchFamily="34" charset="0"/>
               </a:rPr>
-              <a:t>GAT, </a:t>
-            </a:r>
-            <a:r>
-              <a:rPr lang="en-US" altLang="ko-KR" sz="2000" b="1" dirty="0" err="1">
-                <a:solidFill>
-                  <a:schemeClr val="tx1">
-                    <a:lumMod val="85000"/>
-                    <a:lumOff val="15000"/>
-                  </a:schemeClr>
-                </a:solidFill>
-                <a:latin typeface="나눔스퀘어 ExtraBold" panose="020B0600000101010101" pitchFamily="50" charset="-127"/>
-                <a:ea typeface="나눔스퀘어 ExtraBold" panose="020B0600000101010101" pitchFamily="50" charset="-127"/>
-                <a:cs typeface="Arial" panose="020B0604020202020204" pitchFamily="34" charset="0"/>
-              </a:rPr>
-              <a:t>GraphSAGE</a:t>
-            </a:r>
-            <a:r>
-              <a:rPr lang="en-US" altLang="ko-KR" sz="2000" b="1" dirty="0">
-                <a:solidFill>
-                  <a:schemeClr val="tx1">
-                    <a:lumMod val="85000"/>
-                    <a:lumOff val="15000"/>
-                  </a:schemeClr>
-                </a:solidFill>
-                <a:latin typeface="나눔스퀘어 ExtraBold" panose="020B0600000101010101" pitchFamily="50" charset="-127"/>
-                <a:ea typeface="나눔스퀘어 ExtraBold" panose="020B0600000101010101" pitchFamily="50" charset="-127"/>
-                <a:cs typeface="Arial" panose="020B0604020202020204" pitchFamily="34" charset="0"/>
-              </a:rPr>
-              <a:t>-Mean, GCN, </a:t>
-            </a:r>
-            <a:r>
-              <a:rPr lang="en-US" altLang="ko-KR" sz="2000" b="1" dirty="0" err="1">
-                <a:solidFill>
-                  <a:schemeClr val="tx1">
-                    <a:lumMod val="85000"/>
-                    <a:lumOff val="15000"/>
-                  </a:schemeClr>
-                </a:solidFill>
-                <a:latin typeface="나눔스퀘어 ExtraBold" panose="020B0600000101010101" pitchFamily="50" charset="-127"/>
-                <a:ea typeface="나눔스퀘어 ExtraBold" panose="020B0600000101010101" pitchFamily="50" charset="-127"/>
-                <a:cs typeface="Arial" panose="020B0604020202020204" pitchFamily="34" charset="0"/>
-              </a:rPr>
-              <a:t>GraphSAINT</a:t>
-            </a:r>
-            <a:r>
-              <a:rPr lang="en-US" altLang="ko-KR" sz="2000" b="1" dirty="0">
-                <a:solidFill>
-                  <a:schemeClr val="tx1">
-                    <a:lumMod val="85000"/>
-                    <a:lumOff val="15000"/>
-                  </a:schemeClr>
-                </a:solidFill>
-                <a:latin typeface="나눔스퀘어 ExtraBold" panose="020B0600000101010101" pitchFamily="50" charset="-127"/>
-                <a:ea typeface="나눔스퀘어 ExtraBold" panose="020B0600000101010101" pitchFamily="50" charset="-127"/>
-                <a:cs typeface="Arial" panose="020B0604020202020204" pitchFamily="34" charset="0"/>
-              </a:rPr>
-              <a:t>, </a:t>
-            </a:r>
-            <a:r>
-              <a:rPr lang="en-US" altLang="ko-KR" sz="2000" b="1" dirty="0" err="1">
-                <a:solidFill>
-                  <a:schemeClr val="tx1">
-                    <a:lumMod val="85000"/>
-                    <a:lumOff val="15000"/>
-                  </a:schemeClr>
-                </a:solidFill>
-                <a:latin typeface="나눔스퀘어 ExtraBold" panose="020B0600000101010101" pitchFamily="50" charset="-127"/>
-                <a:ea typeface="나눔스퀘어 ExtraBold" panose="020B0600000101010101" pitchFamily="50" charset="-127"/>
-                <a:cs typeface="Arial" panose="020B0604020202020204" pitchFamily="34" charset="0"/>
-              </a:rPr>
-              <a:t>JKNets</a:t>
-            </a:r>
-            <a:endParaRPr lang="en-US" altLang="ko-KR" sz="1800" b="1" dirty="0">
-              <a:solidFill>
-                <a:schemeClr val="tx1">
-                  <a:lumMod val="85000"/>
-                  <a:lumOff val="15000"/>
-                </a:schemeClr>
-              </a:solidFill>
-              <a:latin typeface="나눔스퀘어 ExtraBold" panose="020B0600000101010101" pitchFamily="50" charset="-127"/>
-              <a:ea typeface="나눔스퀘어 ExtraBold" panose="020B0600000101010101" pitchFamily="50" charset="-127"/>
-              <a:cs typeface="Arial" panose="020B0604020202020204" pitchFamily="34" charset="0"/>
-            </a:endParaRPr>
+              <a:t>GAT</a:t>
+            </a:r>
           </a:p>
           <a:p>
             <a:pPr marL="889200" lvl="1" indent="-432000">
@@ -7018,7 +7070,7 @@
                 <a:ea typeface="나눔스퀘어 ExtraBold" panose="020B0600000101010101" pitchFamily="50" charset="-127"/>
                 <a:cs typeface="Arial" panose="020B0604020202020204" pitchFamily="34" charset="0"/>
               </a:rPr>
-              <a:t>A model faces a sequence of tasks and may take over knowledge acquired in past tasks</a:t>
+              <a:t>ER-GNN stores knowledge from previous tasks as experiences and replays them when learning new tasks to mitigate the catastrophic forgetting issue</a:t>
             </a:r>
           </a:p>
           <a:p>
@@ -7044,20 +7096,22 @@
                 <a:ea typeface="나눔스퀘어 ExtraBold" panose="020B0600000101010101" pitchFamily="50" charset="-127"/>
                 <a:cs typeface="Arial" panose="020B0604020202020204" pitchFamily="34" charset="0"/>
               </a:rPr>
-              <a:t>Such knowledge may be stored explicitly as historic data or implicitly within model parameters</a:t>
-            </a:r>
-          </a:p>
-          <a:p>
-            <a:pPr marL="889200" lvl="1" indent="-432000">
-              <a:lnSpc>
-                <a:spcPct val="100000"/>
-              </a:lnSpc>
-              <a:buClr>
-                <a:srgbClr val="004F9E"/>
-              </a:buClr>
-              <a:buFont typeface="Wingdings" panose="05000000000000000000" pitchFamily="2" charset="2"/>
-              <a:buChar char="§"/>
-            </a:pPr>
+              <a:t>three experience node selection strategies: </a:t>
+            </a:r>
+            <a:r>
+              <a:rPr lang="en-US" altLang="ko-KR" sz="2000" b="1" dirty="0">
+                <a:solidFill>
+                  <a:schemeClr val="tx1">
+                    <a:lumMod val="85000"/>
+                    <a:lumOff val="15000"/>
+                  </a:schemeClr>
+                </a:solidFill>
+                <a:latin typeface="나눔스퀘어 ExtraBold" panose="020B0600000101010101" pitchFamily="50" charset="-127"/>
+                <a:ea typeface="나눔스퀘어 ExtraBold" panose="020B0600000101010101" pitchFamily="50" charset="-127"/>
+                <a:cs typeface="Arial" panose="020B0604020202020204" pitchFamily="34" charset="0"/>
+              </a:rPr>
+              <a:t>mean of feature</a:t>
+            </a:r>
             <a:r>
               <a:rPr lang="en-US" altLang="ko-KR" sz="2000" dirty="0">
                 <a:solidFill>
@@ -7070,7 +7124,7 @@
                 <a:ea typeface="나눔스퀘어 ExtraBold" panose="020B0600000101010101" pitchFamily="50" charset="-127"/>
                 <a:cs typeface="Arial" panose="020B0604020202020204" pitchFamily="34" charset="0"/>
               </a:rPr>
-              <a:t>introduce a new measure based on </a:t>
+              <a:t>, </a:t>
             </a:r>
             <a:r>
               <a:rPr lang="en-US" altLang="ko-KR" sz="2000" b="1" dirty="0">
@@ -7084,7 +7138,7 @@
                 <a:ea typeface="나눔스퀘어 ExtraBold" panose="020B0600000101010101" pitchFamily="50" charset="-127"/>
                 <a:cs typeface="Arial" panose="020B0604020202020204" pitchFamily="34" charset="0"/>
               </a:rPr>
-              <a:t>k-neighborhood time differences </a:t>
+              <a:t>coverage maximization</a:t>
             </a:r>
             <a:r>
               <a:rPr lang="en-US" altLang="ko-KR" sz="2000" dirty="0">
@@ -7098,7 +7152,35 @@
                 <a:ea typeface="나눔스퀘어 ExtraBold" panose="020B0600000101010101" pitchFamily="50" charset="-127"/>
                 <a:cs typeface="Arial" panose="020B0604020202020204" pitchFamily="34" charset="0"/>
               </a:rPr>
-              <a:t>to address variances in the historic data</a:t>
+              <a:t>, and </a:t>
+            </a:r>
+            <a:r>
+              <a:rPr lang="en-US" altLang="ko-KR" sz="2000" b="1" dirty="0">
+                <a:solidFill>
+                  <a:schemeClr val="tx1">
+                    <a:lumMod val="85000"/>
+                    <a:lumOff val="15000"/>
+                  </a:schemeClr>
+                </a:solidFill>
+                <a:latin typeface="나눔스퀘어 ExtraBold" panose="020B0600000101010101" pitchFamily="50" charset="-127"/>
+                <a:ea typeface="나눔스퀘어 ExtraBold" panose="020B0600000101010101" pitchFamily="50" charset="-127"/>
+                <a:cs typeface="Arial" panose="020B0604020202020204" pitchFamily="34" charset="0"/>
+              </a:rPr>
+              <a:t>influence maximization</a:t>
+            </a:r>
+            <a:r>
+              <a:rPr lang="en-US" altLang="ko-KR" sz="2000" dirty="0">
+                <a:solidFill>
+                  <a:schemeClr val="tx1">
+                    <a:lumMod val="85000"/>
+                    <a:lumOff val="15000"/>
+                  </a:schemeClr>
+                </a:solidFill>
+                <a:latin typeface="나눔스퀘어 ExtraBold" panose="020B0600000101010101" pitchFamily="50" charset="-127"/>
+                <a:ea typeface="나눔스퀘어 ExtraBold" panose="020B0600000101010101" pitchFamily="50" charset="-127"/>
+                <a:cs typeface="Arial" panose="020B0604020202020204" pitchFamily="34" charset="0"/>
+              </a:rPr>
+              <a:t>, to guide the process of selecting experience nodes</a:t>
             </a:r>
           </a:p>
         </p:txBody>
@@ -7136,7 +7218,7 @@
     </p:spTree>
     <p:extLst>
       <p:ext uri="{BB962C8B-B14F-4D97-AF65-F5344CB8AC3E}">
-        <p14:creationId xmlns:p14="http://schemas.microsoft.com/office/powerpoint/2010/main" val="3086927590"/>
+        <p14:creationId xmlns:p14="http://schemas.microsoft.com/office/powerpoint/2010/main" val="3817165178"/>
       </p:ext>
     </p:extLst>
   </p:cSld>
@@ -7484,7 +7566,7 @@
                 <a:ea typeface="나눔스퀘어 ExtraBold" panose="020B0600000101010101" pitchFamily="50" charset="-127"/>
                 <a:cs typeface="Arial" panose="020B0604020202020204" pitchFamily="34" charset="0"/>
               </a:rPr>
-              <a:t> + Rehearsal based approach</a:t>
+              <a:t> + Rehearsal(experience replay) based approach</a:t>
             </a:r>
           </a:p>
           <a:p>
@@ -7601,7 +7683,7 @@
                 <a:ea typeface="나눔스퀘어 ExtraBold" panose="020B0600000101010101" pitchFamily="50" charset="-127"/>
                 <a:cs typeface="Arial" panose="020B0604020202020204" pitchFamily="34" charset="0"/>
               </a:rPr>
-              <a:t>add Rehearsal(Experience replay) based approach</a:t>
+              <a:t>add Rehearsal based approach</a:t>
             </a:r>
             <a:r>
               <a:rPr lang="en-US" altLang="ko-KR" sz="2000" dirty="0">
@@ -7615,7 +7697,7 @@
                 <a:ea typeface="나눔스퀘어 ExtraBold" panose="020B0600000101010101" pitchFamily="50" charset="-127"/>
                 <a:cs typeface="Arial" panose="020B0604020202020204" pitchFamily="34" charset="0"/>
               </a:rPr>
-              <a:t> like ER-GNN</a:t>
+              <a:t> like ER-GNN,</a:t>
             </a:r>
             <a:r>
               <a:rPr lang="ko-KR" altLang="en-US" sz="2000" dirty="0">
@@ -7643,7 +7725,7 @@
                 <a:ea typeface="나눔스퀘어 ExtraBold" panose="020B0600000101010101" pitchFamily="50" charset="-127"/>
                 <a:cs typeface="Arial" panose="020B0604020202020204" pitchFamily="34" charset="0"/>
               </a:rPr>
-              <a:t>or</a:t>
+              <a:t>Lifelong Open-world node classification or</a:t>
             </a:r>
             <a:r>
               <a:rPr lang="ko-KR" altLang="en-US" sz="2000" dirty="0">
@@ -7660,6 +7742,20 @@
               <a:t> </a:t>
             </a:r>
             <a:r>
+              <a:rPr lang="en-US" altLang="ko-KR" sz="2000" dirty="0" err="1">
+                <a:solidFill>
+                  <a:schemeClr val="tx1">
+                    <a:lumMod val="85000"/>
+                    <a:lumOff val="15000"/>
+                  </a:schemeClr>
+                </a:solidFill>
+                <a:latin typeface="나눔스퀘어 ExtraBold" panose="020B0600000101010101" pitchFamily="50" charset="-127"/>
+                <a:ea typeface="나눔스퀘어 ExtraBold" panose="020B0600000101010101" pitchFamily="50" charset="-127"/>
+                <a:cs typeface="Arial" panose="020B0604020202020204" pitchFamily="34" charset="0"/>
+              </a:rPr>
+              <a:t>ContinualGNN</a:t>
+            </a:r>
+            <a:r>
               <a:rPr lang="en-US" altLang="ko-KR" sz="2000" dirty="0">
                 <a:solidFill>
                   <a:schemeClr val="tx1">
@@ -7671,7 +7767,49 @@
                 <a:ea typeface="나눔스퀘어 ExtraBold" panose="020B0600000101010101" pitchFamily="50" charset="-127"/>
                 <a:cs typeface="Arial" panose="020B0604020202020204" pitchFamily="34" charset="0"/>
               </a:rPr>
-              <a:t>Lifelong Open-world node classification?</a:t>
+              <a:t>,</a:t>
+            </a:r>
+            <a:r>
+              <a:rPr lang="ko-KR" altLang="en-US" sz="2000" dirty="0">
+                <a:solidFill>
+                  <a:schemeClr val="tx1">
+                    <a:lumMod val="85000"/>
+                    <a:lumOff val="15000"/>
+                  </a:schemeClr>
+                </a:solidFill>
+                <a:latin typeface="나눔스퀘어 ExtraBold" panose="020B0600000101010101" pitchFamily="50" charset="-127"/>
+                <a:ea typeface="나눔스퀘어 ExtraBold" panose="020B0600000101010101" pitchFamily="50" charset="-127"/>
+                <a:cs typeface="Arial" panose="020B0604020202020204" pitchFamily="34" charset="0"/>
+              </a:rPr>
+              <a:t> </a:t>
+            </a:r>
+            <a:r>
+              <a:rPr lang="en-US" altLang="ko-KR" sz="2000" dirty="0" err="1">
+                <a:solidFill>
+                  <a:schemeClr val="tx1">
+                    <a:lumMod val="85000"/>
+                    <a:lumOff val="15000"/>
+                  </a:schemeClr>
+                </a:solidFill>
+                <a:latin typeface="나눔스퀘어 ExtraBold" panose="020B0600000101010101" pitchFamily="50" charset="-127"/>
+                <a:ea typeface="나눔스퀘어 ExtraBold" panose="020B0600000101010101" pitchFamily="50" charset="-127"/>
+                <a:cs typeface="Arial" panose="020B0604020202020204" pitchFamily="34" charset="0"/>
+              </a:rPr>
+              <a:t>IncreGNN</a:t>
+            </a:r>
+            <a:r>
+              <a:rPr lang="en-US" altLang="ko-KR" sz="2000" dirty="0">
+                <a:solidFill>
+                  <a:schemeClr val="tx1">
+                    <a:lumMod val="85000"/>
+                    <a:lumOff val="15000"/>
+                  </a:schemeClr>
+                </a:solidFill>
+                <a:latin typeface="나눔스퀘어 ExtraBold" panose="020B0600000101010101" pitchFamily="50" charset="-127"/>
+                <a:ea typeface="나눔스퀘어 ExtraBold" panose="020B0600000101010101" pitchFamily="50" charset="-127"/>
+                <a:cs typeface="Arial" panose="020B0604020202020204" pitchFamily="34" charset="0"/>
+              </a:rPr>
+              <a:t>?</a:t>
             </a:r>
             <a:endParaRPr lang="en-US" altLang="ko-KR" dirty="0">
               <a:solidFill>
@@ -7720,7 +7858,7 @@
     </p:spTree>
     <p:extLst>
       <p:ext uri="{BB962C8B-B14F-4D97-AF65-F5344CB8AC3E}">
-        <p14:creationId xmlns:p14="http://schemas.microsoft.com/office/powerpoint/2010/main" val="765713177"/>
+        <p14:creationId xmlns:p14="http://schemas.microsoft.com/office/powerpoint/2010/main" val="1153344948"/>
       </p:ext>
     </p:extLst>
   </p:cSld>
@@ -7836,6 +7974,20 @@
               <a:buChar char="§"/>
             </a:pPr>
             <a:r>
+              <a:rPr lang="en-US" altLang="ko-KR" sz="2000" dirty="0" err="1">
+                <a:solidFill>
+                  <a:schemeClr val="tx1">
+                    <a:lumMod val="85000"/>
+                    <a:lumOff val="15000"/>
+                  </a:schemeClr>
+                </a:solidFill>
+                <a:latin typeface="나눔스퀘어 ExtraBold" panose="020B0600000101010101" pitchFamily="50" charset="-127"/>
+                <a:ea typeface="나눔스퀘어 ExtraBold" panose="020B0600000101010101" pitchFamily="50" charset="-127"/>
+                <a:cs typeface="Arial" panose="020B0604020202020204" pitchFamily="34" charset="0"/>
+              </a:rPr>
+              <a:t>GraphSAIL</a:t>
+            </a:r>
+            <a:r>
               <a:rPr lang="en-US" altLang="ko-KR" sz="2000" dirty="0">
                 <a:solidFill>
                   <a:schemeClr val="tx1">
@@ -7847,63 +7999,7 @@
                 <a:ea typeface="나눔스퀘어 ExtraBold" panose="020B0600000101010101" pitchFamily="50" charset="-127"/>
                 <a:cs typeface="Arial" panose="020B0604020202020204" pitchFamily="34" charset="0"/>
               </a:rPr>
-              <a:t>IGC, CED + another GNN based </a:t>
-            </a:r>
-            <a:r>
-              <a:rPr lang="en-US" altLang="ko-KR" sz="2000" dirty="0" err="1">
-                <a:solidFill>
-                  <a:schemeClr val="tx1">
-                    <a:lumMod val="85000"/>
-                    <a:lumOff val="15000"/>
-                  </a:schemeClr>
-                </a:solidFill>
-                <a:latin typeface="나눔스퀘어 ExtraBold" panose="020B0600000101010101" pitchFamily="50" charset="-127"/>
-                <a:ea typeface="나눔스퀘어 ExtraBold" panose="020B0600000101010101" pitchFamily="50" charset="-127"/>
-                <a:cs typeface="Arial" panose="020B0604020202020204" pitchFamily="34" charset="0"/>
-              </a:rPr>
-              <a:t>Recsys</a:t>
-            </a:r>
-            <a:r>
-              <a:rPr lang="en-US" altLang="ko-KR" sz="2000" dirty="0">
-                <a:solidFill>
-                  <a:schemeClr val="tx1">
-                    <a:lumMod val="85000"/>
-                    <a:lumOff val="15000"/>
-                  </a:schemeClr>
-                </a:solidFill>
-                <a:latin typeface="나눔스퀘어 ExtraBold" panose="020B0600000101010101" pitchFamily="50" charset="-127"/>
-                <a:ea typeface="나눔스퀘어 ExtraBold" panose="020B0600000101010101" pitchFamily="50" charset="-127"/>
-                <a:cs typeface="Arial" panose="020B0604020202020204" pitchFamily="34" charset="0"/>
-              </a:rPr>
-              <a:t> model like </a:t>
-            </a:r>
-            <a:r>
-              <a:rPr lang="en-US" altLang="ko-KR" sz="2000" dirty="0" err="1">
-                <a:solidFill>
-                  <a:schemeClr val="tx1">
-                    <a:lumMod val="85000"/>
-                    <a:lumOff val="15000"/>
-                  </a:schemeClr>
-                </a:solidFill>
-                <a:latin typeface="나눔스퀘어 ExtraBold" panose="020B0600000101010101" pitchFamily="50" charset="-127"/>
-                <a:ea typeface="나눔스퀘어 ExtraBold" panose="020B0600000101010101" pitchFamily="50" charset="-127"/>
-                <a:cs typeface="Arial" panose="020B0604020202020204" pitchFamily="34" charset="0"/>
-              </a:rPr>
-              <a:t>PinSAGE</a:t>
-            </a:r>
-            <a:r>
-              <a:rPr lang="en-US" altLang="ko-KR" sz="2000" dirty="0">
-                <a:solidFill>
-                  <a:schemeClr val="tx1">
-                    <a:lumMod val="85000"/>
-                    <a:lumOff val="15000"/>
-                  </a:schemeClr>
-                </a:solidFill>
-                <a:latin typeface="나눔스퀘어 ExtraBold" panose="020B0600000101010101" pitchFamily="50" charset="-127"/>
-                <a:ea typeface="나눔스퀘어 ExtraBold" panose="020B0600000101010101" pitchFamily="50" charset="-127"/>
-                <a:cs typeface="Arial" panose="020B0604020202020204" pitchFamily="34" charset="0"/>
-              </a:rPr>
-              <a:t>.</a:t>
+              <a:t> + Rehearsal(experience replay) based approach</a:t>
             </a:r>
           </a:p>
           <a:p>
@@ -7952,59 +8048,7 @@
                 <a:ea typeface="나눔스퀘어 ExtraBold" panose="020B0600000101010101" pitchFamily="50" charset="-127"/>
                 <a:cs typeface="Arial" panose="020B0604020202020204" pitchFamily="34" charset="0"/>
               </a:rPr>
-              <a:t>IGC, CED modules performed too well.</a:t>
-            </a:r>
-          </a:p>
-          <a:p>
-            <a:pPr marL="889200" lvl="1" indent="-432000">
-              <a:lnSpc>
-                <a:spcPct val="100000"/>
-              </a:lnSpc>
-              <a:buClr>
-                <a:srgbClr val="004F9E"/>
-              </a:buClr>
-              <a:buFont typeface="Wingdings" panose="05000000000000000000" pitchFamily="2" charset="2"/>
-              <a:buChar char="§"/>
-            </a:pPr>
-            <a:r>
-              <a:rPr lang="en-US" altLang="ko-KR" sz="2000" dirty="0">
-                <a:solidFill>
-                  <a:schemeClr val="tx1">
-                    <a:lumMod val="85000"/>
-                    <a:lumOff val="15000"/>
-                  </a:schemeClr>
-                </a:solidFill>
-                <a:latin typeface="나눔스퀘어 ExtraBold" panose="020B0600000101010101" pitchFamily="50" charset="-127"/>
-                <a:ea typeface="나눔스퀘어 ExtraBold" panose="020B0600000101010101" pitchFamily="50" charset="-127"/>
-                <a:cs typeface="Arial" panose="020B0604020202020204" pitchFamily="34" charset="0"/>
-              </a:rPr>
-              <a:t>So I’m a bit suspicious.</a:t>
-            </a:r>
-          </a:p>
-          <a:p>
-            <a:pPr marL="889200" lvl="1" indent="-432000">
-              <a:lnSpc>
-                <a:spcPct val="100000"/>
-              </a:lnSpc>
-              <a:buClr>
-                <a:srgbClr val="004F9E"/>
-              </a:buClr>
-              <a:buFont typeface="Wingdings" panose="05000000000000000000" pitchFamily="2" charset="2"/>
-              <a:buChar char="§"/>
-            </a:pPr>
-            <a:r>
-              <a:rPr lang="en-US" altLang="ko-KR" sz="2000" dirty="0">
-                <a:solidFill>
-                  <a:schemeClr val="tx1">
-                    <a:lumMod val="85000"/>
-                    <a:lumOff val="15000"/>
-                  </a:schemeClr>
-                </a:solidFill>
-                <a:latin typeface="나눔스퀘어 ExtraBold" panose="020B0600000101010101" pitchFamily="50" charset="-127"/>
-                <a:ea typeface="나눔스퀘어 ExtraBold" panose="020B0600000101010101" pitchFamily="50" charset="-127"/>
-                <a:cs typeface="Arial" panose="020B0604020202020204" pitchFamily="34" charset="0"/>
-              </a:rPr>
-              <a:t>How about apply another GNN based </a:t>
+              <a:t>An existing method of </a:t>
             </a:r>
             <a:r>
               <a:rPr lang="en-US" altLang="ko-KR" sz="2000" dirty="0" err="1">
@@ -8018,50 +8062,19 @@
                 <a:ea typeface="나눔스퀘어 ExtraBold" panose="020B0600000101010101" pitchFamily="50" charset="-127"/>
                 <a:cs typeface="Arial" panose="020B0604020202020204" pitchFamily="34" charset="0"/>
               </a:rPr>
-              <a:t>Recsys</a:t>
-            </a:r>
-            <a:r>
-              <a:rPr lang="en-US" altLang="ko-KR" sz="2000" dirty="0">
-                <a:solidFill>
-                  <a:schemeClr val="tx1">
-                    <a:lumMod val="85000"/>
-                    <a:lumOff val="15000"/>
-                  </a:schemeClr>
-                </a:solidFill>
-                <a:latin typeface="나눔스퀘어 ExtraBold" panose="020B0600000101010101" pitchFamily="50" charset="-127"/>
-                <a:ea typeface="나눔스퀘어 ExtraBold" panose="020B0600000101010101" pitchFamily="50" charset="-127"/>
-                <a:cs typeface="Arial" panose="020B0604020202020204" pitchFamily="34" charset="0"/>
-              </a:rPr>
-              <a:t> model like </a:t>
-            </a:r>
-            <a:r>
-              <a:rPr lang="en-US" altLang="ko-KR" sz="2000" dirty="0" err="1">
-                <a:solidFill>
-                  <a:schemeClr val="tx1">
-                    <a:lumMod val="85000"/>
-                    <a:lumOff val="15000"/>
-                  </a:schemeClr>
-                </a:solidFill>
-                <a:latin typeface="나눔스퀘어 ExtraBold" panose="020B0600000101010101" pitchFamily="50" charset="-127"/>
-                <a:ea typeface="나눔스퀘어 ExtraBold" panose="020B0600000101010101" pitchFamily="50" charset="-127"/>
-                <a:cs typeface="Arial" panose="020B0604020202020204" pitchFamily="34" charset="0"/>
-              </a:rPr>
-              <a:t>PinSAGE</a:t>
-            </a:r>
-            <a:r>
-              <a:rPr lang="en-US" altLang="ko-KR" sz="2000" dirty="0">
-                <a:solidFill>
-                  <a:schemeClr val="tx1">
-                    <a:lumMod val="85000"/>
-                    <a:lumOff val="15000"/>
-                  </a:schemeClr>
-                </a:solidFill>
-                <a:latin typeface="나눔스퀘어 ExtraBold" panose="020B0600000101010101" pitchFamily="50" charset="-127"/>
-                <a:ea typeface="나눔스퀘어 ExtraBold" panose="020B0600000101010101" pitchFamily="50" charset="-127"/>
-                <a:cs typeface="Arial" panose="020B0604020202020204" pitchFamily="34" charset="0"/>
-              </a:rPr>
-              <a:t>?</a:t>
-            </a:r>
+              <a:t>GraphSAIL</a:t>
+            </a:r>
+            <a:endParaRPr lang="en-US" altLang="ko-KR" sz="2000" dirty="0">
+              <a:solidFill>
+                <a:schemeClr val="tx1">
+                  <a:lumMod val="85000"/>
+                  <a:lumOff val="15000"/>
+                </a:schemeClr>
+              </a:solidFill>
+              <a:latin typeface="나눔스퀘어 ExtraBold" panose="020B0600000101010101" pitchFamily="50" charset="-127"/>
+              <a:ea typeface="나눔스퀘어 ExtraBold" panose="020B0600000101010101" pitchFamily="50" charset="-127"/>
+              <a:cs typeface="Arial" panose="020B0604020202020204" pitchFamily="34" charset="0"/>
+            </a:endParaRPr>
           </a:p>
         </p:txBody>
       </p:sp>
@@ -8100,7 +8113,7 @@
           <p:cNvPr id="6" name="그림 5">
             <a:extLst>
               <a:ext uri="{FF2B5EF4-FFF2-40B4-BE49-F238E27FC236}">
-                <a16:creationId xmlns:a16="http://schemas.microsoft.com/office/drawing/2014/main" id="{706D674E-3A55-DC78-6334-F896B8199DD0}"/>
+                <a16:creationId xmlns:a16="http://schemas.microsoft.com/office/drawing/2014/main" id="{9837A572-7907-AD2C-3095-8DA2577D6E3A}"/>
               </a:ext>
             </a:extLst>
           </p:cNvPr>
@@ -8117,8 +8130,8 @@
         </p:blipFill>
         <p:spPr>
           <a:xfrm>
-            <a:off x="2425700" y="3866357"/>
-            <a:ext cx="7340600" cy="2116666"/>
+            <a:off x="2743200" y="3269154"/>
+            <a:ext cx="6705600" cy="1669558"/>
           </a:xfrm>
           <a:prstGeom prst="rect">
             <a:avLst/>
@@ -8128,7 +8141,7 @@
     </p:spTree>
     <p:extLst>
       <p:ext uri="{BB962C8B-B14F-4D97-AF65-F5344CB8AC3E}">
-        <p14:creationId xmlns:p14="http://schemas.microsoft.com/office/powerpoint/2010/main" val="2853196959"/>
+        <p14:creationId xmlns:p14="http://schemas.microsoft.com/office/powerpoint/2010/main" val="1844966234"/>
       </p:ext>
     </p:extLst>
   </p:cSld>
@@ -8244,6 +8257,20 @@
               <a:buChar char="§"/>
             </a:pPr>
             <a:r>
+              <a:rPr lang="en-US" altLang="ko-KR" sz="2000" dirty="0" err="1">
+                <a:solidFill>
+                  <a:schemeClr val="tx1">
+                    <a:lumMod val="85000"/>
+                    <a:lumOff val="15000"/>
+                  </a:schemeClr>
+                </a:solidFill>
+                <a:latin typeface="나눔스퀘어 ExtraBold" panose="020B0600000101010101" pitchFamily="50" charset="-127"/>
+                <a:ea typeface="나눔스퀘어 ExtraBold" panose="020B0600000101010101" pitchFamily="50" charset="-127"/>
+                <a:cs typeface="Arial" panose="020B0604020202020204" pitchFamily="34" charset="0"/>
+              </a:rPr>
+              <a:t>GraphSAIL</a:t>
+            </a:r>
+            <a:r>
               <a:rPr lang="en-US" altLang="ko-KR" sz="2000" dirty="0">
                 <a:solidFill>
                   <a:schemeClr val="tx1">
@@ -8255,64 +8282,31 @@
                 <a:ea typeface="나눔스퀘어 ExtraBold" panose="020B0600000101010101" pitchFamily="50" charset="-127"/>
                 <a:cs typeface="Arial" panose="020B0604020202020204" pitchFamily="34" charset="0"/>
               </a:rPr>
-              <a:t>IGC, CED + another GNN based </a:t>
-            </a:r>
-            <a:r>
-              <a:rPr lang="en-US" altLang="ko-KR" sz="2000" dirty="0" err="1">
-                <a:solidFill>
-                  <a:schemeClr val="tx1">
-                    <a:lumMod val="85000"/>
-                    <a:lumOff val="15000"/>
-                  </a:schemeClr>
-                </a:solidFill>
-                <a:latin typeface="나눔스퀘어 ExtraBold" panose="020B0600000101010101" pitchFamily="50" charset="-127"/>
-                <a:ea typeface="나눔스퀘어 ExtraBold" panose="020B0600000101010101" pitchFamily="50" charset="-127"/>
-                <a:cs typeface="Arial" panose="020B0604020202020204" pitchFamily="34" charset="0"/>
-              </a:rPr>
-              <a:t>Recsys</a:t>
-            </a:r>
-            <a:r>
-              <a:rPr lang="en-US" altLang="ko-KR" sz="2000" dirty="0">
-                <a:solidFill>
-                  <a:schemeClr val="tx1">
-                    <a:lumMod val="85000"/>
-                    <a:lumOff val="15000"/>
-                  </a:schemeClr>
-                </a:solidFill>
-                <a:latin typeface="나눔스퀘어 ExtraBold" panose="020B0600000101010101" pitchFamily="50" charset="-127"/>
-                <a:ea typeface="나눔스퀘어 ExtraBold" panose="020B0600000101010101" pitchFamily="50" charset="-127"/>
-                <a:cs typeface="Arial" panose="020B0604020202020204" pitchFamily="34" charset="0"/>
-              </a:rPr>
-              <a:t> model like </a:t>
-            </a:r>
-            <a:r>
-              <a:rPr lang="en-US" altLang="ko-KR" sz="2000" dirty="0" err="1">
-                <a:solidFill>
-                  <a:schemeClr val="tx1">
-                    <a:lumMod val="85000"/>
-                    <a:lumOff val="15000"/>
-                  </a:schemeClr>
-                </a:solidFill>
-                <a:latin typeface="나눔스퀘어 ExtraBold" panose="020B0600000101010101" pitchFamily="50" charset="-127"/>
-                <a:ea typeface="나눔스퀘어 ExtraBold" panose="020B0600000101010101" pitchFamily="50" charset="-127"/>
-                <a:cs typeface="Arial" panose="020B0604020202020204" pitchFamily="34" charset="0"/>
-              </a:rPr>
-              <a:t>PinSAGE</a:t>
-            </a:r>
-            <a:r>
-              <a:rPr lang="en-US" altLang="ko-KR" sz="2000" dirty="0">
-                <a:solidFill>
-                  <a:schemeClr val="tx1">
-                    <a:lumMod val="85000"/>
-                    <a:lumOff val="15000"/>
-                  </a:schemeClr>
-                </a:solidFill>
-                <a:latin typeface="나눔스퀘어 ExtraBold" panose="020B0600000101010101" pitchFamily="50" charset="-127"/>
-                <a:ea typeface="나눔스퀘어 ExtraBold" panose="020B0600000101010101" pitchFamily="50" charset="-127"/>
-                <a:cs typeface="Arial" panose="020B0604020202020204" pitchFamily="34" charset="0"/>
-              </a:rPr>
-              <a:t>.</a:t>
-            </a:r>
+              <a:t> + Rehearsal(experience replay) based approach</a:t>
+            </a:r>
+          </a:p>
+          <a:p>
+            <a:pPr marL="432000" indent="-432000">
+              <a:lnSpc>
+                <a:spcPct val="100000"/>
+              </a:lnSpc>
+              <a:buClr>
+                <a:srgbClr val="004F9E"/>
+              </a:buClr>
+              <a:buFont typeface="Wingdings" panose="05000000000000000000" pitchFamily="2" charset="2"/>
+              <a:buChar char="§"/>
+            </a:pPr>
+            <a:endParaRPr lang="en-US" altLang="ko-KR" sz="2000" dirty="0">
+              <a:solidFill>
+                <a:schemeClr val="tx1">
+                  <a:lumMod val="85000"/>
+                  <a:lumOff val="15000"/>
+                </a:schemeClr>
+              </a:solidFill>
+              <a:latin typeface="나눔스퀘어 ExtraBold" panose="020B0600000101010101" pitchFamily="50" charset="-127"/>
+              <a:ea typeface="나눔스퀘어 ExtraBold" panose="020B0600000101010101" pitchFamily="50" charset="-127"/>
+              <a:cs typeface="Arial" panose="020B0604020202020204" pitchFamily="34" charset="0"/>
+            </a:endParaRPr>
           </a:p>
           <a:p>
             <a:pPr marL="889200" lvl="1" indent="-432000">
@@ -8326,22 +8320,448 @@
               <a:buChar char="§"/>
             </a:pPr>
             <a:r>
-              <a:rPr lang="en-US" altLang="ko-KR" sz="2000" b="1" dirty="0">
-                <a:solidFill>
-                  <a:schemeClr val="tx1">
-                    <a:lumMod val="85000"/>
-                    <a:lumOff val="15000"/>
-                  </a:schemeClr>
-                </a:solidFill>
-                <a:latin typeface="나눔스퀘어 ExtraBold" panose="020B0600000101010101" pitchFamily="50" charset="-127"/>
-                <a:ea typeface="나눔스퀘어 ExtraBold" panose="020B0600000101010101" pitchFamily="50" charset="-127"/>
-                <a:cs typeface="Arial" panose="020B0604020202020204" pitchFamily="34" charset="0"/>
-              </a:rPr>
-              <a:t>Considerations</a:t>
-            </a:r>
-          </a:p>
-          <a:p>
-            <a:pPr marL="1346400" lvl="2" indent="-432000">
+              <a:rPr lang="en-US" altLang="ko-KR" sz="2000" dirty="0">
+                <a:solidFill>
+                  <a:schemeClr val="tx1">
+                    <a:lumMod val="85000"/>
+                    <a:lumOff val="15000"/>
+                  </a:schemeClr>
+                </a:solidFill>
+                <a:latin typeface="나눔스퀘어 ExtraBold" panose="020B0600000101010101" pitchFamily="50" charset="-127"/>
+                <a:ea typeface="나눔스퀘어 ExtraBold" panose="020B0600000101010101" pitchFamily="50" charset="-127"/>
+                <a:cs typeface="Arial" panose="020B0604020202020204" pitchFamily="34" charset="0"/>
+              </a:rPr>
+              <a:t>A suggestive idea</a:t>
+            </a:r>
+          </a:p>
+        </p:txBody>
+      </p:sp>
+      <p:sp>
+        <p:nvSpPr>
+          <p:cNvPr id="4" name="슬라이드 번호 개체 틀 3">
+            <a:extLst>
+              <a:ext uri="{FF2B5EF4-FFF2-40B4-BE49-F238E27FC236}">
+                <a16:creationId xmlns:a16="http://schemas.microsoft.com/office/drawing/2014/main" id="{4705CCFD-CA4E-4794-89D0-C3DF4603C893}"/>
+              </a:ext>
+            </a:extLst>
+          </p:cNvPr>
+          <p:cNvSpPr>
+            <a:spLocks noGrp="1"/>
+          </p:cNvSpPr>
+          <p:nvPr>
+            <p:ph type="sldNum" sz="quarter" idx="12"/>
+          </p:nvPr>
+        </p:nvSpPr>
+        <p:spPr/>
+        <p:txBody>
+          <a:bodyPr/>
+          <a:lstStyle/>
+          <a:p>
+            <a:fld id="{16A93642-25BD-4471-A422-0159119E9512}" type="slidenum">
+              <a:rPr lang="ko-KR" altLang="en-US" smtClean="0"/>
+              <a:pPr/>
+              <a:t>14</a:t>
+            </a:fld>
+            <a:endParaRPr lang="ko-KR" altLang="en-US" dirty="0"/>
+          </a:p>
+        </p:txBody>
+      </p:sp>
+      <p:pic>
+        <p:nvPicPr>
+          <p:cNvPr id="6" name="그림 5">
+            <a:extLst>
+              <a:ext uri="{FF2B5EF4-FFF2-40B4-BE49-F238E27FC236}">
+                <a16:creationId xmlns:a16="http://schemas.microsoft.com/office/drawing/2014/main" id="{9837A572-7907-AD2C-3095-8DA2577D6E3A}"/>
+              </a:ext>
+            </a:extLst>
+          </p:cNvPr>
+          <p:cNvPicPr>
+            <a:picLocks noChangeAspect="1"/>
+          </p:cNvPicPr>
+          <p:nvPr/>
+        </p:nvPicPr>
+        <p:blipFill>
+          <a:blip r:embed="rId3"/>
+          <a:stretch>
+            <a:fillRect/>
+          </a:stretch>
+        </p:blipFill>
+        <p:spPr>
+          <a:xfrm>
+            <a:off x="2743200" y="4332533"/>
+            <a:ext cx="6705600" cy="1669558"/>
+          </a:xfrm>
+          <a:prstGeom prst="rect">
+            <a:avLst/>
+          </a:prstGeom>
+        </p:spPr>
+      </p:pic>
+      <p:sp>
+        <p:nvSpPr>
+          <p:cNvPr id="5" name="직사각형 4">
+            <a:extLst>
+              <a:ext uri="{FF2B5EF4-FFF2-40B4-BE49-F238E27FC236}">
+                <a16:creationId xmlns:a16="http://schemas.microsoft.com/office/drawing/2014/main" id="{14A6878D-E446-9306-226B-F2B7946B8E3E}"/>
+              </a:ext>
+            </a:extLst>
+          </p:cNvPr>
+          <p:cNvSpPr/>
+          <p:nvPr/>
+        </p:nvSpPr>
+        <p:spPr>
+          <a:xfrm>
+            <a:off x="4957092" y="3680946"/>
+            <a:ext cx="608710" cy="322608"/>
+          </a:xfrm>
+          <a:prstGeom prst="rect">
+            <a:avLst/>
+          </a:prstGeom>
+        </p:spPr>
+        <p:style>
+          <a:lnRef idx="2">
+            <a:schemeClr val="accent6">
+              <a:shade val="50000"/>
+            </a:schemeClr>
+          </a:lnRef>
+          <a:fillRef idx="1">
+            <a:schemeClr val="accent6"/>
+          </a:fillRef>
+          <a:effectRef idx="0">
+            <a:schemeClr val="accent6"/>
+          </a:effectRef>
+          <a:fontRef idx="minor">
+            <a:schemeClr val="lt1"/>
+          </a:fontRef>
+        </p:style>
+        <p:txBody>
+          <a:bodyPr rtlCol="0" anchor="ctr"/>
+          <a:lstStyle/>
+          <a:p>
+            <a:pPr algn="ctr"/>
+            <a:r>
+              <a:rPr lang="en-US" altLang="ko-KR" sz="1400" dirty="0"/>
+              <a:t>Base</a:t>
+            </a:r>
+            <a:endParaRPr lang="ko-KR" altLang="en-US" sz="1400" dirty="0"/>
+          </a:p>
+        </p:txBody>
+      </p:sp>
+      <p:sp>
+        <p:nvSpPr>
+          <p:cNvPr id="8" name="직사각형 7">
+            <a:extLst>
+              <a:ext uri="{FF2B5EF4-FFF2-40B4-BE49-F238E27FC236}">
+                <a16:creationId xmlns:a16="http://schemas.microsoft.com/office/drawing/2014/main" id="{CB7ADAFC-FDC1-A3E7-83B4-FFB9D9B4CB7F}"/>
+              </a:ext>
+            </a:extLst>
+          </p:cNvPr>
+          <p:cNvSpPr/>
+          <p:nvPr/>
+        </p:nvSpPr>
+        <p:spPr>
+          <a:xfrm>
+            <a:off x="6010284" y="3681319"/>
+            <a:ext cx="857234" cy="322608"/>
+          </a:xfrm>
+          <a:prstGeom prst="rect">
+            <a:avLst/>
+          </a:prstGeom>
+        </p:spPr>
+        <p:style>
+          <a:lnRef idx="2">
+            <a:schemeClr val="accent6">
+              <a:shade val="50000"/>
+            </a:schemeClr>
+          </a:lnRef>
+          <a:fillRef idx="1">
+            <a:schemeClr val="accent6"/>
+          </a:fillRef>
+          <a:effectRef idx="0">
+            <a:schemeClr val="accent6"/>
+          </a:effectRef>
+          <a:fontRef idx="minor">
+            <a:schemeClr val="lt1"/>
+          </a:fontRef>
+        </p:style>
+        <p:txBody>
+          <a:bodyPr rtlCol="0" anchor="ctr"/>
+          <a:lstStyle/>
+          <a:p>
+            <a:pPr algn="ctr"/>
+            <a:r>
+              <a:rPr lang="en-US" altLang="ko-KR" sz="1400" dirty="0"/>
+              <a:t>Block 1</a:t>
+            </a:r>
+            <a:endParaRPr lang="ko-KR" altLang="en-US" sz="1400" dirty="0"/>
+          </a:p>
+        </p:txBody>
+      </p:sp>
+      <p:sp>
+        <p:nvSpPr>
+          <p:cNvPr id="9" name="직사각형 8">
+            <a:extLst>
+              <a:ext uri="{FF2B5EF4-FFF2-40B4-BE49-F238E27FC236}">
+                <a16:creationId xmlns:a16="http://schemas.microsoft.com/office/drawing/2014/main" id="{905D8AF6-7FF6-B050-870E-2505D654FDE6}"/>
+              </a:ext>
+            </a:extLst>
+          </p:cNvPr>
+          <p:cNvSpPr/>
+          <p:nvPr/>
+        </p:nvSpPr>
+        <p:spPr>
+          <a:xfrm>
+            <a:off x="7212793" y="3680946"/>
+            <a:ext cx="780146" cy="322608"/>
+          </a:xfrm>
+          <a:prstGeom prst="rect">
+            <a:avLst/>
+          </a:prstGeom>
+        </p:spPr>
+        <p:style>
+          <a:lnRef idx="2">
+            <a:schemeClr val="accent6">
+              <a:shade val="50000"/>
+            </a:schemeClr>
+          </a:lnRef>
+          <a:fillRef idx="1">
+            <a:schemeClr val="accent6"/>
+          </a:fillRef>
+          <a:effectRef idx="0">
+            <a:schemeClr val="accent6"/>
+          </a:effectRef>
+          <a:fontRef idx="minor">
+            <a:schemeClr val="lt1"/>
+          </a:fontRef>
+        </p:style>
+        <p:txBody>
+          <a:bodyPr rtlCol="0" anchor="ctr"/>
+          <a:lstStyle/>
+          <a:p>
+            <a:pPr algn="ctr"/>
+            <a:r>
+              <a:rPr lang="en-US" altLang="ko-KR" sz="1400" dirty="0"/>
+              <a:t>Block 2</a:t>
+            </a:r>
+            <a:endParaRPr lang="ko-KR" altLang="en-US" sz="1400" dirty="0"/>
+          </a:p>
+        </p:txBody>
+      </p:sp>
+      <p:cxnSp>
+        <p:nvCxnSpPr>
+          <p:cNvPr id="11" name="직선 화살표 연결선 10">
+            <a:extLst>
+              <a:ext uri="{FF2B5EF4-FFF2-40B4-BE49-F238E27FC236}">
+                <a16:creationId xmlns:a16="http://schemas.microsoft.com/office/drawing/2014/main" id="{68F691B5-E377-F65E-ABFC-581FB6D6C0F7}"/>
+              </a:ext>
+            </a:extLst>
+          </p:cNvPr>
+          <p:cNvCxnSpPr>
+            <a:cxnSpLocks/>
+            <a:stCxn id="5" idx="2"/>
+          </p:cNvCxnSpPr>
+          <p:nvPr/>
+        </p:nvCxnSpPr>
+        <p:spPr>
+          <a:xfrm>
+            <a:off x="5261447" y="4003554"/>
+            <a:ext cx="1214534" cy="384463"/>
+          </a:xfrm>
+          <a:prstGeom prst="straightConnector1">
+            <a:avLst/>
+          </a:prstGeom>
+          <a:ln w="19050">
+            <a:tailEnd type="triangle"/>
+          </a:ln>
+        </p:spPr>
+        <p:style>
+          <a:lnRef idx="1">
+            <a:schemeClr val="accent2"/>
+          </a:lnRef>
+          <a:fillRef idx="0">
+            <a:schemeClr val="accent2"/>
+          </a:fillRef>
+          <a:effectRef idx="0">
+            <a:schemeClr val="accent2"/>
+          </a:effectRef>
+          <a:fontRef idx="minor">
+            <a:schemeClr val="tx1"/>
+          </a:fontRef>
+        </p:style>
+      </p:cxnSp>
+      <p:cxnSp>
+        <p:nvCxnSpPr>
+          <p:cNvPr id="12" name="직선 화살표 연결선 11">
+            <a:extLst>
+              <a:ext uri="{FF2B5EF4-FFF2-40B4-BE49-F238E27FC236}">
+                <a16:creationId xmlns:a16="http://schemas.microsoft.com/office/drawing/2014/main" id="{47857845-187D-E316-D979-41B4F033526D}"/>
+              </a:ext>
+            </a:extLst>
+          </p:cNvPr>
+          <p:cNvCxnSpPr>
+            <a:cxnSpLocks/>
+            <a:stCxn id="8" idx="2"/>
+          </p:cNvCxnSpPr>
+          <p:nvPr/>
+        </p:nvCxnSpPr>
+        <p:spPr>
+          <a:xfrm>
+            <a:off x="6438901" y="4003927"/>
+            <a:ext cx="1285420" cy="384098"/>
+          </a:xfrm>
+          <a:prstGeom prst="straightConnector1">
+            <a:avLst/>
+          </a:prstGeom>
+          <a:ln w="19050">
+            <a:tailEnd type="triangle"/>
+          </a:ln>
+        </p:spPr>
+        <p:style>
+          <a:lnRef idx="1">
+            <a:schemeClr val="accent2"/>
+          </a:lnRef>
+          <a:fillRef idx="0">
+            <a:schemeClr val="accent2"/>
+          </a:fillRef>
+          <a:effectRef idx="0">
+            <a:schemeClr val="accent2"/>
+          </a:effectRef>
+          <a:fontRef idx="minor">
+            <a:schemeClr val="tx1"/>
+          </a:fontRef>
+        </p:style>
+      </p:cxnSp>
+      <p:cxnSp>
+        <p:nvCxnSpPr>
+          <p:cNvPr id="13" name="직선 화살표 연결선 12">
+            <a:extLst>
+              <a:ext uri="{FF2B5EF4-FFF2-40B4-BE49-F238E27FC236}">
+                <a16:creationId xmlns:a16="http://schemas.microsoft.com/office/drawing/2014/main" id="{C60DC79F-654A-6124-ADA4-C3740D54287D}"/>
+              </a:ext>
+            </a:extLst>
+          </p:cNvPr>
+          <p:cNvCxnSpPr>
+            <a:cxnSpLocks/>
+            <a:stCxn id="9" idx="2"/>
+          </p:cNvCxnSpPr>
+          <p:nvPr/>
+        </p:nvCxnSpPr>
+        <p:spPr>
+          <a:xfrm>
+            <a:off x="7602866" y="4003554"/>
+            <a:ext cx="996767" cy="384463"/>
+          </a:xfrm>
+          <a:prstGeom prst="straightConnector1">
+            <a:avLst/>
+          </a:prstGeom>
+          <a:ln w="19050">
+            <a:tailEnd type="triangle"/>
+          </a:ln>
+        </p:spPr>
+        <p:style>
+          <a:lnRef idx="1">
+            <a:schemeClr val="accent2"/>
+          </a:lnRef>
+          <a:fillRef idx="0">
+            <a:schemeClr val="accent2"/>
+          </a:fillRef>
+          <a:effectRef idx="0">
+            <a:schemeClr val="accent2"/>
+          </a:effectRef>
+          <a:fontRef idx="minor">
+            <a:schemeClr val="tx1"/>
+          </a:fontRef>
+        </p:style>
+      </p:cxnSp>
+      <p:sp>
+        <p:nvSpPr>
+          <p:cNvPr id="17" name="TextBox 16">
+            <a:extLst>
+              <a:ext uri="{FF2B5EF4-FFF2-40B4-BE49-F238E27FC236}">
+                <a16:creationId xmlns:a16="http://schemas.microsoft.com/office/drawing/2014/main" id="{1EAFCE13-BD92-F36C-36E8-32A2B9C4B88A}"/>
+              </a:ext>
+            </a:extLst>
+          </p:cNvPr>
+          <p:cNvSpPr txBox="1"/>
+          <p:nvPr/>
+        </p:nvSpPr>
+        <p:spPr>
+          <a:xfrm>
+            <a:off x="2723079" y="3657592"/>
+            <a:ext cx="1463286" cy="369332"/>
+          </a:xfrm>
+          <a:prstGeom prst="rect">
+            <a:avLst/>
+          </a:prstGeom>
+          <a:noFill/>
+        </p:spPr>
+        <p:txBody>
+          <a:bodyPr wrap="none" rtlCol="0">
+            <a:spAutoFit/>
+          </a:bodyPr>
+          <a:lstStyle/>
+          <a:p>
+            <a:r>
+              <a:rPr lang="en-US" altLang="ko-KR" b="1" dirty="0"/>
+              <a:t>Stored data</a:t>
+            </a:r>
+            <a:endParaRPr lang="ko-KR" altLang="en-US" b="1" dirty="0"/>
+          </a:p>
+        </p:txBody>
+      </p:sp>
+    </p:spTree>
+    <p:extLst>
+      <p:ext uri="{BB962C8B-B14F-4D97-AF65-F5344CB8AC3E}">
+        <p14:creationId xmlns:p14="http://schemas.microsoft.com/office/powerpoint/2010/main" val="421713112"/>
+      </p:ext>
+    </p:extLst>
+  </p:cSld>
+  <p:clrMapOvr>
+    <a:masterClrMapping/>
+  </p:clrMapOvr>
+</p:sld>
+</file>
+
+<file path=ppt/slides/slide15.xml><?xml version="1.0" encoding="utf-8"?>
+<p:sld xmlns:a="http://schemas.openxmlformats.org/drawingml/2006/main" xmlns:r="http://schemas.openxmlformats.org/officeDocument/2006/relationships" xmlns:p="http://schemas.openxmlformats.org/presentationml/2006/main">
+  <p:cSld>
+    <p:spTree>
+      <p:nvGrpSpPr>
+        <p:cNvPr id="1" name=""/>
+        <p:cNvGrpSpPr/>
+        <p:nvPr/>
+      </p:nvGrpSpPr>
+      <p:grpSpPr>
+        <a:xfrm>
+          <a:off x="0" y="0"/>
+          <a:ext cx="0" cy="0"/>
+          <a:chOff x="0" y="0"/>
+          <a:chExt cx="0" cy="0"/>
+        </a:xfrm>
+      </p:grpSpPr>
+      <p:sp>
+        <p:nvSpPr>
+          <p:cNvPr id="2" name="제목 1">
+            <a:extLst>
+              <a:ext uri="{FF2B5EF4-FFF2-40B4-BE49-F238E27FC236}">
+                <a16:creationId xmlns:a16="http://schemas.microsoft.com/office/drawing/2014/main" id="{95CB7AEF-6056-404F-8222-D7A0008FE999}"/>
+              </a:ext>
+            </a:extLst>
+          </p:cNvPr>
+          <p:cNvSpPr>
+            <a:spLocks noGrp="1"/>
+          </p:cNvSpPr>
+          <p:nvPr>
+            <p:ph type="title"/>
+          </p:nvPr>
+        </p:nvSpPr>
+        <p:spPr/>
+        <p:txBody>
+          <a:bodyPr>
+            <a:normAutofit/>
+          </a:bodyPr>
+          <a:lstStyle/>
+          <a:p>
+            <a:pPr marL="432000" indent="-432000">
               <a:lnSpc>
                 <a:spcPct val="100000"/>
               </a:lnSpc>
@@ -8352,78 +8772,51 @@
               <a:buChar char="§"/>
             </a:pPr>
             <a:r>
-              <a:rPr lang="en-US" altLang="ko-KR" sz="1600" dirty="0">
-                <a:solidFill>
-                  <a:schemeClr val="tx1">
-                    <a:lumMod val="85000"/>
-                    <a:lumOff val="15000"/>
-                  </a:schemeClr>
-                </a:solidFill>
-                <a:latin typeface="나눔스퀘어 ExtraBold" panose="020B0600000101010101" pitchFamily="50" charset="-127"/>
-                <a:ea typeface="나눔스퀘어 ExtraBold" panose="020B0600000101010101" pitchFamily="50" charset="-127"/>
-                <a:cs typeface="Arial" panose="020B0604020202020204" pitchFamily="34" charset="0"/>
-              </a:rPr>
-              <a:t>1. What’s different between </a:t>
-            </a:r>
-            <a:r>
-              <a:rPr lang="en-US" altLang="ko-KR" sz="1600" dirty="0" err="1">
-                <a:solidFill>
-                  <a:schemeClr val="tx1">
-                    <a:lumMod val="85000"/>
-                    <a:lumOff val="15000"/>
-                  </a:schemeClr>
-                </a:solidFill>
-                <a:latin typeface="나눔스퀘어 ExtraBold" panose="020B0600000101010101" pitchFamily="50" charset="-127"/>
-                <a:ea typeface="나눔스퀘어 ExtraBold" panose="020B0600000101010101" pitchFamily="50" charset="-127"/>
-                <a:cs typeface="Arial" panose="020B0604020202020204" pitchFamily="34" charset="0"/>
-              </a:rPr>
-              <a:t>LightGCN</a:t>
-            </a:r>
-            <a:r>
-              <a:rPr lang="en-US" altLang="ko-KR" sz="1600" dirty="0">
-                <a:solidFill>
-                  <a:schemeClr val="tx1">
-                    <a:lumMod val="85000"/>
-                    <a:lumOff val="15000"/>
-                  </a:schemeClr>
-                </a:solidFill>
-                <a:latin typeface="나눔스퀘어 ExtraBold" panose="020B0600000101010101" pitchFamily="50" charset="-127"/>
-                <a:ea typeface="나눔스퀘어 ExtraBold" panose="020B0600000101010101" pitchFamily="50" charset="-127"/>
-                <a:cs typeface="Arial" panose="020B0604020202020204" pitchFamily="34" charset="0"/>
-              </a:rPr>
-              <a:t> and </a:t>
-            </a:r>
-            <a:r>
-              <a:rPr lang="en-US" altLang="ko-KR" sz="1600" dirty="0" err="1">
-                <a:solidFill>
-                  <a:schemeClr val="tx1">
-                    <a:lumMod val="85000"/>
-                    <a:lumOff val="15000"/>
-                  </a:schemeClr>
-                </a:solidFill>
-                <a:latin typeface="나눔스퀘어 ExtraBold" panose="020B0600000101010101" pitchFamily="50" charset="-127"/>
-                <a:ea typeface="나눔스퀘어 ExtraBold" panose="020B0600000101010101" pitchFamily="50" charset="-127"/>
-                <a:cs typeface="Arial" panose="020B0604020202020204" pitchFamily="34" charset="0"/>
-              </a:rPr>
-              <a:t>PinSAGE</a:t>
-            </a:r>
-            <a:r>
-              <a:rPr lang="en-US" altLang="ko-KR" sz="1600" dirty="0">
-                <a:solidFill>
-                  <a:schemeClr val="tx1">
-                    <a:lumMod val="85000"/>
-                    <a:lumOff val="15000"/>
-                  </a:schemeClr>
-                </a:solidFill>
-                <a:latin typeface="나눔스퀘어 ExtraBold" panose="020B0600000101010101" pitchFamily="50" charset="-127"/>
-                <a:ea typeface="나눔스퀘어 ExtraBold" panose="020B0600000101010101" pitchFamily="50" charset="-127"/>
-                <a:cs typeface="Arial" panose="020B0604020202020204" pitchFamily="34" charset="0"/>
-              </a:rPr>
-              <a:t>?</a:t>
-            </a:r>
-          </a:p>
-          <a:p>
-            <a:pPr marL="1346400" lvl="2" indent="-432000">
+              <a:rPr lang="en-US" altLang="ko-KR" sz="3600" dirty="0">
+                <a:solidFill>
+                  <a:schemeClr val="tx1">
+                    <a:lumMod val="85000"/>
+                    <a:lumOff val="15000"/>
+                  </a:schemeClr>
+                </a:solidFill>
+                <a:latin typeface="나눔스퀘어 ExtraBold" panose="020B0600000101010101" pitchFamily="50" charset="-127"/>
+                <a:ea typeface="나눔스퀘어 ExtraBold" panose="020B0600000101010101" pitchFamily="50" charset="-127"/>
+                <a:cs typeface="Arial" panose="020B0604020202020204" pitchFamily="34" charset="0"/>
+              </a:rPr>
+              <a:t>Ideas</a:t>
+            </a:r>
+          </a:p>
+        </p:txBody>
+      </p:sp>
+      <p:sp>
+        <p:nvSpPr>
+          <p:cNvPr id="3" name="내용 개체 틀 2">
+            <a:extLst>
+              <a:ext uri="{FF2B5EF4-FFF2-40B4-BE49-F238E27FC236}">
+                <a16:creationId xmlns:a16="http://schemas.microsoft.com/office/drawing/2014/main" id="{6F3C4966-F49A-47DB-93D9-018CD3BE693E}"/>
+              </a:ext>
+            </a:extLst>
+          </p:cNvPr>
+          <p:cNvSpPr>
+            <a:spLocks noGrp="1"/>
+          </p:cNvSpPr>
+          <p:nvPr>
+            <p:ph idx="1"/>
+          </p:nvPr>
+        </p:nvSpPr>
+        <p:spPr>
+          <a:xfrm>
+            <a:off x="990600" y="1690688"/>
+            <a:ext cx="10515600" cy="4351338"/>
+          </a:xfrm>
+        </p:spPr>
+        <p:txBody>
+          <a:bodyPr>
+            <a:normAutofit/>
+          </a:bodyPr>
+          <a:lstStyle/>
+          <a:p>
+            <a:pPr marL="432000" indent="-432000">
               <a:lnSpc>
                 <a:spcPct val="100000"/>
               </a:lnSpc>
@@ -8434,22 +8827,78 @@
               <a:buChar char="§"/>
             </a:pPr>
             <a:r>
-              <a:rPr lang="en-US" altLang="ko-KR" sz="1600" dirty="0">
-                <a:solidFill>
-                  <a:schemeClr val="tx1">
-                    <a:lumMod val="85000"/>
-                    <a:lumOff val="15000"/>
-                  </a:schemeClr>
-                </a:solidFill>
-                <a:latin typeface="나눔스퀘어 ExtraBold" panose="020B0600000101010101" pitchFamily="50" charset="-127"/>
-                <a:ea typeface="나눔스퀘어 ExtraBold" panose="020B0600000101010101" pitchFamily="50" charset="-127"/>
-                <a:cs typeface="Arial" panose="020B0604020202020204" pitchFamily="34" charset="0"/>
-              </a:rPr>
-              <a:t>2. </a:t>
-            </a:r>
-          </a:p>
-          <a:p>
-            <a:pPr marL="1346400" lvl="2" indent="-432000">
+              <a:rPr lang="en-US" altLang="ko-KR" sz="2000" dirty="0">
+                <a:solidFill>
+                  <a:schemeClr val="tx1">
+                    <a:lumMod val="85000"/>
+                    <a:lumOff val="15000"/>
+                  </a:schemeClr>
+                </a:solidFill>
+                <a:latin typeface="나눔스퀘어 ExtraBold" panose="020B0600000101010101" pitchFamily="50" charset="-127"/>
+                <a:ea typeface="나눔스퀘어 ExtraBold" panose="020B0600000101010101" pitchFamily="50" charset="-127"/>
+                <a:cs typeface="Arial" panose="020B0604020202020204" pitchFamily="34" charset="0"/>
+              </a:rPr>
+              <a:t>IGC, CED + another GNN based </a:t>
+            </a:r>
+            <a:r>
+              <a:rPr lang="en-US" altLang="ko-KR" sz="2000" dirty="0" err="1">
+                <a:solidFill>
+                  <a:schemeClr val="tx1">
+                    <a:lumMod val="85000"/>
+                    <a:lumOff val="15000"/>
+                  </a:schemeClr>
+                </a:solidFill>
+                <a:latin typeface="나눔스퀘어 ExtraBold" panose="020B0600000101010101" pitchFamily="50" charset="-127"/>
+                <a:ea typeface="나눔스퀘어 ExtraBold" panose="020B0600000101010101" pitchFamily="50" charset="-127"/>
+                <a:cs typeface="Arial" panose="020B0604020202020204" pitchFamily="34" charset="0"/>
+              </a:rPr>
+              <a:t>Recsys</a:t>
+            </a:r>
+            <a:r>
+              <a:rPr lang="en-US" altLang="ko-KR" sz="2000" dirty="0">
+                <a:solidFill>
+                  <a:schemeClr val="tx1">
+                    <a:lumMod val="85000"/>
+                    <a:lumOff val="15000"/>
+                  </a:schemeClr>
+                </a:solidFill>
+                <a:latin typeface="나눔스퀘어 ExtraBold" panose="020B0600000101010101" pitchFamily="50" charset="-127"/>
+                <a:ea typeface="나눔스퀘어 ExtraBold" panose="020B0600000101010101" pitchFamily="50" charset="-127"/>
+                <a:cs typeface="Arial" panose="020B0604020202020204" pitchFamily="34" charset="0"/>
+              </a:rPr>
+              <a:t> model like </a:t>
+            </a:r>
+            <a:r>
+              <a:rPr lang="en-US" altLang="ko-KR" sz="2000" dirty="0" err="1">
+                <a:solidFill>
+                  <a:schemeClr val="tx1">
+                    <a:lumMod val="85000"/>
+                    <a:lumOff val="15000"/>
+                  </a:schemeClr>
+                </a:solidFill>
+                <a:latin typeface="나눔스퀘어 ExtraBold" panose="020B0600000101010101" pitchFamily="50" charset="-127"/>
+                <a:ea typeface="나눔스퀘어 ExtraBold" panose="020B0600000101010101" pitchFamily="50" charset="-127"/>
+                <a:cs typeface="Arial" panose="020B0604020202020204" pitchFamily="34" charset="0"/>
+              </a:rPr>
+              <a:t>PinSAGE</a:t>
+            </a:r>
+            <a:r>
+              <a:rPr lang="en-US" altLang="ko-KR" sz="2000" dirty="0">
+                <a:solidFill>
+                  <a:schemeClr val="tx1">
+                    <a:lumMod val="85000"/>
+                    <a:lumOff val="15000"/>
+                  </a:schemeClr>
+                </a:solidFill>
+                <a:latin typeface="나눔스퀘어 ExtraBold" panose="020B0600000101010101" pitchFamily="50" charset="-127"/>
+                <a:ea typeface="나눔스퀘어 ExtraBold" panose="020B0600000101010101" pitchFamily="50" charset="-127"/>
+                <a:cs typeface="Arial" panose="020B0604020202020204" pitchFamily="34" charset="0"/>
+              </a:rPr>
+              <a:t>.</a:t>
+            </a:r>
+          </a:p>
+          <a:p>
+            <a:pPr marL="432000" indent="-432000">
               <a:lnSpc>
                 <a:spcPct val="100000"/>
               </a:lnSpc>
@@ -8459,7 +8908,7 @@
               <a:buFont typeface="Wingdings" panose="05000000000000000000" pitchFamily="2" charset="2"/>
               <a:buChar char="§"/>
             </a:pPr>
-            <a:endParaRPr lang="en-US" altLang="ko-KR" sz="1600" dirty="0">
+            <a:endParaRPr lang="en-US" altLang="ko-KR" sz="2000" dirty="0">
               <a:solidFill>
                 <a:schemeClr val="tx1">
                   <a:lumMod val="85000"/>
@@ -8471,6 +8920,140 @@
               <a:cs typeface="Arial" panose="020B0604020202020204" pitchFamily="34" charset="0"/>
             </a:endParaRPr>
           </a:p>
+          <a:p>
+            <a:pPr marL="889200" lvl="1" indent="-432000">
+              <a:lnSpc>
+                <a:spcPct val="100000"/>
+              </a:lnSpc>
+              <a:buClr>
+                <a:srgbClr val="004F9E"/>
+              </a:buClr>
+              <a:buFont typeface="Wingdings" panose="05000000000000000000" pitchFamily="2" charset="2"/>
+              <a:buChar char="§"/>
+            </a:pPr>
+            <a:r>
+              <a:rPr lang="en-US" altLang="ko-KR" sz="2000" dirty="0">
+                <a:solidFill>
+                  <a:schemeClr val="tx1">
+                    <a:lumMod val="85000"/>
+                    <a:lumOff val="15000"/>
+                  </a:schemeClr>
+                </a:solidFill>
+                <a:latin typeface="나눔스퀘어 ExtraBold" panose="020B0600000101010101" pitchFamily="50" charset="-127"/>
+                <a:ea typeface="나눔스퀘어 ExtraBold" panose="020B0600000101010101" pitchFamily="50" charset="-127"/>
+                <a:cs typeface="Arial" panose="020B0604020202020204" pitchFamily="34" charset="0"/>
+              </a:rPr>
+              <a:t>IGC, CED modules performed too well.</a:t>
+            </a:r>
+          </a:p>
+          <a:p>
+            <a:pPr marL="889200" lvl="1" indent="-432000">
+              <a:lnSpc>
+                <a:spcPct val="100000"/>
+              </a:lnSpc>
+              <a:buClr>
+                <a:srgbClr val="004F9E"/>
+              </a:buClr>
+              <a:buFont typeface="Wingdings" panose="05000000000000000000" pitchFamily="2" charset="2"/>
+              <a:buChar char="§"/>
+            </a:pPr>
+            <a:r>
+              <a:rPr lang="en-US" altLang="ko-KR" sz="2000" dirty="0">
+                <a:solidFill>
+                  <a:schemeClr val="tx1">
+                    <a:lumMod val="85000"/>
+                    <a:lumOff val="15000"/>
+                  </a:schemeClr>
+                </a:solidFill>
+                <a:latin typeface="나눔스퀘어 ExtraBold" panose="020B0600000101010101" pitchFamily="50" charset="-127"/>
+                <a:ea typeface="나눔스퀘어 ExtraBold" panose="020B0600000101010101" pitchFamily="50" charset="-127"/>
+                <a:cs typeface="Arial" panose="020B0604020202020204" pitchFamily="34" charset="0"/>
+              </a:rPr>
+              <a:t>So I’m a bit suspicious.</a:t>
+            </a:r>
+          </a:p>
+          <a:p>
+            <a:pPr marL="889200" lvl="1" indent="-432000">
+              <a:lnSpc>
+                <a:spcPct val="100000"/>
+              </a:lnSpc>
+              <a:buClr>
+                <a:srgbClr val="004F9E"/>
+              </a:buClr>
+              <a:buFont typeface="Wingdings" panose="05000000000000000000" pitchFamily="2" charset="2"/>
+              <a:buChar char="§"/>
+            </a:pPr>
+            <a:r>
+              <a:rPr lang="en-US" altLang="ko-KR" sz="2000" dirty="0">
+                <a:solidFill>
+                  <a:schemeClr val="tx1">
+                    <a:lumMod val="85000"/>
+                    <a:lumOff val="15000"/>
+                  </a:schemeClr>
+                </a:solidFill>
+                <a:latin typeface="나눔스퀘어 ExtraBold" panose="020B0600000101010101" pitchFamily="50" charset="-127"/>
+                <a:ea typeface="나눔스퀘어 ExtraBold" panose="020B0600000101010101" pitchFamily="50" charset="-127"/>
+                <a:cs typeface="Arial" panose="020B0604020202020204" pitchFamily="34" charset="0"/>
+              </a:rPr>
+              <a:t>How about apply another GNN based </a:t>
+            </a:r>
+            <a:r>
+              <a:rPr lang="en-US" altLang="ko-KR" sz="2000" dirty="0" err="1">
+                <a:solidFill>
+                  <a:schemeClr val="tx1">
+                    <a:lumMod val="85000"/>
+                    <a:lumOff val="15000"/>
+                  </a:schemeClr>
+                </a:solidFill>
+                <a:latin typeface="나눔스퀘어 ExtraBold" panose="020B0600000101010101" pitchFamily="50" charset="-127"/>
+                <a:ea typeface="나눔스퀘어 ExtraBold" panose="020B0600000101010101" pitchFamily="50" charset="-127"/>
+                <a:cs typeface="Arial" panose="020B0604020202020204" pitchFamily="34" charset="0"/>
+              </a:rPr>
+              <a:t>Recsys</a:t>
+            </a:r>
+            <a:r>
+              <a:rPr lang="en-US" altLang="ko-KR" sz="2000" dirty="0">
+                <a:solidFill>
+                  <a:schemeClr val="tx1">
+                    <a:lumMod val="85000"/>
+                    <a:lumOff val="15000"/>
+                  </a:schemeClr>
+                </a:solidFill>
+                <a:latin typeface="나눔스퀘어 ExtraBold" panose="020B0600000101010101" pitchFamily="50" charset="-127"/>
+                <a:ea typeface="나눔스퀘어 ExtraBold" panose="020B0600000101010101" pitchFamily="50" charset="-127"/>
+                <a:cs typeface="Arial" panose="020B0604020202020204" pitchFamily="34" charset="0"/>
+              </a:rPr>
+              <a:t> model like </a:t>
+            </a:r>
+            <a:r>
+              <a:rPr lang="en-US" altLang="ko-KR" sz="2000" dirty="0" err="1">
+                <a:solidFill>
+                  <a:schemeClr val="tx1">
+                    <a:lumMod val="85000"/>
+                    <a:lumOff val="15000"/>
+                  </a:schemeClr>
+                </a:solidFill>
+                <a:latin typeface="나눔스퀘어 ExtraBold" panose="020B0600000101010101" pitchFamily="50" charset="-127"/>
+                <a:ea typeface="나눔스퀘어 ExtraBold" panose="020B0600000101010101" pitchFamily="50" charset="-127"/>
+                <a:cs typeface="Arial" panose="020B0604020202020204" pitchFamily="34" charset="0"/>
+              </a:rPr>
+              <a:t>PinSAGE</a:t>
+            </a:r>
+            <a:r>
+              <a:rPr lang="en-US" altLang="ko-KR" sz="2000" dirty="0">
+                <a:solidFill>
+                  <a:schemeClr val="tx1">
+                    <a:lumMod val="85000"/>
+                    <a:lumOff val="15000"/>
+                  </a:schemeClr>
+                </a:solidFill>
+                <a:latin typeface="나눔스퀘어 ExtraBold" panose="020B0600000101010101" pitchFamily="50" charset="-127"/>
+                <a:ea typeface="나눔스퀘어 ExtraBold" panose="020B0600000101010101" pitchFamily="50" charset="-127"/>
+                <a:cs typeface="Arial" panose="020B0604020202020204" pitchFamily="34" charset="0"/>
+              </a:rPr>
+              <a:t>?</a:t>
+            </a:r>
+          </a:p>
         </p:txBody>
       </p:sp>
       <p:sp>
@@ -8497,16 +9080,46 @@
             <a:fld id="{16A93642-25BD-4471-A422-0159119E9512}" type="slidenum">
               <a:rPr lang="ko-KR" altLang="en-US" smtClean="0"/>
               <a:pPr/>
-              <a:t>14</a:t>
+              <a:t>15</a:t>
             </a:fld>
             <a:endParaRPr lang="ko-KR" altLang="en-US" dirty="0"/>
           </a:p>
         </p:txBody>
       </p:sp>
+      <p:pic>
+        <p:nvPicPr>
+          <p:cNvPr id="6" name="그림 5">
+            <a:extLst>
+              <a:ext uri="{FF2B5EF4-FFF2-40B4-BE49-F238E27FC236}">
+                <a16:creationId xmlns:a16="http://schemas.microsoft.com/office/drawing/2014/main" id="{706D674E-3A55-DC78-6334-F896B8199DD0}"/>
+              </a:ext>
+            </a:extLst>
+          </p:cNvPr>
+          <p:cNvPicPr>
+            <a:picLocks noChangeAspect="1"/>
+          </p:cNvPicPr>
+          <p:nvPr/>
+        </p:nvPicPr>
+        <p:blipFill>
+          <a:blip r:embed="rId3"/>
+          <a:stretch>
+            <a:fillRect/>
+          </a:stretch>
+        </p:blipFill>
+        <p:spPr>
+          <a:xfrm>
+            <a:off x="2425700" y="3866357"/>
+            <a:ext cx="7340600" cy="2116666"/>
+          </a:xfrm>
+          <a:prstGeom prst="rect">
+            <a:avLst/>
+          </a:prstGeom>
+        </p:spPr>
+      </p:pic>
     </p:spTree>
     <p:extLst>
       <p:ext uri="{BB962C8B-B14F-4D97-AF65-F5344CB8AC3E}">
-        <p14:creationId xmlns:p14="http://schemas.microsoft.com/office/powerpoint/2010/main" val="2368774651"/>
+        <p14:creationId xmlns:p14="http://schemas.microsoft.com/office/powerpoint/2010/main" val="2853196959"/>
       </p:ext>
     </p:extLst>
   </p:cSld>
@@ -9923,7 +10536,7 @@
                 <a:ea typeface="나눔스퀘어 ExtraBold" panose="020B0600000101010101" pitchFamily="50" charset="-127"/>
                 <a:cs typeface="Arial" panose="020B0604020202020204" pitchFamily="34" charset="0"/>
               </a:rPr>
-              <a:t>Except for the recommender system, GNN + CL-based papers had many things to refer to.</a:t>
+              <a:t>Except for the recommender system, GNN + CL-based papers had quite a few things to refer to.</a:t>
             </a:r>
           </a:p>
           <a:p>
@@ -10776,7 +11389,7 @@
                 <a:ea typeface="나눔스퀘어 ExtraBold" panose="020B0600000101010101" pitchFamily="50" charset="-127"/>
                 <a:cs typeface="Arial" panose="020B0604020202020204" pitchFamily="34" charset="0"/>
               </a:rPr>
-              <a:t>ER-GNN (Experience Replay GNN Framework)</a:t>
+              <a:t>Lifelong Open-world node classification</a:t>
             </a:r>
           </a:p>
           <a:p>
@@ -10816,8 +11429,89 @@
                 <a:ea typeface="나눔스퀘어 ExtraBold" panose="020B0600000101010101" pitchFamily="50" charset="-127"/>
                 <a:cs typeface="Arial" panose="020B0604020202020204" pitchFamily="34" charset="0"/>
               </a:rPr>
-              <a:t>GAT</a:t>
-            </a:r>
+              <a:t>GAT, </a:t>
+            </a:r>
+            <a:r>
+              <a:rPr lang="en-US" altLang="ko-KR" sz="2000" b="1" dirty="0" err="1">
+                <a:solidFill>
+                  <a:schemeClr val="tx1">
+                    <a:lumMod val="85000"/>
+                    <a:lumOff val="15000"/>
+                  </a:schemeClr>
+                </a:solidFill>
+                <a:latin typeface="나눔스퀘어 ExtraBold" panose="020B0600000101010101" pitchFamily="50" charset="-127"/>
+                <a:ea typeface="나눔스퀘어 ExtraBold" panose="020B0600000101010101" pitchFamily="50" charset="-127"/>
+                <a:cs typeface="Arial" panose="020B0604020202020204" pitchFamily="34" charset="0"/>
+              </a:rPr>
+              <a:t>GraphSAGE</a:t>
+            </a:r>
+            <a:r>
+              <a:rPr lang="en-US" altLang="ko-KR" sz="2000" b="1" dirty="0">
+                <a:solidFill>
+                  <a:schemeClr val="tx1">
+                    <a:lumMod val="85000"/>
+                    <a:lumOff val="15000"/>
+                  </a:schemeClr>
+                </a:solidFill>
+                <a:latin typeface="나눔스퀘어 ExtraBold" panose="020B0600000101010101" pitchFamily="50" charset="-127"/>
+                <a:ea typeface="나눔스퀘어 ExtraBold" panose="020B0600000101010101" pitchFamily="50" charset="-127"/>
+                <a:cs typeface="Arial" panose="020B0604020202020204" pitchFamily="34" charset="0"/>
+              </a:rPr>
+              <a:t>-Mean, GCN, </a:t>
+            </a:r>
+            <a:r>
+              <a:rPr lang="en-US" altLang="ko-KR" sz="2000" b="1" dirty="0" err="1">
+                <a:solidFill>
+                  <a:schemeClr val="tx1">
+                    <a:lumMod val="85000"/>
+                    <a:lumOff val="15000"/>
+                  </a:schemeClr>
+                </a:solidFill>
+                <a:latin typeface="나눔스퀘어 ExtraBold" panose="020B0600000101010101" pitchFamily="50" charset="-127"/>
+                <a:ea typeface="나눔스퀘어 ExtraBold" panose="020B0600000101010101" pitchFamily="50" charset="-127"/>
+                <a:cs typeface="Arial" panose="020B0604020202020204" pitchFamily="34" charset="0"/>
+              </a:rPr>
+              <a:t>GraphSAINT</a:t>
+            </a:r>
+            <a:r>
+              <a:rPr lang="en-US" altLang="ko-KR" sz="2000" b="1" dirty="0">
+                <a:solidFill>
+                  <a:schemeClr val="tx1">
+                    <a:lumMod val="85000"/>
+                    <a:lumOff val="15000"/>
+                  </a:schemeClr>
+                </a:solidFill>
+                <a:latin typeface="나눔스퀘어 ExtraBold" panose="020B0600000101010101" pitchFamily="50" charset="-127"/>
+                <a:ea typeface="나눔스퀘어 ExtraBold" panose="020B0600000101010101" pitchFamily="50" charset="-127"/>
+                <a:cs typeface="Arial" panose="020B0604020202020204" pitchFamily="34" charset="0"/>
+              </a:rPr>
+              <a:t>, </a:t>
+            </a:r>
+            <a:r>
+              <a:rPr lang="en-US" altLang="ko-KR" sz="2000" b="1" dirty="0" err="1">
+                <a:solidFill>
+                  <a:schemeClr val="tx1">
+                    <a:lumMod val="85000"/>
+                    <a:lumOff val="15000"/>
+                  </a:schemeClr>
+                </a:solidFill>
+                <a:latin typeface="나눔스퀘어 ExtraBold" panose="020B0600000101010101" pitchFamily="50" charset="-127"/>
+                <a:ea typeface="나눔스퀘어 ExtraBold" panose="020B0600000101010101" pitchFamily="50" charset="-127"/>
+                <a:cs typeface="Arial" panose="020B0604020202020204" pitchFamily="34" charset="0"/>
+              </a:rPr>
+              <a:t>JKNets</a:t>
+            </a:r>
+            <a:endParaRPr lang="en-US" altLang="ko-KR" sz="1800" b="1" dirty="0">
+              <a:solidFill>
+                <a:schemeClr val="tx1">
+                  <a:lumMod val="85000"/>
+                  <a:lumOff val="15000"/>
+                </a:schemeClr>
+              </a:solidFill>
+              <a:latin typeface="나눔스퀘어 ExtraBold" panose="020B0600000101010101" pitchFamily="50" charset="-127"/>
+              <a:ea typeface="나눔스퀘어 ExtraBold" panose="020B0600000101010101" pitchFamily="50" charset="-127"/>
+              <a:cs typeface="Arial" panose="020B0604020202020204" pitchFamily="34" charset="0"/>
+            </a:endParaRPr>
           </a:p>
           <a:p>
             <a:pPr marL="889200" lvl="1" indent="-432000">
@@ -10842,7 +11536,7 @@
                 <a:ea typeface="나눔스퀘어 ExtraBold" panose="020B0600000101010101" pitchFamily="50" charset="-127"/>
                 <a:cs typeface="Arial" panose="020B0604020202020204" pitchFamily="34" charset="0"/>
               </a:rPr>
-              <a:t>ER-GNN stores knowledge from previous tasks as experiences and replays them when learning new tasks to mitigate the catastrophic forgetting issue</a:t>
+              <a:t>A model faces a sequence of tasks and may take over knowledge acquired in past tasks</a:t>
             </a:r>
           </a:p>
           <a:p>
@@ -10868,7 +11562,33 @@
                 <a:ea typeface="나눔스퀘어 ExtraBold" panose="020B0600000101010101" pitchFamily="50" charset="-127"/>
                 <a:cs typeface="Arial" panose="020B0604020202020204" pitchFamily="34" charset="0"/>
               </a:rPr>
-              <a:t>three experience node selection strategies: </a:t>
+              <a:t>Such knowledge may be stored explicitly as historic data or implicitly within model parameters</a:t>
+            </a:r>
+          </a:p>
+          <a:p>
+            <a:pPr marL="889200" lvl="1" indent="-432000">
+              <a:lnSpc>
+                <a:spcPct val="100000"/>
+              </a:lnSpc>
+              <a:buClr>
+                <a:srgbClr val="004F9E"/>
+              </a:buClr>
+              <a:buFont typeface="Wingdings" panose="05000000000000000000" pitchFamily="2" charset="2"/>
+              <a:buChar char="§"/>
+            </a:pPr>
+            <a:r>
+              <a:rPr lang="en-US" altLang="ko-KR" sz="2000" dirty="0">
+                <a:solidFill>
+                  <a:schemeClr val="tx1">
+                    <a:lumMod val="85000"/>
+                    <a:lumOff val="15000"/>
+                  </a:schemeClr>
+                </a:solidFill>
+                <a:latin typeface="나눔스퀘어 ExtraBold" panose="020B0600000101010101" pitchFamily="50" charset="-127"/>
+                <a:ea typeface="나눔스퀘어 ExtraBold" panose="020B0600000101010101" pitchFamily="50" charset="-127"/>
+                <a:cs typeface="Arial" panose="020B0604020202020204" pitchFamily="34" charset="0"/>
+              </a:rPr>
+              <a:t>introduce a new measure based on </a:t>
             </a:r>
             <a:r>
               <a:rPr lang="en-US" altLang="ko-KR" sz="2000" b="1" dirty="0">
@@ -10882,7 +11602,7 @@
                 <a:ea typeface="나눔스퀘어 ExtraBold" panose="020B0600000101010101" pitchFamily="50" charset="-127"/>
                 <a:cs typeface="Arial" panose="020B0604020202020204" pitchFamily="34" charset="0"/>
               </a:rPr>
-              <a:t>mean of feature</a:t>
+              <a:t>k-neighborhood time differences </a:t>
             </a:r>
             <a:r>
               <a:rPr lang="en-US" altLang="ko-KR" sz="2000" dirty="0">
@@ -10896,63 +11616,7 @@
                 <a:ea typeface="나눔스퀘어 ExtraBold" panose="020B0600000101010101" pitchFamily="50" charset="-127"/>
                 <a:cs typeface="Arial" panose="020B0604020202020204" pitchFamily="34" charset="0"/>
               </a:rPr>
-              <a:t>, </a:t>
-            </a:r>
-            <a:r>
-              <a:rPr lang="en-US" altLang="ko-KR" sz="2000" b="1" dirty="0">
-                <a:solidFill>
-                  <a:schemeClr val="tx1">
-                    <a:lumMod val="85000"/>
-                    <a:lumOff val="15000"/>
-                  </a:schemeClr>
-                </a:solidFill>
-                <a:latin typeface="나눔스퀘어 ExtraBold" panose="020B0600000101010101" pitchFamily="50" charset="-127"/>
-                <a:ea typeface="나눔스퀘어 ExtraBold" panose="020B0600000101010101" pitchFamily="50" charset="-127"/>
-                <a:cs typeface="Arial" panose="020B0604020202020204" pitchFamily="34" charset="0"/>
-              </a:rPr>
-              <a:t>coverage maximization</a:t>
-            </a:r>
-            <a:r>
-              <a:rPr lang="en-US" altLang="ko-KR" sz="2000" dirty="0">
-                <a:solidFill>
-                  <a:schemeClr val="tx1">
-                    <a:lumMod val="85000"/>
-                    <a:lumOff val="15000"/>
-                  </a:schemeClr>
-                </a:solidFill>
-                <a:latin typeface="나눔스퀘어 ExtraBold" panose="020B0600000101010101" pitchFamily="50" charset="-127"/>
-                <a:ea typeface="나눔스퀘어 ExtraBold" panose="020B0600000101010101" pitchFamily="50" charset="-127"/>
-                <a:cs typeface="Arial" panose="020B0604020202020204" pitchFamily="34" charset="0"/>
-              </a:rPr>
-              <a:t>, and </a:t>
-            </a:r>
-            <a:r>
-              <a:rPr lang="en-US" altLang="ko-KR" sz="2000" b="1" dirty="0">
-                <a:solidFill>
-                  <a:schemeClr val="tx1">
-                    <a:lumMod val="85000"/>
-                    <a:lumOff val="15000"/>
-                  </a:schemeClr>
-                </a:solidFill>
-                <a:latin typeface="나눔스퀘어 ExtraBold" panose="020B0600000101010101" pitchFamily="50" charset="-127"/>
-                <a:ea typeface="나눔스퀘어 ExtraBold" panose="020B0600000101010101" pitchFamily="50" charset="-127"/>
-                <a:cs typeface="Arial" panose="020B0604020202020204" pitchFamily="34" charset="0"/>
-              </a:rPr>
-              <a:t>influence maximization</a:t>
-            </a:r>
-            <a:r>
-              <a:rPr lang="en-US" altLang="ko-KR" sz="2000" dirty="0">
-                <a:solidFill>
-                  <a:schemeClr val="tx1">
-                    <a:lumMod val="85000"/>
-                    <a:lumOff val="15000"/>
-                  </a:schemeClr>
-                </a:solidFill>
-                <a:latin typeface="나눔스퀘어 ExtraBold" panose="020B0600000101010101" pitchFamily="50" charset="-127"/>
-                <a:ea typeface="나눔스퀘어 ExtraBold" panose="020B0600000101010101" pitchFamily="50" charset="-127"/>
-                <a:cs typeface="Arial" panose="020B0604020202020204" pitchFamily="34" charset="0"/>
-              </a:rPr>
-              <a:t>, to guide the process of selecting experience nodes</a:t>
+              <a:t>to address variances in the historic data</a:t>
             </a:r>
           </a:p>
         </p:txBody>
@@ -10990,7 +11654,7 @@
     </p:spTree>
     <p:extLst>
       <p:ext uri="{BB962C8B-B14F-4D97-AF65-F5344CB8AC3E}">
-        <p14:creationId xmlns:p14="http://schemas.microsoft.com/office/powerpoint/2010/main" val="3817165178"/>
+        <p14:creationId xmlns:p14="http://schemas.microsoft.com/office/powerpoint/2010/main" val="3086927590"/>
       </p:ext>
     </p:extLst>
   </p:cSld>

--- a/papers/papersForKCC/논문 관련 조사 및 아이디어.pptx
+++ b/papers/papersForKCC/논문 관련 조사 및 아이디어.pptx
@@ -5,7 +5,7 @@
     <p:sldMasterId id="2147483648" r:id="rId1"/>
   </p:sldMasterIdLst>
   <p:notesMasterIdLst>
-    <p:notesMasterId r:id="rId17"/>
+    <p:notesMasterId r:id="rId19"/>
   </p:notesMasterIdLst>
   <p:sldIdLst>
     <p:sldId id="256" r:id="rId2"/>
@@ -16,13 +16,15 @@
     <p:sldId id="263" r:id="rId7"/>
     <p:sldId id="264" r:id="rId8"/>
     <p:sldId id="265" r:id="rId9"/>
-    <p:sldId id="275" r:id="rId10"/>
-    <p:sldId id="274" r:id="rId11"/>
-    <p:sldId id="266" r:id="rId12"/>
-    <p:sldId id="277" r:id="rId13"/>
-    <p:sldId id="278" r:id="rId14"/>
-    <p:sldId id="279" r:id="rId15"/>
-    <p:sldId id="268" r:id="rId16"/>
+    <p:sldId id="266" r:id="rId10"/>
+    <p:sldId id="277" r:id="rId11"/>
+    <p:sldId id="278" r:id="rId12"/>
+    <p:sldId id="279" r:id="rId13"/>
+    <p:sldId id="280" r:id="rId14"/>
+    <p:sldId id="268" r:id="rId15"/>
+    <p:sldId id="281" r:id="rId16"/>
+    <p:sldId id="275" r:id="rId17"/>
+    <p:sldId id="274" r:id="rId18"/>
   </p:sldIdLst>
   <p:sldSz cx="12192000" cy="6858000"/>
   <p:notesSz cx="6858000" cy="9144000"/>
@@ -222,7 +224,7 @@
           <a:p>
             <a:fld id="{B4BAEF34-DDA1-41A6-94BB-1D7567B3088F}" type="datetimeFigureOut">
               <a:rPr lang="ko-KR" altLang="en-US" smtClean="0"/>
-              <a:t>2023-03-15</a:t>
+              <a:t>2023-03-17</a:t>
             </a:fld>
             <a:endParaRPr lang="ko-KR" altLang="en-US"/>
           </a:p>
@@ -617,13 +619,88 @@
           <a:bodyPr/>
           <a:lstStyle/>
           <a:p>
+            <a:pPr marL="228600" indent="-228600">
+              <a:buAutoNum type="arabicPeriod"/>
+            </a:pPr>
+            <a:r>
+              <a:rPr lang="en-US" altLang="ko-KR" dirty="0" err="1"/>
+              <a:t>graphSAIL</a:t>
+            </a:r>
+            <a:r>
+              <a:rPr lang="ko-KR" altLang="en-US" dirty="0"/>
+              <a:t> </a:t>
+            </a:r>
             <a:r>
               <a:rPr lang="en-US" altLang="ko-KR" dirty="0"/>
-              <a:t>reg</a:t>
+              <a:t>+</a:t>
             </a:r>
             <a:r>
               <a:rPr lang="ko-KR" altLang="en-US" dirty="0"/>
-              <a:t> 기반 접근법</a:t>
+              <a:t> </a:t>
+            </a:r>
+            <a:r>
+              <a:rPr lang="en-US" altLang="ko-KR" dirty="0"/>
+              <a:t>memory, </a:t>
+            </a:r>
+            <a:r>
+              <a:rPr lang="en-US" altLang="ko-KR" dirty="0" err="1"/>
+              <a:t>iCaRL</a:t>
+            </a:r>
+            <a:endParaRPr lang="en-US" altLang="ko-KR" dirty="0"/>
+          </a:p>
+          <a:p>
+            <a:pPr marL="228600" indent="-228600">
+              <a:buAutoNum type="arabicPeriod"/>
+            </a:pPr>
+            <a:endParaRPr lang="en-US" altLang="ko-KR" dirty="0"/>
+          </a:p>
+          <a:p>
+            <a:pPr marL="0" indent="0">
+              <a:buNone/>
+            </a:pPr>
+            <a:r>
+              <a:rPr lang="ko-KR" altLang="en-US" dirty="0"/>
+              <a:t>기존 방식은 다음 모델에게 </a:t>
+            </a:r>
+            <a:r>
+              <a:rPr lang="en-US" altLang="ko-KR" dirty="0"/>
+              <a:t>KD</a:t>
+            </a:r>
+            <a:r>
+              <a:rPr lang="ko-KR" altLang="en-US" dirty="0"/>
+              <a:t>를 활용해 </a:t>
+            </a:r>
+            <a:r>
+              <a:rPr lang="en-US" altLang="ko-KR" dirty="0"/>
+              <a:t>teacher model</a:t>
+            </a:r>
+            <a:r>
+              <a:rPr lang="ko-KR" altLang="en-US" dirty="0"/>
+              <a:t>과 </a:t>
+            </a:r>
+            <a:r>
+              <a:rPr lang="en-US" altLang="ko-KR" dirty="0"/>
+              <a:t>student model</a:t>
+            </a:r>
+            <a:r>
+              <a:rPr lang="ko-KR" altLang="en-US" dirty="0"/>
+              <a:t>의 </a:t>
+            </a:r>
+            <a:r>
+              <a:rPr lang="en-US" altLang="ko-KR" dirty="0"/>
+              <a:t>topological information</a:t>
+            </a:r>
+            <a:r>
+              <a:rPr lang="ko-KR" altLang="en-US" dirty="0"/>
+              <a:t>의 차이를 </a:t>
+            </a:r>
+            <a:r>
+              <a:rPr lang="en-US" altLang="ko-KR" dirty="0"/>
+              <a:t>loss function</a:t>
+            </a:r>
+            <a:r>
+              <a:rPr lang="ko-KR" altLang="en-US" dirty="0"/>
+              <a:t>에 넣어서 모델을 학습 시켰다</a:t>
             </a:r>
             <a:r>
               <a:rPr lang="en-US" altLang="ko-KR" dirty="0"/>
@@ -631,93 +708,15 @@
             </a:r>
           </a:p>
           <a:p>
+            <a:pPr marL="0" indent="0">
+              <a:buNone/>
+            </a:pPr>
             <a:endParaRPr lang="en-US" altLang="ko-KR" dirty="0"/>
           </a:p>
           <a:p>
-            <a:r>
-              <a:rPr lang="ko-KR" altLang="en-US" dirty="0"/>
-              <a:t>이 방식은 비용 함수에 </a:t>
-            </a:r>
-            <a:r>
-              <a:rPr lang="en-US" altLang="ko-KR" dirty="0"/>
-              <a:t>reg term</a:t>
-            </a:r>
-            <a:r>
-              <a:rPr lang="ko-KR" altLang="en-US" dirty="0"/>
-              <a:t>을 추가하는 방식으로 </a:t>
-            </a:r>
-            <a:r>
-              <a:rPr lang="en-US" altLang="ko-KR" dirty="0"/>
-              <a:t>reg</a:t>
-            </a:r>
-            <a:r>
-              <a:rPr lang="ko-KR" altLang="en-US" dirty="0"/>
-              <a:t>을 한다</a:t>
-            </a:r>
-            <a:r>
-              <a:rPr lang="en-US" altLang="ko-KR" dirty="0"/>
-              <a:t>. </a:t>
-            </a:r>
-            <a:r>
-              <a:rPr lang="ko-KR" altLang="en-US" dirty="0"/>
-              <a:t>기존의 중요한 </a:t>
-            </a:r>
-            <a:r>
-              <a:rPr lang="en-US" altLang="ko-KR" dirty="0"/>
-              <a:t>weight</a:t>
-            </a:r>
-            <a:r>
-              <a:rPr lang="ko-KR" altLang="en-US" dirty="0"/>
-              <a:t>이 날라가지 않도록 하는 접근 방식이다</a:t>
-            </a:r>
-            <a:r>
-              <a:rPr lang="en-US" altLang="ko-KR" dirty="0"/>
-              <a:t>.</a:t>
-            </a:r>
-          </a:p>
-          <a:p>
-            <a:r>
-              <a:rPr lang="ko-KR" altLang="en-US" dirty="0"/>
-              <a:t>내 생각엔 </a:t>
-            </a:r>
-            <a:r>
-              <a:rPr lang="en-US" altLang="ko-KR" dirty="0"/>
-              <a:t>CL </a:t>
-            </a:r>
-            <a:r>
-              <a:rPr lang="ko-KR" altLang="en-US" dirty="0"/>
-              <a:t>방법론 중 가장 연구가 활발하게 되고 있는 분야이고 </a:t>
-            </a:r>
-            <a:r>
-              <a:rPr lang="en-US" altLang="ko-KR" dirty="0" err="1"/>
-              <a:t>graphSAIL</a:t>
-            </a:r>
-            <a:r>
-              <a:rPr lang="ko-KR" altLang="en-US" dirty="0"/>
-              <a:t>의 </a:t>
-            </a:r>
-            <a:r>
-              <a:rPr lang="en-US" altLang="ko-KR" dirty="0"/>
-              <a:t>KD </a:t>
-            </a:r>
-            <a:r>
-              <a:rPr lang="ko-KR" altLang="en-US" dirty="0"/>
-              <a:t>역시 </a:t>
-            </a:r>
-            <a:r>
-              <a:rPr lang="en-US" altLang="ko-KR" dirty="0"/>
-              <a:t>reg </a:t>
-            </a:r>
-            <a:r>
-              <a:rPr lang="ko-KR" altLang="en-US" dirty="0"/>
-              <a:t>기반 접근법의 일종이다</a:t>
-            </a:r>
-            <a:r>
-              <a:rPr lang="en-US" altLang="ko-KR" dirty="0"/>
-              <a:t>.</a:t>
-            </a:r>
-          </a:p>
-          <a:p>
+            <a:pPr marL="0" indent="0">
+              <a:buNone/>
+            </a:pPr>
             <a:endParaRPr lang="en-US" altLang="ko-KR" dirty="0"/>
           </a:p>
         </p:txBody>
@@ -748,7 +747,7 @@
     </p:spTree>
     <p:extLst>
       <p:ext uri="{BB962C8B-B14F-4D97-AF65-F5344CB8AC3E}">
-        <p14:creationId xmlns:p14="http://schemas.microsoft.com/office/powerpoint/2010/main" val="1642583466"/>
+        <p14:creationId xmlns:p14="http://schemas.microsoft.com/office/powerpoint/2010/main" val="3460793390"/>
       </p:ext>
     </p:extLst>
   </p:cSld>
@@ -843,50 +842,90 @@
             </a:pPr>
             <a:r>
               <a:rPr lang="ko-KR" altLang="en-US" dirty="0"/>
-              <a:t>현재 </a:t>
-            </a:r>
-            <a:r>
-              <a:rPr lang="en-US" altLang="ko-KR" dirty="0" err="1"/>
-              <a:t>graphSAIL</a:t>
+              <a:t>생각한 아이디어로 각</a:t>
+            </a:r>
+            <a:r>
+              <a:rPr lang="en-US" altLang="ko-KR" dirty="0"/>
+              <a:t> block</a:t>
             </a:r>
             <a:r>
               <a:rPr lang="ko-KR" altLang="en-US" dirty="0"/>
-              <a:t>은 </a:t>
+              <a:t>에서 대표적인 </a:t>
             </a:r>
             <a:r>
               <a:rPr lang="en-US" altLang="ko-KR" dirty="0"/>
-              <a:t>KD</a:t>
+              <a:t>data</a:t>
             </a:r>
             <a:r>
               <a:rPr lang="ko-KR" altLang="en-US" dirty="0"/>
-              <a:t>기반 </a:t>
+              <a:t>를 저장하고</a:t>
             </a:r>
             <a:r>
               <a:rPr lang="en-US" altLang="ko-KR" dirty="0"/>
-              <a:t>reg </a:t>
+              <a:t>, </a:t>
             </a:r>
             <a:r>
               <a:rPr lang="ko-KR" altLang="en-US" dirty="0"/>
-              <a:t>방식에 집중하고 있음 여기에 </a:t>
+              <a:t>다음 </a:t>
             </a:r>
             <a:r>
               <a:rPr lang="en-US" altLang="ko-KR" dirty="0"/>
-              <a:t>+memory </a:t>
+              <a:t>task data</a:t>
             </a:r>
             <a:r>
               <a:rPr lang="ko-KR" altLang="en-US" dirty="0"/>
-              <a:t>방식이 들어간다면</a:t>
+              <a:t>에 추가하는 것임</a:t>
             </a:r>
             <a:r>
               <a:rPr lang="en-US" altLang="ko-KR" dirty="0"/>
-              <a:t>?</a:t>
+              <a:t>.</a:t>
             </a:r>
           </a:p>
           <a:p>
             <a:pPr marL="0" indent="0">
               <a:buNone/>
             </a:pPr>
-            <a:endParaRPr lang="en-US" altLang="ko-KR" dirty="0"/>
+            <a:r>
+              <a:rPr lang="ko-KR" altLang="en-US" dirty="0"/>
+              <a:t>여기서 </a:t>
+            </a:r>
+            <a:r>
+              <a:rPr lang="en-US" altLang="ko-KR" dirty="0"/>
+              <a:t>KD</a:t>
+            </a:r>
+            <a:r>
+              <a:rPr lang="ko-KR" altLang="en-US" dirty="0"/>
+              <a:t>를 어떻게 적용하느냐</a:t>
+            </a:r>
+            <a:r>
+              <a:rPr lang="en-US" altLang="ko-KR" dirty="0"/>
+              <a:t>,</a:t>
+            </a:r>
+          </a:p>
+          <a:p>
+            <a:pPr marL="0" indent="0">
+              <a:buNone/>
+            </a:pPr>
+            <a:r>
+              <a:rPr lang="en-US" altLang="ko-KR" dirty="0"/>
+              <a:t>Data sampling</a:t>
+            </a:r>
+            <a:r>
+              <a:rPr lang="ko-KR" altLang="en-US" dirty="0"/>
+              <a:t>을 </a:t>
+            </a:r>
+            <a:r>
+              <a:rPr lang="ko-KR" altLang="en-US" dirty="0" err="1"/>
+              <a:t>어떤식으로</a:t>
+            </a:r>
+            <a:r>
+              <a:rPr lang="ko-KR" altLang="en-US" dirty="0"/>
+              <a:t> 하느냐가 관건일 것 같다</a:t>
+            </a:r>
+            <a:r>
+              <a:rPr lang="en-US" altLang="ko-KR" dirty="0"/>
+              <a:t>.</a:t>
+            </a:r>
           </a:p>
           <a:p>
             <a:pPr marL="0" indent="0">
@@ -922,7 +961,7 @@
     </p:spTree>
     <p:extLst>
       <p:ext uri="{BB962C8B-B14F-4D97-AF65-F5344CB8AC3E}">
-        <p14:creationId xmlns:p14="http://schemas.microsoft.com/office/powerpoint/2010/main" val="3025692529"/>
+        <p14:creationId xmlns:p14="http://schemas.microsoft.com/office/powerpoint/2010/main" val="988236332"/>
       </p:ext>
     </p:extLst>
   </p:cSld>
@@ -1016,52 +1055,16 @@
               <a:buNone/>
             </a:pPr>
             <a:r>
+              <a:rPr lang="ko-KR" altLang="en-US" dirty="0" err="1"/>
+              <a:t>참고할만한</a:t>
+            </a:r>
+            <a:r>
               <a:rPr lang="ko-KR" altLang="en-US" dirty="0"/>
-              <a:t>기존 방식은 다음 모델에게 </a:t>
+              <a:t> 논문</a:t>
             </a:r>
             <a:r>
               <a:rPr lang="en-US" altLang="ko-KR" dirty="0"/>
-              <a:t>KD</a:t>
-            </a:r>
-            <a:r>
-              <a:rPr lang="ko-KR" altLang="en-US" dirty="0"/>
-              <a:t>를 활용해 </a:t>
-            </a:r>
-            <a:r>
-              <a:rPr lang="en-US" altLang="ko-KR" dirty="0"/>
-              <a:t>teacher model</a:t>
-            </a:r>
-            <a:r>
-              <a:rPr lang="ko-KR" altLang="en-US" dirty="0"/>
-              <a:t>과 </a:t>
-            </a:r>
-            <a:r>
-              <a:rPr lang="en-US" altLang="ko-KR" dirty="0"/>
-              <a:t>student model</a:t>
-            </a:r>
-            <a:r>
-              <a:rPr lang="ko-KR" altLang="en-US" dirty="0"/>
-              <a:t>의 </a:t>
-            </a:r>
-            <a:r>
-              <a:rPr lang="en-US" altLang="ko-KR" dirty="0"/>
-              <a:t>topological information</a:t>
-            </a:r>
-            <a:r>
-              <a:rPr lang="ko-KR" altLang="en-US" dirty="0"/>
-              <a:t>의 차이를 </a:t>
-            </a:r>
-            <a:r>
-              <a:rPr lang="en-US" altLang="ko-KR" dirty="0"/>
-              <a:t>loss function</a:t>
-            </a:r>
-            <a:r>
-              <a:rPr lang="ko-KR" altLang="en-US" dirty="0"/>
-              <a:t>에 넣어서 모델을 학습 시켰다</a:t>
-            </a:r>
-            <a:r>
-              <a:rPr lang="en-US" altLang="ko-KR" dirty="0"/>
-              <a:t>.</a:t>
+              <a:t>..</a:t>
             </a:r>
           </a:p>
           <a:p>
@@ -1069,6 +1072,36 @@
               <a:buNone/>
             </a:pPr>
             <a:endParaRPr lang="en-US" altLang="ko-KR" dirty="0"/>
+          </a:p>
+          <a:p>
+            <a:pPr marL="0" indent="0">
+              <a:buNone/>
+            </a:pPr>
+            <a:r>
+              <a:rPr lang="en-US" altLang="ko-KR" dirty="0" err="1"/>
+              <a:t>Continualgnn</a:t>
+            </a:r>
+            <a:r>
+              <a:rPr lang="en-US" altLang="ko-KR" dirty="0"/>
+              <a:t> </a:t>
+            </a:r>
+            <a:r>
+              <a:rPr lang="ko-KR" altLang="en-US" dirty="0"/>
+              <a:t>샘플링 전략</a:t>
+            </a:r>
+            <a:r>
+              <a:rPr lang="en-US" altLang="ko-KR" dirty="0"/>
+              <a:t>..</a:t>
+            </a:r>
+          </a:p>
+          <a:p>
+            <a:pPr marL="0" indent="0">
+              <a:buNone/>
+            </a:pPr>
+            <a:r>
+              <a:rPr lang="en-US" altLang="ko-KR" dirty="0"/>
+              <a:t>ER-GNN</a:t>
+            </a:r>
           </a:p>
           <a:p>
             <a:pPr marL="0" indent="0">
@@ -1104,7 +1137,7 @@
     </p:spTree>
     <p:extLst>
       <p:ext uri="{BB962C8B-B14F-4D97-AF65-F5344CB8AC3E}">
-        <p14:creationId xmlns:p14="http://schemas.microsoft.com/office/powerpoint/2010/main" val="3460793390"/>
+        <p14:creationId xmlns:p14="http://schemas.microsoft.com/office/powerpoint/2010/main" val="3522472268"/>
       </p:ext>
     </p:extLst>
   </p:cSld>
@@ -1162,30 +1195,41 @@
               <a:buAutoNum type="arabicPeriod"/>
             </a:pPr>
             <a:r>
+              <a:rPr lang="en-US" altLang="ko-KR" dirty="0"/>
+              <a:t>Causal </a:t>
+            </a:r>
+            <a:r>
               <a:rPr lang="en-US" altLang="ko-KR" dirty="0" err="1"/>
-              <a:t>graphSAIL</a:t>
+              <a:t>incre</a:t>
+            </a:r>
+            <a:r>
+              <a:rPr lang="en-US" altLang="ko-KR" dirty="0"/>
+              <a:t> + </a:t>
             </a:r>
             <a:r>
               <a:rPr lang="ko-KR" altLang="en-US" dirty="0"/>
+              <a:t>다른 </a:t>
+            </a:r>
+            <a:r>
+              <a:rPr lang="en-US" altLang="ko-KR" dirty="0"/>
+              <a:t>GNN </a:t>
+            </a:r>
+            <a:r>
+              <a:rPr lang="ko-KR" altLang="en-US" dirty="0"/>
+              <a:t>모델 </a:t>
+            </a:r>
+            <a:r>
+              <a:rPr lang="en-US" altLang="ko-KR" dirty="0"/>
+              <a:t>like </a:t>
+            </a:r>
+            <a:r>
+              <a:rPr lang="en-US" altLang="ko-KR" dirty="0" err="1"/>
+              <a:t>pinsage</a:t>
+            </a:r>
+            <a:r>
+              <a:rPr lang="en-US" altLang="ko-KR" dirty="0"/>
               <a:t> </a:t>
             </a:r>
-            <a:r>
-              <a:rPr lang="en-US" altLang="ko-KR" dirty="0"/>
-              <a:t>+</a:t>
-            </a:r>
-            <a:r>
-              <a:rPr lang="ko-KR" altLang="en-US" dirty="0"/>
-              <a:t> </a:t>
-            </a:r>
-            <a:r>
-              <a:rPr lang="en-US" altLang="ko-KR" dirty="0"/>
-              <a:t>memory, </a:t>
-            </a:r>
-            <a:r>
-              <a:rPr lang="en-US" altLang="ko-KR" dirty="0" err="1"/>
-              <a:t>iCaRL</a:t>
-            </a:r>
-            <a:endParaRPr lang="en-US" altLang="ko-KR" dirty="0"/>
           </a:p>
           <a:p>
             <a:pPr marL="228600" indent="-228600">
@@ -1198,40 +1242,32 @@
               <a:buNone/>
             </a:pPr>
             <a:r>
+              <a:rPr lang="en-US" altLang="ko-KR" dirty="0"/>
+              <a:t>Causal </a:t>
+            </a:r>
+            <a:r>
               <a:rPr lang="ko-KR" altLang="en-US" dirty="0"/>
-              <a:t>생각한 아이디어로 각</a:t>
+              <a:t>은 결과가 너무 사기적이기 때문에 다른 </a:t>
+            </a:r>
+            <a:r>
+              <a:rPr lang="en-US" altLang="ko-KR" dirty="0" err="1"/>
+              <a:t>gnn</a:t>
             </a:r>
             <a:r>
               <a:rPr lang="en-US" altLang="ko-KR" dirty="0"/>
-              <a:t> block</a:t>
+              <a:t> </a:t>
             </a:r>
             <a:r>
               <a:rPr lang="ko-KR" altLang="en-US" dirty="0"/>
-              <a:t>에서 대표적인 </a:t>
+              <a:t>모델에서도 </a:t>
             </a:r>
             <a:r>
               <a:rPr lang="en-US" altLang="ko-KR" dirty="0"/>
-              <a:t>data</a:t>
+              <a:t>general</a:t>
             </a:r>
             <a:r>
               <a:rPr lang="ko-KR" altLang="en-US" dirty="0"/>
-              <a:t>를 저장하고</a:t>
-            </a:r>
-            <a:r>
-              <a:rPr lang="en-US" altLang="ko-KR" dirty="0"/>
-              <a:t>, </a:t>
-            </a:r>
-            <a:r>
-              <a:rPr lang="ko-KR" altLang="en-US" dirty="0"/>
-              <a:t>다음 </a:t>
-            </a:r>
-            <a:r>
-              <a:rPr lang="en-US" altLang="ko-KR" dirty="0"/>
-              <a:t>task data</a:t>
-            </a:r>
-            <a:r>
-              <a:rPr lang="ko-KR" altLang="en-US" dirty="0"/>
-              <a:t>에 추가하는 것임</a:t>
+              <a:t>하게 동작하는지 검증이 필요</a:t>
             </a:r>
             <a:r>
               <a:rPr lang="en-US" altLang="ko-KR" dirty="0"/>
@@ -1243,6 +1279,53 @@
               <a:buNone/>
             </a:pPr>
             <a:endParaRPr lang="en-US" altLang="ko-KR" dirty="0"/>
+          </a:p>
+          <a:p>
+            <a:pPr marL="0" indent="0">
+              <a:buNone/>
+            </a:pPr>
+            <a:r>
+              <a:rPr lang="en-US" altLang="ko-KR" dirty="0"/>
+              <a:t>If </a:t>
+            </a:r>
+            <a:r>
+              <a:rPr lang="ko-KR" altLang="en-US" dirty="0"/>
+              <a:t>적용한다면 알아야 할 것</a:t>
+            </a:r>
+            <a:r>
+              <a:rPr lang="en-US" altLang="ko-KR" dirty="0"/>
+              <a:t>..</a:t>
+            </a:r>
+          </a:p>
+          <a:p>
+            <a:pPr marL="0" indent="0">
+              <a:buNone/>
+            </a:pPr>
+            <a:r>
+              <a:rPr lang="en-US" altLang="ko-KR" dirty="0" err="1"/>
+              <a:t>Pinsage</a:t>
+            </a:r>
+            <a:r>
+              <a:rPr lang="ko-KR" altLang="en-US" dirty="0"/>
+              <a:t>와 </a:t>
+            </a:r>
+            <a:r>
+              <a:rPr lang="en-US" altLang="ko-KR" dirty="0" err="1"/>
+              <a:t>lightGCN</a:t>
+            </a:r>
+            <a:r>
+              <a:rPr lang="en-US" altLang="ko-KR" dirty="0"/>
+              <a:t> </a:t>
+            </a:r>
+            <a:r>
+              <a:rPr lang="ko-KR" altLang="en-US" dirty="0"/>
+              <a:t>의 차이는 무엇인가</a:t>
+            </a:r>
+            <a:r>
+              <a:rPr lang="en-US" altLang="ko-KR" dirty="0"/>
+              <a:t>?</a:t>
+            </a:r>
+            <a:endParaRPr lang="ko-KR" altLang="en-US" dirty="0"/>
           </a:p>
         </p:txBody>
       </p:sp>
@@ -1272,7 +1355,7 @@
     </p:spTree>
     <p:extLst>
       <p:ext uri="{BB962C8B-B14F-4D97-AF65-F5344CB8AC3E}">
-        <p14:creationId xmlns:p14="http://schemas.microsoft.com/office/powerpoint/2010/main" val="988236332"/>
+        <p14:creationId xmlns:p14="http://schemas.microsoft.com/office/powerpoint/2010/main" val="2252677923"/>
       </p:ext>
     </p:extLst>
   </p:cSld>
@@ -1326,93 +1409,26 @@
           <a:bodyPr/>
           <a:lstStyle/>
           <a:p>
-            <a:pPr marL="228600" indent="-228600">
-              <a:buAutoNum type="arabicPeriod"/>
-            </a:pPr>
-            <a:r>
-              <a:rPr lang="en-US" altLang="ko-KR" dirty="0"/>
-              <a:t>Causal </a:t>
-            </a:r>
-            <a:r>
-              <a:rPr lang="en-US" altLang="ko-KR" dirty="0" err="1"/>
-              <a:t>incre</a:t>
-            </a:r>
-            <a:r>
-              <a:rPr lang="en-US" altLang="ko-KR" dirty="0"/>
-              <a:t> + </a:t>
-            </a:r>
-            <a:r>
-              <a:rPr lang="ko-KR" altLang="en-US" dirty="0"/>
-              <a:t>다른 </a:t>
-            </a:r>
-            <a:r>
-              <a:rPr lang="en-US" altLang="ko-KR" dirty="0"/>
-              <a:t>GNN </a:t>
-            </a:r>
-            <a:r>
-              <a:rPr lang="ko-KR" altLang="en-US" dirty="0"/>
-              <a:t>모델 </a:t>
-            </a:r>
-            <a:r>
-              <a:rPr lang="en-US" altLang="ko-KR" dirty="0"/>
-              <a:t>like </a:t>
-            </a:r>
-            <a:r>
-              <a:rPr lang="en-US" altLang="ko-KR" dirty="0" err="1"/>
-              <a:t>pinsage</a:t>
-            </a:r>
-            <a:r>
-              <a:rPr lang="en-US" altLang="ko-KR" dirty="0"/>
-              <a:t> </a:t>
-            </a:r>
-          </a:p>
-          <a:p>
-            <a:pPr marL="228600" indent="-228600">
-              <a:buAutoNum type="arabicPeriod"/>
-            </a:pPr>
-            <a:endParaRPr lang="en-US" altLang="ko-KR" dirty="0"/>
-          </a:p>
-          <a:p>
             <a:pPr marL="0" indent="0">
               <a:buNone/>
             </a:pPr>
             <a:r>
+              <a:rPr lang="ko-KR" altLang="en-US" dirty="0"/>
+              <a:t>결론</a:t>
+            </a:r>
+            <a:r>
               <a:rPr lang="en-US" altLang="ko-KR" dirty="0"/>
-              <a:t>Causal </a:t>
-            </a:r>
-            <a:r>
-              <a:rPr lang="ko-KR" altLang="en-US" dirty="0"/>
-              <a:t>은 결과가 너무 사기적이기 때문에 다른 </a:t>
-            </a:r>
-            <a:r>
-              <a:rPr lang="en-US" altLang="ko-KR" dirty="0" err="1"/>
-              <a:t>gnn</a:t>
-            </a:r>
-            <a:r>
-              <a:rPr lang="en-US" altLang="ko-KR" dirty="0"/>
-              <a:t> </a:t>
-            </a:r>
-            <a:r>
-              <a:rPr lang="ko-KR" altLang="en-US" dirty="0"/>
-              <a:t>모델에서도 </a:t>
-            </a:r>
-            <a:r>
-              <a:rPr lang="en-US" altLang="ko-KR" dirty="0"/>
-              <a:t>general</a:t>
-            </a:r>
-            <a:r>
-              <a:rPr lang="ko-KR" altLang="en-US" dirty="0"/>
-              <a:t>하게 동작하는지 검증이 필요</a:t>
-            </a:r>
-            <a:r>
-              <a:rPr lang="en-US" altLang="ko-KR" dirty="0"/>
-              <a:t>.</a:t>
+              <a:t>…</a:t>
             </a:r>
           </a:p>
           <a:p>
             <a:pPr marL="0" indent="0">
               <a:buNone/>
             </a:pPr>
+            <a:r>
+              <a:rPr lang="ko-KR" altLang="en-US" dirty="0"/>
+              <a:t>나는 우선 세가지 메인 주제를 다루는 논문을 찾고 분석했고</a:t>
+            </a:r>
             <a:endParaRPr lang="en-US" altLang="ko-KR" dirty="0"/>
           </a:p>
           <a:p>
@@ -1420,16 +1436,28 @@
               <a:buNone/>
             </a:pPr>
             <a:r>
+              <a:rPr lang="ko-KR" altLang="en-US" dirty="0"/>
+              <a:t>그런 다음에 </a:t>
+            </a:r>
+            <a:r>
               <a:rPr lang="en-US" altLang="ko-KR" dirty="0"/>
-              <a:t>If </a:t>
+              <a:t>GNN</a:t>
             </a:r>
             <a:r>
               <a:rPr lang="ko-KR" altLang="en-US" dirty="0"/>
-              <a:t>적용한다면 알아야 할 것</a:t>
+              <a:t>과 </a:t>
             </a:r>
             <a:r>
               <a:rPr lang="en-US" altLang="ko-KR" dirty="0"/>
-              <a:t>..</a:t>
+              <a:t>CL</a:t>
+            </a:r>
+            <a:r>
+              <a:rPr lang="ko-KR" altLang="en-US" dirty="0"/>
+              <a:t>을 다루는 논문을 조사했다</a:t>
+            </a:r>
+            <a:r>
+              <a:rPr lang="en-US" altLang="ko-KR" dirty="0"/>
+              <a:t>.</a:t>
             </a:r>
           </a:p>
           <a:p>
@@ -1437,30 +1465,91 @@
               <a:buNone/>
             </a:pPr>
             <a:r>
+              <a:rPr lang="ko-KR" altLang="en-US" dirty="0"/>
+              <a:t>그 결과 </a:t>
+            </a:r>
+            <a:r>
+              <a:rPr lang="en-US" altLang="ko-KR" dirty="0"/>
+              <a:t>GNN base CL</a:t>
+            </a:r>
+            <a:r>
+              <a:rPr lang="ko-KR" altLang="en-US" dirty="0"/>
+              <a:t>에는 세가지 </a:t>
+            </a:r>
+            <a:r>
+              <a:rPr lang="ko-KR" altLang="en-US" dirty="0" err="1"/>
+              <a:t>메인스트림이</a:t>
+            </a:r>
+            <a:r>
+              <a:rPr lang="ko-KR" altLang="en-US" dirty="0"/>
+              <a:t> 있음을 </a:t>
+            </a:r>
+            <a:r>
+              <a:rPr lang="ko-KR" altLang="en-US" dirty="0" err="1"/>
+              <a:t>알게되었다</a:t>
+            </a:r>
+            <a:r>
+              <a:rPr lang="en-US" altLang="ko-KR" dirty="0"/>
+              <a:t>.</a:t>
+            </a:r>
+          </a:p>
+          <a:p>
+            <a:pPr marL="0" indent="0">
+              <a:buNone/>
+            </a:pPr>
+            <a:r>
+              <a:rPr lang="ko-KR" altLang="en-US" dirty="0"/>
+              <a:t>나는 </a:t>
+            </a:r>
+            <a:r>
               <a:rPr lang="en-US" altLang="ko-KR" dirty="0" err="1"/>
-              <a:t>Pinsage</a:t>
+              <a:t>GraphSAIL</a:t>
             </a:r>
             <a:r>
               <a:rPr lang="ko-KR" altLang="en-US" dirty="0"/>
-              <a:t>와 </a:t>
-            </a:r>
-            <a:r>
-              <a:rPr lang="en-US" altLang="ko-KR" dirty="0" err="1"/>
-              <a:t>lightGCN</a:t>
+              <a:t>에 </a:t>
             </a:r>
             <a:r>
               <a:rPr lang="en-US" altLang="ko-KR" dirty="0"/>
-              <a:t> </a:t>
+              <a:t>replay </a:t>
             </a:r>
             <a:r>
               <a:rPr lang="ko-KR" altLang="en-US" dirty="0"/>
-              <a:t>의 차이는 무엇인가</a:t>
+              <a:t>기반 접근법을 적용하면 좋을 것 같다는 생각을 했다</a:t>
             </a:r>
             <a:r>
               <a:rPr lang="en-US" altLang="ko-KR" dirty="0"/>
-              <a:t>?</a:t>
-            </a:r>
-            <a:endParaRPr lang="ko-KR" altLang="en-US" dirty="0"/>
+              <a:t>.</a:t>
+            </a:r>
+          </a:p>
+          <a:p>
+            <a:pPr marL="0" indent="0">
+              <a:buNone/>
+            </a:pPr>
+            <a:r>
+              <a:rPr lang="ko-KR" altLang="en-US" dirty="0"/>
+              <a:t>이제 </a:t>
+            </a:r>
+            <a:r>
+              <a:rPr lang="ko-KR" altLang="en-US" dirty="0" err="1"/>
+              <a:t>러프한</a:t>
+            </a:r>
+            <a:r>
+              <a:rPr lang="ko-KR" altLang="en-US" dirty="0"/>
+              <a:t> 토픽은 잡은 것 같고</a:t>
+            </a:r>
+            <a:r>
+              <a:rPr lang="en-US" altLang="ko-KR" dirty="0"/>
+              <a:t>.. </a:t>
+            </a:r>
+            <a:r>
+              <a:rPr lang="ko-KR" altLang="en-US" dirty="0"/>
+              <a:t>이제는 실제 코드를 다루며 실험도 해보고 감을 잡고 싶다</a:t>
+            </a:r>
+            <a:r>
+              <a:rPr lang="en-US" altLang="ko-KR" dirty="0"/>
+              <a:t>.</a:t>
+            </a:r>
           </a:p>
         </p:txBody>
       </p:sp>
@@ -1490,7 +1579,343 @@
     </p:spTree>
     <p:extLst>
       <p:ext uri="{BB962C8B-B14F-4D97-AF65-F5344CB8AC3E}">
-        <p14:creationId xmlns:p14="http://schemas.microsoft.com/office/powerpoint/2010/main" val="2252677923"/>
+        <p14:creationId xmlns:p14="http://schemas.microsoft.com/office/powerpoint/2010/main" val="3310784257"/>
+      </p:ext>
+    </p:extLst>
+  </p:cSld>
+  <p:clrMapOvr>
+    <a:masterClrMapping/>
+  </p:clrMapOvr>
+</p:notes>
+</file>
+
+<file path=ppt/notesSlides/notesSlide15.xml><?xml version="1.0" encoding="utf-8"?>
+<p:notes xmlns:a="http://schemas.openxmlformats.org/drawingml/2006/main" xmlns:r="http://schemas.openxmlformats.org/officeDocument/2006/relationships" xmlns:p="http://schemas.openxmlformats.org/presentationml/2006/main">
+  <p:cSld>
+    <p:spTree>
+      <p:nvGrpSpPr>
+        <p:cNvPr id="1" name=""/>
+        <p:cNvGrpSpPr/>
+        <p:nvPr/>
+      </p:nvGrpSpPr>
+      <p:grpSpPr>
+        <a:xfrm>
+          <a:off x="0" y="0"/>
+          <a:ext cx="0" cy="0"/>
+          <a:chOff x="0" y="0"/>
+          <a:chExt cx="0" cy="0"/>
+        </a:xfrm>
+      </p:grpSpPr>
+      <p:sp>
+        <p:nvSpPr>
+          <p:cNvPr id="2" name="슬라이드 이미지 개체 틀 1"/>
+          <p:cNvSpPr>
+            <a:spLocks noGrp="1" noRot="1" noChangeAspect="1"/>
+          </p:cNvSpPr>
+          <p:nvPr>
+            <p:ph type="sldImg"/>
+          </p:nvPr>
+        </p:nvSpPr>
+        <p:spPr/>
+      </p:sp>
+      <p:sp>
+        <p:nvSpPr>
+          <p:cNvPr id="3" name="슬라이드 노트 개체 틀 2"/>
+          <p:cNvSpPr>
+            <a:spLocks noGrp="1"/>
+          </p:cNvSpPr>
+          <p:nvPr>
+            <p:ph type="body" idx="1"/>
+          </p:nvPr>
+        </p:nvSpPr>
+        <p:spPr/>
+        <p:txBody>
+          <a:bodyPr/>
+          <a:lstStyle/>
+          <a:p>
+            <a:r>
+              <a:rPr lang="en-US" altLang="ko-KR" dirty="0"/>
+              <a:t>Lifelong open world node classification</a:t>
+            </a:r>
+          </a:p>
+          <a:p>
+            <a:endParaRPr lang="en-US" altLang="ko-KR" dirty="0"/>
+          </a:p>
+          <a:p>
+            <a:r>
+              <a:rPr lang="ko-KR" altLang="en-US" dirty="0"/>
+              <a:t>모델이 시퀀스한 태스크를 마주하게 되고</a:t>
+            </a:r>
+            <a:r>
+              <a:rPr lang="en-US" altLang="ko-KR" dirty="0"/>
+              <a:t>, </a:t>
+            </a:r>
+            <a:r>
+              <a:rPr lang="ko-KR" altLang="en-US" dirty="0"/>
+              <a:t>과거 </a:t>
+            </a:r>
+            <a:r>
+              <a:rPr lang="en-US" altLang="ko-KR" dirty="0"/>
+              <a:t>task</a:t>
+            </a:r>
+            <a:r>
+              <a:rPr lang="ko-KR" altLang="en-US" dirty="0"/>
+              <a:t>에서 습득한 지식을 이어받을 수 있다</a:t>
+            </a:r>
+            <a:r>
+              <a:rPr lang="en-US" altLang="ko-KR" dirty="0"/>
+              <a:t>.</a:t>
+            </a:r>
+          </a:p>
+          <a:p>
+            <a:r>
+              <a:rPr lang="ko-KR" altLang="en-US" dirty="0"/>
+              <a:t>그런 지식은 과거 데이터 형태로 저장되거나</a:t>
+            </a:r>
+            <a:r>
+              <a:rPr lang="en-US" altLang="ko-KR" dirty="0"/>
+              <a:t>, </a:t>
+            </a:r>
+            <a:r>
+              <a:rPr lang="ko-KR" altLang="en-US" dirty="0"/>
+              <a:t>모델 파라미터로서 간접적으로 저장될 수 있다</a:t>
+            </a:r>
+            <a:r>
+              <a:rPr lang="en-US" altLang="ko-KR" dirty="0"/>
+              <a:t>.</a:t>
+            </a:r>
+          </a:p>
+          <a:p>
+            <a:endParaRPr lang="en-US" altLang="ko-KR" dirty="0"/>
+          </a:p>
+          <a:p>
+            <a:r>
+              <a:rPr lang="ko-KR" altLang="en-US" dirty="0"/>
+              <a:t>여기서는 과거 데이터와 차이를 줄이기 위해 </a:t>
+            </a:r>
+            <a:r>
+              <a:rPr lang="en-US" altLang="ko-KR" dirty="0"/>
+              <a:t>k-</a:t>
+            </a:r>
+            <a:r>
+              <a:rPr lang="ko-KR" altLang="en-US" dirty="0"/>
+              <a:t>이웃 </a:t>
+            </a:r>
+            <a:r>
+              <a:rPr lang="en-US" altLang="ko-KR" dirty="0"/>
+              <a:t>time difference</a:t>
+            </a:r>
+            <a:r>
+              <a:rPr lang="ko-KR" altLang="en-US" dirty="0"/>
+              <a:t>를 기반으로 한 새로운 측정법을 제시한다</a:t>
+            </a:r>
+            <a:r>
+              <a:rPr lang="en-US" altLang="ko-KR" dirty="0"/>
+              <a:t>.</a:t>
+            </a:r>
+          </a:p>
+        </p:txBody>
+      </p:sp>
+      <p:sp>
+        <p:nvSpPr>
+          <p:cNvPr id="4" name="슬라이드 번호 개체 틀 3"/>
+          <p:cNvSpPr>
+            <a:spLocks noGrp="1"/>
+          </p:cNvSpPr>
+          <p:nvPr>
+            <p:ph type="sldNum" sz="quarter" idx="5"/>
+          </p:nvPr>
+        </p:nvSpPr>
+        <p:spPr/>
+        <p:txBody>
+          <a:bodyPr/>
+          <a:lstStyle/>
+          <a:p>
+            <a:fld id="{E3508E54-26A4-461A-9177-07CC1B35B5F2}" type="slidenum">
+              <a:rPr lang="ko-KR" altLang="en-US" smtClean="0"/>
+              <a:t>16</a:t>
+            </a:fld>
+            <a:endParaRPr lang="ko-KR" altLang="en-US"/>
+          </a:p>
+        </p:txBody>
+      </p:sp>
+    </p:spTree>
+    <p:extLst>
+      <p:ext uri="{BB962C8B-B14F-4D97-AF65-F5344CB8AC3E}">
+        <p14:creationId xmlns:p14="http://schemas.microsoft.com/office/powerpoint/2010/main" val="2451463444"/>
+      </p:ext>
+    </p:extLst>
+  </p:cSld>
+  <p:clrMapOvr>
+    <a:masterClrMapping/>
+  </p:clrMapOvr>
+</p:notes>
+</file>
+
+<file path=ppt/notesSlides/notesSlide16.xml><?xml version="1.0" encoding="utf-8"?>
+<p:notes xmlns:a="http://schemas.openxmlformats.org/drawingml/2006/main" xmlns:r="http://schemas.openxmlformats.org/officeDocument/2006/relationships" xmlns:p="http://schemas.openxmlformats.org/presentationml/2006/main">
+  <p:cSld>
+    <p:spTree>
+      <p:nvGrpSpPr>
+        <p:cNvPr id="1" name=""/>
+        <p:cNvGrpSpPr/>
+        <p:nvPr/>
+      </p:nvGrpSpPr>
+      <p:grpSpPr>
+        <a:xfrm>
+          <a:off x="0" y="0"/>
+          <a:ext cx="0" cy="0"/>
+          <a:chOff x="0" y="0"/>
+          <a:chExt cx="0" cy="0"/>
+        </a:xfrm>
+      </p:grpSpPr>
+      <p:sp>
+        <p:nvSpPr>
+          <p:cNvPr id="2" name="슬라이드 이미지 개체 틀 1"/>
+          <p:cNvSpPr>
+            <a:spLocks noGrp="1" noRot="1" noChangeAspect="1"/>
+          </p:cNvSpPr>
+          <p:nvPr>
+            <p:ph type="sldImg"/>
+          </p:nvPr>
+        </p:nvSpPr>
+        <p:spPr/>
+      </p:sp>
+      <p:sp>
+        <p:nvSpPr>
+          <p:cNvPr id="3" name="슬라이드 노트 개체 틀 2"/>
+          <p:cNvSpPr>
+            <a:spLocks noGrp="1"/>
+          </p:cNvSpPr>
+          <p:nvPr>
+            <p:ph type="body" idx="1"/>
+          </p:nvPr>
+        </p:nvSpPr>
+        <p:spPr/>
+        <p:txBody>
+          <a:bodyPr/>
+          <a:lstStyle/>
+          <a:p>
+            <a:r>
+              <a:rPr lang="en-US" altLang="ko-KR" dirty="0"/>
+              <a:t>ER-GNN</a:t>
+            </a:r>
+          </a:p>
+          <a:p>
+            <a:endParaRPr lang="en-US" altLang="ko-KR" dirty="0"/>
+          </a:p>
+          <a:p>
+            <a:r>
+              <a:rPr lang="en-US" altLang="ko-KR" dirty="0"/>
+              <a:t>experience</a:t>
+            </a:r>
+            <a:r>
+              <a:rPr lang="ko-KR" altLang="en-US" dirty="0"/>
+              <a:t>로서 이전 </a:t>
+            </a:r>
+            <a:r>
+              <a:rPr lang="en-US" altLang="ko-KR" dirty="0"/>
+              <a:t>task</a:t>
+            </a:r>
+            <a:r>
+              <a:rPr lang="ko-KR" altLang="en-US" dirty="0"/>
+              <a:t>으로 부터 </a:t>
+            </a:r>
+            <a:r>
+              <a:rPr lang="en-US" altLang="ko-KR" dirty="0"/>
+              <a:t>knowledge</a:t>
+            </a:r>
+            <a:r>
+              <a:rPr lang="ko-KR" altLang="en-US" dirty="0"/>
+              <a:t>를 저장하고</a:t>
+            </a:r>
+            <a:r>
+              <a:rPr lang="en-US" altLang="ko-KR" dirty="0"/>
+              <a:t>, new task</a:t>
+            </a:r>
+            <a:r>
+              <a:rPr lang="ko-KR" altLang="en-US" dirty="0"/>
+              <a:t>를 </a:t>
+            </a:r>
+            <a:r>
+              <a:rPr lang="en-US" altLang="ko-KR" dirty="0"/>
+              <a:t>learning</a:t>
+            </a:r>
+            <a:r>
+              <a:rPr lang="ko-KR" altLang="en-US" dirty="0"/>
+              <a:t>할 때 </a:t>
+            </a:r>
+            <a:r>
+              <a:rPr lang="en-US" altLang="ko-KR" dirty="0"/>
+              <a:t>repla</a:t>
+            </a:r>
+            <a:r>
+              <a:rPr lang="ko-KR" altLang="en-US" dirty="0"/>
+              <a:t>한다</a:t>
+            </a:r>
+            <a:r>
+              <a:rPr lang="en-US" altLang="ko-KR" dirty="0"/>
+              <a:t>.</a:t>
+            </a:r>
+          </a:p>
+          <a:p>
+            <a:r>
+              <a:rPr lang="ko-KR" altLang="en-US" dirty="0"/>
+              <a:t>이렇게 </a:t>
+            </a:r>
+            <a:r>
+              <a:rPr lang="en-US" altLang="ko-KR" dirty="0"/>
+              <a:t>experience</a:t>
+            </a:r>
+            <a:r>
+              <a:rPr lang="ko-KR" altLang="en-US" dirty="0"/>
+              <a:t>로 사용할 노드를 선택하는 </a:t>
+            </a:r>
+            <a:r>
+              <a:rPr lang="en-US" altLang="ko-KR" dirty="0"/>
+              <a:t>3</a:t>
+            </a:r>
+            <a:r>
+              <a:rPr lang="ko-KR" altLang="en-US" dirty="0"/>
+              <a:t>가지 방법이 있다</a:t>
+            </a:r>
+            <a:r>
+              <a:rPr lang="en-US" altLang="ko-KR" dirty="0"/>
+              <a:t>.</a:t>
+            </a:r>
+          </a:p>
+          <a:p>
+            <a:endParaRPr lang="en-US" altLang="ko-KR" dirty="0"/>
+          </a:p>
+        </p:txBody>
+      </p:sp>
+      <p:sp>
+        <p:nvSpPr>
+          <p:cNvPr id="4" name="슬라이드 번호 개체 틀 3"/>
+          <p:cNvSpPr>
+            <a:spLocks noGrp="1"/>
+          </p:cNvSpPr>
+          <p:nvPr>
+            <p:ph type="sldNum" sz="quarter" idx="5"/>
+          </p:nvPr>
+        </p:nvSpPr>
+        <p:spPr/>
+        <p:txBody>
+          <a:bodyPr/>
+          <a:lstStyle/>
+          <a:p>
+            <a:fld id="{E3508E54-26A4-461A-9177-07CC1B35B5F2}" type="slidenum">
+              <a:rPr lang="ko-KR" altLang="en-US" smtClean="0"/>
+              <a:t>17</a:t>
+            </a:fld>
+            <a:endParaRPr lang="ko-KR" altLang="en-US"/>
+          </a:p>
+        </p:txBody>
+      </p:sp>
+    </p:spTree>
+    <p:extLst>
+      <p:ext uri="{BB962C8B-B14F-4D97-AF65-F5344CB8AC3E}">
+        <p14:creationId xmlns:p14="http://schemas.microsoft.com/office/powerpoint/2010/main" val="388947896"/>
       </p:ext>
     </p:extLst>
   </p:cSld>
@@ -2312,32 +2737,11 @@
           <a:p>
             <a:r>
               <a:rPr lang="en-US" altLang="ko-KR" dirty="0"/>
-              <a:t>Lifelong open world node classification</a:t>
-            </a:r>
-          </a:p>
-          <a:p>
-            <a:endParaRPr lang="en-US" altLang="ko-KR" dirty="0"/>
-          </a:p>
-          <a:p>
+              <a:t>reg</a:t>
+            </a:r>
             <a:r>
               <a:rPr lang="ko-KR" altLang="en-US" dirty="0"/>
-              <a:t>모델이 시퀀스한 태스크를 마주하게 되고</a:t>
-            </a:r>
-            <a:r>
-              <a:rPr lang="en-US" altLang="ko-KR" dirty="0"/>
-              <a:t>, </a:t>
-            </a:r>
-            <a:r>
-              <a:rPr lang="ko-KR" altLang="en-US" dirty="0"/>
-              <a:t>과거 </a:t>
-            </a:r>
-            <a:r>
-              <a:rPr lang="en-US" altLang="ko-KR" dirty="0"/>
-              <a:t>task</a:t>
-            </a:r>
-            <a:r>
-              <a:rPr lang="ko-KR" altLang="en-US" dirty="0"/>
-              <a:t>에서 습득한 지식을 이어받을 수 있다</a:t>
+              <a:t> 기반 접근법</a:t>
             </a:r>
             <a:r>
               <a:rPr lang="en-US" altLang="ko-KR" dirty="0"/>
@@ -2345,17 +2749,44 @@
             </a:r>
           </a:p>
           <a:p>
+            <a:endParaRPr lang="en-US" altLang="ko-KR" dirty="0"/>
+          </a:p>
+          <a:p>
             <a:r>
               <a:rPr lang="ko-KR" altLang="en-US" dirty="0"/>
-              <a:t>그런 지식은 과거 데이터 형태로 저장되거나</a:t>
+              <a:t>이 방식은 비용 함수에 </a:t>
             </a:r>
             <a:r>
               <a:rPr lang="en-US" altLang="ko-KR" dirty="0"/>
-              <a:t>, </a:t>
+              <a:t>reg term</a:t>
             </a:r>
             <a:r>
               <a:rPr lang="ko-KR" altLang="en-US" dirty="0"/>
-              <a:t>모델 파라미터로서 간접적으로 저장될 수 있다</a:t>
+              <a:t>을 추가하는 방식으로 </a:t>
+            </a:r>
+            <a:r>
+              <a:rPr lang="en-US" altLang="ko-KR" dirty="0"/>
+              <a:t>reg</a:t>
+            </a:r>
+            <a:r>
+              <a:rPr lang="ko-KR" altLang="en-US" dirty="0"/>
+              <a:t>을 한다</a:t>
+            </a:r>
+            <a:r>
+              <a:rPr lang="en-US" altLang="ko-KR" dirty="0"/>
+              <a:t>. </a:t>
+            </a:r>
+            <a:r>
+              <a:rPr lang="ko-KR" altLang="en-US" dirty="0"/>
+              <a:t>기존의 중요한 </a:t>
+            </a:r>
+            <a:r>
+              <a:rPr lang="en-US" altLang="ko-KR" dirty="0"/>
+              <a:t>weight</a:t>
+            </a:r>
+            <a:r>
+              <a:rPr lang="ko-KR" altLang="en-US" dirty="0"/>
+              <a:t>이 날라가지 않도록 하는 접근 방식이다</a:t>
             </a:r>
             <a:r>
               <a:rPr lang="en-US" altLang="ko-KR" dirty="0"/>
@@ -2363,33 +2794,49 @@
             </a:r>
           </a:p>
           <a:p>
-            <a:endParaRPr lang="en-US" altLang="ko-KR" dirty="0"/>
-          </a:p>
-          <a:p>
             <a:r>
               <a:rPr lang="ko-KR" altLang="en-US" dirty="0"/>
-              <a:t>여기서는 과거 데이터와 차이를 줄이기 위해 </a:t>
+              <a:t>내 생각엔 </a:t>
             </a:r>
             <a:r>
               <a:rPr lang="en-US" altLang="ko-KR" dirty="0"/>
-              <a:t>k-</a:t>
+              <a:t>CL </a:t>
             </a:r>
             <a:r>
               <a:rPr lang="ko-KR" altLang="en-US" dirty="0"/>
-              <a:t>이웃 </a:t>
+              <a:t>방법론 중 가장 연구가 활발하게 되고 있는 분야이고 </a:t>
+            </a:r>
+            <a:r>
+              <a:rPr lang="en-US" altLang="ko-KR" dirty="0" err="1"/>
+              <a:t>graphSAIL</a:t>
+            </a:r>
+            <a:r>
+              <a:rPr lang="ko-KR" altLang="en-US" dirty="0"/>
+              <a:t>의 </a:t>
             </a:r>
             <a:r>
               <a:rPr lang="en-US" altLang="ko-KR" dirty="0"/>
-              <a:t>time difference</a:t>
+              <a:t>KD </a:t>
             </a:r>
             <a:r>
               <a:rPr lang="ko-KR" altLang="en-US" dirty="0"/>
-              <a:t>를 기반으로 한 새로운 측정법을 제시한다</a:t>
+              <a:t>역시 </a:t>
+            </a:r>
+            <a:r>
+              <a:rPr lang="en-US" altLang="ko-KR" dirty="0"/>
+              <a:t>reg </a:t>
+            </a:r>
+            <a:r>
+              <a:rPr lang="ko-KR" altLang="en-US" dirty="0"/>
+              <a:t>기반 접근법의 일종이다</a:t>
             </a:r>
             <a:r>
               <a:rPr lang="en-US" altLang="ko-KR" dirty="0"/>
               <a:t>.</a:t>
             </a:r>
+          </a:p>
+          <a:p>
+            <a:endParaRPr lang="en-US" altLang="ko-KR" dirty="0"/>
           </a:p>
         </p:txBody>
       </p:sp>
@@ -2419,7 +2866,7 @@
     </p:spTree>
     <p:extLst>
       <p:ext uri="{BB962C8B-B14F-4D97-AF65-F5344CB8AC3E}">
-        <p14:creationId xmlns:p14="http://schemas.microsoft.com/office/powerpoint/2010/main" val="2451463444"/>
+        <p14:creationId xmlns:p14="http://schemas.microsoft.com/office/powerpoint/2010/main" val="1642583466"/>
       </p:ext>
     </p:extLst>
   </p:cSld>
@@ -2473,95 +2920,96 @@
           <a:bodyPr/>
           <a:lstStyle/>
           <a:p>
+            <a:pPr marL="228600" indent="-228600">
+              <a:buAutoNum type="arabicPeriod"/>
+            </a:pPr>
+            <a:r>
+              <a:rPr lang="en-US" altLang="ko-KR" dirty="0" err="1"/>
+              <a:t>graphSAIL</a:t>
+            </a:r>
+            <a:r>
+              <a:rPr lang="ko-KR" altLang="en-US" dirty="0"/>
+              <a:t> </a:t>
+            </a:r>
             <a:r>
               <a:rPr lang="en-US" altLang="ko-KR" dirty="0"/>
-              <a:t>ER-GNN</a:t>
-            </a:r>
-          </a:p>
-          <a:p>
+              <a:t>+</a:t>
+            </a:r>
+            <a:r>
+              <a:rPr lang="ko-KR" altLang="en-US" dirty="0"/>
+              <a:t> </a:t>
+            </a:r>
+            <a:r>
+              <a:rPr lang="en-US" altLang="ko-KR" dirty="0"/>
+              <a:t>memory, </a:t>
+            </a:r>
+            <a:r>
+              <a:rPr lang="en-US" altLang="ko-KR" dirty="0" err="1"/>
+              <a:t>iCaRL</a:t>
+            </a:r>
             <a:endParaRPr lang="en-US" altLang="ko-KR" dirty="0"/>
           </a:p>
           <a:p>
+            <a:pPr marL="228600" indent="-228600">
+              <a:buAutoNum type="arabicPeriod"/>
+            </a:pPr>
+            <a:endParaRPr lang="en-US" altLang="ko-KR" dirty="0"/>
+          </a:p>
+          <a:p>
+            <a:pPr marL="0" indent="0">
+              <a:buNone/>
+            </a:pPr>
+            <a:r>
+              <a:rPr lang="ko-KR" altLang="en-US" dirty="0"/>
+              <a:t>현재 </a:t>
+            </a:r>
+            <a:r>
+              <a:rPr lang="en-US" altLang="ko-KR" dirty="0" err="1"/>
+              <a:t>graphSAIL</a:t>
+            </a:r>
+            <a:r>
+              <a:rPr lang="ko-KR" altLang="en-US" dirty="0"/>
+              <a:t>은 </a:t>
+            </a:r>
             <a:r>
               <a:rPr lang="en-US" altLang="ko-KR" dirty="0"/>
-              <a:t>experience</a:t>
+              <a:t>KD</a:t>
             </a:r>
             <a:r>
               <a:rPr lang="ko-KR" altLang="en-US" dirty="0"/>
-              <a:t>로서 이전 </a:t>
+              <a:t>기반 </a:t>
             </a:r>
             <a:r>
               <a:rPr lang="en-US" altLang="ko-KR" dirty="0"/>
-              <a:t>task</a:t>
+              <a:t>reg </a:t>
             </a:r>
             <a:r>
               <a:rPr lang="ko-KR" altLang="en-US" dirty="0"/>
-              <a:t>으로 부터 </a:t>
+              <a:t>방식에 집중하고 있음 여기에 </a:t>
             </a:r>
             <a:r>
               <a:rPr lang="en-US" altLang="ko-KR" dirty="0"/>
-              <a:t>knowledge</a:t>
+              <a:t>+memory </a:t>
             </a:r>
             <a:r>
               <a:rPr lang="ko-KR" altLang="en-US" dirty="0"/>
-              <a:t>를 저장하고</a:t>
+              <a:t>방식이 들어간다면</a:t>
             </a:r>
             <a:r>
               <a:rPr lang="en-US" altLang="ko-KR" dirty="0"/>
-              <a:t>, new task</a:t>
-            </a:r>
-            <a:r>
-              <a:rPr lang="ko-KR" altLang="en-US" dirty="0"/>
-              <a:t>를 </a:t>
-            </a:r>
-            <a:r>
-              <a:rPr lang="en-US" altLang="ko-KR" dirty="0"/>
-              <a:t>learning</a:t>
-            </a:r>
-            <a:r>
-              <a:rPr lang="ko-KR" altLang="en-US" dirty="0"/>
-              <a:t>할 때 </a:t>
-            </a:r>
-            <a:r>
-              <a:rPr lang="en-US" altLang="ko-KR" dirty="0"/>
-              <a:t>repla</a:t>
-            </a:r>
-            <a:r>
-              <a:rPr lang="ko-KR" altLang="en-US" dirty="0"/>
-              <a:t>한다</a:t>
-            </a:r>
-            <a:r>
-              <a:rPr lang="en-US" altLang="ko-KR" dirty="0"/>
-              <a:t>.</a:t>
-            </a:r>
-          </a:p>
-          <a:p>
-            <a:r>
-              <a:rPr lang="ko-KR" altLang="en-US" dirty="0"/>
-              <a:t>이렇게 </a:t>
-            </a:r>
-            <a:r>
-              <a:rPr lang="en-US" altLang="ko-KR" dirty="0"/>
-              <a:t>experience</a:t>
-            </a:r>
-            <a:r>
-              <a:rPr lang="ko-KR" altLang="en-US" dirty="0"/>
-              <a:t>로 사용할 노드를 선택하는 </a:t>
-            </a:r>
-            <a:r>
-              <a:rPr lang="en-US" altLang="ko-KR" dirty="0"/>
-              <a:t>3</a:t>
-            </a:r>
-            <a:r>
-              <a:rPr lang="ko-KR" altLang="en-US" dirty="0"/>
-              <a:t>가지 방법이 있다</a:t>
-            </a:r>
-            <a:r>
-              <a:rPr lang="en-US" altLang="ko-KR" dirty="0"/>
-              <a:t>.</a:t>
-            </a:r>
-          </a:p>
-          <a:p>
+              <a:t>?</a:t>
+            </a:r>
+          </a:p>
+          <a:p>
+            <a:pPr marL="0" indent="0">
+              <a:buNone/>
+            </a:pPr>
+            <a:endParaRPr lang="en-US" altLang="ko-KR" dirty="0"/>
+          </a:p>
+          <a:p>
+            <a:pPr marL="0" indent="0">
+              <a:buNone/>
+            </a:pPr>
             <a:endParaRPr lang="en-US" altLang="ko-KR" dirty="0"/>
           </a:p>
         </p:txBody>
@@ -2592,7 +3040,7 @@
     </p:spTree>
     <p:extLst>
       <p:ext uri="{BB962C8B-B14F-4D97-AF65-F5344CB8AC3E}">
-        <p14:creationId xmlns:p14="http://schemas.microsoft.com/office/powerpoint/2010/main" val="388947896"/>
+        <p14:creationId xmlns:p14="http://schemas.microsoft.com/office/powerpoint/2010/main" val="3025692529"/>
       </p:ext>
     </p:extLst>
   </p:cSld>
@@ -6949,7 +7397,7 @@
                 <a:ea typeface="나눔스퀘어 ExtraBold" panose="020B0600000101010101" pitchFamily="50" charset="-127"/>
                 <a:cs typeface="Arial" panose="020B0604020202020204" pitchFamily="34" charset="0"/>
               </a:rPr>
-              <a:t>Rehearsal(experience replay) based approach</a:t>
+              <a:t>Ideas</a:t>
             </a:r>
           </a:p>
         </p:txBody>
@@ -6993,6 +7441,20 @@
               <a:buChar char="§"/>
             </a:pPr>
             <a:r>
+              <a:rPr lang="en-US" altLang="ko-KR" sz="2000" dirty="0" err="1">
+                <a:solidFill>
+                  <a:schemeClr val="tx1">
+                    <a:lumMod val="85000"/>
+                    <a:lumOff val="15000"/>
+                  </a:schemeClr>
+                </a:solidFill>
+                <a:latin typeface="나눔스퀘어 ExtraBold" panose="020B0600000101010101" pitchFamily="50" charset="-127"/>
+                <a:ea typeface="나눔스퀘어 ExtraBold" panose="020B0600000101010101" pitchFamily="50" charset="-127"/>
+                <a:cs typeface="Arial" panose="020B0604020202020204" pitchFamily="34" charset="0"/>
+              </a:rPr>
+              <a:t>GraphSAIL</a:t>
+            </a:r>
+            <a:r>
               <a:rPr lang="en-US" altLang="ko-KR" sz="2000" dirty="0">
                 <a:solidFill>
                   <a:schemeClr val="tx1">
@@ -7004,8 +7466,31 @@
                 <a:ea typeface="나눔스퀘어 ExtraBold" panose="020B0600000101010101" pitchFamily="50" charset="-127"/>
                 <a:cs typeface="Arial" panose="020B0604020202020204" pitchFamily="34" charset="0"/>
               </a:rPr>
-              <a:t>ER-GNN (Experience Replay GNN Framework)</a:t>
-            </a:r>
+              <a:t> + Rehearsal(experience replay) based approach</a:t>
+            </a:r>
+          </a:p>
+          <a:p>
+            <a:pPr marL="432000" indent="-432000">
+              <a:lnSpc>
+                <a:spcPct val="100000"/>
+              </a:lnSpc>
+              <a:buClr>
+                <a:srgbClr val="004F9E"/>
+              </a:buClr>
+              <a:buFont typeface="Wingdings" panose="05000000000000000000" pitchFamily="2" charset="2"/>
+              <a:buChar char="§"/>
+            </a:pPr>
+            <a:endParaRPr lang="en-US" altLang="ko-KR" sz="2400" dirty="0">
+              <a:solidFill>
+                <a:schemeClr val="tx1">
+                  <a:lumMod val="85000"/>
+                  <a:lumOff val="15000"/>
+                </a:schemeClr>
+              </a:solidFill>
+              <a:latin typeface="나눔스퀘어 ExtraBold" panose="020B0600000101010101" pitchFamily="50" charset="-127"/>
+              <a:ea typeface="나눔스퀘어 ExtraBold" panose="020B0600000101010101" pitchFamily="50" charset="-127"/>
+              <a:cs typeface="Arial" panose="020B0604020202020204" pitchFamily="34" charset="0"/>
+            </a:endParaRPr>
           </a:p>
           <a:p>
             <a:pPr marL="889200" lvl="1" indent="-432000">
@@ -7019,6 +7504,20 @@
               <a:buChar char="§"/>
             </a:pPr>
             <a:r>
+              <a:rPr lang="en-US" altLang="ko-KR" sz="2000" b="1" dirty="0" err="1">
+                <a:solidFill>
+                  <a:schemeClr val="tx1">
+                    <a:lumMod val="85000"/>
+                    <a:lumOff val="15000"/>
+                  </a:schemeClr>
+                </a:solidFill>
+                <a:latin typeface="나눔스퀘어 ExtraBold" panose="020B0600000101010101" pitchFamily="50" charset="-127"/>
+                <a:ea typeface="나눔스퀘어 ExtraBold" panose="020B0600000101010101" pitchFamily="50" charset="-127"/>
+                <a:cs typeface="Arial" panose="020B0604020202020204" pitchFamily="34" charset="0"/>
+              </a:rPr>
+              <a:t>GraphSAIL</a:t>
+            </a:r>
+            <a:r>
               <a:rPr lang="en-US" altLang="ko-KR" sz="2000" dirty="0">
                 <a:solidFill>
                   <a:schemeClr val="tx1">
@@ -7030,7 +7529,7 @@
                 <a:ea typeface="나눔스퀘어 ExtraBold" panose="020B0600000101010101" pitchFamily="50" charset="-127"/>
                 <a:cs typeface="Arial" panose="020B0604020202020204" pitchFamily="34" charset="0"/>
               </a:rPr>
-              <a:t>Used GNN model = </a:t>
+              <a:t> currently implements Continual Learning(CL) </a:t>
             </a:r>
             <a:r>
               <a:rPr lang="en-US" altLang="ko-KR" sz="2000" b="1" dirty="0">
@@ -7044,7 +7543,7 @@
                 <a:ea typeface="나눔스퀘어 ExtraBold" panose="020B0600000101010101" pitchFamily="50" charset="-127"/>
                 <a:cs typeface="Arial" panose="020B0604020202020204" pitchFamily="34" charset="0"/>
               </a:rPr>
-              <a:t>GAT</a:t>
+              <a:t>based on regularization approach</a:t>
             </a:r>
           </a:p>
           <a:p>
@@ -7070,20 +7569,22 @@
                 <a:ea typeface="나눔스퀘어 ExtraBold" panose="020B0600000101010101" pitchFamily="50" charset="-127"/>
                 <a:cs typeface="Arial" panose="020B0604020202020204" pitchFamily="34" charset="0"/>
               </a:rPr>
-              <a:t>ER-GNN stores knowledge from previous tasks as experiences and replays them when learning new tasks to mitigate the catastrophic forgetting issue</a:t>
-            </a:r>
-          </a:p>
-          <a:p>
-            <a:pPr marL="889200" lvl="1" indent="-432000">
-              <a:lnSpc>
-                <a:spcPct val="100000"/>
-              </a:lnSpc>
-              <a:buClr>
-                <a:srgbClr val="004F9E"/>
-              </a:buClr>
-              <a:buFont typeface="Wingdings" panose="05000000000000000000" pitchFamily="2" charset="2"/>
-              <a:buChar char="§"/>
-            </a:pPr>
+              <a:t>How about </a:t>
+            </a:r>
+            <a:r>
+              <a:rPr lang="en-US" altLang="ko-KR" sz="2000" b="1" dirty="0">
+                <a:solidFill>
+                  <a:schemeClr val="tx1">
+                    <a:lumMod val="85000"/>
+                    <a:lumOff val="15000"/>
+                  </a:schemeClr>
+                </a:solidFill>
+                <a:latin typeface="나눔스퀘어 ExtraBold" panose="020B0600000101010101" pitchFamily="50" charset="-127"/>
+                <a:ea typeface="나눔스퀘어 ExtraBold" panose="020B0600000101010101" pitchFamily="50" charset="-127"/>
+                <a:cs typeface="Arial" panose="020B0604020202020204" pitchFamily="34" charset="0"/>
+              </a:rPr>
+              <a:t>add Rehearsal based approach</a:t>
+            </a:r>
             <a:r>
               <a:rPr lang="en-US" altLang="ko-KR" sz="2000" dirty="0">
                 <a:solidFill>
@@ -7096,21 +7597,21 @@
                 <a:ea typeface="나눔스퀘어 ExtraBold" panose="020B0600000101010101" pitchFamily="50" charset="-127"/>
                 <a:cs typeface="Arial" panose="020B0604020202020204" pitchFamily="34" charset="0"/>
               </a:rPr>
-              <a:t>three experience node selection strategies: </a:t>
-            </a:r>
-            <a:r>
-              <a:rPr lang="en-US" altLang="ko-KR" sz="2000" b="1" dirty="0">
-                <a:solidFill>
-                  <a:schemeClr val="tx1">
-                    <a:lumMod val="85000"/>
-                    <a:lumOff val="15000"/>
-                  </a:schemeClr>
-                </a:solidFill>
-                <a:latin typeface="나눔스퀘어 ExtraBold" panose="020B0600000101010101" pitchFamily="50" charset="-127"/>
-                <a:ea typeface="나눔스퀘어 ExtraBold" panose="020B0600000101010101" pitchFamily="50" charset="-127"/>
-                <a:cs typeface="Arial" panose="020B0604020202020204" pitchFamily="34" charset="0"/>
-              </a:rPr>
-              <a:t>mean of feature</a:t>
+              <a:t> like ER-GNN,</a:t>
+            </a:r>
+            <a:r>
+              <a:rPr lang="ko-KR" altLang="en-US" sz="2000" dirty="0">
+                <a:solidFill>
+                  <a:schemeClr val="tx1">
+                    <a:lumMod val="85000"/>
+                    <a:lumOff val="15000"/>
+                  </a:schemeClr>
+                </a:solidFill>
+                <a:latin typeface="나눔스퀘어 ExtraBold" panose="020B0600000101010101" pitchFamily="50" charset="-127"/>
+                <a:ea typeface="나눔스퀘어 ExtraBold" panose="020B0600000101010101" pitchFamily="50" charset="-127"/>
+                <a:cs typeface="Arial" panose="020B0604020202020204" pitchFamily="34" charset="0"/>
+              </a:rPr>
+              <a:t> </a:t>
             </a:r>
             <a:r>
               <a:rPr lang="en-US" altLang="ko-KR" sz="2000" dirty="0">
@@ -7124,21 +7625,35 @@
                 <a:ea typeface="나눔스퀘어 ExtraBold" panose="020B0600000101010101" pitchFamily="50" charset="-127"/>
                 <a:cs typeface="Arial" panose="020B0604020202020204" pitchFamily="34" charset="0"/>
               </a:rPr>
-              <a:t>, </a:t>
-            </a:r>
-            <a:r>
-              <a:rPr lang="en-US" altLang="ko-KR" sz="2000" b="1" dirty="0">
-                <a:solidFill>
-                  <a:schemeClr val="tx1">
-                    <a:lumMod val="85000"/>
-                    <a:lumOff val="15000"/>
-                  </a:schemeClr>
-                </a:solidFill>
-                <a:latin typeface="나눔스퀘어 ExtraBold" panose="020B0600000101010101" pitchFamily="50" charset="-127"/>
-                <a:ea typeface="나눔스퀘어 ExtraBold" panose="020B0600000101010101" pitchFamily="50" charset="-127"/>
-                <a:cs typeface="Arial" panose="020B0604020202020204" pitchFamily="34" charset="0"/>
-              </a:rPr>
-              <a:t>coverage maximization</a:t>
+              <a:t>Lifelong Open-world node classification or</a:t>
+            </a:r>
+            <a:r>
+              <a:rPr lang="ko-KR" altLang="en-US" sz="2000" dirty="0">
+                <a:solidFill>
+                  <a:schemeClr val="tx1">
+                    <a:lumMod val="85000"/>
+                    <a:lumOff val="15000"/>
+                  </a:schemeClr>
+                </a:solidFill>
+                <a:latin typeface="나눔스퀘어 ExtraBold" panose="020B0600000101010101" pitchFamily="50" charset="-127"/>
+                <a:ea typeface="나눔스퀘어 ExtraBold" panose="020B0600000101010101" pitchFamily="50" charset="-127"/>
+                <a:cs typeface="Arial" panose="020B0604020202020204" pitchFamily="34" charset="0"/>
+              </a:rPr>
+              <a:t> </a:t>
+            </a:r>
+            <a:r>
+              <a:rPr lang="en-US" altLang="ko-KR" sz="2000" dirty="0" err="1">
+                <a:solidFill>
+                  <a:schemeClr val="tx1">
+                    <a:lumMod val="85000"/>
+                    <a:lumOff val="15000"/>
+                  </a:schemeClr>
+                </a:solidFill>
+                <a:latin typeface="나눔스퀘어 ExtraBold" panose="020B0600000101010101" pitchFamily="50" charset="-127"/>
+                <a:ea typeface="나눔스퀘어 ExtraBold" panose="020B0600000101010101" pitchFamily="50" charset="-127"/>
+                <a:cs typeface="Arial" panose="020B0604020202020204" pitchFamily="34" charset="0"/>
+              </a:rPr>
+              <a:t>ContinualGNN</a:t>
             </a:r>
             <a:r>
               <a:rPr lang="en-US" altLang="ko-KR" sz="2000" dirty="0">
@@ -7152,21 +7667,35 @@
                 <a:ea typeface="나눔스퀘어 ExtraBold" panose="020B0600000101010101" pitchFamily="50" charset="-127"/>
                 <a:cs typeface="Arial" panose="020B0604020202020204" pitchFamily="34" charset="0"/>
               </a:rPr>
-              <a:t>, and </a:t>
-            </a:r>
-            <a:r>
-              <a:rPr lang="en-US" altLang="ko-KR" sz="2000" b="1" dirty="0">
-                <a:solidFill>
-                  <a:schemeClr val="tx1">
-                    <a:lumMod val="85000"/>
-                    <a:lumOff val="15000"/>
-                  </a:schemeClr>
-                </a:solidFill>
-                <a:latin typeface="나눔스퀘어 ExtraBold" panose="020B0600000101010101" pitchFamily="50" charset="-127"/>
-                <a:ea typeface="나눔스퀘어 ExtraBold" panose="020B0600000101010101" pitchFamily="50" charset="-127"/>
-                <a:cs typeface="Arial" panose="020B0604020202020204" pitchFamily="34" charset="0"/>
-              </a:rPr>
-              <a:t>influence maximization</a:t>
+              <a:t>,</a:t>
+            </a:r>
+            <a:r>
+              <a:rPr lang="ko-KR" altLang="en-US" sz="2000" dirty="0">
+                <a:solidFill>
+                  <a:schemeClr val="tx1">
+                    <a:lumMod val="85000"/>
+                    <a:lumOff val="15000"/>
+                  </a:schemeClr>
+                </a:solidFill>
+                <a:latin typeface="나눔스퀘어 ExtraBold" panose="020B0600000101010101" pitchFamily="50" charset="-127"/>
+                <a:ea typeface="나눔스퀘어 ExtraBold" panose="020B0600000101010101" pitchFamily="50" charset="-127"/>
+                <a:cs typeface="Arial" panose="020B0604020202020204" pitchFamily="34" charset="0"/>
+              </a:rPr>
+              <a:t> </a:t>
+            </a:r>
+            <a:r>
+              <a:rPr lang="en-US" altLang="ko-KR" sz="2000" dirty="0" err="1">
+                <a:solidFill>
+                  <a:schemeClr val="tx1">
+                    <a:lumMod val="85000"/>
+                    <a:lumOff val="15000"/>
+                  </a:schemeClr>
+                </a:solidFill>
+                <a:latin typeface="나눔스퀘어 ExtraBold" panose="020B0600000101010101" pitchFamily="50" charset="-127"/>
+                <a:ea typeface="나눔스퀘어 ExtraBold" panose="020B0600000101010101" pitchFamily="50" charset="-127"/>
+                <a:cs typeface="Arial" panose="020B0604020202020204" pitchFamily="34" charset="0"/>
+              </a:rPr>
+              <a:t>IncreGNN</a:t>
             </a:r>
             <a:r>
               <a:rPr lang="en-US" altLang="ko-KR" sz="2000" dirty="0">
@@ -7180,8 +7709,19 @@
                 <a:ea typeface="나눔스퀘어 ExtraBold" panose="020B0600000101010101" pitchFamily="50" charset="-127"/>
                 <a:cs typeface="Arial" panose="020B0604020202020204" pitchFamily="34" charset="0"/>
               </a:rPr>
-              <a:t>, to guide the process of selecting experience nodes</a:t>
-            </a:r>
+              <a:t>?</a:t>
+            </a:r>
+            <a:endParaRPr lang="en-US" altLang="ko-KR" dirty="0">
+              <a:solidFill>
+                <a:schemeClr val="tx1">
+                  <a:lumMod val="85000"/>
+                  <a:lumOff val="15000"/>
+                </a:schemeClr>
+              </a:solidFill>
+              <a:latin typeface="나눔스퀘어 ExtraBold" panose="020B0600000101010101" pitchFamily="50" charset="-127"/>
+              <a:ea typeface="나눔스퀘어 ExtraBold" panose="020B0600000101010101" pitchFamily="50" charset="-127"/>
+              <a:cs typeface="Arial" panose="020B0604020202020204" pitchFamily="34" charset="0"/>
+            </a:endParaRPr>
           </a:p>
         </p:txBody>
       </p:sp>
@@ -7218,7 +7758,7 @@
     </p:spTree>
     <p:extLst>
       <p:ext uri="{BB962C8B-B14F-4D97-AF65-F5344CB8AC3E}">
-        <p14:creationId xmlns:p14="http://schemas.microsoft.com/office/powerpoint/2010/main" val="3817165178"/>
+        <p14:creationId xmlns:p14="http://schemas.microsoft.com/office/powerpoint/2010/main" val="1153344948"/>
       </p:ext>
     </p:extLst>
   </p:cSld>
@@ -7290,646 +7830,6 @@
                 <a:ea typeface="나눔스퀘어 ExtraBold" panose="020B0600000101010101" pitchFamily="50" charset="-127"/>
                 <a:cs typeface="Arial" panose="020B0604020202020204" pitchFamily="34" charset="0"/>
               </a:rPr>
-              <a:t>Regularization based approach</a:t>
-            </a:r>
-          </a:p>
-        </p:txBody>
-      </p:sp>
-      <p:sp>
-        <p:nvSpPr>
-          <p:cNvPr id="3" name="내용 개체 틀 2">
-            <a:extLst>
-              <a:ext uri="{FF2B5EF4-FFF2-40B4-BE49-F238E27FC236}">
-                <a16:creationId xmlns:a16="http://schemas.microsoft.com/office/drawing/2014/main" id="{6F3C4966-F49A-47DB-93D9-018CD3BE693E}"/>
-              </a:ext>
-            </a:extLst>
-          </p:cNvPr>
-          <p:cNvSpPr>
-            <a:spLocks noGrp="1"/>
-          </p:cNvSpPr>
-          <p:nvPr>
-            <p:ph idx="1"/>
-          </p:nvPr>
-        </p:nvSpPr>
-        <p:spPr>
-          <a:xfrm>
-            <a:off x="990600" y="1690688"/>
-            <a:ext cx="10515600" cy="4351338"/>
-          </a:xfrm>
-        </p:spPr>
-        <p:txBody>
-          <a:bodyPr>
-            <a:normAutofit/>
-          </a:bodyPr>
-          <a:lstStyle/>
-          <a:p>
-            <a:pPr marL="432000" indent="-432000">
-              <a:lnSpc>
-                <a:spcPct val="100000"/>
-              </a:lnSpc>
-              <a:buClr>
-                <a:srgbClr val="004F9E"/>
-              </a:buClr>
-              <a:buFont typeface="Wingdings" panose="05000000000000000000" pitchFamily="2" charset="2"/>
-              <a:buChar char="§"/>
-            </a:pPr>
-            <a:r>
-              <a:rPr lang="en-US" altLang="ko-KR" sz="2000" dirty="0">
-                <a:solidFill>
-                  <a:schemeClr val="tx1">
-                    <a:lumMod val="85000"/>
-                    <a:lumOff val="15000"/>
-                  </a:schemeClr>
-                </a:solidFill>
-                <a:latin typeface="나눔스퀘어 ExtraBold" panose="020B0600000101010101" pitchFamily="50" charset="-127"/>
-                <a:ea typeface="나눔스퀘어 ExtraBold" panose="020B0600000101010101" pitchFamily="50" charset="-127"/>
-                <a:cs typeface="Arial" panose="020B0604020202020204" pitchFamily="34" charset="0"/>
-              </a:rPr>
-              <a:t>This approach implements a single model and has a fixed capacity by leveraging the loss function </a:t>
-            </a:r>
-            <a:r>
-              <a:rPr lang="en-US" altLang="ko-KR" sz="2000" b="1" dirty="0">
-                <a:solidFill>
-                  <a:schemeClr val="tx1">
-                    <a:lumMod val="85000"/>
-                    <a:lumOff val="15000"/>
-                  </a:schemeClr>
-                </a:solidFill>
-                <a:latin typeface="나눔스퀘어 ExtraBold" panose="020B0600000101010101" pitchFamily="50" charset="-127"/>
-                <a:ea typeface="나눔스퀘어 ExtraBold" panose="020B0600000101010101" pitchFamily="50" charset="-127"/>
-                <a:cs typeface="Arial" panose="020B0604020202020204" pitchFamily="34" charset="0"/>
-              </a:rPr>
-              <a:t>using the loss term </a:t>
-            </a:r>
-            <a:r>
-              <a:rPr lang="en-US" altLang="ko-KR" sz="2000" dirty="0">
-                <a:solidFill>
-                  <a:schemeClr val="tx1">
-                    <a:lumMod val="85000"/>
-                    <a:lumOff val="15000"/>
-                  </a:schemeClr>
-                </a:solidFill>
-                <a:latin typeface="나눔스퀘어 ExtraBold" panose="020B0600000101010101" pitchFamily="50" charset="-127"/>
-                <a:ea typeface="나눔스퀘어 ExtraBold" panose="020B0600000101010101" pitchFamily="50" charset="-127"/>
-                <a:cs typeface="Arial" panose="020B0604020202020204" pitchFamily="34" charset="0"/>
-              </a:rPr>
-              <a:t>to help consolidate knowledge in the learning process for new tasks and </a:t>
-            </a:r>
-            <a:r>
-              <a:rPr lang="en-US" altLang="ko-KR" sz="2000" b="1" dirty="0">
-                <a:solidFill>
-                  <a:schemeClr val="tx1">
-                    <a:lumMod val="85000"/>
-                    <a:lumOff val="15000"/>
-                  </a:schemeClr>
-                </a:solidFill>
-                <a:latin typeface="나눔스퀘어 ExtraBold" panose="020B0600000101010101" pitchFamily="50" charset="-127"/>
-                <a:ea typeface="나눔스퀘어 ExtraBold" panose="020B0600000101010101" pitchFamily="50" charset="-127"/>
-                <a:cs typeface="Arial" panose="020B0604020202020204" pitchFamily="34" charset="0"/>
-              </a:rPr>
-              <a:t>retain previous knowledge</a:t>
-            </a:r>
-          </a:p>
-        </p:txBody>
-      </p:sp>
-      <p:sp>
-        <p:nvSpPr>
-          <p:cNvPr id="4" name="슬라이드 번호 개체 틀 3">
-            <a:extLst>
-              <a:ext uri="{FF2B5EF4-FFF2-40B4-BE49-F238E27FC236}">
-                <a16:creationId xmlns:a16="http://schemas.microsoft.com/office/drawing/2014/main" id="{4705CCFD-CA4E-4794-89D0-C3DF4603C893}"/>
-              </a:ext>
-            </a:extLst>
-          </p:cNvPr>
-          <p:cNvSpPr>
-            <a:spLocks noGrp="1"/>
-          </p:cNvSpPr>
-          <p:nvPr>
-            <p:ph type="sldNum" sz="quarter" idx="12"/>
-          </p:nvPr>
-        </p:nvSpPr>
-        <p:spPr/>
-        <p:txBody>
-          <a:bodyPr/>
-          <a:lstStyle/>
-          <a:p>
-            <a:fld id="{16A93642-25BD-4471-A422-0159119E9512}" type="slidenum">
-              <a:rPr lang="ko-KR" altLang="en-US" smtClean="0"/>
-              <a:pPr/>
-              <a:t>11</a:t>
-            </a:fld>
-            <a:endParaRPr lang="ko-KR" altLang="en-US" dirty="0"/>
-          </a:p>
-        </p:txBody>
-      </p:sp>
-    </p:spTree>
-    <p:extLst>
-      <p:ext uri="{BB962C8B-B14F-4D97-AF65-F5344CB8AC3E}">
-        <p14:creationId xmlns:p14="http://schemas.microsoft.com/office/powerpoint/2010/main" val="2473855550"/>
-      </p:ext>
-    </p:extLst>
-  </p:cSld>
-  <p:clrMapOvr>
-    <a:masterClrMapping/>
-  </p:clrMapOvr>
-</p:sld>
-</file>
-
-<file path=ppt/slides/slide12.xml><?xml version="1.0" encoding="utf-8"?>
-<p:sld xmlns:a="http://schemas.openxmlformats.org/drawingml/2006/main" xmlns:r="http://schemas.openxmlformats.org/officeDocument/2006/relationships" xmlns:p="http://schemas.openxmlformats.org/presentationml/2006/main">
-  <p:cSld>
-    <p:spTree>
-      <p:nvGrpSpPr>
-        <p:cNvPr id="1" name=""/>
-        <p:cNvGrpSpPr/>
-        <p:nvPr/>
-      </p:nvGrpSpPr>
-      <p:grpSpPr>
-        <a:xfrm>
-          <a:off x="0" y="0"/>
-          <a:ext cx="0" cy="0"/>
-          <a:chOff x="0" y="0"/>
-          <a:chExt cx="0" cy="0"/>
-        </a:xfrm>
-      </p:grpSpPr>
-      <p:sp>
-        <p:nvSpPr>
-          <p:cNvPr id="2" name="제목 1">
-            <a:extLst>
-              <a:ext uri="{FF2B5EF4-FFF2-40B4-BE49-F238E27FC236}">
-                <a16:creationId xmlns:a16="http://schemas.microsoft.com/office/drawing/2014/main" id="{95CB7AEF-6056-404F-8222-D7A0008FE999}"/>
-              </a:ext>
-            </a:extLst>
-          </p:cNvPr>
-          <p:cNvSpPr>
-            <a:spLocks noGrp="1"/>
-          </p:cNvSpPr>
-          <p:nvPr>
-            <p:ph type="title"/>
-          </p:nvPr>
-        </p:nvSpPr>
-        <p:spPr/>
-        <p:txBody>
-          <a:bodyPr>
-            <a:normAutofit/>
-          </a:bodyPr>
-          <a:lstStyle/>
-          <a:p>
-            <a:pPr marL="432000" indent="-432000">
-              <a:lnSpc>
-                <a:spcPct val="100000"/>
-              </a:lnSpc>
-              <a:buClr>
-                <a:srgbClr val="004F9E"/>
-              </a:buClr>
-              <a:buFont typeface="Wingdings" panose="05000000000000000000" pitchFamily="2" charset="2"/>
-              <a:buChar char="§"/>
-            </a:pPr>
-            <a:r>
-              <a:rPr lang="en-US" altLang="ko-KR" sz="3600" dirty="0">
-                <a:solidFill>
-                  <a:schemeClr val="tx1">
-                    <a:lumMod val="85000"/>
-                    <a:lumOff val="15000"/>
-                  </a:schemeClr>
-                </a:solidFill>
-                <a:latin typeface="나눔스퀘어 ExtraBold" panose="020B0600000101010101" pitchFamily="50" charset="-127"/>
-                <a:ea typeface="나눔스퀘어 ExtraBold" panose="020B0600000101010101" pitchFamily="50" charset="-127"/>
-                <a:cs typeface="Arial" panose="020B0604020202020204" pitchFamily="34" charset="0"/>
-              </a:rPr>
-              <a:t>Ideas</a:t>
-            </a:r>
-          </a:p>
-        </p:txBody>
-      </p:sp>
-      <p:sp>
-        <p:nvSpPr>
-          <p:cNvPr id="3" name="내용 개체 틀 2">
-            <a:extLst>
-              <a:ext uri="{FF2B5EF4-FFF2-40B4-BE49-F238E27FC236}">
-                <a16:creationId xmlns:a16="http://schemas.microsoft.com/office/drawing/2014/main" id="{6F3C4966-F49A-47DB-93D9-018CD3BE693E}"/>
-              </a:ext>
-            </a:extLst>
-          </p:cNvPr>
-          <p:cNvSpPr>
-            <a:spLocks noGrp="1"/>
-          </p:cNvSpPr>
-          <p:nvPr>
-            <p:ph idx="1"/>
-          </p:nvPr>
-        </p:nvSpPr>
-        <p:spPr>
-          <a:xfrm>
-            <a:off x="990600" y="1690688"/>
-            <a:ext cx="10515600" cy="4351338"/>
-          </a:xfrm>
-        </p:spPr>
-        <p:txBody>
-          <a:bodyPr>
-            <a:normAutofit/>
-          </a:bodyPr>
-          <a:lstStyle/>
-          <a:p>
-            <a:pPr marL="432000" indent="-432000">
-              <a:lnSpc>
-                <a:spcPct val="100000"/>
-              </a:lnSpc>
-              <a:buClr>
-                <a:srgbClr val="004F9E"/>
-              </a:buClr>
-              <a:buFont typeface="Wingdings" panose="05000000000000000000" pitchFamily="2" charset="2"/>
-              <a:buChar char="§"/>
-            </a:pPr>
-            <a:r>
-              <a:rPr lang="en-US" altLang="ko-KR" sz="2000" dirty="0" err="1">
-                <a:solidFill>
-                  <a:schemeClr val="tx1">
-                    <a:lumMod val="85000"/>
-                    <a:lumOff val="15000"/>
-                  </a:schemeClr>
-                </a:solidFill>
-                <a:latin typeface="나눔스퀘어 ExtraBold" panose="020B0600000101010101" pitchFamily="50" charset="-127"/>
-                <a:ea typeface="나눔스퀘어 ExtraBold" panose="020B0600000101010101" pitchFamily="50" charset="-127"/>
-                <a:cs typeface="Arial" panose="020B0604020202020204" pitchFamily="34" charset="0"/>
-              </a:rPr>
-              <a:t>GraphSAIL</a:t>
-            </a:r>
-            <a:r>
-              <a:rPr lang="en-US" altLang="ko-KR" sz="2000" dirty="0">
-                <a:solidFill>
-                  <a:schemeClr val="tx1">
-                    <a:lumMod val="85000"/>
-                    <a:lumOff val="15000"/>
-                  </a:schemeClr>
-                </a:solidFill>
-                <a:latin typeface="나눔스퀘어 ExtraBold" panose="020B0600000101010101" pitchFamily="50" charset="-127"/>
-                <a:ea typeface="나눔스퀘어 ExtraBold" panose="020B0600000101010101" pitchFamily="50" charset="-127"/>
-                <a:cs typeface="Arial" panose="020B0604020202020204" pitchFamily="34" charset="0"/>
-              </a:rPr>
-              <a:t> + Rehearsal(experience replay) based approach</a:t>
-            </a:r>
-          </a:p>
-          <a:p>
-            <a:pPr marL="432000" indent="-432000">
-              <a:lnSpc>
-                <a:spcPct val="100000"/>
-              </a:lnSpc>
-              <a:buClr>
-                <a:srgbClr val="004F9E"/>
-              </a:buClr>
-              <a:buFont typeface="Wingdings" panose="05000000000000000000" pitchFamily="2" charset="2"/>
-              <a:buChar char="§"/>
-            </a:pPr>
-            <a:endParaRPr lang="en-US" altLang="ko-KR" sz="2400" dirty="0">
-              <a:solidFill>
-                <a:schemeClr val="tx1">
-                  <a:lumMod val="85000"/>
-                  <a:lumOff val="15000"/>
-                </a:schemeClr>
-              </a:solidFill>
-              <a:latin typeface="나눔스퀘어 ExtraBold" panose="020B0600000101010101" pitchFamily="50" charset="-127"/>
-              <a:ea typeface="나눔스퀘어 ExtraBold" panose="020B0600000101010101" pitchFamily="50" charset="-127"/>
-              <a:cs typeface="Arial" panose="020B0604020202020204" pitchFamily="34" charset="0"/>
-            </a:endParaRPr>
-          </a:p>
-          <a:p>
-            <a:pPr marL="889200" lvl="1" indent="-432000">
-              <a:lnSpc>
-                <a:spcPct val="100000"/>
-              </a:lnSpc>
-              <a:buClr>
-                <a:srgbClr val="004F9E"/>
-              </a:buClr>
-              <a:buFont typeface="Wingdings" panose="05000000000000000000" pitchFamily="2" charset="2"/>
-              <a:buChar char="§"/>
-            </a:pPr>
-            <a:r>
-              <a:rPr lang="en-US" altLang="ko-KR" sz="2000" b="1" dirty="0" err="1">
-                <a:solidFill>
-                  <a:schemeClr val="tx1">
-                    <a:lumMod val="85000"/>
-                    <a:lumOff val="15000"/>
-                  </a:schemeClr>
-                </a:solidFill>
-                <a:latin typeface="나눔스퀘어 ExtraBold" panose="020B0600000101010101" pitchFamily="50" charset="-127"/>
-                <a:ea typeface="나눔스퀘어 ExtraBold" panose="020B0600000101010101" pitchFamily="50" charset="-127"/>
-                <a:cs typeface="Arial" panose="020B0604020202020204" pitchFamily="34" charset="0"/>
-              </a:rPr>
-              <a:t>GraphSAIL</a:t>
-            </a:r>
-            <a:r>
-              <a:rPr lang="en-US" altLang="ko-KR" sz="2000" dirty="0">
-                <a:solidFill>
-                  <a:schemeClr val="tx1">
-                    <a:lumMod val="85000"/>
-                    <a:lumOff val="15000"/>
-                  </a:schemeClr>
-                </a:solidFill>
-                <a:latin typeface="나눔스퀘어 ExtraBold" panose="020B0600000101010101" pitchFamily="50" charset="-127"/>
-                <a:ea typeface="나눔스퀘어 ExtraBold" panose="020B0600000101010101" pitchFamily="50" charset="-127"/>
-                <a:cs typeface="Arial" panose="020B0604020202020204" pitchFamily="34" charset="0"/>
-              </a:rPr>
-              <a:t> currently implements Continual Learning(CL) </a:t>
-            </a:r>
-            <a:r>
-              <a:rPr lang="en-US" altLang="ko-KR" sz="2000" b="1" dirty="0">
-                <a:solidFill>
-                  <a:schemeClr val="tx1">
-                    <a:lumMod val="85000"/>
-                    <a:lumOff val="15000"/>
-                  </a:schemeClr>
-                </a:solidFill>
-                <a:latin typeface="나눔스퀘어 ExtraBold" panose="020B0600000101010101" pitchFamily="50" charset="-127"/>
-                <a:ea typeface="나눔스퀘어 ExtraBold" panose="020B0600000101010101" pitchFamily="50" charset="-127"/>
-                <a:cs typeface="Arial" panose="020B0604020202020204" pitchFamily="34" charset="0"/>
-              </a:rPr>
-              <a:t>based on regularization approach</a:t>
-            </a:r>
-          </a:p>
-          <a:p>
-            <a:pPr marL="889200" lvl="1" indent="-432000">
-              <a:lnSpc>
-                <a:spcPct val="100000"/>
-              </a:lnSpc>
-              <a:buClr>
-                <a:srgbClr val="004F9E"/>
-              </a:buClr>
-              <a:buFont typeface="Wingdings" panose="05000000000000000000" pitchFamily="2" charset="2"/>
-              <a:buChar char="§"/>
-            </a:pPr>
-            <a:r>
-              <a:rPr lang="en-US" altLang="ko-KR" sz="2000" dirty="0">
-                <a:solidFill>
-                  <a:schemeClr val="tx1">
-                    <a:lumMod val="85000"/>
-                    <a:lumOff val="15000"/>
-                  </a:schemeClr>
-                </a:solidFill>
-                <a:latin typeface="나눔스퀘어 ExtraBold" panose="020B0600000101010101" pitchFamily="50" charset="-127"/>
-                <a:ea typeface="나눔스퀘어 ExtraBold" panose="020B0600000101010101" pitchFamily="50" charset="-127"/>
-                <a:cs typeface="Arial" panose="020B0604020202020204" pitchFamily="34" charset="0"/>
-              </a:rPr>
-              <a:t>How about </a:t>
-            </a:r>
-            <a:r>
-              <a:rPr lang="en-US" altLang="ko-KR" sz="2000" b="1" dirty="0">
-                <a:solidFill>
-                  <a:schemeClr val="tx1">
-                    <a:lumMod val="85000"/>
-                    <a:lumOff val="15000"/>
-                  </a:schemeClr>
-                </a:solidFill>
-                <a:latin typeface="나눔스퀘어 ExtraBold" panose="020B0600000101010101" pitchFamily="50" charset="-127"/>
-                <a:ea typeface="나눔스퀘어 ExtraBold" panose="020B0600000101010101" pitchFamily="50" charset="-127"/>
-                <a:cs typeface="Arial" panose="020B0604020202020204" pitchFamily="34" charset="0"/>
-              </a:rPr>
-              <a:t>add Rehearsal based approach</a:t>
-            </a:r>
-            <a:r>
-              <a:rPr lang="en-US" altLang="ko-KR" sz="2000" dirty="0">
-                <a:solidFill>
-                  <a:schemeClr val="tx1">
-                    <a:lumMod val="85000"/>
-                    <a:lumOff val="15000"/>
-                  </a:schemeClr>
-                </a:solidFill>
-                <a:latin typeface="나눔스퀘어 ExtraBold" panose="020B0600000101010101" pitchFamily="50" charset="-127"/>
-                <a:ea typeface="나눔스퀘어 ExtraBold" panose="020B0600000101010101" pitchFamily="50" charset="-127"/>
-                <a:cs typeface="Arial" panose="020B0604020202020204" pitchFamily="34" charset="0"/>
-              </a:rPr>
-              <a:t> like ER-GNN,</a:t>
-            </a:r>
-            <a:r>
-              <a:rPr lang="ko-KR" altLang="en-US" sz="2000" dirty="0">
-                <a:solidFill>
-                  <a:schemeClr val="tx1">
-                    <a:lumMod val="85000"/>
-                    <a:lumOff val="15000"/>
-                  </a:schemeClr>
-                </a:solidFill>
-                <a:latin typeface="나눔스퀘어 ExtraBold" panose="020B0600000101010101" pitchFamily="50" charset="-127"/>
-                <a:ea typeface="나눔스퀘어 ExtraBold" panose="020B0600000101010101" pitchFamily="50" charset="-127"/>
-                <a:cs typeface="Arial" panose="020B0604020202020204" pitchFamily="34" charset="0"/>
-              </a:rPr>
-              <a:t> </a:t>
-            </a:r>
-            <a:r>
-              <a:rPr lang="en-US" altLang="ko-KR" sz="2000" dirty="0">
-                <a:solidFill>
-                  <a:schemeClr val="tx1">
-                    <a:lumMod val="85000"/>
-                    <a:lumOff val="15000"/>
-                  </a:schemeClr>
-                </a:solidFill>
-                <a:latin typeface="나눔스퀘어 ExtraBold" panose="020B0600000101010101" pitchFamily="50" charset="-127"/>
-                <a:ea typeface="나눔스퀘어 ExtraBold" panose="020B0600000101010101" pitchFamily="50" charset="-127"/>
-                <a:cs typeface="Arial" panose="020B0604020202020204" pitchFamily="34" charset="0"/>
-              </a:rPr>
-              <a:t>Lifelong Open-world node classification or</a:t>
-            </a:r>
-            <a:r>
-              <a:rPr lang="ko-KR" altLang="en-US" sz="2000" dirty="0">
-                <a:solidFill>
-                  <a:schemeClr val="tx1">
-                    <a:lumMod val="85000"/>
-                    <a:lumOff val="15000"/>
-                  </a:schemeClr>
-                </a:solidFill>
-                <a:latin typeface="나눔스퀘어 ExtraBold" panose="020B0600000101010101" pitchFamily="50" charset="-127"/>
-                <a:ea typeface="나눔스퀘어 ExtraBold" panose="020B0600000101010101" pitchFamily="50" charset="-127"/>
-                <a:cs typeface="Arial" panose="020B0604020202020204" pitchFamily="34" charset="0"/>
-              </a:rPr>
-              <a:t> </a:t>
-            </a:r>
-            <a:r>
-              <a:rPr lang="en-US" altLang="ko-KR" sz="2000" dirty="0" err="1">
-                <a:solidFill>
-                  <a:schemeClr val="tx1">
-                    <a:lumMod val="85000"/>
-                    <a:lumOff val="15000"/>
-                  </a:schemeClr>
-                </a:solidFill>
-                <a:latin typeface="나눔스퀘어 ExtraBold" panose="020B0600000101010101" pitchFamily="50" charset="-127"/>
-                <a:ea typeface="나눔스퀘어 ExtraBold" panose="020B0600000101010101" pitchFamily="50" charset="-127"/>
-                <a:cs typeface="Arial" panose="020B0604020202020204" pitchFamily="34" charset="0"/>
-              </a:rPr>
-              <a:t>ContinualGNN</a:t>
-            </a:r>
-            <a:r>
-              <a:rPr lang="en-US" altLang="ko-KR" sz="2000" dirty="0">
-                <a:solidFill>
-                  <a:schemeClr val="tx1">
-                    <a:lumMod val="85000"/>
-                    <a:lumOff val="15000"/>
-                  </a:schemeClr>
-                </a:solidFill>
-                <a:latin typeface="나눔스퀘어 ExtraBold" panose="020B0600000101010101" pitchFamily="50" charset="-127"/>
-                <a:ea typeface="나눔스퀘어 ExtraBold" panose="020B0600000101010101" pitchFamily="50" charset="-127"/>
-                <a:cs typeface="Arial" panose="020B0604020202020204" pitchFamily="34" charset="0"/>
-              </a:rPr>
-              <a:t>,</a:t>
-            </a:r>
-            <a:r>
-              <a:rPr lang="ko-KR" altLang="en-US" sz="2000" dirty="0">
-                <a:solidFill>
-                  <a:schemeClr val="tx1">
-                    <a:lumMod val="85000"/>
-                    <a:lumOff val="15000"/>
-                  </a:schemeClr>
-                </a:solidFill>
-                <a:latin typeface="나눔스퀘어 ExtraBold" panose="020B0600000101010101" pitchFamily="50" charset="-127"/>
-                <a:ea typeface="나눔스퀘어 ExtraBold" panose="020B0600000101010101" pitchFamily="50" charset="-127"/>
-                <a:cs typeface="Arial" panose="020B0604020202020204" pitchFamily="34" charset="0"/>
-              </a:rPr>
-              <a:t> </a:t>
-            </a:r>
-            <a:r>
-              <a:rPr lang="en-US" altLang="ko-KR" sz="2000" dirty="0" err="1">
-                <a:solidFill>
-                  <a:schemeClr val="tx1">
-                    <a:lumMod val="85000"/>
-                    <a:lumOff val="15000"/>
-                  </a:schemeClr>
-                </a:solidFill>
-                <a:latin typeface="나눔스퀘어 ExtraBold" panose="020B0600000101010101" pitchFamily="50" charset="-127"/>
-                <a:ea typeface="나눔스퀘어 ExtraBold" panose="020B0600000101010101" pitchFamily="50" charset="-127"/>
-                <a:cs typeface="Arial" panose="020B0604020202020204" pitchFamily="34" charset="0"/>
-              </a:rPr>
-              <a:t>IncreGNN</a:t>
-            </a:r>
-            <a:r>
-              <a:rPr lang="en-US" altLang="ko-KR" sz="2000" dirty="0">
-                <a:solidFill>
-                  <a:schemeClr val="tx1">
-                    <a:lumMod val="85000"/>
-                    <a:lumOff val="15000"/>
-                  </a:schemeClr>
-                </a:solidFill>
-                <a:latin typeface="나눔스퀘어 ExtraBold" panose="020B0600000101010101" pitchFamily="50" charset="-127"/>
-                <a:ea typeface="나눔스퀘어 ExtraBold" panose="020B0600000101010101" pitchFamily="50" charset="-127"/>
-                <a:cs typeface="Arial" panose="020B0604020202020204" pitchFamily="34" charset="0"/>
-              </a:rPr>
-              <a:t>?</a:t>
-            </a:r>
-            <a:endParaRPr lang="en-US" altLang="ko-KR" dirty="0">
-              <a:solidFill>
-                <a:schemeClr val="tx1">
-                  <a:lumMod val="85000"/>
-                  <a:lumOff val="15000"/>
-                </a:schemeClr>
-              </a:solidFill>
-              <a:latin typeface="나눔스퀘어 ExtraBold" panose="020B0600000101010101" pitchFamily="50" charset="-127"/>
-              <a:ea typeface="나눔스퀘어 ExtraBold" panose="020B0600000101010101" pitchFamily="50" charset="-127"/>
-              <a:cs typeface="Arial" panose="020B0604020202020204" pitchFamily="34" charset="0"/>
-            </a:endParaRPr>
-          </a:p>
-        </p:txBody>
-      </p:sp>
-      <p:sp>
-        <p:nvSpPr>
-          <p:cNvPr id="4" name="슬라이드 번호 개체 틀 3">
-            <a:extLst>
-              <a:ext uri="{FF2B5EF4-FFF2-40B4-BE49-F238E27FC236}">
-                <a16:creationId xmlns:a16="http://schemas.microsoft.com/office/drawing/2014/main" id="{4705CCFD-CA4E-4794-89D0-C3DF4603C893}"/>
-              </a:ext>
-            </a:extLst>
-          </p:cNvPr>
-          <p:cNvSpPr>
-            <a:spLocks noGrp="1"/>
-          </p:cNvSpPr>
-          <p:nvPr>
-            <p:ph type="sldNum" sz="quarter" idx="12"/>
-          </p:nvPr>
-        </p:nvSpPr>
-        <p:spPr/>
-        <p:txBody>
-          <a:bodyPr/>
-          <a:lstStyle/>
-          <a:p>
-            <a:fld id="{16A93642-25BD-4471-A422-0159119E9512}" type="slidenum">
-              <a:rPr lang="ko-KR" altLang="en-US" smtClean="0"/>
-              <a:pPr/>
-              <a:t>12</a:t>
-            </a:fld>
-            <a:endParaRPr lang="ko-KR" altLang="en-US" dirty="0"/>
-          </a:p>
-        </p:txBody>
-      </p:sp>
-    </p:spTree>
-    <p:extLst>
-      <p:ext uri="{BB962C8B-B14F-4D97-AF65-F5344CB8AC3E}">
-        <p14:creationId xmlns:p14="http://schemas.microsoft.com/office/powerpoint/2010/main" val="1153344948"/>
-      </p:ext>
-    </p:extLst>
-  </p:cSld>
-  <p:clrMapOvr>
-    <a:masterClrMapping/>
-  </p:clrMapOvr>
-</p:sld>
-</file>
-
-<file path=ppt/slides/slide13.xml><?xml version="1.0" encoding="utf-8"?>
-<p:sld xmlns:a="http://schemas.openxmlformats.org/drawingml/2006/main" xmlns:r="http://schemas.openxmlformats.org/officeDocument/2006/relationships" xmlns:p="http://schemas.openxmlformats.org/presentationml/2006/main">
-  <p:cSld>
-    <p:spTree>
-      <p:nvGrpSpPr>
-        <p:cNvPr id="1" name=""/>
-        <p:cNvGrpSpPr/>
-        <p:nvPr/>
-      </p:nvGrpSpPr>
-      <p:grpSpPr>
-        <a:xfrm>
-          <a:off x="0" y="0"/>
-          <a:ext cx="0" cy="0"/>
-          <a:chOff x="0" y="0"/>
-          <a:chExt cx="0" cy="0"/>
-        </a:xfrm>
-      </p:grpSpPr>
-      <p:sp>
-        <p:nvSpPr>
-          <p:cNvPr id="2" name="제목 1">
-            <a:extLst>
-              <a:ext uri="{FF2B5EF4-FFF2-40B4-BE49-F238E27FC236}">
-                <a16:creationId xmlns:a16="http://schemas.microsoft.com/office/drawing/2014/main" id="{95CB7AEF-6056-404F-8222-D7A0008FE999}"/>
-              </a:ext>
-            </a:extLst>
-          </p:cNvPr>
-          <p:cNvSpPr>
-            <a:spLocks noGrp="1"/>
-          </p:cNvSpPr>
-          <p:nvPr>
-            <p:ph type="title"/>
-          </p:nvPr>
-        </p:nvSpPr>
-        <p:spPr/>
-        <p:txBody>
-          <a:bodyPr>
-            <a:normAutofit/>
-          </a:bodyPr>
-          <a:lstStyle/>
-          <a:p>
-            <a:pPr marL="432000" indent="-432000">
-              <a:lnSpc>
-                <a:spcPct val="100000"/>
-              </a:lnSpc>
-              <a:buClr>
-                <a:srgbClr val="004F9E"/>
-              </a:buClr>
-              <a:buFont typeface="Wingdings" panose="05000000000000000000" pitchFamily="2" charset="2"/>
-              <a:buChar char="§"/>
-            </a:pPr>
-            <a:r>
-              <a:rPr lang="en-US" altLang="ko-KR" sz="3600" dirty="0">
-                <a:solidFill>
-                  <a:schemeClr val="tx1">
-                    <a:lumMod val="85000"/>
-                    <a:lumOff val="15000"/>
-                  </a:schemeClr>
-                </a:solidFill>
-                <a:latin typeface="나눔스퀘어 ExtraBold" panose="020B0600000101010101" pitchFamily="50" charset="-127"/>
-                <a:ea typeface="나눔스퀘어 ExtraBold" panose="020B0600000101010101" pitchFamily="50" charset="-127"/>
-                <a:cs typeface="Arial" panose="020B0604020202020204" pitchFamily="34" charset="0"/>
-              </a:rPr>
               <a:t>Ideas</a:t>
             </a:r>
           </a:p>
@@ -8102,7 +8002,7 @@
             <a:fld id="{16A93642-25BD-4471-A422-0159119E9512}" type="slidenum">
               <a:rPr lang="ko-KR" altLang="en-US" smtClean="0"/>
               <a:pPr/>
-              <a:t>13</a:t>
+              <a:t>11</a:t>
             </a:fld>
             <a:endParaRPr lang="ko-KR" altLang="en-US" dirty="0"/>
           </a:p>
@@ -8151,7 +8051,7 @@
 </p:sld>
 </file>
 
-<file path=ppt/slides/slide14.xml><?xml version="1.0" encoding="utf-8"?>
+<file path=ppt/slides/slide12.xml><?xml version="1.0" encoding="utf-8"?>
 <p:sld xmlns:a="http://schemas.openxmlformats.org/drawingml/2006/main" xmlns:r="http://schemas.openxmlformats.org/officeDocument/2006/relationships" xmlns:p="http://schemas.openxmlformats.org/presentationml/2006/main">
   <p:cSld>
     <p:spTree>
@@ -8360,7 +8260,7 @@
             <a:fld id="{16A93642-25BD-4471-A422-0159119E9512}" type="slidenum">
               <a:rPr lang="ko-KR" altLang="en-US" smtClean="0"/>
               <a:pPr/>
-              <a:t>14</a:t>
+              <a:t>12</a:t>
             </a:fld>
             <a:endParaRPr lang="ko-KR" altLang="en-US" dirty="0"/>
           </a:p>
@@ -8686,8 +8586,8 @@
         </p:nvSpPr>
         <p:spPr>
           <a:xfrm>
-            <a:off x="2723079" y="3657592"/>
-            <a:ext cx="1463286" cy="369332"/>
+            <a:off x="2147250" y="3614046"/>
+            <a:ext cx="2325701" cy="369332"/>
           </a:xfrm>
           <a:prstGeom prst="rect">
             <a:avLst/>
@@ -8702,7 +8602,7 @@
           <a:p>
             <a:r>
               <a:rPr lang="en-US" altLang="ko-KR" b="1" dirty="0"/>
-              <a:t>Stored data</a:t>
+              <a:t>Stored sample data</a:t>
             </a:r>
             <a:endParaRPr lang="ko-KR" altLang="en-US" b="1" dirty="0"/>
           </a:p>
@@ -8721,7 +8621,7 @@
 </p:sld>
 </file>
 
-<file path=ppt/slides/slide15.xml><?xml version="1.0" encoding="utf-8"?>
+<file path=ppt/slides/slide13.xml><?xml version="1.0" encoding="utf-8"?>
 <p:sld xmlns:a="http://schemas.openxmlformats.org/drawingml/2006/main" xmlns:r="http://schemas.openxmlformats.org/officeDocument/2006/relationships" xmlns:p="http://schemas.openxmlformats.org/presentationml/2006/main">
   <p:cSld>
     <p:spTree>
@@ -8784,6 +8684,543 @@
                 <a:cs typeface="Arial" panose="020B0604020202020204" pitchFamily="34" charset="0"/>
               </a:rPr>
               <a:t>Ideas</a:t>
+            </a:r>
+          </a:p>
+        </p:txBody>
+      </p:sp>
+      <p:sp>
+        <p:nvSpPr>
+          <p:cNvPr id="3" name="내용 개체 틀 2">
+            <a:extLst>
+              <a:ext uri="{FF2B5EF4-FFF2-40B4-BE49-F238E27FC236}">
+                <a16:creationId xmlns:a16="http://schemas.microsoft.com/office/drawing/2014/main" id="{6F3C4966-F49A-47DB-93D9-018CD3BE693E}"/>
+              </a:ext>
+            </a:extLst>
+          </p:cNvPr>
+          <p:cNvSpPr>
+            <a:spLocks noGrp="1"/>
+          </p:cNvSpPr>
+          <p:nvPr>
+            <p:ph idx="1"/>
+          </p:nvPr>
+        </p:nvSpPr>
+        <p:spPr>
+          <a:xfrm>
+            <a:off x="990600" y="1690688"/>
+            <a:ext cx="10515600" cy="4351338"/>
+          </a:xfrm>
+        </p:spPr>
+        <p:txBody>
+          <a:bodyPr>
+            <a:normAutofit/>
+          </a:bodyPr>
+          <a:lstStyle/>
+          <a:p>
+            <a:pPr marL="432000" indent="-432000">
+              <a:lnSpc>
+                <a:spcPct val="100000"/>
+              </a:lnSpc>
+              <a:buClr>
+                <a:srgbClr val="004F9E"/>
+              </a:buClr>
+              <a:buFont typeface="Wingdings" panose="05000000000000000000" pitchFamily="2" charset="2"/>
+              <a:buChar char="§"/>
+            </a:pPr>
+            <a:r>
+              <a:rPr lang="en-US" altLang="ko-KR" sz="2000" dirty="0" err="1">
+                <a:solidFill>
+                  <a:schemeClr val="tx1">
+                    <a:lumMod val="85000"/>
+                    <a:lumOff val="15000"/>
+                  </a:schemeClr>
+                </a:solidFill>
+                <a:latin typeface="나눔스퀘어 ExtraBold" panose="020B0600000101010101" pitchFamily="50" charset="-127"/>
+                <a:ea typeface="나눔스퀘어 ExtraBold" panose="020B0600000101010101" pitchFamily="50" charset="-127"/>
+                <a:cs typeface="Arial" panose="020B0604020202020204" pitchFamily="34" charset="0"/>
+              </a:rPr>
+              <a:t>GraphSAIL</a:t>
+            </a:r>
+            <a:r>
+              <a:rPr lang="en-US" altLang="ko-KR" sz="2000" dirty="0">
+                <a:solidFill>
+                  <a:schemeClr val="tx1">
+                    <a:lumMod val="85000"/>
+                    <a:lumOff val="15000"/>
+                  </a:schemeClr>
+                </a:solidFill>
+                <a:latin typeface="나눔스퀘어 ExtraBold" panose="020B0600000101010101" pitchFamily="50" charset="-127"/>
+                <a:ea typeface="나눔스퀘어 ExtraBold" panose="020B0600000101010101" pitchFamily="50" charset="-127"/>
+                <a:cs typeface="Arial" panose="020B0604020202020204" pitchFamily="34" charset="0"/>
+              </a:rPr>
+              <a:t> + Rehearsal(experience replay) based approach</a:t>
+            </a:r>
+          </a:p>
+          <a:p>
+            <a:pPr marL="432000" indent="-432000">
+              <a:lnSpc>
+                <a:spcPct val="100000"/>
+              </a:lnSpc>
+              <a:buClr>
+                <a:srgbClr val="004F9E"/>
+              </a:buClr>
+              <a:buFont typeface="Wingdings" panose="05000000000000000000" pitchFamily="2" charset="2"/>
+              <a:buChar char="§"/>
+            </a:pPr>
+            <a:r>
+              <a:rPr lang="en-US" altLang="ko-KR" sz="2000" b="1" dirty="0">
+                <a:solidFill>
+                  <a:schemeClr val="tx1">
+                    <a:lumMod val="85000"/>
+                    <a:lumOff val="15000"/>
+                  </a:schemeClr>
+                </a:solidFill>
+                <a:latin typeface="나눔스퀘어 ExtraBold" panose="020B0600000101010101" pitchFamily="50" charset="-127"/>
+                <a:ea typeface="나눔스퀘어 ExtraBold" panose="020B0600000101010101" pitchFamily="50" charset="-127"/>
+                <a:cs typeface="Arial" panose="020B0604020202020204" pitchFamily="34" charset="0"/>
+              </a:rPr>
+              <a:t>Papers worthy of reference</a:t>
+            </a:r>
+          </a:p>
+        </p:txBody>
+      </p:sp>
+      <p:sp>
+        <p:nvSpPr>
+          <p:cNvPr id="4" name="슬라이드 번호 개체 틀 3">
+            <a:extLst>
+              <a:ext uri="{FF2B5EF4-FFF2-40B4-BE49-F238E27FC236}">
+                <a16:creationId xmlns:a16="http://schemas.microsoft.com/office/drawing/2014/main" id="{4705CCFD-CA4E-4794-89D0-C3DF4603C893}"/>
+              </a:ext>
+            </a:extLst>
+          </p:cNvPr>
+          <p:cNvSpPr>
+            <a:spLocks noGrp="1"/>
+          </p:cNvSpPr>
+          <p:nvPr>
+            <p:ph type="sldNum" sz="quarter" idx="12"/>
+          </p:nvPr>
+        </p:nvSpPr>
+        <p:spPr/>
+        <p:txBody>
+          <a:bodyPr/>
+          <a:lstStyle/>
+          <a:p>
+            <a:fld id="{16A93642-25BD-4471-A422-0159119E9512}" type="slidenum">
+              <a:rPr lang="ko-KR" altLang="en-US" smtClean="0"/>
+              <a:pPr/>
+              <a:t>13</a:t>
+            </a:fld>
+            <a:endParaRPr lang="ko-KR" altLang="en-US" dirty="0"/>
+          </a:p>
+        </p:txBody>
+      </p:sp>
+      <p:graphicFrame>
+        <p:nvGraphicFramePr>
+          <p:cNvPr id="7" name="표 9">
+            <a:extLst>
+              <a:ext uri="{FF2B5EF4-FFF2-40B4-BE49-F238E27FC236}">
+                <a16:creationId xmlns:a16="http://schemas.microsoft.com/office/drawing/2014/main" id="{65F6FC56-1192-3B69-6B7F-8AE4D4EBF6A8}"/>
+              </a:ext>
+            </a:extLst>
+          </p:cNvPr>
+          <p:cNvGraphicFramePr>
+            <a:graphicFrameLocks noGrp="1"/>
+          </p:cNvGraphicFramePr>
+          <p:nvPr>
+            <p:extLst>
+              <p:ext uri="{D42A27DB-BD31-4B8C-83A1-F6EECF244321}">
+                <p14:modId xmlns:p14="http://schemas.microsoft.com/office/powerpoint/2010/main" val="3573134563"/>
+              </p:ext>
+            </p:extLst>
+          </p:nvPr>
+        </p:nvGraphicFramePr>
+        <p:xfrm>
+          <a:off x="1003300" y="2809717"/>
+          <a:ext cx="10210800" cy="2656840"/>
+        </p:xfrm>
+        <a:graphic>
+          <a:graphicData uri="http://schemas.openxmlformats.org/drawingml/2006/table">
+            <a:tbl>
+              <a:tblPr firstRow="1" bandRow="1">
+                <a:tableStyleId>{5940675A-B579-460E-94D1-54222C63F5DA}</a:tableStyleId>
+              </a:tblPr>
+              <a:tblGrid>
+                <a:gridCol w="1892300">
+                  <a:extLst>
+                    <a:ext uri="{9D8B030D-6E8A-4147-A177-3AD203B41FA5}">
+                      <a16:colId xmlns:a16="http://schemas.microsoft.com/office/drawing/2014/main" val="870722853"/>
+                    </a:ext>
+                  </a:extLst>
+                </a:gridCol>
+                <a:gridCol w="4469934">
+                  <a:extLst>
+                    <a:ext uri="{9D8B030D-6E8A-4147-A177-3AD203B41FA5}">
+                      <a16:colId xmlns:a16="http://schemas.microsoft.com/office/drawing/2014/main" val="3230696320"/>
+                    </a:ext>
+                  </a:extLst>
+                </a:gridCol>
+                <a:gridCol w="3848566">
+                  <a:extLst>
+                    <a:ext uri="{9D8B030D-6E8A-4147-A177-3AD203B41FA5}">
+                      <a16:colId xmlns:a16="http://schemas.microsoft.com/office/drawing/2014/main" val="902061045"/>
+                    </a:ext>
+                  </a:extLst>
+                </a:gridCol>
+              </a:tblGrid>
+              <a:tr h="185420">
+                <a:tc rowSpan="2">
+                  <a:txBody>
+                    <a:bodyPr/>
+                    <a:lstStyle/>
+                    <a:p>
+                      <a:pPr algn="ctr" latinLnBrk="1"/>
+                      <a:r>
+                        <a:rPr lang="en-US" altLang="ko-KR" dirty="0"/>
+                        <a:t>Paper</a:t>
+                      </a:r>
+                      <a:endParaRPr lang="ko-KR" altLang="en-US" dirty="0"/>
+                    </a:p>
+                  </a:txBody>
+                  <a:tcPr anchor="ctr"/>
+                </a:tc>
+                <a:tc gridSpan="2">
+                  <a:txBody>
+                    <a:bodyPr/>
+                    <a:lstStyle/>
+                    <a:p>
+                      <a:pPr algn="ctr" latinLnBrk="1"/>
+                      <a:r>
+                        <a:rPr lang="en-US" altLang="ko-KR" dirty="0"/>
+                        <a:t>Reason why its worthy</a:t>
+                      </a:r>
+                      <a:endParaRPr lang="ko-KR" altLang="en-US" dirty="0"/>
+                    </a:p>
+                  </a:txBody>
+                  <a:tcPr anchor="ctr"/>
+                </a:tc>
+                <a:tc hMerge="1">
+                  <a:txBody>
+                    <a:bodyPr/>
+                    <a:lstStyle/>
+                    <a:p>
+                      <a:pPr latinLnBrk="1"/>
+                      <a:endParaRPr lang="ko-KR" altLang="en-US"/>
+                    </a:p>
+                  </a:txBody>
+                  <a:tcPr/>
+                </a:tc>
+                <a:extLst>
+                  <a:ext uri="{0D108BD9-81ED-4DB2-BD59-A6C34878D82A}">
+                    <a16:rowId xmlns:a16="http://schemas.microsoft.com/office/drawing/2014/main" val="2050267562"/>
+                  </a:ext>
+                </a:extLst>
+              </a:tr>
+              <a:tr h="185420">
+                <a:tc vMerge="1">
+                  <a:txBody>
+                    <a:bodyPr/>
+                    <a:lstStyle/>
+                    <a:p>
+                      <a:pPr latinLnBrk="1"/>
+                      <a:endParaRPr lang="ko-KR" altLang="en-US"/>
+                    </a:p>
+                  </a:txBody>
+                  <a:tcPr/>
+                </a:tc>
+                <a:tc>
+                  <a:txBody>
+                    <a:bodyPr/>
+                    <a:lstStyle/>
+                    <a:p>
+                      <a:pPr algn="ctr" latinLnBrk="1"/>
+                      <a:r>
+                        <a:rPr lang="en-US" altLang="ko-KR" dirty="0"/>
+                        <a:t>Sampling strategy</a:t>
+                      </a:r>
+                      <a:endParaRPr lang="ko-KR" altLang="en-US" dirty="0"/>
+                    </a:p>
+                  </a:txBody>
+                  <a:tcPr anchor="ctr"/>
+                </a:tc>
+                <a:tc>
+                  <a:txBody>
+                    <a:bodyPr/>
+                    <a:lstStyle/>
+                    <a:p>
+                      <a:pPr algn="ctr" latinLnBrk="1"/>
+                      <a:r>
+                        <a:rPr lang="en-US" altLang="ko-KR" dirty="0"/>
+                        <a:t>Application</a:t>
+                      </a:r>
+                      <a:endParaRPr lang="ko-KR" altLang="en-US" dirty="0"/>
+                    </a:p>
+                  </a:txBody>
+                  <a:tcPr anchor="ctr"/>
+                </a:tc>
+                <a:extLst>
+                  <a:ext uri="{0D108BD9-81ED-4DB2-BD59-A6C34878D82A}">
+                    <a16:rowId xmlns:a16="http://schemas.microsoft.com/office/drawing/2014/main" val="1718970484"/>
+                  </a:ext>
+                </a:extLst>
+              </a:tr>
+              <a:tr h="370840">
+                <a:tc>
+                  <a:txBody>
+                    <a:bodyPr/>
+                    <a:lstStyle/>
+                    <a:p>
+                      <a:pPr algn="ctr" latinLnBrk="1"/>
+                      <a:r>
+                        <a:rPr lang="en-US" altLang="ko-KR" dirty="0" err="1"/>
+                        <a:t>ContinualGNN</a:t>
+                      </a:r>
+                      <a:endParaRPr lang="ko-KR" altLang="en-US" dirty="0"/>
+                    </a:p>
+                  </a:txBody>
+                  <a:tcPr anchor="ctr"/>
+                </a:tc>
+                <a:tc>
+                  <a:txBody>
+                    <a:bodyPr/>
+                    <a:lstStyle/>
+                    <a:p>
+                      <a:pPr algn="ctr" latinLnBrk="1"/>
+                      <a:r>
+                        <a:rPr lang="en-US" altLang="ko-KR" dirty="0"/>
+                        <a:t>Hierarchical sampling on cluster,</a:t>
+                      </a:r>
+                    </a:p>
+                    <a:p>
+                      <a:pPr algn="ctr" latinLnBrk="1"/>
+                      <a:r>
+                        <a:rPr lang="en-US" altLang="ko-KR" dirty="0"/>
+                        <a:t>Importance-based sampling within cluster</a:t>
+                      </a:r>
+                      <a:endParaRPr lang="ko-KR" altLang="en-US" dirty="0"/>
+                    </a:p>
+                  </a:txBody>
+                  <a:tcPr anchor="ctr"/>
+                </a:tc>
+                <a:tc>
+                  <a:txBody>
+                    <a:bodyPr/>
+                    <a:lstStyle/>
+                    <a:p>
+                      <a:pPr algn="ctr" latinLnBrk="1"/>
+                      <a:r>
+                        <a:rPr lang="en-US" altLang="ko-KR" dirty="0"/>
+                        <a:t>classification</a:t>
+                      </a:r>
+                      <a:endParaRPr lang="ko-KR" altLang="en-US" dirty="0"/>
+                    </a:p>
+                  </a:txBody>
+                  <a:tcPr anchor="ctr"/>
+                </a:tc>
+                <a:extLst>
+                  <a:ext uri="{0D108BD9-81ED-4DB2-BD59-A6C34878D82A}">
+                    <a16:rowId xmlns:a16="http://schemas.microsoft.com/office/drawing/2014/main" val="2946976549"/>
+                  </a:ext>
+                </a:extLst>
+              </a:tr>
+              <a:tr h="370840">
+                <a:tc>
+                  <a:txBody>
+                    <a:bodyPr/>
+                    <a:lstStyle/>
+                    <a:p>
+                      <a:pPr algn="ctr" latinLnBrk="1"/>
+                      <a:r>
+                        <a:rPr lang="en-US" altLang="ko-KR" dirty="0"/>
+                        <a:t>ER-GNN</a:t>
+                      </a:r>
+                      <a:endParaRPr lang="ko-KR" altLang="en-US" dirty="0"/>
+                    </a:p>
+                  </a:txBody>
+                  <a:tcPr anchor="ctr"/>
+                </a:tc>
+                <a:tc>
+                  <a:txBody>
+                    <a:bodyPr/>
+                    <a:lstStyle/>
+                    <a:p>
+                      <a:pPr algn="ctr" latinLnBrk="1"/>
+                      <a:r>
+                        <a:rPr lang="en-US" altLang="ko-KR" dirty="0"/>
+                        <a:t>mean of feature, coverage maximization, and influence maximization</a:t>
+                      </a:r>
+                      <a:endParaRPr lang="ko-KR" altLang="en-US" dirty="0"/>
+                    </a:p>
+                  </a:txBody>
+                  <a:tcPr anchor="ctr"/>
+                </a:tc>
+                <a:tc>
+                  <a:txBody>
+                    <a:bodyPr/>
+                    <a:lstStyle/>
+                    <a:p>
+                      <a:pPr marL="0" marR="0" lvl="0" indent="0" algn="ctr" defTabSz="914400" rtl="0" eaLnBrk="1" fontAlgn="auto" latinLnBrk="1" hangingPunct="1">
+                        <a:lnSpc>
+                          <a:spcPct val="100000"/>
+                        </a:lnSpc>
+                        <a:spcBef>
+                          <a:spcPts val="0"/>
+                        </a:spcBef>
+                        <a:spcAft>
+                          <a:spcPts val="0"/>
+                        </a:spcAft>
+                        <a:buClrTx/>
+                        <a:buSzTx/>
+                        <a:buFontTx/>
+                        <a:buNone/>
+                        <a:tabLst/>
+                        <a:defRPr/>
+                      </a:pPr>
+                      <a:r>
+                        <a:rPr lang="en-US" altLang="ko-KR" dirty="0"/>
+                        <a:t>Classification</a:t>
+                      </a:r>
+                      <a:endParaRPr lang="ko-KR" altLang="en-US" dirty="0"/>
+                    </a:p>
+                  </a:txBody>
+                  <a:tcPr anchor="ctr"/>
+                </a:tc>
+                <a:extLst>
+                  <a:ext uri="{0D108BD9-81ED-4DB2-BD59-A6C34878D82A}">
+                    <a16:rowId xmlns:a16="http://schemas.microsoft.com/office/drawing/2014/main" val="1103234961"/>
+                  </a:ext>
+                </a:extLst>
+              </a:tr>
+              <a:tr h="370840">
+                <a:tc>
+                  <a:txBody>
+                    <a:bodyPr/>
+                    <a:lstStyle/>
+                    <a:p>
+                      <a:pPr algn="ctr" latinLnBrk="1"/>
+                      <a:r>
+                        <a:rPr lang="en-US" altLang="ko-KR" dirty="0" err="1"/>
+                        <a:t>TrafficStream</a:t>
+                      </a:r>
+                      <a:endParaRPr lang="ko-KR" altLang="en-US" dirty="0"/>
+                    </a:p>
+                  </a:txBody>
+                  <a:tcPr anchor="ctr"/>
+                </a:tc>
+                <a:tc>
+                  <a:txBody>
+                    <a:bodyPr/>
+                    <a:lstStyle/>
+                    <a:p>
+                      <a:pPr algn="ctr" latinLnBrk="1"/>
+                      <a:r>
+                        <a:rPr lang="en-US" altLang="ko-KR" dirty="0"/>
+                        <a:t>JS-Divergence</a:t>
+                      </a:r>
+                      <a:endParaRPr lang="ko-KR" altLang="en-US" dirty="0"/>
+                    </a:p>
+                  </a:txBody>
+                  <a:tcPr anchor="ctr"/>
+                </a:tc>
+                <a:tc>
+                  <a:txBody>
+                    <a:bodyPr/>
+                    <a:lstStyle/>
+                    <a:p>
+                      <a:pPr algn="ctr" latinLnBrk="1"/>
+                      <a:r>
+                        <a:rPr lang="en-US" altLang="ko-KR" dirty="0"/>
+                        <a:t>Traffic flow forecasting</a:t>
+                      </a:r>
+                      <a:endParaRPr lang="ko-KR" altLang="en-US" dirty="0"/>
+                    </a:p>
+                  </a:txBody>
+                  <a:tcPr anchor="ctr"/>
+                </a:tc>
+                <a:extLst>
+                  <a:ext uri="{0D108BD9-81ED-4DB2-BD59-A6C34878D82A}">
+                    <a16:rowId xmlns:a16="http://schemas.microsoft.com/office/drawing/2014/main" val="3038312934"/>
+                  </a:ext>
+                </a:extLst>
+              </a:tr>
+            </a:tbl>
+          </a:graphicData>
+        </a:graphic>
+      </p:graphicFrame>
+    </p:spTree>
+    <p:extLst>
+      <p:ext uri="{BB962C8B-B14F-4D97-AF65-F5344CB8AC3E}">
+        <p14:creationId xmlns:p14="http://schemas.microsoft.com/office/powerpoint/2010/main" val="570243456"/>
+      </p:ext>
+    </p:extLst>
+  </p:cSld>
+  <p:clrMapOvr>
+    <a:masterClrMapping/>
+  </p:clrMapOvr>
+</p:sld>
+</file>
+
+<file path=ppt/slides/slide14.xml><?xml version="1.0" encoding="utf-8"?>
+<p:sld xmlns:a="http://schemas.openxmlformats.org/drawingml/2006/main" xmlns:r="http://schemas.openxmlformats.org/officeDocument/2006/relationships" xmlns:p="http://schemas.openxmlformats.org/presentationml/2006/main">
+  <p:cSld>
+    <p:spTree>
+      <p:nvGrpSpPr>
+        <p:cNvPr id="1" name=""/>
+        <p:cNvGrpSpPr/>
+        <p:nvPr/>
+      </p:nvGrpSpPr>
+      <p:grpSpPr>
+        <a:xfrm>
+          <a:off x="0" y="0"/>
+          <a:ext cx="0" cy="0"/>
+          <a:chOff x="0" y="0"/>
+          <a:chExt cx="0" cy="0"/>
+        </a:xfrm>
+      </p:grpSpPr>
+      <p:sp>
+        <p:nvSpPr>
+          <p:cNvPr id="2" name="제목 1">
+            <a:extLst>
+              <a:ext uri="{FF2B5EF4-FFF2-40B4-BE49-F238E27FC236}">
+                <a16:creationId xmlns:a16="http://schemas.microsoft.com/office/drawing/2014/main" id="{95CB7AEF-6056-404F-8222-D7A0008FE999}"/>
+              </a:ext>
+            </a:extLst>
+          </p:cNvPr>
+          <p:cNvSpPr>
+            <a:spLocks noGrp="1"/>
+          </p:cNvSpPr>
+          <p:nvPr>
+            <p:ph type="title"/>
+          </p:nvPr>
+        </p:nvSpPr>
+        <p:spPr/>
+        <p:txBody>
+          <a:bodyPr>
+            <a:normAutofit/>
+          </a:bodyPr>
+          <a:lstStyle/>
+          <a:p>
+            <a:pPr marL="432000" indent="-432000">
+              <a:lnSpc>
+                <a:spcPct val="100000"/>
+              </a:lnSpc>
+              <a:buClr>
+                <a:srgbClr val="004F9E"/>
+              </a:buClr>
+              <a:buFont typeface="Wingdings" panose="05000000000000000000" pitchFamily="2" charset="2"/>
+              <a:buChar char="§"/>
+            </a:pPr>
+            <a:r>
+              <a:rPr lang="en-US" altLang="ko-KR" sz="3600" dirty="0">
+                <a:solidFill>
+                  <a:schemeClr val="tx1">
+                    <a:lumMod val="85000"/>
+                    <a:lumOff val="15000"/>
+                  </a:schemeClr>
+                </a:solidFill>
+                <a:latin typeface="나눔스퀘어 ExtraBold" panose="020B0600000101010101" pitchFamily="50" charset="-127"/>
+                <a:ea typeface="나눔스퀘어 ExtraBold" panose="020B0600000101010101" pitchFamily="50" charset="-127"/>
+                <a:cs typeface="Arial" panose="020B0604020202020204" pitchFamily="34" charset="0"/>
+              </a:rPr>
+              <a:t>Ideas - 2</a:t>
             </a:r>
           </a:p>
         </p:txBody>
@@ -9080,7 +9517,7 @@
             <a:fld id="{16A93642-25BD-4471-A422-0159119E9512}" type="slidenum">
               <a:rPr lang="ko-KR" altLang="en-US" smtClean="0"/>
               <a:pPr/>
-              <a:t>15</a:t>
+              <a:t>14</a:t>
             </a:fld>
             <a:endParaRPr lang="ko-KR" altLang="en-US" dirty="0"/>
           </a:p>
@@ -9129,6 +9566,1078 @@
 </p:sld>
 </file>
 
+<file path=ppt/slides/slide15.xml><?xml version="1.0" encoding="utf-8"?>
+<p:sld xmlns:a="http://schemas.openxmlformats.org/drawingml/2006/main" xmlns:r="http://schemas.openxmlformats.org/officeDocument/2006/relationships" xmlns:p="http://schemas.openxmlformats.org/presentationml/2006/main">
+  <p:cSld>
+    <p:spTree>
+      <p:nvGrpSpPr>
+        <p:cNvPr id="1" name=""/>
+        <p:cNvGrpSpPr/>
+        <p:nvPr/>
+      </p:nvGrpSpPr>
+      <p:grpSpPr>
+        <a:xfrm>
+          <a:off x="0" y="0"/>
+          <a:ext cx="0" cy="0"/>
+          <a:chOff x="0" y="0"/>
+          <a:chExt cx="0" cy="0"/>
+        </a:xfrm>
+      </p:grpSpPr>
+      <p:sp>
+        <p:nvSpPr>
+          <p:cNvPr id="2" name="제목 1">
+            <a:extLst>
+              <a:ext uri="{FF2B5EF4-FFF2-40B4-BE49-F238E27FC236}">
+                <a16:creationId xmlns:a16="http://schemas.microsoft.com/office/drawing/2014/main" id="{95CB7AEF-6056-404F-8222-D7A0008FE999}"/>
+              </a:ext>
+            </a:extLst>
+          </p:cNvPr>
+          <p:cNvSpPr>
+            <a:spLocks noGrp="1"/>
+          </p:cNvSpPr>
+          <p:nvPr>
+            <p:ph type="title"/>
+          </p:nvPr>
+        </p:nvSpPr>
+        <p:spPr/>
+        <p:txBody>
+          <a:bodyPr>
+            <a:normAutofit/>
+          </a:bodyPr>
+          <a:lstStyle/>
+          <a:p>
+            <a:pPr marL="432000" indent="-432000">
+              <a:lnSpc>
+                <a:spcPct val="100000"/>
+              </a:lnSpc>
+              <a:buClr>
+                <a:srgbClr val="004F9E"/>
+              </a:buClr>
+              <a:buFont typeface="Wingdings" panose="05000000000000000000" pitchFamily="2" charset="2"/>
+              <a:buChar char="§"/>
+            </a:pPr>
+            <a:r>
+              <a:rPr lang="en-US" altLang="ko-KR" sz="3600" dirty="0">
+                <a:solidFill>
+                  <a:schemeClr val="tx1">
+                    <a:lumMod val="85000"/>
+                    <a:lumOff val="15000"/>
+                  </a:schemeClr>
+                </a:solidFill>
+                <a:latin typeface="나눔스퀘어 ExtraBold" panose="020B0600000101010101" pitchFamily="50" charset="-127"/>
+                <a:ea typeface="나눔스퀘어 ExtraBold" panose="020B0600000101010101" pitchFamily="50" charset="-127"/>
+                <a:cs typeface="Arial" panose="020B0604020202020204" pitchFamily="34" charset="0"/>
+              </a:rPr>
+              <a:t>Conclusion</a:t>
+            </a:r>
+          </a:p>
+        </p:txBody>
+      </p:sp>
+      <p:sp>
+        <p:nvSpPr>
+          <p:cNvPr id="3" name="내용 개체 틀 2">
+            <a:extLst>
+              <a:ext uri="{FF2B5EF4-FFF2-40B4-BE49-F238E27FC236}">
+                <a16:creationId xmlns:a16="http://schemas.microsoft.com/office/drawing/2014/main" id="{6F3C4966-F49A-47DB-93D9-018CD3BE693E}"/>
+              </a:ext>
+            </a:extLst>
+          </p:cNvPr>
+          <p:cNvSpPr>
+            <a:spLocks noGrp="1"/>
+          </p:cNvSpPr>
+          <p:nvPr>
+            <p:ph idx="1"/>
+          </p:nvPr>
+        </p:nvSpPr>
+        <p:spPr>
+          <a:xfrm>
+            <a:off x="990600" y="1690688"/>
+            <a:ext cx="10515600" cy="4351338"/>
+          </a:xfrm>
+        </p:spPr>
+        <p:txBody>
+          <a:bodyPr>
+            <a:normAutofit/>
+          </a:bodyPr>
+          <a:lstStyle/>
+          <a:p>
+            <a:pPr marL="432000" indent="-432000">
+              <a:lnSpc>
+                <a:spcPct val="100000"/>
+              </a:lnSpc>
+              <a:buClr>
+                <a:srgbClr val="004F9E"/>
+              </a:buClr>
+              <a:buFont typeface="Wingdings" panose="05000000000000000000" pitchFamily="2" charset="2"/>
+              <a:buChar char="§"/>
+            </a:pPr>
+            <a:r>
+              <a:rPr lang="en-US" altLang="ko-KR" sz="2000" dirty="0">
+                <a:solidFill>
+                  <a:schemeClr val="tx1">
+                    <a:lumMod val="85000"/>
+                    <a:lumOff val="15000"/>
+                  </a:schemeClr>
+                </a:solidFill>
+                <a:latin typeface="나눔스퀘어 ExtraBold" panose="020B0600000101010101" pitchFamily="50" charset="-127"/>
+                <a:ea typeface="나눔스퀘어 ExtraBold" panose="020B0600000101010101" pitchFamily="50" charset="-127"/>
+                <a:cs typeface="Arial" panose="020B0604020202020204" pitchFamily="34" charset="0"/>
+              </a:rPr>
+              <a:t>First, I focused on find papers that deals three main topic (GNN, </a:t>
+            </a:r>
+            <a:r>
+              <a:rPr lang="en-US" altLang="ko-KR" sz="2000" dirty="0" err="1">
+                <a:solidFill>
+                  <a:schemeClr val="tx1">
+                    <a:lumMod val="85000"/>
+                    <a:lumOff val="15000"/>
+                  </a:schemeClr>
+                </a:solidFill>
+                <a:latin typeface="나눔스퀘어 ExtraBold" panose="020B0600000101010101" pitchFamily="50" charset="-127"/>
+                <a:ea typeface="나눔스퀘어 ExtraBold" panose="020B0600000101010101" pitchFamily="50" charset="-127"/>
+                <a:cs typeface="Arial" panose="020B0604020202020204" pitchFamily="34" charset="0"/>
+              </a:rPr>
+              <a:t>Recsys</a:t>
+            </a:r>
+            <a:r>
+              <a:rPr lang="en-US" altLang="ko-KR" sz="2000" dirty="0">
+                <a:solidFill>
+                  <a:schemeClr val="tx1">
+                    <a:lumMod val="85000"/>
+                    <a:lumOff val="15000"/>
+                  </a:schemeClr>
+                </a:solidFill>
+                <a:latin typeface="나눔스퀘어 ExtraBold" panose="020B0600000101010101" pitchFamily="50" charset="-127"/>
+                <a:ea typeface="나눔스퀘어 ExtraBold" panose="020B0600000101010101" pitchFamily="50" charset="-127"/>
+                <a:cs typeface="Arial" panose="020B0604020202020204" pitchFamily="34" charset="0"/>
+              </a:rPr>
+              <a:t>, CL) at the same time.</a:t>
+            </a:r>
+          </a:p>
+          <a:p>
+            <a:pPr marL="432000" indent="-432000">
+              <a:lnSpc>
+                <a:spcPct val="100000"/>
+              </a:lnSpc>
+              <a:buClr>
+                <a:srgbClr val="004F9E"/>
+              </a:buClr>
+              <a:buFont typeface="Wingdings" panose="05000000000000000000" pitchFamily="2" charset="2"/>
+              <a:buChar char="§"/>
+            </a:pPr>
+            <a:r>
+              <a:rPr lang="en-US" altLang="ko-KR" sz="2000" dirty="0">
+                <a:solidFill>
+                  <a:schemeClr val="tx1">
+                    <a:lumMod val="85000"/>
+                    <a:lumOff val="15000"/>
+                  </a:schemeClr>
+                </a:solidFill>
+                <a:latin typeface="나눔스퀘어 ExtraBold" panose="020B0600000101010101" pitchFamily="50" charset="-127"/>
+                <a:ea typeface="나눔스퀘어 ExtraBold" panose="020B0600000101010101" pitchFamily="50" charset="-127"/>
+                <a:cs typeface="Arial" panose="020B0604020202020204" pitchFamily="34" charset="0"/>
+              </a:rPr>
+              <a:t>And then I investigated a paper dealing with GNN and CL</a:t>
+            </a:r>
+          </a:p>
+          <a:p>
+            <a:pPr marL="432000" indent="-432000">
+              <a:lnSpc>
+                <a:spcPct val="100000"/>
+              </a:lnSpc>
+              <a:buClr>
+                <a:srgbClr val="004F9E"/>
+              </a:buClr>
+              <a:buFont typeface="Wingdings" panose="05000000000000000000" pitchFamily="2" charset="2"/>
+              <a:buChar char="§"/>
+            </a:pPr>
+            <a:r>
+              <a:rPr lang="en-US" altLang="ko-KR" sz="2000" dirty="0">
+                <a:solidFill>
+                  <a:schemeClr val="tx1">
+                    <a:lumMod val="85000"/>
+                    <a:lumOff val="15000"/>
+                  </a:schemeClr>
+                </a:solidFill>
+                <a:latin typeface="나눔스퀘어 ExtraBold" panose="020B0600000101010101" pitchFamily="50" charset="-127"/>
+                <a:ea typeface="나눔스퀘어 ExtraBold" panose="020B0600000101010101" pitchFamily="50" charset="-127"/>
+                <a:cs typeface="Arial" panose="020B0604020202020204" pitchFamily="34" charset="0"/>
+              </a:rPr>
+              <a:t>So, I found that there’s three mainstream in GNN &amp; CL area (Architectural, Rehearsal, Regularization).</a:t>
+            </a:r>
+          </a:p>
+          <a:p>
+            <a:pPr marL="432000" indent="-432000">
+              <a:lnSpc>
+                <a:spcPct val="100000"/>
+              </a:lnSpc>
+              <a:buClr>
+                <a:srgbClr val="004F9E"/>
+              </a:buClr>
+              <a:buFont typeface="Wingdings" panose="05000000000000000000" pitchFamily="2" charset="2"/>
+              <a:buChar char="§"/>
+            </a:pPr>
+            <a:r>
+              <a:rPr lang="en-US" altLang="ko-KR" sz="2000" dirty="0">
+                <a:solidFill>
+                  <a:schemeClr val="tx1">
+                    <a:lumMod val="85000"/>
+                    <a:lumOff val="15000"/>
+                  </a:schemeClr>
+                </a:solidFill>
+                <a:latin typeface="나눔스퀘어 ExtraBold" panose="020B0600000101010101" pitchFamily="50" charset="-127"/>
+                <a:ea typeface="나눔스퀘어 ExtraBold" panose="020B0600000101010101" pitchFamily="50" charset="-127"/>
+                <a:cs typeface="Arial" panose="020B0604020202020204" pitchFamily="34" charset="0"/>
+              </a:rPr>
+              <a:t>I thought it would be better if I apply Experience replay based CL approach on </a:t>
+            </a:r>
+            <a:r>
+              <a:rPr lang="en-US" altLang="ko-KR" sz="2000" dirty="0" err="1">
+                <a:solidFill>
+                  <a:schemeClr val="tx1">
+                    <a:lumMod val="85000"/>
+                    <a:lumOff val="15000"/>
+                  </a:schemeClr>
+                </a:solidFill>
+                <a:latin typeface="나눔스퀘어 ExtraBold" panose="020B0600000101010101" pitchFamily="50" charset="-127"/>
+                <a:ea typeface="나눔스퀘어 ExtraBold" panose="020B0600000101010101" pitchFamily="50" charset="-127"/>
+                <a:cs typeface="Arial" panose="020B0604020202020204" pitchFamily="34" charset="0"/>
+              </a:rPr>
+              <a:t>GraphSAIL</a:t>
+            </a:r>
+            <a:r>
+              <a:rPr lang="en-US" altLang="ko-KR" sz="2000" dirty="0">
+                <a:solidFill>
+                  <a:schemeClr val="tx1">
+                    <a:lumMod val="85000"/>
+                    <a:lumOff val="15000"/>
+                  </a:schemeClr>
+                </a:solidFill>
+                <a:latin typeface="나눔스퀘어 ExtraBold" panose="020B0600000101010101" pitchFamily="50" charset="-127"/>
+                <a:ea typeface="나눔스퀘어 ExtraBold" panose="020B0600000101010101" pitchFamily="50" charset="-127"/>
+                <a:cs typeface="Arial" panose="020B0604020202020204" pitchFamily="34" charset="0"/>
+              </a:rPr>
+              <a:t>.</a:t>
+            </a:r>
+          </a:p>
+          <a:p>
+            <a:pPr marL="432000" indent="-432000">
+              <a:lnSpc>
+                <a:spcPct val="100000"/>
+              </a:lnSpc>
+              <a:buClr>
+                <a:srgbClr val="004F9E"/>
+              </a:buClr>
+              <a:buFont typeface="Wingdings" panose="05000000000000000000" pitchFamily="2" charset="2"/>
+              <a:buChar char="§"/>
+            </a:pPr>
+            <a:r>
+              <a:rPr lang="en-US" altLang="ko-KR" sz="2000" dirty="0">
+                <a:solidFill>
+                  <a:schemeClr val="tx1">
+                    <a:lumMod val="85000"/>
+                    <a:lumOff val="15000"/>
+                  </a:schemeClr>
+                </a:solidFill>
+                <a:latin typeface="나눔스퀘어 ExtraBold" panose="020B0600000101010101" pitchFamily="50" charset="-127"/>
+                <a:ea typeface="나눔스퀘어 ExtraBold" panose="020B0600000101010101" pitchFamily="50" charset="-127"/>
+                <a:cs typeface="Arial" panose="020B0604020202020204" pitchFamily="34" charset="0"/>
+              </a:rPr>
+              <a:t>Now, I’ve set up a rough topic. And I want to analyze and experiment with the code and get real feel.</a:t>
+            </a:r>
+          </a:p>
+        </p:txBody>
+      </p:sp>
+      <p:sp>
+        <p:nvSpPr>
+          <p:cNvPr id="4" name="슬라이드 번호 개체 틀 3">
+            <a:extLst>
+              <a:ext uri="{FF2B5EF4-FFF2-40B4-BE49-F238E27FC236}">
+                <a16:creationId xmlns:a16="http://schemas.microsoft.com/office/drawing/2014/main" id="{4705CCFD-CA4E-4794-89D0-C3DF4603C893}"/>
+              </a:ext>
+            </a:extLst>
+          </p:cNvPr>
+          <p:cNvSpPr>
+            <a:spLocks noGrp="1"/>
+          </p:cNvSpPr>
+          <p:nvPr>
+            <p:ph type="sldNum" sz="quarter" idx="12"/>
+          </p:nvPr>
+        </p:nvSpPr>
+        <p:spPr/>
+        <p:txBody>
+          <a:bodyPr/>
+          <a:lstStyle/>
+          <a:p>
+            <a:fld id="{16A93642-25BD-4471-A422-0159119E9512}" type="slidenum">
+              <a:rPr lang="ko-KR" altLang="en-US" smtClean="0"/>
+              <a:pPr/>
+              <a:t>15</a:t>
+            </a:fld>
+            <a:endParaRPr lang="ko-KR" altLang="en-US" dirty="0"/>
+          </a:p>
+        </p:txBody>
+      </p:sp>
+    </p:spTree>
+    <p:extLst>
+      <p:ext uri="{BB962C8B-B14F-4D97-AF65-F5344CB8AC3E}">
+        <p14:creationId xmlns:p14="http://schemas.microsoft.com/office/powerpoint/2010/main" val="3177611758"/>
+      </p:ext>
+    </p:extLst>
+  </p:cSld>
+  <p:clrMapOvr>
+    <a:masterClrMapping/>
+  </p:clrMapOvr>
+</p:sld>
+</file>
+
+<file path=ppt/slides/slide16.xml><?xml version="1.0" encoding="utf-8"?>
+<p:sld xmlns:a="http://schemas.openxmlformats.org/drawingml/2006/main" xmlns:r="http://schemas.openxmlformats.org/officeDocument/2006/relationships" xmlns:p="http://schemas.openxmlformats.org/presentationml/2006/main">
+  <p:cSld>
+    <p:spTree>
+      <p:nvGrpSpPr>
+        <p:cNvPr id="1" name=""/>
+        <p:cNvGrpSpPr/>
+        <p:nvPr/>
+      </p:nvGrpSpPr>
+      <p:grpSpPr>
+        <a:xfrm>
+          <a:off x="0" y="0"/>
+          <a:ext cx="0" cy="0"/>
+          <a:chOff x="0" y="0"/>
+          <a:chExt cx="0" cy="0"/>
+        </a:xfrm>
+      </p:grpSpPr>
+      <p:sp>
+        <p:nvSpPr>
+          <p:cNvPr id="2" name="제목 1">
+            <a:extLst>
+              <a:ext uri="{FF2B5EF4-FFF2-40B4-BE49-F238E27FC236}">
+                <a16:creationId xmlns:a16="http://schemas.microsoft.com/office/drawing/2014/main" id="{95CB7AEF-6056-404F-8222-D7A0008FE999}"/>
+              </a:ext>
+            </a:extLst>
+          </p:cNvPr>
+          <p:cNvSpPr>
+            <a:spLocks noGrp="1"/>
+          </p:cNvSpPr>
+          <p:nvPr>
+            <p:ph type="title"/>
+          </p:nvPr>
+        </p:nvSpPr>
+        <p:spPr/>
+        <p:txBody>
+          <a:bodyPr>
+            <a:normAutofit/>
+          </a:bodyPr>
+          <a:lstStyle/>
+          <a:p>
+            <a:pPr marL="432000" indent="-432000">
+              <a:lnSpc>
+                <a:spcPct val="100000"/>
+              </a:lnSpc>
+              <a:buClr>
+                <a:srgbClr val="004F9E"/>
+              </a:buClr>
+              <a:buFont typeface="Wingdings" panose="05000000000000000000" pitchFamily="2" charset="2"/>
+              <a:buChar char="§"/>
+            </a:pPr>
+            <a:r>
+              <a:rPr lang="en-US" altLang="ko-KR" sz="3600" dirty="0">
+                <a:solidFill>
+                  <a:schemeClr val="tx1">
+                    <a:lumMod val="85000"/>
+                    <a:lumOff val="15000"/>
+                  </a:schemeClr>
+                </a:solidFill>
+                <a:latin typeface="나눔스퀘어 ExtraBold" panose="020B0600000101010101" pitchFamily="50" charset="-127"/>
+                <a:ea typeface="나눔스퀘어 ExtraBold" panose="020B0600000101010101" pitchFamily="50" charset="-127"/>
+                <a:cs typeface="Arial" panose="020B0604020202020204" pitchFamily="34" charset="0"/>
+              </a:rPr>
+              <a:t>Rehearsal(experience replay) based approach</a:t>
+            </a:r>
+          </a:p>
+        </p:txBody>
+      </p:sp>
+      <p:sp>
+        <p:nvSpPr>
+          <p:cNvPr id="3" name="내용 개체 틀 2">
+            <a:extLst>
+              <a:ext uri="{FF2B5EF4-FFF2-40B4-BE49-F238E27FC236}">
+                <a16:creationId xmlns:a16="http://schemas.microsoft.com/office/drawing/2014/main" id="{6F3C4966-F49A-47DB-93D9-018CD3BE693E}"/>
+              </a:ext>
+            </a:extLst>
+          </p:cNvPr>
+          <p:cNvSpPr>
+            <a:spLocks noGrp="1"/>
+          </p:cNvSpPr>
+          <p:nvPr>
+            <p:ph idx="1"/>
+          </p:nvPr>
+        </p:nvSpPr>
+        <p:spPr>
+          <a:xfrm>
+            <a:off x="990600" y="1690688"/>
+            <a:ext cx="10515600" cy="4351338"/>
+          </a:xfrm>
+        </p:spPr>
+        <p:txBody>
+          <a:bodyPr>
+            <a:normAutofit/>
+          </a:bodyPr>
+          <a:lstStyle/>
+          <a:p>
+            <a:pPr marL="432000" indent="-432000">
+              <a:lnSpc>
+                <a:spcPct val="100000"/>
+              </a:lnSpc>
+              <a:buClr>
+                <a:srgbClr val="004F9E"/>
+              </a:buClr>
+              <a:buFont typeface="Wingdings" panose="05000000000000000000" pitchFamily="2" charset="2"/>
+              <a:buChar char="§"/>
+            </a:pPr>
+            <a:r>
+              <a:rPr lang="en-US" altLang="ko-KR" sz="2000" dirty="0">
+                <a:solidFill>
+                  <a:schemeClr val="tx1">
+                    <a:lumMod val="85000"/>
+                    <a:lumOff val="15000"/>
+                  </a:schemeClr>
+                </a:solidFill>
+                <a:latin typeface="나눔스퀘어 ExtraBold" panose="020B0600000101010101" pitchFamily="50" charset="-127"/>
+                <a:ea typeface="나눔스퀘어 ExtraBold" panose="020B0600000101010101" pitchFamily="50" charset="-127"/>
+                <a:cs typeface="Arial" panose="020B0604020202020204" pitchFamily="34" charset="0"/>
+              </a:rPr>
+              <a:t>Lifelong Open-world node classification</a:t>
+            </a:r>
+          </a:p>
+          <a:p>
+            <a:pPr marL="889200" lvl="1" indent="-432000">
+              <a:lnSpc>
+                <a:spcPct val="100000"/>
+              </a:lnSpc>
+              <a:buClr>
+                <a:srgbClr val="004F9E"/>
+              </a:buClr>
+              <a:buFont typeface="Wingdings" panose="05000000000000000000" pitchFamily="2" charset="2"/>
+              <a:buChar char="§"/>
+            </a:pPr>
+            <a:r>
+              <a:rPr lang="en-US" altLang="ko-KR" sz="2000" dirty="0">
+                <a:solidFill>
+                  <a:schemeClr val="tx1">
+                    <a:lumMod val="85000"/>
+                    <a:lumOff val="15000"/>
+                  </a:schemeClr>
+                </a:solidFill>
+                <a:latin typeface="나눔스퀘어 ExtraBold" panose="020B0600000101010101" pitchFamily="50" charset="-127"/>
+                <a:ea typeface="나눔스퀘어 ExtraBold" panose="020B0600000101010101" pitchFamily="50" charset="-127"/>
+                <a:cs typeface="Arial" panose="020B0604020202020204" pitchFamily="34" charset="0"/>
+              </a:rPr>
+              <a:t>Used GNN model = </a:t>
+            </a:r>
+            <a:r>
+              <a:rPr lang="en-US" altLang="ko-KR" sz="2000" b="1" dirty="0">
+                <a:solidFill>
+                  <a:schemeClr val="tx1">
+                    <a:lumMod val="85000"/>
+                    <a:lumOff val="15000"/>
+                  </a:schemeClr>
+                </a:solidFill>
+                <a:latin typeface="나눔스퀘어 ExtraBold" panose="020B0600000101010101" pitchFamily="50" charset="-127"/>
+                <a:ea typeface="나눔스퀘어 ExtraBold" panose="020B0600000101010101" pitchFamily="50" charset="-127"/>
+                <a:cs typeface="Arial" panose="020B0604020202020204" pitchFamily="34" charset="0"/>
+              </a:rPr>
+              <a:t>GAT, </a:t>
+            </a:r>
+            <a:r>
+              <a:rPr lang="en-US" altLang="ko-KR" sz="2000" b="1" dirty="0" err="1">
+                <a:solidFill>
+                  <a:schemeClr val="tx1">
+                    <a:lumMod val="85000"/>
+                    <a:lumOff val="15000"/>
+                  </a:schemeClr>
+                </a:solidFill>
+                <a:latin typeface="나눔스퀘어 ExtraBold" panose="020B0600000101010101" pitchFamily="50" charset="-127"/>
+                <a:ea typeface="나눔스퀘어 ExtraBold" panose="020B0600000101010101" pitchFamily="50" charset="-127"/>
+                <a:cs typeface="Arial" panose="020B0604020202020204" pitchFamily="34" charset="0"/>
+              </a:rPr>
+              <a:t>GraphSAGE</a:t>
+            </a:r>
+            <a:r>
+              <a:rPr lang="en-US" altLang="ko-KR" sz="2000" b="1" dirty="0">
+                <a:solidFill>
+                  <a:schemeClr val="tx1">
+                    <a:lumMod val="85000"/>
+                    <a:lumOff val="15000"/>
+                  </a:schemeClr>
+                </a:solidFill>
+                <a:latin typeface="나눔스퀘어 ExtraBold" panose="020B0600000101010101" pitchFamily="50" charset="-127"/>
+                <a:ea typeface="나눔스퀘어 ExtraBold" panose="020B0600000101010101" pitchFamily="50" charset="-127"/>
+                <a:cs typeface="Arial" panose="020B0604020202020204" pitchFamily="34" charset="0"/>
+              </a:rPr>
+              <a:t>-Mean, GCN, </a:t>
+            </a:r>
+            <a:r>
+              <a:rPr lang="en-US" altLang="ko-KR" sz="2000" b="1" dirty="0" err="1">
+                <a:solidFill>
+                  <a:schemeClr val="tx1">
+                    <a:lumMod val="85000"/>
+                    <a:lumOff val="15000"/>
+                  </a:schemeClr>
+                </a:solidFill>
+                <a:latin typeface="나눔스퀘어 ExtraBold" panose="020B0600000101010101" pitchFamily="50" charset="-127"/>
+                <a:ea typeface="나눔스퀘어 ExtraBold" panose="020B0600000101010101" pitchFamily="50" charset="-127"/>
+                <a:cs typeface="Arial" panose="020B0604020202020204" pitchFamily="34" charset="0"/>
+              </a:rPr>
+              <a:t>GraphSAINT</a:t>
+            </a:r>
+            <a:r>
+              <a:rPr lang="en-US" altLang="ko-KR" sz="2000" b="1" dirty="0">
+                <a:solidFill>
+                  <a:schemeClr val="tx1">
+                    <a:lumMod val="85000"/>
+                    <a:lumOff val="15000"/>
+                  </a:schemeClr>
+                </a:solidFill>
+                <a:latin typeface="나눔스퀘어 ExtraBold" panose="020B0600000101010101" pitchFamily="50" charset="-127"/>
+                <a:ea typeface="나눔스퀘어 ExtraBold" panose="020B0600000101010101" pitchFamily="50" charset="-127"/>
+                <a:cs typeface="Arial" panose="020B0604020202020204" pitchFamily="34" charset="0"/>
+              </a:rPr>
+              <a:t>, </a:t>
+            </a:r>
+            <a:r>
+              <a:rPr lang="en-US" altLang="ko-KR" sz="2000" b="1" dirty="0" err="1">
+                <a:solidFill>
+                  <a:schemeClr val="tx1">
+                    <a:lumMod val="85000"/>
+                    <a:lumOff val="15000"/>
+                  </a:schemeClr>
+                </a:solidFill>
+                <a:latin typeface="나눔스퀘어 ExtraBold" panose="020B0600000101010101" pitchFamily="50" charset="-127"/>
+                <a:ea typeface="나눔스퀘어 ExtraBold" panose="020B0600000101010101" pitchFamily="50" charset="-127"/>
+                <a:cs typeface="Arial" panose="020B0604020202020204" pitchFamily="34" charset="0"/>
+              </a:rPr>
+              <a:t>JKNets</a:t>
+            </a:r>
+            <a:endParaRPr lang="en-US" altLang="ko-KR" sz="1800" b="1" dirty="0">
+              <a:solidFill>
+                <a:schemeClr val="tx1">
+                  <a:lumMod val="85000"/>
+                  <a:lumOff val="15000"/>
+                </a:schemeClr>
+              </a:solidFill>
+              <a:latin typeface="나눔스퀘어 ExtraBold" panose="020B0600000101010101" pitchFamily="50" charset="-127"/>
+              <a:ea typeface="나눔스퀘어 ExtraBold" panose="020B0600000101010101" pitchFamily="50" charset="-127"/>
+              <a:cs typeface="Arial" panose="020B0604020202020204" pitchFamily="34" charset="0"/>
+            </a:endParaRPr>
+          </a:p>
+          <a:p>
+            <a:pPr marL="889200" lvl="1" indent="-432000">
+              <a:lnSpc>
+                <a:spcPct val="100000"/>
+              </a:lnSpc>
+              <a:buClr>
+                <a:srgbClr val="004F9E"/>
+              </a:buClr>
+              <a:buFont typeface="Wingdings" panose="05000000000000000000" pitchFamily="2" charset="2"/>
+              <a:buChar char="§"/>
+            </a:pPr>
+            <a:r>
+              <a:rPr lang="en-US" altLang="ko-KR" sz="2000" dirty="0">
+                <a:solidFill>
+                  <a:schemeClr val="tx1">
+                    <a:lumMod val="85000"/>
+                    <a:lumOff val="15000"/>
+                  </a:schemeClr>
+                </a:solidFill>
+                <a:latin typeface="나눔스퀘어 ExtraBold" panose="020B0600000101010101" pitchFamily="50" charset="-127"/>
+                <a:ea typeface="나눔스퀘어 ExtraBold" panose="020B0600000101010101" pitchFamily="50" charset="-127"/>
+                <a:cs typeface="Arial" panose="020B0604020202020204" pitchFamily="34" charset="0"/>
+              </a:rPr>
+              <a:t>A model faces a sequence of tasks and may take over knowledge acquired in past tasks</a:t>
+            </a:r>
+          </a:p>
+          <a:p>
+            <a:pPr marL="889200" lvl="1" indent="-432000">
+              <a:lnSpc>
+                <a:spcPct val="100000"/>
+              </a:lnSpc>
+              <a:buClr>
+                <a:srgbClr val="004F9E"/>
+              </a:buClr>
+              <a:buFont typeface="Wingdings" panose="05000000000000000000" pitchFamily="2" charset="2"/>
+              <a:buChar char="§"/>
+            </a:pPr>
+            <a:r>
+              <a:rPr lang="en-US" altLang="ko-KR" sz="2000" dirty="0">
+                <a:solidFill>
+                  <a:schemeClr val="tx1">
+                    <a:lumMod val="85000"/>
+                    <a:lumOff val="15000"/>
+                  </a:schemeClr>
+                </a:solidFill>
+                <a:latin typeface="나눔스퀘어 ExtraBold" panose="020B0600000101010101" pitchFamily="50" charset="-127"/>
+                <a:ea typeface="나눔스퀘어 ExtraBold" panose="020B0600000101010101" pitchFamily="50" charset="-127"/>
+                <a:cs typeface="Arial" panose="020B0604020202020204" pitchFamily="34" charset="0"/>
+              </a:rPr>
+              <a:t>Such </a:t>
+            </a:r>
+            <a:r>
+              <a:rPr lang="en-US" altLang="ko-KR" sz="2000" b="1" dirty="0">
+                <a:solidFill>
+                  <a:schemeClr val="tx1">
+                    <a:lumMod val="85000"/>
+                    <a:lumOff val="15000"/>
+                  </a:schemeClr>
+                </a:solidFill>
+                <a:latin typeface="나눔스퀘어 ExtraBold" panose="020B0600000101010101" pitchFamily="50" charset="-127"/>
+                <a:ea typeface="나눔스퀘어 ExtraBold" panose="020B0600000101010101" pitchFamily="50" charset="-127"/>
+                <a:cs typeface="Arial" panose="020B0604020202020204" pitchFamily="34" charset="0"/>
+              </a:rPr>
+              <a:t>knowledge may be stored explicitly as historic data or implicitly within model parameters</a:t>
+            </a:r>
+          </a:p>
+          <a:p>
+            <a:pPr marL="889200" lvl="1" indent="-432000">
+              <a:lnSpc>
+                <a:spcPct val="100000"/>
+              </a:lnSpc>
+              <a:buClr>
+                <a:srgbClr val="004F9E"/>
+              </a:buClr>
+              <a:buFont typeface="Wingdings" panose="05000000000000000000" pitchFamily="2" charset="2"/>
+              <a:buChar char="§"/>
+            </a:pPr>
+            <a:r>
+              <a:rPr lang="en-US" altLang="ko-KR" sz="2000" dirty="0">
+                <a:solidFill>
+                  <a:schemeClr val="tx1">
+                    <a:lumMod val="85000"/>
+                    <a:lumOff val="15000"/>
+                  </a:schemeClr>
+                </a:solidFill>
+                <a:latin typeface="나눔스퀘어 ExtraBold" panose="020B0600000101010101" pitchFamily="50" charset="-127"/>
+                <a:ea typeface="나눔스퀘어 ExtraBold" panose="020B0600000101010101" pitchFamily="50" charset="-127"/>
+                <a:cs typeface="Arial" panose="020B0604020202020204" pitchFamily="34" charset="0"/>
+              </a:rPr>
+              <a:t>introduce a new measure based on </a:t>
+            </a:r>
+            <a:r>
+              <a:rPr lang="en-US" altLang="ko-KR" sz="2000" b="1" dirty="0">
+                <a:solidFill>
+                  <a:schemeClr val="tx1">
+                    <a:lumMod val="85000"/>
+                    <a:lumOff val="15000"/>
+                  </a:schemeClr>
+                </a:solidFill>
+                <a:latin typeface="나눔스퀘어 ExtraBold" panose="020B0600000101010101" pitchFamily="50" charset="-127"/>
+                <a:ea typeface="나눔스퀘어 ExtraBold" panose="020B0600000101010101" pitchFamily="50" charset="-127"/>
+                <a:cs typeface="Arial" panose="020B0604020202020204" pitchFamily="34" charset="0"/>
+              </a:rPr>
+              <a:t>k-neighborhood time differences </a:t>
+            </a:r>
+            <a:r>
+              <a:rPr lang="en-US" altLang="ko-KR" sz="2000" dirty="0">
+                <a:solidFill>
+                  <a:schemeClr val="tx1">
+                    <a:lumMod val="85000"/>
+                    <a:lumOff val="15000"/>
+                  </a:schemeClr>
+                </a:solidFill>
+                <a:latin typeface="나눔스퀘어 ExtraBold" panose="020B0600000101010101" pitchFamily="50" charset="-127"/>
+                <a:ea typeface="나눔스퀘어 ExtraBold" panose="020B0600000101010101" pitchFamily="50" charset="-127"/>
+                <a:cs typeface="Arial" panose="020B0604020202020204" pitchFamily="34" charset="0"/>
+              </a:rPr>
+              <a:t>to address variances in the historic data</a:t>
+            </a:r>
+          </a:p>
+        </p:txBody>
+      </p:sp>
+      <p:sp>
+        <p:nvSpPr>
+          <p:cNvPr id="4" name="슬라이드 번호 개체 틀 3">
+            <a:extLst>
+              <a:ext uri="{FF2B5EF4-FFF2-40B4-BE49-F238E27FC236}">
+                <a16:creationId xmlns:a16="http://schemas.microsoft.com/office/drawing/2014/main" id="{4705CCFD-CA4E-4794-89D0-C3DF4603C893}"/>
+              </a:ext>
+            </a:extLst>
+          </p:cNvPr>
+          <p:cNvSpPr>
+            <a:spLocks noGrp="1"/>
+          </p:cNvSpPr>
+          <p:nvPr>
+            <p:ph type="sldNum" sz="quarter" idx="12"/>
+          </p:nvPr>
+        </p:nvSpPr>
+        <p:spPr/>
+        <p:txBody>
+          <a:bodyPr/>
+          <a:lstStyle/>
+          <a:p>
+            <a:fld id="{16A93642-25BD-4471-A422-0159119E9512}" type="slidenum">
+              <a:rPr lang="ko-KR" altLang="en-US" smtClean="0"/>
+              <a:pPr/>
+              <a:t>16</a:t>
+            </a:fld>
+            <a:endParaRPr lang="ko-KR" altLang="en-US" dirty="0"/>
+          </a:p>
+        </p:txBody>
+      </p:sp>
+    </p:spTree>
+    <p:extLst>
+      <p:ext uri="{BB962C8B-B14F-4D97-AF65-F5344CB8AC3E}">
+        <p14:creationId xmlns:p14="http://schemas.microsoft.com/office/powerpoint/2010/main" val="3086927590"/>
+      </p:ext>
+    </p:extLst>
+  </p:cSld>
+  <p:clrMapOvr>
+    <a:masterClrMapping/>
+  </p:clrMapOvr>
+</p:sld>
+</file>
+
+<file path=ppt/slides/slide17.xml><?xml version="1.0" encoding="utf-8"?>
+<p:sld xmlns:a="http://schemas.openxmlformats.org/drawingml/2006/main" xmlns:r="http://schemas.openxmlformats.org/officeDocument/2006/relationships" xmlns:p="http://schemas.openxmlformats.org/presentationml/2006/main">
+  <p:cSld>
+    <p:spTree>
+      <p:nvGrpSpPr>
+        <p:cNvPr id="1" name=""/>
+        <p:cNvGrpSpPr/>
+        <p:nvPr/>
+      </p:nvGrpSpPr>
+      <p:grpSpPr>
+        <a:xfrm>
+          <a:off x="0" y="0"/>
+          <a:ext cx="0" cy="0"/>
+          <a:chOff x="0" y="0"/>
+          <a:chExt cx="0" cy="0"/>
+        </a:xfrm>
+      </p:grpSpPr>
+      <p:sp>
+        <p:nvSpPr>
+          <p:cNvPr id="2" name="제목 1">
+            <a:extLst>
+              <a:ext uri="{FF2B5EF4-FFF2-40B4-BE49-F238E27FC236}">
+                <a16:creationId xmlns:a16="http://schemas.microsoft.com/office/drawing/2014/main" id="{95CB7AEF-6056-404F-8222-D7A0008FE999}"/>
+              </a:ext>
+            </a:extLst>
+          </p:cNvPr>
+          <p:cNvSpPr>
+            <a:spLocks noGrp="1"/>
+          </p:cNvSpPr>
+          <p:nvPr>
+            <p:ph type="title"/>
+          </p:nvPr>
+        </p:nvSpPr>
+        <p:spPr/>
+        <p:txBody>
+          <a:bodyPr>
+            <a:normAutofit/>
+          </a:bodyPr>
+          <a:lstStyle/>
+          <a:p>
+            <a:pPr marL="432000" indent="-432000">
+              <a:lnSpc>
+                <a:spcPct val="100000"/>
+              </a:lnSpc>
+              <a:buClr>
+                <a:srgbClr val="004F9E"/>
+              </a:buClr>
+              <a:buFont typeface="Wingdings" panose="05000000000000000000" pitchFamily="2" charset="2"/>
+              <a:buChar char="§"/>
+            </a:pPr>
+            <a:r>
+              <a:rPr lang="en-US" altLang="ko-KR" sz="3600" dirty="0">
+                <a:solidFill>
+                  <a:schemeClr val="tx1">
+                    <a:lumMod val="85000"/>
+                    <a:lumOff val="15000"/>
+                  </a:schemeClr>
+                </a:solidFill>
+                <a:latin typeface="나눔스퀘어 ExtraBold" panose="020B0600000101010101" pitchFamily="50" charset="-127"/>
+                <a:ea typeface="나눔스퀘어 ExtraBold" panose="020B0600000101010101" pitchFamily="50" charset="-127"/>
+                <a:cs typeface="Arial" panose="020B0604020202020204" pitchFamily="34" charset="0"/>
+              </a:rPr>
+              <a:t>Rehearsal(experience replay) based approach</a:t>
+            </a:r>
+          </a:p>
+        </p:txBody>
+      </p:sp>
+      <p:sp>
+        <p:nvSpPr>
+          <p:cNvPr id="3" name="내용 개체 틀 2">
+            <a:extLst>
+              <a:ext uri="{FF2B5EF4-FFF2-40B4-BE49-F238E27FC236}">
+                <a16:creationId xmlns:a16="http://schemas.microsoft.com/office/drawing/2014/main" id="{6F3C4966-F49A-47DB-93D9-018CD3BE693E}"/>
+              </a:ext>
+            </a:extLst>
+          </p:cNvPr>
+          <p:cNvSpPr>
+            <a:spLocks noGrp="1"/>
+          </p:cNvSpPr>
+          <p:nvPr>
+            <p:ph idx="1"/>
+          </p:nvPr>
+        </p:nvSpPr>
+        <p:spPr>
+          <a:xfrm>
+            <a:off x="990600" y="1690688"/>
+            <a:ext cx="10515600" cy="4351338"/>
+          </a:xfrm>
+        </p:spPr>
+        <p:txBody>
+          <a:bodyPr>
+            <a:normAutofit/>
+          </a:bodyPr>
+          <a:lstStyle/>
+          <a:p>
+            <a:pPr marL="432000" indent="-432000">
+              <a:lnSpc>
+                <a:spcPct val="100000"/>
+              </a:lnSpc>
+              <a:buClr>
+                <a:srgbClr val="004F9E"/>
+              </a:buClr>
+              <a:buFont typeface="Wingdings" panose="05000000000000000000" pitchFamily="2" charset="2"/>
+              <a:buChar char="§"/>
+            </a:pPr>
+            <a:r>
+              <a:rPr lang="en-US" altLang="ko-KR" sz="2000" dirty="0">
+                <a:solidFill>
+                  <a:schemeClr val="tx1">
+                    <a:lumMod val="85000"/>
+                    <a:lumOff val="15000"/>
+                  </a:schemeClr>
+                </a:solidFill>
+                <a:latin typeface="나눔스퀘어 ExtraBold" panose="020B0600000101010101" pitchFamily="50" charset="-127"/>
+                <a:ea typeface="나눔스퀘어 ExtraBold" panose="020B0600000101010101" pitchFamily="50" charset="-127"/>
+                <a:cs typeface="Arial" panose="020B0604020202020204" pitchFamily="34" charset="0"/>
+              </a:rPr>
+              <a:t>ER-GNN (Experience Replay GNN Framework)</a:t>
+            </a:r>
+          </a:p>
+          <a:p>
+            <a:pPr marL="889200" lvl="1" indent="-432000">
+              <a:lnSpc>
+                <a:spcPct val="100000"/>
+              </a:lnSpc>
+              <a:buClr>
+                <a:srgbClr val="004F9E"/>
+              </a:buClr>
+              <a:buFont typeface="Wingdings" panose="05000000000000000000" pitchFamily="2" charset="2"/>
+              <a:buChar char="§"/>
+            </a:pPr>
+            <a:r>
+              <a:rPr lang="en-US" altLang="ko-KR" sz="2000" dirty="0">
+                <a:solidFill>
+                  <a:schemeClr val="tx1">
+                    <a:lumMod val="85000"/>
+                    <a:lumOff val="15000"/>
+                  </a:schemeClr>
+                </a:solidFill>
+                <a:latin typeface="나눔스퀘어 ExtraBold" panose="020B0600000101010101" pitchFamily="50" charset="-127"/>
+                <a:ea typeface="나눔스퀘어 ExtraBold" panose="020B0600000101010101" pitchFamily="50" charset="-127"/>
+                <a:cs typeface="Arial" panose="020B0604020202020204" pitchFamily="34" charset="0"/>
+              </a:rPr>
+              <a:t>Used GNN model = </a:t>
+            </a:r>
+            <a:r>
+              <a:rPr lang="en-US" altLang="ko-KR" sz="2000" b="1" dirty="0">
+                <a:solidFill>
+                  <a:schemeClr val="tx1">
+                    <a:lumMod val="85000"/>
+                    <a:lumOff val="15000"/>
+                  </a:schemeClr>
+                </a:solidFill>
+                <a:latin typeface="나눔스퀘어 ExtraBold" panose="020B0600000101010101" pitchFamily="50" charset="-127"/>
+                <a:ea typeface="나눔스퀘어 ExtraBold" panose="020B0600000101010101" pitchFamily="50" charset="-127"/>
+                <a:cs typeface="Arial" panose="020B0604020202020204" pitchFamily="34" charset="0"/>
+              </a:rPr>
+              <a:t>GAT</a:t>
+            </a:r>
+          </a:p>
+          <a:p>
+            <a:pPr marL="889200" lvl="1" indent="-432000">
+              <a:lnSpc>
+                <a:spcPct val="100000"/>
+              </a:lnSpc>
+              <a:buClr>
+                <a:srgbClr val="004F9E"/>
+              </a:buClr>
+              <a:buFont typeface="Wingdings" panose="05000000000000000000" pitchFamily="2" charset="2"/>
+              <a:buChar char="§"/>
+            </a:pPr>
+            <a:r>
+              <a:rPr lang="en-US" altLang="ko-KR" sz="2000" dirty="0">
+                <a:solidFill>
+                  <a:schemeClr val="tx1">
+                    <a:lumMod val="85000"/>
+                    <a:lumOff val="15000"/>
+                  </a:schemeClr>
+                </a:solidFill>
+                <a:latin typeface="나눔스퀘어 ExtraBold" panose="020B0600000101010101" pitchFamily="50" charset="-127"/>
+                <a:ea typeface="나눔스퀘어 ExtraBold" panose="020B0600000101010101" pitchFamily="50" charset="-127"/>
+                <a:cs typeface="Arial" panose="020B0604020202020204" pitchFamily="34" charset="0"/>
+              </a:rPr>
+              <a:t>ER-GNN stores knowledge from previous tasks as experiences and replays them when learning new tasks to mitigate the catastrophic forgetting issue</a:t>
+            </a:r>
+          </a:p>
+          <a:p>
+            <a:pPr marL="889200" lvl="1" indent="-432000">
+              <a:lnSpc>
+                <a:spcPct val="100000"/>
+              </a:lnSpc>
+              <a:buClr>
+                <a:srgbClr val="004F9E"/>
+              </a:buClr>
+              <a:buFont typeface="Wingdings" panose="05000000000000000000" pitchFamily="2" charset="2"/>
+              <a:buChar char="§"/>
+            </a:pPr>
+            <a:r>
+              <a:rPr lang="en-US" altLang="ko-KR" sz="2000" dirty="0">
+                <a:solidFill>
+                  <a:schemeClr val="tx1">
+                    <a:lumMod val="85000"/>
+                    <a:lumOff val="15000"/>
+                  </a:schemeClr>
+                </a:solidFill>
+                <a:latin typeface="나눔스퀘어 ExtraBold" panose="020B0600000101010101" pitchFamily="50" charset="-127"/>
+                <a:ea typeface="나눔스퀘어 ExtraBold" panose="020B0600000101010101" pitchFamily="50" charset="-127"/>
+                <a:cs typeface="Arial" panose="020B0604020202020204" pitchFamily="34" charset="0"/>
+              </a:rPr>
+              <a:t>three experience node selection strategies: </a:t>
+            </a:r>
+            <a:r>
+              <a:rPr lang="en-US" altLang="ko-KR" sz="2000" b="1" dirty="0">
+                <a:solidFill>
+                  <a:schemeClr val="tx1">
+                    <a:lumMod val="85000"/>
+                    <a:lumOff val="15000"/>
+                  </a:schemeClr>
+                </a:solidFill>
+                <a:latin typeface="나눔스퀘어 ExtraBold" panose="020B0600000101010101" pitchFamily="50" charset="-127"/>
+                <a:ea typeface="나눔스퀘어 ExtraBold" panose="020B0600000101010101" pitchFamily="50" charset="-127"/>
+                <a:cs typeface="Arial" panose="020B0604020202020204" pitchFamily="34" charset="0"/>
+              </a:rPr>
+              <a:t>mean of feature</a:t>
+            </a:r>
+            <a:r>
+              <a:rPr lang="en-US" altLang="ko-KR" sz="2000" dirty="0">
+                <a:solidFill>
+                  <a:schemeClr val="tx1">
+                    <a:lumMod val="85000"/>
+                    <a:lumOff val="15000"/>
+                  </a:schemeClr>
+                </a:solidFill>
+                <a:latin typeface="나눔스퀘어 ExtraBold" panose="020B0600000101010101" pitchFamily="50" charset="-127"/>
+                <a:ea typeface="나눔스퀘어 ExtraBold" panose="020B0600000101010101" pitchFamily="50" charset="-127"/>
+                <a:cs typeface="Arial" panose="020B0604020202020204" pitchFamily="34" charset="0"/>
+              </a:rPr>
+              <a:t>, </a:t>
+            </a:r>
+            <a:r>
+              <a:rPr lang="en-US" altLang="ko-KR" sz="2000" b="1" dirty="0">
+                <a:solidFill>
+                  <a:schemeClr val="tx1">
+                    <a:lumMod val="85000"/>
+                    <a:lumOff val="15000"/>
+                  </a:schemeClr>
+                </a:solidFill>
+                <a:latin typeface="나눔스퀘어 ExtraBold" panose="020B0600000101010101" pitchFamily="50" charset="-127"/>
+                <a:ea typeface="나눔스퀘어 ExtraBold" panose="020B0600000101010101" pitchFamily="50" charset="-127"/>
+                <a:cs typeface="Arial" panose="020B0604020202020204" pitchFamily="34" charset="0"/>
+              </a:rPr>
+              <a:t>coverage maximization</a:t>
+            </a:r>
+            <a:r>
+              <a:rPr lang="en-US" altLang="ko-KR" sz="2000" dirty="0">
+                <a:solidFill>
+                  <a:schemeClr val="tx1">
+                    <a:lumMod val="85000"/>
+                    <a:lumOff val="15000"/>
+                  </a:schemeClr>
+                </a:solidFill>
+                <a:latin typeface="나눔스퀘어 ExtraBold" panose="020B0600000101010101" pitchFamily="50" charset="-127"/>
+                <a:ea typeface="나눔스퀘어 ExtraBold" panose="020B0600000101010101" pitchFamily="50" charset="-127"/>
+                <a:cs typeface="Arial" panose="020B0604020202020204" pitchFamily="34" charset="0"/>
+              </a:rPr>
+              <a:t>, and </a:t>
+            </a:r>
+            <a:r>
+              <a:rPr lang="en-US" altLang="ko-KR" sz="2000" b="1" dirty="0">
+                <a:solidFill>
+                  <a:schemeClr val="tx1">
+                    <a:lumMod val="85000"/>
+                    <a:lumOff val="15000"/>
+                  </a:schemeClr>
+                </a:solidFill>
+                <a:latin typeface="나눔스퀘어 ExtraBold" panose="020B0600000101010101" pitchFamily="50" charset="-127"/>
+                <a:ea typeface="나눔스퀘어 ExtraBold" panose="020B0600000101010101" pitchFamily="50" charset="-127"/>
+                <a:cs typeface="Arial" panose="020B0604020202020204" pitchFamily="34" charset="0"/>
+              </a:rPr>
+              <a:t>influence maximization</a:t>
+            </a:r>
+            <a:r>
+              <a:rPr lang="en-US" altLang="ko-KR" sz="2000" dirty="0">
+                <a:solidFill>
+                  <a:schemeClr val="tx1">
+                    <a:lumMod val="85000"/>
+                    <a:lumOff val="15000"/>
+                  </a:schemeClr>
+                </a:solidFill>
+                <a:latin typeface="나눔스퀘어 ExtraBold" panose="020B0600000101010101" pitchFamily="50" charset="-127"/>
+                <a:ea typeface="나눔스퀘어 ExtraBold" panose="020B0600000101010101" pitchFamily="50" charset="-127"/>
+                <a:cs typeface="Arial" panose="020B0604020202020204" pitchFamily="34" charset="0"/>
+              </a:rPr>
+              <a:t>, to guide the process of selecting experience nodes</a:t>
+            </a:r>
+          </a:p>
+        </p:txBody>
+      </p:sp>
+      <p:sp>
+        <p:nvSpPr>
+          <p:cNvPr id="4" name="슬라이드 번호 개체 틀 3">
+            <a:extLst>
+              <a:ext uri="{FF2B5EF4-FFF2-40B4-BE49-F238E27FC236}">
+                <a16:creationId xmlns:a16="http://schemas.microsoft.com/office/drawing/2014/main" id="{4705CCFD-CA4E-4794-89D0-C3DF4603C893}"/>
+              </a:ext>
+            </a:extLst>
+          </p:cNvPr>
+          <p:cNvSpPr>
+            <a:spLocks noGrp="1"/>
+          </p:cNvSpPr>
+          <p:nvPr>
+            <p:ph type="sldNum" sz="quarter" idx="12"/>
+          </p:nvPr>
+        </p:nvSpPr>
+        <p:spPr/>
+        <p:txBody>
+          <a:bodyPr/>
+          <a:lstStyle/>
+          <a:p>
+            <a:fld id="{16A93642-25BD-4471-A422-0159119E9512}" type="slidenum">
+              <a:rPr lang="ko-KR" altLang="en-US" smtClean="0"/>
+              <a:pPr/>
+              <a:t>17</a:t>
+            </a:fld>
+            <a:endParaRPr lang="ko-KR" altLang="en-US" dirty="0"/>
+          </a:p>
+        </p:txBody>
+      </p:sp>
+    </p:spTree>
+    <p:extLst>
+      <p:ext uri="{BB962C8B-B14F-4D97-AF65-F5344CB8AC3E}">
+        <p14:creationId xmlns:p14="http://schemas.microsoft.com/office/powerpoint/2010/main" val="3817165178"/>
+      </p:ext>
+    </p:extLst>
+  </p:cSld>
+  <p:clrMapOvr>
+    <a:masterClrMapping/>
+  </p:clrMapOvr>
+</p:sld>
+</file>
+
 <file path=ppt/slides/slide2.xml><?xml version="1.0" encoding="utf-8"?>
 <p:sld xmlns:a="http://schemas.openxmlformats.org/drawingml/2006/main" xmlns:r="http://schemas.openxmlformats.org/officeDocument/2006/relationships" xmlns:p="http://schemas.openxmlformats.org/presentationml/2006/main">
   <p:cSld>
@@ -9478,6 +10987,32 @@
                 <a:cs typeface="Arial" panose="020B0604020202020204" pitchFamily="34" charset="0"/>
               </a:rPr>
               <a:t>Ideas</a:t>
+            </a:r>
+          </a:p>
+          <a:p>
+            <a:pPr marL="432000" indent="-432000">
+              <a:lnSpc>
+                <a:spcPct val="100000"/>
+              </a:lnSpc>
+              <a:buClr>
+                <a:srgbClr val="004F9E"/>
+              </a:buClr>
+              <a:buFont typeface="Wingdings" panose="05000000000000000000" pitchFamily="2" charset="2"/>
+              <a:buChar char="§"/>
+            </a:pPr>
+            <a:r>
+              <a:rPr lang="en-US" altLang="ko-KR" sz="2000" dirty="0">
+                <a:solidFill>
+                  <a:schemeClr val="tx1">
+                    <a:lumMod val="85000"/>
+                    <a:lumOff val="15000"/>
+                  </a:schemeClr>
+                </a:solidFill>
+                <a:latin typeface="나눔스퀘어 ExtraBold" panose="020B0600000101010101" pitchFamily="50" charset="-127"/>
+                <a:ea typeface="나눔스퀘어 ExtraBold" panose="020B0600000101010101" pitchFamily="50" charset="-127"/>
+                <a:cs typeface="Arial" panose="020B0604020202020204" pitchFamily="34" charset="0"/>
+              </a:rPr>
+              <a:t>Conclusion</a:t>
             </a:r>
           </a:p>
         </p:txBody>
@@ -10113,6 +11648,36 @@
           </a:p>
         </p:txBody>
       </p:sp>
+      <p:pic>
+        <p:nvPicPr>
+          <p:cNvPr id="5" name="그림 4">
+            <a:extLst>
+              <a:ext uri="{FF2B5EF4-FFF2-40B4-BE49-F238E27FC236}">
+                <a16:creationId xmlns:a16="http://schemas.microsoft.com/office/drawing/2014/main" id="{5EE57FFD-B543-74A6-A396-F6EB445E58CB}"/>
+              </a:ext>
+            </a:extLst>
+          </p:cNvPr>
+          <p:cNvPicPr>
+            <a:picLocks noChangeAspect="1"/>
+          </p:cNvPicPr>
+          <p:nvPr/>
+        </p:nvPicPr>
+        <p:blipFill>
+          <a:blip r:embed="rId3"/>
+          <a:stretch>
+            <a:fillRect/>
+          </a:stretch>
+        </p:blipFill>
+        <p:spPr>
+          <a:xfrm>
+            <a:off x="2743200" y="3497754"/>
+            <a:ext cx="6705600" cy="1669558"/>
+          </a:xfrm>
+          <a:prstGeom prst="rect">
+            <a:avLst/>
+          </a:prstGeom>
+        </p:spPr>
+      </p:pic>
     </p:spTree>
     <p:extLst>
       <p:ext uri="{BB962C8B-B14F-4D97-AF65-F5344CB8AC3E}">
@@ -10322,7 +11887,7 @@
                 <a:ea typeface="나눔스퀘어 ExtraBold" panose="020B0600000101010101" pitchFamily="50" charset="-127"/>
                 <a:cs typeface="Arial" panose="020B0604020202020204" pitchFamily="34" charset="0"/>
               </a:rPr>
-              <a:t> → IGC, CED</a:t>
+              <a:t>→ IGC, CED</a:t>
             </a:r>
           </a:p>
           <a:p>
@@ -10406,6 +11971,36 @@
           </a:p>
         </p:txBody>
       </p:sp>
+      <p:pic>
+        <p:nvPicPr>
+          <p:cNvPr id="6" name="그림 5">
+            <a:extLst>
+              <a:ext uri="{FF2B5EF4-FFF2-40B4-BE49-F238E27FC236}">
+                <a16:creationId xmlns:a16="http://schemas.microsoft.com/office/drawing/2014/main" id="{808AFE07-3CED-CB99-44CD-D94CF78DF82C}"/>
+              </a:ext>
+            </a:extLst>
+          </p:cNvPr>
+          <p:cNvPicPr>
+            <a:picLocks noChangeAspect="1"/>
+          </p:cNvPicPr>
+          <p:nvPr/>
+        </p:nvPicPr>
+        <p:blipFill>
+          <a:blip r:embed="rId3"/>
+          <a:stretch>
+            <a:fillRect/>
+          </a:stretch>
+        </p:blipFill>
+        <p:spPr>
+          <a:xfrm>
+            <a:off x="4321803" y="3429000"/>
+            <a:ext cx="3548393" cy="3205691"/>
+          </a:xfrm>
+          <a:prstGeom prst="rect">
+            <a:avLst/>
+          </a:prstGeom>
+        </p:spPr>
+      </p:pic>
     </p:spTree>
     <p:extLst>
       <p:ext uri="{BB962C8B-B14F-4D97-AF65-F5344CB8AC3E}">
@@ -10452,7 +12047,12 @@
             <p:ph type="title"/>
           </p:nvPr>
         </p:nvSpPr>
-        <p:spPr/>
+        <p:spPr>
+          <a:xfrm>
+            <a:off x="1041400" y="153385"/>
+            <a:ext cx="10515600" cy="1325563"/>
+          </a:xfrm>
+        </p:spPr>
         <p:txBody>
           <a:bodyPr>
             <a:normAutofit/>
@@ -11334,7 +12934,7 @@
                 <a:ea typeface="나눔스퀘어 ExtraBold" panose="020B0600000101010101" pitchFamily="50" charset="-127"/>
                 <a:cs typeface="Arial" panose="020B0604020202020204" pitchFamily="34" charset="0"/>
               </a:rPr>
-              <a:t>Rehearsal(experience replay) based approach</a:t>
+              <a:t>Regularization based approach</a:t>
             </a:r>
           </a:p>
         </p:txBody>
@@ -11389,20 +12989,22 @@
                 <a:ea typeface="나눔스퀘어 ExtraBold" panose="020B0600000101010101" pitchFamily="50" charset="-127"/>
                 <a:cs typeface="Arial" panose="020B0604020202020204" pitchFamily="34" charset="0"/>
               </a:rPr>
-              <a:t>Lifelong Open-world node classification</a:t>
-            </a:r>
-          </a:p>
-          <a:p>
-            <a:pPr marL="889200" lvl="1" indent="-432000">
-              <a:lnSpc>
-                <a:spcPct val="100000"/>
-              </a:lnSpc>
-              <a:buClr>
-                <a:srgbClr val="004F9E"/>
-              </a:buClr>
-              <a:buFont typeface="Wingdings" panose="05000000000000000000" pitchFamily="2" charset="2"/>
-              <a:buChar char="§"/>
-            </a:pPr>
+              <a:t>This approach implements a single model and has a fixed capacity by leveraging the loss function </a:t>
+            </a:r>
+            <a:r>
+              <a:rPr lang="en-US" altLang="ko-KR" sz="2000" b="1" dirty="0">
+                <a:solidFill>
+                  <a:schemeClr val="tx1">
+                    <a:lumMod val="85000"/>
+                    <a:lumOff val="15000"/>
+                  </a:schemeClr>
+                </a:solidFill>
+                <a:latin typeface="나눔스퀘어 ExtraBold" panose="020B0600000101010101" pitchFamily="50" charset="-127"/>
+                <a:ea typeface="나눔스퀘어 ExtraBold" panose="020B0600000101010101" pitchFamily="50" charset="-127"/>
+                <a:cs typeface="Arial" panose="020B0604020202020204" pitchFamily="34" charset="0"/>
+              </a:rPr>
+              <a:t>using the loss term </a:t>
+            </a:r>
             <a:r>
               <a:rPr lang="en-US" altLang="ko-KR" sz="2000" dirty="0">
                 <a:solidFill>
@@ -11415,7 +13017,7 @@
                 <a:ea typeface="나눔스퀘어 ExtraBold" panose="020B0600000101010101" pitchFamily="50" charset="-127"/>
                 <a:cs typeface="Arial" panose="020B0604020202020204" pitchFamily="34" charset="0"/>
               </a:rPr>
-              <a:t>Used GNN model = </a:t>
+              <a:t>to help consolidate knowledge in the learning process for new tasks and </a:t>
             </a:r>
             <a:r>
               <a:rPr lang="en-US" altLang="ko-KR" sz="2000" b="1" dirty="0">
@@ -11429,194 +13031,7 @@
                 <a:ea typeface="나눔스퀘어 ExtraBold" panose="020B0600000101010101" pitchFamily="50" charset="-127"/>
                 <a:cs typeface="Arial" panose="020B0604020202020204" pitchFamily="34" charset="0"/>
               </a:rPr>
-              <a:t>GAT, </a:t>
-            </a:r>
-            <a:r>
-              <a:rPr lang="en-US" altLang="ko-KR" sz="2000" b="1" dirty="0" err="1">
-                <a:solidFill>
-                  <a:schemeClr val="tx1">
-                    <a:lumMod val="85000"/>
-                    <a:lumOff val="15000"/>
-                  </a:schemeClr>
-                </a:solidFill>
-                <a:latin typeface="나눔스퀘어 ExtraBold" panose="020B0600000101010101" pitchFamily="50" charset="-127"/>
-                <a:ea typeface="나눔스퀘어 ExtraBold" panose="020B0600000101010101" pitchFamily="50" charset="-127"/>
-                <a:cs typeface="Arial" panose="020B0604020202020204" pitchFamily="34" charset="0"/>
-              </a:rPr>
-              <a:t>GraphSAGE</a:t>
-            </a:r>
-            <a:r>
-              <a:rPr lang="en-US" altLang="ko-KR" sz="2000" b="1" dirty="0">
-                <a:solidFill>
-                  <a:schemeClr val="tx1">
-                    <a:lumMod val="85000"/>
-                    <a:lumOff val="15000"/>
-                  </a:schemeClr>
-                </a:solidFill>
-                <a:latin typeface="나눔스퀘어 ExtraBold" panose="020B0600000101010101" pitchFamily="50" charset="-127"/>
-                <a:ea typeface="나눔스퀘어 ExtraBold" panose="020B0600000101010101" pitchFamily="50" charset="-127"/>
-                <a:cs typeface="Arial" panose="020B0604020202020204" pitchFamily="34" charset="0"/>
-              </a:rPr>
-              <a:t>-Mean, GCN, </a:t>
-            </a:r>
-            <a:r>
-              <a:rPr lang="en-US" altLang="ko-KR" sz="2000" b="1" dirty="0" err="1">
-                <a:solidFill>
-                  <a:schemeClr val="tx1">
-                    <a:lumMod val="85000"/>
-                    <a:lumOff val="15000"/>
-                  </a:schemeClr>
-                </a:solidFill>
-                <a:latin typeface="나눔스퀘어 ExtraBold" panose="020B0600000101010101" pitchFamily="50" charset="-127"/>
-                <a:ea typeface="나눔스퀘어 ExtraBold" panose="020B0600000101010101" pitchFamily="50" charset="-127"/>
-                <a:cs typeface="Arial" panose="020B0604020202020204" pitchFamily="34" charset="0"/>
-              </a:rPr>
-              <a:t>GraphSAINT</a:t>
-            </a:r>
-            <a:r>
-              <a:rPr lang="en-US" altLang="ko-KR" sz="2000" b="1" dirty="0">
-                <a:solidFill>
-                  <a:schemeClr val="tx1">
-                    <a:lumMod val="85000"/>
-                    <a:lumOff val="15000"/>
-                  </a:schemeClr>
-                </a:solidFill>
-                <a:latin typeface="나눔스퀘어 ExtraBold" panose="020B0600000101010101" pitchFamily="50" charset="-127"/>
-                <a:ea typeface="나눔스퀘어 ExtraBold" panose="020B0600000101010101" pitchFamily="50" charset="-127"/>
-                <a:cs typeface="Arial" panose="020B0604020202020204" pitchFamily="34" charset="0"/>
-              </a:rPr>
-              <a:t>, </a:t>
-            </a:r>
-            <a:r>
-              <a:rPr lang="en-US" altLang="ko-KR" sz="2000" b="1" dirty="0" err="1">
-                <a:solidFill>
-                  <a:schemeClr val="tx1">
-                    <a:lumMod val="85000"/>
-                    <a:lumOff val="15000"/>
-                  </a:schemeClr>
-                </a:solidFill>
-                <a:latin typeface="나눔스퀘어 ExtraBold" panose="020B0600000101010101" pitchFamily="50" charset="-127"/>
-                <a:ea typeface="나눔스퀘어 ExtraBold" panose="020B0600000101010101" pitchFamily="50" charset="-127"/>
-                <a:cs typeface="Arial" panose="020B0604020202020204" pitchFamily="34" charset="0"/>
-              </a:rPr>
-              <a:t>JKNets</a:t>
-            </a:r>
-            <a:endParaRPr lang="en-US" altLang="ko-KR" sz="1800" b="1" dirty="0">
-              <a:solidFill>
-                <a:schemeClr val="tx1">
-                  <a:lumMod val="85000"/>
-                  <a:lumOff val="15000"/>
-                </a:schemeClr>
-              </a:solidFill>
-              <a:latin typeface="나눔스퀘어 ExtraBold" panose="020B0600000101010101" pitchFamily="50" charset="-127"/>
-              <a:ea typeface="나눔스퀘어 ExtraBold" panose="020B0600000101010101" pitchFamily="50" charset="-127"/>
-              <a:cs typeface="Arial" panose="020B0604020202020204" pitchFamily="34" charset="0"/>
-            </a:endParaRPr>
-          </a:p>
-          <a:p>
-            <a:pPr marL="889200" lvl="1" indent="-432000">
-              <a:lnSpc>
-                <a:spcPct val="100000"/>
-              </a:lnSpc>
-              <a:buClr>
-                <a:srgbClr val="004F9E"/>
-              </a:buClr>
-              <a:buFont typeface="Wingdings" panose="05000000000000000000" pitchFamily="2" charset="2"/>
-              <a:buChar char="§"/>
-            </a:pPr>
-            <a:r>
-              <a:rPr lang="en-US" altLang="ko-KR" sz="2000" dirty="0">
-                <a:solidFill>
-                  <a:schemeClr val="tx1">
-                    <a:lumMod val="85000"/>
-                    <a:lumOff val="15000"/>
-                  </a:schemeClr>
-                </a:solidFill>
-                <a:latin typeface="나눔스퀘어 ExtraBold" panose="020B0600000101010101" pitchFamily="50" charset="-127"/>
-                <a:ea typeface="나눔스퀘어 ExtraBold" panose="020B0600000101010101" pitchFamily="50" charset="-127"/>
-                <a:cs typeface="Arial" panose="020B0604020202020204" pitchFamily="34" charset="0"/>
-              </a:rPr>
-              <a:t>A model faces a sequence of tasks and may take over knowledge acquired in past tasks</a:t>
-            </a:r>
-          </a:p>
-          <a:p>
-            <a:pPr marL="889200" lvl="1" indent="-432000">
-              <a:lnSpc>
-                <a:spcPct val="100000"/>
-              </a:lnSpc>
-              <a:buClr>
-                <a:srgbClr val="004F9E"/>
-              </a:buClr>
-              <a:buFont typeface="Wingdings" panose="05000000000000000000" pitchFamily="2" charset="2"/>
-              <a:buChar char="§"/>
-            </a:pPr>
-            <a:r>
-              <a:rPr lang="en-US" altLang="ko-KR" sz="2000" dirty="0">
-                <a:solidFill>
-                  <a:schemeClr val="tx1">
-                    <a:lumMod val="85000"/>
-                    <a:lumOff val="15000"/>
-                  </a:schemeClr>
-                </a:solidFill>
-                <a:latin typeface="나눔스퀘어 ExtraBold" panose="020B0600000101010101" pitchFamily="50" charset="-127"/>
-                <a:ea typeface="나눔스퀘어 ExtraBold" panose="020B0600000101010101" pitchFamily="50" charset="-127"/>
-                <a:cs typeface="Arial" panose="020B0604020202020204" pitchFamily="34" charset="0"/>
-              </a:rPr>
-              <a:t>Such knowledge may be stored explicitly as historic data or implicitly within model parameters</a:t>
-            </a:r>
-          </a:p>
-          <a:p>
-            <a:pPr marL="889200" lvl="1" indent="-432000">
-              <a:lnSpc>
-                <a:spcPct val="100000"/>
-              </a:lnSpc>
-              <a:buClr>
-                <a:srgbClr val="004F9E"/>
-              </a:buClr>
-              <a:buFont typeface="Wingdings" panose="05000000000000000000" pitchFamily="2" charset="2"/>
-              <a:buChar char="§"/>
-            </a:pPr>
-            <a:r>
-              <a:rPr lang="en-US" altLang="ko-KR" sz="2000" dirty="0">
-                <a:solidFill>
-                  <a:schemeClr val="tx1">
-                    <a:lumMod val="85000"/>
-                    <a:lumOff val="15000"/>
-                  </a:schemeClr>
-                </a:solidFill>
-                <a:latin typeface="나눔스퀘어 ExtraBold" panose="020B0600000101010101" pitchFamily="50" charset="-127"/>
-                <a:ea typeface="나눔스퀘어 ExtraBold" panose="020B0600000101010101" pitchFamily="50" charset="-127"/>
-                <a:cs typeface="Arial" panose="020B0604020202020204" pitchFamily="34" charset="0"/>
-              </a:rPr>
-              <a:t>introduce a new measure based on </a:t>
-            </a:r>
-            <a:r>
-              <a:rPr lang="en-US" altLang="ko-KR" sz="2000" b="1" dirty="0">
-                <a:solidFill>
-                  <a:schemeClr val="tx1">
-                    <a:lumMod val="85000"/>
-                    <a:lumOff val="15000"/>
-                  </a:schemeClr>
-                </a:solidFill>
-                <a:latin typeface="나눔스퀘어 ExtraBold" panose="020B0600000101010101" pitchFamily="50" charset="-127"/>
-                <a:ea typeface="나눔스퀘어 ExtraBold" panose="020B0600000101010101" pitchFamily="50" charset="-127"/>
-                <a:cs typeface="Arial" panose="020B0604020202020204" pitchFamily="34" charset="0"/>
-              </a:rPr>
-              <a:t>k-neighborhood time differences </a:t>
-            </a:r>
-            <a:r>
-              <a:rPr lang="en-US" altLang="ko-KR" sz="2000" dirty="0">
-                <a:solidFill>
-                  <a:schemeClr val="tx1">
-                    <a:lumMod val="85000"/>
-                    <a:lumOff val="15000"/>
-                  </a:schemeClr>
-                </a:solidFill>
-                <a:latin typeface="나눔스퀘어 ExtraBold" panose="020B0600000101010101" pitchFamily="50" charset="-127"/>
-                <a:ea typeface="나눔스퀘어 ExtraBold" panose="020B0600000101010101" pitchFamily="50" charset="-127"/>
-                <a:cs typeface="Arial" panose="020B0604020202020204" pitchFamily="34" charset="0"/>
-              </a:rPr>
-              <a:t>to address variances in the historic data</a:t>
+              <a:t>retain previous knowledge</a:t>
             </a:r>
           </a:p>
         </p:txBody>
@@ -11654,7 +13069,7 @@
     </p:spTree>
     <p:extLst>
       <p:ext uri="{BB962C8B-B14F-4D97-AF65-F5344CB8AC3E}">
-        <p14:creationId xmlns:p14="http://schemas.microsoft.com/office/powerpoint/2010/main" val="3086927590"/>
+        <p14:creationId xmlns:p14="http://schemas.microsoft.com/office/powerpoint/2010/main" val="2473855550"/>
       </p:ext>
     </p:extLst>
   </p:cSld>
